--- a/slides/Chapter2.pptx
+++ b/slides/Chapter2.pptx
@@ -26,12 +26,13 @@
     <p:sldId id="311" r:id="rId19"/>
     <p:sldId id="312" r:id="rId20"/>
     <p:sldId id="313" r:id="rId21"/>
-    <p:sldId id="314" r:id="rId22"/>
+    <p:sldId id="315" r:id="rId22"/>
+    <p:sldId id="316" r:id="rId23"/>
   </p:sldIdLst>
   <p:sldSz cx="12192000" cy="6858000"/>
   <p:notesSz cx="6858000" cy="9144000"/>
   <p:custDataLst>
-    <p:tags r:id="rId27"/>
+    <p:tags r:id="rId28"/>
   </p:custDataLst>
   <p:defaultTextStyle>
     <a:defPPr>
@@ -775,6 +776,84 @@
 </file>
 
 <file path=ppt/notesSlides/notesSlide13.xml><?xml version="1.0" encoding="utf-8"?>
+<p:notes xmlns:a="http://schemas.openxmlformats.org/drawingml/2006/main" xmlns:r="http://schemas.openxmlformats.org/officeDocument/2006/relationships" xmlns:p="http://schemas.openxmlformats.org/presentationml/2006/main">
+  <p:cSld>
+    <p:spTree>
+      <p:nvGrpSpPr>
+        <p:cNvPr id="1" name=""/>
+        <p:cNvGrpSpPr/>
+        <p:nvPr/>
+      </p:nvGrpSpPr>
+      <p:grpSpPr>
+        <a:xfrm>
+          <a:off x="0" y="0"/>
+          <a:ext cx="0" cy="0"/>
+          <a:chOff x="0" y="0"/>
+          <a:chExt cx="0" cy="0"/>
+        </a:xfrm>
+      </p:grpSpPr>
+      <p:sp>
+        <p:nvSpPr>
+          <p:cNvPr id="2" name="幻灯片图像占位符 1"/>
+          <p:cNvSpPr>
+            <a:spLocks noGrp="1" noRot="1" noChangeAspect="1"/>
+          </p:cNvSpPr>
+          <p:nvPr>
+            <p:ph type="sldImg"/>
+          </p:nvPr>
+        </p:nvSpPr>
+        <p:spPr/>
+      </p:sp>
+      <p:sp>
+        <p:nvSpPr>
+          <p:cNvPr id="3" name="备注占位符 2"/>
+          <p:cNvSpPr>
+            <a:spLocks noGrp="1"/>
+          </p:cNvSpPr>
+          <p:nvPr>
+            <p:ph type="body" idx="1"/>
+          </p:nvPr>
+        </p:nvSpPr>
+        <p:spPr/>
+        <p:txBody>
+          <a:bodyPr/>
+          <a:lstStyle/>
+          <a:p>
+            <a:endParaRPr lang="zh-CN" altLang="en-US" dirty="0"/>
+          </a:p>
+        </p:txBody>
+      </p:sp>
+      <p:sp>
+        <p:nvSpPr>
+          <p:cNvPr id="4" name="灯片编号占位符 3"/>
+          <p:cNvSpPr>
+            <a:spLocks noGrp="1"/>
+          </p:cNvSpPr>
+          <p:nvPr>
+            <p:ph type="sldNum" sz="quarter" idx="5"/>
+          </p:nvPr>
+        </p:nvSpPr>
+        <p:spPr/>
+        <p:txBody>
+          <a:bodyPr/>
+          <a:lstStyle/>
+          <a:p>
+            <a:fld id="{7421D011-EC35-498F-ADE3-3197FF1A64D5}" type="slidenum">
+              <a:rPr lang="zh-CN" altLang="en-US" smtClean="0"/>
+            </a:fld>
+            <a:endParaRPr lang="zh-CN" altLang="en-US"/>
+          </a:p>
+        </p:txBody>
+      </p:sp>
+    </p:spTree>
+  </p:cSld>
+  <p:clrMapOvr>
+    <a:masterClrMapping/>
+  </p:clrMapOvr>
+</p:notes>
+</file>
+
+<file path=ppt/notesSlides/notesSlide14.xml><?xml version="1.0" encoding="utf-8"?>
 <p:notes xmlns:a="http://schemas.openxmlformats.org/drawingml/2006/main" xmlns:r="http://schemas.openxmlformats.org/officeDocument/2006/relationships" xmlns:p="http://schemas.openxmlformats.org/presentationml/2006/main">
   <p:cSld>
     <p:spTree>
@@ -23980,194 +24059,25 @@
           <a:p>
             <a:r>
               <a:rPr lang="zh-CN" altLang="en-US"/>
-              <a:t>温度转换</a:t>
+              <a:t>分段函数</a:t>
             </a:r>
             <a:endParaRPr lang="zh-CN" altLang="en-US"/>
           </a:p>
         </p:txBody>
       </p:sp>
-      <mc:AlternateContent xmlns:mc="http://schemas.openxmlformats.org/markup-compatibility/2006">
-        <mc:Choice xmlns:a14="http://schemas.microsoft.com/office/drawing/2010/main" Requires="a14">
-          <p:sp>
-            <p:nvSpPr>
-              <p:cNvPr id="6" name="文本占位符 5"/>
-              <p:cNvSpPr>
-                <a:spLocks noGrp="1"/>
-              </p:cNvSpPr>
-              <p:nvPr>
-                <p:ph type="body" sz="quarter" idx="15"/>
-                <p:custDataLst>
-                  <p:tags r:id="rId2"/>
-                </p:custDataLst>
-              </p:nvPr>
-            </p:nvSpPr>
-            <p:spPr>
-              <a:xfrm>
-                <a:off x="1087120" y="1445895"/>
-                <a:ext cx="3137535" cy="1116330"/>
-              </a:xfrm>
-            </p:spPr>
-            <p:txBody>
-              <a:bodyPr>
-                <a:noAutofit/>
-              </a:bodyPr>
-              <a:lstStyle/>
-              <a:p>
-                <a:pPr algn="ctr"/>
-                <a:r>
-                  <a:rPr lang="zh-CN">
-                    <a:latin typeface="+mn-lt"/>
-                    <a:cs typeface="+mn-lt"/>
-                  </a:rPr>
-                  <a:t>输入摄氏度</a:t>
-                </a:r>
-                <a:r>
-                  <a:rPr lang="zh-CN" altLang="en-US">
-                    <a:latin typeface="+mn-lt"/>
-                    <a:cs typeface="+mn-lt"/>
-                  </a:rPr>
-                  <a:t>，输出华氏度。</a:t>
-                </a:r>
-                <a:endParaRPr lang="zh-CN" altLang="en-US">
-                  <a:latin typeface="+mn-lt"/>
-                  <a:cs typeface="+mn-lt"/>
-                </a:endParaRPr>
-              </a:p>
-              <a:p>
-                <a14:m>
-                  <m:oMathPara xmlns:m="http://schemas.openxmlformats.org/officeDocument/2006/math">
-                    <m:oMathParaPr>
-                      <m:jc m:val="centerGroup"/>
-                    </m:oMathParaPr>
-                    <m:oMath xmlns:m="http://schemas.openxmlformats.org/officeDocument/2006/math">
-                      <m:r>
-                        <a:rPr lang="en-US" altLang="zh-CN" i="1">
-                          <a:latin typeface="Cambria Math" panose="02040503050406030204" charset="0"/>
-                          <a:cs typeface="Cambria Math" panose="02040503050406030204" charset="0"/>
-                        </a:rPr>
-                        <m:t>华氏度=</m:t>
-                      </m:r>
-                      <m:r>
-                        <a:rPr lang="en-US" altLang="zh-CN" i="1">
-                          <a:latin typeface="Cambria Math" panose="02040503050406030204" charset="0"/>
-                          <a:cs typeface="Cambria Math" panose="02040503050406030204" charset="0"/>
-                        </a:rPr>
-                        <m:t>32</m:t>
-                      </m:r>
-                      <m:r>
-                        <a:rPr lang="en-US" altLang="zh-CN" i="1">
-                          <a:latin typeface="Cambria Math" panose="02040503050406030204" charset="0"/>
-                          <a:cs typeface="Cambria Math" panose="02040503050406030204" charset="0"/>
-                        </a:rPr>
-                        <m:t>+</m:t>
-                      </m:r>
-                      <m:f>
-                        <m:fPr>
-                          <m:ctrlPr>
-                            <a:rPr lang="en-US" altLang="zh-CN" i="1">
-                              <a:latin typeface="Cambria Math" panose="02040503050406030204" charset="0"/>
-                              <a:cs typeface="Cambria Math" panose="02040503050406030204" charset="0"/>
-                            </a:rPr>
-                          </m:ctrlPr>
-                        </m:fPr>
-                        <m:num>
-                          <m:r>
-                            <a:rPr lang="en-US" altLang="zh-CN" i="1">
-                              <a:latin typeface="Cambria Math" panose="02040503050406030204" charset="0"/>
-                              <a:cs typeface="Cambria Math" panose="02040503050406030204" charset="0"/>
-                            </a:rPr>
-                            <m:t>9</m:t>
-                          </m:r>
-                        </m:num>
-                        <m:den>
-                          <m:r>
-                            <a:rPr lang="en-US" altLang="zh-CN" i="1">
-                              <a:latin typeface="Cambria Math" panose="02040503050406030204" charset="0"/>
-                              <a:cs typeface="Cambria Math" panose="02040503050406030204" charset="0"/>
-                            </a:rPr>
-                            <m:t>5</m:t>
-                          </m:r>
-                        </m:den>
-                      </m:f>
-                      <m:r>
-                        <a:rPr lang="en-US" altLang="zh-CN" i="1">
-                          <a:latin typeface="Cambria Math" panose="02040503050406030204" charset="0"/>
-                          <a:cs typeface="Cambria Math" panose="02040503050406030204" charset="0"/>
-                        </a:rPr>
-                        <m:t>×</m:t>
-                      </m:r>
-                      <m:r>
-                        <a:rPr lang="en-US" altLang="zh-CN" i="1">
-                          <a:latin typeface="Cambria Math" panose="02040503050406030204" charset="0"/>
-                          <a:cs typeface="Cambria Math" panose="02040503050406030204" charset="0"/>
-                        </a:rPr>
-                        <m:t>摄氏度</m:t>
-                      </m:r>
-                    </m:oMath>
-                  </m:oMathPara>
-                </a14:m>
-                <a:endParaRPr lang="en-US" altLang="zh-CN">
-                  <a:latin typeface="+mn-lt"/>
-                  <a:cs typeface="+mn-lt"/>
-                </a:endParaRPr>
-              </a:p>
-            </p:txBody>
-          </p:sp>
-        </mc:Choice>
-        <mc:Fallback>
-          <p:sp>
-            <p:nvSpPr>
-              <p:cNvPr id="6" name="文本占位符 5"/>
-              <p:cNvSpPr>
-                <a:spLocks noRot="1" noChangeAspect="1" noMove="1" noResize="1" noEditPoints="1" noAdjustHandles="1" noChangeArrowheads="1" noChangeShapeType="1" noTextEdit="1"/>
-              </p:cNvSpPr>
-              <p:nvPr>
-                <p:ph type="body" sz="quarter" idx="15"/>
-                <p:custDataLst>
-                  <p:tags r:id="rId3"/>
-                </p:custDataLst>
-              </p:nvPr>
-            </p:nvSpPr>
-            <p:spPr>
-              <a:xfrm>
-                <a:off x="1087120" y="1445895"/>
-                <a:ext cx="3137535" cy="1116330"/>
-              </a:xfrm>
-              <a:blipFill rotWithShape="1">
-                <a:blip r:embed="rId4"/>
-                <a:stretch>
-                  <a:fillRect/>
-                </a:stretch>
-              </a:blipFill>
-            </p:spPr>
-            <p:txBody>
-              <a:bodyPr/>
-              <a:lstStyle/>
-              <a:p>
-                <a:r>
-                  <a:rPr lang="zh-CN" altLang="en-US">
-                    <a:noFill/>
-                  </a:rPr>
-                  <a:t> </a:t>
-                </a:r>
-              </a:p>
-            </p:txBody>
-          </p:sp>
-        </mc:Fallback>
-      </mc:AlternateContent>
       <p:graphicFrame>
         <p:nvGraphicFramePr>
           <p:cNvPr id="3" name="表格 2"/>
           <p:cNvGraphicFramePr/>
           <p:nvPr>
             <p:custDataLst>
-              <p:tags r:id="rId5"/>
+              <p:tags r:id="rId2"/>
             </p:custDataLst>
           </p:nvPr>
         </p:nvGraphicFramePr>
         <p:xfrm>
-          <a:off x="6744970" y="1445895"/>
-          <a:ext cx="4458970" cy="1261745"/>
+          <a:off x="7774305" y="1358900"/>
+          <a:ext cx="2118360" cy="1261745"/>
         </p:xfrm>
         <a:graphic>
           <a:graphicData uri="http://schemas.openxmlformats.org/drawingml/2006/table">
@@ -24176,7 +24086,7 @@
                 <a:tableStyleId>{5C22544A-7EE6-4342-B048-85BDC9FD1C3A}</a:tableStyleId>
               </a:tblPr>
               <a:tblGrid>
-                <a:gridCol w="4458970"/>
+                <a:gridCol w="2118360"/>
               </a:tblGrid>
               <a:tr h="1261745">
                 <a:tc>
@@ -24243,7 +24153,7 @@
                           <a:cs typeface="Consolas" panose="020B0609020204030204" charset="0"/>
                           <a:sym typeface="+mn-ea"/>
                         </a:rPr>
-                        <a:t>Enter temperature in Celsius: 37</a:t>
+                        <a:t>Enter x: -5.5</a:t>
                       </a:r>
                       <a:endParaRPr sz="1800" b="0">
                         <a:solidFill>
@@ -24267,7 +24177,7 @@
                           <a:cs typeface="Consolas" panose="020B0609020204030204" charset="0"/>
                           <a:sym typeface="+mn-ea"/>
                         </a:rPr>
-                        <a:t>F = 32 + 37.00 * 9 / 5 = 98.60</a:t>
+                        <a:t>y = 0.25</a:t>
                       </a:r>
                       <a:endParaRPr sz="1800" b="0">
                         <a:solidFill>
@@ -24293,9 +24203,392 @@
           </a:graphicData>
         </a:graphic>
       </p:graphicFrame>
+      <mc:AlternateContent xmlns:mc="http://schemas.openxmlformats.org/markup-compatibility/2006">
+        <mc:Choice xmlns:a14="http://schemas.microsoft.com/office/drawing/2010/main" Requires="a14">
+          <p:sp>
+            <p:nvSpPr>
+              <p:cNvPr id="2" name="文本占位符 1"/>
+              <p:cNvSpPr>
+                <a:spLocks noGrp="1"/>
+              </p:cNvSpPr>
+              <p:nvPr>
+                <p:ph type="body" sz="quarter" idx="15"/>
+                <p:custDataLst>
+                  <p:tags r:id="rId3"/>
+                </p:custDataLst>
+              </p:nvPr>
+            </p:nvSpPr>
+            <p:spPr>
+              <a:xfrm>
+                <a:off x="681355" y="1296035"/>
+                <a:ext cx="4860925" cy="2025650"/>
+              </a:xfrm>
+            </p:spPr>
+            <p:txBody>
+              <a:bodyPr>
+                <a:noAutofit/>
+              </a:bodyPr>
+              <a:p>
+                <a:r>
+                  <a:rPr lang="zh-CN" altLang="en-US">
+                    <a:latin typeface="+mn-lt"/>
+                    <a:cs typeface="+mn-lt"/>
+                  </a:rPr>
+                  <a:t>输入</a:t>
+                </a:r>
+                <a:r>
+                  <a:rPr lang="en-US" altLang="zh-CN">
+                    <a:latin typeface="+mn-lt"/>
+                    <a:cs typeface="+mn-lt"/>
+                  </a:rPr>
+                  <a:t>x</a:t>
+                </a:r>
+                <a:r>
+                  <a:rPr lang="zh-CN" altLang="en-US">
+                    <a:latin typeface="+mn-lt"/>
+                    <a:cs typeface="+mn-lt"/>
+                  </a:rPr>
+                  <a:t>，计算分段函数的值。</a:t>
+                </a:r>
+                <a:endParaRPr lang="zh-CN" altLang="en-US">
+                  <a:latin typeface="+mn-lt"/>
+                  <a:cs typeface="+mn-lt"/>
+                </a:endParaRPr>
+              </a:p>
+              <a:p>
+                <a14:m>
+                  <m:oMathPara xmlns:m="http://schemas.openxmlformats.org/officeDocument/2006/math">
+                    <m:oMathParaPr>
+                      <m:jc m:val="center"/>
+                    </m:oMathParaPr>
+                    <m:oMath xmlns:m="http://schemas.openxmlformats.org/officeDocument/2006/math">
+                      <m:r>
+                        <a:rPr lang="en-US" altLang="zh-CN" i="1">
+                          <a:latin typeface="Cambria Math" panose="02040503050406030204" charset="0"/>
+                          <a:cs typeface="Cambria Math" panose="02040503050406030204" charset="0"/>
+                        </a:rPr>
+                        <m:t>𝑦</m:t>
+                      </m:r>
+                      <m:r>
+                        <a:rPr lang="en-US" altLang="zh-CN" i="1">
+                          <a:latin typeface="Cambria Math" panose="02040503050406030204" charset="0"/>
+                          <a:cs typeface="Cambria Math" panose="02040503050406030204" charset="0"/>
+                        </a:rPr>
+                        <m:t>=</m:t>
+                      </m:r>
+                      <m:r>
+                        <a:rPr lang="en-US" altLang="zh-CN" i="1">
+                          <a:latin typeface="Cambria Math" panose="02040503050406030204" charset="0"/>
+                          <a:cs typeface="Cambria Math" panose="02040503050406030204" charset="0"/>
+                        </a:rPr>
+                        <m:t>𝑓</m:t>
+                      </m:r>
+                      <m:d>
+                        <m:dPr>
+                          <m:ctrlPr>
+                            <a:rPr lang="en-US" altLang="zh-CN" i="1">
+                              <a:latin typeface="Cambria Math" panose="02040503050406030204" charset="0"/>
+                              <a:cs typeface="Cambria Math" panose="02040503050406030204" charset="0"/>
+                            </a:rPr>
+                          </m:ctrlPr>
+                        </m:dPr>
+                        <m:e>
+                          <m:r>
+                            <a:rPr lang="en-US" altLang="zh-CN" i="1">
+                              <a:latin typeface="Cambria Math" panose="02040503050406030204" charset="0"/>
+                              <a:cs typeface="Cambria Math" panose="02040503050406030204" charset="0"/>
+                            </a:rPr>
+                            <m:t>𝑥</m:t>
+                          </m:r>
+                        </m:e>
+                      </m:d>
+                      <m:r>
+                        <a:rPr lang="en-US" altLang="zh-CN" i="1">
+                          <a:latin typeface="Cambria Math" panose="02040503050406030204" charset="0"/>
+                          <a:cs typeface="Cambria Math" panose="02040503050406030204" charset="0"/>
+                        </a:rPr>
+                        <m:t>=</m:t>
+                      </m:r>
+                      <m:d>
+                        <m:dPr>
+                          <m:begChr m:val="{"/>
+                          <m:endChr m:val=""/>
+                          <m:ctrlPr>
+                            <a:rPr lang="en-US" altLang="zh-CN" i="1">
+                              <a:latin typeface="Cambria Math" panose="02040503050406030204" charset="0"/>
+                              <a:cs typeface="Cambria Math" panose="02040503050406030204" charset="0"/>
+                            </a:rPr>
+                          </m:ctrlPr>
+                        </m:dPr>
+                        <m:e>
+                          <m:m>
+                            <m:mPr>
+                              <m:mcs>
+                                <m:mc>
+                                  <m:mcPr>
+                                    <m:count m:val="2"/>
+                                    <m:mcJc m:val="center"/>
+                                  </m:mcPr>
+                                </m:mc>
+                              </m:mcs>
+                              <m:ctrlPr>
+                                <a:rPr lang="en-US" altLang="zh-CN" i="1">
+                                  <a:latin typeface="Cambria Math" panose="02040503050406030204" charset="0"/>
+                                  <a:cs typeface="Cambria Math" panose="02040503050406030204" charset="0"/>
+                                </a:rPr>
+                              </m:ctrlPr>
+                            </m:mPr>
+                            <m:mr>
+                              <m:e>
+                                <m:f>
+                                  <m:fPr>
+                                    <m:ctrlPr>
+                                      <a:rPr lang="en-US" altLang="zh-CN" i="1">
+                                        <a:latin typeface="Cambria Math" panose="02040503050406030204" charset="0"/>
+                                        <a:cs typeface="Cambria Math" panose="02040503050406030204" charset="0"/>
+                                      </a:rPr>
+                                    </m:ctrlPr>
+                                  </m:fPr>
+                                  <m:num>
+                                    <m:r>
+                                      <a:rPr lang="en-US" altLang="zh-CN" i="1">
+                                        <a:latin typeface="Cambria Math" panose="02040503050406030204" charset="0"/>
+                                        <a:cs typeface="Cambria Math" panose="02040503050406030204" charset="0"/>
+                                      </a:rPr>
+                                      <m:t>1</m:t>
+                                    </m:r>
+                                  </m:num>
+                                  <m:den>
+                                    <m:r>
+                                      <a:rPr lang="en-US" altLang="zh-CN" i="1">
+                                        <a:latin typeface="Cambria Math" panose="02040503050406030204" charset="0"/>
+                                        <a:cs typeface="Cambria Math" panose="02040503050406030204" charset="0"/>
+                                      </a:rPr>
+                                      <m:t>2</m:t>
+                                    </m:r>
+                                  </m:den>
+                                </m:f>
+                                <m:r>
+                                  <a:rPr lang="en-US" altLang="zh-CN" i="1">
+                                    <a:latin typeface="Cambria Math" panose="02040503050406030204" charset="0"/>
+                                    <a:cs typeface="Cambria Math" panose="02040503050406030204" charset="0"/>
+                                  </a:rPr>
+                                  <m:t>𝑥</m:t>
+                                </m:r>
+                                <m:r>
+                                  <a:rPr lang="en-US" altLang="zh-CN" i="1">
+                                    <a:latin typeface="Cambria Math" panose="02040503050406030204" charset="0"/>
+                                    <a:cs typeface="Cambria Math" panose="02040503050406030204" charset="0"/>
+                                  </a:rPr>
+                                  <m:t>+</m:t>
+                                </m:r>
+                                <m:r>
+                                  <a:rPr lang="en-US" altLang="zh-CN" i="1">
+                                    <a:latin typeface="Cambria Math" panose="02040503050406030204" charset="0"/>
+                                    <a:cs typeface="Cambria Math" panose="02040503050406030204" charset="0"/>
+                                  </a:rPr>
+                                  <m:t>3</m:t>
+                                </m:r>
+                              </m:e>
+                              <m:e>
+                                <m:r>
+                                  <a:rPr lang="en-US" altLang="zh-CN" i="1">
+                                    <a:latin typeface="Cambria Math" panose="02040503050406030204" charset="0"/>
+                                    <a:cs typeface="Cambria Math" panose="02040503050406030204" charset="0"/>
+                                  </a:rPr>
+                                  <m:t>𝑥</m:t>
+                                </m:r>
+                                <m:r>
+                                  <a:rPr lang="en-US" altLang="zh-CN" i="1">
+                                    <a:latin typeface="Cambria Math" panose="02040503050406030204" charset="0"/>
+                                    <a:cs typeface="Cambria Math" panose="02040503050406030204" charset="0"/>
+                                  </a:rPr>
+                                  <m:t>&lt;</m:t>
+                                </m:r>
+                                <m:r>
+                                  <a:rPr lang="en-US" altLang="zh-CN" i="1">
+                                    <a:latin typeface="Cambria Math" panose="02040503050406030204" charset="0"/>
+                                    <a:cs typeface="Cambria Math" panose="02040503050406030204" charset="0"/>
+                                  </a:rPr>
+                                  <m:t>−</m:t>
+                                </m:r>
+                                <m:r>
+                                  <a:rPr lang="en-US" altLang="zh-CN" i="1">
+                                    <a:latin typeface="Cambria Math" panose="02040503050406030204" charset="0"/>
+                                    <a:cs typeface="Cambria Math" panose="02040503050406030204" charset="0"/>
+                                  </a:rPr>
+                                  <m:t>2</m:t>
+                                </m:r>
+                              </m:e>
+                            </m:mr>
+                            <m:mr>
+                              <m:e>
+                                <m:r>
+                                  <a:rPr lang="en-US" altLang="zh-CN" i="1">
+                                    <a:latin typeface="Cambria Math" panose="02040503050406030204" charset="0"/>
+                                    <a:cs typeface="Cambria Math" panose="02040503050406030204" charset="0"/>
+                                  </a:rPr>
+                                  <m:t>0</m:t>
+                                </m:r>
+                              </m:e>
+                              <m:e>
+                                <m:r>
+                                  <a:rPr lang="en-US" altLang="zh-CN" i="1">
+                                    <a:latin typeface="Cambria Math" panose="02040503050406030204" charset="0"/>
+                                    <a:cs typeface="Cambria Math" panose="02040503050406030204" charset="0"/>
+                                  </a:rPr>
+                                  <m:t>−</m:t>
+                                </m:r>
+                                <m:r>
+                                  <a:rPr lang="en-US" altLang="zh-CN" i="1">
+                                    <a:latin typeface="Cambria Math" panose="02040503050406030204" charset="0"/>
+                                    <a:cs typeface="Cambria Math" panose="02040503050406030204" charset="0"/>
+                                  </a:rPr>
+                                  <m:t>2</m:t>
+                                </m:r>
+                                <m:r>
+                                  <a:rPr lang="en-US" altLang="zh-CN" i="1">
+                                    <a:latin typeface="Cambria Math" panose="02040503050406030204" charset="0"/>
+                                    <a:cs typeface="Cambria Math" panose="02040503050406030204" charset="0"/>
+                                  </a:rPr>
+                                  <m:t>≤</m:t>
+                                </m:r>
+                                <m:r>
+                                  <a:rPr lang="en-US" altLang="zh-CN" i="1">
+                                    <a:latin typeface="Cambria Math" panose="02040503050406030204" charset="0"/>
+                                    <a:cs typeface="Cambria Math" panose="02040503050406030204" charset="0"/>
+                                  </a:rPr>
+                                  <m:t>𝑥</m:t>
+                                </m:r>
+                                <m:r>
+                                  <a:rPr lang="en-US" altLang="zh-CN" i="1">
+                                    <a:latin typeface="Cambria Math" panose="02040503050406030204" charset="0"/>
+                                    <a:cs typeface="Cambria Math" panose="02040503050406030204" charset="0"/>
+                                  </a:rPr>
+                                  <m:t>≤</m:t>
+                                </m:r>
+                                <m:r>
+                                  <a:rPr lang="en-US" altLang="zh-CN" i="1">
+                                    <a:latin typeface="Cambria Math" panose="02040503050406030204" charset="0"/>
+                                    <a:cs typeface="Cambria Math" panose="02040503050406030204" charset="0"/>
+                                  </a:rPr>
+                                  <m:t>2</m:t>
+                                </m:r>
+                              </m:e>
+                            </m:mr>
+                            <m:mr>
+                              <m:e>
+                                <m:sSup>
+                                  <m:sSupPr>
+                                    <m:ctrlPr>
+                                      <a:rPr lang="en-US" altLang="zh-CN" i="1">
+                                        <a:latin typeface="Cambria Math" panose="02040503050406030204" charset="0"/>
+                                        <a:cs typeface="Cambria Math" panose="02040503050406030204" charset="0"/>
+                                      </a:rPr>
+                                    </m:ctrlPr>
+                                  </m:sSupPr>
+                                  <m:e>
+                                    <m:r>
+                                      <a:rPr lang="en-US" altLang="zh-CN" i="1">
+                                        <a:latin typeface="Cambria Math" panose="02040503050406030204" charset="0"/>
+                                        <a:cs typeface="Cambria Math" panose="02040503050406030204" charset="0"/>
+                                      </a:rPr>
+                                      <m:t>4</m:t>
+                                    </m:r>
+                                  </m:e>
+                                  <m:sup>
+                                    <m:r>
+                                      <a:rPr lang="en-US" altLang="zh-CN" i="1">
+                                        <a:latin typeface="Cambria Math" panose="02040503050406030204" charset="0"/>
+                                        <a:cs typeface="Cambria Math" panose="02040503050406030204" charset="0"/>
+                                      </a:rPr>
+                                      <m:t>𝑥</m:t>
+                                    </m:r>
+                                  </m:sup>
+                                </m:sSup>
+                              </m:e>
+                              <m:e>
+                                <m:r>
+                                  <a:rPr lang="en-US" altLang="zh-CN" i="1">
+                                    <a:latin typeface="Cambria Math" panose="02040503050406030204" charset="0"/>
+                                    <a:cs typeface="Cambria Math" panose="02040503050406030204" charset="0"/>
+                                  </a:rPr>
+                                  <m:t>𝑥</m:t>
+                                </m:r>
+                                <m:r>
+                                  <a:rPr lang="en-US" altLang="zh-CN" i="1">
+                                    <a:latin typeface="Cambria Math" panose="02040503050406030204" charset="0"/>
+                                    <a:cs typeface="Cambria Math" panose="02040503050406030204" charset="0"/>
+                                  </a:rPr>
+                                  <m:t>&gt;</m:t>
+                                </m:r>
+                                <m:r>
+                                  <a:rPr lang="en-US" altLang="zh-CN" i="1">
+                                    <a:latin typeface="Cambria Math" panose="02040503050406030204" charset="0"/>
+                                    <a:cs typeface="Cambria Math" panose="02040503050406030204" charset="0"/>
+                                  </a:rPr>
+                                  <m:t>2</m:t>
+                                </m:r>
+                              </m:e>
+                            </m:mr>
+                          </m:m>
+                        </m:e>
+                      </m:d>
+                    </m:oMath>
+                  </m:oMathPara>
+                </a14:m>
+                <a:endParaRPr lang="zh-CN" altLang="en-US">
+                  <a:latin typeface="+mn-lt"/>
+                  <a:cs typeface="+mn-lt"/>
+                </a:endParaRPr>
+              </a:p>
+            </p:txBody>
+          </p:sp>
+        </mc:Choice>
+        <mc:Fallback>
+          <p:sp>
+            <p:nvSpPr>
+              <p:cNvPr id="2" name="文本占位符 1"/>
+              <p:cNvSpPr>
+                <a:spLocks noRot="1" noChangeAspect="1" noMove="1" noResize="1" noEditPoints="1" noAdjustHandles="1" noChangeArrowheads="1" noChangeShapeType="1" noTextEdit="1"/>
+              </p:cNvSpPr>
+              <p:nvPr>
+                <p:ph type="body" sz="quarter" idx="15"/>
+                <p:custDataLst>
+                  <p:tags r:id="rId4"/>
+                </p:custDataLst>
+              </p:nvPr>
+            </p:nvSpPr>
+            <p:spPr>
+              <a:xfrm>
+                <a:off x="681355" y="1296035"/>
+                <a:ext cx="4860925" cy="2025650"/>
+              </a:xfrm>
+              <a:blipFill rotWithShape="1">
+                <a:blip r:embed="rId5"/>
+                <a:stretch>
+                  <a:fillRect/>
+                </a:stretch>
+              </a:blipFill>
+            </p:spPr>
+            <p:txBody>
+              <a:bodyPr/>
+              <a:lstStyle/>
+              <a:p>
+                <a:r>
+                  <a:rPr lang="zh-CN" altLang="en-US">
+                    <a:noFill/>
+                  </a:rPr>
+                  <a:t> </a:t>
+                </a:r>
+              </a:p>
+            </p:txBody>
+          </p:sp>
+        </mc:Fallback>
+      </mc:AlternateContent>
       <p:graphicFrame>
         <p:nvGraphicFramePr>
-          <p:cNvPr id="4" name="表格 3"/>
+          <p:cNvPr id="8" name="表格 7"/>
           <p:cNvGraphicFramePr/>
           <p:nvPr>
             <p:custDataLst>
@@ -24304,8 +24597,8 @@
           </p:nvPr>
         </p:nvGraphicFramePr>
         <p:xfrm>
-          <a:off x="6744970" y="3474085"/>
-          <a:ext cx="4459605" cy="1261745"/>
+          <a:off x="7774305" y="3061970"/>
+          <a:ext cx="2118360" cy="1261745"/>
         </p:xfrm>
         <a:graphic>
           <a:graphicData uri="http://schemas.openxmlformats.org/drawingml/2006/table">
@@ -24314,7 +24607,7 @@
                 <a:tableStyleId>{5C22544A-7EE6-4342-B048-85BDC9FD1C3A}</a:tableStyleId>
               </a:tblPr>
               <a:tblGrid>
-                <a:gridCol w="4459605"/>
+                <a:gridCol w="2118360"/>
               </a:tblGrid>
               <a:tr h="1261745">
                 <a:tc>
@@ -24381,7 +24674,7 @@
                           <a:cs typeface="Consolas" panose="020B0609020204030204" charset="0"/>
                           <a:sym typeface="+mn-ea"/>
                         </a:rPr>
-                        <a:t>Enter temperature in Celsius: 38.5</a:t>
+                        <a:t>Enter x: 0</a:t>
                       </a:r>
                       <a:endParaRPr sz="1800" b="0">
                         <a:solidFill>
@@ -24405,7 +24698,791 @@
                           <a:cs typeface="Consolas" panose="020B0609020204030204" charset="0"/>
                           <a:sym typeface="+mn-ea"/>
                         </a:rPr>
-                        <a:t>F = 32 + 38.50 * 9 / 5 = 101.30</a:t>
+                        <a:t>y = 0.00</a:t>
+                      </a:r>
+                      <a:endParaRPr sz="1800" b="0">
+                        <a:solidFill>
+                          <a:schemeClr val="tx1"/>
+                        </a:solidFill>
+                        <a:latin typeface="Consolas" panose="020B0609020204030204" charset="0"/>
+                        <a:cs typeface="Consolas" panose="020B0609020204030204" charset="0"/>
+                        <a:sym typeface="+mn-ea"/>
+                      </a:endParaRPr>
+                    </a:p>
+                  </a:txBody>
+                  <a:tcPr>
+                    <a:solidFill>
+                      <a:schemeClr val="accent6">
+                        <a:lumMod val="20000"/>
+                        <a:lumOff val="80000"/>
+                      </a:schemeClr>
+                    </a:solidFill>
+                  </a:tcPr>
+                </a:tc>
+              </a:tr>
+            </a:tbl>
+          </a:graphicData>
+        </a:graphic>
+      </p:graphicFrame>
+      <p:graphicFrame>
+        <p:nvGraphicFramePr>
+          <p:cNvPr id="9" name="表格 8"/>
+          <p:cNvGraphicFramePr/>
+          <p:nvPr>
+            <p:custDataLst>
+              <p:tags r:id="rId7"/>
+            </p:custDataLst>
+          </p:nvPr>
+        </p:nvGraphicFramePr>
+        <p:xfrm>
+          <a:off x="7774305" y="4765040"/>
+          <a:ext cx="2118360" cy="1261745"/>
+        </p:xfrm>
+        <a:graphic>
+          <a:graphicData uri="http://schemas.openxmlformats.org/drawingml/2006/table">
+            <a:tbl>
+              <a:tblPr firstRow="1" bandRow="1">
+                <a:tableStyleId>{5C22544A-7EE6-4342-B048-85BDC9FD1C3A}</a:tableStyleId>
+              </a:tblPr>
+              <a:tblGrid>
+                <a:gridCol w="2118360"/>
+              </a:tblGrid>
+              <a:tr h="1261745">
+                <a:tc>
+                  <a:txBody>
+                    <a:bodyPr/>
+                    <a:p>
+                      <a:pPr>
+                        <a:buNone/>
+                      </a:pPr>
+                      <a:r>
+                        <a:rPr lang="zh-CN" sz="1800" b="1">
+                          <a:solidFill>
+                            <a:schemeClr val="tx1"/>
+                          </a:solidFill>
+                          <a:latin typeface="Consolas" panose="020B0609020204030204" charset="0"/>
+                          <a:cs typeface="Consolas" panose="020B0609020204030204" charset="0"/>
+                          <a:sym typeface="+mn-ea"/>
+                        </a:rPr>
+                        <a:t>测试</a:t>
+                      </a:r>
+                      <a:r>
+                        <a:rPr lang="en-US" altLang="zh-CN" sz="1800" b="1">
+                          <a:solidFill>
+                            <a:schemeClr val="tx1"/>
+                          </a:solidFill>
+                          <a:latin typeface="Consolas" panose="020B0609020204030204" charset="0"/>
+                          <a:cs typeface="Consolas" panose="020B0609020204030204" charset="0"/>
+                          <a:sym typeface="+mn-ea"/>
+                        </a:rPr>
+                        <a:t>3</a:t>
+                      </a:r>
+                      <a:endParaRPr lang="en-US" altLang="zh-CN" sz="1800" b="1">
+                        <a:solidFill>
+                          <a:schemeClr val="tx1"/>
+                        </a:solidFill>
+                        <a:latin typeface="Consolas" panose="020B0609020204030204" charset="0"/>
+                        <a:cs typeface="Consolas" panose="020B0609020204030204" charset="0"/>
+                        <a:sym typeface="+mn-ea"/>
+                      </a:endParaRPr>
+                    </a:p>
+                    <a:p>
+                      <a:pPr>
+                        <a:buNone/>
+                      </a:pPr>
+                      <a:endParaRPr sz="1800" b="1">
+                        <a:solidFill>
+                          <a:schemeClr val="tx1"/>
+                        </a:solidFill>
+                        <a:latin typeface="Consolas" panose="020B0609020204030204" charset="0"/>
+                        <a:cs typeface="Consolas" panose="020B0609020204030204" charset="0"/>
+                        <a:sym typeface="+mn-ea"/>
+                      </a:endParaRPr>
+                    </a:p>
+                    <a:p>
+                      <a:pPr>
+                        <a:buNone/>
+                      </a:pPr>
+                      <a:r>
+                        <a:rPr sz="1800" b="0">
+                          <a:solidFill>
+                            <a:schemeClr val="tx1"/>
+                          </a:solidFill>
+                          <a:latin typeface="Consolas" panose="020B0609020204030204" charset="0"/>
+                          <a:cs typeface="Consolas" panose="020B0609020204030204" charset="0"/>
+                          <a:sym typeface="+mn-ea"/>
+                        </a:rPr>
+                        <a:t>Enter x: 3</a:t>
+                      </a:r>
+                      <a:endParaRPr sz="1800" b="0">
+                        <a:solidFill>
+                          <a:schemeClr val="tx1"/>
+                        </a:solidFill>
+                        <a:latin typeface="Consolas" panose="020B0609020204030204" charset="0"/>
+                        <a:cs typeface="Consolas" panose="020B0609020204030204" charset="0"/>
+                        <a:sym typeface="+mn-ea"/>
+                      </a:endParaRPr>
+                    </a:p>
+                    <a:p>
+                      <a:pPr>
+                        <a:buNone/>
+                      </a:pPr>
+                      <a:r>
+                        <a:rPr sz="1800" b="0">
+                          <a:solidFill>
+                            <a:schemeClr val="tx1"/>
+                          </a:solidFill>
+                          <a:latin typeface="Consolas" panose="020B0609020204030204" charset="0"/>
+                          <a:cs typeface="Consolas" panose="020B0609020204030204" charset="0"/>
+                          <a:sym typeface="+mn-ea"/>
+                        </a:rPr>
+                        <a:t>y = 64.00</a:t>
+                      </a:r>
+                      <a:endParaRPr sz="1800" b="0">
+                        <a:solidFill>
+                          <a:schemeClr val="tx1"/>
+                        </a:solidFill>
+                        <a:latin typeface="Consolas" panose="020B0609020204030204" charset="0"/>
+                        <a:cs typeface="Consolas" panose="020B0609020204030204" charset="0"/>
+                        <a:sym typeface="+mn-ea"/>
+                      </a:endParaRPr>
+                    </a:p>
+                  </a:txBody>
+                  <a:tcPr>
+                    <a:solidFill>
+                      <a:schemeClr val="accent6">
+                        <a:lumMod val="20000"/>
+                        <a:lumOff val="80000"/>
+                      </a:schemeClr>
+                    </a:solidFill>
+                  </a:tcPr>
+                </a:tc>
+              </a:tr>
+            </a:tbl>
+          </a:graphicData>
+        </a:graphic>
+      </p:graphicFrame>
+    </p:spTree>
+    <p:custDataLst>
+      <p:tags r:id="rId8"/>
+    </p:custDataLst>
+  </p:cSld>
+  <p:clrMapOvr>
+    <a:masterClrMapping/>
+  </p:clrMapOvr>
+</p:sld>
+</file>
+
+<file path=ppt/slides/slide19.xml><?xml version="1.0" encoding="utf-8"?>
+<p:sld xmlns:a="http://schemas.openxmlformats.org/drawingml/2006/main" xmlns:r="http://schemas.openxmlformats.org/officeDocument/2006/relationships" xmlns:p="http://schemas.openxmlformats.org/presentationml/2006/main">
+  <p:cSld>
+    <p:spTree>
+      <p:nvGrpSpPr>
+        <p:cNvPr id="1" name=""/>
+        <p:cNvGrpSpPr/>
+        <p:nvPr/>
+      </p:nvGrpSpPr>
+      <p:grpSpPr>
+        <a:xfrm>
+          <a:off x="0" y="0"/>
+          <a:ext cx="0" cy="0"/>
+          <a:chOff x="0" y="0"/>
+          <a:chExt cx="0" cy="0"/>
+        </a:xfrm>
+      </p:grpSpPr>
+      <p:sp>
+        <p:nvSpPr>
+          <p:cNvPr id="5" name="标题 4"/>
+          <p:cNvSpPr>
+            <a:spLocks noGrp="1"/>
+          </p:cNvSpPr>
+          <p:nvPr>
+            <p:ph type="title"/>
+            <p:custDataLst>
+              <p:tags r:id="rId1"/>
+            </p:custDataLst>
+          </p:nvPr>
+        </p:nvSpPr>
+        <p:spPr/>
+        <p:txBody>
+          <a:bodyPr>
+            <a:normAutofit fontScale="90000"/>
+          </a:bodyPr>
+          <a:lstStyle/>
+          <a:p>
+            <a:r>
+              <a:rPr lang="zh-CN" altLang="en-US"/>
+              <a:t>月份</a:t>
+            </a:r>
+            <a:endParaRPr lang="zh-CN" altLang="en-US"/>
+          </a:p>
+        </p:txBody>
+      </p:sp>
+      <p:graphicFrame>
+        <p:nvGraphicFramePr>
+          <p:cNvPr id="3" name="表格 2"/>
+          <p:cNvGraphicFramePr/>
+          <p:nvPr>
+            <p:custDataLst>
+              <p:tags r:id="rId2"/>
+            </p:custDataLst>
+          </p:nvPr>
+        </p:nvGraphicFramePr>
+        <p:xfrm>
+          <a:off x="3150870" y="2797175"/>
+          <a:ext cx="2482850" cy="1261745"/>
+        </p:xfrm>
+        <a:graphic>
+          <a:graphicData uri="http://schemas.openxmlformats.org/drawingml/2006/table">
+            <a:tbl>
+              <a:tblPr firstRow="1" bandRow="1">
+                <a:tableStyleId>{5C22544A-7EE6-4342-B048-85BDC9FD1C3A}</a:tableStyleId>
+              </a:tblPr>
+              <a:tblGrid>
+                <a:gridCol w="2482850"/>
+              </a:tblGrid>
+              <a:tr h="1261745">
+                <a:tc>
+                  <a:txBody>
+                    <a:bodyPr/>
+                    <a:p>
+                      <a:pPr>
+                        <a:buNone/>
+                      </a:pPr>
+                      <a:r>
+                        <a:rPr lang="zh-CN" sz="1800" b="1">
+                          <a:solidFill>
+                            <a:schemeClr val="tx1"/>
+                          </a:solidFill>
+                          <a:latin typeface="Consolas" panose="020B0609020204030204" charset="0"/>
+                          <a:cs typeface="Consolas" panose="020B0609020204030204" charset="0"/>
+                          <a:sym typeface="+mn-ea"/>
+                        </a:rPr>
+                        <a:t>测试</a:t>
+                      </a:r>
+                      <a:r>
+                        <a:rPr lang="en-US" altLang="zh-CN" sz="1800" b="1">
+                          <a:solidFill>
+                            <a:schemeClr val="tx1"/>
+                          </a:solidFill>
+                          <a:latin typeface="Consolas" panose="020B0609020204030204" charset="0"/>
+                          <a:cs typeface="Consolas" panose="020B0609020204030204" charset="0"/>
+                          <a:sym typeface="+mn-ea"/>
+                        </a:rPr>
+                        <a:t>1</a:t>
+                      </a:r>
+                      <a:endParaRPr lang="en-US" altLang="zh-CN" sz="1800" b="1">
+                        <a:solidFill>
+                          <a:schemeClr val="tx1"/>
+                        </a:solidFill>
+                        <a:latin typeface="Consolas" panose="020B0609020204030204" charset="0"/>
+                        <a:cs typeface="Consolas" panose="020B0609020204030204" charset="0"/>
+                        <a:sym typeface="+mn-ea"/>
+                      </a:endParaRPr>
+                    </a:p>
+                    <a:p>
+                      <a:pPr>
+                        <a:buNone/>
+                      </a:pPr>
+                      <a:endParaRPr sz="1800" b="1">
+                        <a:solidFill>
+                          <a:schemeClr val="tx1"/>
+                        </a:solidFill>
+                        <a:latin typeface="Consolas" panose="020B0609020204030204" charset="0"/>
+                        <a:cs typeface="Consolas" panose="020B0609020204030204" charset="0"/>
+                        <a:sym typeface="+mn-ea"/>
+                      </a:endParaRPr>
+                    </a:p>
+                    <a:p>
+                      <a:pPr>
+                        <a:buNone/>
+                      </a:pPr>
+                      <a:r>
+                        <a:rPr sz="1800" b="0">
+                          <a:solidFill>
+                            <a:schemeClr val="tx1"/>
+                          </a:solidFill>
+                          <a:latin typeface="Consolas" panose="020B0609020204030204" charset="0"/>
+                          <a:cs typeface="Consolas" panose="020B0609020204030204" charset="0"/>
+                          <a:sym typeface="+mn-ea"/>
+                        </a:rPr>
+                        <a:t>Enter a month: 1</a:t>
+                      </a:r>
+                      <a:endParaRPr sz="1800" b="0">
+                        <a:solidFill>
+                          <a:schemeClr val="tx1"/>
+                        </a:solidFill>
+                        <a:latin typeface="Consolas" panose="020B0609020204030204" charset="0"/>
+                        <a:cs typeface="Consolas" panose="020B0609020204030204" charset="0"/>
+                        <a:sym typeface="+mn-ea"/>
+                      </a:endParaRPr>
+                    </a:p>
+                    <a:p>
+                      <a:pPr>
+                        <a:buNone/>
+                      </a:pPr>
+                      <a:r>
+                        <a:rPr sz="1800" b="0">
+                          <a:solidFill>
+                            <a:schemeClr val="tx1"/>
+                          </a:solidFill>
+                          <a:latin typeface="Consolas" panose="020B0609020204030204" charset="0"/>
+                          <a:cs typeface="Consolas" panose="020B0609020204030204" charset="0"/>
+                          <a:sym typeface="+mn-ea"/>
+                        </a:rPr>
+                        <a:t>January</a:t>
+                      </a:r>
+                      <a:endParaRPr sz="1800" b="0">
+                        <a:solidFill>
+                          <a:schemeClr val="tx1"/>
+                        </a:solidFill>
+                        <a:latin typeface="Consolas" panose="020B0609020204030204" charset="0"/>
+                        <a:cs typeface="Consolas" panose="020B0609020204030204" charset="0"/>
+                        <a:sym typeface="+mn-ea"/>
+                      </a:endParaRPr>
+                    </a:p>
+                  </a:txBody>
+                  <a:tcPr>
+                    <a:solidFill>
+                      <a:schemeClr val="accent6">
+                        <a:lumMod val="20000"/>
+                        <a:lumOff val="80000"/>
+                      </a:schemeClr>
+                    </a:solidFill>
+                  </a:tcPr>
+                </a:tc>
+              </a:tr>
+            </a:tbl>
+          </a:graphicData>
+        </a:graphic>
+      </p:graphicFrame>
+      <p:sp>
+        <p:nvSpPr>
+          <p:cNvPr id="2" name="文本占位符 1"/>
+          <p:cNvSpPr>
+            <a:spLocks noGrp="1"/>
+          </p:cNvSpPr>
+          <p:nvPr>
+            <p:ph type="body" sz="quarter" idx="15"/>
+            <p:custDataLst>
+              <p:tags r:id="rId3"/>
+            </p:custDataLst>
+          </p:nvPr>
+        </p:nvSpPr>
+        <p:spPr>
+          <a:xfrm>
+            <a:off x="681355" y="1296035"/>
+            <a:ext cx="3203575" cy="596265"/>
+          </a:xfrm>
+        </p:spPr>
+        <p:txBody>
+          <a:bodyPr>
+            <a:noAutofit/>
+          </a:bodyPr>
+          <a:p>
+            <a:r>
+              <a:rPr lang="zh-CN">
+                <a:latin typeface="+mn-lt"/>
+                <a:cs typeface="+mn-lt"/>
+              </a:rPr>
+              <a:t>输入月份，输出月份的英文。</a:t>
+            </a:r>
+            <a:endParaRPr lang="zh-CN" altLang="en-US">
+              <a:latin typeface="+mn-lt"/>
+              <a:cs typeface="+mn-lt"/>
+            </a:endParaRPr>
+          </a:p>
+        </p:txBody>
+      </p:sp>
+      <p:graphicFrame>
+        <p:nvGraphicFramePr>
+          <p:cNvPr id="4" name="表格 3"/>
+          <p:cNvGraphicFramePr/>
+          <p:nvPr>
+            <p:custDataLst>
+              <p:tags r:id="rId4"/>
+            </p:custDataLst>
+          </p:nvPr>
+        </p:nvGraphicFramePr>
+        <p:xfrm>
+          <a:off x="6354445" y="2797810"/>
+          <a:ext cx="2482850" cy="1261745"/>
+        </p:xfrm>
+        <a:graphic>
+          <a:graphicData uri="http://schemas.openxmlformats.org/drawingml/2006/table">
+            <a:tbl>
+              <a:tblPr firstRow="1" bandRow="1">
+                <a:tableStyleId>{5C22544A-7EE6-4342-B048-85BDC9FD1C3A}</a:tableStyleId>
+              </a:tblPr>
+              <a:tblGrid>
+                <a:gridCol w="2482850"/>
+              </a:tblGrid>
+              <a:tr h="1261745">
+                <a:tc>
+                  <a:txBody>
+                    <a:bodyPr/>
+                    <a:p>
+                      <a:pPr>
+                        <a:buNone/>
+                      </a:pPr>
+                      <a:r>
+                        <a:rPr lang="zh-CN" sz="1800" b="1">
+                          <a:solidFill>
+                            <a:schemeClr val="tx1"/>
+                          </a:solidFill>
+                          <a:latin typeface="Consolas" panose="020B0609020204030204" charset="0"/>
+                          <a:cs typeface="Consolas" panose="020B0609020204030204" charset="0"/>
+                          <a:sym typeface="+mn-ea"/>
+                        </a:rPr>
+                        <a:t>测试</a:t>
+                      </a:r>
+                      <a:r>
+                        <a:rPr lang="en-US" altLang="zh-CN" sz="1800" b="1">
+                          <a:solidFill>
+                            <a:schemeClr val="tx1"/>
+                          </a:solidFill>
+                          <a:latin typeface="Consolas" panose="020B0609020204030204" charset="0"/>
+                          <a:cs typeface="Consolas" panose="020B0609020204030204" charset="0"/>
+                          <a:sym typeface="+mn-ea"/>
+                        </a:rPr>
+                        <a:t>2</a:t>
+                      </a:r>
+                      <a:endParaRPr lang="en-US" altLang="zh-CN" sz="1800" b="1">
+                        <a:solidFill>
+                          <a:schemeClr val="tx1"/>
+                        </a:solidFill>
+                        <a:latin typeface="Consolas" panose="020B0609020204030204" charset="0"/>
+                        <a:cs typeface="Consolas" panose="020B0609020204030204" charset="0"/>
+                        <a:sym typeface="+mn-ea"/>
+                      </a:endParaRPr>
+                    </a:p>
+                    <a:p>
+                      <a:pPr>
+                        <a:buNone/>
+                      </a:pPr>
+                      <a:endParaRPr sz="1800" b="1">
+                        <a:solidFill>
+                          <a:schemeClr val="tx1"/>
+                        </a:solidFill>
+                        <a:latin typeface="Consolas" panose="020B0609020204030204" charset="0"/>
+                        <a:cs typeface="Consolas" panose="020B0609020204030204" charset="0"/>
+                        <a:sym typeface="+mn-ea"/>
+                      </a:endParaRPr>
+                    </a:p>
+                    <a:p>
+                      <a:pPr>
+                        <a:buNone/>
+                      </a:pPr>
+                      <a:r>
+                        <a:rPr sz="1800" b="0">
+                          <a:solidFill>
+                            <a:schemeClr val="tx1"/>
+                          </a:solidFill>
+                          <a:latin typeface="Consolas" panose="020B0609020204030204" charset="0"/>
+                          <a:cs typeface="Consolas" panose="020B0609020204030204" charset="0"/>
+                          <a:sym typeface="+mn-ea"/>
+                        </a:rPr>
+                        <a:t>Enter a month: 8</a:t>
+                      </a:r>
+                      <a:endParaRPr sz="1800" b="0">
+                        <a:solidFill>
+                          <a:schemeClr val="tx1"/>
+                        </a:solidFill>
+                        <a:latin typeface="Consolas" panose="020B0609020204030204" charset="0"/>
+                        <a:cs typeface="Consolas" panose="020B0609020204030204" charset="0"/>
+                        <a:sym typeface="+mn-ea"/>
+                      </a:endParaRPr>
+                    </a:p>
+                    <a:p>
+                      <a:pPr>
+                        <a:buNone/>
+                      </a:pPr>
+                      <a:r>
+                        <a:rPr sz="1800" b="0">
+                          <a:solidFill>
+                            <a:schemeClr val="tx1"/>
+                          </a:solidFill>
+                          <a:latin typeface="Consolas" panose="020B0609020204030204" charset="0"/>
+                          <a:cs typeface="Consolas" panose="020B0609020204030204" charset="0"/>
+                          <a:sym typeface="+mn-ea"/>
+                        </a:rPr>
+                        <a:t>August</a:t>
+                      </a:r>
+                      <a:endParaRPr sz="1800" b="0">
+                        <a:solidFill>
+                          <a:schemeClr val="tx1"/>
+                        </a:solidFill>
+                        <a:latin typeface="Consolas" panose="020B0609020204030204" charset="0"/>
+                        <a:cs typeface="Consolas" panose="020B0609020204030204" charset="0"/>
+                        <a:sym typeface="+mn-ea"/>
+                      </a:endParaRPr>
+                    </a:p>
+                  </a:txBody>
+                  <a:tcPr>
+                    <a:solidFill>
+                      <a:schemeClr val="accent6">
+                        <a:lumMod val="20000"/>
+                        <a:lumOff val="80000"/>
+                      </a:schemeClr>
+                    </a:solidFill>
+                  </a:tcPr>
+                </a:tc>
+              </a:tr>
+            </a:tbl>
+          </a:graphicData>
+        </a:graphic>
+      </p:graphicFrame>
+      <p:graphicFrame>
+        <p:nvGraphicFramePr>
+          <p:cNvPr id="6" name="表格 5"/>
+          <p:cNvGraphicFramePr/>
+          <p:nvPr>
+            <p:custDataLst>
+              <p:tags r:id="rId5"/>
+            </p:custDataLst>
+          </p:nvPr>
+        </p:nvGraphicFramePr>
+        <p:xfrm>
+          <a:off x="3150870" y="4610100"/>
+          <a:ext cx="2482850" cy="1261745"/>
+        </p:xfrm>
+        <a:graphic>
+          <a:graphicData uri="http://schemas.openxmlformats.org/drawingml/2006/table">
+            <a:tbl>
+              <a:tblPr firstRow="1" bandRow="1">
+                <a:tableStyleId>{5C22544A-7EE6-4342-B048-85BDC9FD1C3A}</a:tableStyleId>
+              </a:tblPr>
+              <a:tblGrid>
+                <a:gridCol w="2482850"/>
+              </a:tblGrid>
+              <a:tr h="1261745">
+                <a:tc>
+                  <a:txBody>
+                    <a:bodyPr/>
+                    <a:p>
+                      <a:pPr>
+                        <a:buNone/>
+                      </a:pPr>
+                      <a:r>
+                        <a:rPr lang="zh-CN" sz="1800" b="1">
+                          <a:solidFill>
+                            <a:schemeClr val="tx1"/>
+                          </a:solidFill>
+                          <a:latin typeface="Consolas" panose="020B0609020204030204" charset="0"/>
+                          <a:cs typeface="Consolas" panose="020B0609020204030204" charset="0"/>
+                          <a:sym typeface="+mn-ea"/>
+                        </a:rPr>
+                        <a:t>测试</a:t>
+                      </a:r>
+                      <a:r>
+                        <a:rPr lang="en-US" altLang="zh-CN" sz="1800" b="1">
+                          <a:solidFill>
+                            <a:schemeClr val="tx1"/>
+                          </a:solidFill>
+                          <a:latin typeface="Consolas" panose="020B0609020204030204" charset="0"/>
+                          <a:cs typeface="Consolas" panose="020B0609020204030204" charset="0"/>
+                          <a:sym typeface="+mn-ea"/>
+                        </a:rPr>
+                        <a:t>3</a:t>
+                      </a:r>
+                      <a:endParaRPr lang="en-US" altLang="zh-CN" sz="1800" b="1">
+                        <a:solidFill>
+                          <a:schemeClr val="tx1"/>
+                        </a:solidFill>
+                        <a:latin typeface="Consolas" panose="020B0609020204030204" charset="0"/>
+                        <a:cs typeface="Consolas" panose="020B0609020204030204" charset="0"/>
+                        <a:sym typeface="+mn-ea"/>
+                      </a:endParaRPr>
+                    </a:p>
+                    <a:p>
+                      <a:pPr>
+                        <a:buNone/>
+                      </a:pPr>
+                      <a:endParaRPr sz="1800" b="1">
+                        <a:solidFill>
+                          <a:schemeClr val="tx1"/>
+                        </a:solidFill>
+                        <a:latin typeface="Consolas" panose="020B0609020204030204" charset="0"/>
+                        <a:cs typeface="Consolas" panose="020B0609020204030204" charset="0"/>
+                        <a:sym typeface="+mn-ea"/>
+                      </a:endParaRPr>
+                    </a:p>
+                    <a:p>
+                      <a:pPr>
+                        <a:buNone/>
+                      </a:pPr>
+                      <a:r>
+                        <a:rPr sz="1800" b="0">
+                          <a:solidFill>
+                            <a:schemeClr val="tx1"/>
+                          </a:solidFill>
+                          <a:latin typeface="Consolas" panose="020B0609020204030204" charset="0"/>
+                          <a:cs typeface="Consolas" panose="020B0609020204030204" charset="0"/>
+                          <a:sym typeface="+mn-ea"/>
+                        </a:rPr>
+                        <a:t>Enter a month: 12</a:t>
+                      </a:r>
+                      <a:endParaRPr sz="1800" b="0">
+                        <a:solidFill>
+                          <a:schemeClr val="tx1"/>
+                        </a:solidFill>
+                        <a:latin typeface="Consolas" panose="020B0609020204030204" charset="0"/>
+                        <a:cs typeface="Consolas" panose="020B0609020204030204" charset="0"/>
+                        <a:sym typeface="+mn-ea"/>
+                      </a:endParaRPr>
+                    </a:p>
+                    <a:p>
+                      <a:pPr>
+                        <a:buNone/>
+                      </a:pPr>
+                      <a:r>
+                        <a:rPr sz="1800" b="0">
+                          <a:solidFill>
+                            <a:schemeClr val="tx1"/>
+                          </a:solidFill>
+                          <a:latin typeface="Consolas" panose="020B0609020204030204" charset="0"/>
+                          <a:cs typeface="Consolas" panose="020B0609020204030204" charset="0"/>
+                          <a:sym typeface="+mn-ea"/>
+                        </a:rPr>
+                        <a:t>December</a:t>
+                      </a:r>
+                      <a:endParaRPr sz="1800" b="0">
+                        <a:solidFill>
+                          <a:schemeClr val="tx1"/>
+                        </a:solidFill>
+                        <a:latin typeface="Consolas" panose="020B0609020204030204" charset="0"/>
+                        <a:cs typeface="Consolas" panose="020B0609020204030204" charset="0"/>
+                        <a:sym typeface="+mn-ea"/>
+                      </a:endParaRPr>
+                    </a:p>
+                  </a:txBody>
+                  <a:tcPr>
+                    <a:solidFill>
+                      <a:schemeClr val="accent6">
+                        <a:lumMod val="20000"/>
+                        <a:lumOff val="80000"/>
+                      </a:schemeClr>
+                    </a:solidFill>
+                  </a:tcPr>
+                </a:tc>
+              </a:tr>
+            </a:tbl>
+          </a:graphicData>
+        </a:graphic>
+      </p:graphicFrame>
+      <p:graphicFrame>
+        <p:nvGraphicFramePr>
+          <p:cNvPr id="7" name="表格 6"/>
+          <p:cNvGraphicFramePr/>
+          <p:nvPr>
+            <p:custDataLst>
+              <p:tags r:id="rId6"/>
+            </p:custDataLst>
+          </p:nvPr>
+        </p:nvGraphicFramePr>
+        <p:xfrm>
+          <a:off x="6354445" y="4610100"/>
+          <a:ext cx="2482850" cy="1261745"/>
+        </p:xfrm>
+        <a:graphic>
+          <a:graphicData uri="http://schemas.openxmlformats.org/drawingml/2006/table">
+            <a:tbl>
+              <a:tblPr firstRow="1" bandRow="1">
+                <a:tableStyleId>{5C22544A-7EE6-4342-B048-85BDC9FD1C3A}</a:tableStyleId>
+              </a:tblPr>
+              <a:tblGrid>
+                <a:gridCol w="2482850"/>
+              </a:tblGrid>
+              <a:tr h="1261745">
+                <a:tc>
+                  <a:txBody>
+                    <a:bodyPr/>
+                    <a:p>
+                      <a:pPr>
+                        <a:buNone/>
+                      </a:pPr>
+                      <a:r>
+                        <a:rPr lang="zh-CN" sz="1800" b="1">
+                          <a:solidFill>
+                            <a:schemeClr val="tx1"/>
+                          </a:solidFill>
+                          <a:latin typeface="Consolas" panose="020B0609020204030204" charset="0"/>
+                          <a:cs typeface="Consolas" panose="020B0609020204030204" charset="0"/>
+                          <a:sym typeface="+mn-ea"/>
+                        </a:rPr>
+                        <a:t>测试</a:t>
+                      </a:r>
+                      <a:r>
+                        <a:rPr lang="en-US" altLang="zh-CN" sz="1800" b="1">
+                          <a:solidFill>
+                            <a:schemeClr val="tx1"/>
+                          </a:solidFill>
+                          <a:latin typeface="Consolas" panose="020B0609020204030204" charset="0"/>
+                          <a:cs typeface="Consolas" panose="020B0609020204030204" charset="0"/>
+                          <a:sym typeface="+mn-ea"/>
+                        </a:rPr>
+                        <a:t>4</a:t>
+                      </a:r>
+                      <a:endParaRPr lang="en-US" altLang="zh-CN" sz="1800" b="1">
+                        <a:solidFill>
+                          <a:schemeClr val="tx1"/>
+                        </a:solidFill>
+                        <a:latin typeface="Consolas" panose="020B0609020204030204" charset="0"/>
+                        <a:cs typeface="Consolas" panose="020B0609020204030204" charset="0"/>
+                        <a:sym typeface="+mn-ea"/>
+                      </a:endParaRPr>
+                    </a:p>
+                    <a:p>
+                      <a:pPr>
+                        <a:buNone/>
+                      </a:pPr>
+                      <a:endParaRPr sz="1800" b="1">
+                        <a:solidFill>
+                          <a:schemeClr val="tx1"/>
+                        </a:solidFill>
+                        <a:latin typeface="Consolas" panose="020B0609020204030204" charset="0"/>
+                        <a:cs typeface="Consolas" panose="020B0609020204030204" charset="0"/>
+                        <a:sym typeface="+mn-ea"/>
+                      </a:endParaRPr>
+                    </a:p>
+                    <a:p>
+                      <a:pPr>
+                        <a:buNone/>
+                      </a:pPr>
+                      <a:r>
+                        <a:rPr sz="1800" b="0">
+                          <a:solidFill>
+                            <a:schemeClr val="tx1"/>
+                          </a:solidFill>
+                          <a:latin typeface="Consolas" panose="020B0609020204030204" charset="0"/>
+                          <a:cs typeface="Consolas" panose="020B0609020204030204" charset="0"/>
+                          <a:sym typeface="+mn-ea"/>
+                        </a:rPr>
+                        <a:t>Enter a month: 13</a:t>
+                      </a:r>
+                      <a:endParaRPr sz="1800" b="0">
+                        <a:solidFill>
+                          <a:schemeClr val="tx1"/>
+                        </a:solidFill>
+                        <a:latin typeface="Consolas" panose="020B0609020204030204" charset="0"/>
+                        <a:cs typeface="Consolas" panose="020B0609020204030204" charset="0"/>
+                        <a:sym typeface="+mn-ea"/>
+                      </a:endParaRPr>
+                    </a:p>
+                    <a:p>
+                      <a:pPr>
+                        <a:buNone/>
+                      </a:pPr>
+                      <a:r>
+                        <a:rPr sz="1800" b="0">
+                          <a:solidFill>
+                            <a:schemeClr val="tx1"/>
+                          </a:solidFill>
+                          <a:latin typeface="Consolas" panose="020B0609020204030204" charset="0"/>
+                          <a:cs typeface="Consolas" panose="020B0609020204030204" charset="0"/>
+                          <a:sym typeface="+mn-ea"/>
+                        </a:rPr>
+                        <a:t>Invalid month</a:t>
                       </a:r>
                       <a:endParaRPr sz="1800" b="0">
                         <a:solidFill>
@@ -30349,22 +31426,8 @@
 
 <file path=ppt/tags/tag290.xml><?xml version="1.0" encoding="utf-8"?>
 <p:tagLst xmlns:p="http://schemas.openxmlformats.org/presentationml/2006/main">
-  <p:tag name="KSO_WM_UNIT_PRESET_TEXT" val="单击此处添加文本具体内容，简明扼要的阐述您的观点。"/>
-  <p:tag name="KSO_WM_UNIT_NOCLEAR" val="0"/>
-  <p:tag name="KSO_WM_UNIT_VALUE" val="50"/>
-  <p:tag name="KSO_WM_UNIT_HIGHLIGHT" val="0"/>
-  <p:tag name="KSO_WM_UNIT_COMPATIBLE" val="0"/>
-  <p:tag name="KSO_WM_UNIT_DIAGRAM_ISNUMVISUAL" val="0"/>
-  <p:tag name="KSO_WM_UNIT_DIAGRAM_ISREFERUNIT" val="0"/>
-  <p:tag name="KSO_WM_UNIT_TYPE" val="f"/>
-  <p:tag name="KSO_WM_UNIT_INDEX" val="2"/>
-  <p:tag name="KSO_WM_UNIT_ID" val="custom20202582_13*f*2"/>
-  <p:tag name="KSO_WM_TEMPLATE_CATEGORY" val="custom"/>
-  <p:tag name="KSO_WM_TEMPLATE_INDEX" val="20202582"/>
-  <p:tag name="KSO_WM_UNIT_LAYERLEVEL" val="1"/>
-  <p:tag name="KSO_WM_TAG_VERSION" val="1.0"/>
-  <p:tag name="KSO_WM_BEAUTIFY_FLAG" val="#wm#"/>
-  <p:tag name="KSO_WM_UNIT_SUBTYPE" val="a"/>
+  <p:tag name="TABLE_ENDDRAG_ORIGIN_RECT" val="351*115"/>
+  <p:tag name="TABLE_ENDDRAG_RECT" val="526*259*351*115"/>
 </p:tagLst>
 </file>
 
@@ -30391,19 +31454,40 @@
 
 <file path=ppt/tags/tag292.xml><?xml version="1.0" encoding="utf-8"?>
 <p:tagLst xmlns:p="http://schemas.openxmlformats.org/presentationml/2006/main">
+  <p:tag name="KSO_WM_UNIT_PRESET_TEXT" val="单击此处添加文本具体内容，简明扼要的阐述您的观点。"/>
+  <p:tag name="KSO_WM_UNIT_NOCLEAR" val="0"/>
+  <p:tag name="KSO_WM_UNIT_VALUE" val="50"/>
+  <p:tag name="KSO_WM_UNIT_HIGHLIGHT" val="0"/>
+  <p:tag name="KSO_WM_UNIT_COMPATIBLE" val="0"/>
+  <p:tag name="KSO_WM_UNIT_DIAGRAM_ISNUMVISUAL" val="0"/>
+  <p:tag name="KSO_WM_UNIT_DIAGRAM_ISREFERUNIT" val="0"/>
+  <p:tag name="KSO_WM_UNIT_TYPE" val="f"/>
+  <p:tag name="KSO_WM_UNIT_INDEX" val="2"/>
+  <p:tag name="KSO_WM_UNIT_ID" val="custom20202582_13*f*2"/>
+  <p:tag name="KSO_WM_TEMPLATE_CATEGORY" val="custom"/>
+  <p:tag name="KSO_WM_TEMPLATE_INDEX" val="20202582"/>
+  <p:tag name="KSO_WM_UNIT_LAYERLEVEL" val="1"/>
+  <p:tag name="KSO_WM_TAG_VERSION" val="1.0"/>
+  <p:tag name="KSO_WM_BEAUTIFY_FLAG" val="#wm#"/>
+  <p:tag name="KSO_WM_UNIT_SUBTYPE" val="a"/>
+</p:tagLst>
+</file>
+
+<file path=ppt/tags/tag293.xml><?xml version="1.0" encoding="utf-8"?>
+<p:tagLst xmlns:p="http://schemas.openxmlformats.org/presentationml/2006/main">
   <p:tag name="TABLE_ENDDRAG_ORIGIN_RECT" val="351*115"/>
   <p:tag name="TABLE_ENDDRAG_RECT" val="526*259*351*115"/>
 </p:tagLst>
 </file>
 
-<file path=ppt/tags/tag293.xml><?xml version="1.0" encoding="utf-8"?>
+<file path=ppt/tags/tag294.xml><?xml version="1.0" encoding="utf-8"?>
 <p:tagLst xmlns:p="http://schemas.openxmlformats.org/presentationml/2006/main">
-  <p:tag name="TABLE_ENDDRAG_ORIGIN_RECT" val="338*99"/>
-  <p:tag name="TABLE_ENDDRAG_RECT" val="538*118*338*99"/>
+  <p:tag name="TABLE_ENDDRAG_ORIGIN_RECT" val="351*115"/>
+  <p:tag name="TABLE_ENDDRAG_RECT" val="526*259*351*115"/>
 </p:tagLst>
 </file>
 
-<file path=ppt/tags/tag294.xml><?xml version="1.0" encoding="utf-8"?>
+<file path=ppt/tags/tag295.xml><?xml version="1.0" encoding="utf-8"?>
 <p:tagLst xmlns:p="http://schemas.openxmlformats.org/presentationml/2006/main">
   <p:tag name="KSO_WM_SLIDE_ID" val="custom20202582_13"/>
   <p:tag name="KSO_WM_TEMPLATE_SUBCATEGORY" val="0"/>
@@ -30424,10 +31508,60 @@
 </p:tagLst>
 </file>
 
-<file path=ppt/tags/tag295.xml><?xml version="1.0" encoding="utf-8"?>
+<file path=ppt/tags/tag296.xml><?xml version="1.0" encoding="utf-8"?>
 <p:tagLst xmlns:p="http://schemas.openxmlformats.org/presentationml/2006/main">
-  <p:tag name="COMMONDATA" val="eyJoZGlkIjoiZWVjNTQyYWQ1MGI1NzQwNTgzMjZhMzNhMzAyOTZlNDIifQ=="/>
-  <p:tag name="KSO_WPP_MARK_KEY" val="5141afc2-ce81-452e-9c44-a2db9f36b55d"/>
+  <p:tag name="KSO_WM_UNIT_ISCONTENTSTITLE" val="0"/>
+  <p:tag name="KSO_WM_UNIT_PRESET_TEXT" val="单击此处添加标题"/>
+  <p:tag name="KSO_WM_UNIT_NOCLEAR" val="0"/>
+  <p:tag name="KSO_WM_UNIT_VALUE" val="42"/>
+  <p:tag name="KSO_WM_UNIT_HIGHLIGHT" val="0"/>
+  <p:tag name="KSO_WM_UNIT_COMPATIBLE" val="0"/>
+  <p:tag name="KSO_WM_UNIT_DIAGRAM_ISNUMVISUAL" val="0"/>
+  <p:tag name="KSO_WM_UNIT_DIAGRAM_ISREFERUNIT" val="0"/>
+  <p:tag name="KSO_WM_UNIT_TYPE" val="a"/>
+  <p:tag name="KSO_WM_UNIT_INDEX" val="1"/>
+  <p:tag name="KSO_WM_UNIT_ID" val="custom20202582_13*a*1"/>
+  <p:tag name="KSO_WM_TEMPLATE_CATEGORY" val="custom"/>
+  <p:tag name="KSO_WM_TEMPLATE_INDEX" val="20202582"/>
+  <p:tag name="KSO_WM_UNIT_LAYERLEVEL" val="1"/>
+  <p:tag name="KSO_WM_TAG_VERSION" val="1.0"/>
+  <p:tag name="KSO_WM_BEAUTIFY_FLAG" val="#wm#"/>
+  <p:tag name="KSO_WM_UNIT_ISNUMDGMTITLE" val="0"/>
+</p:tagLst>
+</file>
+
+<file path=ppt/tags/tag297.xml><?xml version="1.0" encoding="utf-8"?>
+<p:tagLst xmlns:p="http://schemas.openxmlformats.org/presentationml/2006/main">
+  <p:tag name="TABLE_ENDDRAG_ORIGIN_RECT" val="195*115"/>
+  <p:tag name="TABLE_ENDDRAG_RECT" val="612*107*195*115"/>
+</p:tagLst>
+</file>
+
+<file path=ppt/tags/tag298.xml><?xml version="1.0" encoding="utf-8"?>
+<p:tagLst xmlns:p="http://schemas.openxmlformats.org/presentationml/2006/main">
+  <p:tag name="KSO_WM_UNIT_PRESET_TEXT" val="单击此处添加文本具体内容，简明扼要的阐述您的观点。"/>
+  <p:tag name="KSO_WM_UNIT_NOCLEAR" val="0"/>
+  <p:tag name="KSO_WM_UNIT_VALUE" val="50"/>
+  <p:tag name="KSO_WM_UNIT_HIGHLIGHT" val="0"/>
+  <p:tag name="KSO_WM_UNIT_COMPATIBLE" val="0"/>
+  <p:tag name="KSO_WM_UNIT_DIAGRAM_ISNUMVISUAL" val="0"/>
+  <p:tag name="KSO_WM_UNIT_DIAGRAM_ISREFERUNIT" val="0"/>
+  <p:tag name="KSO_WM_UNIT_TYPE" val="f"/>
+  <p:tag name="KSO_WM_UNIT_INDEX" val="2"/>
+  <p:tag name="KSO_WM_UNIT_ID" val="custom20202582_13*f*2"/>
+  <p:tag name="KSO_WM_TEMPLATE_CATEGORY" val="custom"/>
+  <p:tag name="KSO_WM_TEMPLATE_INDEX" val="20202582"/>
+  <p:tag name="KSO_WM_UNIT_LAYERLEVEL" val="1"/>
+  <p:tag name="KSO_WM_TAG_VERSION" val="1.0"/>
+  <p:tag name="KSO_WM_BEAUTIFY_FLAG" val="#wm#"/>
+  <p:tag name="KSO_WM_UNIT_SUBTYPE" val="a"/>
+</p:tagLst>
+</file>
+
+<file path=ppt/tags/tag299.xml><?xml version="1.0" encoding="utf-8"?>
+<p:tagLst xmlns:p="http://schemas.openxmlformats.org/presentationml/2006/main">
+  <p:tag name="TABLE_ENDDRAG_ORIGIN_RECT" val="195*115"/>
+  <p:tag name="TABLE_ENDDRAG_RECT" val="612*107*195*115"/>
 </p:tagLst>
 </file>
 
@@ -30455,6 +31589,48 @@
   <p:tag name="KSO_WM_UNIT_LAYERLEVEL" val="1"/>
   <p:tag name="KSO_WM_TAG_VERSION" val="1.0"/>
   <p:tag name="KSO_WM_BEAUTIFY_FLAG" val="#wm#"/>
+</p:tagLst>
+</file>
+
+<file path=ppt/tags/tag300.xml><?xml version="1.0" encoding="utf-8"?>
+<p:tagLst xmlns:p="http://schemas.openxmlformats.org/presentationml/2006/main">
+  <p:tag name="TABLE_ENDDRAG_ORIGIN_RECT" val="195*115"/>
+  <p:tag name="TABLE_ENDDRAG_RECT" val="612*107*195*115"/>
+</p:tagLst>
+</file>
+
+<file path=ppt/tags/tag301.xml><?xml version="1.0" encoding="utf-8"?>
+<p:tagLst xmlns:p="http://schemas.openxmlformats.org/presentationml/2006/main">
+  <p:tag name="TABLE_ENDDRAG_ORIGIN_RECT" val="195*115"/>
+  <p:tag name="TABLE_ENDDRAG_RECT" val="612*107*195*115"/>
+</p:tagLst>
+</file>
+
+<file path=ppt/tags/tag302.xml><?xml version="1.0" encoding="utf-8"?>
+<p:tagLst xmlns:p="http://schemas.openxmlformats.org/presentationml/2006/main">
+  <p:tag name="KSO_WM_SLIDE_ID" val="custom20202582_13"/>
+  <p:tag name="KSO_WM_TEMPLATE_SUBCATEGORY" val="0"/>
+  <p:tag name="KSO_WM_TEMPLATE_MASTER_TYPE" val="1"/>
+  <p:tag name="KSO_WM_TEMPLATE_COLOR_TYPE" val="1"/>
+  <p:tag name="KSO_WM_SLIDE_TYPE" val="text"/>
+  <p:tag name="KSO_WM_SLIDE_SUBTYPE" val="picTxt"/>
+  <p:tag name="KSO_WM_SLIDE_ITEM_CNT" val="0"/>
+  <p:tag name="KSO_WM_SLIDE_INDEX" val="13"/>
+  <p:tag name="KSO_WM_SLIDE_SIZE" val="869*422"/>
+  <p:tag name="KSO_WM_SLIDE_POSITION" val="45*18"/>
+  <p:tag name="KSO_WM_TAG_VERSION" val="1.0"/>
+  <p:tag name="KSO_WM_BEAUTIFY_FLAG" val="#wm#"/>
+  <p:tag name="KSO_WM_TEMPLATE_CATEGORY" val="custom"/>
+  <p:tag name="KSO_WM_TEMPLATE_INDEX" val="20202582"/>
+  <p:tag name="KSO_WM_SLIDE_LAYOUT" val="a_d_f"/>
+  <p:tag name="KSO_WM_SLIDE_LAYOUT_CNT" val="1_2_2"/>
+</p:tagLst>
+</file>
+
+<file path=ppt/tags/tag303.xml><?xml version="1.0" encoding="utf-8"?>
+<p:tagLst xmlns:p="http://schemas.openxmlformats.org/presentationml/2006/main">
+  <p:tag name="COMMONDATA" val="eyJoZGlkIjoiZWVjNTQyYWQ1MGI1NzQwNTgzMjZhMzNhMzAyOTZlNDIifQ=="/>
+  <p:tag name="KSO_WPP_MARK_KEY" val="5141afc2-ce81-452e-9c44-a2db9f36b55d"/>
 </p:tagLst>
 </file>
 

--- a/slides/Chapter2.pptx
+++ b/slides/Chapter2.pptx
@@ -27,12 +27,13 @@
     <p:sldId id="312" r:id="rId20"/>
     <p:sldId id="313" r:id="rId21"/>
     <p:sldId id="315" r:id="rId22"/>
-    <p:sldId id="316" r:id="rId23"/>
+    <p:sldId id="317" r:id="rId23"/>
+    <p:sldId id="316" r:id="rId24"/>
   </p:sldIdLst>
   <p:sldSz cx="12192000" cy="6858000"/>
   <p:notesSz cx="6858000" cy="9144000"/>
   <p:custDataLst>
-    <p:tags r:id="rId28"/>
+    <p:tags r:id="rId29"/>
   </p:custDataLst>
   <p:defaultTextStyle>
     <a:defPPr>
@@ -854,6 +855,84 @@
 </file>
 
 <file path=ppt/notesSlides/notesSlide14.xml><?xml version="1.0" encoding="utf-8"?>
+<p:notes xmlns:a="http://schemas.openxmlformats.org/drawingml/2006/main" xmlns:r="http://schemas.openxmlformats.org/officeDocument/2006/relationships" xmlns:p="http://schemas.openxmlformats.org/presentationml/2006/main">
+  <p:cSld>
+    <p:spTree>
+      <p:nvGrpSpPr>
+        <p:cNvPr id="1" name=""/>
+        <p:cNvGrpSpPr/>
+        <p:nvPr/>
+      </p:nvGrpSpPr>
+      <p:grpSpPr>
+        <a:xfrm>
+          <a:off x="0" y="0"/>
+          <a:ext cx="0" cy="0"/>
+          <a:chOff x="0" y="0"/>
+          <a:chExt cx="0" cy="0"/>
+        </a:xfrm>
+      </p:grpSpPr>
+      <p:sp>
+        <p:nvSpPr>
+          <p:cNvPr id="2" name="幻灯片图像占位符 1"/>
+          <p:cNvSpPr>
+            <a:spLocks noGrp="1" noRot="1" noChangeAspect="1"/>
+          </p:cNvSpPr>
+          <p:nvPr>
+            <p:ph type="sldImg"/>
+          </p:nvPr>
+        </p:nvSpPr>
+        <p:spPr/>
+      </p:sp>
+      <p:sp>
+        <p:nvSpPr>
+          <p:cNvPr id="3" name="备注占位符 2"/>
+          <p:cNvSpPr>
+            <a:spLocks noGrp="1"/>
+          </p:cNvSpPr>
+          <p:nvPr>
+            <p:ph type="body" idx="1"/>
+          </p:nvPr>
+        </p:nvSpPr>
+        <p:spPr/>
+        <p:txBody>
+          <a:bodyPr/>
+          <a:lstStyle/>
+          <a:p>
+            <a:endParaRPr lang="zh-CN" altLang="en-US" dirty="0"/>
+          </a:p>
+        </p:txBody>
+      </p:sp>
+      <p:sp>
+        <p:nvSpPr>
+          <p:cNvPr id="4" name="灯片编号占位符 3"/>
+          <p:cNvSpPr>
+            <a:spLocks noGrp="1"/>
+          </p:cNvSpPr>
+          <p:nvPr>
+            <p:ph type="sldNum" sz="quarter" idx="5"/>
+          </p:nvPr>
+        </p:nvSpPr>
+        <p:spPr/>
+        <p:txBody>
+          <a:bodyPr/>
+          <a:lstStyle/>
+          <a:p>
+            <a:fld id="{7421D011-EC35-498F-ADE3-3197FF1A64D5}" type="slidenum">
+              <a:rPr lang="zh-CN" altLang="en-US" smtClean="0"/>
+            </a:fld>
+            <a:endParaRPr lang="zh-CN" altLang="en-US"/>
+          </a:p>
+        </p:txBody>
+      </p:sp>
+    </p:spTree>
+  </p:cSld>
+  <p:clrMapOvr>
+    <a:masterClrMapping/>
+  </p:clrMapOvr>
+</p:notes>
+</file>
+
+<file path=ppt/notesSlides/notesSlide15.xml><?xml version="1.0" encoding="utf-8"?>
 <p:notes xmlns:a="http://schemas.openxmlformats.org/drawingml/2006/main" xmlns:r="http://schemas.openxmlformats.org/officeDocument/2006/relationships" xmlns:p="http://schemas.openxmlformats.org/presentationml/2006/main">
   <p:cSld>
     <p:spTree>
@@ -24912,6 +24991,798 @@
           <a:p>
             <a:r>
               <a:rPr lang="zh-CN" altLang="en-US"/>
+              <a:t>三角形</a:t>
+            </a:r>
+            <a:endParaRPr lang="zh-CN" altLang="en-US"/>
+          </a:p>
+        </p:txBody>
+      </p:sp>
+      <p:sp>
+        <p:nvSpPr>
+          <p:cNvPr id="2" name="文本占位符 1"/>
+          <p:cNvSpPr>
+            <a:spLocks noGrp="1"/>
+          </p:cNvSpPr>
+          <p:nvPr>
+            <p:ph type="body" sz="quarter" idx="15"/>
+            <p:custDataLst>
+              <p:tags r:id="rId2"/>
+            </p:custDataLst>
+          </p:nvPr>
+        </p:nvSpPr>
+        <p:spPr>
+          <a:xfrm>
+            <a:off x="681355" y="1296035"/>
+            <a:ext cx="4625340" cy="950595"/>
+          </a:xfrm>
+        </p:spPr>
+        <p:txBody>
+          <a:bodyPr>
+            <a:noAutofit/>
+          </a:bodyPr>
+          <a:p>
+            <a:r>
+              <a:rPr lang="zh-CN">
+                <a:latin typeface="+mj-lt"/>
+                <a:cs typeface="+mj-lt"/>
+              </a:rPr>
+              <a:t>输入三角形的三条边长，输出三角形的面积。</a:t>
+            </a:r>
+            <a:endParaRPr lang="zh-CN">
+              <a:latin typeface="+mj-lt"/>
+              <a:cs typeface="+mj-lt"/>
+            </a:endParaRPr>
+          </a:p>
+          <a:p>
+            <a:r>
+              <a:rPr lang="zh-CN">
+                <a:latin typeface="+mj-lt"/>
+                <a:cs typeface="+mj-lt"/>
+              </a:rPr>
+              <a:t>如果无法构成三角形，输出</a:t>
+            </a:r>
+            <a:r>
+              <a:rPr lang="en-US" altLang="zh-CN">
+                <a:latin typeface="+mj-lt"/>
+                <a:cs typeface="+mj-lt"/>
+              </a:rPr>
+              <a:t>Invalid</a:t>
+            </a:r>
+            <a:r>
+              <a:rPr lang="zh-CN" altLang="en-US">
+                <a:latin typeface="+mj-lt"/>
+                <a:cs typeface="+mj-lt"/>
+              </a:rPr>
+              <a:t>。</a:t>
+            </a:r>
+            <a:endParaRPr lang="zh-CN" altLang="en-US">
+              <a:latin typeface="+mj-lt"/>
+              <a:cs typeface="+mj-lt"/>
+            </a:endParaRPr>
+          </a:p>
+        </p:txBody>
+      </p:sp>
+      <p:graphicFrame>
+        <p:nvGraphicFramePr>
+          <p:cNvPr id="6" name="表格 5"/>
+          <p:cNvGraphicFramePr/>
+          <p:nvPr>
+            <p:custDataLst>
+              <p:tags r:id="rId3"/>
+            </p:custDataLst>
+          </p:nvPr>
+        </p:nvGraphicFramePr>
+        <p:xfrm>
+          <a:off x="681355" y="4237355"/>
+          <a:ext cx="5123180" cy="1261745"/>
+        </p:xfrm>
+        <a:graphic>
+          <a:graphicData uri="http://schemas.openxmlformats.org/drawingml/2006/table">
+            <a:tbl>
+              <a:tblPr firstRow="1" bandRow="1">
+                <a:tableStyleId>{5C22544A-7EE6-4342-B048-85BDC9FD1C3A}</a:tableStyleId>
+              </a:tblPr>
+              <a:tblGrid>
+                <a:gridCol w="5123180"/>
+              </a:tblGrid>
+              <a:tr h="1261745">
+                <a:tc>
+                  <a:txBody>
+                    <a:bodyPr/>
+                    <a:p>
+                      <a:pPr>
+                        <a:buNone/>
+                      </a:pPr>
+                      <a:r>
+                        <a:rPr lang="zh-CN" sz="1800" b="1">
+                          <a:solidFill>
+                            <a:schemeClr val="tx1"/>
+                          </a:solidFill>
+                          <a:latin typeface="Consolas" panose="020B0609020204030204" charset="0"/>
+                          <a:cs typeface="Consolas" panose="020B0609020204030204" charset="0"/>
+                          <a:sym typeface="+mn-ea"/>
+                        </a:rPr>
+                        <a:t>测试</a:t>
+                      </a:r>
+                      <a:r>
+                        <a:rPr lang="en-US" altLang="zh-CN" sz="1800" b="1">
+                          <a:solidFill>
+                            <a:schemeClr val="tx1"/>
+                          </a:solidFill>
+                          <a:latin typeface="Consolas" panose="020B0609020204030204" charset="0"/>
+                          <a:cs typeface="Consolas" panose="020B0609020204030204" charset="0"/>
+                          <a:sym typeface="+mn-ea"/>
+                        </a:rPr>
+                        <a:t>1</a:t>
+                      </a:r>
+                      <a:endParaRPr lang="en-US" altLang="zh-CN" sz="1800" b="1">
+                        <a:solidFill>
+                          <a:schemeClr val="tx1"/>
+                        </a:solidFill>
+                        <a:latin typeface="Consolas" panose="020B0609020204030204" charset="0"/>
+                        <a:cs typeface="Consolas" panose="020B0609020204030204" charset="0"/>
+                        <a:sym typeface="+mn-ea"/>
+                      </a:endParaRPr>
+                    </a:p>
+                    <a:p>
+                      <a:pPr>
+                        <a:buNone/>
+                      </a:pPr>
+                      <a:endParaRPr sz="1800" b="1">
+                        <a:solidFill>
+                          <a:schemeClr val="tx1"/>
+                        </a:solidFill>
+                        <a:latin typeface="Consolas" panose="020B0609020204030204" charset="0"/>
+                        <a:cs typeface="Consolas" panose="020B0609020204030204" charset="0"/>
+                        <a:sym typeface="+mn-ea"/>
+                      </a:endParaRPr>
+                    </a:p>
+                    <a:p>
+                      <a:pPr>
+                        <a:buNone/>
+                      </a:pPr>
+                      <a:r>
+                        <a:rPr sz="1800" b="0">
+                          <a:solidFill>
+                            <a:schemeClr val="tx1"/>
+                          </a:solidFill>
+                          <a:latin typeface="Consolas" panose="020B0609020204030204" charset="0"/>
+                          <a:cs typeface="Consolas" panose="020B0609020204030204" charset="0"/>
+                          <a:sym typeface="+mn-ea"/>
+                        </a:rPr>
+                        <a:t>Enter three sides of a triangle: 3 4 5</a:t>
+                      </a:r>
+                      <a:endParaRPr sz="1800" b="0">
+                        <a:solidFill>
+                          <a:schemeClr val="tx1"/>
+                        </a:solidFill>
+                        <a:latin typeface="Consolas" panose="020B0609020204030204" charset="0"/>
+                        <a:cs typeface="Consolas" panose="020B0609020204030204" charset="0"/>
+                        <a:sym typeface="+mn-ea"/>
+                      </a:endParaRPr>
+                    </a:p>
+                    <a:p>
+                      <a:pPr>
+                        <a:buNone/>
+                      </a:pPr>
+                      <a:r>
+                        <a:rPr sz="1800" b="0">
+                          <a:solidFill>
+                            <a:schemeClr val="tx1"/>
+                          </a:solidFill>
+                          <a:latin typeface="Consolas" panose="020B0609020204030204" charset="0"/>
+                          <a:cs typeface="Consolas" panose="020B0609020204030204" charset="0"/>
+                          <a:sym typeface="+mn-ea"/>
+                        </a:rPr>
+                        <a:t>Area = 6.00</a:t>
+                      </a:r>
+                      <a:endParaRPr sz="1800" b="0">
+                        <a:solidFill>
+                          <a:schemeClr val="tx1"/>
+                        </a:solidFill>
+                        <a:latin typeface="Consolas" panose="020B0609020204030204" charset="0"/>
+                        <a:cs typeface="Consolas" panose="020B0609020204030204" charset="0"/>
+                        <a:sym typeface="+mn-ea"/>
+                      </a:endParaRPr>
+                    </a:p>
+                  </a:txBody>
+                  <a:tcPr>
+                    <a:solidFill>
+                      <a:schemeClr val="accent6">
+                        <a:lumMod val="20000"/>
+                        <a:lumOff val="80000"/>
+                      </a:schemeClr>
+                    </a:solidFill>
+                  </a:tcPr>
+                </a:tc>
+              </a:tr>
+            </a:tbl>
+          </a:graphicData>
+        </a:graphic>
+      </p:graphicFrame>
+      <mc:AlternateContent xmlns:mc="http://schemas.openxmlformats.org/markup-compatibility/2006">
+        <mc:Choice xmlns:a14="http://schemas.microsoft.com/office/drawing/2010/main" Requires="a14">
+          <p:sp>
+            <p:nvSpPr>
+              <p:cNvPr id="8" name="文本框 7"/>
+              <p:cNvSpPr txBox="1"/>
+              <p:nvPr/>
+            </p:nvSpPr>
+            <p:spPr>
+              <a:xfrm>
+                <a:off x="6729730" y="1296035"/>
+                <a:ext cx="4046855" cy="1986915"/>
+              </a:xfrm>
+              <a:prstGeom prst="rect">
+                <a:avLst/>
+              </a:prstGeom>
+              <a:noFill/>
+            </p:spPr>
+            <p:txBody>
+              <a:bodyPr wrap="none" rtlCol="0" anchor="t">
+                <a:noAutofit/>
+              </a:bodyPr>
+              <a:p>
+                <a:pPr algn="l"/>
+                <a:r>
+                  <a:rPr lang="zh-CN" altLang="en-US" b="1" u="sng">
+                    <a:latin typeface="Cambria Math" panose="02040503050406030204" charset="0"/>
+                    <a:cs typeface="Cambria Math" panose="02040503050406030204" charset="0"/>
+                  </a:rPr>
+                  <a:t>海伦公式</a:t>
+                </a:r>
+                <a:endParaRPr lang="en-US" altLang="zh-CN" b="1" i="1" u="sng">
+                  <a:latin typeface="Cambria Math" panose="02040503050406030204" charset="0"/>
+                  <a:cs typeface="Cambria Math" panose="02040503050406030204" charset="0"/>
+                </a:endParaRPr>
+              </a:p>
+              <a:p>
+                <a:pPr algn="l"/>
+                <a:endParaRPr lang="en-US" altLang="zh-CN" i="1">
+                  <a:latin typeface="Cambria Math" panose="02040503050406030204" charset="0"/>
+                  <a:cs typeface="Cambria Math" panose="02040503050406030204" charset="0"/>
+                </a:endParaRPr>
+              </a:p>
+              <a:p>
+                <a:pPr algn="l"/>
+                <a14:m>
+                  <m:oMathPara xmlns:m="http://schemas.openxmlformats.org/officeDocument/2006/math">
+                    <m:oMathParaPr>
+                      <m:jc m:val="left"/>
+                    </m:oMathParaPr>
+                    <m:oMath xmlns:m="http://schemas.openxmlformats.org/officeDocument/2006/math">
+                      <m:r>
+                        <a:rPr lang="en-US" altLang="zh-CN" i="1">
+                          <a:latin typeface="Cambria Math" panose="02040503050406030204" charset="0"/>
+                          <a:cs typeface="Cambria Math" panose="02040503050406030204" charset="0"/>
+                        </a:rPr>
+                        <m:t>半周长=</m:t>
+                      </m:r>
+                      <m:r>
+                        <a:rPr lang="en-US" altLang="zh-CN" i="1">
+                          <a:latin typeface="Cambria Math" panose="02040503050406030204" charset="0"/>
+                          <a:cs typeface="Cambria Math" panose="02040503050406030204" charset="0"/>
+                        </a:rPr>
+                        <m:t>𝑝</m:t>
+                      </m:r>
+                      <m:r>
+                        <a:rPr lang="en-US" altLang="zh-CN" i="1">
+                          <a:latin typeface="Cambria Math" panose="02040503050406030204" charset="0"/>
+                          <a:cs typeface="Cambria Math" panose="02040503050406030204" charset="0"/>
+                        </a:rPr>
+                        <m:t>=</m:t>
+                      </m:r>
+                      <m:f>
+                        <m:fPr>
+                          <m:ctrlPr>
+                            <a:rPr lang="en-US" altLang="zh-CN" i="1">
+                              <a:latin typeface="Cambria Math" panose="02040503050406030204" charset="0"/>
+                              <a:cs typeface="Cambria Math" panose="02040503050406030204" charset="0"/>
+                            </a:rPr>
+                          </m:ctrlPr>
+                        </m:fPr>
+                        <m:num>
+                          <m:r>
+                            <a:rPr lang="en-US" altLang="zh-CN" i="1">
+                              <a:latin typeface="Cambria Math" panose="02040503050406030204" charset="0"/>
+                              <a:cs typeface="Cambria Math" panose="02040503050406030204" charset="0"/>
+                            </a:rPr>
+                            <m:t>𝑎</m:t>
+                          </m:r>
+                          <m:r>
+                            <a:rPr lang="en-US" altLang="zh-CN" i="1">
+                              <a:latin typeface="Cambria Math" panose="02040503050406030204" charset="0"/>
+                              <a:cs typeface="Cambria Math" panose="02040503050406030204" charset="0"/>
+                            </a:rPr>
+                            <m:t>+</m:t>
+                          </m:r>
+                          <m:r>
+                            <a:rPr lang="en-US" altLang="zh-CN" i="1">
+                              <a:latin typeface="Cambria Math" panose="02040503050406030204" charset="0"/>
+                              <a:cs typeface="Cambria Math" panose="02040503050406030204" charset="0"/>
+                            </a:rPr>
+                            <m:t>𝑏</m:t>
+                          </m:r>
+                          <m:r>
+                            <a:rPr lang="en-US" altLang="zh-CN" i="1">
+                              <a:latin typeface="Cambria Math" panose="02040503050406030204" charset="0"/>
+                              <a:cs typeface="Cambria Math" panose="02040503050406030204" charset="0"/>
+                            </a:rPr>
+                            <m:t>+</m:t>
+                          </m:r>
+                          <m:r>
+                            <a:rPr lang="en-US" altLang="zh-CN" i="1">
+                              <a:latin typeface="Cambria Math" panose="02040503050406030204" charset="0"/>
+                              <a:cs typeface="Cambria Math" panose="02040503050406030204" charset="0"/>
+                            </a:rPr>
+                            <m:t>𝑐</m:t>
+                          </m:r>
+                        </m:num>
+                        <m:den>
+                          <m:r>
+                            <a:rPr lang="en-US" altLang="zh-CN" i="1">
+                              <a:latin typeface="Cambria Math" panose="02040503050406030204" charset="0"/>
+                              <a:cs typeface="Cambria Math" panose="02040503050406030204" charset="0"/>
+                            </a:rPr>
+                            <m:t>2</m:t>
+                          </m:r>
+                        </m:den>
+                      </m:f>
+                    </m:oMath>
+                  </m:oMathPara>
+                </a14:m>
+                <a:endParaRPr lang="en-US" altLang="zh-CN" i="1">
+                  <a:latin typeface="Cambria Math" panose="02040503050406030204" charset="0"/>
+                  <a:cs typeface="Cambria Math" panose="02040503050406030204" charset="0"/>
+                </a:endParaRPr>
+              </a:p>
+              <a:p>
+                <a:pPr algn="l"/>
+                <a:endParaRPr lang="en-US" altLang="zh-CN" i="1">
+                  <a:latin typeface="Cambria Math" panose="02040503050406030204" charset="0"/>
+                  <a:cs typeface="Cambria Math" panose="02040503050406030204" charset="0"/>
+                </a:endParaRPr>
+              </a:p>
+              <a:p>
+                <a:pPr algn="l"/>
+                <a14:m>
+                  <m:oMathPara xmlns:m="http://schemas.openxmlformats.org/officeDocument/2006/math">
+                    <m:oMathParaPr>
+                      <m:jc m:val="left"/>
+                    </m:oMathParaPr>
+                    <m:oMath xmlns:m="http://schemas.openxmlformats.org/officeDocument/2006/math">
+                      <m:r>
+                        <a:rPr lang="en-US" altLang="zh-CN" i="1">
+                          <a:latin typeface="Cambria Math" panose="02040503050406030204" charset="0"/>
+                          <a:cs typeface="Cambria Math" panose="02040503050406030204" charset="0"/>
+                        </a:rPr>
+                        <m:t>面积=</m:t>
+                      </m:r>
+                      <m:r>
+                        <a:rPr lang="en-US" altLang="zh-CN" i="1">
+                          <a:latin typeface="Cambria Math" panose="02040503050406030204" charset="0"/>
+                          <a:cs typeface="Cambria Math" panose="02040503050406030204" charset="0"/>
+                        </a:rPr>
+                        <m:t>𝑆</m:t>
+                      </m:r>
+                      <m:r>
+                        <a:rPr lang="en-US" altLang="zh-CN" i="1">
+                          <a:latin typeface="Cambria Math" panose="02040503050406030204" charset="0"/>
+                          <a:cs typeface="Cambria Math" panose="02040503050406030204" charset="0"/>
+                        </a:rPr>
+                        <m:t>=</m:t>
+                      </m:r>
+                      <m:rad>
+                        <m:radPr>
+                          <m:degHide m:val="on"/>
+                          <m:ctrlPr>
+                            <a:rPr lang="en-US" altLang="zh-CN" i="1">
+                              <a:latin typeface="Cambria Math" panose="02040503050406030204" charset="0"/>
+                              <a:cs typeface="Cambria Math" panose="02040503050406030204" charset="0"/>
+                            </a:rPr>
+                          </m:ctrlPr>
+                        </m:radPr>
+                        <m:deg/>
+                        <m:e>
+                          <m:r>
+                            <a:rPr lang="en-US" altLang="zh-CN" i="1">
+                              <a:latin typeface="Cambria Math" panose="02040503050406030204" charset="0"/>
+                              <a:cs typeface="Cambria Math" panose="02040503050406030204" charset="0"/>
+                            </a:rPr>
+                            <m:t>𝑝</m:t>
+                          </m:r>
+                          <m:r>
+                            <a:rPr lang="en-US" altLang="zh-CN" i="1">
+                              <a:latin typeface="Cambria Math" panose="02040503050406030204" charset="0"/>
+                              <a:cs typeface="Cambria Math" panose="02040503050406030204" charset="0"/>
+                            </a:rPr>
+                            <m:t>(</m:t>
+                          </m:r>
+                          <m:r>
+                            <a:rPr lang="en-US" altLang="zh-CN" i="1">
+                              <a:latin typeface="Cambria Math" panose="02040503050406030204" charset="0"/>
+                              <a:cs typeface="Cambria Math" panose="02040503050406030204" charset="0"/>
+                            </a:rPr>
+                            <m:t>𝑝−𝑎</m:t>
+                          </m:r>
+                          <m:r>
+                            <a:rPr lang="en-US" altLang="zh-CN" i="1">
+                              <a:latin typeface="Cambria Math" panose="02040503050406030204" charset="0"/>
+                              <a:cs typeface="Cambria Math" panose="02040503050406030204" charset="0"/>
+                            </a:rPr>
+                            <m:t>)(</m:t>
+                          </m:r>
+                          <m:r>
+                            <a:rPr lang="en-US" altLang="zh-CN" i="1">
+                              <a:latin typeface="Cambria Math" panose="02040503050406030204" charset="0"/>
+                              <a:cs typeface="Cambria Math" panose="02040503050406030204" charset="0"/>
+                            </a:rPr>
+                            <m:t>𝑝−𝑏</m:t>
+                          </m:r>
+                          <m:r>
+                            <a:rPr lang="en-US" altLang="zh-CN" i="1">
+                              <a:latin typeface="Cambria Math" panose="02040503050406030204" charset="0"/>
+                              <a:cs typeface="Cambria Math" panose="02040503050406030204" charset="0"/>
+                            </a:rPr>
+                            <m:t>)(</m:t>
+                          </m:r>
+                          <m:r>
+                            <a:rPr lang="en-US" altLang="zh-CN" i="1">
+                              <a:latin typeface="Cambria Math" panose="02040503050406030204" charset="0"/>
+                              <a:cs typeface="Cambria Math" panose="02040503050406030204" charset="0"/>
+                            </a:rPr>
+                            <m:t>𝑝−𝑐</m:t>
+                          </m:r>
+                          <m:r>
+                            <a:rPr lang="en-US" altLang="zh-CN" i="1">
+                              <a:latin typeface="Cambria Math" panose="02040503050406030204" charset="0"/>
+                              <a:cs typeface="Cambria Math" panose="02040503050406030204" charset="0"/>
+                            </a:rPr>
+                            <m:t>)</m:t>
+                          </m:r>
+                        </m:e>
+                      </m:rad>
+                    </m:oMath>
+                  </m:oMathPara>
+                </a14:m>
+                <a:endParaRPr lang="zh-CN" altLang="en-US"/>
+              </a:p>
+            </p:txBody>
+          </p:sp>
+        </mc:Choice>
+        <mc:Fallback>
+          <p:sp>
+            <p:nvSpPr>
+              <p:cNvPr id="8" name="文本框 7"/>
+              <p:cNvSpPr txBox="1">
+                <a:spLocks noRot="1" noChangeAspect="1" noMove="1" noResize="1" noEditPoints="1" noAdjustHandles="1" noChangeArrowheads="1" noChangeShapeType="1" noTextEdit="1"/>
+              </p:cNvSpPr>
+              <p:nvPr/>
+            </p:nvSpPr>
+            <p:spPr>
+              <a:xfrm>
+                <a:off x="6729730" y="1296035"/>
+                <a:ext cx="4046855" cy="1986915"/>
+              </a:xfrm>
+              <a:prstGeom prst="rect">
+                <a:avLst/>
+              </a:prstGeom>
+              <a:blipFill rotWithShape="1">
+                <a:blip r:embed="rId4"/>
+                <a:stretch>
+                  <a:fillRect/>
+                </a:stretch>
+              </a:blipFill>
+            </p:spPr>
+            <p:txBody>
+              <a:bodyPr/>
+              <a:lstStyle/>
+              <a:p>
+                <a:r>
+                  <a:rPr lang="zh-CN" altLang="en-US">
+                    <a:noFill/>
+                  </a:rPr>
+                  <a:t> </a:t>
+                </a:r>
+              </a:p>
+            </p:txBody>
+          </p:sp>
+        </mc:Fallback>
+      </mc:AlternateContent>
+      <p:graphicFrame>
+        <p:nvGraphicFramePr>
+          <p:cNvPr id="9" name="表格 8"/>
+          <p:cNvGraphicFramePr/>
+          <p:nvPr>
+            <p:custDataLst>
+              <p:tags r:id="rId5"/>
+            </p:custDataLst>
+          </p:nvPr>
+        </p:nvGraphicFramePr>
+        <p:xfrm>
+          <a:off x="6072505" y="4237355"/>
+          <a:ext cx="5123180" cy="1261745"/>
+        </p:xfrm>
+        <a:graphic>
+          <a:graphicData uri="http://schemas.openxmlformats.org/drawingml/2006/table">
+            <a:tbl>
+              <a:tblPr firstRow="1" bandRow="1">
+                <a:tableStyleId>{5C22544A-7EE6-4342-B048-85BDC9FD1C3A}</a:tableStyleId>
+              </a:tblPr>
+              <a:tblGrid>
+                <a:gridCol w="5123180"/>
+              </a:tblGrid>
+              <a:tr h="1261745">
+                <a:tc>
+                  <a:txBody>
+                    <a:bodyPr/>
+                    <a:p>
+                      <a:pPr>
+                        <a:buNone/>
+                      </a:pPr>
+                      <a:r>
+                        <a:rPr lang="zh-CN" sz="1800" b="1">
+                          <a:solidFill>
+                            <a:schemeClr val="tx1"/>
+                          </a:solidFill>
+                          <a:latin typeface="Consolas" panose="020B0609020204030204" charset="0"/>
+                          <a:cs typeface="Consolas" panose="020B0609020204030204" charset="0"/>
+                          <a:sym typeface="+mn-ea"/>
+                        </a:rPr>
+                        <a:t>测试</a:t>
+                      </a:r>
+                      <a:r>
+                        <a:rPr lang="en-US" altLang="zh-CN" sz="1800" b="1">
+                          <a:solidFill>
+                            <a:schemeClr val="tx1"/>
+                          </a:solidFill>
+                          <a:latin typeface="Consolas" panose="020B0609020204030204" charset="0"/>
+                          <a:cs typeface="Consolas" panose="020B0609020204030204" charset="0"/>
+                          <a:sym typeface="+mn-ea"/>
+                        </a:rPr>
+                        <a:t>2</a:t>
+                      </a:r>
+                      <a:endParaRPr lang="en-US" altLang="zh-CN" sz="1800" b="1">
+                        <a:solidFill>
+                          <a:schemeClr val="tx1"/>
+                        </a:solidFill>
+                        <a:latin typeface="Consolas" panose="020B0609020204030204" charset="0"/>
+                        <a:cs typeface="Consolas" panose="020B0609020204030204" charset="0"/>
+                        <a:sym typeface="+mn-ea"/>
+                      </a:endParaRPr>
+                    </a:p>
+                    <a:p>
+                      <a:pPr>
+                        <a:buNone/>
+                      </a:pPr>
+                      <a:endParaRPr sz="1800" b="1">
+                        <a:solidFill>
+                          <a:schemeClr val="tx1"/>
+                        </a:solidFill>
+                        <a:latin typeface="Consolas" panose="020B0609020204030204" charset="0"/>
+                        <a:cs typeface="Consolas" panose="020B0609020204030204" charset="0"/>
+                        <a:sym typeface="+mn-ea"/>
+                      </a:endParaRPr>
+                    </a:p>
+                    <a:p>
+                      <a:pPr>
+                        <a:buNone/>
+                      </a:pPr>
+                      <a:r>
+                        <a:rPr sz="1800" b="0">
+                          <a:solidFill>
+                            <a:schemeClr val="tx1"/>
+                          </a:solidFill>
+                          <a:latin typeface="Consolas" panose="020B0609020204030204" charset="0"/>
+                          <a:cs typeface="Consolas" panose="020B0609020204030204" charset="0"/>
+                          <a:sym typeface="+mn-ea"/>
+                        </a:rPr>
+                        <a:t>Enter three sides of a triangle: 1 1 2</a:t>
+                      </a:r>
+                      <a:endParaRPr sz="1800" b="0">
+                        <a:solidFill>
+                          <a:schemeClr val="tx1"/>
+                        </a:solidFill>
+                        <a:latin typeface="Consolas" panose="020B0609020204030204" charset="0"/>
+                        <a:cs typeface="Consolas" panose="020B0609020204030204" charset="0"/>
+                        <a:sym typeface="+mn-ea"/>
+                      </a:endParaRPr>
+                    </a:p>
+                    <a:p>
+                      <a:pPr>
+                        <a:buNone/>
+                      </a:pPr>
+                      <a:r>
+                        <a:rPr sz="1800" b="0">
+                          <a:solidFill>
+                            <a:schemeClr val="tx1"/>
+                          </a:solidFill>
+                          <a:latin typeface="Consolas" panose="020B0609020204030204" charset="0"/>
+                          <a:cs typeface="Consolas" panose="020B0609020204030204" charset="0"/>
+                          <a:sym typeface="+mn-ea"/>
+                        </a:rPr>
+                        <a:t>Invalid</a:t>
+                      </a:r>
+                      <a:endParaRPr sz="1800" b="0">
+                        <a:solidFill>
+                          <a:schemeClr val="tx1"/>
+                        </a:solidFill>
+                        <a:latin typeface="Consolas" panose="020B0609020204030204" charset="0"/>
+                        <a:cs typeface="Consolas" panose="020B0609020204030204" charset="0"/>
+                        <a:sym typeface="+mn-ea"/>
+                      </a:endParaRPr>
+                    </a:p>
+                  </a:txBody>
+                  <a:tcPr>
+                    <a:solidFill>
+                      <a:schemeClr val="accent6">
+                        <a:lumMod val="20000"/>
+                        <a:lumOff val="80000"/>
+                      </a:schemeClr>
+                    </a:solidFill>
+                  </a:tcPr>
+                </a:tc>
+              </a:tr>
+            </a:tbl>
+          </a:graphicData>
+        </a:graphic>
+      </p:graphicFrame>
+    </p:spTree>
+    <p:custDataLst>
+      <p:tags r:id="rId6"/>
+    </p:custDataLst>
+  </p:cSld>
+  <p:clrMapOvr>
+    <a:masterClrMapping/>
+  </p:clrMapOvr>
+</p:sld>
+</file>
+
+<file path=ppt/slides/slide2.xml><?xml version="1.0" encoding="utf-8"?>
+<p:sld xmlns:a="http://schemas.openxmlformats.org/drawingml/2006/main" xmlns:r="http://schemas.openxmlformats.org/officeDocument/2006/relationships" xmlns:p="http://schemas.openxmlformats.org/presentationml/2006/main">
+  <p:cSld>
+    <p:spTree>
+      <p:nvGrpSpPr>
+        <p:cNvPr id="1" name=""/>
+        <p:cNvGrpSpPr/>
+        <p:nvPr/>
+      </p:nvGrpSpPr>
+      <p:grpSpPr>
+        <a:xfrm>
+          <a:off x="0" y="0"/>
+          <a:ext cx="0" cy="0"/>
+          <a:chOff x="0" y="0"/>
+          <a:chExt cx="0" cy="0"/>
+        </a:xfrm>
+      </p:grpSpPr>
+      <p:sp>
+        <p:nvSpPr>
+          <p:cNvPr id="10" name="标题 9"/>
+          <p:cNvSpPr>
+            <a:spLocks noGrp="1"/>
+          </p:cNvSpPr>
+          <p:nvPr>
+            <p:ph type="title"/>
+            <p:custDataLst>
+              <p:tags r:id="rId1"/>
+            </p:custDataLst>
+          </p:nvPr>
+        </p:nvSpPr>
+        <p:spPr>
+          <a:xfrm>
+            <a:off x="4186555" y="2959735"/>
+            <a:ext cx="3817620" cy="939165"/>
+          </a:xfrm>
+        </p:spPr>
+        <p:txBody>
+          <a:bodyPr/>
+          <a:lstStyle/>
+          <a:p>
+            <a:pPr algn="ctr"/>
+            <a:r>
+              <a:rPr lang="zh-CN" altLang="en-US" dirty="0"/>
+              <a:t>逻辑运算符</a:t>
+            </a:r>
+            <a:endParaRPr lang="zh-CN" altLang="en-US" dirty="0"/>
+          </a:p>
+        </p:txBody>
+      </p:sp>
+      <p:sp>
+        <p:nvSpPr>
+          <p:cNvPr id="2" name="文本框 1"/>
+          <p:cNvSpPr txBox="1"/>
+          <p:nvPr>
+            <p:custDataLst>
+              <p:tags r:id="rId2"/>
+            </p:custDataLst>
+          </p:nvPr>
+        </p:nvSpPr>
+        <p:spPr>
+          <a:xfrm>
+            <a:off x="5622290" y="386715"/>
+            <a:ext cx="946150" cy="561975"/>
+          </a:xfrm>
+          <a:prstGeom prst="rect">
+            <a:avLst/>
+          </a:prstGeom>
+          <a:noFill/>
+        </p:spPr>
+        <p:txBody>
+          <a:bodyPr wrap="square" lIns="90000" tIns="46800" rIns="90000" bIns="46800" rtlCol="0">
+            <a:noAutofit/>
+          </a:bodyPr>
+          <a:p>
+            <a:pPr algn="dist"/>
+            <a:r>
+              <a:rPr lang="en-US" altLang="zh-CN" sz="3000">
+                <a:solidFill>
+                  <a:schemeClr val="bg1"/>
+                </a:solidFill>
+                <a:latin typeface="Arial" panose="020B0604020202020204" pitchFamily="34" charset="0"/>
+                <a:ea typeface="微软雅黑" panose="020B0503020204020204" charset="-122"/>
+              </a:rPr>
+              <a:t>C</a:t>
+            </a:r>
+            <a:endParaRPr lang="en-US" altLang="zh-CN" sz="3000">
+              <a:solidFill>
+                <a:schemeClr val="bg1"/>
+              </a:solidFill>
+              <a:latin typeface="Arial" panose="020B0604020202020204" pitchFamily="34" charset="0"/>
+              <a:ea typeface="微软雅黑" panose="020B0503020204020204" charset="-122"/>
+            </a:endParaRPr>
+          </a:p>
+        </p:txBody>
+      </p:sp>
+    </p:spTree>
+    <p:custDataLst>
+      <p:tags r:id="rId3"/>
+    </p:custDataLst>
+  </p:cSld>
+  <p:clrMapOvr>
+    <a:masterClrMapping/>
+  </p:clrMapOvr>
+</p:sld>
+</file>
+
+<file path=ppt/slides/slide20.xml><?xml version="1.0" encoding="utf-8"?>
+<p:sld xmlns:a="http://schemas.openxmlformats.org/drawingml/2006/main" xmlns:r="http://schemas.openxmlformats.org/officeDocument/2006/relationships" xmlns:p="http://schemas.openxmlformats.org/presentationml/2006/main">
+  <p:cSld>
+    <p:spTree>
+      <p:nvGrpSpPr>
+        <p:cNvPr id="1" name=""/>
+        <p:cNvGrpSpPr/>
+        <p:nvPr/>
+      </p:nvGrpSpPr>
+      <p:grpSpPr>
+        <a:xfrm>
+          <a:off x="0" y="0"/>
+          <a:ext cx="0" cy="0"/>
+          <a:chOff x="0" y="0"/>
+          <a:chExt cx="0" cy="0"/>
+        </a:xfrm>
+      </p:grpSpPr>
+      <p:sp>
+        <p:nvSpPr>
+          <p:cNvPr id="5" name="标题 4"/>
+          <p:cNvSpPr>
+            <a:spLocks noGrp="1"/>
+          </p:cNvSpPr>
+          <p:nvPr>
+            <p:ph type="title"/>
+            <p:custDataLst>
+              <p:tags r:id="rId1"/>
+            </p:custDataLst>
+          </p:nvPr>
+        </p:nvSpPr>
+        <p:spPr/>
+        <p:txBody>
+          <a:bodyPr>
+            <a:normAutofit fontScale="90000"/>
+          </a:bodyPr>
+          <a:lstStyle/>
+          <a:p>
+            <a:r>
+              <a:rPr lang="zh-CN" altLang="en-US"/>
               <a:t>月份</a:t>
             </a:r>
             <a:endParaRPr lang="zh-CN" altLang="en-US"/>
@@ -25511,112 +26382,6 @@
     </p:spTree>
     <p:custDataLst>
       <p:tags r:id="rId7"/>
-    </p:custDataLst>
-  </p:cSld>
-  <p:clrMapOvr>
-    <a:masterClrMapping/>
-  </p:clrMapOvr>
-</p:sld>
-</file>
-
-<file path=ppt/slides/slide2.xml><?xml version="1.0" encoding="utf-8"?>
-<p:sld xmlns:a="http://schemas.openxmlformats.org/drawingml/2006/main" xmlns:r="http://schemas.openxmlformats.org/officeDocument/2006/relationships" xmlns:p="http://schemas.openxmlformats.org/presentationml/2006/main">
-  <p:cSld>
-    <p:spTree>
-      <p:nvGrpSpPr>
-        <p:cNvPr id="1" name=""/>
-        <p:cNvGrpSpPr/>
-        <p:nvPr/>
-      </p:nvGrpSpPr>
-      <p:grpSpPr>
-        <a:xfrm>
-          <a:off x="0" y="0"/>
-          <a:ext cx="0" cy="0"/>
-          <a:chOff x="0" y="0"/>
-          <a:chExt cx="0" cy="0"/>
-        </a:xfrm>
-      </p:grpSpPr>
-      <p:sp>
-        <p:nvSpPr>
-          <p:cNvPr id="10" name="标题 9"/>
-          <p:cNvSpPr>
-            <a:spLocks noGrp="1"/>
-          </p:cNvSpPr>
-          <p:nvPr>
-            <p:ph type="title"/>
-            <p:custDataLst>
-              <p:tags r:id="rId1"/>
-            </p:custDataLst>
-          </p:nvPr>
-        </p:nvSpPr>
-        <p:spPr>
-          <a:xfrm>
-            <a:off x="4186555" y="2959735"/>
-            <a:ext cx="3817620" cy="939165"/>
-          </a:xfrm>
-        </p:spPr>
-        <p:txBody>
-          <a:bodyPr/>
-          <a:lstStyle/>
-          <a:p>
-            <a:pPr algn="ctr"/>
-            <a:r>
-              <a:rPr lang="zh-CN" altLang="en-US" dirty="0"/>
-              <a:t>逻辑运算符</a:t>
-            </a:r>
-            <a:endParaRPr lang="zh-CN" altLang="en-US" dirty="0"/>
-          </a:p>
-        </p:txBody>
-      </p:sp>
-      <p:sp>
-        <p:nvSpPr>
-          <p:cNvPr id="2" name="文本框 1"/>
-          <p:cNvSpPr txBox="1"/>
-          <p:nvPr>
-            <p:custDataLst>
-              <p:tags r:id="rId2"/>
-            </p:custDataLst>
-          </p:nvPr>
-        </p:nvSpPr>
-        <p:spPr>
-          <a:xfrm>
-            <a:off x="5622290" y="386715"/>
-            <a:ext cx="946150" cy="561975"/>
-          </a:xfrm>
-          <a:prstGeom prst="rect">
-            <a:avLst/>
-          </a:prstGeom>
-          <a:noFill/>
-        </p:spPr>
-        <p:txBody>
-          <a:bodyPr wrap="square" lIns="90000" tIns="46800" rIns="90000" bIns="46800" rtlCol="0">
-            <a:noAutofit/>
-          </a:bodyPr>
-          <a:p>
-            <a:pPr algn="dist"/>
-            <a:r>
-              <a:rPr lang="en-US" altLang="zh-CN" sz="3000">
-                <a:solidFill>
-                  <a:schemeClr val="bg1"/>
-                </a:solidFill>
-                <a:latin typeface="Arial" panose="020B0604020202020204" pitchFamily="34" charset="0"/>
-                <a:ea typeface="微软雅黑" panose="020B0503020204020204" charset="-122"/>
-              </a:rPr>
-              <a:t>C</a:t>
-            </a:r>
-            <a:endParaRPr lang="en-US" altLang="zh-CN" sz="3000">
-              <a:solidFill>
-                <a:schemeClr val="bg1"/>
-              </a:solidFill>
-              <a:latin typeface="Arial" panose="020B0604020202020204" pitchFamily="34" charset="0"/>
-              <a:ea typeface="微软雅黑" panose="020B0503020204020204" charset="-122"/>
-            </a:endParaRPr>
-          </a:p>
-        </p:txBody>
-      </p:sp>
-    </p:spTree>
-    <p:custDataLst>
-      <p:tags r:id="rId3"/>
     </p:custDataLst>
   </p:cSld>
   <p:clrMapOvr>
@@ -31532,12 +32297,117 @@
 
 <file path=ppt/tags/tag297.xml><?xml version="1.0" encoding="utf-8"?>
 <p:tagLst xmlns:p="http://schemas.openxmlformats.org/presentationml/2006/main">
+  <p:tag name="KSO_WM_UNIT_PRESET_TEXT" val="单击此处添加文本具体内容，简明扼要的阐述您的观点。"/>
+  <p:tag name="KSO_WM_UNIT_NOCLEAR" val="0"/>
+  <p:tag name="KSO_WM_UNIT_VALUE" val="50"/>
+  <p:tag name="KSO_WM_UNIT_HIGHLIGHT" val="0"/>
+  <p:tag name="KSO_WM_UNIT_COMPATIBLE" val="0"/>
+  <p:tag name="KSO_WM_UNIT_DIAGRAM_ISNUMVISUAL" val="0"/>
+  <p:tag name="KSO_WM_UNIT_DIAGRAM_ISREFERUNIT" val="0"/>
+  <p:tag name="KSO_WM_UNIT_TYPE" val="f"/>
+  <p:tag name="KSO_WM_UNIT_INDEX" val="2"/>
+  <p:tag name="KSO_WM_UNIT_ID" val="custom20202582_13*f*2"/>
+  <p:tag name="KSO_WM_TEMPLATE_CATEGORY" val="custom"/>
+  <p:tag name="KSO_WM_TEMPLATE_INDEX" val="20202582"/>
+  <p:tag name="KSO_WM_UNIT_LAYERLEVEL" val="1"/>
+  <p:tag name="KSO_WM_TAG_VERSION" val="1.0"/>
+  <p:tag name="KSO_WM_BEAUTIFY_FLAG" val="#wm#"/>
+  <p:tag name="KSO_WM_UNIT_SUBTYPE" val="a"/>
+</p:tagLst>
+</file>
+
+<file path=ppt/tags/tag298.xml><?xml version="1.0" encoding="utf-8"?>
+<p:tagLst xmlns:p="http://schemas.openxmlformats.org/presentationml/2006/main">
+  <p:tag name="TABLE_ENDDRAG_ORIGIN_RECT" val="219*136"/>
+  <p:tag name="TABLE_ENDDRAG_RECT" val="53*306*219*136"/>
+</p:tagLst>
+</file>
+
+<file path=ppt/tags/tag299.xml><?xml version="1.0" encoding="utf-8"?>
+<p:tagLst xmlns:p="http://schemas.openxmlformats.org/presentationml/2006/main">
+  <p:tag name="TABLE_ENDDRAG_ORIGIN_RECT" val="219*136"/>
+  <p:tag name="TABLE_ENDDRAG_RECT" val="53*306*219*136"/>
+</p:tagLst>
+</file>
+
+<file path=ppt/tags/tag3.xml><?xml version="1.0" encoding="utf-8"?>
+<p:tagLst xmlns:p="http://schemas.openxmlformats.org/presentationml/2006/main">
+  <p:tag name="KSO_WM_UNIT_HIGHLIGHT" val="0"/>
+  <p:tag name="KSO_WM_UNIT_COMPATIBLE" val="0"/>
+  <p:tag name="KSO_WM_UNIT_DIAGRAM_ISNUMVISUAL" val="0"/>
+  <p:tag name="KSO_WM_UNIT_DIAGRAM_ISREFERUNIT" val="0"/>
+  <p:tag name="KSO_WM_UNIT_ID" val="_1**"/>
+  <p:tag name="KSO_WM_UNIT_LAYERLEVEL" val="1"/>
+  <p:tag name="KSO_WM_TAG_VERSION" val="1.0"/>
+  <p:tag name="KSO_WM_BEAUTIFY_FLAG" val="#wm#"/>
+  <p:tag name="KSO_WM_SLIDE_BACKGROUND_MASK_FLAG" val="1"/>
+</p:tagLst>
+</file>
+
+<file path=ppt/tags/tag30.xml><?xml version="1.0" encoding="utf-8"?>
+<p:tagLst xmlns:p="http://schemas.openxmlformats.org/presentationml/2006/main">
+  <p:tag name="KSO_WM_UNIT_HIGHLIGHT" val="0"/>
+  <p:tag name="KSO_WM_UNIT_COMPATIBLE" val="0"/>
+  <p:tag name="KSO_WM_UNIT_DIAGRAM_ISNUMVISUAL" val="0"/>
+  <p:tag name="KSO_WM_UNIT_DIAGRAM_ISREFERUNIT" val="0"/>
+  <p:tag name="KSO_WM_UNIT_ID" val="_2**"/>
+  <p:tag name="KSO_WM_UNIT_LAYERLEVEL" val="1"/>
+  <p:tag name="KSO_WM_TAG_VERSION" val="1.0"/>
+  <p:tag name="KSO_WM_BEAUTIFY_FLAG" val="#wm#"/>
+</p:tagLst>
+</file>
+
+<file path=ppt/tags/tag300.xml><?xml version="1.0" encoding="utf-8"?>
+<p:tagLst xmlns:p="http://schemas.openxmlformats.org/presentationml/2006/main">
+  <p:tag name="KSO_WM_SLIDE_ID" val="custom20202582_13"/>
+  <p:tag name="KSO_WM_TEMPLATE_SUBCATEGORY" val="0"/>
+  <p:tag name="KSO_WM_TEMPLATE_MASTER_TYPE" val="1"/>
+  <p:tag name="KSO_WM_TEMPLATE_COLOR_TYPE" val="1"/>
+  <p:tag name="KSO_WM_SLIDE_TYPE" val="text"/>
+  <p:tag name="KSO_WM_SLIDE_SUBTYPE" val="picTxt"/>
+  <p:tag name="KSO_WM_SLIDE_ITEM_CNT" val="0"/>
+  <p:tag name="KSO_WM_SLIDE_INDEX" val="13"/>
+  <p:tag name="KSO_WM_SLIDE_SIZE" val="869*422"/>
+  <p:tag name="KSO_WM_SLIDE_POSITION" val="45*18"/>
+  <p:tag name="KSO_WM_TAG_VERSION" val="1.0"/>
+  <p:tag name="KSO_WM_BEAUTIFY_FLAG" val="#wm#"/>
+  <p:tag name="KSO_WM_TEMPLATE_CATEGORY" val="custom"/>
+  <p:tag name="KSO_WM_TEMPLATE_INDEX" val="20202582"/>
+  <p:tag name="KSO_WM_SLIDE_LAYOUT" val="a_d_f"/>
+  <p:tag name="KSO_WM_SLIDE_LAYOUT_CNT" val="1_2_2"/>
+</p:tagLst>
+</file>
+
+<file path=ppt/tags/tag301.xml><?xml version="1.0" encoding="utf-8"?>
+<p:tagLst xmlns:p="http://schemas.openxmlformats.org/presentationml/2006/main">
+  <p:tag name="KSO_WM_UNIT_ISCONTENTSTITLE" val="0"/>
+  <p:tag name="KSO_WM_UNIT_PRESET_TEXT" val="单击此处添加标题"/>
+  <p:tag name="KSO_WM_UNIT_NOCLEAR" val="0"/>
+  <p:tag name="KSO_WM_UNIT_VALUE" val="42"/>
+  <p:tag name="KSO_WM_UNIT_HIGHLIGHT" val="0"/>
+  <p:tag name="KSO_WM_UNIT_COMPATIBLE" val="0"/>
+  <p:tag name="KSO_WM_UNIT_DIAGRAM_ISNUMVISUAL" val="0"/>
+  <p:tag name="KSO_WM_UNIT_DIAGRAM_ISREFERUNIT" val="0"/>
+  <p:tag name="KSO_WM_UNIT_TYPE" val="a"/>
+  <p:tag name="KSO_WM_UNIT_INDEX" val="1"/>
+  <p:tag name="KSO_WM_UNIT_ID" val="custom20202582_13*a*1"/>
+  <p:tag name="KSO_WM_TEMPLATE_CATEGORY" val="custom"/>
+  <p:tag name="KSO_WM_TEMPLATE_INDEX" val="20202582"/>
+  <p:tag name="KSO_WM_UNIT_LAYERLEVEL" val="1"/>
+  <p:tag name="KSO_WM_TAG_VERSION" val="1.0"/>
+  <p:tag name="KSO_WM_BEAUTIFY_FLAG" val="#wm#"/>
+  <p:tag name="KSO_WM_UNIT_ISNUMDGMTITLE" val="0"/>
+</p:tagLst>
+</file>
+
+<file path=ppt/tags/tag302.xml><?xml version="1.0" encoding="utf-8"?>
+<p:tagLst xmlns:p="http://schemas.openxmlformats.org/presentationml/2006/main">
   <p:tag name="TABLE_ENDDRAG_ORIGIN_RECT" val="195*115"/>
   <p:tag name="TABLE_ENDDRAG_RECT" val="612*107*195*115"/>
 </p:tagLst>
 </file>
 
-<file path=ppt/tags/tag298.xml><?xml version="1.0" encoding="utf-8"?>
+<file path=ppt/tags/tag303.xml><?xml version="1.0" encoding="utf-8"?>
 <p:tagLst xmlns:p="http://schemas.openxmlformats.org/presentationml/2006/main">
   <p:tag name="KSO_WM_UNIT_PRESET_TEXT" val="单击此处添加文本具体内容，简明扼要的阐述您的观点。"/>
   <p:tag name="KSO_WM_UNIT_NOCLEAR" val="0"/>
@@ -31558,55 +32428,28 @@
 </p:tagLst>
 </file>
 
-<file path=ppt/tags/tag299.xml><?xml version="1.0" encoding="utf-8"?>
+<file path=ppt/tags/tag304.xml><?xml version="1.0" encoding="utf-8"?>
 <p:tagLst xmlns:p="http://schemas.openxmlformats.org/presentationml/2006/main">
   <p:tag name="TABLE_ENDDRAG_ORIGIN_RECT" val="195*115"/>
   <p:tag name="TABLE_ENDDRAG_RECT" val="612*107*195*115"/>
 </p:tagLst>
 </file>
 
-<file path=ppt/tags/tag3.xml><?xml version="1.0" encoding="utf-8"?>
-<p:tagLst xmlns:p="http://schemas.openxmlformats.org/presentationml/2006/main">
-  <p:tag name="KSO_WM_UNIT_HIGHLIGHT" val="0"/>
-  <p:tag name="KSO_WM_UNIT_COMPATIBLE" val="0"/>
-  <p:tag name="KSO_WM_UNIT_DIAGRAM_ISNUMVISUAL" val="0"/>
-  <p:tag name="KSO_WM_UNIT_DIAGRAM_ISREFERUNIT" val="0"/>
-  <p:tag name="KSO_WM_UNIT_ID" val="_1**"/>
-  <p:tag name="KSO_WM_UNIT_LAYERLEVEL" val="1"/>
-  <p:tag name="KSO_WM_TAG_VERSION" val="1.0"/>
-  <p:tag name="KSO_WM_BEAUTIFY_FLAG" val="#wm#"/>
-  <p:tag name="KSO_WM_SLIDE_BACKGROUND_MASK_FLAG" val="1"/>
-</p:tagLst>
-</file>
-
-<file path=ppt/tags/tag30.xml><?xml version="1.0" encoding="utf-8"?>
-<p:tagLst xmlns:p="http://schemas.openxmlformats.org/presentationml/2006/main">
-  <p:tag name="KSO_WM_UNIT_HIGHLIGHT" val="0"/>
-  <p:tag name="KSO_WM_UNIT_COMPATIBLE" val="0"/>
-  <p:tag name="KSO_WM_UNIT_DIAGRAM_ISNUMVISUAL" val="0"/>
-  <p:tag name="KSO_WM_UNIT_DIAGRAM_ISREFERUNIT" val="0"/>
-  <p:tag name="KSO_WM_UNIT_ID" val="_2**"/>
-  <p:tag name="KSO_WM_UNIT_LAYERLEVEL" val="1"/>
-  <p:tag name="KSO_WM_TAG_VERSION" val="1.0"/>
-  <p:tag name="KSO_WM_BEAUTIFY_FLAG" val="#wm#"/>
-</p:tagLst>
-</file>
-
-<file path=ppt/tags/tag300.xml><?xml version="1.0" encoding="utf-8"?>
+<file path=ppt/tags/tag305.xml><?xml version="1.0" encoding="utf-8"?>
 <p:tagLst xmlns:p="http://schemas.openxmlformats.org/presentationml/2006/main">
   <p:tag name="TABLE_ENDDRAG_ORIGIN_RECT" val="195*115"/>
   <p:tag name="TABLE_ENDDRAG_RECT" val="612*107*195*115"/>
 </p:tagLst>
 </file>
 
-<file path=ppt/tags/tag301.xml><?xml version="1.0" encoding="utf-8"?>
+<file path=ppt/tags/tag306.xml><?xml version="1.0" encoding="utf-8"?>
 <p:tagLst xmlns:p="http://schemas.openxmlformats.org/presentationml/2006/main">
   <p:tag name="TABLE_ENDDRAG_ORIGIN_RECT" val="195*115"/>
   <p:tag name="TABLE_ENDDRAG_RECT" val="612*107*195*115"/>
 </p:tagLst>
 </file>
 
-<file path=ppt/tags/tag302.xml><?xml version="1.0" encoding="utf-8"?>
+<file path=ppt/tags/tag307.xml><?xml version="1.0" encoding="utf-8"?>
 <p:tagLst xmlns:p="http://schemas.openxmlformats.org/presentationml/2006/main">
   <p:tag name="KSO_WM_SLIDE_ID" val="custom20202582_13"/>
   <p:tag name="KSO_WM_TEMPLATE_SUBCATEGORY" val="0"/>
@@ -31627,7 +32470,7 @@
 </p:tagLst>
 </file>
 
-<file path=ppt/tags/tag303.xml><?xml version="1.0" encoding="utf-8"?>
+<file path=ppt/tags/tag308.xml><?xml version="1.0" encoding="utf-8"?>
 <p:tagLst xmlns:p="http://schemas.openxmlformats.org/presentationml/2006/main">
   <p:tag name="COMMONDATA" val="eyJoZGlkIjoiZWVjNTQyYWQ1MGI1NzQwNTgzMjZhMzNhMzAyOTZlNDIifQ=="/>
   <p:tag name="KSO_WPP_MARK_KEY" val="5141afc2-ce81-452e-9c44-a2db9f36b55d"/>

--- a/slides/Chapter2.pptx
+++ b/slides/Chapter2.pptx
@@ -5,34 +5,33 @@
     <p:sldMasterId id="2147483660" r:id="rId1"/>
   </p:sldMasterIdLst>
   <p:notesMasterIdLst>
-    <p:notesMasterId r:id="rId22"/>
+    <p:notesMasterId r:id="rId21"/>
   </p:notesMasterIdLst>
   <p:sldIdLst>
     <p:sldId id="259" r:id="rId2"/>
     <p:sldId id="265" r:id="rId3"/>
     <p:sldId id="295" r:id="rId4"/>
-    <p:sldId id="296" r:id="rId5"/>
-    <p:sldId id="298" r:id="rId6"/>
-    <p:sldId id="297" r:id="rId7"/>
-    <p:sldId id="299" r:id="rId8"/>
-    <p:sldId id="300" r:id="rId9"/>
-    <p:sldId id="301" r:id="rId10"/>
-    <p:sldId id="303" r:id="rId11"/>
-    <p:sldId id="306" r:id="rId12"/>
-    <p:sldId id="307" r:id="rId13"/>
-    <p:sldId id="308" r:id="rId14"/>
-    <p:sldId id="309" r:id="rId15"/>
-    <p:sldId id="311" r:id="rId16"/>
-    <p:sldId id="312" r:id="rId17"/>
-    <p:sldId id="313" r:id="rId18"/>
-    <p:sldId id="315" r:id="rId19"/>
-    <p:sldId id="319" r:id="rId20"/>
-    <p:sldId id="316" r:id="rId21"/>
+    <p:sldId id="298" r:id="rId5"/>
+    <p:sldId id="297" r:id="rId6"/>
+    <p:sldId id="299" r:id="rId7"/>
+    <p:sldId id="300" r:id="rId8"/>
+    <p:sldId id="301" r:id="rId9"/>
+    <p:sldId id="303" r:id="rId10"/>
+    <p:sldId id="306" r:id="rId11"/>
+    <p:sldId id="307" r:id="rId12"/>
+    <p:sldId id="308" r:id="rId13"/>
+    <p:sldId id="309" r:id="rId14"/>
+    <p:sldId id="311" r:id="rId15"/>
+    <p:sldId id="312" r:id="rId16"/>
+    <p:sldId id="313" r:id="rId17"/>
+    <p:sldId id="315" r:id="rId18"/>
+    <p:sldId id="319" r:id="rId19"/>
+    <p:sldId id="316" r:id="rId20"/>
   </p:sldIdLst>
   <p:sldSz cx="12192000" cy="6858000"/>
   <p:notesSz cx="6858000" cy="9144000"/>
   <p:custDataLst>
-    <p:tags r:id="rId23"/>
+    <p:tags r:id="rId22"/>
   </p:custDataLst>
   <p:defaultTextStyle>
     <a:defPPr>
@@ -225,7 +224,7 @@
           <a:p>
             <a:fld id="{D2A48B96-639E-45A3-A0BA-2464DFDB1FAA}" type="datetimeFigureOut">
               <a:rPr lang="zh-CN" altLang="en-US" smtClean="0"/>
-              <a:t>2023/1/3</a:t>
+              <a:t>2023/1/12</a:t>
             </a:fld>
             <a:endParaRPr lang="zh-CN" altLang="en-US"/>
           </a:p>
@@ -608,7 +607,7 @@
           <a:p>
             <a:fld id="{7421D011-EC35-498F-ADE3-3197FF1A64D5}" type="slidenum">
               <a:rPr lang="zh-CN" altLang="en-US" smtClean="0"/>
-              <a:t>14</a:t>
+              <a:t>13</a:t>
             </a:fld>
             <a:endParaRPr lang="zh-CN" altLang="en-US"/>
           </a:p>
@@ -687,7 +686,7 @@
           <a:p>
             <a:fld id="{7421D011-EC35-498F-ADE3-3197FF1A64D5}" type="slidenum">
               <a:rPr lang="zh-CN" altLang="en-US" smtClean="0"/>
-              <a:t>15</a:t>
+              <a:t>14</a:t>
             </a:fld>
             <a:endParaRPr lang="zh-CN" altLang="en-US"/>
           </a:p>
@@ -766,7 +765,7 @@
           <a:p>
             <a:fld id="{7421D011-EC35-498F-ADE3-3197FF1A64D5}" type="slidenum">
               <a:rPr lang="zh-CN" altLang="en-US" smtClean="0"/>
-              <a:t>16</a:t>
+              <a:t>15</a:t>
             </a:fld>
             <a:endParaRPr lang="zh-CN" altLang="en-US"/>
           </a:p>
@@ -845,7 +844,7 @@
           <a:p>
             <a:fld id="{7421D011-EC35-498F-ADE3-3197FF1A64D5}" type="slidenum">
               <a:rPr lang="zh-CN" altLang="en-US" smtClean="0"/>
-              <a:t>18</a:t>
+              <a:t>17</a:t>
             </a:fld>
             <a:endParaRPr lang="zh-CN" altLang="en-US"/>
           </a:p>
@@ -924,7 +923,7 @@
           <a:p>
             <a:fld id="{7421D011-EC35-498F-ADE3-3197FF1A64D5}" type="slidenum">
               <a:rPr lang="zh-CN" altLang="en-US" smtClean="0"/>
-              <a:t>19</a:t>
+              <a:t>18</a:t>
             </a:fld>
             <a:endParaRPr lang="zh-CN" altLang="en-US"/>
           </a:p>
@@ -1008,7 +1007,7 @@
           <a:p>
             <a:fld id="{7421D011-EC35-498F-ADE3-3197FF1A64D5}" type="slidenum">
               <a:rPr lang="zh-CN" altLang="en-US" smtClean="0"/>
-              <a:t>20</a:t>
+              <a:t>19</a:t>
             </a:fld>
             <a:endParaRPr lang="zh-CN" altLang="en-US"/>
           </a:p>
@@ -1166,7 +1165,7 @@
           <a:p>
             <a:fld id="{7421D011-EC35-498F-ADE3-3197FF1A64D5}" type="slidenum">
               <a:rPr lang="zh-CN" altLang="en-US" smtClean="0"/>
-              <a:t>5</a:t>
+              <a:t>4</a:t>
             </a:fld>
             <a:endParaRPr lang="zh-CN" altLang="en-US"/>
           </a:p>
@@ -1245,7 +1244,7 @@
           <a:p>
             <a:fld id="{7421D011-EC35-498F-ADE3-3197FF1A64D5}" type="slidenum">
               <a:rPr lang="zh-CN" altLang="en-US" smtClean="0"/>
-              <a:t>6</a:t>
+              <a:t>5</a:t>
             </a:fld>
             <a:endParaRPr lang="zh-CN" altLang="en-US"/>
           </a:p>
@@ -1324,7 +1323,7 @@
           <a:p>
             <a:fld id="{7421D011-EC35-498F-ADE3-3197FF1A64D5}" type="slidenum">
               <a:rPr lang="zh-CN" altLang="en-US" smtClean="0"/>
-              <a:t>7</a:t>
+              <a:t>6</a:t>
             </a:fld>
             <a:endParaRPr lang="zh-CN" altLang="en-US"/>
           </a:p>
@@ -1403,7 +1402,7 @@
           <a:p>
             <a:fld id="{7421D011-EC35-498F-ADE3-3197FF1A64D5}" type="slidenum">
               <a:rPr lang="zh-CN" altLang="en-US" smtClean="0"/>
-              <a:t>8</a:t>
+              <a:t>7</a:t>
             </a:fld>
             <a:endParaRPr lang="zh-CN" altLang="en-US"/>
           </a:p>
@@ -1482,7 +1481,7 @@
           <a:p>
             <a:fld id="{7421D011-EC35-498F-ADE3-3197FF1A64D5}" type="slidenum">
               <a:rPr lang="zh-CN" altLang="en-US" smtClean="0"/>
-              <a:t>10</a:t>
+              <a:t>9</a:t>
             </a:fld>
             <a:endParaRPr lang="zh-CN" altLang="en-US"/>
           </a:p>
@@ -1561,7 +1560,7 @@
           <a:p>
             <a:fld id="{7421D011-EC35-498F-ADE3-3197FF1A64D5}" type="slidenum">
               <a:rPr lang="zh-CN" altLang="en-US" smtClean="0"/>
-              <a:t>11</a:t>
+              <a:t>10</a:t>
             </a:fld>
             <a:endParaRPr lang="zh-CN" altLang="en-US"/>
           </a:p>
@@ -1640,7 +1639,7 @@
           <a:p>
             <a:fld id="{7421D011-EC35-498F-ADE3-3197FF1A64D5}" type="slidenum">
               <a:rPr lang="zh-CN" altLang="en-US" smtClean="0"/>
-              <a:t>12</a:t>
+              <a:t>11</a:t>
             </a:fld>
             <a:endParaRPr lang="zh-CN" altLang="en-US"/>
           </a:p>
@@ -2272,7 +2271,7 @@
           <a:p>
             <a:fld id="{760FBDFE-C587-4B4C-A407-44438C67B59E}" type="datetimeFigureOut">
               <a:rPr lang="zh-CN" altLang="en-US" smtClean="0"/>
-              <a:t>2023/1/3</a:t>
+              <a:t>2023/1/12</a:t>
             </a:fld>
             <a:endParaRPr lang="zh-CN" altLang="en-US"/>
           </a:p>
@@ -3035,7 +3034,7 @@
           <a:p>
             <a:fld id="{760FBDFE-C587-4B4C-A407-44438C67B59E}" type="datetimeFigureOut">
               <a:rPr lang="zh-CN" altLang="en-US" smtClean="0"/>
-              <a:t>2023/1/3</a:t>
+              <a:t>2023/1/12</a:t>
             </a:fld>
             <a:endParaRPr lang="zh-CN" altLang="en-US"/>
           </a:p>
@@ -3802,7 +3801,7 @@
           <a:p>
             <a:fld id="{760FBDFE-C587-4B4C-A407-44438C67B59E}" type="datetimeFigureOut">
               <a:rPr lang="zh-CN" altLang="en-US" smtClean="0"/>
-              <a:t>2023/1/3</a:t>
+              <a:t>2023/1/12</a:t>
             </a:fld>
             <a:endParaRPr lang="zh-CN" altLang="en-US"/>
           </a:p>
@@ -4268,7 +4267,7 @@
           <a:p>
             <a:fld id="{760FBDFE-C587-4B4C-A407-44438C67B59E}" type="datetimeFigureOut">
               <a:rPr lang="zh-CN" altLang="en-US" smtClean="0"/>
-              <a:t>2023/1/3</a:t>
+              <a:t>2023/1/12</a:t>
             </a:fld>
             <a:endParaRPr lang="zh-CN" altLang="en-US"/>
           </a:p>
@@ -4958,7 +4957,7 @@
           <a:p>
             <a:fld id="{760FBDFE-C587-4B4C-A407-44438C67B59E}" type="datetimeFigureOut">
               <a:rPr lang="zh-CN" altLang="en-US" smtClean="0"/>
-              <a:t>2023/1/3</a:t>
+              <a:t>2023/1/12</a:t>
             </a:fld>
             <a:endParaRPr lang="zh-CN" altLang="en-US"/>
           </a:p>
@@ -5432,7 +5431,7 @@
           <a:p>
             <a:fld id="{760FBDFE-C587-4B4C-A407-44438C67B59E}" type="datetimeFigureOut">
               <a:rPr lang="zh-CN" altLang="en-US" smtClean="0"/>
-              <a:t>2023/1/3</a:t>
+              <a:t>2023/1/12</a:t>
             </a:fld>
             <a:endParaRPr lang="zh-CN" altLang="en-US" dirty="0"/>
           </a:p>
@@ -6158,7 +6157,7 @@
           <a:p>
             <a:fld id="{760FBDFE-C587-4B4C-A407-44438C67B59E}" type="datetimeFigureOut">
               <a:rPr lang="zh-CN" altLang="en-US" smtClean="0"/>
-              <a:t>2023/1/3</a:t>
+              <a:t>2023/1/12</a:t>
             </a:fld>
             <a:endParaRPr lang="zh-CN" altLang="en-US"/>
           </a:p>
@@ -6798,7 +6797,7 @@
           <a:p>
             <a:fld id="{760FBDFE-C587-4B4C-A407-44438C67B59E}" type="datetimeFigureOut">
               <a:rPr lang="zh-CN" altLang="en-US" smtClean="0"/>
-              <a:t>2023/1/3</a:t>
+              <a:t>2023/1/12</a:t>
             </a:fld>
             <a:endParaRPr lang="zh-CN" altLang="en-US"/>
           </a:p>
@@ -7225,7 +7224,7 @@
           <a:p>
             <a:fld id="{760FBDFE-C587-4B4C-A407-44438C67B59E}" type="datetimeFigureOut">
               <a:rPr lang="zh-CN" altLang="en-US" smtClean="0"/>
-              <a:t>2023/1/3</a:t>
+              <a:t>2023/1/12</a:t>
             </a:fld>
             <a:endParaRPr lang="zh-CN" altLang="en-US"/>
           </a:p>
@@ -8425,7 +8424,7 @@
           <a:p>
             <a:fld id="{760FBDFE-C587-4B4C-A407-44438C67B59E}" type="datetimeFigureOut">
               <a:rPr lang="zh-CN" altLang="en-US" smtClean="0"/>
-              <a:t>2023/1/3</a:t>
+              <a:t>2023/1/12</a:t>
             </a:fld>
             <a:endParaRPr lang="zh-CN" altLang="en-US"/>
           </a:p>
@@ -9113,7 +9112,7 @@
           <a:p>
             <a:fld id="{760FBDFE-C587-4B4C-A407-44438C67B59E}" type="datetimeFigureOut">
               <a:rPr lang="zh-CN" altLang="en-US" smtClean="0"/>
-              <a:t>2023/1/3</a:t>
+              <a:t>2023/1/12</a:t>
             </a:fld>
             <a:endParaRPr lang="zh-CN" altLang="en-US"/>
           </a:p>
@@ -9921,7 +9920,7 @@
           <a:p>
             <a:fld id="{760FBDFE-C587-4B4C-A407-44438C67B59E}" type="datetimeFigureOut">
               <a:rPr lang="zh-CN" altLang="en-US" smtClean="0"/>
-              <a:t>2023/1/3</a:t>
+              <a:t>2023/1/12</a:t>
             </a:fld>
             <a:endParaRPr lang="zh-CN" altLang="en-US"/>
           </a:p>
@@ -10658,7 +10657,7 @@
           <a:p>
             <a:fld id="{760FBDFE-C587-4B4C-A407-44438C67B59E}" type="datetimeFigureOut">
               <a:rPr lang="zh-CN" altLang="en-US" smtClean="0"/>
-              <a:t>2023/1/3</a:t>
+              <a:t>2023/1/12</a:t>
             </a:fld>
             <a:endParaRPr lang="zh-CN" altLang="en-US"/>
           </a:p>
@@ -11639,7 +11638,7 @@
           <a:p>
             <a:fld id="{760FBDFE-C587-4B4C-A407-44438C67B59E}" type="datetimeFigureOut">
               <a:rPr lang="zh-CN" altLang="en-US" smtClean="0"/>
-              <a:t>2023/1/3</a:t>
+              <a:t>2023/1/12</a:t>
             </a:fld>
             <a:endParaRPr lang="zh-CN" altLang="en-US"/>
           </a:p>
@@ -12262,7 +12261,7 @@
           <a:p>
             <a:fld id="{760FBDFE-C587-4B4C-A407-44438C67B59E}" type="datetimeFigureOut">
               <a:rPr lang="zh-CN" altLang="en-US" smtClean="0"/>
-              <a:t>2023/1/3</a:t>
+              <a:t>2023/1/12</a:t>
             </a:fld>
             <a:endParaRPr lang="zh-CN" altLang="en-US"/>
           </a:p>
@@ -12369,7 +12368,7 @@
           <a:p>
             <a:fld id="{760FBDFE-C587-4B4C-A407-44438C67B59E}" type="datetimeFigureOut">
               <a:rPr lang="zh-CN" altLang="en-US" smtClean="0"/>
-              <a:t>2023/1/3</a:t>
+              <a:t>2023/1/12</a:t>
             </a:fld>
             <a:endParaRPr lang="zh-CN" altLang="en-US"/>
           </a:p>
@@ -12995,7 +12994,7 @@
           <a:p>
             <a:fld id="{9EFD9D74-47D9-4702-A33C-335B63B48DBF}" type="datetimeFigureOut">
               <a:rPr lang="zh-CN" altLang="en-US" smtClean="0"/>
-              <a:t>2023/1/3</a:t>
+              <a:t>2023/1/12</a:t>
             </a:fld>
             <a:endParaRPr lang="zh-CN" altLang="en-US" dirty="0"/>
           </a:p>
@@ -13709,7 +13708,7 @@
           <a:p>
             <a:fld id="{760FBDFE-C587-4B4C-A407-44438C67B59E}" type="datetimeFigureOut">
               <a:rPr lang="zh-CN" altLang="en-US" smtClean="0"/>
-              <a:t>2023/1/3</a:t>
+              <a:t>2023/1/12</a:t>
             </a:fld>
             <a:endParaRPr lang="zh-CN" altLang="en-US"/>
           </a:p>
@@ -13961,7 +13960,7 @@
           <a:p>
             <a:fld id="{760FBDFE-C587-4B4C-A407-44438C67B59E}" type="datetimeFigureOut">
               <a:rPr lang="zh-CN" altLang="en-US" smtClean="0"/>
-              <a:t>2023/1/3</a:t>
+              <a:t>2023/1/12</a:t>
             </a:fld>
             <a:endParaRPr lang="zh-CN" altLang="en-US"/>
           </a:p>
@@ -14584,1012 +14583,6 @@
           <a:p>
             <a:r>
               <a:rPr lang="en-US"/>
-              <a:t>if</a:t>
-            </a:r>
-          </a:p>
-        </p:txBody>
-      </p:sp>
-      <p:sp>
-        <p:nvSpPr>
-          <p:cNvPr id="6" name="文本占位符 5"/>
-          <p:cNvSpPr>
-            <a:spLocks noGrp="1"/>
-          </p:cNvSpPr>
-          <p:nvPr>
-            <p:ph type="body" sz="quarter" idx="15"/>
-            <p:custDataLst>
-              <p:tags r:id="rId3"/>
-            </p:custDataLst>
-          </p:nvPr>
-        </p:nvSpPr>
-        <p:spPr>
-          <a:xfrm>
-            <a:off x="579600" y="1252670"/>
-            <a:ext cx="8546472" cy="513378"/>
-          </a:xfrm>
-        </p:spPr>
-        <p:txBody>
-          <a:bodyPr>
-            <a:noAutofit/>
-          </a:bodyPr>
-          <a:lstStyle/>
-          <a:p>
-            <a:r>
-              <a:rPr>
-                <a:latin typeface="+mn-lt"/>
-                <a:cs typeface="+mn-lt"/>
-              </a:rPr>
-              <a:t>if语句用于判断一个条件是否成立，如果成立则执行if语句块中的语句，否则不执行。</a:t>
-            </a:r>
-          </a:p>
-        </p:txBody>
-      </p:sp>
-      <p:sp>
-        <p:nvSpPr>
-          <p:cNvPr id="100" name="文本框 99"/>
-          <p:cNvSpPr txBox="1"/>
-          <p:nvPr/>
-        </p:nvSpPr>
-        <p:spPr>
-          <a:xfrm>
-            <a:off x="579600" y="2095725"/>
-            <a:ext cx="4400550" cy="3692525"/>
-          </a:xfrm>
-          <a:prstGeom prst="rect">
-            <a:avLst/>
-          </a:prstGeom>
-          <a:noFill/>
-          <a:ln w="9525">
-            <a:noFill/>
-          </a:ln>
-        </p:spPr>
-        <p:txBody>
-          <a:bodyPr wrap="square">
-            <a:spAutoFit/>
-          </a:bodyPr>
-          <a:lstStyle/>
-          <a:p>
-            <a:pPr indent="0"/>
-            <a:r>
-              <a:rPr lang="en-US" b="0">
-                <a:solidFill>
-                  <a:srgbClr val="804000"/>
-                </a:solidFill>
-                <a:highlight>
-                  <a:srgbClr val="FFFFFF"/>
-                </a:highlight>
-                <a:latin typeface="Consolas" panose="020B0609020204030204" charset="0"/>
-                <a:ea typeface="宋体" panose="02010600030101010101" pitchFamily="2" charset="-122"/>
-              </a:rPr>
-              <a:t>#include &lt;stdio.h&gt;</a:t>
-            </a:r>
-            <a:endParaRPr lang="en-US" b="0">
-              <a:solidFill>
-                <a:srgbClr val="000000"/>
-              </a:solidFill>
-              <a:highlight>
-                <a:srgbClr val="FFFFFF"/>
-              </a:highlight>
-              <a:latin typeface="Consolas" panose="020B0609020204030204" charset="0"/>
-              <a:ea typeface="宋体" panose="02010600030101010101" pitchFamily="2" charset="-122"/>
-            </a:endParaRPr>
-          </a:p>
-          <a:p>
-            <a:pPr indent="0"/>
-            <a:r>
-              <a:rPr lang="en-US" b="0">
-                <a:solidFill>
-                  <a:srgbClr val="000000"/>
-                </a:solidFill>
-                <a:highlight>
-                  <a:srgbClr val="FFFFFF"/>
-                </a:highlight>
-                <a:latin typeface="Consolas" panose="020B0609020204030204" charset="0"/>
-                <a:ea typeface="宋体" panose="02010600030101010101" pitchFamily="2" charset="-122"/>
-              </a:rPr>
-              <a:t> </a:t>
-            </a:r>
-            <a:endParaRPr lang="en-US" b="0">
-              <a:solidFill>
-                <a:srgbClr val="8000FF"/>
-              </a:solidFill>
-              <a:highlight>
-                <a:srgbClr val="FFFFFF"/>
-              </a:highlight>
-              <a:latin typeface="Consolas" panose="020B0609020204030204" charset="0"/>
-              <a:ea typeface="宋体" panose="02010600030101010101" pitchFamily="2" charset="-122"/>
-            </a:endParaRPr>
-          </a:p>
-          <a:p>
-            <a:pPr indent="0"/>
-            <a:r>
-              <a:rPr lang="en-US" b="0">
-                <a:solidFill>
-                  <a:srgbClr val="8000FF"/>
-                </a:solidFill>
-                <a:highlight>
-                  <a:srgbClr val="FFFFFF"/>
-                </a:highlight>
-                <a:latin typeface="Consolas" panose="020B0609020204030204" charset="0"/>
-                <a:ea typeface="宋体" panose="02010600030101010101" pitchFamily="2" charset="-122"/>
-              </a:rPr>
-              <a:t>int</a:t>
-            </a:r>
-            <a:r>
-              <a:rPr lang="en-US" b="0">
-                <a:solidFill>
-                  <a:srgbClr val="000000"/>
-                </a:solidFill>
-                <a:highlight>
-                  <a:srgbClr val="FFFFFF"/>
-                </a:highlight>
-                <a:latin typeface="Consolas" panose="020B0609020204030204" charset="0"/>
-                <a:ea typeface="宋体" panose="02010600030101010101" pitchFamily="2" charset="-122"/>
-              </a:rPr>
-              <a:t> main</a:t>
-            </a:r>
-            <a:r>
-              <a:rPr lang="en-US" b="1">
-                <a:solidFill>
-                  <a:srgbClr val="000080"/>
-                </a:solidFill>
-                <a:highlight>
-                  <a:srgbClr val="FFFFFF"/>
-                </a:highlight>
-                <a:latin typeface="Consolas" panose="020B0609020204030204" charset="0"/>
-                <a:ea typeface="宋体" panose="02010600030101010101" pitchFamily="2" charset="-122"/>
-              </a:rPr>
-              <a:t>()</a:t>
-            </a:r>
-          </a:p>
-          <a:p>
-            <a:pPr indent="0"/>
-            <a:r>
-              <a:rPr lang="en-US" b="1">
-                <a:solidFill>
-                  <a:srgbClr val="000080"/>
-                </a:solidFill>
-                <a:highlight>
-                  <a:srgbClr val="FFFFFF"/>
-                </a:highlight>
-                <a:latin typeface="Consolas" panose="020B0609020204030204" charset="0"/>
-                <a:ea typeface="宋体" panose="02010600030101010101" pitchFamily="2" charset="-122"/>
-              </a:rPr>
-              <a:t>{</a:t>
-            </a:r>
-            <a:endParaRPr lang="en-US" b="0">
-              <a:solidFill>
-                <a:srgbClr val="000000"/>
-              </a:solidFill>
-              <a:highlight>
-                <a:srgbClr val="FFFFFF"/>
-              </a:highlight>
-              <a:latin typeface="Consolas" panose="020B0609020204030204" charset="0"/>
-              <a:ea typeface="宋体" panose="02010600030101010101" pitchFamily="2" charset="-122"/>
-            </a:endParaRPr>
-          </a:p>
-          <a:p>
-            <a:pPr indent="0"/>
-            <a:r>
-              <a:rPr lang="en-US" b="0">
-                <a:solidFill>
-                  <a:srgbClr val="000000"/>
-                </a:solidFill>
-                <a:highlight>
-                  <a:srgbClr val="FFFFFF"/>
-                </a:highlight>
-                <a:latin typeface="Consolas" panose="020B0609020204030204" charset="0"/>
-                <a:ea typeface="宋体" panose="02010600030101010101" pitchFamily="2" charset="-122"/>
-              </a:rPr>
-              <a:t>    </a:t>
-            </a:r>
-            <a:r>
-              <a:rPr lang="en-US" b="0">
-                <a:solidFill>
-                  <a:srgbClr val="8000FF"/>
-                </a:solidFill>
-                <a:highlight>
-                  <a:srgbClr val="FFFFFF"/>
-                </a:highlight>
-                <a:latin typeface="Consolas" panose="020B0609020204030204" charset="0"/>
-                <a:ea typeface="宋体" panose="02010600030101010101" pitchFamily="2" charset="-122"/>
-              </a:rPr>
-              <a:t>int</a:t>
-            </a:r>
-            <a:r>
-              <a:rPr lang="en-US" b="0">
-                <a:solidFill>
-                  <a:srgbClr val="000000"/>
-                </a:solidFill>
-                <a:highlight>
-                  <a:srgbClr val="FFFFFF"/>
-                </a:highlight>
-                <a:latin typeface="Consolas" panose="020B0609020204030204" charset="0"/>
-                <a:ea typeface="宋体" panose="02010600030101010101" pitchFamily="2" charset="-122"/>
-              </a:rPr>
-              <a:t> age</a:t>
-            </a:r>
-            <a:r>
-              <a:rPr lang="en-US" b="1">
-                <a:solidFill>
-                  <a:srgbClr val="000080"/>
-                </a:solidFill>
-                <a:highlight>
-                  <a:srgbClr val="FFFFFF"/>
-                </a:highlight>
-                <a:latin typeface="Consolas" panose="020B0609020204030204" charset="0"/>
-                <a:ea typeface="宋体" panose="02010600030101010101" pitchFamily="2" charset="-122"/>
-              </a:rPr>
-              <a:t>;</a:t>
-            </a:r>
-            <a:endParaRPr lang="en-US" b="0">
-              <a:solidFill>
-                <a:srgbClr val="000000"/>
-              </a:solidFill>
-              <a:highlight>
-                <a:srgbClr val="FFFFFF"/>
-              </a:highlight>
-              <a:latin typeface="Consolas" panose="020B0609020204030204" charset="0"/>
-              <a:ea typeface="宋体" panose="02010600030101010101" pitchFamily="2" charset="-122"/>
-            </a:endParaRPr>
-          </a:p>
-          <a:p>
-            <a:pPr indent="0"/>
-            <a:r>
-              <a:rPr lang="en-US" b="0">
-                <a:solidFill>
-                  <a:srgbClr val="000000"/>
-                </a:solidFill>
-                <a:highlight>
-                  <a:srgbClr val="FFFFFF"/>
-                </a:highlight>
-                <a:latin typeface="Consolas" panose="020B0609020204030204" charset="0"/>
-                <a:ea typeface="宋体" panose="02010600030101010101" pitchFamily="2" charset="-122"/>
-              </a:rPr>
-              <a:t>    printf</a:t>
-            </a:r>
-            <a:r>
-              <a:rPr lang="en-US" b="1">
-                <a:solidFill>
-                  <a:srgbClr val="000080"/>
-                </a:solidFill>
-                <a:highlight>
-                  <a:srgbClr val="FFFFFF"/>
-                </a:highlight>
-                <a:latin typeface="Consolas" panose="020B0609020204030204" charset="0"/>
-                <a:ea typeface="宋体" panose="02010600030101010101" pitchFamily="2" charset="-122"/>
-              </a:rPr>
-              <a:t>(</a:t>
-            </a:r>
-            <a:r>
-              <a:rPr lang="en-US" b="0">
-                <a:solidFill>
-                  <a:srgbClr val="808080"/>
-                </a:solidFill>
-                <a:highlight>
-                  <a:srgbClr val="FFFFFF"/>
-                </a:highlight>
-                <a:latin typeface="Consolas" panose="020B0609020204030204" charset="0"/>
-                <a:ea typeface="宋体" panose="02010600030101010101" pitchFamily="2" charset="-122"/>
-              </a:rPr>
-              <a:t>"Enter your age: "</a:t>
-            </a:r>
-            <a:r>
-              <a:rPr lang="en-US" b="1">
-                <a:solidFill>
-                  <a:srgbClr val="000080"/>
-                </a:solidFill>
-                <a:highlight>
-                  <a:srgbClr val="FFFFFF"/>
-                </a:highlight>
-                <a:latin typeface="Consolas" panose="020B0609020204030204" charset="0"/>
-                <a:ea typeface="宋体" panose="02010600030101010101" pitchFamily="2" charset="-122"/>
-              </a:rPr>
-              <a:t>);</a:t>
-            </a:r>
-            <a:endParaRPr lang="en-US" b="0">
-              <a:solidFill>
-                <a:srgbClr val="000000"/>
-              </a:solidFill>
-              <a:highlight>
-                <a:srgbClr val="FFFFFF"/>
-              </a:highlight>
-              <a:latin typeface="Consolas" panose="020B0609020204030204" charset="0"/>
-              <a:ea typeface="宋体" panose="02010600030101010101" pitchFamily="2" charset="-122"/>
-            </a:endParaRPr>
-          </a:p>
-          <a:p>
-            <a:pPr indent="0"/>
-            <a:r>
-              <a:rPr lang="en-US" b="0">
-                <a:solidFill>
-                  <a:srgbClr val="000000"/>
-                </a:solidFill>
-                <a:highlight>
-                  <a:srgbClr val="FFFFFF"/>
-                </a:highlight>
-                <a:latin typeface="Consolas" panose="020B0609020204030204" charset="0"/>
-                <a:ea typeface="宋体" panose="02010600030101010101" pitchFamily="2" charset="-122"/>
-              </a:rPr>
-              <a:t>    scanf</a:t>
-            </a:r>
-            <a:r>
-              <a:rPr lang="en-US" b="1">
-                <a:solidFill>
-                  <a:srgbClr val="000080"/>
-                </a:solidFill>
-                <a:highlight>
-                  <a:srgbClr val="FFFFFF"/>
-                </a:highlight>
-                <a:latin typeface="Consolas" panose="020B0609020204030204" charset="0"/>
-                <a:ea typeface="宋体" panose="02010600030101010101" pitchFamily="2" charset="-122"/>
-              </a:rPr>
-              <a:t>(</a:t>
-            </a:r>
-            <a:r>
-              <a:rPr lang="en-US" b="0">
-                <a:solidFill>
-                  <a:srgbClr val="808080"/>
-                </a:solidFill>
-                <a:highlight>
-                  <a:srgbClr val="FFFFFF"/>
-                </a:highlight>
-                <a:latin typeface="Consolas" panose="020B0609020204030204" charset="0"/>
-                <a:ea typeface="宋体" panose="02010600030101010101" pitchFamily="2" charset="-122"/>
-              </a:rPr>
-              <a:t>"%d"</a:t>
-            </a:r>
-            <a:r>
-              <a:rPr lang="en-US" b="1">
-                <a:solidFill>
-                  <a:srgbClr val="000080"/>
-                </a:solidFill>
-                <a:highlight>
-                  <a:srgbClr val="FFFFFF"/>
-                </a:highlight>
-                <a:latin typeface="Consolas" panose="020B0609020204030204" charset="0"/>
-                <a:ea typeface="宋体" panose="02010600030101010101" pitchFamily="2" charset="-122"/>
-              </a:rPr>
-              <a:t>,</a:t>
-            </a:r>
-            <a:r>
-              <a:rPr lang="en-US" b="0">
-                <a:solidFill>
-                  <a:srgbClr val="000000"/>
-                </a:solidFill>
-                <a:highlight>
-                  <a:srgbClr val="FFFFFF"/>
-                </a:highlight>
-                <a:latin typeface="Consolas" panose="020B0609020204030204" charset="0"/>
-                <a:ea typeface="宋体" panose="02010600030101010101" pitchFamily="2" charset="-122"/>
-              </a:rPr>
-              <a:t> </a:t>
-            </a:r>
-            <a:r>
-              <a:rPr lang="en-US" b="1">
-                <a:solidFill>
-                  <a:srgbClr val="000080"/>
-                </a:solidFill>
-                <a:highlight>
-                  <a:srgbClr val="FFFFFF"/>
-                </a:highlight>
-                <a:latin typeface="Consolas" panose="020B0609020204030204" charset="0"/>
-                <a:ea typeface="宋体" panose="02010600030101010101" pitchFamily="2" charset="-122"/>
-              </a:rPr>
-              <a:t>&amp;</a:t>
-            </a:r>
-            <a:r>
-              <a:rPr lang="en-US" b="0">
-                <a:solidFill>
-                  <a:srgbClr val="000000"/>
-                </a:solidFill>
-                <a:highlight>
-                  <a:srgbClr val="FFFFFF"/>
-                </a:highlight>
-                <a:latin typeface="Consolas" panose="020B0609020204030204" charset="0"/>
-                <a:ea typeface="宋体" panose="02010600030101010101" pitchFamily="2" charset="-122"/>
-              </a:rPr>
-              <a:t>age</a:t>
-            </a:r>
-            <a:r>
-              <a:rPr lang="en-US" b="1">
-                <a:solidFill>
-                  <a:srgbClr val="000080"/>
-                </a:solidFill>
-                <a:highlight>
-                  <a:srgbClr val="FFFFFF"/>
-                </a:highlight>
-                <a:latin typeface="Consolas" panose="020B0609020204030204" charset="0"/>
-                <a:ea typeface="宋体" panose="02010600030101010101" pitchFamily="2" charset="-122"/>
-              </a:rPr>
-              <a:t>);</a:t>
-            </a:r>
-            <a:endParaRPr lang="en-US" b="0">
-              <a:solidFill>
-                <a:srgbClr val="000000"/>
-              </a:solidFill>
-              <a:highlight>
-                <a:srgbClr val="FFFFFF"/>
-              </a:highlight>
-              <a:latin typeface="Consolas" panose="020B0609020204030204" charset="0"/>
-              <a:ea typeface="宋体" panose="02010600030101010101" pitchFamily="2" charset="-122"/>
-            </a:endParaRPr>
-          </a:p>
-          <a:p>
-            <a:pPr indent="0"/>
-            <a:r>
-              <a:rPr lang="en-US" b="0">
-                <a:solidFill>
-                  <a:srgbClr val="000000"/>
-                </a:solidFill>
-                <a:highlight>
-                  <a:srgbClr val="FFFFFF"/>
-                </a:highlight>
-                <a:latin typeface="Consolas" panose="020B0609020204030204" charset="0"/>
-                <a:ea typeface="宋体" panose="02010600030101010101" pitchFamily="2" charset="-122"/>
-              </a:rPr>
-              <a:t>    </a:t>
-            </a:r>
-            <a:r>
-              <a:rPr lang="en-US" b="1">
-                <a:solidFill>
-                  <a:srgbClr val="0000FF"/>
-                </a:solidFill>
-                <a:highlight>
-                  <a:srgbClr val="FFFFFF"/>
-                </a:highlight>
-                <a:latin typeface="Consolas" panose="020B0609020204030204" charset="0"/>
-                <a:ea typeface="宋体" panose="02010600030101010101" pitchFamily="2" charset="-122"/>
-              </a:rPr>
-              <a:t>if</a:t>
-            </a:r>
-            <a:r>
-              <a:rPr lang="en-US" b="1">
-                <a:solidFill>
-                  <a:srgbClr val="000080"/>
-                </a:solidFill>
-                <a:highlight>
-                  <a:srgbClr val="FFFFFF"/>
-                </a:highlight>
-                <a:latin typeface="Consolas" panose="020B0609020204030204" charset="0"/>
-                <a:ea typeface="宋体" panose="02010600030101010101" pitchFamily="2" charset="-122"/>
-              </a:rPr>
-              <a:t>(</a:t>
-            </a:r>
-            <a:r>
-              <a:rPr lang="en-US" b="0">
-                <a:solidFill>
-                  <a:srgbClr val="000000"/>
-                </a:solidFill>
-                <a:highlight>
-                  <a:srgbClr val="FFFFFF"/>
-                </a:highlight>
-                <a:latin typeface="Consolas" panose="020B0609020204030204" charset="0"/>
-                <a:ea typeface="宋体" panose="02010600030101010101" pitchFamily="2" charset="-122"/>
-              </a:rPr>
-              <a:t>age </a:t>
-            </a:r>
-            <a:r>
-              <a:rPr lang="en-US" b="1">
-                <a:solidFill>
-                  <a:srgbClr val="000080"/>
-                </a:solidFill>
-                <a:highlight>
-                  <a:srgbClr val="FFFFFF"/>
-                </a:highlight>
-                <a:latin typeface="Consolas" panose="020B0609020204030204" charset="0"/>
-                <a:ea typeface="宋体" panose="02010600030101010101" pitchFamily="2" charset="-122"/>
-              </a:rPr>
-              <a:t>&gt;</a:t>
-            </a:r>
-            <a:r>
-              <a:rPr lang="en-US" b="0">
-                <a:solidFill>
-                  <a:srgbClr val="000000"/>
-                </a:solidFill>
-                <a:highlight>
-                  <a:srgbClr val="FFFFFF"/>
-                </a:highlight>
-                <a:latin typeface="Consolas" panose="020B0609020204030204" charset="0"/>
-                <a:ea typeface="宋体" panose="02010600030101010101" pitchFamily="2" charset="-122"/>
-              </a:rPr>
-              <a:t> </a:t>
-            </a:r>
-            <a:r>
-              <a:rPr lang="en-US" b="0">
-                <a:solidFill>
-                  <a:srgbClr val="FF8000"/>
-                </a:solidFill>
-                <a:highlight>
-                  <a:srgbClr val="FFFFFF"/>
-                </a:highlight>
-                <a:latin typeface="Consolas" panose="020B0609020204030204" charset="0"/>
-                <a:ea typeface="宋体" panose="02010600030101010101" pitchFamily="2" charset="-122"/>
-              </a:rPr>
-              <a:t>0</a:t>
-            </a:r>
-            <a:r>
-              <a:rPr lang="en-US" b="0">
-                <a:solidFill>
-                  <a:srgbClr val="000000"/>
-                </a:solidFill>
-                <a:highlight>
-                  <a:srgbClr val="FFFFFF"/>
-                </a:highlight>
-                <a:latin typeface="Consolas" panose="020B0609020204030204" charset="0"/>
-                <a:ea typeface="宋体" panose="02010600030101010101" pitchFamily="2" charset="-122"/>
-              </a:rPr>
-              <a:t> </a:t>
-            </a:r>
-            <a:r>
-              <a:rPr lang="en-US" b="1">
-                <a:solidFill>
-                  <a:srgbClr val="000080"/>
-                </a:solidFill>
-                <a:highlight>
-                  <a:srgbClr val="FFFFFF"/>
-                </a:highlight>
-                <a:latin typeface="Consolas" panose="020B0609020204030204" charset="0"/>
-                <a:ea typeface="宋体" panose="02010600030101010101" pitchFamily="2" charset="-122"/>
-              </a:rPr>
-              <a:t>&amp;&amp;</a:t>
-            </a:r>
-            <a:r>
-              <a:rPr lang="en-US" b="0">
-                <a:solidFill>
-                  <a:srgbClr val="000000"/>
-                </a:solidFill>
-                <a:highlight>
-                  <a:srgbClr val="FFFFFF"/>
-                </a:highlight>
-                <a:latin typeface="Consolas" panose="020B0609020204030204" charset="0"/>
-                <a:ea typeface="宋体" panose="02010600030101010101" pitchFamily="2" charset="-122"/>
-              </a:rPr>
-              <a:t> age </a:t>
-            </a:r>
-            <a:r>
-              <a:rPr lang="en-US" b="1">
-                <a:solidFill>
-                  <a:srgbClr val="000080"/>
-                </a:solidFill>
-                <a:highlight>
-                  <a:srgbClr val="FFFFFF"/>
-                </a:highlight>
-                <a:latin typeface="Consolas" panose="020B0609020204030204" charset="0"/>
-                <a:ea typeface="宋体" panose="02010600030101010101" pitchFamily="2" charset="-122"/>
-              </a:rPr>
-              <a:t>&lt;</a:t>
-            </a:r>
-            <a:r>
-              <a:rPr lang="en-US" b="0">
-                <a:solidFill>
-                  <a:srgbClr val="000000"/>
-                </a:solidFill>
-                <a:highlight>
-                  <a:srgbClr val="FFFFFF"/>
-                </a:highlight>
-                <a:latin typeface="Consolas" panose="020B0609020204030204" charset="0"/>
-                <a:ea typeface="宋体" panose="02010600030101010101" pitchFamily="2" charset="-122"/>
-              </a:rPr>
-              <a:t> </a:t>
-            </a:r>
-            <a:r>
-              <a:rPr lang="en-US" b="0">
-                <a:solidFill>
-                  <a:srgbClr val="FF8000"/>
-                </a:solidFill>
-                <a:highlight>
-                  <a:srgbClr val="FFFFFF"/>
-                </a:highlight>
-                <a:latin typeface="Consolas" panose="020B0609020204030204" charset="0"/>
-                <a:ea typeface="宋体" panose="02010600030101010101" pitchFamily="2" charset="-122"/>
-              </a:rPr>
-              <a:t>18</a:t>
-            </a:r>
-            <a:r>
-              <a:rPr lang="en-US" b="1">
-                <a:solidFill>
-                  <a:srgbClr val="000080"/>
-                </a:solidFill>
-                <a:highlight>
-                  <a:srgbClr val="FFFFFF"/>
-                </a:highlight>
-                <a:latin typeface="Consolas" panose="020B0609020204030204" charset="0"/>
-                <a:ea typeface="宋体" panose="02010600030101010101" pitchFamily="2" charset="-122"/>
-              </a:rPr>
-              <a:t>)</a:t>
-            </a:r>
-            <a:endParaRPr lang="en-US" b="0">
-              <a:solidFill>
-                <a:srgbClr val="000000"/>
-              </a:solidFill>
-              <a:highlight>
-                <a:srgbClr val="FFFFFF"/>
-              </a:highlight>
-              <a:latin typeface="Consolas" panose="020B0609020204030204" charset="0"/>
-              <a:ea typeface="宋体" panose="02010600030101010101" pitchFamily="2" charset="-122"/>
-            </a:endParaRPr>
-          </a:p>
-          <a:p>
-            <a:pPr indent="0"/>
-            <a:r>
-              <a:rPr lang="en-US" b="0">
-                <a:solidFill>
-                  <a:srgbClr val="000000"/>
-                </a:solidFill>
-                <a:highlight>
-                  <a:srgbClr val="FFFFFF"/>
-                </a:highlight>
-                <a:latin typeface="Consolas" panose="020B0609020204030204" charset="0"/>
-                <a:ea typeface="宋体" panose="02010600030101010101" pitchFamily="2" charset="-122"/>
-              </a:rPr>
-              <a:t>    </a:t>
-            </a:r>
-            <a:r>
-              <a:rPr lang="en-US" b="1">
-                <a:solidFill>
-                  <a:srgbClr val="000080"/>
-                </a:solidFill>
-                <a:highlight>
-                  <a:srgbClr val="FFFFFF"/>
-                </a:highlight>
-                <a:latin typeface="Consolas" panose="020B0609020204030204" charset="0"/>
-                <a:ea typeface="宋体" panose="02010600030101010101" pitchFamily="2" charset="-122"/>
-              </a:rPr>
-              <a:t>{</a:t>
-            </a:r>
-            <a:endParaRPr lang="en-US" b="0">
-              <a:solidFill>
-                <a:srgbClr val="000000"/>
-              </a:solidFill>
-              <a:highlight>
-                <a:srgbClr val="FFFFFF"/>
-              </a:highlight>
-              <a:latin typeface="Consolas" panose="020B0609020204030204" charset="0"/>
-              <a:ea typeface="宋体" panose="02010600030101010101" pitchFamily="2" charset="-122"/>
-            </a:endParaRPr>
-          </a:p>
-          <a:p>
-            <a:pPr indent="0"/>
-            <a:r>
-              <a:rPr lang="en-US" b="0">
-                <a:solidFill>
-                  <a:srgbClr val="000000"/>
-                </a:solidFill>
-                <a:highlight>
-                  <a:srgbClr val="FFFFFF"/>
-                </a:highlight>
-                <a:latin typeface="Consolas" panose="020B0609020204030204" charset="0"/>
-                <a:ea typeface="宋体" panose="02010600030101010101" pitchFamily="2" charset="-122"/>
-              </a:rPr>
-              <a:t>        printf</a:t>
-            </a:r>
-            <a:r>
-              <a:rPr lang="en-US" b="1">
-                <a:solidFill>
-                  <a:srgbClr val="000080"/>
-                </a:solidFill>
-                <a:highlight>
-                  <a:srgbClr val="FFFFFF"/>
-                </a:highlight>
-                <a:latin typeface="Consolas" panose="020B0609020204030204" charset="0"/>
-                <a:ea typeface="宋体" panose="02010600030101010101" pitchFamily="2" charset="-122"/>
-              </a:rPr>
-              <a:t>(</a:t>
-            </a:r>
-            <a:r>
-              <a:rPr lang="en-US" b="0">
-                <a:solidFill>
-                  <a:srgbClr val="808080"/>
-                </a:solidFill>
-                <a:highlight>
-                  <a:srgbClr val="FFFFFF"/>
-                </a:highlight>
-                <a:latin typeface="Consolas" panose="020B0609020204030204" charset="0"/>
-                <a:ea typeface="宋体" panose="02010600030101010101" pitchFamily="2" charset="-122"/>
-              </a:rPr>
-              <a:t>"Minor\n"</a:t>
-            </a:r>
-            <a:r>
-              <a:rPr lang="en-US" b="1">
-                <a:solidFill>
-                  <a:srgbClr val="000080"/>
-                </a:solidFill>
-                <a:highlight>
-                  <a:srgbClr val="FFFFFF"/>
-                </a:highlight>
-                <a:latin typeface="Consolas" panose="020B0609020204030204" charset="0"/>
-                <a:ea typeface="宋体" panose="02010600030101010101" pitchFamily="2" charset="-122"/>
-              </a:rPr>
-              <a:t>);</a:t>
-            </a:r>
-            <a:endParaRPr lang="en-US" b="0">
-              <a:solidFill>
-                <a:srgbClr val="000000"/>
-              </a:solidFill>
-              <a:highlight>
-                <a:srgbClr val="FFFFFF"/>
-              </a:highlight>
-              <a:latin typeface="Consolas" panose="020B0609020204030204" charset="0"/>
-              <a:ea typeface="宋体" panose="02010600030101010101" pitchFamily="2" charset="-122"/>
-            </a:endParaRPr>
-          </a:p>
-          <a:p>
-            <a:pPr indent="0"/>
-            <a:r>
-              <a:rPr lang="en-US" b="0">
-                <a:solidFill>
-                  <a:srgbClr val="000000"/>
-                </a:solidFill>
-                <a:highlight>
-                  <a:srgbClr val="FFFFFF"/>
-                </a:highlight>
-                <a:latin typeface="Consolas" panose="020B0609020204030204" charset="0"/>
-                <a:ea typeface="宋体" panose="02010600030101010101" pitchFamily="2" charset="-122"/>
-              </a:rPr>
-              <a:t>    </a:t>
-            </a:r>
-            <a:r>
-              <a:rPr lang="en-US" b="1">
-                <a:solidFill>
-                  <a:srgbClr val="000080"/>
-                </a:solidFill>
-                <a:highlight>
-                  <a:srgbClr val="FFFFFF"/>
-                </a:highlight>
-                <a:latin typeface="Consolas" panose="020B0609020204030204" charset="0"/>
-                <a:ea typeface="宋体" panose="02010600030101010101" pitchFamily="2" charset="-122"/>
-              </a:rPr>
-              <a:t>}</a:t>
-            </a:r>
-            <a:endParaRPr lang="en-US" b="0">
-              <a:solidFill>
-                <a:srgbClr val="000000"/>
-              </a:solidFill>
-              <a:highlight>
-                <a:srgbClr val="FFFFFF"/>
-              </a:highlight>
-              <a:latin typeface="Consolas" panose="020B0609020204030204" charset="0"/>
-              <a:ea typeface="宋体" panose="02010600030101010101" pitchFamily="2" charset="-122"/>
-            </a:endParaRPr>
-          </a:p>
-          <a:p>
-            <a:pPr indent="0"/>
-            <a:r>
-              <a:rPr lang="en-US" b="0">
-                <a:solidFill>
-                  <a:srgbClr val="000000"/>
-                </a:solidFill>
-                <a:highlight>
-                  <a:srgbClr val="FFFFFF"/>
-                </a:highlight>
-                <a:latin typeface="Consolas" panose="020B0609020204030204" charset="0"/>
-                <a:ea typeface="宋体" panose="02010600030101010101" pitchFamily="2" charset="-122"/>
-              </a:rPr>
-              <a:t>    </a:t>
-            </a:r>
-            <a:r>
-              <a:rPr lang="en-US" b="1">
-                <a:solidFill>
-                  <a:srgbClr val="0000FF"/>
-                </a:solidFill>
-                <a:highlight>
-                  <a:srgbClr val="FFFFFF"/>
-                </a:highlight>
-                <a:latin typeface="Consolas" panose="020B0609020204030204" charset="0"/>
-                <a:ea typeface="宋体" panose="02010600030101010101" pitchFamily="2" charset="-122"/>
-              </a:rPr>
-              <a:t>return</a:t>
-            </a:r>
-            <a:r>
-              <a:rPr lang="en-US" b="0">
-                <a:solidFill>
-                  <a:srgbClr val="000000"/>
-                </a:solidFill>
-                <a:highlight>
-                  <a:srgbClr val="FFFFFF"/>
-                </a:highlight>
-                <a:latin typeface="Consolas" panose="020B0609020204030204" charset="0"/>
-                <a:ea typeface="宋体" panose="02010600030101010101" pitchFamily="2" charset="-122"/>
-              </a:rPr>
-              <a:t> </a:t>
-            </a:r>
-            <a:r>
-              <a:rPr lang="en-US" b="0">
-                <a:solidFill>
-                  <a:srgbClr val="FF8000"/>
-                </a:solidFill>
-                <a:highlight>
-                  <a:srgbClr val="FFFFFF"/>
-                </a:highlight>
-                <a:latin typeface="Consolas" panose="020B0609020204030204" charset="0"/>
-                <a:ea typeface="宋体" panose="02010600030101010101" pitchFamily="2" charset="-122"/>
-              </a:rPr>
-              <a:t>0</a:t>
-            </a:r>
-            <a:r>
-              <a:rPr lang="en-US" b="1">
-                <a:solidFill>
-                  <a:srgbClr val="000080"/>
-                </a:solidFill>
-                <a:highlight>
-                  <a:srgbClr val="FFFFFF"/>
-                </a:highlight>
-                <a:latin typeface="Consolas" panose="020B0609020204030204" charset="0"/>
-                <a:ea typeface="宋体" panose="02010600030101010101" pitchFamily="2" charset="-122"/>
-              </a:rPr>
-              <a:t>;</a:t>
-            </a:r>
-          </a:p>
-          <a:p>
-            <a:pPr indent="0"/>
-            <a:r>
-              <a:rPr lang="en-US" b="1">
-                <a:solidFill>
-                  <a:srgbClr val="000080"/>
-                </a:solidFill>
-                <a:highlight>
-                  <a:srgbClr val="FFFFFF"/>
-                </a:highlight>
-                <a:latin typeface="Consolas" panose="020B0609020204030204" charset="0"/>
-                <a:ea typeface="宋体" panose="02010600030101010101" pitchFamily="2" charset="-122"/>
-              </a:rPr>
-              <a:t>}</a:t>
-            </a:r>
-            <a:endParaRPr lang="en-US" altLang="en-US" b="1">
-              <a:solidFill>
-                <a:srgbClr val="000080"/>
-              </a:solidFill>
-              <a:highlight>
-                <a:srgbClr val="FFFFFF"/>
-              </a:highlight>
-              <a:latin typeface="Consolas" panose="020B0609020204030204" charset="0"/>
-              <a:ea typeface="宋体" panose="02010600030101010101" pitchFamily="2" charset="-122"/>
-            </a:endParaRPr>
-          </a:p>
-        </p:txBody>
-      </p:sp>
-      <p:graphicFrame>
-        <p:nvGraphicFramePr>
-          <p:cNvPr id="8" name="表格 7"/>
-          <p:cNvGraphicFramePr/>
-          <p:nvPr>
-            <p:custDataLst>
-              <p:tags r:id="rId4"/>
-            </p:custDataLst>
-            <p:extLst>
-              <p:ext uri="{D42A27DB-BD31-4B8C-83A1-F6EECF244321}">
-                <p14:modId xmlns:p14="http://schemas.microsoft.com/office/powerpoint/2010/main" val="1493865918"/>
-              </p:ext>
-            </p:extLst>
-          </p:nvPr>
-        </p:nvGraphicFramePr>
-        <p:xfrm>
-          <a:off x="5326082" y="4965250"/>
-          <a:ext cx="2773045" cy="640080"/>
-        </p:xfrm>
-        <a:graphic>
-          <a:graphicData uri="http://schemas.openxmlformats.org/drawingml/2006/table">
-            <a:tbl>
-              <a:tblPr firstRow="1" bandRow="1">
-                <a:tableStyleId>{5C22544A-7EE6-4342-B048-85BDC9FD1C3A}</a:tableStyleId>
-              </a:tblPr>
-              <a:tblGrid>
-                <a:gridCol w="2773045">
-                  <a:extLst>
-                    <a:ext uri="{9D8B030D-6E8A-4147-A177-3AD203B41FA5}">
-                      <a16:colId xmlns:a16="http://schemas.microsoft.com/office/drawing/2014/main" val="20000"/>
-                    </a:ext>
-                  </a:extLst>
-                </a:gridCol>
-              </a:tblGrid>
-              <a:tr h="640080">
-                <a:tc>
-                  <a:txBody>
-                    <a:bodyPr/>
-                    <a:lstStyle/>
-                    <a:p>
-                      <a:pPr>
-                        <a:buNone/>
-                      </a:pPr>
-                      <a:r>
-                        <a:rPr lang="zh-CN" altLang="en-US" sz="1800" b="0">
-                          <a:solidFill>
-                            <a:schemeClr val="tx1"/>
-                          </a:solidFill>
-                          <a:latin typeface="Consolas" panose="020B0609020204030204" charset="0"/>
-                          <a:cs typeface="Consolas" panose="020B0609020204030204" charset="0"/>
-                          <a:sym typeface="+mn-ea"/>
-                        </a:rPr>
-                        <a:t>Enter your age: 17</a:t>
-                      </a:r>
-                    </a:p>
-                    <a:p>
-                      <a:pPr>
-                        <a:buNone/>
-                      </a:pPr>
-                      <a:r>
-                        <a:rPr lang="zh-CN" altLang="en-US" sz="1800" b="0">
-                          <a:solidFill>
-                            <a:schemeClr val="tx1"/>
-                          </a:solidFill>
-                          <a:latin typeface="Consolas" panose="020B0609020204030204" charset="0"/>
-                          <a:cs typeface="Consolas" panose="020B0609020204030204" charset="0"/>
-                          <a:sym typeface="+mn-ea"/>
-                        </a:rPr>
-                        <a:t>Minor</a:t>
-                      </a:r>
-                    </a:p>
-                  </a:txBody>
-                  <a:tcPr>
-                    <a:solidFill>
-                      <a:schemeClr val="accent6">
-                        <a:lumMod val="20000"/>
-                        <a:lumOff val="80000"/>
-                      </a:schemeClr>
-                    </a:solidFill>
-                  </a:tcPr>
-                </a:tc>
-                <a:extLst>
-                  <a:ext uri="{0D108BD9-81ED-4DB2-BD59-A6C34878D82A}">
-                    <a16:rowId xmlns:a16="http://schemas.microsoft.com/office/drawing/2014/main" val="10000"/>
-                  </a:ext>
-                </a:extLst>
-              </a:tr>
-            </a:tbl>
-          </a:graphicData>
-        </a:graphic>
-      </p:graphicFrame>
-    </p:spTree>
-    <p:custDataLst>
-      <p:tags r:id="rId1"/>
-    </p:custDataLst>
-  </p:cSld>
-  <p:clrMapOvr>
-    <a:masterClrMapping/>
-  </p:clrMapOvr>
-</p:sld>
-</file>
-
-<file path=ppt/slides/slide11.xml><?xml version="1.0" encoding="utf-8"?>
-<p:sld xmlns:a="http://schemas.openxmlformats.org/drawingml/2006/main" xmlns:r="http://schemas.openxmlformats.org/officeDocument/2006/relationships" xmlns:p="http://schemas.openxmlformats.org/presentationml/2006/main">
-  <p:cSld>
-    <p:spTree>
-      <p:nvGrpSpPr>
-        <p:cNvPr id="1" name=""/>
-        <p:cNvGrpSpPr/>
-        <p:nvPr/>
-      </p:nvGrpSpPr>
-      <p:grpSpPr>
-        <a:xfrm>
-          <a:off x="0" y="0"/>
-          <a:ext cx="0" cy="0"/>
-          <a:chOff x="0" y="0"/>
-          <a:chExt cx="0" cy="0"/>
-        </a:xfrm>
-      </p:grpSpPr>
-      <p:sp>
-        <p:nvSpPr>
-          <p:cNvPr id="5" name="标题 4"/>
-          <p:cNvSpPr>
-            <a:spLocks noGrp="1"/>
-          </p:cNvSpPr>
-          <p:nvPr>
-            <p:ph type="title"/>
-            <p:custDataLst>
-              <p:tags r:id="rId2"/>
-            </p:custDataLst>
-          </p:nvPr>
-        </p:nvSpPr>
-        <p:spPr/>
-        <p:txBody>
-          <a:bodyPr>
-            <a:normAutofit fontScale="90000"/>
-          </a:bodyPr>
-          <a:lstStyle/>
-          <a:p>
-            <a:r>
-              <a:rPr lang="en-US"/>
               <a:t>if-else</a:t>
             </a:r>
           </a:p>
@@ -17338,7 +16331,7 @@
 </p:sld>
 </file>
 
-<file path=ppt/slides/slide12.xml><?xml version="1.0" encoding="utf-8"?>
+<file path=ppt/slides/slide11.xml><?xml version="1.0" encoding="utf-8"?>
 <p:sld xmlns:a="http://schemas.openxmlformats.org/drawingml/2006/main" xmlns:r="http://schemas.openxmlformats.org/officeDocument/2006/relationships" xmlns:p="http://schemas.openxmlformats.org/presentationml/2006/main">
   <p:cSld>
     <p:spTree>
@@ -18736,7 +17729,7 @@
 </p:sld>
 </file>
 
-<file path=ppt/slides/slide13.xml><?xml version="1.0" encoding="utf-8"?>
+<file path=ppt/slides/slide12.xml><?xml version="1.0" encoding="utf-8"?>
 <p:sld xmlns:a="http://schemas.openxmlformats.org/drawingml/2006/main" xmlns:r="http://schemas.openxmlformats.org/officeDocument/2006/relationships" xmlns:p="http://schemas.openxmlformats.org/presentationml/2006/main">
   <p:cSld>
     <p:spTree>
@@ -18835,6 +17828,1163 @@
 </p:sld>
 </file>
 
+<file path=ppt/slides/slide13.xml><?xml version="1.0" encoding="utf-8"?>
+<p:sld xmlns:a="http://schemas.openxmlformats.org/drawingml/2006/main" xmlns:r="http://schemas.openxmlformats.org/officeDocument/2006/relationships" xmlns:p="http://schemas.openxmlformats.org/presentationml/2006/main">
+  <p:cSld>
+    <p:spTree>
+      <p:nvGrpSpPr>
+        <p:cNvPr id="1" name=""/>
+        <p:cNvGrpSpPr/>
+        <p:nvPr/>
+      </p:nvGrpSpPr>
+      <p:grpSpPr>
+        <a:xfrm>
+          <a:off x="0" y="0"/>
+          <a:ext cx="0" cy="0"/>
+          <a:chOff x="0" y="0"/>
+          <a:chExt cx="0" cy="0"/>
+        </a:xfrm>
+      </p:grpSpPr>
+      <p:sp>
+        <p:nvSpPr>
+          <p:cNvPr id="5" name="标题 4"/>
+          <p:cNvSpPr>
+            <a:spLocks noGrp="1"/>
+          </p:cNvSpPr>
+          <p:nvPr>
+            <p:ph type="title"/>
+            <p:custDataLst>
+              <p:tags r:id="rId2"/>
+            </p:custDataLst>
+          </p:nvPr>
+        </p:nvSpPr>
+        <p:spPr/>
+        <p:txBody>
+          <a:bodyPr>
+            <a:normAutofit fontScale="90000"/>
+          </a:bodyPr>
+          <a:lstStyle/>
+          <a:p>
+            <a:r>
+              <a:rPr lang="en-US"/>
+              <a:t>switch</a:t>
+            </a:r>
+          </a:p>
+        </p:txBody>
+      </p:sp>
+      <p:sp>
+        <p:nvSpPr>
+          <p:cNvPr id="6" name="文本占位符 5"/>
+          <p:cNvSpPr>
+            <a:spLocks noGrp="1"/>
+          </p:cNvSpPr>
+          <p:nvPr>
+            <p:ph type="body" sz="quarter" idx="15"/>
+            <p:custDataLst>
+              <p:tags r:id="rId3"/>
+            </p:custDataLst>
+          </p:nvPr>
+        </p:nvSpPr>
+        <p:spPr>
+          <a:xfrm>
+            <a:off x="579600" y="1421167"/>
+            <a:ext cx="5516400" cy="1411680"/>
+          </a:xfrm>
+        </p:spPr>
+        <p:txBody>
+          <a:bodyPr>
+            <a:noAutofit/>
+          </a:bodyPr>
+          <a:lstStyle/>
+          <a:p>
+            <a:r>
+              <a:rPr>
+                <a:latin typeface="+mn-lt"/>
+                <a:cs typeface="+mn-lt"/>
+              </a:rPr>
+              <a:t>switch结构用于根据一个</a:t>
+            </a:r>
+            <a:r>
+              <a:rPr>
+                <a:solidFill>
+                  <a:srgbClr val="FF0000"/>
+                </a:solidFill>
+                <a:latin typeface="+mn-lt"/>
+                <a:cs typeface="+mn-lt"/>
+              </a:rPr>
+              <a:t>整数值</a:t>
+            </a:r>
+            <a:r>
+              <a:rPr>
+                <a:latin typeface="+mn-lt"/>
+                <a:cs typeface="+mn-lt"/>
+              </a:rPr>
+              <a:t>，选择对应的case执行。需要注意的是，当对应的case中的代码被执行完后，并不会像if语句一样跳出switch结构，而是会继续向后执行，直到遇到</a:t>
+            </a:r>
+            <a:r>
+              <a:rPr>
+                <a:solidFill>
+                  <a:srgbClr val="FF0000"/>
+                </a:solidFill>
+                <a:latin typeface="+mn-lt"/>
+                <a:cs typeface="+mn-lt"/>
+              </a:rPr>
+              <a:t>break</a:t>
+            </a:r>
+            <a:r>
+              <a:rPr>
+                <a:latin typeface="+mn-lt"/>
+                <a:cs typeface="+mn-lt"/>
+              </a:rPr>
+              <a:t>。</a:t>
+            </a:r>
+          </a:p>
+        </p:txBody>
+      </p:sp>
+      <p:sp>
+        <p:nvSpPr>
+          <p:cNvPr id="2" name="文本框 1"/>
+          <p:cNvSpPr txBox="1"/>
+          <p:nvPr/>
+        </p:nvSpPr>
+        <p:spPr>
+          <a:xfrm>
+            <a:off x="6788785" y="1052830"/>
+            <a:ext cx="4105910" cy="5354320"/>
+          </a:xfrm>
+          <a:prstGeom prst="rect">
+            <a:avLst/>
+          </a:prstGeom>
+          <a:noFill/>
+          <a:ln w="9525">
+            <a:noFill/>
+          </a:ln>
+        </p:spPr>
+        <p:txBody>
+          <a:bodyPr wrap="square">
+            <a:spAutoFit/>
+          </a:bodyPr>
+          <a:lstStyle/>
+          <a:p>
+            <a:pPr indent="0"/>
+            <a:r>
+              <a:rPr lang="en-US" b="1">
+                <a:solidFill>
+                  <a:srgbClr val="0000FF"/>
+                </a:solidFill>
+                <a:highlight>
+                  <a:srgbClr val="FFFFFF"/>
+                </a:highlight>
+                <a:latin typeface="Consolas" panose="020B0609020204030204" charset="0"/>
+                <a:ea typeface="宋体" panose="02010600030101010101" pitchFamily="2" charset="-122"/>
+              </a:rPr>
+              <a:t>switch</a:t>
+            </a:r>
+            <a:r>
+              <a:rPr lang="en-US" b="1">
+                <a:solidFill>
+                  <a:srgbClr val="000080"/>
+                </a:solidFill>
+                <a:highlight>
+                  <a:srgbClr val="FFFFFF"/>
+                </a:highlight>
+                <a:latin typeface="Consolas" panose="020B0609020204030204" charset="0"/>
+                <a:ea typeface="宋体" panose="02010600030101010101" pitchFamily="2" charset="-122"/>
+              </a:rPr>
+              <a:t>(</a:t>
+            </a:r>
+            <a:r>
+              <a:rPr lang="en-US" b="0">
+                <a:solidFill>
+                  <a:srgbClr val="000000"/>
+                </a:solidFill>
+                <a:highlight>
+                  <a:srgbClr val="FFFFFF"/>
+                </a:highlight>
+                <a:latin typeface="Consolas" panose="020B0609020204030204" charset="0"/>
+                <a:ea typeface="宋体" panose="02010600030101010101" pitchFamily="2" charset="-122"/>
+              </a:rPr>
+              <a:t>month</a:t>
+            </a:r>
+            <a:r>
+              <a:rPr lang="en-US" b="1">
+                <a:solidFill>
+                  <a:srgbClr val="000080"/>
+                </a:solidFill>
+                <a:highlight>
+                  <a:srgbClr val="FFFFFF"/>
+                </a:highlight>
+                <a:latin typeface="Consolas" panose="020B0609020204030204" charset="0"/>
+                <a:ea typeface="宋体" panose="02010600030101010101" pitchFamily="2" charset="-122"/>
+              </a:rPr>
+              <a:t>)</a:t>
+            </a:r>
+          </a:p>
+          <a:p>
+            <a:pPr indent="0"/>
+            <a:r>
+              <a:rPr lang="en-US" b="1">
+                <a:solidFill>
+                  <a:srgbClr val="000080"/>
+                </a:solidFill>
+                <a:highlight>
+                  <a:srgbClr val="FFFFFF"/>
+                </a:highlight>
+                <a:latin typeface="Consolas" panose="020B0609020204030204" charset="0"/>
+                <a:ea typeface="宋体" panose="02010600030101010101" pitchFamily="2" charset="-122"/>
+              </a:rPr>
+              <a:t>{</a:t>
+            </a:r>
+            <a:endParaRPr lang="en-US" b="1">
+              <a:solidFill>
+                <a:srgbClr val="0000FF"/>
+              </a:solidFill>
+              <a:highlight>
+                <a:srgbClr val="FFFFFF"/>
+              </a:highlight>
+              <a:latin typeface="Consolas" panose="020B0609020204030204" charset="0"/>
+              <a:ea typeface="宋体" panose="02010600030101010101" pitchFamily="2" charset="-122"/>
+            </a:endParaRPr>
+          </a:p>
+          <a:p>
+            <a:pPr indent="0"/>
+            <a:r>
+              <a:rPr lang="en-US" b="1">
+                <a:solidFill>
+                  <a:srgbClr val="0000FF"/>
+                </a:solidFill>
+                <a:highlight>
+                  <a:srgbClr val="FFFFFF"/>
+                </a:highlight>
+                <a:latin typeface="Consolas" panose="020B0609020204030204" charset="0"/>
+                <a:ea typeface="宋体" panose="02010600030101010101" pitchFamily="2" charset="-122"/>
+              </a:rPr>
+              <a:t>case</a:t>
+            </a:r>
+            <a:r>
+              <a:rPr lang="en-US" b="0">
+                <a:solidFill>
+                  <a:srgbClr val="000000"/>
+                </a:solidFill>
+                <a:highlight>
+                  <a:srgbClr val="FFFFFF"/>
+                </a:highlight>
+                <a:latin typeface="Consolas" panose="020B0609020204030204" charset="0"/>
+                <a:ea typeface="宋体" panose="02010600030101010101" pitchFamily="2" charset="-122"/>
+              </a:rPr>
+              <a:t> </a:t>
+            </a:r>
+            <a:r>
+              <a:rPr lang="en-US" b="0">
+                <a:solidFill>
+                  <a:srgbClr val="FF8000"/>
+                </a:solidFill>
+                <a:highlight>
+                  <a:srgbClr val="FFFFFF"/>
+                </a:highlight>
+                <a:latin typeface="Consolas" panose="020B0609020204030204" charset="0"/>
+                <a:ea typeface="宋体" panose="02010600030101010101" pitchFamily="2" charset="-122"/>
+              </a:rPr>
+              <a:t>1</a:t>
+            </a:r>
+            <a:r>
+              <a:rPr lang="en-US" b="1">
+                <a:solidFill>
+                  <a:srgbClr val="000080"/>
+                </a:solidFill>
+                <a:highlight>
+                  <a:srgbClr val="FFFFFF"/>
+                </a:highlight>
+                <a:latin typeface="Consolas" panose="020B0609020204030204" charset="0"/>
+                <a:ea typeface="宋体" panose="02010600030101010101" pitchFamily="2" charset="-122"/>
+              </a:rPr>
+              <a:t>:</a:t>
+            </a:r>
+            <a:endParaRPr lang="en-US" b="0">
+              <a:solidFill>
+                <a:srgbClr val="000000"/>
+              </a:solidFill>
+              <a:highlight>
+                <a:srgbClr val="FFFFFF"/>
+              </a:highlight>
+              <a:latin typeface="Consolas" panose="020B0609020204030204" charset="0"/>
+              <a:ea typeface="宋体" panose="02010600030101010101" pitchFamily="2" charset="-122"/>
+            </a:endParaRPr>
+          </a:p>
+          <a:p>
+            <a:pPr indent="0"/>
+            <a:r>
+              <a:rPr lang="en-US" b="0">
+                <a:solidFill>
+                  <a:srgbClr val="000000"/>
+                </a:solidFill>
+                <a:highlight>
+                  <a:srgbClr val="FFFFFF"/>
+                </a:highlight>
+                <a:latin typeface="Consolas" panose="020B0609020204030204" charset="0"/>
+                <a:ea typeface="宋体" panose="02010600030101010101" pitchFamily="2" charset="-122"/>
+              </a:rPr>
+              <a:t>	printf</a:t>
+            </a:r>
+            <a:r>
+              <a:rPr lang="en-US" b="1">
+                <a:solidFill>
+                  <a:srgbClr val="000080"/>
+                </a:solidFill>
+                <a:highlight>
+                  <a:srgbClr val="FFFFFF"/>
+                </a:highlight>
+                <a:latin typeface="Consolas" panose="020B0609020204030204" charset="0"/>
+                <a:ea typeface="宋体" panose="02010600030101010101" pitchFamily="2" charset="-122"/>
+              </a:rPr>
+              <a:t>(</a:t>
+            </a:r>
+            <a:r>
+              <a:rPr lang="en-US" b="0">
+                <a:solidFill>
+                  <a:srgbClr val="808080"/>
+                </a:solidFill>
+                <a:highlight>
+                  <a:srgbClr val="FFFFFF"/>
+                </a:highlight>
+                <a:latin typeface="Consolas" panose="020B0609020204030204" charset="0"/>
+                <a:ea typeface="宋体" panose="02010600030101010101" pitchFamily="2" charset="-122"/>
+              </a:rPr>
+              <a:t>"Jan.\n"</a:t>
+            </a:r>
+            <a:r>
+              <a:rPr lang="en-US" b="1">
+                <a:solidFill>
+                  <a:srgbClr val="000080"/>
+                </a:solidFill>
+                <a:highlight>
+                  <a:srgbClr val="FFFFFF"/>
+                </a:highlight>
+                <a:latin typeface="Consolas" panose="020B0609020204030204" charset="0"/>
+                <a:ea typeface="宋体" panose="02010600030101010101" pitchFamily="2" charset="-122"/>
+              </a:rPr>
+              <a:t>);</a:t>
+            </a:r>
+            <a:endParaRPr lang="en-US" b="0">
+              <a:solidFill>
+                <a:srgbClr val="000000"/>
+              </a:solidFill>
+              <a:highlight>
+                <a:srgbClr val="FFFFFF"/>
+              </a:highlight>
+              <a:latin typeface="Consolas" panose="020B0609020204030204" charset="0"/>
+              <a:ea typeface="宋体" panose="02010600030101010101" pitchFamily="2" charset="-122"/>
+            </a:endParaRPr>
+          </a:p>
+          <a:p>
+            <a:pPr indent="0"/>
+            <a:r>
+              <a:rPr lang="en-US" b="0">
+                <a:solidFill>
+                  <a:srgbClr val="000000"/>
+                </a:solidFill>
+                <a:highlight>
+                  <a:srgbClr val="FFFFFF"/>
+                </a:highlight>
+                <a:latin typeface="Consolas" panose="020B0609020204030204" charset="0"/>
+                <a:ea typeface="宋体" panose="02010600030101010101" pitchFamily="2" charset="-122"/>
+              </a:rPr>
+              <a:t>	</a:t>
+            </a:r>
+            <a:r>
+              <a:rPr lang="en-US" b="1">
+                <a:solidFill>
+                  <a:srgbClr val="0000FF"/>
+                </a:solidFill>
+                <a:highlight>
+                  <a:srgbClr val="FFFFFF"/>
+                </a:highlight>
+                <a:latin typeface="Consolas" panose="020B0609020204030204" charset="0"/>
+                <a:ea typeface="宋体" panose="02010600030101010101" pitchFamily="2" charset="-122"/>
+              </a:rPr>
+              <a:t>break</a:t>
+            </a:r>
+            <a:r>
+              <a:rPr lang="en-US" b="1">
+                <a:solidFill>
+                  <a:srgbClr val="000080"/>
+                </a:solidFill>
+                <a:highlight>
+                  <a:srgbClr val="FFFFFF"/>
+                </a:highlight>
+                <a:latin typeface="Consolas" panose="020B0609020204030204" charset="0"/>
+                <a:ea typeface="宋体" panose="02010600030101010101" pitchFamily="2" charset="-122"/>
+              </a:rPr>
+              <a:t>;</a:t>
+            </a:r>
+            <a:endParaRPr lang="en-US" b="1">
+              <a:solidFill>
+                <a:srgbClr val="0000FF"/>
+              </a:solidFill>
+              <a:highlight>
+                <a:srgbClr val="FFFFFF"/>
+              </a:highlight>
+              <a:latin typeface="Consolas" panose="020B0609020204030204" charset="0"/>
+              <a:ea typeface="宋体" panose="02010600030101010101" pitchFamily="2" charset="-122"/>
+            </a:endParaRPr>
+          </a:p>
+          <a:p>
+            <a:pPr indent="0"/>
+            <a:r>
+              <a:rPr lang="en-US" b="1">
+                <a:solidFill>
+                  <a:srgbClr val="0000FF"/>
+                </a:solidFill>
+                <a:highlight>
+                  <a:srgbClr val="FFFFFF"/>
+                </a:highlight>
+                <a:latin typeface="Consolas" panose="020B0609020204030204" charset="0"/>
+                <a:ea typeface="宋体" panose="02010600030101010101" pitchFamily="2" charset="-122"/>
+              </a:rPr>
+              <a:t>case</a:t>
+            </a:r>
+            <a:r>
+              <a:rPr lang="en-US" b="0">
+                <a:solidFill>
+                  <a:srgbClr val="000000"/>
+                </a:solidFill>
+                <a:highlight>
+                  <a:srgbClr val="FFFFFF"/>
+                </a:highlight>
+                <a:latin typeface="Consolas" panose="020B0609020204030204" charset="0"/>
+                <a:ea typeface="宋体" panose="02010600030101010101" pitchFamily="2" charset="-122"/>
+              </a:rPr>
+              <a:t> </a:t>
+            </a:r>
+            <a:r>
+              <a:rPr lang="en-US" b="0">
+                <a:solidFill>
+                  <a:srgbClr val="FF8000"/>
+                </a:solidFill>
+                <a:highlight>
+                  <a:srgbClr val="FFFFFF"/>
+                </a:highlight>
+                <a:latin typeface="Consolas" panose="020B0609020204030204" charset="0"/>
+                <a:ea typeface="宋体" panose="02010600030101010101" pitchFamily="2" charset="-122"/>
+              </a:rPr>
+              <a:t>2</a:t>
+            </a:r>
+            <a:r>
+              <a:rPr lang="en-US" b="1">
+                <a:solidFill>
+                  <a:srgbClr val="000080"/>
+                </a:solidFill>
+                <a:highlight>
+                  <a:srgbClr val="FFFFFF"/>
+                </a:highlight>
+                <a:latin typeface="Consolas" panose="020B0609020204030204" charset="0"/>
+                <a:ea typeface="宋体" panose="02010600030101010101" pitchFamily="2" charset="-122"/>
+              </a:rPr>
+              <a:t>:</a:t>
+            </a:r>
+            <a:endParaRPr lang="en-US" b="0">
+              <a:solidFill>
+                <a:srgbClr val="000000"/>
+              </a:solidFill>
+              <a:highlight>
+                <a:srgbClr val="FFFFFF"/>
+              </a:highlight>
+              <a:latin typeface="Consolas" panose="020B0609020204030204" charset="0"/>
+              <a:ea typeface="宋体" panose="02010600030101010101" pitchFamily="2" charset="-122"/>
+            </a:endParaRPr>
+          </a:p>
+          <a:p>
+            <a:pPr indent="0"/>
+            <a:r>
+              <a:rPr lang="en-US" b="0">
+                <a:solidFill>
+                  <a:srgbClr val="000000"/>
+                </a:solidFill>
+                <a:highlight>
+                  <a:srgbClr val="FFFFFF"/>
+                </a:highlight>
+                <a:latin typeface="Consolas" panose="020B0609020204030204" charset="0"/>
+                <a:ea typeface="宋体" panose="02010600030101010101" pitchFamily="2" charset="-122"/>
+              </a:rPr>
+              <a:t>	printf</a:t>
+            </a:r>
+            <a:r>
+              <a:rPr lang="en-US" b="1">
+                <a:solidFill>
+                  <a:srgbClr val="000080"/>
+                </a:solidFill>
+                <a:highlight>
+                  <a:srgbClr val="FFFFFF"/>
+                </a:highlight>
+                <a:latin typeface="Consolas" panose="020B0609020204030204" charset="0"/>
+                <a:ea typeface="宋体" panose="02010600030101010101" pitchFamily="2" charset="-122"/>
+              </a:rPr>
+              <a:t>(</a:t>
+            </a:r>
+            <a:r>
+              <a:rPr lang="en-US" b="0">
+                <a:solidFill>
+                  <a:srgbClr val="808080"/>
+                </a:solidFill>
+                <a:highlight>
+                  <a:srgbClr val="FFFFFF"/>
+                </a:highlight>
+                <a:latin typeface="Consolas" panose="020B0609020204030204" charset="0"/>
+                <a:ea typeface="宋体" panose="02010600030101010101" pitchFamily="2" charset="-122"/>
+              </a:rPr>
+              <a:t>"Feb.\n"</a:t>
+            </a:r>
+            <a:r>
+              <a:rPr lang="en-US" b="1">
+                <a:solidFill>
+                  <a:srgbClr val="000080"/>
+                </a:solidFill>
+                <a:highlight>
+                  <a:srgbClr val="FFFFFF"/>
+                </a:highlight>
+                <a:latin typeface="Consolas" panose="020B0609020204030204" charset="0"/>
+                <a:ea typeface="宋体" panose="02010600030101010101" pitchFamily="2" charset="-122"/>
+              </a:rPr>
+              <a:t>);</a:t>
+            </a:r>
+            <a:endParaRPr lang="en-US" b="0">
+              <a:solidFill>
+                <a:srgbClr val="000000"/>
+              </a:solidFill>
+              <a:highlight>
+                <a:srgbClr val="FFFFFF"/>
+              </a:highlight>
+              <a:latin typeface="Consolas" panose="020B0609020204030204" charset="0"/>
+              <a:ea typeface="宋体" panose="02010600030101010101" pitchFamily="2" charset="-122"/>
+            </a:endParaRPr>
+          </a:p>
+          <a:p>
+            <a:pPr indent="0"/>
+            <a:r>
+              <a:rPr lang="en-US" b="0">
+                <a:solidFill>
+                  <a:srgbClr val="000000"/>
+                </a:solidFill>
+                <a:highlight>
+                  <a:srgbClr val="FFFFFF"/>
+                </a:highlight>
+                <a:latin typeface="Consolas" panose="020B0609020204030204" charset="0"/>
+                <a:ea typeface="宋体" panose="02010600030101010101" pitchFamily="2" charset="-122"/>
+              </a:rPr>
+              <a:t>	</a:t>
+            </a:r>
+            <a:r>
+              <a:rPr lang="en-US" b="1">
+                <a:solidFill>
+                  <a:srgbClr val="0000FF"/>
+                </a:solidFill>
+                <a:highlight>
+                  <a:srgbClr val="FFFFFF"/>
+                </a:highlight>
+                <a:latin typeface="Consolas" panose="020B0609020204030204" charset="0"/>
+                <a:ea typeface="宋体" panose="02010600030101010101" pitchFamily="2" charset="-122"/>
+              </a:rPr>
+              <a:t>break</a:t>
+            </a:r>
+            <a:r>
+              <a:rPr lang="en-US" b="1">
+                <a:solidFill>
+                  <a:srgbClr val="000080"/>
+                </a:solidFill>
+                <a:highlight>
+                  <a:srgbClr val="FFFFFF"/>
+                </a:highlight>
+                <a:latin typeface="Consolas" panose="020B0609020204030204" charset="0"/>
+                <a:ea typeface="宋体" panose="02010600030101010101" pitchFamily="2" charset="-122"/>
+              </a:rPr>
+              <a:t>;</a:t>
+            </a:r>
+            <a:endParaRPr lang="en-US" b="1">
+              <a:solidFill>
+                <a:srgbClr val="0000FF"/>
+              </a:solidFill>
+              <a:highlight>
+                <a:srgbClr val="FFFFFF"/>
+              </a:highlight>
+              <a:latin typeface="Consolas" panose="020B0609020204030204" charset="0"/>
+              <a:ea typeface="宋体" panose="02010600030101010101" pitchFamily="2" charset="-122"/>
+            </a:endParaRPr>
+          </a:p>
+          <a:p>
+            <a:pPr indent="0"/>
+            <a:r>
+              <a:rPr lang="en-US" b="1">
+                <a:solidFill>
+                  <a:srgbClr val="0000FF"/>
+                </a:solidFill>
+                <a:highlight>
+                  <a:srgbClr val="FFFFFF"/>
+                </a:highlight>
+                <a:latin typeface="Consolas" panose="020B0609020204030204" charset="0"/>
+                <a:ea typeface="宋体" panose="02010600030101010101" pitchFamily="2" charset="-122"/>
+              </a:rPr>
+              <a:t>case</a:t>
+            </a:r>
+            <a:r>
+              <a:rPr lang="en-US" b="0">
+                <a:solidFill>
+                  <a:srgbClr val="000000"/>
+                </a:solidFill>
+                <a:highlight>
+                  <a:srgbClr val="FFFFFF"/>
+                </a:highlight>
+                <a:latin typeface="Consolas" panose="020B0609020204030204" charset="0"/>
+                <a:ea typeface="宋体" panose="02010600030101010101" pitchFamily="2" charset="-122"/>
+              </a:rPr>
+              <a:t> </a:t>
+            </a:r>
+            <a:r>
+              <a:rPr lang="en-US" b="0">
+                <a:solidFill>
+                  <a:srgbClr val="FF8000"/>
+                </a:solidFill>
+                <a:highlight>
+                  <a:srgbClr val="FFFFFF"/>
+                </a:highlight>
+                <a:latin typeface="Consolas" panose="020B0609020204030204" charset="0"/>
+                <a:ea typeface="宋体" panose="02010600030101010101" pitchFamily="2" charset="-122"/>
+              </a:rPr>
+              <a:t>3</a:t>
+            </a:r>
+            <a:r>
+              <a:rPr lang="en-US" b="1">
+                <a:solidFill>
+                  <a:srgbClr val="000080"/>
+                </a:solidFill>
+                <a:highlight>
+                  <a:srgbClr val="FFFFFF"/>
+                </a:highlight>
+                <a:latin typeface="Consolas" panose="020B0609020204030204" charset="0"/>
+                <a:ea typeface="宋体" panose="02010600030101010101" pitchFamily="2" charset="-122"/>
+              </a:rPr>
+              <a:t>:</a:t>
+            </a:r>
+            <a:endParaRPr lang="en-US" b="0">
+              <a:solidFill>
+                <a:srgbClr val="000000"/>
+              </a:solidFill>
+              <a:highlight>
+                <a:srgbClr val="FFFFFF"/>
+              </a:highlight>
+              <a:latin typeface="Consolas" panose="020B0609020204030204" charset="0"/>
+              <a:ea typeface="宋体" panose="02010600030101010101" pitchFamily="2" charset="-122"/>
+            </a:endParaRPr>
+          </a:p>
+          <a:p>
+            <a:pPr indent="0"/>
+            <a:r>
+              <a:rPr lang="en-US" b="0">
+                <a:solidFill>
+                  <a:srgbClr val="000000"/>
+                </a:solidFill>
+                <a:highlight>
+                  <a:srgbClr val="FFFFFF"/>
+                </a:highlight>
+                <a:latin typeface="Consolas" panose="020B0609020204030204" charset="0"/>
+                <a:ea typeface="宋体" panose="02010600030101010101" pitchFamily="2" charset="-122"/>
+              </a:rPr>
+              <a:t>	printf</a:t>
+            </a:r>
+            <a:r>
+              <a:rPr lang="en-US" b="1">
+                <a:solidFill>
+                  <a:srgbClr val="000080"/>
+                </a:solidFill>
+                <a:highlight>
+                  <a:srgbClr val="FFFFFF"/>
+                </a:highlight>
+                <a:latin typeface="Consolas" panose="020B0609020204030204" charset="0"/>
+                <a:ea typeface="宋体" panose="02010600030101010101" pitchFamily="2" charset="-122"/>
+              </a:rPr>
+              <a:t>(</a:t>
+            </a:r>
+            <a:r>
+              <a:rPr lang="en-US" b="0">
+                <a:solidFill>
+                  <a:srgbClr val="808080"/>
+                </a:solidFill>
+                <a:highlight>
+                  <a:srgbClr val="FFFFFF"/>
+                </a:highlight>
+                <a:latin typeface="Consolas" panose="020B0609020204030204" charset="0"/>
+                <a:ea typeface="宋体" panose="02010600030101010101" pitchFamily="2" charset="-122"/>
+              </a:rPr>
+              <a:t>"Mar.\n"</a:t>
+            </a:r>
+            <a:r>
+              <a:rPr lang="en-US" b="1">
+                <a:solidFill>
+                  <a:srgbClr val="000080"/>
+                </a:solidFill>
+                <a:highlight>
+                  <a:srgbClr val="FFFFFF"/>
+                </a:highlight>
+                <a:latin typeface="Consolas" panose="020B0609020204030204" charset="0"/>
+                <a:ea typeface="宋体" panose="02010600030101010101" pitchFamily="2" charset="-122"/>
+              </a:rPr>
+              <a:t>);</a:t>
+            </a:r>
+            <a:endParaRPr lang="en-US" b="0">
+              <a:solidFill>
+                <a:srgbClr val="000000"/>
+              </a:solidFill>
+              <a:highlight>
+                <a:srgbClr val="FFFFFF"/>
+              </a:highlight>
+              <a:latin typeface="Consolas" panose="020B0609020204030204" charset="0"/>
+              <a:ea typeface="宋体" panose="02010600030101010101" pitchFamily="2" charset="-122"/>
+            </a:endParaRPr>
+          </a:p>
+          <a:p>
+            <a:pPr indent="0"/>
+            <a:r>
+              <a:rPr lang="en-US" b="0">
+                <a:solidFill>
+                  <a:srgbClr val="000000"/>
+                </a:solidFill>
+                <a:highlight>
+                  <a:srgbClr val="FFFFFF"/>
+                </a:highlight>
+                <a:latin typeface="Consolas" panose="020B0609020204030204" charset="0"/>
+                <a:ea typeface="宋体" panose="02010600030101010101" pitchFamily="2" charset="-122"/>
+              </a:rPr>
+              <a:t>	</a:t>
+            </a:r>
+            <a:r>
+              <a:rPr lang="en-US" b="1">
+                <a:solidFill>
+                  <a:srgbClr val="0000FF"/>
+                </a:solidFill>
+                <a:highlight>
+                  <a:srgbClr val="FFFFFF"/>
+                </a:highlight>
+                <a:latin typeface="Consolas" panose="020B0609020204030204" charset="0"/>
+                <a:ea typeface="宋体" panose="02010600030101010101" pitchFamily="2" charset="-122"/>
+              </a:rPr>
+              <a:t>break</a:t>
+            </a:r>
+            <a:r>
+              <a:rPr lang="en-US" b="1">
+                <a:solidFill>
+                  <a:srgbClr val="000080"/>
+                </a:solidFill>
+                <a:highlight>
+                  <a:srgbClr val="FFFFFF"/>
+                </a:highlight>
+                <a:latin typeface="Consolas" panose="020B0609020204030204" charset="0"/>
+                <a:ea typeface="宋体" panose="02010600030101010101" pitchFamily="2" charset="-122"/>
+              </a:rPr>
+              <a:t>;</a:t>
+            </a:r>
+            <a:endParaRPr lang="en-US" b="0">
+              <a:solidFill>
+                <a:srgbClr val="008000"/>
+              </a:solidFill>
+              <a:highlight>
+                <a:srgbClr val="FFFFFF"/>
+              </a:highlight>
+              <a:latin typeface="Consolas" panose="020B0609020204030204" charset="0"/>
+              <a:ea typeface="宋体" panose="02010600030101010101" pitchFamily="2" charset="-122"/>
+            </a:endParaRPr>
+          </a:p>
+          <a:p>
+            <a:pPr indent="0"/>
+            <a:r>
+              <a:rPr lang="en-US" b="0">
+                <a:solidFill>
+                  <a:srgbClr val="008000"/>
+                </a:solidFill>
+                <a:highlight>
+                  <a:srgbClr val="FFFFFF"/>
+                </a:highlight>
+                <a:latin typeface="Consolas" panose="020B0609020204030204" charset="0"/>
+                <a:ea typeface="宋体" panose="02010600030101010101" pitchFamily="2" charset="-122"/>
+              </a:rPr>
+              <a:t>// ...</a:t>
+            </a:r>
+            <a:endParaRPr lang="en-US" b="1">
+              <a:solidFill>
+                <a:srgbClr val="0000FF"/>
+              </a:solidFill>
+              <a:highlight>
+                <a:srgbClr val="FFFFFF"/>
+              </a:highlight>
+              <a:latin typeface="Consolas" panose="020B0609020204030204" charset="0"/>
+              <a:ea typeface="宋体" panose="02010600030101010101" pitchFamily="2" charset="-122"/>
+            </a:endParaRPr>
+          </a:p>
+          <a:p>
+            <a:pPr indent="0"/>
+            <a:r>
+              <a:rPr lang="en-US" b="1">
+                <a:solidFill>
+                  <a:srgbClr val="0000FF"/>
+                </a:solidFill>
+                <a:highlight>
+                  <a:srgbClr val="FFFFFF"/>
+                </a:highlight>
+                <a:latin typeface="Consolas" panose="020B0609020204030204" charset="0"/>
+                <a:ea typeface="宋体" panose="02010600030101010101" pitchFamily="2" charset="-122"/>
+              </a:rPr>
+              <a:t>case</a:t>
+            </a:r>
+            <a:r>
+              <a:rPr lang="en-US" b="0">
+                <a:solidFill>
+                  <a:srgbClr val="000000"/>
+                </a:solidFill>
+                <a:highlight>
+                  <a:srgbClr val="FFFFFF"/>
+                </a:highlight>
+                <a:latin typeface="Consolas" panose="020B0609020204030204" charset="0"/>
+                <a:ea typeface="宋体" panose="02010600030101010101" pitchFamily="2" charset="-122"/>
+              </a:rPr>
+              <a:t> </a:t>
+            </a:r>
+            <a:r>
+              <a:rPr lang="en-US" b="0">
+                <a:solidFill>
+                  <a:srgbClr val="FF8000"/>
+                </a:solidFill>
+                <a:highlight>
+                  <a:srgbClr val="FFFFFF"/>
+                </a:highlight>
+                <a:latin typeface="Consolas" panose="020B0609020204030204" charset="0"/>
+                <a:ea typeface="宋体" panose="02010600030101010101" pitchFamily="2" charset="-122"/>
+              </a:rPr>
+              <a:t>12</a:t>
+            </a:r>
+            <a:r>
+              <a:rPr lang="en-US" b="1">
+                <a:solidFill>
+                  <a:srgbClr val="000080"/>
+                </a:solidFill>
+                <a:highlight>
+                  <a:srgbClr val="FFFFFF"/>
+                </a:highlight>
+                <a:latin typeface="Consolas" panose="020B0609020204030204" charset="0"/>
+                <a:ea typeface="宋体" panose="02010600030101010101" pitchFamily="2" charset="-122"/>
+              </a:rPr>
+              <a:t>:</a:t>
+            </a:r>
+            <a:endParaRPr lang="en-US" b="0">
+              <a:solidFill>
+                <a:srgbClr val="000000"/>
+              </a:solidFill>
+              <a:highlight>
+                <a:srgbClr val="FFFFFF"/>
+              </a:highlight>
+              <a:latin typeface="Consolas" panose="020B0609020204030204" charset="0"/>
+              <a:ea typeface="宋体" panose="02010600030101010101" pitchFamily="2" charset="-122"/>
+            </a:endParaRPr>
+          </a:p>
+          <a:p>
+            <a:pPr indent="0"/>
+            <a:r>
+              <a:rPr lang="en-US" b="0">
+                <a:solidFill>
+                  <a:srgbClr val="000000"/>
+                </a:solidFill>
+                <a:highlight>
+                  <a:srgbClr val="FFFFFF"/>
+                </a:highlight>
+                <a:latin typeface="Consolas" panose="020B0609020204030204" charset="0"/>
+                <a:ea typeface="宋体" panose="02010600030101010101" pitchFamily="2" charset="-122"/>
+              </a:rPr>
+              <a:t>	printf</a:t>
+            </a:r>
+            <a:r>
+              <a:rPr lang="en-US" b="1">
+                <a:solidFill>
+                  <a:srgbClr val="000080"/>
+                </a:solidFill>
+                <a:highlight>
+                  <a:srgbClr val="FFFFFF"/>
+                </a:highlight>
+                <a:latin typeface="Consolas" panose="020B0609020204030204" charset="0"/>
+                <a:ea typeface="宋体" panose="02010600030101010101" pitchFamily="2" charset="-122"/>
+              </a:rPr>
+              <a:t>(</a:t>
+            </a:r>
+            <a:r>
+              <a:rPr lang="en-US" b="0">
+                <a:solidFill>
+                  <a:srgbClr val="808080"/>
+                </a:solidFill>
+                <a:highlight>
+                  <a:srgbClr val="FFFFFF"/>
+                </a:highlight>
+                <a:latin typeface="Consolas" panose="020B0609020204030204" charset="0"/>
+                <a:ea typeface="宋体" panose="02010600030101010101" pitchFamily="2" charset="-122"/>
+              </a:rPr>
+              <a:t>"Dec.\n"</a:t>
+            </a:r>
+            <a:r>
+              <a:rPr lang="en-US" b="1">
+                <a:solidFill>
+                  <a:srgbClr val="000080"/>
+                </a:solidFill>
+                <a:highlight>
+                  <a:srgbClr val="FFFFFF"/>
+                </a:highlight>
+                <a:latin typeface="Consolas" panose="020B0609020204030204" charset="0"/>
+                <a:ea typeface="宋体" panose="02010600030101010101" pitchFamily="2" charset="-122"/>
+              </a:rPr>
+              <a:t>);</a:t>
+            </a:r>
+            <a:endParaRPr lang="en-US" b="0">
+              <a:solidFill>
+                <a:srgbClr val="000000"/>
+              </a:solidFill>
+              <a:highlight>
+                <a:srgbClr val="FFFFFF"/>
+              </a:highlight>
+              <a:latin typeface="Consolas" panose="020B0609020204030204" charset="0"/>
+              <a:ea typeface="宋体" panose="02010600030101010101" pitchFamily="2" charset="-122"/>
+            </a:endParaRPr>
+          </a:p>
+          <a:p>
+            <a:pPr indent="0"/>
+            <a:r>
+              <a:rPr lang="en-US" b="0">
+                <a:solidFill>
+                  <a:srgbClr val="000000"/>
+                </a:solidFill>
+                <a:highlight>
+                  <a:srgbClr val="FFFFFF"/>
+                </a:highlight>
+                <a:latin typeface="Consolas" panose="020B0609020204030204" charset="0"/>
+                <a:ea typeface="宋体" panose="02010600030101010101" pitchFamily="2" charset="-122"/>
+              </a:rPr>
+              <a:t>	</a:t>
+            </a:r>
+            <a:r>
+              <a:rPr lang="en-US" b="1">
+                <a:solidFill>
+                  <a:srgbClr val="0000FF"/>
+                </a:solidFill>
+                <a:highlight>
+                  <a:srgbClr val="FFFFFF"/>
+                </a:highlight>
+                <a:latin typeface="Consolas" panose="020B0609020204030204" charset="0"/>
+                <a:ea typeface="宋体" panose="02010600030101010101" pitchFamily="2" charset="-122"/>
+              </a:rPr>
+              <a:t>break</a:t>
+            </a:r>
+            <a:r>
+              <a:rPr lang="en-US" b="1">
+                <a:solidFill>
+                  <a:srgbClr val="000080"/>
+                </a:solidFill>
+                <a:highlight>
+                  <a:srgbClr val="FFFFFF"/>
+                </a:highlight>
+                <a:latin typeface="Consolas" panose="020B0609020204030204" charset="0"/>
+                <a:ea typeface="宋体" panose="02010600030101010101" pitchFamily="2" charset="-122"/>
+              </a:rPr>
+              <a:t>;</a:t>
+            </a:r>
+            <a:endParaRPr lang="en-US" b="1">
+              <a:solidFill>
+                <a:srgbClr val="0000FF"/>
+              </a:solidFill>
+              <a:highlight>
+                <a:srgbClr val="FFFFFF"/>
+              </a:highlight>
+              <a:latin typeface="Consolas" panose="020B0609020204030204" charset="0"/>
+              <a:ea typeface="宋体" panose="02010600030101010101" pitchFamily="2" charset="-122"/>
+            </a:endParaRPr>
+          </a:p>
+          <a:p>
+            <a:pPr indent="0"/>
+            <a:r>
+              <a:rPr lang="en-US" b="1">
+                <a:solidFill>
+                  <a:srgbClr val="0000FF"/>
+                </a:solidFill>
+                <a:highlight>
+                  <a:srgbClr val="FFFFFF"/>
+                </a:highlight>
+                <a:latin typeface="Consolas" panose="020B0609020204030204" charset="0"/>
+                <a:ea typeface="宋体" panose="02010600030101010101" pitchFamily="2" charset="-122"/>
+              </a:rPr>
+              <a:t>default</a:t>
+            </a:r>
+            <a:r>
+              <a:rPr lang="en-US" b="1">
+                <a:solidFill>
+                  <a:srgbClr val="000080"/>
+                </a:solidFill>
+                <a:highlight>
+                  <a:srgbClr val="FFFFFF"/>
+                </a:highlight>
+                <a:latin typeface="Consolas" panose="020B0609020204030204" charset="0"/>
+                <a:ea typeface="宋体" panose="02010600030101010101" pitchFamily="2" charset="-122"/>
+              </a:rPr>
+              <a:t>:</a:t>
+            </a:r>
+            <a:endParaRPr lang="en-US" b="0">
+              <a:solidFill>
+                <a:srgbClr val="000000"/>
+              </a:solidFill>
+              <a:highlight>
+                <a:srgbClr val="FFFFFF"/>
+              </a:highlight>
+              <a:latin typeface="Consolas" panose="020B0609020204030204" charset="0"/>
+              <a:ea typeface="宋体" panose="02010600030101010101" pitchFamily="2" charset="-122"/>
+            </a:endParaRPr>
+          </a:p>
+          <a:p>
+            <a:pPr indent="0"/>
+            <a:r>
+              <a:rPr lang="en-US" b="0">
+                <a:solidFill>
+                  <a:srgbClr val="000000"/>
+                </a:solidFill>
+                <a:highlight>
+                  <a:srgbClr val="FFFFFF"/>
+                </a:highlight>
+                <a:latin typeface="Consolas" panose="020B0609020204030204" charset="0"/>
+                <a:ea typeface="宋体" panose="02010600030101010101" pitchFamily="2" charset="-122"/>
+              </a:rPr>
+              <a:t>	printf</a:t>
+            </a:r>
+            <a:r>
+              <a:rPr lang="en-US" b="1">
+                <a:solidFill>
+                  <a:srgbClr val="000080"/>
+                </a:solidFill>
+                <a:highlight>
+                  <a:srgbClr val="FFFFFF"/>
+                </a:highlight>
+                <a:latin typeface="Consolas" panose="020B0609020204030204" charset="0"/>
+                <a:ea typeface="宋体" panose="02010600030101010101" pitchFamily="2" charset="-122"/>
+              </a:rPr>
+              <a:t>(</a:t>
+            </a:r>
+            <a:r>
+              <a:rPr lang="en-US" b="0">
+                <a:solidFill>
+                  <a:srgbClr val="808080"/>
+                </a:solidFill>
+                <a:highlight>
+                  <a:srgbClr val="FFFFFF"/>
+                </a:highlight>
+                <a:latin typeface="Consolas" panose="020B0609020204030204" charset="0"/>
+                <a:ea typeface="宋体" panose="02010600030101010101" pitchFamily="2" charset="-122"/>
+              </a:rPr>
+              <a:t>"Invalid\n"</a:t>
+            </a:r>
+            <a:r>
+              <a:rPr lang="en-US" b="1">
+                <a:solidFill>
+                  <a:srgbClr val="000080"/>
+                </a:solidFill>
+                <a:highlight>
+                  <a:srgbClr val="FFFFFF"/>
+                </a:highlight>
+                <a:latin typeface="Consolas" panose="020B0609020204030204" charset="0"/>
+                <a:ea typeface="宋体" panose="02010600030101010101" pitchFamily="2" charset="-122"/>
+              </a:rPr>
+              <a:t>);</a:t>
+            </a:r>
+            <a:endParaRPr lang="en-US" b="0">
+              <a:solidFill>
+                <a:srgbClr val="000000"/>
+              </a:solidFill>
+              <a:highlight>
+                <a:srgbClr val="FFFFFF"/>
+              </a:highlight>
+              <a:latin typeface="Consolas" panose="020B0609020204030204" charset="0"/>
+              <a:ea typeface="宋体" panose="02010600030101010101" pitchFamily="2" charset="-122"/>
+            </a:endParaRPr>
+          </a:p>
+          <a:p>
+            <a:pPr indent="0"/>
+            <a:r>
+              <a:rPr lang="en-US" b="0">
+                <a:solidFill>
+                  <a:srgbClr val="000000"/>
+                </a:solidFill>
+                <a:highlight>
+                  <a:srgbClr val="FFFFFF"/>
+                </a:highlight>
+                <a:latin typeface="Consolas" panose="020B0609020204030204" charset="0"/>
+                <a:ea typeface="宋体" panose="02010600030101010101" pitchFamily="2" charset="-122"/>
+              </a:rPr>
+              <a:t>	</a:t>
+            </a:r>
+            <a:r>
+              <a:rPr lang="en-US" b="1">
+                <a:solidFill>
+                  <a:srgbClr val="0000FF"/>
+                </a:solidFill>
+                <a:highlight>
+                  <a:srgbClr val="FFFFFF"/>
+                </a:highlight>
+                <a:latin typeface="Consolas" panose="020B0609020204030204" charset="0"/>
+                <a:ea typeface="宋体" panose="02010600030101010101" pitchFamily="2" charset="-122"/>
+              </a:rPr>
+              <a:t>break</a:t>
+            </a:r>
+            <a:r>
+              <a:rPr lang="en-US" b="1">
+                <a:solidFill>
+                  <a:srgbClr val="000080"/>
+                </a:solidFill>
+                <a:highlight>
+                  <a:srgbClr val="FFFFFF"/>
+                </a:highlight>
+                <a:latin typeface="Consolas" panose="020B0609020204030204" charset="0"/>
+                <a:ea typeface="宋体" panose="02010600030101010101" pitchFamily="2" charset="-122"/>
+              </a:rPr>
+              <a:t>;</a:t>
+            </a:r>
+          </a:p>
+          <a:p>
+            <a:pPr indent="0"/>
+            <a:r>
+              <a:rPr lang="en-US" b="1">
+                <a:solidFill>
+                  <a:srgbClr val="000080"/>
+                </a:solidFill>
+                <a:highlight>
+                  <a:srgbClr val="FFFFFF"/>
+                </a:highlight>
+                <a:latin typeface="Consolas" panose="020B0609020204030204" charset="0"/>
+                <a:ea typeface="宋体" panose="02010600030101010101" pitchFamily="2" charset="-122"/>
+              </a:rPr>
+              <a:t>}</a:t>
+            </a:r>
+            <a:endParaRPr lang="en-US" altLang="en-US" b="1">
+              <a:solidFill>
+                <a:srgbClr val="000080"/>
+              </a:solidFill>
+              <a:highlight>
+                <a:srgbClr val="FFFFFF"/>
+              </a:highlight>
+              <a:latin typeface="Consolas" panose="020B0609020204030204" charset="0"/>
+              <a:ea typeface="宋体" panose="02010600030101010101" pitchFamily="2" charset="-122"/>
+            </a:endParaRPr>
+          </a:p>
+        </p:txBody>
+      </p:sp>
+    </p:spTree>
+    <p:custDataLst>
+      <p:tags r:id="rId1"/>
+    </p:custDataLst>
+  </p:cSld>
+  <p:clrMapOvr>
+    <a:masterClrMapping/>
+  </p:clrMapOvr>
+</p:sld>
+</file>
+
 <file path=ppt/slides/slide14.xml><?xml version="1.0" encoding="utf-8"?>
 <p:sld xmlns:a="http://schemas.openxmlformats.org/drawingml/2006/main" xmlns:r="http://schemas.openxmlformats.org/officeDocument/2006/relationships" xmlns:p="http://schemas.openxmlformats.org/presentationml/2006/main">
   <p:cSld>
@@ -18874,1163 +19024,6 @@
           <a:p>
             <a:r>
               <a:rPr lang="en-US"/>
-              <a:t>switch</a:t>
-            </a:r>
-          </a:p>
-        </p:txBody>
-      </p:sp>
-      <p:sp>
-        <p:nvSpPr>
-          <p:cNvPr id="6" name="文本占位符 5"/>
-          <p:cNvSpPr>
-            <a:spLocks noGrp="1"/>
-          </p:cNvSpPr>
-          <p:nvPr>
-            <p:ph type="body" sz="quarter" idx="15"/>
-            <p:custDataLst>
-              <p:tags r:id="rId3"/>
-            </p:custDataLst>
-          </p:nvPr>
-        </p:nvSpPr>
-        <p:spPr>
-          <a:xfrm>
-            <a:off x="579600" y="1421167"/>
-            <a:ext cx="5516400" cy="1411680"/>
-          </a:xfrm>
-        </p:spPr>
-        <p:txBody>
-          <a:bodyPr>
-            <a:noAutofit/>
-          </a:bodyPr>
-          <a:lstStyle/>
-          <a:p>
-            <a:r>
-              <a:rPr>
-                <a:latin typeface="+mn-lt"/>
-                <a:cs typeface="+mn-lt"/>
-              </a:rPr>
-              <a:t>switch结构用于根据一个</a:t>
-            </a:r>
-            <a:r>
-              <a:rPr>
-                <a:solidFill>
-                  <a:srgbClr val="FF0000"/>
-                </a:solidFill>
-                <a:latin typeface="+mn-lt"/>
-                <a:cs typeface="+mn-lt"/>
-              </a:rPr>
-              <a:t>整数值</a:t>
-            </a:r>
-            <a:r>
-              <a:rPr>
-                <a:latin typeface="+mn-lt"/>
-                <a:cs typeface="+mn-lt"/>
-              </a:rPr>
-              <a:t>，选择对应的case执行。需要注意的是，当对应的case中的代码被执行完后，并不会像if语句一样跳出switch结构，而是会继续向后执行，直到遇到</a:t>
-            </a:r>
-            <a:r>
-              <a:rPr>
-                <a:solidFill>
-                  <a:srgbClr val="FF0000"/>
-                </a:solidFill>
-                <a:latin typeface="+mn-lt"/>
-                <a:cs typeface="+mn-lt"/>
-              </a:rPr>
-              <a:t>break</a:t>
-            </a:r>
-            <a:r>
-              <a:rPr>
-                <a:latin typeface="+mn-lt"/>
-                <a:cs typeface="+mn-lt"/>
-              </a:rPr>
-              <a:t>。</a:t>
-            </a:r>
-          </a:p>
-        </p:txBody>
-      </p:sp>
-      <p:sp>
-        <p:nvSpPr>
-          <p:cNvPr id="2" name="文本框 1"/>
-          <p:cNvSpPr txBox="1"/>
-          <p:nvPr/>
-        </p:nvSpPr>
-        <p:spPr>
-          <a:xfrm>
-            <a:off x="6788785" y="1052830"/>
-            <a:ext cx="4105910" cy="5354320"/>
-          </a:xfrm>
-          <a:prstGeom prst="rect">
-            <a:avLst/>
-          </a:prstGeom>
-          <a:noFill/>
-          <a:ln w="9525">
-            <a:noFill/>
-          </a:ln>
-        </p:spPr>
-        <p:txBody>
-          <a:bodyPr wrap="square">
-            <a:spAutoFit/>
-          </a:bodyPr>
-          <a:lstStyle/>
-          <a:p>
-            <a:pPr indent="0"/>
-            <a:r>
-              <a:rPr lang="en-US" b="1">
-                <a:solidFill>
-                  <a:srgbClr val="0000FF"/>
-                </a:solidFill>
-                <a:highlight>
-                  <a:srgbClr val="FFFFFF"/>
-                </a:highlight>
-                <a:latin typeface="Consolas" panose="020B0609020204030204" charset="0"/>
-                <a:ea typeface="宋体" panose="02010600030101010101" pitchFamily="2" charset="-122"/>
-              </a:rPr>
-              <a:t>switch</a:t>
-            </a:r>
-            <a:r>
-              <a:rPr lang="en-US" b="1">
-                <a:solidFill>
-                  <a:srgbClr val="000080"/>
-                </a:solidFill>
-                <a:highlight>
-                  <a:srgbClr val="FFFFFF"/>
-                </a:highlight>
-                <a:latin typeface="Consolas" panose="020B0609020204030204" charset="0"/>
-                <a:ea typeface="宋体" panose="02010600030101010101" pitchFamily="2" charset="-122"/>
-              </a:rPr>
-              <a:t>(</a:t>
-            </a:r>
-            <a:r>
-              <a:rPr lang="en-US" b="0">
-                <a:solidFill>
-                  <a:srgbClr val="000000"/>
-                </a:solidFill>
-                <a:highlight>
-                  <a:srgbClr val="FFFFFF"/>
-                </a:highlight>
-                <a:latin typeface="Consolas" panose="020B0609020204030204" charset="0"/>
-                <a:ea typeface="宋体" panose="02010600030101010101" pitchFamily="2" charset="-122"/>
-              </a:rPr>
-              <a:t>month</a:t>
-            </a:r>
-            <a:r>
-              <a:rPr lang="en-US" b="1">
-                <a:solidFill>
-                  <a:srgbClr val="000080"/>
-                </a:solidFill>
-                <a:highlight>
-                  <a:srgbClr val="FFFFFF"/>
-                </a:highlight>
-                <a:latin typeface="Consolas" panose="020B0609020204030204" charset="0"/>
-                <a:ea typeface="宋体" panose="02010600030101010101" pitchFamily="2" charset="-122"/>
-              </a:rPr>
-              <a:t>)</a:t>
-            </a:r>
-          </a:p>
-          <a:p>
-            <a:pPr indent="0"/>
-            <a:r>
-              <a:rPr lang="en-US" b="1">
-                <a:solidFill>
-                  <a:srgbClr val="000080"/>
-                </a:solidFill>
-                <a:highlight>
-                  <a:srgbClr val="FFFFFF"/>
-                </a:highlight>
-                <a:latin typeface="Consolas" panose="020B0609020204030204" charset="0"/>
-                <a:ea typeface="宋体" panose="02010600030101010101" pitchFamily="2" charset="-122"/>
-              </a:rPr>
-              <a:t>{</a:t>
-            </a:r>
-            <a:endParaRPr lang="en-US" b="1">
-              <a:solidFill>
-                <a:srgbClr val="0000FF"/>
-              </a:solidFill>
-              <a:highlight>
-                <a:srgbClr val="FFFFFF"/>
-              </a:highlight>
-              <a:latin typeface="Consolas" panose="020B0609020204030204" charset="0"/>
-              <a:ea typeface="宋体" panose="02010600030101010101" pitchFamily="2" charset="-122"/>
-            </a:endParaRPr>
-          </a:p>
-          <a:p>
-            <a:pPr indent="0"/>
-            <a:r>
-              <a:rPr lang="en-US" b="1">
-                <a:solidFill>
-                  <a:srgbClr val="0000FF"/>
-                </a:solidFill>
-                <a:highlight>
-                  <a:srgbClr val="FFFFFF"/>
-                </a:highlight>
-                <a:latin typeface="Consolas" panose="020B0609020204030204" charset="0"/>
-                <a:ea typeface="宋体" panose="02010600030101010101" pitchFamily="2" charset="-122"/>
-              </a:rPr>
-              <a:t>case</a:t>
-            </a:r>
-            <a:r>
-              <a:rPr lang="en-US" b="0">
-                <a:solidFill>
-                  <a:srgbClr val="000000"/>
-                </a:solidFill>
-                <a:highlight>
-                  <a:srgbClr val="FFFFFF"/>
-                </a:highlight>
-                <a:latin typeface="Consolas" panose="020B0609020204030204" charset="0"/>
-                <a:ea typeface="宋体" panose="02010600030101010101" pitchFamily="2" charset="-122"/>
-              </a:rPr>
-              <a:t> </a:t>
-            </a:r>
-            <a:r>
-              <a:rPr lang="en-US" b="0">
-                <a:solidFill>
-                  <a:srgbClr val="FF8000"/>
-                </a:solidFill>
-                <a:highlight>
-                  <a:srgbClr val="FFFFFF"/>
-                </a:highlight>
-                <a:latin typeface="Consolas" panose="020B0609020204030204" charset="0"/>
-                <a:ea typeface="宋体" panose="02010600030101010101" pitchFamily="2" charset="-122"/>
-              </a:rPr>
-              <a:t>1</a:t>
-            </a:r>
-            <a:r>
-              <a:rPr lang="en-US" b="1">
-                <a:solidFill>
-                  <a:srgbClr val="000080"/>
-                </a:solidFill>
-                <a:highlight>
-                  <a:srgbClr val="FFFFFF"/>
-                </a:highlight>
-                <a:latin typeface="Consolas" panose="020B0609020204030204" charset="0"/>
-                <a:ea typeface="宋体" panose="02010600030101010101" pitchFamily="2" charset="-122"/>
-              </a:rPr>
-              <a:t>:</a:t>
-            </a:r>
-            <a:endParaRPr lang="en-US" b="0">
-              <a:solidFill>
-                <a:srgbClr val="000000"/>
-              </a:solidFill>
-              <a:highlight>
-                <a:srgbClr val="FFFFFF"/>
-              </a:highlight>
-              <a:latin typeface="Consolas" panose="020B0609020204030204" charset="0"/>
-              <a:ea typeface="宋体" panose="02010600030101010101" pitchFamily="2" charset="-122"/>
-            </a:endParaRPr>
-          </a:p>
-          <a:p>
-            <a:pPr indent="0"/>
-            <a:r>
-              <a:rPr lang="en-US" b="0">
-                <a:solidFill>
-                  <a:srgbClr val="000000"/>
-                </a:solidFill>
-                <a:highlight>
-                  <a:srgbClr val="FFFFFF"/>
-                </a:highlight>
-                <a:latin typeface="Consolas" panose="020B0609020204030204" charset="0"/>
-                <a:ea typeface="宋体" panose="02010600030101010101" pitchFamily="2" charset="-122"/>
-              </a:rPr>
-              <a:t>	printf</a:t>
-            </a:r>
-            <a:r>
-              <a:rPr lang="en-US" b="1">
-                <a:solidFill>
-                  <a:srgbClr val="000080"/>
-                </a:solidFill>
-                <a:highlight>
-                  <a:srgbClr val="FFFFFF"/>
-                </a:highlight>
-                <a:latin typeface="Consolas" panose="020B0609020204030204" charset="0"/>
-                <a:ea typeface="宋体" panose="02010600030101010101" pitchFamily="2" charset="-122"/>
-              </a:rPr>
-              <a:t>(</a:t>
-            </a:r>
-            <a:r>
-              <a:rPr lang="en-US" b="0">
-                <a:solidFill>
-                  <a:srgbClr val="808080"/>
-                </a:solidFill>
-                <a:highlight>
-                  <a:srgbClr val="FFFFFF"/>
-                </a:highlight>
-                <a:latin typeface="Consolas" panose="020B0609020204030204" charset="0"/>
-                <a:ea typeface="宋体" panose="02010600030101010101" pitchFamily="2" charset="-122"/>
-              </a:rPr>
-              <a:t>"Jan.\n"</a:t>
-            </a:r>
-            <a:r>
-              <a:rPr lang="en-US" b="1">
-                <a:solidFill>
-                  <a:srgbClr val="000080"/>
-                </a:solidFill>
-                <a:highlight>
-                  <a:srgbClr val="FFFFFF"/>
-                </a:highlight>
-                <a:latin typeface="Consolas" panose="020B0609020204030204" charset="0"/>
-                <a:ea typeface="宋体" panose="02010600030101010101" pitchFamily="2" charset="-122"/>
-              </a:rPr>
-              <a:t>);</a:t>
-            </a:r>
-            <a:endParaRPr lang="en-US" b="0">
-              <a:solidFill>
-                <a:srgbClr val="000000"/>
-              </a:solidFill>
-              <a:highlight>
-                <a:srgbClr val="FFFFFF"/>
-              </a:highlight>
-              <a:latin typeface="Consolas" panose="020B0609020204030204" charset="0"/>
-              <a:ea typeface="宋体" panose="02010600030101010101" pitchFamily="2" charset="-122"/>
-            </a:endParaRPr>
-          </a:p>
-          <a:p>
-            <a:pPr indent="0"/>
-            <a:r>
-              <a:rPr lang="en-US" b="0">
-                <a:solidFill>
-                  <a:srgbClr val="000000"/>
-                </a:solidFill>
-                <a:highlight>
-                  <a:srgbClr val="FFFFFF"/>
-                </a:highlight>
-                <a:latin typeface="Consolas" panose="020B0609020204030204" charset="0"/>
-                <a:ea typeface="宋体" panose="02010600030101010101" pitchFamily="2" charset="-122"/>
-              </a:rPr>
-              <a:t>	</a:t>
-            </a:r>
-            <a:r>
-              <a:rPr lang="en-US" b="1">
-                <a:solidFill>
-                  <a:srgbClr val="0000FF"/>
-                </a:solidFill>
-                <a:highlight>
-                  <a:srgbClr val="FFFFFF"/>
-                </a:highlight>
-                <a:latin typeface="Consolas" panose="020B0609020204030204" charset="0"/>
-                <a:ea typeface="宋体" panose="02010600030101010101" pitchFamily="2" charset="-122"/>
-              </a:rPr>
-              <a:t>break</a:t>
-            </a:r>
-            <a:r>
-              <a:rPr lang="en-US" b="1">
-                <a:solidFill>
-                  <a:srgbClr val="000080"/>
-                </a:solidFill>
-                <a:highlight>
-                  <a:srgbClr val="FFFFFF"/>
-                </a:highlight>
-                <a:latin typeface="Consolas" panose="020B0609020204030204" charset="0"/>
-                <a:ea typeface="宋体" panose="02010600030101010101" pitchFamily="2" charset="-122"/>
-              </a:rPr>
-              <a:t>;</a:t>
-            </a:r>
-            <a:endParaRPr lang="en-US" b="1">
-              <a:solidFill>
-                <a:srgbClr val="0000FF"/>
-              </a:solidFill>
-              <a:highlight>
-                <a:srgbClr val="FFFFFF"/>
-              </a:highlight>
-              <a:latin typeface="Consolas" panose="020B0609020204030204" charset="0"/>
-              <a:ea typeface="宋体" panose="02010600030101010101" pitchFamily="2" charset="-122"/>
-            </a:endParaRPr>
-          </a:p>
-          <a:p>
-            <a:pPr indent="0"/>
-            <a:r>
-              <a:rPr lang="en-US" b="1">
-                <a:solidFill>
-                  <a:srgbClr val="0000FF"/>
-                </a:solidFill>
-                <a:highlight>
-                  <a:srgbClr val="FFFFFF"/>
-                </a:highlight>
-                <a:latin typeface="Consolas" panose="020B0609020204030204" charset="0"/>
-                <a:ea typeface="宋体" panose="02010600030101010101" pitchFamily="2" charset="-122"/>
-              </a:rPr>
-              <a:t>case</a:t>
-            </a:r>
-            <a:r>
-              <a:rPr lang="en-US" b="0">
-                <a:solidFill>
-                  <a:srgbClr val="000000"/>
-                </a:solidFill>
-                <a:highlight>
-                  <a:srgbClr val="FFFFFF"/>
-                </a:highlight>
-                <a:latin typeface="Consolas" panose="020B0609020204030204" charset="0"/>
-                <a:ea typeface="宋体" panose="02010600030101010101" pitchFamily="2" charset="-122"/>
-              </a:rPr>
-              <a:t> </a:t>
-            </a:r>
-            <a:r>
-              <a:rPr lang="en-US" b="0">
-                <a:solidFill>
-                  <a:srgbClr val="FF8000"/>
-                </a:solidFill>
-                <a:highlight>
-                  <a:srgbClr val="FFFFFF"/>
-                </a:highlight>
-                <a:latin typeface="Consolas" panose="020B0609020204030204" charset="0"/>
-                <a:ea typeface="宋体" panose="02010600030101010101" pitchFamily="2" charset="-122"/>
-              </a:rPr>
-              <a:t>2</a:t>
-            </a:r>
-            <a:r>
-              <a:rPr lang="en-US" b="1">
-                <a:solidFill>
-                  <a:srgbClr val="000080"/>
-                </a:solidFill>
-                <a:highlight>
-                  <a:srgbClr val="FFFFFF"/>
-                </a:highlight>
-                <a:latin typeface="Consolas" panose="020B0609020204030204" charset="0"/>
-                <a:ea typeface="宋体" panose="02010600030101010101" pitchFamily="2" charset="-122"/>
-              </a:rPr>
-              <a:t>:</a:t>
-            </a:r>
-            <a:endParaRPr lang="en-US" b="0">
-              <a:solidFill>
-                <a:srgbClr val="000000"/>
-              </a:solidFill>
-              <a:highlight>
-                <a:srgbClr val="FFFFFF"/>
-              </a:highlight>
-              <a:latin typeface="Consolas" panose="020B0609020204030204" charset="0"/>
-              <a:ea typeface="宋体" panose="02010600030101010101" pitchFamily="2" charset="-122"/>
-            </a:endParaRPr>
-          </a:p>
-          <a:p>
-            <a:pPr indent="0"/>
-            <a:r>
-              <a:rPr lang="en-US" b="0">
-                <a:solidFill>
-                  <a:srgbClr val="000000"/>
-                </a:solidFill>
-                <a:highlight>
-                  <a:srgbClr val="FFFFFF"/>
-                </a:highlight>
-                <a:latin typeface="Consolas" panose="020B0609020204030204" charset="0"/>
-                <a:ea typeface="宋体" panose="02010600030101010101" pitchFamily="2" charset="-122"/>
-              </a:rPr>
-              <a:t>	printf</a:t>
-            </a:r>
-            <a:r>
-              <a:rPr lang="en-US" b="1">
-                <a:solidFill>
-                  <a:srgbClr val="000080"/>
-                </a:solidFill>
-                <a:highlight>
-                  <a:srgbClr val="FFFFFF"/>
-                </a:highlight>
-                <a:latin typeface="Consolas" panose="020B0609020204030204" charset="0"/>
-                <a:ea typeface="宋体" panose="02010600030101010101" pitchFamily="2" charset="-122"/>
-              </a:rPr>
-              <a:t>(</a:t>
-            </a:r>
-            <a:r>
-              <a:rPr lang="en-US" b="0">
-                <a:solidFill>
-                  <a:srgbClr val="808080"/>
-                </a:solidFill>
-                <a:highlight>
-                  <a:srgbClr val="FFFFFF"/>
-                </a:highlight>
-                <a:latin typeface="Consolas" panose="020B0609020204030204" charset="0"/>
-                <a:ea typeface="宋体" panose="02010600030101010101" pitchFamily="2" charset="-122"/>
-              </a:rPr>
-              <a:t>"Feb.\n"</a:t>
-            </a:r>
-            <a:r>
-              <a:rPr lang="en-US" b="1">
-                <a:solidFill>
-                  <a:srgbClr val="000080"/>
-                </a:solidFill>
-                <a:highlight>
-                  <a:srgbClr val="FFFFFF"/>
-                </a:highlight>
-                <a:latin typeface="Consolas" panose="020B0609020204030204" charset="0"/>
-                <a:ea typeface="宋体" panose="02010600030101010101" pitchFamily="2" charset="-122"/>
-              </a:rPr>
-              <a:t>);</a:t>
-            </a:r>
-            <a:endParaRPr lang="en-US" b="0">
-              <a:solidFill>
-                <a:srgbClr val="000000"/>
-              </a:solidFill>
-              <a:highlight>
-                <a:srgbClr val="FFFFFF"/>
-              </a:highlight>
-              <a:latin typeface="Consolas" panose="020B0609020204030204" charset="0"/>
-              <a:ea typeface="宋体" panose="02010600030101010101" pitchFamily="2" charset="-122"/>
-            </a:endParaRPr>
-          </a:p>
-          <a:p>
-            <a:pPr indent="0"/>
-            <a:r>
-              <a:rPr lang="en-US" b="0">
-                <a:solidFill>
-                  <a:srgbClr val="000000"/>
-                </a:solidFill>
-                <a:highlight>
-                  <a:srgbClr val="FFFFFF"/>
-                </a:highlight>
-                <a:latin typeface="Consolas" panose="020B0609020204030204" charset="0"/>
-                <a:ea typeface="宋体" panose="02010600030101010101" pitchFamily="2" charset="-122"/>
-              </a:rPr>
-              <a:t>	</a:t>
-            </a:r>
-            <a:r>
-              <a:rPr lang="en-US" b="1">
-                <a:solidFill>
-                  <a:srgbClr val="0000FF"/>
-                </a:solidFill>
-                <a:highlight>
-                  <a:srgbClr val="FFFFFF"/>
-                </a:highlight>
-                <a:latin typeface="Consolas" panose="020B0609020204030204" charset="0"/>
-                <a:ea typeface="宋体" panose="02010600030101010101" pitchFamily="2" charset="-122"/>
-              </a:rPr>
-              <a:t>break</a:t>
-            </a:r>
-            <a:r>
-              <a:rPr lang="en-US" b="1">
-                <a:solidFill>
-                  <a:srgbClr val="000080"/>
-                </a:solidFill>
-                <a:highlight>
-                  <a:srgbClr val="FFFFFF"/>
-                </a:highlight>
-                <a:latin typeface="Consolas" panose="020B0609020204030204" charset="0"/>
-                <a:ea typeface="宋体" panose="02010600030101010101" pitchFamily="2" charset="-122"/>
-              </a:rPr>
-              <a:t>;</a:t>
-            </a:r>
-            <a:endParaRPr lang="en-US" b="1">
-              <a:solidFill>
-                <a:srgbClr val="0000FF"/>
-              </a:solidFill>
-              <a:highlight>
-                <a:srgbClr val="FFFFFF"/>
-              </a:highlight>
-              <a:latin typeface="Consolas" panose="020B0609020204030204" charset="0"/>
-              <a:ea typeface="宋体" panose="02010600030101010101" pitchFamily="2" charset="-122"/>
-            </a:endParaRPr>
-          </a:p>
-          <a:p>
-            <a:pPr indent="0"/>
-            <a:r>
-              <a:rPr lang="en-US" b="1">
-                <a:solidFill>
-                  <a:srgbClr val="0000FF"/>
-                </a:solidFill>
-                <a:highlight>
-                  <a:srgbClr val="FFFFFF"/>
-                </a:highlight>
-                <a:latin typeface="Consolas" panose="020B0609020204030204" charset="0"/>
-                <a:ea typeface="宋体" panose="02010600030101010101" pitchFamily="2" charset="-122"/>
-              </a:rPr>
-              <a:t>case</a:t>
-            </a:r>
-            <a:r>
-              <a:rPr lang="en-US" b="0">
-                <a:solidFill>
-                  <a:srgbClr val="000000"/>
-                </a:solidFill>
-                <a:highlight>
-                  <a:srgbClr val="FFFFFF"/>
-                </a:highlight>
-                <a:latin typeface="Consolas" panose="020B0609020204030204" charset="0"/>
-                <a:ea typeface="宋体" panose="02010600030101010101" pitchFamily="2" charset="-122"/>
-              </a:rPr>
-              <a:t> </a:t>
-            </a:r>
-            <a:r>
-              <a:rPr lang="en-US" b="0">
-                <a:solidFill>
-                  <a:srgbClr val="FF8000"/>
-                </a:solidFill>
-                <a:highlight>
-                  <a:srgbClr val="FFFFFF"/>
-                </a:highlight>
-                <a:latin typeface="Consolas" panose="020B0609020204030204" charset="0"/>
-                <a:ea typeface="宋体" panose="02010600030101010101" pitchFamily="2" charset="-122"/>
-              </a:rPr>
-              <a:t>3</a:t>
-            </a:r>
-            <a:r>
-              <a:rPr lang="en-US" b="1">
-                <a:solidFill>
-                  <a:srgbClr val="000080"/>
-                </a:solidFill>
-                <a:highlight>
-                  <a:srgbClr val="FFFFFF"/>
-                </a:highlight>
-                <a:latin typeface="Consolas" panose="020B0609020204030204" charset="0"/>
-                <a:ea typeface="宋体" panose="02010600030101010101" pitchFamily="2" charset="-122"/>
-              </a:rPr>
-              <a:t>:</a:t>
-            </a:r>
-            <a:endParaRPr lang="en-US" b="0">
-              <a:solidFill>
-                <a:srgbClr val="000000"/>
-              </a:solidFill>
-              <a:highlight>
-                <a:srgbClr val="FFFFFF"/>
-              </a:highlight>
-              <a:latin typeface="Consolas" panose="020B0609020204030204" charset="0"/>
-              <a:ea typeface="宋体" panose="02010600030101010101" pitchFamily="2" charset="-122"/>
-            </a:endParaRPr>
-          </a:p>
-          <a:p>
-            <a:pPr indent="0"/>
-            <a:r>
-              <a:rPr lang="en-US" b="0">
-                <a:solidFill>
-                  <a:srgbClr val="000000"/>
-                </a:solidFill>
-                <a:highlight>
-                  <a:srgbClr val="FFFFFF"/>
-                </a:highlight>
-                <a:latin typeface="Consolas" panose="020B0609020204030204" charset="0"/>
-                <a:ea typeface="宋体" panose="02010600030101010101" pitchFamily="2" charset="-122"/>
-              </a:rPr>
-              <a:t>	printf</a:t>
-            </a:r>
-            <a:r>
-              <a:rPr lang="en-US" b="1">
-                <a:solidFill>
-                  <a:srgbClr val="000080"/>
-                </a:solidFill>
-                <a:highlight>
-                  <a:srgbClr val="FFFFFF"/>
-                </a:highlight>
-                <a:latin typeface="Consolas" panose="020B0609020204030204" charset="0"/>
-                <a:ea typeface="宋体" panose="02010600030101010101" pitchFamily="2" charset="-122"/>
-              </a:rPr>
-              <a:t>(</a:t>
-            </a:r>
-            <a:r>
-              <a:rPr lang="en-US" b="0">
-                <a:solidFill>
-                  <a:srgbClr val="808080"/>
-                </a:solidFill>
-                <a:highlight>
-                  <a:srgbClr val="FFFFFF"/>
-                </a:highlight>
-                <a:latin typeface="Consolas" panose="020B0609020204030204" charset="0"/>
-                <a:ea typeface="宋体" panose="02010600030101010101" pitchFamily="2" charset="-122"/>
-              </a:rPr>
-              <a:t>"Mar.\n"</a:t>
-            </a:r>
-            <a:r>
-              <a:rPr lang="en-US" b="1">
-                <a:solidFill>
-                  <a:srgbClr val="000080"/>
-                </a:solidFill>
-                <a:highlight>
-                  <a:srgbClr val="FFFFFF"/>
-                </a:highlight>
-                <a:latin typeface="Consolas" panose="020B0609020204030204" charset="0"/>
-                <a:ea typeface="宋体" panose="02010600030101010101" pitchFamily="2" charset="-122"/>
-              </a:rPr>
-              <a:t>);</a:t>
-            </a:r>
-            <a:endParaRPr lang="en-US" b="0">
-              <a:solidFill>
-                <a:srgbClr val="000000"/>
-              </a:solidFill>
-              <a:highlight>
-                <a:srgbClr val="FFFFFF"/>
-              </a:highlight>
-              <a:latin typeface="Consolas" panose="020B0609020204030204" charset="0"/>
-              <a:ea typeface="宋体" panose="02010600030101010101" pitchFamily="2" charset="-122"/>
-            </a:endParaRPr>
-          </a:p>
-          <a:p>
-            <a:pPr indent="0"/>
-            <a:r>
-              <a:rPr lang="en-US" b="0">
-                <a:solidFill>
-                  <a:srgbClr val="000000"/>
-                </a:solidFill>
-                <a:highlight>
-                  <a:srgbClr val="FFFFFF"/>
-                </a:highlight>
-                <a:latin typeface="Consolas" panose="020B0609020204030204" charset="0"/>
-                <a:ea typeface="宋体" panose="02010600030101010101" pitchFamily="2" charset="-122"/>
-              </a:rPr>
-              <a:t>	</a:t>
-            </a:r>
-            <a:r>
-              <a:rPr lang="en-US" b="1">
-                <a:solidFill>
-                  <a:srgbClr val="0000FF"/>
-                </a:solidFill>
-                <a:highlight>
-                  <a:srgbClr val="FFFFFF"/>
-                </a:highlight>
-                <a:latin typeface="Consolas" panose="020B0609020204030204" charset="0"/>
-                <a:ea typeface="宋体" panose="02010600030101010101" pitchFamily="2" charset="-122"/>
-              </a:rPr>
-              <a:t>break</a:t>
-            </a:r>
-            <a:r>
-              <a:rPr lang="en-US" b="1">
-                <a:solidFill>
-                  <a:srgbClr val="000080"/>
-                </a:solidFill>
-                <a:highlight>
-                  <a:srgbClr val="FFFFFF"/>
-                </a:highlight>
-                <a:latin typeface="Consolas" panose="020B0609020204030204" charset="0"/>
-                <a:ea typeface="宋体" panose="02010600030101010101" pitchFamily="2" charset="-122"/>
-              </a:rPr>
-              <a:t>;</a:t>
-            </a:r>
-            <a:endParaRPr lang="en-US" b="0">
-              <a:solidFill>
-                <a:srgbClr val="008000"/>
-              </a:solidFill>
-              <a:highlight>
-                <a:srgbClr val="FFFFFF"/>
-              </a:highlight>
-              <a:latin typeface="Consolas" panose="020B0609020204030204" charset="0"/>
-              <a:ea typeface="宋体" panose="02010600030101010101" pitchFamily="2" charset="-122"/>
-            </a:endParaRPr>
-          </a:p>
-          <a:p>
-            <a:pPr indent="0"/>
-            <a:r>
-              <a:rPr lang="en-US" b="0">
-                <a:solidFill>
-                  <a:srgbClr val="008000"/>
-                </a:solidFill>
-                <a:highlight>
-                  <a:srgbClr val="FFFFFF"/>
-                </a:highlight>
-                <a:latin typeface="Consolas" panose="020B0609020204030204" charset="0"/>
-                <a:ea typeface="宋体" panose="02010600030101010101" pitchFamily="2" charset="-122"/>
-              </a:rPr>
-              <a:t>// ...</a:t>
-            </a:r>
-            <a:endParaRPr lang="en-US" b="1">
-              <a:solidFill>
-                <a:srgbClr val="0000FF"/>
-              </a:solidFill>
-              <a:highlight>
-                <a:srgbClr val="FFFFFF"/>
-              </a:highlight>
-              <a:latin typeface="Consolas" panose="020B0609020204030204" charset="0"/>
-              <a:ea typeface="宋体" panose="02010600030101010101" pitchFamily="2" charset="-122"/>
-            </a:endParaRPr>
-          </a:p>
-          <a:p>
-            <a:pPr indent="0"/>
-            <a:r>
-              <a:rPr lang="en-US" b="1">
-                <a:solidFill>
-                  <a:srgbClr val="0000FF"/>
-                </a:solidFill>
-                <a:highlight>
-                  <a:srgbClr val="FFFFFF"/>
-                </a:highlight>
-                <a:latin typeface="Consolas" panose="020B0609020204030204" charset="0"/>
-                <a:ea typeface="宋体" panose="02010600030101010101" pitchFamily="2" charset="-122"/>
-              </a:rPr>
-              <a:t>case</a:t>
-            </a:r>
-            <a:r>
-              <a:rPr lang="en-US" b="0">
-                <a:solidFill>
-                  <a:srgbClr val="000000"/>
-                </a:solidFill>
-                <a:highlight>
-                  <a:srgbClr val="FFFFFF"/>
-                </a:highlight>
-                <a:latin typeface="Consolas" panose="020B0609020204030204" charset="0"/>
-                <a:ea typeface="宋体" panose="02010600030101010101" pitchFamily="2" charset="-122"/>
-              </a:rPr>
-              <a:t> </a:t>
-            </a:r>
-            <a:r>
-              <a:rPr lang="en-US" b="0">
-                <a:solidFill>
-                  <a:srgbClr val="FF8000"/>
-                </a:solidFill>
-                <a:highlight>
-                  <a:srgbClr val="FFFFFF"/>
-                </a:highlight>
-                <a:latin typeface="Consolas" panose="020B0609020204030204" charset="0"/>
-                <a:ea typeface="宋体" panose="02010600030101010101" pitchFamily="2" charset="-122"/>
-              </a:rPr>
-              <a:t>12</a:t>
-            </a:r>
-            <a:r>
-              <a:rPr lang="en-US" b="1">
-                <a:solidFill>
-                  <a:srgbClr val="000080"/>
-                </a:solidFill>
-                <a:highlight>
-                  <a:srgbClr val="FFFFFF"/>
-                </a:highlight>
-                <a:latin typeface="Consolas" panose="020B0609020204030204" charset="0"/>
-                <a:ea typeface="宋体" panose="02010600030101010101" pitchFamily="2" charset="-122"/>
-              </a:rPr>
-              <a:t>:</a:t>
-            </a:r>
-            <a:endParaRPr lang="en-US" b="0">
-              <a:solidFill>
-                <a:srgbClr val="000000"/>
-              </a:solidFill>
-              <a:highlight>
-                <a:srgbClr val="FFFFFF"/>
-              </a:highlight>
-              <a:latin typeface="Consolas" panose="020B0609020204030204" charset="0"/>
-              <a:ea typeface="宋体" panose="02010600030101010101" pitchFamily="2" charset="-122"/>
-            </a:endParaRPr>
-          </a:p>
-          <a:p>
-            <a:pPr indent="0"/>
-            <a:r>
-              <a:rPr lang="en-US" b="0">
-                <a:solidFill>
-                  <a:srgbClr val="000000"/>
-                </a:solidFill>
-                <a:highlight>
-                  <a:srgbClr val="FFFFFF"/>
-                </a:highlight>
-                <a:latin typeface="Consolas" panose="020B0609020204030204" charset="0"/>
-                <a:ea typeface="宋体" panose="02010600030101010101" pitchFamily="2" charset="-122"/>
-              </a:rPr>
-              <a:t>	printf</a:t>
-            </a:r>
-            <a:r>
-              <a:rPr lang="en-US" b="1">
-                <a:solidFill>
-                  <a:srgbClr val="000080"/>
-                </a:solidFill>
-                <a:highlight>
-                  <a:srgbClr val="FFFFFF"/>
-                </a:highlight>
-                <a:latin typeface="Consolas" panose="020B0609020204030204" charset="0"/>
-                <a:ea typeface="宋体" panose="02010600030101010101" pitchFamily="2" charset="-122"/>
-              </a:rPr>
-              <a:t>(</a:t>
-            </a:r>
-            <a:r>
-              <a:rPr lang="en-US" b="0">
-                <a:solidFill>
-                  <a:srgbClr val="808080"/>
-                </a:solidFill>
-                <a:highlight>
-                  <a:srgbClr val="FFFFFF"/>
-                </a:highlight>
-                <a:latin typeface="Consolas" panose="020B0609020204030204" charset="0"/>
-                <a:ea typeface="宋体" panose="02010600030101010101" pitchFamily="2" charset="-122"/>
-              </a:rPr>
-              <a:t>"Dec.\n"</a:t>
-            </a:r>
-            <a:r>
-              <a:rPr lang="en-US" b="1">
-                <a:solidFill>
-                  <a:srgbClr val="000080"/>
-                </a:solidFill>
-                <a:highlight>
-                  <a:srgbClr val="FFFFFF"/>
-                </a:highlight>
-                <a:latin typeface="Consolas" panose="020B0609020204030204" charset="0"/>
-                <a:ea typeface="宋体" panose="02010600030101010101" pitchFamily="2" charset="-122"/>
-              </a:rPr>
-              <a:t>);</a:t>
-            </a:r>
-            <a:endParaRPr lang="en-US" b="0">
-              <a:solidFill>
-                <a:srgbClr val="000000"/>
-              </a:solidFill>
-              <a:highlight>
-                <a:srgbClr val="FFFFFF"/>
-              </a:highlight>
-              <a:latin typeface="Consolas" panose="020B0609020204030204" charset="0"/>
-              <a:ea typeface="宋体" panose="02010600030101010101" pitchFamily="2" charset="-122"/>
-            </a:endParaRPr>
-          </a:p>
-          <a:p>
-            <a:pPr indent="0"/>
-            <a:r>
-              <a:rPr lang="en-US" b="0">
-                <a:solidFill>
-                  <a:srgbClr val="000000"/>
-                </a:solidFill>
-                <a:highlight>
-                  <a:srgbClr val="FFFFFF"/>
-                </a:highlight>
-                <a:latin typeface="Consolas" panose="020B0609020204030204" charset="0"/>
-                <a:ea typeface="宋体" panose="02010600030101010101" pitchFamily="2" charset="-122"/>
-              </a:rPr>
-              <a:t>	</a:t>
-            </a:r>
-            <a:r>
-              <a:rPr lang="en-US" b="1">
-                <a:solidFill>
-                  <a:srgbClr val="0000FF"/>
-                </a:solidFill>
-                <a:highlight>
-                  <a:srgbClr val="FFFFFF"/>
-                </a:highlight>
-                <a:latin typeface="Consolas" panose="020B0609020204030204" charset="0"/>
-                <a:ea typeface="宋体" panose="02010600030101010101" pitchFamily="2" charset="-122"/>
-              </a:rPr>
-              <a:t>break</a:t>
-            </a:r>
-            <a:r>
-              <a:rPr lang="en-US" b="1">
-                <a:solidFill>
-                  <a:srgbClr val="000080"/>
-                </a:solidFill>
-                <a:highlight>
-                  <a:srgbClr val="FFFFFF"/>
-                </a:highlight>
-                <a:latin typeface="Consolas" panose="020B0609020204030204" charset="0"/>
-                <a:ea typeface="宋体" panose="02010600030101010101" pitchFamily="2" charset="-122"/>
-              </a:rPr>
-              <a:t>;</a:t>
-            </a:r>
-            <a:endParaRPr lang="en-US" b="1">
-              <a:solidFill>
-                <a:srgbClr val="0000FF"/>
-              </a:solidFill>
-              <a:highlight>
-                <a:srgbClr val="FFFFFF"/>
-              </a:highlight>
-              <a:latin typeface="Consolas" panose="020B0609020204030204" charset="0"/>
-              <a:ea typeface="宋体" panose="02010600030101010101" pitchFamily="2" charset="-122"/>
-            </a:endParaRPr>
-          </a:p>
-          <a:p>
-            <a:pPr indent="0"/>
-            <a:r>
-              <a:rPr lang="en-US" b="1">
-                <a:solidFill>
-                  <a:srgbClr val="0000FF"/>
-                </a:solidFill>
-                <a:highlight>
-                  <a:srgbClr val="FFFFFF"/>
-                </a:highlight>
-                <a:latin typeface="Consolas" panose="020B0609020204030204" charset="0"/>
-                <a:ea typeface="宋体" panose="02010600030101010101" pitchFamily="2" charset="-122"/>
-              </a:rPr>
-              <a:t>default</a:t>
-            </a:r>
-            <a:r>
-              <a:rPr lang="en-US" b="1">
-                <a:solidFill>
-                  <a:srgbClr val="000080"/>
-                </a:solidFill>
-                <a:highlight>
-                  <a:srgbClr val="FFFFFF"/>
-                </a:highlight>
-                <a:latin typeface="Consolas" panose="020B0609020204030204" charset="0"/>
-                <a:ea typeface="宋体" panose="02010600030101010101" pitchFamily="2" charset="-122"/>
-              </a:rPr>
-              <a:t>:</a:t>
-            </a:r>
-            <a:endParaRPr lang="en-US" b="0">
-              <a:solidFill>
-                <a:srgbClr val="000000"/>
-              </a:solidFill>
-              <a:highlight>
-                <a:srgbClr val="FFFFFF"/>
-              </a:highlight>
-              <a:latin typeface="Consolas" panose="020B0609020204030204" charset="0"/>
-              <a:ea typeface="宋体" panose="02010600030101010101" pitchFamily="2" charset="-122"/>
-            </a:endParaRPr>
-          </a:p>
-          <a:p>
-            <a:pPr indent="0"/>
-            <a:r>
-              <a:rPr lang="en-US" b="0">
-                <a:solidFill>
-                  <a:srgbClr val="000000"/>
-                </a:solidFill>
-                <a:highlight>
-                  <a:srgbClr val="FFFFFF"/>
-                </a:highlight>
-                <a:latin typeface="Consolas" panose="020B0609020204030204" charset="0"/>
-                <a:ea typeface="宋体" panose="02010600030101010101" pitchFamily="2" charset="-122"/>
-              </a:rPr>
-              <a:t>	printf</a:t>
-            </a:r>
-            <a:r>
-              <a:rPr lang="en-US" b="1">
-                <a:solidFill>
-                  <a:srgbClr val="000080"/>
-                </a:solidFill>
-                <a:highlight>
-                  <a:srgbClr val="FFFFFF"/>
-                </a:highlight>
-                <a:latin typeface="Consolas" panose="020B0609020204030204" charset="0"/>
-                <a:ea typeface="宋体" panose="02010600030101010101" pitchFamily="2" charset="-122"/>
-              </a:rPr>
-              <a:t>(</a:t>
-            </a:r>
-            <a:r>
-              <a:rPr lang="en-US" b="0">
-                <a:solidFill>
-                  <a:srgbClr val="808080"/>
-                </a:solidFill>
-                <a:highlight>
-                  <a:srgbClr val="FFFFFF"/>
-                </a:highlight>
-                <a:latin typeface="Consolas" panose="020B0609020204030204" charset="0"/>
-                <a:ea typeface="宋体" panose="02010600030101010101" pitchFamily="2" charset="-122"/>
-              </a:rPr>
-              <a:t>"Invalid\n"</a:t>
-            </a:r>
-            <a:r>
-              <a:rPr lang="en-US" b="1">
-                <a:solidFill>
-                  <a:srgbClr val="000080"/>
-                </a:solidFill>
-                <a:highlight>
-                  <a:srgbClr val="FFFFFF"/>
-                </a:highlight>
-                <a:latin typeface="Consolas" panose="020B0609020204030204" charset="0"/>
-                <a:ea typeface="宋体" panose="02010600030101010101" pitchFamily="2" charset="-122"/>
-              </a:rPr>
-              <a:t>);</a:t>
-            </a:r>
-            <a:endParaRPr lang="en-US" b="0">
-              <a:solidFill>
-                <a:srgbClr val="000000"/>
-              </a:solidFill>
-              <a:highlight>
-                <a:srgbClr val="FFFFFF"/>
-              </a:highlight>
-              <a:latin typeface="Consolas" panose="020B0609020204030204" charset="0"/>
-              <a:ea typeface="宋体" panose="02010600030101010101" pitchFamily="2" charset="-122"/>
-            </a:endParaRPr>
-          </a:p>
-          <a:p>
-            <a:pPr indent="0"/>
-            <a:r>
-              <a:rPr lang="en-US" b="0">
-                <a:solidFill>
-                  <a:srgbClr val="000000"/>
-                </a:solidFill>
-                <a:highlight>
-                  <a:srgbClr val="FFFFFF"/>
-                </a:highlight>
-                <a:latin typeface="Consolas" panose="020B0609020204030204" charset="0"/>
-                <a:ea typeface="宋体" panose="02010600030101010101" pitchFamily="2" charset="-122"/>
-              </a:rPr>
-              <a:t>	</a:t>
-            </a:r>
-            <a:r>
-              <a:rPr lang="en-US" b="1">
-                <a:solidFill>
-                  <a:srgbClr val="0000FF"/>
-                </a:solidFill>
-                <a:highlight>
-                  <a:srgbClr val="FFFFFF"/>
-                </a:highlight>
-                <a:latin typeface="Consolas" panose="020B0609020204030204" charset="0"/>
-                <a:ea typeface="宋体" panose="02010600030101010101" pitchFamily="2" charset="-122"/>
-              </a:rPr>
-              <a:t>break</a:t>
-            </a:r>
-            <a:r>
-              <a:rPr lang="en-US" b="1">
-                <a:solidFill>
-                  <a:srgbClr val="000080"/>
-                </a:solidFill>
-                <a:highlight>
-                  <a:srgbClr val="FFFFFF"/>
-                </a:highlight>
-                <a:latin typeface="Consolas" panose="020B0609020204030204" charset="0"/>
-                <a:ea typeface="宋体" panose="02010600030101010101" pitchFamily="2" charset="-122"/>
-              </a:rPr>
-              <a:t>;</a:t>
-            </a:r>
-          </a:p>
-          <a:p>
-            <a:pPr indent="0"/>
-            <a:r>
-              <a:rPr lang="en-US" b="1">
-                <a:solidFill>
-                  <a:srgbClr val="000080"/>
-                </a:solidFill>
-                <a:highlight>
-                  <a:srgbClr val="FFFFFF"/>
-                </a:highlight>
-                <a:latin typeface="Consolas" panose="020B0609020204030204" charset="0"/>
-                <a:ea typeface="宋体" panose="02010600030101010101" pitchFamily="2" charset="-122"/>
-              </a:rPr>
-              <a:t>}</a:t>
-            </a:r>
-            <a:endParaRPr lang="en-US" altLang="en-US" b="1">
-              <a:solidFill>
-                <a:srgbClr val="000080"/>
-              </a:solidFill>
-              <a:highlight>
-                <a:srgbClr val="FFFFFF"/>
-              </a:highlight>
-              <a:latin typeface="Consolas" panose="020B0609020204030204" charset="0"/>
-              <a:ea typeface="宋体" panose="02010600030101010101" pitchFamily="2" charset="-122"/>
-            </a:endParaRPr>
-          </a:p>
-        </p:txBody>
-      </p:sp>
-    </p:spTree>
-    <p:custDataLst>
-      <p:tags r:id="rId1"/>
-    </p:custDataLst>
-  </p:cSld>
-  <p:clrMapOvr>
-    <a:masterClrMapping/>
-  </p:clrMapOvr>
-</p:sld>
-</file>
-
-<file path=ppt/slides/slide15.xml><?xml version="1.0" encoding="utf-8"?>
-<p:sld xmlns:a="http://schemas.openxmlformats.org/drawingml/2006/main" xmlns:r="http://schemas.openxmlformats.org/officeDocument/2006/relationships" xmlns:p="http://schemas.openxmlformats.org/presentationml/2006/main">
-  <p:cSld>
-    <p:spTree>
-      <p:nvGrpSpPr>
-        <p:cNvPr id="1" name=""/>
-        <p:cNvGrpSpPr/>
-        <p:nvPr/>
-      </p:nvGrpSpPr>
-      <p:grpSpPr>
-        <a:xfrm>
-          <a:off x="0" y="0"/>
-          <a:ext cx="0" cy="0"/>
-          <a:chOff x="0" y="0"/>
-          <a:chExt cx="0" cy="0"/>
-        </a:xfrm>
-      </p:grpSpPr>
-      <p:sp>
-        <p:nvSpPr>
-          <p:cNvPr id="5" name="标题 4"/>
-          <p:cNvSpPr>
-            <a:spLocks noGrp="1"/>
-          </p:cNvSpPr>
-          <p:nvPr>
-            <p:ph type="title"/>
-            <p:custDataLst>
-              <p:tags r:id="rId2"/>
-            </p:custDataLst>
-          </p:nvPr>
-        </p:nvSpPr>
-        <p:spPr/>
-        <p:txBody>
-          <a:bodyPr>
-            <a:normAutofit fontScale="90000"/>
-          </a:bodyPr>
-          <a:lstStyle/>
-          <a:p>
-            <a:r>
-              <a:rPr lang="en-US"/>
               <a:t>Demo</a:t>
             </a:r>
             <a:r>
@@ -20544,7 +19537,7 @@
 </p:sld>
 </file>
 
-<file path=ppt/slides/slide16.xml><?xml version="1.0" encoding="utf-8"?>
+<file path=ppt/slides/slide15.xml><?xml version="1.0" encoding="utf-8"?>
 <p:sld xmlns:a="http://schemas.openxmlformats.org/drawingml/2006/main" xmlns:r="http://schemas.openxmlformats.org/officeDocument/2006/relationships" xmlns:p="http://schemas.openxmlformats.org/presentationml/2006/main">
   <p:cSld>
     <p:spTree>
@@ -22125,7 +21118,7 @@
 </p:sld>
 </file>
 
-<file path=ppt/slides/slide17.xml><?xml version="1.0" encoding="utf-8"?>
+<file path=ppt/slides/slide16.xml><?xml version="1.0" encoding="utf-8"?>
 <p:sld xmlns:a="http://schemas.openxmlformats.org/drawingml/2006/main" xmlns:r="http://schemas.openxmlformats.org/officeDocument/2006/relationships" xmlns:p="http://schemas.openxmlformats.org/presentationml/2006/main">
   <p:cSld>
     <p:spTree>
@@ -22226,7 +21219,7 @@
 </p:sld>
 </file>
 
-<file path=ppt/slides/slide18.xml><?xml version="1.0" encoding="utf-8"?>
+<file path=ppt/slides/slide17.xml><?xml version="1.0" encoding="utf-8"?>
 <p:sld xmlns:a="http://schemas.openxmlformats.org/drawingml/2006/main" xmlns:r="http://schemas.openxmlformats.org/officeDocument/2006/relationships" xmlns:p="http://schemas.openxmlformats.org/presentationml/2006/main">
   <p:cSld>
     <p:spTree>
@@ -23006,7 +21999,7 @@
 </p:sld>
 </file>
 
-<file path=ppt/slides/slide19.xml><?xml version="1.0" encoding="utf-8"?>
+<file path=ppt/slides/slide18.xml><?xml version="1.0" encoding="utf-8"?>
 <p:sld xmlns:a="http://schemas.openxmlformats.org/drawingml/2006/main" xmlns:r="http://schemas.openxmlformats.org/officeDocument/2006/relationships" xmlns:p="http://schemas.openxmlformats.org/presentationml/2006/main">
   <p:cSld>
     <p:spTree>
@@ -23378,8 +22371,8 @@
           </a:graphicData>
         </a:graphic>
       </p:graphicFrame>
-      <mc:AlternateContent xmlns:mc="http://schemas.openxmlformats.org/markup-compatibility/2006">
-        <mc:Choice xmlns:a14="http://schemas.microsoft.com/office/drawing/2010/main" Requires="a14">
+      <mc:AlternateContent xmlns:mc="http://schemas.openxmlformats.org/markup-compatibility/2006" xmlns:a14="http://schemas.microsoft.com/office/drawing/2010/main">
+        <mc:Choice Requires="a14">
           <p:sp>
             <p:nvSpPr>
               <p:cNvPr id="2" name="文本占位符 1">
@@ -23627,6 +22620,7 @@
                 </a:endParaRPr>
               </a:p>
               <a:p>
+                <a:pPr/>
                 <a14:m>
                   <m:oMathPara xmlns:m="http://schemas.openxmlformats.org/officeDocument/2006/math">
                     <m:oMathParaPr>
@@ -23722,6 +22716,7 @@
                 </a:endParaRPr>
               </a:p>
               <a:p>
+                <a:pPr/>
                 <a14:m>
                   <m:oMathPara xmlns:m="http://schemas.openxmlformats.org/officeDocument/2006/math">
                     <m:oMathParaPr>
@@ -23880,7 +22875,7 @@
             </p:txBody>
           </p:sp>
         </mc:Choice>
-        <mc:Fallback>
+        <mc:Fallback xmlns="">
           <p:sp>
             <p:nvSpPr>
               <p:cNvPr id="2" name="文本占位符 1">
@@ -23895,7 +22890,7 @@
               </p:cNvSpPr>
               <p:nvPr>
                 <p:custDataLst>
-                  <p:tags r:id="rId6"/>
+                  <p:tags r:id="rId9"/>
                 </p:custDataLst>
               </p:nvPr>
             </p:nvSpPr>
@@ -23908,7 +22903,7 @@
                 <a:avLst/>
               </a:prstGeom>
               <a:blipFill>
-                <a:blip r:embed="rId9"/>
+                <a:blip r:embed="rId10"/>
                 <a:stretch>
                   <a:fillRect l="-791"/>
                 </a:stretch>
@@ -23945,106 +22940,7 @@
 </p:sld>
 </file>
 
-<file path=ppt/slides/slide2.xml><?xml version="1.0" encoding="utf-8"?>
-<p:sld xmlns:a="http://schemas.openxmlformats.org/drawingml/2006/main" xmlns:r="http://schemas.openxmlformats.org/officeDocument/2006/relationships" xmlns:p="http://schemas.openxmlformats.org/presentationml/2006/main">
-  <p:cSld>
-    <p:spTree>
-      <p:nvGrpSpPr>
-        <p:cNvPr id="1" name=""/>
-        <p:cNvGrpSpPr/>
-        <p:nvPr/>
-      </p:nvGrpSpPr>
-      <p:grpSpPr>
-        <a:xfrm>
-          <a:off x="0" y="0"/>
-          <a:ext cx="0" cy="0"/>
-          <a:chOff x="0" y="0"/>
-          <a:chExt cx="0" cy="0"/>
-        </a:xfrm>
-      </p:grpSpPr>
-      <p:sp>
-        <p:nvSpPr>
-          <p:cNvPr id="10" name="标题 9"/>
-          <p:cNvSpPr>
-            <a:spLocks noGrp="1"/>
-          </p:cNvSpPr>
-          <p:nvPr>
-            <p:ph type="title"/>
-            <p:custDataLst>
-              <p:tags r:id="rId2"/>
-            </p:custDataLst>
-          </p:nvPr>
-        </p:nvSpPr>
-        <p:spPr>
-          <a:xfrm>
-            <a:off x="4186555" y="2959735"/>
-            <a:ext cx="3817620" cy="939165"/>
-          </a:xfrm>
-        </p:spPr>
-        <p:txBody>
-          <a:bodyPr/>
-          <a:lstStyle/>
-          <a:p>
-            <a:pPr algn="ctr"/>
-            <a:r>
-              <a:rPr lang="zh-CN" altLang="en-US" dirty="0"/>
-              <a:t>逻辑运算符</a:t>
-            </a:r>
-          </a:p>
-        </p:txBody>
-      </p:sp>
-      <p:sp>
-        <p:nvSpPr>
-          <p:cNvPr id="2" name="文本框 1"/>
-          <p:cNvSpPr txBox="1"/>
-          <p:nvPr>
-            <p:custDataLst>
-              <p:tags r:id="rId3"/>
-            </p:custDataLst>
-          </p:nvPr>
-        </p:nvSpPr>
-        <p:spPr>
-          <a:xfrm>
-            <a:off x="5622290" y="386715"/>
-            <a:ext cx="946150" cy="561975"/>
-          </a:xfrm>
-          <a:prstGeom prst="rect">
-            <a:avLst/>
-          </a:prstGeom>
-          <a:noFill/>
-        </p:spPr>
-        <p:txBody>
-          <a:bodyPr wrap="square" lIns="90000" tIns="46800" rIns="90000" bIns="46800" rtlCol="0">
-            <a:noAutofit/>
-          </a:bodyPr>
-          <a:lstStyle/>
-          <a:p>
-            <a:pPr algn="dist"/>
-            <a:r>
-              <a:rPr lang="en-US" altLang="zh-CN" sz="3000">
-                <a:solidFill>
-                  <a:schemeClr val="bg1"/>
-                </a:solidFill>
-                <a:latin typeface="Arial" panose="020B0604020202020204" pitchFamily="34" charset="0"/>
-                <a:ea typeface="微软雅黑" panose="020B0503020204020204" charset="-122"/>
-              </a:rPr>
-              <a:t>C</a:t>
-            </a:r>
-          </a:p>
-        </p:txBody>
-      </p:sp>
-    </p:spTree>
-    <p:custDataLst>
-      <p:tags r:id="rId1"/>
-    </p:custDataLst>
-  </p:cSld>
-  <p:clrMapOvr>
-    <a:masterClrMapping/>
-  </p:clrMapOvr>
-</p:sld>
-</file>
-
-<file path=ppt/slides/slide20.xml><?xml version="1.0" encoding="utf-8"?>
+<file path=ppt/slides/slide19.xml><?xml version="1.0" encoding="utf-8"?>
 <p:sld xmlns:a="http://schemas.openxmlformats.org/drawingml/2006/main" xmlns:r="http://schemas.openxmlformats.org/officeDocument/2006/relationships" xmlns:p="http://schemas.openxmlformats.org/presentationml/2006/main">
   <p:cSld>
     <p:spTree>
@@ -24651,6 +23547,105 @@
           </a:graphicData>
         </a:graphic>
       </p:graphicFrame>
+    </p:spTree>
+    <p:custDataLst>
+      <p:tags r:id="rId1"/>
+    </p:custDataLst>
+  </p:cSld>
+  <p:clrMapOvr>
+    <a:masterClrMapping/>
+  </p:clrMapOvr>
+</p:sld>
+</file>
+
+<file path=ppt/slides/slide2.xml><?xml version="1.0" encoding="utf-8"?>
+<p:sld xmlns:a="http://schemas.openxmlformats.org/drawingml/2006/main" xmlns:r="http://schemas.openxmlformats.org/officeDocument/2006/relationships" xmlns:p="http://schemas.openxmlformats.org/presentationml/2006/main">
+  <p:cSld>
+    <p:spTree>
+      <p:nvGrpSpPr>
+        <p:cNvPr id="1" name=""/>
+        <p:cNvGrpSpPr/>
+        <p:nvPr/>
+      </p:nvGrpSpPr>
+      <p:grpSpPr>
+        <a:xfrm>
+          <a:off x="0" y="0"/>
+          <a:ext cx="0" cy="0"/>
+          <a:chOff x="0" y="0"/>
+          <a:chExt cx="0" cy="0"/>
+        </a:xfrm>
+      </p:grpSpPr>
+      <p:sp>
+        <p:nvSpPr>
+          <p:cNvPr id="10" name="标题 9"/>
+          <p:cNvSpPr>
+            <a:spLocks noGrp="1"/>
+          </p:cNvSpPr>
+          <p:nvPr>
+            <p:ph type="title"/>
+            <p:custDataLst>
+              <p:tags r:id="rId2"/>
+            </p:custDataLst>
+          </p:nvPr>
+        </p:nvSpPr>
+        <p:spPr>
+          <a:xfrm>
+            <a:off x="4186555" y="2959735"/>
+            <a:ext cx="3817620" cy="939165"/>
+          </a:xfrm>
+        </p:spPr>
+        <p:txBody>
+          <a:bodyPr/>
+          <a:lstStyle/>
+          <a:p>
+            <a:pPr algn="ctr"/>
+            <a:r>
+              <a:rPr lang="zh-CN" altLang="en-US" dirty="0"/>
+              <a:t>逻辑运算符</a:t>
+            </a:r>
+          </a:p>
+        </p:txBody>
+      </p:sp>
+      <p:sp>
+        <p:nvSpPr>
+          <p:cNvPr id="2" name="文本框 1"/>
+          <p:cNvSpPr txBox="1"/>
+          <p:nvPr>
+            <p:custDataLst>
+              <p:tags r:id="rId3"/>
+            </p:custDataLst>
+          </p:nvPr>
+        </p:nvSpPr>
+        <p:spPr>
+          <a:xfrm>
+            <a:off x="5622290" y="386715"/>
+            <a:ext cx="946150" cy="561975"/>
+          </a:xfrm>
+          <a:prstGeom prst="rect">
+            <a:avLst/>
+          </a:prstGeom>
+          <a:noFill/>
+        </p:spPr>
+        <p:txBody>
+          <a:bodyPr wrap="square" lIns="90000" tIns="46800" rIns="90000" bIns="46800" rtlCol="0">
+            <a:noAutofit/>
+          </a:bodyPr>
+          <a:lstStyle/>
+          <a:p>
+            <a:pPr algn="dist"/>
+            <a:r>
+              <a:rPr lang="en-US" altLang="zh-CN" sz="3000">
+                <a:solidFill>
+                  <a:schemeClr val="bg1"/>
+                </a:solidFill>
+                <a:latin typeface="Arial" panose="020B0604020202020204" pitchFamily="34" charset="0"/>
+                <a:ea typeface="微软雅黑" panose="020B0503020204020204" charset="-122"/>
+              </a:rPr>
+              <a:t>C</a:t>
+            </a:r>
+          </a:p>
+        </p:txBody>
+      </p:sp>
     </p:spTree>
     <p:custDataLst>
       <p:tags r:id="rId1"/>
@@ -25604,105 +24599,6 @@
       </p:grpSpPr>
       <p:sp>
         <p:nvSpPr>
-          <p:cNvPr id="10" name="标题 9"/>
-          <p:cNvSpPr>
-            <a:spLocks noGrp="1"/>
-          </p:cNvSpPr>
-          <p:nvPr>
-            <p:ph type="title"/>
-            <p:custDataLst>
-              <p:tags r:id="rId2"/>
-            </p:custDataLst>
-          </p:nvPr>
-        </p:nvSpPr>
-        <p:spPr>
-          <a:xfrm>
-            <a:off x="4186555" y="2959735"/>
-            <a:ext cx="3817620" cy="939165"/>
-          </a:xfrm>
-        </p:spPr>
-        <p:txBody>
-          <a:bodyPr/>
-          <a:lstStyle/>
-          <a:p>
-            <a:pPr algn="ctr"/>
-            <a:r>
-              <a:rPr lang="zh-CN" altLang="en-US" dirty="0"/>
-              <a:t>逻辑运算符</a:t>
-            </a:r>
-          </a:p>
-        </p:txBody>
-      </p:sp>
-      <p:sp>
-        <p:nvSpPr>
-          <p:cNvPr id="2" name="文本框 1"/>
-          <p:cNvSpPr txBox="1"/>
-          <p:nvPr>
-            <p:custDataLst>
-              <p:tags r:id="rId3"/>
-            </p:custDataLst>
-          </p:nvPr>
-        </p:nvSpPr>
-        <p:spPr>
-          <a:xfrm>
-            <a:off x="5622290" y="386715"/>
-            <a:ext cx="946150" cy="561975"/>
-          </a:xfrm>
-          <a:prstGeom prst="rect">
-            <a:avLst/>
-          </a:prstGeom>
-          <a:noFill/>
-        </p:spPr>
-        <p:txBody>
-          <a:bodyPr wrap="square" lIns="90000" tIns="46800" rIns="90000" bIns="46800" rtlCol="0">
-            <a:noAutofit/>
-          </a:bodyPr>
-          <a:lstStyle/>
-          <a:p>
-            <a:pPr algn="dist"/>
-            <a:r>
-              <a:rPr lang="en-US" altLang="zh-CN" sz="3000">
-                <a:solidFill>
-                  <a:schemeClr val="bg1"/>
-                </a:solidFill>
-                <a:latin typeface="Arial" panose="020B0604020202020204" pitchFamily="34" charset="0"/>
-                <a:ea typeface="微软雅黑" panose="020B0503020204020204" charset="-122"/>
-              </a:rPr>
-              <a:t>C</a:t>
-            </a:r>
-          </a:p>
-        </p:txBody>
-      </p:sp>
-    </p:spTree>
-    <p:custDataLst>
-      <p:tags r:id="rId1"/>
-    </p:custDataLst>
-  </p:cSld>
-  <p:clrMapOvr>
-    <a:masterClrMapping/>
-  </p:clrMapOvr>
-</p:sld>
-</file>
-
-<file path=ppt/slides/slide5.xml><?xml version="1.0" encoding="utf-8"?>
-<p:sld xmlns:a="http://schemas.openxmlformats.org/drawingml/2006/main" xmlns:r="http://schemas.openxmlformats.org/officeDocument/2006/relationships" xmlns:p="http://schemas.openxmlformats.org/presentationml/2006/main">
-  <p:cSld>
-    <p:spTree>
-      <p:nvGrpSpPr>
-        <p:cNvPr id="1" name=""/>
-        <p:cNvGrpSpPr/>
-        <p:nvPr/>
-      </p:nvGrpSpPr>
-      <p:grpSpPr>
-        <a:xfrm>
-          <a:off x="0" y="0"/>
-          <a:ext cx="0" cy="0"/>
-          <a:chOff x="0" y="0"/>
-          <a:chExt cx="0" cy="0"/>
-        </a:xfrm>
-      </p:grpSpPr>
-      <p:sp>
-        <p:nvSpPr>
           <p:cNvPr id="5" name="标题 4"/>
           <p:cNvSpPr>
             <a:spLocks noGrp="1"/>
@@ -25873,7 +24769,7 @@
 </p:sld>
 </file>
 
-<file path=ppt/slides/slide6.xml><?xml version="1.0" encoding="utf-8"?>
+<file path=ppt/slides/slide5.xml><?xml version="1.0" encoding="utf-8"?>
 <p:sld xmlns:a="http://schemas.openxmlformats.org/drawingml/2006/main" xmlns:r="http://schemas.openxmlformats.org/officeDocument/2006/relationships" xmlns:p="http://schemas.openxmlformats.org/presentationml/2006/main">
   <p:cSld>
     <p:spTree>
@@ -26324,7 +25220,7 @@
 </p:sld>
 </file>
 
-<file path=ppt/slides/slide7.xml><?xml version="1.0" encoding="utf-8"?>
+<file path=ppt/slides/slide6.xml><?xml version="1.0" encoding="utf-8"?>
 <p:sld xmlns:a="http://schemas.openxmlformats.org/drawingml/2006/main" xmlns:r="http://schemas.openxmlformats.org/officeDocument/2006/relationships" xmlns:p="http://schemas.openxmlformats.org/presentationml/2006/main">
   <p:cSld>
     <p:spTree>
@@ -26775,7 +25671,7 @@
 </p:sld>
 </file>
 
-<file path=ppt/slides/slide8.xml><?xml version="1.0" encoding="utf-8"?>
+<file path=ppt/slides/slide7.xml><?xml version="1.0" encoding="utf-8"?>
 <p:sld xmlns:a="http://schemas.openxmlformats.org/drawingml/2006/main" xmlns:r="http://schemas.openxmlformats.org/officeDocument/2006/relationships" xmlns:p="http://schemas.openxmlformats.org/presentationml/2006/main">
   <p:cSld>
     <p:spTree>
@@ -27047,7 +25943,7 @@
 </p:sld>
 </file>
 
-<file path=ppt/slides/slide9.xml><?xml version="1.0" encoding="utf-8"?>
+<file path=ppt/slides/slide8.xml><?xml version="1.0" encoding="utf-8"?>
 <p:sld xmlns:a="http://schemas.openxmlformats.org/drawingml/2006/main" xmlns:r="http://schemas.openxmlformats.org/officeDocument/2006/relationships" xmlns:p="http://schemas.openxmlformats.org/presentationml/2006/main">
   <p:cSld>
     <p:spTree>
@@ -27146,6 +26042,1012 @@
 </p:sld>
 </file>
 
+<file path=ppt/slides/slide9.xml><?xml version="1.0" encoding="utf-8"?>
+<p:sld xmlns:a="http://schemas.openxmlformats.org/drawingml/2006/main" xmlns:r="http://schemas.openxmlformats.org/officeDocument/2006/relationships" xmlns:p="http://schemas.openxmlformats.org/presentationml/2006/main">
+  <p:cSld>
+    <p:spTree>
+      <p:nvGrpSpPr>
+        <p:cNvPr id="1" name=""/>
+        <p:cNvGrpSpPr/>
+        <p:nvPr/>
+      </p:nvGrpSpPr>
+      <p:grpSpPr>
+        <a:xfrm>
+          <a:off x="0" y="0"/>
+          <a:ext cx="0" cy="0"/>
+          <a:chOff x="0" y="0"/>
+          <a:chExt cx="0" cy="0"/>
+        </a:xfrm>
+      </p:grpSpPr>
+      <p:sp>
+        <p:nvSpPr>
+          <p:cNvPr id="5" name="标题 4"/>
+          <p:cNvSpPr>
+            <a:spLocks noGrp="1"/>
+          </p:cNvSpPr>
+          <p:nvPr>
+            <p:ph type="title"/>
+            <p:custDataLst>
+              <p:tags r:id="rId2"/>
+            </p:custDataLst>
+          </p:nvPr>
+        </p:nvSpPr>
+        <p:spPr/>
+        <p:txBody>
+          <a:bodyPr>
+            <a:normAutofit fontScale="90000"/>
+          </a:bodyPr>
+          <a:lstStyle/>
+          <a:p>
+            <a:r>
+              <a:rPr lang="en-US"/>
+              <a:t>if</a:t>
+            </a:r>
+          </a:p>
+        </p:txBody>
+      </p:sp>
+      <p:sp>
+        <p:nvSpPr>
+          <p:cNvPr id="6" name="文本占位符 5"/>
+          <p:cNvSpPr>
+            <a:spLocks noGrp="1"/>
+          </p:cNvSpPr>
+          <p:nvPr>
+            <p:ph type="body" sz="quarter" idx="15"/>
+            <p:custDataLst>
+              <p:tags r:id="rId3"/>
+            </p:custDataLst>
+          </p:nvPr>
+        </p:nvSpPr>
+        <p:spPr>
+          <a:xfrm>
+            <a:off x="579600" y="1252670"/>
+            <a:ext cx="8546472" cy="513378"/>
+          </a:xfrm>
+        </p:spPr>
+        <p:txBody>
+          <a:bodyPr>
+            <a:noAutofit/>
+          </a:bodyPr>
+          <a:lstStyle/>
+          <a:p>
+            <a:r>
+              <a:rPr>
+                <a:latin typeface="+mn-lt"/>
+                <a:cs typeface="+mn-lt"/>
+              </a:rPr>
+              <a:t>if语句用于判断一个条件是否成立，如果成立则执行if语句块中的语句，否则不执行。</a:t>
+            </a:r>
+          </a:p>
+        </p:txBody>
+      </p:sp>
+      <p:sp>
+        <p:nvSpPr>
+          <p:cNvPr id="100" name="文本框 99"/>
+          <p:cNvSpPr txBox="1"/>
+          <p:nvPr/>
+        </p:nvSpPr>
+        <p:spPr>
+          <a:xfrm>
+            <a:off x="579600" y="2095725"/>
+            <a:ext cx="4400550" cy="3692525"/>
+          </a:xfrm>
+          <a:prstGeom prst="rect">
+            <a:avLst/>
+          </a:prstGeom>
+          <a:noFill/>
+          <a:ln w="9525">
+            <a:noFill/>
+          </a:ln>
+        </p:spPr>
+        <p:txBody>
+          <a:bodyPr wrap="square">
+            <a:spAutoFit/>
+          </a:bodyPr>
+          <a:lstStyle/>
+          <a:p>
+            <a:pPr indent="0"/>
+            <a:r>
+              <a:rPr lang="en-US" b="0">
+                <a:solidFill>
+                  <a:srgbClr val="804000"/>
+                </a:solidFill>
+                <a:highlight>
+                  <a:srgbClr val="FFFFFF"/>
+                </a:highlight>
+                <a:latin typeface="Consolas" panose="020B0609020204030204" charset="0"/>
+                <a:ea typeface="宋体" panose="02010600030101010101" pitchFamily="2" charset="-122"/>
+              </a:rPr>
+              <a:t>#include &lt;stdio.h&gt;</a:t>
+            </a:r>
+            <a:endParaRPr lang="en-US" b="0">
+              <a:solidFill>
+                <a:srgbClr val="000000"/>
+              </a:solidFill>
+              <a:highlight>
+                <a:srgbClr val="FFFFFF"/>
+              </a:highlight>
+              <a:latin typeface="Consolas" panose="020B0609020204030204" charset="0"/>
+              <a:ea typeface="宋体" panose="02010600030101010101" pitchFamily="2" charset="-122"/>
+            </a:endParaRPr>
+          </a:p>
+          <a:p>
+            <a:pPr indent="0"/>
+            <a:r>
+              <a:rPr lang="en-US" b="0">
+                <a:solidFill>
+                  <a:srgbClr val="000000"/>
+                </a:solidFill>
+                <a:highlight>
+                  <a:srgbClr val="FFFFFF"/>
+                </a:highlight>
+                <a:latin typeface="Consolas" panose="020B0609020204030204" charset="0"/>
+                <a:ea typeface="宋体" panose="02010600030101010101" pitchFamily="2" charset="-122"/>
+              </a:rPr>
+              <a:t> </a:t>
+            </a:r>
+            <a:endParaRPr lang="en-US" b="0">
+              <a:solidFill>
+                <a:srgbClr val="8000FF"/>
+              </a:solidFill>
+              <a:highlight>
+                <a:srgbClr val="FFFFFF"/>
+              </a:highlight>
+              <a:latin typeface="Consolas" panose="020B0609020204030204" charset="0"/>
+              <a:ea typeface="宋体" panose="02010600030101010101" pitchFamily="2" charset="-122"/>
+            </a:endParaRPr>
+          </a:p>
+          <a:p>
+            <a:pPr indent="0"/>
+            <a:r>
+              <a:rPr lang="en-US" b="0">
+                <a:solidFill>
+                  <a:srgbClr val="8000FF"/>
+                </a:solidFill>
+                <a:highlight>
+                  <a:srgbClr val="FFFFFF"/>
+                </a:highlight>
+                <a:latin typeface="Consolas" panose="020B0609020204030204" charset="0"/>
+                <a:ea typeface="宋体" panose="02010600030101010101" pitchFamily="2" charset="-122"/>
+              </a:rPr>
+              <a:t>int</a:t>
+            </a:r>
+            <a:r>
+              <a:rPr lang="en-US" b="0">
+                <a:solidFill>
+                  <a:srgbClr val="000000"/>
+                </a:solidFill>
+                <a:highlight>
+                  <a:srgbClr val="FFFFFF"/>
+                </a:highlight>
+                <a:latin typeface="Consolas" panose="020B0609020204030204" charset="0"/>
+                <a:ea typeface="宋体" panose="02010600030101010101" pitchFamily="2" charset="-122"/>
+              </a:rPr>
+              <a:t> main</a:t>
+            </a:r>
+            <a:r>
+              <a:rPr lang="en-US" b="1">
+                <a:solidFill>
+                  <a:srgbClr val="000080"/>
+                </a:solidFill>
+                <a:highlight>
+                  <a:srgbClr val="FFFFFF"/>
+                </a:highlight>
+                <a:latin typeface="Consolas" panose="020B0609020204030204" charset="0"/>
+                <a:ea typeface="宋体" panose="02010600030101010101" pitchFamily="2" charset="-122"/>
+              </a:rPr>
+              <a:t>()</a:t>
+            </a:r>
+          </a:p>
+          <a:p>
+            <a:pPr indent="0"/>
+            <a:r>
+              <a:rPr lang="en-US" b="1">
+                <a:solidFill>
+                  <a:srgbClr val="000080"/>
+                </a:solidFill>
+                <a:highlight>
+                  <a:srgbClr val="FFFFFF"/>
+                </a:highlight>
+                <a:latin typeface="Consolas" panose="020B0609020204030204" charset="0"/>
+                <a:ea typeface="宋体" panose="02010600030101010101" pitchFamily="2" charset="-122"/>
+              </a:rPr>
+              <a:t>{</a:t>
+            </a:r>
+            <a:endParaRPr lang="en-US" b="0">
+              <a:solidFill>
+                <a:srgbClr val="000000"/>
+              </a:solidFill>
+              <a:highlight>
+                <a:srgbClr val="FFFFFF"/>
+              </a:highlight>
+              <a:latin typeface="Consolas" panose="020B0609020204030204" charset="0"/>
+              <a:ea typeface="宋体" panose="02010600030101010101" pitchFamily="2" charset="-122"/>
+            </a:endParaRPr>
+          </a:p>
+          <a:p>
+            <a:pPr indent="0"/>
+            <a:r>
+              <a:rPr lang="en-US" b="0">
+                <a:solidFill>
+                  <a:srgbClr val="000000"/>
+                </a:solidFill>
+                <a:highlight>
+                  <a:srgbClr val="FFFFFF"/>
+                </a:highlight>
+                <a:latin typeface="Consolas" panose="020B0609020204030204" charset="0"/>
+                <a:ea typeface="宋体" panose="02010600030101010101" pitchFamily="2" charset="-122"/>
+              </a:rPr>
+              <a:t>    </a:t>
+            </a:r>
+            <a:r>
+              <a:rPr lang="en-US" b="0">
+                <a:solidFill>
+                  <a:srgbClr val="8000FF"/>
+                </a:solidFill>
+                <a:highlight>
+                  <a:srgbClr val="FFFFFF"/>
+                </a:highlight>
+                <a:latin typeface="Consolas" panose="020B0609020204030204" charset="0"/>
+                <a:ea typeface="宋体" panose="02010600030101010101" pitchFamily="2" charset="-122"/>
+              </a:rPr>
+              <a:t>int</a:t>
+            </a:r>
+            <a:r>
+              <a:rPr lang="en-US" b="0">
+                <a:solidFill>
+                  <a:srgbClr val="000000"/>
+                </a:solidFill>
+                <a:highlight>
+                  <a:srgbClr val="FFFFFF"/>
+                </a:highlight>
+                <a:latin typeface="Consolas" panose="020B0609020204030204" charset="0"/>
+                <a:ea typeface="宋体" panose="02010600030101010101" pitchFamily="2" charset="-122"/>
+              </a:rPr>
+              <a:t> age</a:t>
+            </a:r>
+            <a:r>
+              <a:rPr lang="en-US" b="1">
+                <a:solidFill>
+                  <a:srgbClr val="000080"/>
+                </a:solidFill>
+                <a:highlight>
+                  <a:srgbClr val="FFFFFF"/>
+                </a:highlight>
+                <a:latin typeface="Consolas" panose="020B0609020204030204" charset="0"/>
+                <a:ea typeface="宋体" panose="02010600030101010101" pitchFamily="2" charset="-122"/>
+              </a:rPr>
+              <a:t>;</a:t>
+            </a:r>
+            <a:endParaRPr lang="en-US" b="0">
+              <a:solidFill>
+                <a:srgbClr val="000000"/>
+              </a:solidFill>
+              <a:highlight>
+                <a:srgbClr val="FFFFFF"/>
+              </a:highlight>
+              <a:latin typeface="Consolas" panose="020B0609020204030204" charset="0"/>
+              <a:ea typeface="宋体" panose="02010600030101010101" pitchFamily="2" charset="-122"/>
+            </a:endParaRPr>
+          </a:p>
+          <a:p>
+            <a:pPr indent="0"/>
+            <a:r>
+              <a:rPr lang="en-US" b="0">
+                <a:solidFill>
+                  <a:srgbClr val="000000"/>
+                </a:solidFill>
+                <a:highlight>
+                  <a:srgbClr val="FFFFFF"/>
+                </a:highlight>
+                <a:latin typeface="Consolas" panose="020B0609020204030204" charset="0"/>
+                <a:ea typeface="宋体" panose="02010600030101010101" pitchFamily="2" charset="-122"/>
+              </a:rPr>
+              <a:t>    printf</a:t>
+            </a:r>
+            <a:r>
+              <a:rPr lang="en-US" b="1">
+                <a:solidFill>
+                  <a:srgbClr val="000080"/>
+                </a:solidFill>
+                <a:highlight>
+                  <a:srgbClr val="FFFFFF"/>
+                </a:highlight>
+                <a:latin typeface="Consolas" panose="020B0609020204030204" charset="0"/>
+                <a:ea typeface="宋体" panose="02010600030101010101" pitchFamily="2" charset="-122"/>
+              </a:rPr>
+              <a:t>(</a:t>
+            </a:r>
+            <a:r>
+              <a:rPr lang="en-US" b="0">
+                <a:solidFill>
+                  <a:srgbClr val="808080"/>
+                </a:solidFill>
+                <a:highlight>
+                  <a:srgbClr val="FFFFFF"/>
+                </a:highlight>
+                <a:latin typeface="Consolas" panose="020B0609020204030204" charset="0"/>
+                <a:ea typeface="宋体" panose="02010600030101010101" pitchFamily="2" charset="-122"/>
+              </a:rPr>
+              <a:t>"Enter your age: "</a:t>
+            </a:r>
+            <a:r>
+              <a:rPr lang="en-US" b="1">
+                <a:solidFill>
+                  <a:srgbClr val="000080"/>
+                </a:solidFill>
+                <a:highlight>
+                  <a:srgbClr val="FFFFFF"/>
+                </a:highlight>
+                <a:latin typeface="Consolas" panose="020B0609020204030204" charset="0"/>
+                <a:ea typeface="宋体" panose="02010600030101010101" pitchFamily="2" charset="-122"/>
+              </a:rPr>
+              <a:t>);</a:t>
+            </a:r>
+            <a:endParaRPr lang="en-US" b="0">
+              <a:solidFill>
+                <a:srgbClr val="000000"/>
+              </a:solidFill>
+              <a:highlight>
+                <a:srgbClr val="FFFFFF"/>
+              </a:highlight>
+              <a:latin typeface="Consolas" panose="020B0609020204030204" charset="0"/>
+              <a:ea typeface="宋体" panose="02010600030101010101" pitchFamily="2" charset="-122"/>
+            </a:endParaRPr>
+          </a:p>
+          <a:p>
+            <a:pPr indent="0"/>
+            <a:r>
+              <a:rPr lang="en-US" b="0">
+                <a:solidFill>
+                  <a:srgbClr val="000000"/>
+                </a:solidFill>
+                <a:highlight>
+                  <a:srgbClr val="FFFFFF"/>
+                </a:highlight>
+                <a:latin typeface="Consolas" panose="020B0609020204030204" charset="0"/>
+                <a:ea typeface="宋体" panose="02010600030101010101" pitchFamily="2" charset="-122"/>
+              </a:rPr>
+              <a:t>    scanf</a:t>
+            </a:r>
+            <a:r>
+              <a:rPr lang="en-US" b="1">
+                <a:solidFill>
+                  <a:srgbClr val="000080"/>
+                </a:solidFill>
+                <a:highlight>
+                  <a:srgbClr val="FFFFFF"/>
+                </a:highlight>
+                <a:latin typeface="Consolas" panose="020B0609020204030204" charset="0"/>
+                <a:ea typeface="宋体" panose="02010600030101010101" pitchFamily="2" charset="-122"/>
+              </a:rPr>
+              <a:t>(</a:t>
+            </a:r>
+            <a:r>
+              <a:rPr lang="en-US" b="0">
+                <a:solidFill>
+                  <a:srgbClr val="808080"/>
+                </a:solidFill>
+                <a:highlight>
+                  <a:srgbClr val="FFFFFF"/>
+                </a:highlight>
+                <a:latin typeface="Consolas" panose="020B0609020204030204" charset="0"/>
+                <a:ea typeface="宋体" panose="02010600030101010101" pitchFamily="2" charset="-122"/>
+              </a:rPr>
+              <a:t>"%d"</a:t>
+            </a:r>
+            <a:r>
+              <a:rPr lang="en-US" b="1">
+                <a:solidFill>
+                  <a:srgbClr val="000080"/>
+                </a:solidFill>
+                <a:highlight>
+                  <a:srgbClr val="FFFFFF"/>
+                </a:highlight>
+                <a:latin typeface="Consolas" panose="020B0609020204030204" charset="0"/>
+                <a:ea typeface="宋体" panose="02010600030101010101" pitchFamily="2" charset="-122"/>
+              </a:rPr>
+              <a:t>,</a:t>
+            </a:r>
+            <a:r>
+              <a:rPr lang="en-US" b="0">
+                <a:solidFill>
+                  <a:srgbClr val="000000"/>
+                </a:solidFill>
+                <a:highlight>
+                  <a:srgbClr val="FFFFFF"/>
+                </a:highlight>
+                <a:latin typeface="Consolas" panose="020B0609020204030204" charset="0"/>
+                <a:ea typeface="宋体" panose="02010600030101010101" pitchFamily="2" charset="-122"/>
+              </a:rPr>
+              <a:t> </a:t>
+            </a:r>
+            <a:r>
+              <a:rPr lang="en-US" b="1">
+                <a:solidFill>
+                  <a:srgbClr val="000080"/>
+                </a:solidFill>
+                <a:highlight>
+                  <a:srgbClr val="FFFFFF"/>
+                </a:highlight>
+                <a:latin typeface="Consolas" panose="020B0609020204030204" charset="0"/>
+                <a:ea typeface="宋体" panose="02010600030101010101" pitchFamily="2" charset="-122"/>
+              </a:rPr>
+              <a:t>&amp;</a:t>
+            </a:r>
+            <a:r>
+              <a:rPr lang="en-US" b="0">
+                <a:solidFill>
+                  <a:srgbClr val="000000"/>
+                </a:solidFill>
+                <a:highlight>
+                  <a:srgbClr val="FFFFFF"/>
+                </a:highlight>
+                <a:latin typeface="Consolas" panose="020B0609020204030204" charset="0"/>
+                <a:ea typeface="宋体" panose="02010600030101010101" pitchFamily="2" charset="-122"/>
+              </a:rPr>
+              <a:t>age</a:t>
+            </a:r>
+            <a:r>
+              <a:rPr lang="en-US" b="1">
+                <a:solidFill>
+                  <a:srgbClr val="000080"/>
+                </a:solidFill>
+                <a:highlight>
+                  <a:srgbClr val="FFFFFF"/>
+                </a:highlight>
+                <a:latin typeface="Consolas" panose="020B0609020204030204" charset="0"/>
+                <a:ea typeface="宋体" panose="02010600030101010101" pitchFamily="2" charset="-122"/>
+              </a:rPr>
+              <a:t>);</a:t>
+            </a:r>
+            <a:endParaRPr lang="en-US" b="0">
+              <a:solidFill>
+                <a:srgbClr val="000000"/>
+              </a:solidFill>
+              <a:highlight>
+                <a:srgbClr val="FFFFFF"/>
+              </a:highlight>
+              <a:latin typeface="Consolas" panose="020B0609020204030204" charset="0"/>
+              <a:ea typeface="宋体" panose="02010600030101010101" pitchFamily="2" charset="-122"/>
+            </a:endParaRPr>
+          </a:p>
+          <a:p>
+            <a:pPr indent="0"/>
+            <a:r>
+              <a:rPr lang="en-US" b="0">
+                <a:solidFill>
+                  <a:srgbClr val="000000"/>
+                </a:solidFill>
+                <a:highlight>
+                  <a:srgbClr val="FFFFFF"/>
+                </a:highlight>
+                <a:latin typeface="Consolas" panose="020B0609020204030204" charset="0"/>
+                <a:ea typeface="宋体" panose="02010600030101010101" pitchFamily="2" charset="-122"/>
+              </a:rPr>
+              <a:t>    </a:t>
+            </a:r>
+            <a:r>
+              <a:rPr lang="en-US" b="1">
+                <a:solidFill>
+                  <a:srgbClr val="0000FF"/>
+                </a:solidFill>
+                <a:highlight>
+                  <a:srgbClr val="FFFFFF"/>
+                </a:highlight>
+                <a:latin typeface="Consolas" panose="020B0609020204030204" charset="0"/>
+                <a:ea typeface="宋体" panose="02010600030101010101" pitchFamily="2" charset="-122"/>
+              </a:rPr>
+              <a:t>if</a:t>
+            </a:r>
+            <a:r>
+              <a:rPr lang="en-US" b="1">
+                <a:solidFill>
+                  <a:srgbClr val="000080"/>
+                </a:solidFill>
+                <a:highlight>
+                  <a:srgbClr val="FFFFFF"/>
+                </a:highlight>
+                <a:latin typeface="Consolas" panose="020B0609020204030204" charset="0"/>
+                <a:ea typeface="宋体" panose="02010600030101010101" pitchFamily="2" charset="-122"/>
+              </a:rPr>
+              <a:t>(</a:t>
+            </a:r>
+            <a:r>
+              <a:rPr lang="en-US" b="0">
+                <a:solidFill>
+                  <a:srgbClr val="000000"/>
+                </a:solidFill>
+                <a:highlight>
+                  <a:srgbClr val="FFFFFF"/>
+                </a:highlight>
+                <a:latin typeface="Consolas" panose="020B0609020204030204" charset="0"/>
+                <a:ea typeface="宋体" panose="02010600030101010101" pitchFamily="2" charset="-122"/>
+              </a:rPr>
+              <a:t>age </a:t>
+            </a:r>
+            <a:r>
+              <a:rPr lang="en-US" b="1">
+                <a:solidFill>
+                  <a:srgbClr val="000080"/>
+                </a:solidFill>
+                <a:highlight>
+                  <a:srgbClr val="FFFFFF"/>
+                </a:highlight>
+                <a:latin typeface="Consolas" panose="020B0609020204030204" charset="0"/>
+                <a:ea typeface="宋体" panose="02010600030101010101" pitchFamily="2" charset="-122"/>
+              </a:rPr>
+              <a:t>&gt;</a:t>
+            </a:r>
+            <a:r>
+              <a:rPr lang="en-US" b="0">
+                <a:solidFill>
+                  <a:srgbClr val="000000"/>
+                </a:solidFill>
+                <a:highlight>
+                  <a:srgbClr val="FFFFFF"/>
+                </a:highlight>
+                <a:latin typeface="Consolas" panose="020B0609020204030204" charset="0"/>
+                <a:ea typeface="宋体" panose="02010600030101010101" pitchFamily="2" charset="-122"/>
+              </a:rPr>
+              <a:t> </a:t>
+            </a:r>
+            <a:r>
+              <a:rPr lang="en-US" b="0">
+                <a:solidFill>
+                  <a:srgbClr val="FF8000"/>
+                </a:solidFill>
+                <a:highlight>
+                  <a:srgbClr val="FFFFFF"/>
+                </a:highlight>
+                <a:latin typeface="Consolas" panose="020B0609020204030204" charset="0"/>
+                <a:ea typeface="宋体" panose="02010600030101010101" pitchFamily="2" charset="-122"/>
+              </a:rPr>
+              <a:t>0</a:t>
+            </a:r>
+            <a:r>
+              <a:rPr lang="en-US" b="0">
+                <a:solidFill>
+                  <a:srgbClr val="000000"/>
+                </a:solidFill>
+                <a:highlight>
+                  <a:srgbClr val="FFFFFF"/>
+                </a:highlight>
+                <a:latin typeface="Consolas" panose="020B0609020204030204" charset="0"/>
+                <a:ea typeface="宋体" panose="02010600030101010101" pitchFamily="2" charset="-122"/>
+              </a:rPr>
+              <a:t> </a:t>
+            </a:r>
+            <a:r>
+              <a:rPr lang="en-US" b="1">
+                <a:solidFill>
+                  <a:srgbClr val="000080"/>
+                </a:solidFill>
+                <a:highlight>
+                  <a:srgbClr val="FFFFFF"/>
+                </a:highlight>
+                <a:latin typeface="Consolas" panose="020B0609020204030204" charset="0"/>
+                <a:ea typeface="宋体" panose="02010600030101010101" pitchFamily="2" charset="-122"/>
+              </a:rPr>
+              <a:t>&amp;&amp;</a:t>
+            </a:r>
+            <a:r>
+              <a:rPr lang="en-US" b="0">
+                <a:solidFill>
+                  <a:srgbClr val="000000"/>
+                </a:solidFill>
+                <a:highlight>
+                  <a:srgbClr val="FFFFFF"/>
+                </a:highlight>
+                <a:latin typeface="Consolas" panose="020B0609020204030204" charset="0"/>
+                <a:ea typeface="宋体" panose="02010600030101010101" pitchFamily="2" charset="-122"/>
+              </a:rPr>
+              <a:t> age </a:t>
+            </a:r>
+            <a:r>
+              <a:rPr lang="en-US" b="1">
+                <a:solidFill>
+                  <a:srgbClr val="000080"/>
+                </a:solidFill>
+                <a:highlight>
+                  <a:srgbClr val="FFFFFF"/>
+                </a:highlight>
+                <a:latin typeface="Consolas" panose="020B0609020204030204" charset="0"/>
+                <a:ea typeface="宋体" panose="02010600030101010101" pitchFamily="2" charset="-122"/>
+              </a:rPr>
+              <a:t>&lt;</a:t>
+            </a:r>
+            <a:r>
+              <a:rPr lang="en-US" b="0">
+                <a:solidFill>
+                  <a:srgbClr val="000000"/>
+                </a:solidFill>
+                <a:highlight>
+                  <a:srgbClr val="FFFFFF"/>
+                </a:highlight>
+                <a:latin typeface="Consolas" panose="020B0609020204030204" charset="0"/>
+                <a:ea typeface="宋体" panose="02010600030101010101" pitchFamily="2" charset="-122"/>
+              </a:rPr>
+              <a:t> </a:t>
+            </a:r>
+            <a:r>
+              <a:rPr lang="en-US" b="0">
+                <a:solidFill>
+                  <a:srgbClr val="FF8000"/>
+                </a:solidFill>
+                <a:highlight>
+                  <a:srgbClr val="FFFFFF"/>
+                </a:highlight>
+                <a:latin typeface="Consolas" panose="020B0609020204030204" charset="0"/>
+                <a:ea typeface="宋体" panose="02010600030101010101" pitchFamily="2" charset="-122"/>
+              </a:rPr>
+              <a:t>18</a:t>
+            </a:r>
+            <a:r>
+              <a:rPr lang="en-US" b="1">
+                <a:solidFill>
+                  <a:srgbClr val="000080"/>
+                </a:solidFill>
+                <a:highlight>
+                  <a:srgbClr val="FFFFFF"/>
+                </a:highlight>
+                <a:latin typeface="Consolas" panose="020B0609020204030204" charset="0"/>
+                <a:ea typeface="宋体" panose="02010600030101010101" pitchFamily="2" charset="-122"/>
+              </a:rPr>
+              <a:t>)</a:t>
+            </a:r>
+            <a:endParaRPr lang="en-US" b="0">
+              <a:solidFill>
+                <a:srgbClr val="000000"/>
+              </a:solidFill>
+              <a:highlight>
+                <a:srgbClr val="FFFFFF"/>
+              </a:highlight>
+              <a:latin typeface="Consolas" panose="020B0609020204030204" charset="0"/>
+              <a:ea typeface="宋体" panose="02010600030101010101" pitchFamily="2" charset="-122"/>
+            </a:endParaRPr>
+          </a:p>
+          <a:p>
+            <a:pPr indent="0"/>
+            <a:r>
+              <a:rPr lang="en-US" b="0">
+                <a:solidFill>
+                  <a:srgbClr val="000000"/>
+                </a:solidFill>
+                <a:highlight>
+                  <a:srgbClr val="FFFFFF"/>
+                </a:highlight>
+                <a:latin typeface="Consolas" panose="020B0609020204030204" charset="0"/>
+                <a:ea typeface="宋体" panose="02010600030101010101" pitchFamily="2" charset="-122"/>
+              </a:rPr>
+              <a:t>    </a:t>
+            </a:r>
+            <a:r>
+              <a:rPr lang="en-US" b="1">
+                <a:solidFill>
+                  <a:srgbClr val="000080"/>
+                </a:solidFill>
+                <a:highlight>
+                  <a:srgbClr val="FFFFFF"/>
+                </a:highlight>
+                <a:latin typeface="Consolas" panose="020B0609020204030204" charset="0"/>
+                <a:ea typeface="宋体" panose="02010600030101010101" pitchFamily="2" charset="-122"/>
+              </a:rPr>
+              <a:t>{</a:t>
+            </a:r>
+            <a:endParaRPr lang="en-US" b="0">
+              <a:solidFill>
+                <a:srgbClr val="000000"/>
+              </a:solidFill>
+              <a:highlight>
+                <a:srgbClr val="FFFFFF"/>
+              </a:highlight>
+              <a:latin typeface="Consolas" panose="020B0609020204030204" charset="0"/>
+              <a:ea typeface="宋体" panose="02010600030101010101" pitchFamily="2" charset="-122"/>
+            </a:endParaRPr>
+          </a:p>
+          <a:p>
+            <a:pPr indent="0"/>
+            <a:r>
+              <a:rPr lang="en-US" b="0">
+                <a:solidFill>
+                  <a:srgbClr val="000000"/>
+                </a:solidFill>
+                <a:highlight>
+                  <a:srgbClr val="FFFFFF"/>
+                </a:highlight>
+                <a:latin typeface="Consolas" panose="020B0609020204030204" charset="0"/>
+                <a:ea typeface="宋体" panose="02010600030101010101" pitchFamily="2" charset="-122"/>
+              </a:rPr>
+              <a:t>        printf</a:t>
+            </a:r>
+            <a:r>
+              <a:rPr lang="en-US" b="1">
+                <a:solidFill>
+                  <a:srgbClr val="000080"/>
+                </a:solidFill>
+                <a:highlight>
+                  <a:srgbClr val="FFFFFF"/>
+                </a:highlight>
+                <a:latin typeface="Consolas" panose="020B0609020204030204" charset="0"/>
+                <a:ea typeface="宋体" panose="02010600030101010101" pitchFamily="2" charset="-122"/>
+              </a:rPr>
+              <a:t>(</a:t>
+            </a:r>
+            <a:r>
+              <a:rPr lang="en-US" b="0">
+                <a:solidFill>
+                  <a:srgbClr val="808080"/>
+                </a:solidFill>
+                <a:highlight>
+                  <a:srgbClr val="FFFFFF"/>
+                </a:highlight>
+                <a:latin typeface="Consolas" panose="020B0609020204030204" charset="0"/>
+                <a:ea typeface="宋体" panose="02010600030101010101" pitchFamily="2" charset="-122"/>
+              </a:rPr>
+              <a:t>"Minor\n"</a:t>
+            </a:r>
+            <a:r>
+              <a:rPr lang="en-US" b="1">
+                <a:solidFill>
+                  <a:srgbClr val="000080"/>
+                </a:solidFill>
+                <a:highlight>
+                  <a:srgbClr val="FFFFFF"/>
+                </a:highlight>
+                <a:latin typeface="Consolas" panose="020B0609020204030204" charset="0"/>
+                <a:ea typeface="宋体" panose="02010600030101010101" pitchFamily="2" charset="-122"/>
+              </a:rPr>
+              <a:t>);</a:t>
+            </a:r>
+            <a:endParaRPr lang="en-US" b="0">
+              <a:solidFill>
+                <a:srgbClr val="000000"/>
+              </a:solidFill>
+              <a:highlight>
+                <a:srgbClr val="FFFFFF"/>
+              </a:highlight>
+              <a:latin typeface="Consolas" panose="020B0609020204030204" charset="0"/>
+              <a:ea typeface="宋体" panose="02010600030101010101" pitchFamily="2" charset="-122"/>
+            </a:endParaRPr>
+          </a:p>
+          <a:p>
+            <a:pPr indent="0"/>
+            <a:r>
+              <a:rPr lang="en-US" b="0">
+                <a:solidFill>
+                  <a:srgbClr val="000000"/>
+                </a:solidFill>
+                <a:highlight>
+                  <a:srgbClr val="FFFFFF"/>
+                </a:highlight>
+                <a:latin typeface="Consolas" panose="020B0609020204030204" charset="0"/>
+                <a:ea typeface="宋体" panose="02010600030101010101" pitchFamily="2" charset="-122"/>
+              </a:rPr>
+              <a:t>    </a:t>
+            </a:r>
+            <a:r>
+              <a:rPr lang="en-US" b="1">
+                <a:solidFill>
+                  <a:srgbClr val="000080"/>
+                </a:solidFill>
+                <a:highlight>
+                  <a:srgbClr val="FFFFFF"/>
+                </a:highlight>
+                <a:latin typeface="Consolas" panose="020B0609020204030204" charset="0"/>
+                <a:ea typeface="宋体" panose="02010600030101010101" pitchFamily="2" charset="-122"/>
+              </a:rPr>
+              <a:t>}</a:t>
+            </a:r>
+            <a:endParaRPr lang="en-US" b="0">
+              <a:solidFill>
+                <a:srgbClr val="000000"/>
+              </a:solidFill>
+              <a:highlight>
+                <a:srgbClr val="FFFFFF"/>
+              </a:highlight>
+              <a:latin typeface="Consolas" panose="020B0609020204030204" charset="0"/>
+              <a:ea typeface="宋体" panose="02010600030101010101" pitchFamily="2" charset="-122"/>
+            </a:endParaRPr>
+          </a:p>
+          <a:p>
+            <a:pPr indent="0"/>
+            <a:r>
+              <a:rPr lang="en-US" b="0">
+                <a:solidFill>
+                  <a:srgbClr val="000000"/>
+                </a:solidFill>
+                <a:highlight>
+                  <a:srgbClr val="FFFFFF"/>
+                </a:highlight>
+                <a:latin typeface="Consolas" panose="020B0609020204030204" charset="0"/>
+                <a:ea typeface="宋体" panose="02010600030101010101" pitchFamily="2" charset="-122"/>
+              </a:rPr>
+              <a:t>    </a:t>
+            </a:r>
+            <a:r>
+              <a:rPr lang="en-US" b="1">
+                <a:solidFill>
+                  <a:srgbClr val="0000FF"/>
+                </a:solidFill>
+                <a:highlight>
+                  <a:srgbClr val="FFFFFF"/>
+                </a:highlight>
+                <a:latin typeface="Consolas" panose="020B0609020204030204" charset="0"/>
+                <a:ea typeface="宋体" panose="02010600030101010101" pitchFamily="2" charset="-122"/>
+              </a:rPr>
+              <a:t>return</a:t>
+            </a:r>
+            <a:r>
+              <a:rPr lang="en-US" b="0">
+                <a:solidFill>
+                  <a:srgbClr val="000000"/>
+                </a:solidFill>
+                <a:highlight>
+                  <a:srgbClr val="FFFFFF"/>
+                </a:highlight>
+                <a:latin typeface="Consolas" panose="020B0609020204030204" charset="0"/>
+                <a:ea typeface="宋体" panose="02010600030101010101" pitchFamily="2" charset="-122"/>
+              </a:rPr>
+              <a:t> </a:t>
+            </a:r>
+            <a:r>
+              <a:rPr lang="en-US" b="0">
+                <a:solidFill>
+                  <a:srgbClr val="FF8000"/>
+                </a:solidFill>
+                <a:highlight>
+                  <a:srgbClr val="FFFFFF"/>
+                </a:highlight>
+                <a:latin typeface="Consolas" panose="020B0609020204030204" charset="0"/>
+                <a:ea typeface="宋体" panose="02010600030101010101" pitchFamily="2" charset="-122"/>
+              </a:rPr>
+              <a:t>0</a:t>
+            </a:r>
+            <a:r>
+              <a:rPr lang="en-US" b="1">
+                <a:solidFill>
+                  <a:srgbClr val="000080"/>
+                </a:solidFill>
+                <a:highlight>
+                  <a:srgbClr val="FFFFFF"/>
+                </a:highlight>
+                <a:latin typeface="Consolas" panose="020B0609020204030204" charset="0"/>
+                <a:ea typeface="宋体" panose="02010600030101010101" pitchFamily="2" charset="-122"/>
+              </a:rPr>
+              <a:t>;</a:t>
+            </a:r>
+          </a:p>
+          <a:p>
+            <a:pPr indent="0"/>
+            <a:r>
+              <a:rPr lang="en-US" b="1">
+                <a:solidFill>
+                  <a:srgbClr val="000080"/>
+                </a:solidFill>
+                <a:highlight>
+                  <a:srgbClr val="FFFFFF"/>
+                </a:highlight>
+                <a:latin typeface="Consolas" panose="020B0609020204030204" charset="0"/>
+                <a:ea typeface="宋体" panose="02010600030101010101" pitchFamily="2" charset="-122"/>
+              </a:rPr>
+              <a:t>}</a:t>
+            </a:r>
+            <a:endParaRPr lang="en-US" altLang="en-US" b="1">
+              <a:solidFill>
+                <a:srgbClr val="000080"/>
+              </a:solidFill>
+              <a:highlight>
+                <a:srgbClr val="FFFFFF"/>
+              </a:highlight>
+              <a:latin typeface="Consolas" panose="020B0609020204030204" charset="0"/>
+              <a:ea typeface="宋体" panose="02010600030101010101" pitchFamily="2" charset="-122"/>
+            </a:endParaRPr>
+          </a:p>
+        </p:txBody>
+      </p:sp>
+      <p:graphicFrame>
+        <p:nvGraphicFramePr>
+          <p:cNvPr id="8" name="表格 7"/>
+          <p:cNvGraphicFramePr/>
+          <p:nvPr>
+            <p:custDataLst>
+              <p:tags r:id="rId4"/>
+            </p:custDataLst>
+            <p:extLst>
+              <p:ext uri="{D42A27DB-BD31-4B8C-83A1-F6EECF244321}">
+                <p14:modId xmlns:p14="http://schemas.microsoft.com/office/powerpoint/2010/main" val="1493865918"/>
+              </p:ext>
+            </p:extLst>
+          </p:nvPr>
+        </p:nvGraphicFramePr>
+        <p:xfrm>
+          <a:off x="5326082" y="4965250"/>
+          <a:ext cx="2773045" cy="640080"/>
+        </p:xfrm>
+        <a:graphic>
+          <a:graphicData uri="http://schemas.openxmlformats.org/drawingml/2006/table">
+            <a:tbl>
+              <a:tblPr firstRow="1" bandRow="1">
+                <a:tableStyleId>{5C22544A-7EE6-4342-B048-85BDC9FD1C3A}</a:tableStyleId>
+              </a:tblPr>
+              <a:tblGrid>
+                <a:gridCol w="2773045">
+                  <a:extLst>
+                    <a:ext uri="{9D8B030D-6E8A-4147-A177-3AD203B41FA5}">
+                      <a16:colId xmlns:a16="http://schemas.microsoft.com/office/drawing/2014/main" val="20000"/>
+                    </a:ext>
+                  </a:extLst>
+                </a:gridCol>
+              </a:tblGrid>
+              <a:tr h="640080">
+                <a:tc>
+                  <a:txBody>
+                    <a:bodyPr/>
+                    <a:lstStyle/>
+                    <a:p>
+                      <a:pPr>
+                        <a:buNone/>
+                      </a:pPr>
+                      <a:r>
+                        <a:rPr lang="zh-CN" altLang="en-US" sz="1800" b="0">
+                          <a:solidFill>
+                            <a:schemeClr val="tx1"/>
+                          </a:solidFill>
+                          <a:latin typeface="Consolas" panose="020B0609020204030204" charset="0"/>
+                          <a:cs typeface="Consolas" panose="020B0609020204030204" charset="0"/>
+                          <a:sym typeface="+mn-ea"/>
+                        </a:rPr>
+                        <a:t>Enter your age: 17</a:t>
+                      </a:r>
+                    </a:p>
+                    <a:p>
+                      <a:pPr>
+                        <a:buNone/>
+                      </a:pPr>
+                      <a:r>
+                        <a:rPr lang="zh-CN" altLang="en-US" sz="1800" b="0">
+                          <a:solidFill>
+                            <a:schemeClr val="tx1"/>
+                          </a:solidFill>
+                          <a:latin typeface="Consolas" panose="020B0609020204030204" charset="0"/>
+                          <a:cs typeface="Consolas" panose="020B0609020204030204" charset="0"/>
+                          <a:sym typeface="+mn-ea"/>
+                        </a:rPr>
+                        <a:t>Minor</a:t>
+                      </a:r>
+                    </a:p>
+                  </a:txBody>
+                  <a:tcPr>
+                    <a:solidFill>
+                      <a:schemeClr val="accent6">
+                        <a:lumMod val="20000"/>
+                        <a:lumOff val="80000"/>
+                      </a:schemeClr>
+                    </a:solidFill>
+                  </a:tcPr>
+                </a:tc>
+                <a:extLst>
+                  <a:ext uri="{0D108BD9-81ED-4DB2-BD59-A6C34878D82A}">
+                    <a16:rowId xmlns:a16="http://schemas.microsoft.com/office/drawing/2014/main" val="10000"/>
+                  </a:ext>
+                </a:extLst>
+              </a:tr>
+            </a:tbl>
+          </a:graphicData>
+        </a:graphic>
+      </p:graphicFrame>
+    </p:spTree>
+    <p:custDataLst>
+      <p:tags r:id="rId1"/>
+    </p:custDataLst>
+  </p:cSld>
+  <p:clrMapOvr>
+    <a:masterClrMapping/>
+  </p:clrMapOvr>
+</p:sld>
+</file>
+
 <file path=ppt/tags/tag1.xml><?xml version="1.0" encoding="utf-8"?>
 <p:tagLst xmlns:a="http://schemas.openxmlformats.org/drawingml/2006/main" xmlns:r="http://schemas.openxmlformats.org/officeDocument/2006/relationships" xmlns:p="http://schemas.openxmlformats.org/presentationml/2006/main">
   <p:tag name="COMMONDATA" val="eyJoZGlkIjoiZWVjNTQyYWQ1MGI1NzQwNTgzMjZhMzNhMzAyOTZlNDIifQ=="/>
@@ -29548,6 +29450,294 @@
 
 <file path=ppt/tags/tag240.xml><?xml version="1.0" encoding="utf-8"?>
 <p:tagLst xmlns:a="http://schemas.openxmlformats.org/drawingml/2006/main" xmlns:r="http://schemas.openxmlformats.org/officeDocument/2006/relationships" xmlns:p="http://schemas.openxmlformats.org/presentationml/2006/main">
+  <p:tag name="KSO_WM_SLIDE_ID" val="custom20202582_13"/>
+  <p:tag name="KSO_WM_TEMPLATE_SUBCATEGORY" val="0"/>
+  <p:tag name="KSO_WM_TEMPLATE_MASTER_TYPE" val="1"/>
+  <p:tag name="KSO_WM_TEMPLATE_COLOR_TYPE" val="1"/>
+  <p:tag name="KSO_WM_SLIDE_TYPE" val="text"/>
+  <p:tag name="KSO_WM_SLIDE_SUBTYPE" val="picTxt"/>
+  <p:tag name="KSO_WM_SLIDE_ITEM_CNT" val="0"/>
+  <p:tag name="KSO_WM_SLIDE_INDEX" val="13"/>
+  <p:tag name="KSO_WM_SLIDE_SIZE" val="869*422"/>
+  <p:tag name="KSO_WM_SLIDE_POSITION" val="45*18"/>
+  <p:tag name="KSO_WM_TAG_VERSION" val="1.0"/>
+  <p:tag name="KSO_WM_BEAUTIFY_FLAG" val="#wm#"/>
+  <p:tag name="KSO_WM_TEMPLATE_CATEGORY" val="custom"/>
+  <p:tag name="KSO_WM_TEMPLATE_INDEX" val="20202582"/>
+  <p:tag name="KSO_WM_SLIDE_LAYOUT" val="a_d_f"/>
+  <p:tag name="KSO_WM_SLIDE_LAYOUT_CNT" val="1_2_2"/>
+</p:tagLst>
+</file>
+
+<file path=ppt/tags/tag241.xml><?xml version="1.0" encoding="utf-8"?>
+<p:tagLst xmlns:a="http://schemas.openxmlformats.org/drawingml/2006/main" xmlns:r="http://schemas.openxmlformats.org/officeDocument/2006/relationships" xmlns:p="http://schemas.openxmlformats.org/presentationml/2006/main">
+  <p:tag name="KSO_WM_UNIT_ISCONTENTSTITLE" val="0"/>
+  <p:tag name="KSO_WM_UNIT_PRESET_TEXT" val="单击此处添加标题"/>
+  <p:tag name="KSO_WM_UNIT_NOCLEAR" val="0"/>
+  <p:tag name="KSO_WM_UNIT_VALUE" val="42"/>
+  <p:tag name="KSO_WM_UNIT_HIGHLIGHT" val="0"/>
+  <p:tag name="KSO_WM_UNIT_COMPATIBLE" val="0"/>
+  <p:tag name="KSO_WM_UNIT_DIAGRAM_ISNUMVISUAL" val="0"/>
+  <p:tag name="KSO_WM_UNIT_DIAGRAM_ISREFERUNIT" val="0"/>
+  <p:tag name="KSO_WM_UNIT_TYPE" val="a"/>
+  <p:tag name="KSO_WM_UNIT_INDEX" val="1"/>
+  <p:tag name="KSO_WM_UNIT_ID" val="custom20202582_13*a*1"/>
+  <p:tag name="KSO_WM_TEMPLATE_CATEGORY" val="custom"/>
+  <p:tag name="KSO_WM_TEMPLATE_INDEX" val="20202582"/>
+  <p:tag name="KSO_WM_UNIT_LAYERLEVEL" val="1"/>
+  <p:tag name="KSO_WM_TAG_VERSION" val="1.0"/>
+  <p:tag name="KSO_WM_BEAUTIFY_FLAG" val="#wm#"/>
+  <p:tag name="KSO_WM_UNIT_ISNUMDGMTITLE" val="0"/>
+</p:tagLst>
+</file>
+
+<file path=ppt/tags/tag242.xml><?xml version="1.0" encoding="utf-8"?>
+<p:tagLst xmlns:a="http://schemas.openxmlformats.org/drawingml/2006/main" xmlns:r="http://schemas.openxmlformats.org/officeDocument/2006/relationships" xmlns:p="http://schemas.openxmlformats.org/presentationml/2006/main">
+  <p:tag name="KSO_WM_UNIT_PRESET_TEXT" val="单击此处添加文本具体内容，简明扼要的阐述您的观点。"/>
+  <p:tag name="KSO_WM_UNIT_NOCLEAR" val="0"/>
+  <p:tag name="KSO_WM_UNIT_VALUE" val="50"/>
+  <p:tag name="KSO_WM_UNIT_HIGHLIGHT" val="0"/>
+  <p:tag name="KSO_WM_UNIT_COMPATIBLE" val="0"/>
+  <p:tag name="KSO_WM_UNIT_DIAGRAM_ISNUMVISUAL" val="0"/>
+  <p:tag name="KSO_WM_UNIT_DIAGRAM_ISREFERUNIT" val="0"/>
+  <p:tag name="KSO_WM_UNIT_TYPE" val="f"/>
+  <p:tag name="KSO_WM_UNIT_INDEX" val="2"/>
+  <p:tag name="KSO_WM_UNIT_ID" val="custom20202582_13*f*2"/>
+  <p:tag name="KSO_WM_TEMPLATE_CATEGORY" val="custom"/>
+  <p:tag name="KSO_WM_TEMPLATE_INDEX" val="20202582"/>
+  <p:tag name="KSO_WM_UNIT_LAYERLEVEL" val="1"/>
+  <p:tag name="KSO_WM_TAG_VERSION" val="1.0"/>
+  <p:tag name="KSO_WM_BEAUTIFY_FLAG" val="#wm#"/>
+  <p:tag name="KSO_WM_UNIT_SUBTYPE" val="a"/>
+</p:tagLst>
+</file>
+
+<file path=ppt/tags/tag243.xml><?xml version="1.0" encoding="utf-8"?>
+<p:tagLst xmlns:a="http://schemas.openxmlformats.org/drawingml/2006/main" xmlns:r="http://schemas.openxmlformats.org/officeDocument/2006/relationships" xmlns:p="http://schemas.openxmlformats.org/presentationml/2006/main">
+  <p:tag name="KSO_WM_SLIDE_ID" val="custom20202582_13"/>
+  <p:tag name="KSO_WM_TEMPLATE_SUBCATEGORY" val="0"/>
+  <p:tag name="KSO_WM_TEMPLATE_MASTER_TYPE" val="1"/>
+  <p:tag name="KSO_WM_TEMPLATE_COLOR_TYPE" val="1"/>
+  <p:tag name="KSO_WM_SLIDE_TYPE" val="text"/>
+  <p:tag name="KSO_WM_SLIDE_SUBTYPE" val="picTxt"/>
+  <p:tag name="KSO_WM_SLIDE_ITEM_CNT" val="0"/>
+  <p:tag name="KSO_WM_SLIDE_INDEX" val="13"/>
+  <p:tag name="KSO_WM_SLIDE_SIZE" val="869*422"/>
+  <p:tag name="KSO_WM_SLIDE_POSITION" val="45*18"/>
+  <p:tag name="KSO_WM_TAG_VERSION" val="1.0"/>
+  <p:tag name="KSO_WM_BEAUTIFY_FLAG" val="#wm#"/>
+  <p:tag name="KSO_WM_TEMPLATE_CATEGORY" val="custom"/>
+  <p:tag name="KSO_WM_TEMPLATE_INDEX" val="20202582"/>
+  <p:tag name="KSO_WM_SLIDE_LAYOUT" val="a_d_f"/>
+  <p:tag name="KSO_WM_SLIDE_LAYOUT_CNT" val="1_2_2"/>
+</p:tagLst>
+</file>
+
+<file path=ppt/tags/tag244.xml><?xml version="1.0" encoding="utf-8"?>
+<p:tagLst xmlns:a="http://schemas.openxmlformats.org/drawingml/2006/main" xmlns:r="http://schemas.openxmlformats.org/officeDocument/2006/relationships" xmlns:p="http://schemas.openxmlformats.org/presentationml/2006/main">
+  <p:tag name="KSO_WM_UNIT_ISCONTENTSTITLE" val="0"/>
+  <p:tag name="KSO_WM_UNIT_PRESET_TEXT" val="单击此处添加标题"/>
+  <p:tag name="KSO_WM_UNIT_NOCLEAR" val="0"/>
+  <p:tag name="KSO_WM_UNIT_VALUE" val="42"/>
+  <p:tag name="KSO_WM_UNIT_HIGHLIGHT" val="0"/>
+  <p:tag name="KSO_WM_UNIT_COMPATIBLE" val="0"/>
+  <p:tag name="KSO_WM_UNIT_DIAGRAM_ISNUMVISUAL" val="0"/>
+  <p:tag name="KSO_WM_UNIT_DIAGRAM_ISREFERUNIT" val="0"/>
+  <p:tag name="KSO_WM_UNIT_TYPE" val="a"/>
+  <p:tag name="KSO_WM_UNIT_INDEX" val="1"/>
+  <p:tag name="KSO_WM_UNIT_ID" val="custom20202582_13*a*1"/>
+  <p:tag name="KSO_WM_TEMPLATE_CATEGORY" val="custom"/>
+  <p:tag name="KSO_WM_TEMPLATE_INDEX" val="20202582"/>
+  <p:tag name="KSO_WM_UNIT_LAYERLEVEL" val="1"/>
+  <p:tag name="KSO_WM_TAG_VERSION" val="1.0"/>
+  <p:tag name="KSO_WM_BEAUTIFY_FLAG" val="#wm#"/>
+  <p:tag name="KSO_WM_UNIT_ISNUMDGMTITLE" val="0"/>
+</p:tagLst>
+</file>
+
+<file path=ppt/tags/tag245.xml><?xml version="1.0" encoding="utf-8"?>
+<p:tagLst xmlns:a="http://schemas.openxmlformats.org/drawingml/2006/main" xmlns:r="http://schemas.openxmlformats.org/officeDocument/2006/relationships" xmlns:p="http://schemas.openxmlformats.org/presentationml/2006/main">
+  <p:tag name="KSO_WM_UNIT_PRESET_TEXT" val="单击此处添加文本具体内容，简明扼要的阐述您的观点。"/>
+  <p:tag name="KSO_WM_UNIT_NOCLEAR" val="0"/>
+  <p:tag name="KSO_WM_UNIT_VALUE" val="50"/>
+  <p:tag name="KSO_WM_UNIT_HIGHLIGHT" val="0"/>
+  <p:tag name="KSO_WM_UNIT_COMPATIBLE" val="0"/>
+  <p:tag name="KSO_WM_UNIT_DIAGRAM_ISNUMVISUAL" val="0"/>
+  <p:tag name="KSO_WM_UNIT_DIAGRAM_ISREFERUNIT" val="0"/>
+  <p:tag name="KSO_WM_UNIT_TYPE" val="f"/>
+  <p:tag name="KSO_WM_UNIT_INDEX" val="2"/>
+  <p:tag name="KSO_WM_UNIT_ID" val="custom20202582_13*f*2"/>
+  <p:tag name="KSO_WM_TEMPLATE_CATEGORY" val="custom"/>
+  <p:tag name="KSO_WM_TEMPLATE_INDEX" val="20202582"/>
+  <p:tag name="KSO_WM_UNIT_LAYERLEVEL" val="1"/>
+  <p:tag name="KSO_WM_TAG_VERSION" val="1.0"/>
+  <p:tag name="KSO_WM_BEAUTIFY_FLAG" val="#wm#"/>
+  <p:tag name="KSO_WM_UNIT_SUBTYPE" val="a"/>
+</p:tagLst>
+</file>
+
+<file path=ppt/tags/tag246.xml><?xml version="1.0" encoding="utf-8"?>
+<p:tagLst xmlns:a="http://schemas.openxmlformats.org/drawingml/2006/main" xmlns:r="http://schemas.openxmlformats.org/officeDocument/2006/relationships" xmlns:p="http://schemas.openxmlformats.org/presentationml/2006/main">
+  <p:tag name="KSO_WM_UNIT_TABLE_BEAUTIFY" val="smartTable{989ffd8e-4447-43c2-8fe8-fbb180264c20}"/>
+</p:tagLst>
+</file>
+
+<file path=ppt/tags/tag247.xml><?xml version="1.0" encoding="utf-8"?>
+<p:tagLst xmlns:a="http://schemas.openxmlformats.org/drawingml/2006/main" xmlns:r="http://schemas.openxmlformats.org/officeDocument/2006/relationships" xmlns:p="http://schemas.openxmlformats.org/presentationml/2006/main">
+  <p:tag name="KSO_WM_SLIDE_ID" val="custom20202582_13"/>
+  <p:tag name="KSO_WM_TEMPLATE_SUBCATEGORY" val="0"/>
+  <p:tag name="KSO_WM_TEMPLATE_MASTER_TYPE" val="1"/>
+  <p:tag name="KSO_WM_TEMPLATE_COLOR_TYPE" val="1"/>
+  <p:tag name="KSO_WM_SLIDE_TYPE" val="text"/>
+  <p:tag name="KSO_WM_SLIDE_SUBTYPE" val="picTxt"/>
+  <p:tag name="KSO_WM_SLIDE_ITEM_CNT" val="0"/>
+  <p:tag name="KSO_WM_SLIDE_INDEX" val="13"/>
+  <p:tag name="KSO_WM_SLIDE_SIZE" val="869*422"/>
+  <p:tag name="KSO_WM_SLIDE_POSITION" val="45*18"/>
+  <p:tag name="KSO_WM_TAG_VERSION" val="1.0"/>
+  <p:tag name="KSO_WM_BEAUTIFY_FLAG" val="#wm#"/>
+  <p:tag name="KSO_WM_TEMPLATE_CATEGORY" val="custom"/>
+  <p:tag name="KSO_WM_TEMPLATE_INDEX" val="20202582"/>
+  <p:tag name="KSO_WM_SLIDE_LAYOUT" val="a_d_f"/>
+  <p:tag name="KSO_WM_SLIDE_LAYOUT_CNT" val="1_2_2"/>
+</p:tagLst>
+</file>
+
+<file path=ppt/tags/tag248.xml><?xml version="1.0" encoding="utf-8"?>
+<p:tagLst xmlns:a="http://schemas.openxmlformats.org/drawingml/2006/main" xmlns:r="http://schemas.openxmlformats.org/officeDocument/2006/relationships" xmlns:p="http://schemas.openxmlformats.org/presentationml/2006/main">
+  <p:tag name="KSO_WM_UNIT_ISCONTENTSTITLE" val="0"/>
+  <p:tag name="KSO_WM_UNIT_PRESET_TEXT" val="单击此处添加标题"/>
+  <p:tag name="KSO_WM_UNIT_NOCLEAR" val="0"/>
+  <p:tag name="KSO_WM_UNIT_VALUE" val="42"/>
+  <p:tag name="KSO_WM_UNIT_HIGHLIGHT" val="0"/>
+  <p:tag name="KSO_WM_UNIT_COMPATIBLE" val="0"/>
+  <p:tag name="KSO_WM_UNIT_DIAGRAM_ISNUMVISUAL" val="0"/>
+  <p:tag name="KSO_WM_UNIT_DIAGRAM_ISREFERUNIT" val="0"/>
+  <p:tag name="KSO_WM_UNIT_TYPE" val="a"/>
+  <p:tag name="KSO_WM_UNIT_INDEX" val="1"/>
+  <p:tag name="KSO_WM_UNIT_ID" val="custom20202582_13*a*1"/>
+  <p:tag name="KSO_WM_TEMPLATE_CATEGORY" val="custom"/>
+  <p:tag name="KSO_WM_TEMPLATE_INDEX" val="20202582"/>
+  <p:tag name="KSO_WM_UNIT_LAYERLEVEL" val="1"/>
+  <p:tag name="KSO_WM_TAG_VERSION" val="1.0"/>
+  <p:tag name="KSO_WM_BEAUTIFY_FLAG" val="#wm#"/>
+  <p:tag name="KSO_WM_UNIT_ISNUMDGMTITLE" val="0"/>
+</p:tagLst>
+</file>
+
+<file path=ppt/tags/tag249.xml><?xml version="1.0" encoding="utf-8"?>
+<p:tagLst xmlns:a="http://schemas.openxmlformats.org/drawingml/2006/main" xmlns:r="http://schemas.openxmlformats.org/officeDocument/2006/relationships" xmlns:p="http://schemas.openxmlformats.org/presentationml/2006/main">
+  <p:tag name="KSO_WM_UNIT_PRESET_TEXT" val="单击此处添加文本具体内容，简明扼要的阐述您的观点。"/>
+  <p:tag name="KSO_WM_UNIT_NOCLEAR" val="0"/>
+  <p:tag name="KSO_WM_UNIT_VALUE" val="50"/>
+  <p:tag name="KSO_WM_UNIT_HIGHLIGHT" val="0"/>
+  <p:tag name="KSO_WM_UNIT_COMPATIBLE" val="0"/>
+  <p:tag name="KSO_WM_UNIT_DIAGRAM_ISNUMVISUAL" val="0"/>
+  <p:tag name="KSO_WM_UNIT_DIAGRAM_ISREFERUNIT" val="0"/>
+  <p:tag name="KSO_WM_UNIT_TYPE" val="f"/>
+  <p:tag name="KSO_WM_UNIT_INDEX" val="2"/>
+  <p:tag name="KSO_WM_UNIT_ID" val="custom20202582_13*f*2"/>
+  <p:tag name="KSO_WM_TEMPLATE_CATEGORY" val="custom"/>
+  <p:tag name="KSO_WM_TEMPLATE_INDEX" val="20202582"/>
+  <p:tag name="KSO_WM_UNIT_LAYERLEVEL" val="1"/>
+  <p:tag name="KSO_WM_TAG_VERSION" val="1.0"/>
+  <p:tag name="KSO_WM_BEAUTIFY_FLAG" val="#wm#"/>
+  <p:tag name="KSO_WM_UNIT_SUBTYPE" val="a"/>
+</p:tagLst>
+</file>
+
+<file path=ppt/tags/tag25.xml><?xml version="1.0" encoding="utf-8"?>
+<p:tagLst xmlns:a="http://schemas.openxmlformats.org/drawingml/2006/main" xmlns:r="http://schemas.openxmlformats.org/officeDocument/2006/relationships" xmlns:p="http://schemas.openxmlformats.org/presentationml/2006/main">
+  <p:tag name="KSO_WM_UNIT_HIGHLIGHT" val="0"/>
+  <p:tag name="KSO_WM_UNIT_COMPATIBLE" val="0"/>
+  <p:tag name="KSO_WM_UNIT_DIAGRAM_ISNUMVISUAL" val="0"/>
+  <p:tag name="KSO_WM_UNIT_DIAGRAM_ISREFERUNIT" val="0"/>
+  <p:tag name="KSO_WM_UNIT_ID" val="_1**"/>
+  <p:tag name="KSO_WM_UNIT_LAYERLEVEL" val="1"/>
+  <p:tag name="KSO_WM_TAG_VERSION" val="1.0"/>
+  <p:tag name="KSO_WM_BEAUTIFY_FLAG" val="#wm#"/>
+  <p:tag name="KSO_WM_SLIDE_BACKGROUND_MASK_FLAG" val="1"/>
+</p:tagLst>
+</file>
+
+<file path=ppt/tags/tag250.xml><?xml version="1.0" encoding="utf-8"?>
+<p:tagLst xmlns:a="http://schemas.openxmlformats.org/drawingml/2006/main" xmlns:r="http://schemas.openxmlformats.org/officeDocument/2006/relationships" xmlns:p="http://schemas.openxmlformats.org/presentationml/2006/main">
+  <p:tag name="KSO_WM_UNIT_TABLE_BEAUTIFY" val="smartTable{989ffd8e-4447-43c2-8fe8-fbb180264c20}"/>
+</p:tagLst>
+</file>
+
+<file path=ppt/tags/tag251.xml><?xml version="1.0" encoding="utf-8"?>
+<p:tagLst xmlns:a="http://schemas.openxmlformats.org/drawingml/2006/main" xmlns:r="http://schemas.openxmlformats.org/officeDocument/2006/relationships" xmlns:p="http://schemas.openxmlformats.org/presentationml/2006/main">
+  <p:tag name="KSO_WM_SLIDE_ID" val="custom20202582_13"/>
+  <p:tag name="KSO_WM_TEMPLATE_SUBCATEGORY" val="0"/>
+  <p:tag name="KSO_WM_TEMPLATE_MASTER_TYPE" val="1"/>
+  <p:tag name="KSO_WM_TEMPLATE_COLOR_TYPE" val="1"/>
+  <p:tag name="KSO_WM_SLIDE_TYPE" val="text"/>
+  <p:tag name="KSO_WM_SLIDE_SUBTYPE" val="picTxt"/>
+  <p:tag name="KSO_WM_SLIDE_ITEM_CNT" val="0"/>
+  <p:tag name="KSO_WM_SLIDE_INDEX" val="13"/>
+  <p:tag name="KSO_WM_SLIDE_SIZE" val="869*422"/>
+  <p:tag name="KSO_WM_SLIDE_POSITION" val="45*18"/>
+  <p:tag name="KSO_WM_TAG_VERSION" val="1.0"/>
+  <p:tag name="KSO_WM_BEAUTIFY_FLAG" val="#wm#"/>
+  <p:tag name="KSO_WM_TEMPLATE_CATEGORY" val="custom"/>
+  <p:tag name="KSO_WM_TEMPLATE_INDEX" val="20202582"/>
+  <p:tag name="KSO_WM_SLIDE_LAYOUT" val="a_d_f"/>
+  <p:tag name="KSO_WM_SLIDE_LAYOUT_CNT" val="1_2_2"/>
+</p:tagLst>
+</file>
+
+<file path=ppt/tags/tag252.xml><?xml version="1.0" encoding="utf-8"?>
+<p:tagLst xmlns:a="http://schemas.openxmlformats.org/drawingml/2006/main" xmlns:r="http://schemas.openxmlformats.org/officeDocument/2006/relationships" xmlns:p="http://schemas.openxmlformats.org/presentationml/2006/main">
+  <p:tag name="KSO_WM_UNIT_ISCONTENTSTITLE" val="0"/>
+  <p:tag name="KSO_WM_UNIT_PRESET_TEXT" val="单击此处添加标题"/>
+  <p:tag name="KSO_WM_UNIT_NOCLEAR" val="0"/>
+  <p:tag name="KSO_WM_UNIT_VALUE" val="42"/>
+  <p:tag name="KSO_WM_UNIT_HIGHLIGHT" val="0"/>
+  <p:tag name="KSO_WM_UNIT_COMPATIBLE" val="0"/>
+  <p:tag name="KSO_WM_UNIT_DIAGRAM_ISNUMVISUAL" val="0"/>
+  <p:tag name="KSO_WM_UNIT_DIAGRAM_ISREFERUNIT" val="0"/>
+  <p:tag name="KSO_WM_UNIT_TYPE" val="a"/>
+  <p:tag name="KSO_WM_UNIT_INDEX" val="1"/>
+  <p:tag name="KSO_WM_UNIT_ID" val="custom20202582_13*a*1"/>
+  <p:tag name="KSO_WM_TEMPLATE_CATEGORY" val="custom"/>
+  <p:tag name="KSO_WM_TEMPLATE_INDEX" val="20202582"/>
+  <p:tag name="KSO_WM_UNIT_LAYERLEVEL" val="1"/>
+  <p:tag name="KSO_WM_TAG_VERSION" val="1.0"/>
+  <p:tag name="KSO_WM_BEAUTIFY_FLAG" val="#wm#"/>
+  <p:tag name="KSO_WM_UNIT_ISNUMDGMTITLE" val="0"/>
+</p:tagLst>
+</file>
+
+<file path=ppt/tags/tag253.xml><?xml version="1.0" encoding="utf-8"?>
+<p:tagLst xmlns:a="http://schemas.openxmlformats.org/drawingml/2006/main" xmlns:r="http://schemas.openxmlformats.org/officeDocument/2006/relationships" xmlns:p="http://schemas.openxmlformats.org/presentationml/2006/main">
+  <p:tag name="KSO_WM_UNIT_PRESET_TEXT" val="单击此处添加文本具体内容，简明扼要的阐述您的观点。"/>
+  <p:tag name="KSO_WM_UNIT_NOCLEAR" val="0"/>
+  <p:tag name="KSO_WM_UNIT_VALUE" val="50"/>
+  <p:tag name="KSO_WM_UNIT_HIGHLIGHT" val="0"/>
+  <p:tag name="KSO_WM_UNIT_COMPATIBLE" val="0"/>
+  <p:tag name="KSO_WM_UNIT_DIAGRAM_ISNUMVISUAL" val="0"/>
+  <p:tag name="KSO_WM_UNIT_DIAGRAM_ISREFERUNIT" val="0"/>
+  <p:tag name="KSO_WM_UNIT_TYPE" val="f"/>
+  <p:tag name="KSO_WM_UNIT_INDEX" val="2"/>
+  <p:tag name="KSO_WM_UNIT_ID" val="custom20202582_13*f*2"/>
+  <p:tag name="KSO_WM_TEMPLATE_CATEGORY" val="custom"/>
+  <p:tag name="KSO_WM_TEMPLATE_INDEX" val="20202582"/>
+  <p:tag name="KSO_WM_UNIT_LAYERLEVEL" val="1"/>
+  <p:tag name="KSO_WM_TAG_VERSION" val="1.0"/>
+  <p:tag name="KSO_WM_BEAUTIFY_FLAG" val="#wm#"/>
+  <p:tag name="KSO_WM_UNIT_SUBTYPE" val="a"/>
+</p:tagLst>
+</file>
+
+<file path=ppt/tags/tag254.xml><?xml version="1.0" encoding="utf-8"?>
+<p:tagLst xmlns:a="http://schemas.openxmlformats.org/drawingml/2006/main" xmlns:r="http://schemas.openxmlformats.org/officeDocument/2006/relationships" xmlns:p="http://schemas.openxmlformats.org/presentationml/2006/main">
+  <p:tag name="KSO_WM_UNIT_TABLE_BEAUTIFY" val="smartTable{989ffd8e-4447-43c2-8fe8-fbb180264c20}"/>
+</p:tagLst>
+</file>
+
+<file path=ppt/tags/tag255.xml><?xml version="1.0" encoding="utf-8"?>
+<p:tagLst xmlns:a="http://schemas.openxmlformats.org/drawingml/2006/main" xmlns:r="http://schemas.openxmlformats.org/officeDocument/2006/relationships" xmlns:p="http://schemas.openxmlformats.org/presentationml/2006/main">
   <p:tag name="KSO_WM_SLIDE_ID" val="custom20202582_7"/>
   <p:tag name="KSO_WM_TEMPLATE_SUBCATEGORY" val="0"/>
   <p:tag name="KSO_WM_TEMPLATE_MASTER_TYPE" val="1"/>
@@ -29565,7 +29755,7 @@
 </p:tagLst>
 </file>
 
-<file path=ppt/tags/tag241.xml><?xml version="1.0" encoding="utf-8"?>
+<file path=ppt/tags/tag256.xml><?xml version="1.0" encoding="utf-8"?>
 <p:tagLst xmlns:a="http://schemas.openxmlformats.org/drawingml/2006/main" xmlns:r="http://schemas.openxmlformats.org/officeDocument/2006/relationships" xmlns:p="http://schemas.openxmlformats.org/presentationml/2006/main">
   <p:tag name="KSO_WM_UNIT_ISCONTENTSTITLE" val="0"/>
   <p:tag name="KSO_WM_UNIT_PRESET_TEXT" val="单击此处添加标题"/>
@@ -29587,7 +29777,7 @@
 </p:tagLst>
 </file>
 
-<file path=ppt/tags/tag242.xml><?xml version="1.0" encoding="utf-8"?>
+<file path=ppt/tags/tag257.xml><?xml version="1.0" encoding="utf-8"?>
 <p:tagLst xmlns:a="http://schemas.openxmlformats.org/drawingml/2006/main" xmlns:r="http://schemas.openxmlformats.org/officeDocument/2006/relationships" xmlns:p="http://schemas.openxmlformats.org/presentationml/2006/main">
   <p:tag name="KSO_WM_UNIT_ISCONTENTSTITLE" val="0"/>
   <p:tag name="KSO_WM_UNIT_PRESET_TEXT" val="Contents"/>
@@ -29613,7 +29803,7 @@
 </p:tagLst>
 </file>
 
-<file path=ppt/tags/tag243.xml><?xml version="1.0" encoding="utf-8"?>
+<file path=ppt/tags/tag258.xml><?xml version="1.0" encoding="utf-8"?>
 <p:tagLst xmlns:a="http://schemas.openxmlformats.org/drawingml/2006/main" xmlns:r="http://schemas.openxmlformats.org/officeDocument/2006/relationships" xmlns:p="http://schemas.openxmlformats.org/presentationml/2006/main">
   <p:tag name="KSO_WM_SLIDE_ID" val="custom20202582_13"/>
   <p:tag name="KSO_WM_TEMPLATE_SUBCATEGORY" val="0"/>
@@ -29634,7 +29824,7 @@
 </p:tagLst>
 </file>
 
-<file path=ppt/tags/tag244.xml><?xml version="1.0" encoding="utf-8"?>
+<file path=ppt/tags/tag259.xml><?xml version="1.0" encoding="utf-8"?>
 <p:tagLst xmlns:a="http://schemas.openxmlformats.org/drawingml/2006/main" xmlns:r="http://schemas.openxmlformats.org/officeDocument/2006/relationships" xmlns:p="http://schemas.openxmlformats.org/presentationml/2006/main">
   <p:tag name="KSO_WM_UNIT_ISCONTENTSTITLE" val="0"/>
   <p:tag name="KSO_WM_UNIT_PRESET_TEXT" val="单击此处添加标题"/>
@@ -29656,7 +29846,21 @@
 </p:tagLst>
 </file>
 
-<file path=ppt/tags/tag245.xml><?xml version="1.0" encoding="utf-8"?>
+<file path=ppt/tags/tag26.xml><?xml version="1.0" encoding="utf-8"?>
+<p:tagLst xmlns:a="http://schemas.openxmlformats.org/drawingml/2006/main" xmlns:r="http://schemas.openxmlformats.org/officeDocument/2006/relationships" xmlns:p="http://schemas.openxmlformats.org/presentationml/2006/main">
+  <p:tag name="KSO_WM_UNIT_HIGHLIGHT" val="0"/>
+  <p:tag name="KSO_WM_UNIT_COMPATIBLE" val="0"/>
+  <p:tag name="KSO_WM_UNIT_DIAGRAM_ISNUMVISUAL" val="0"/>
+  <p:tag name="KSO_WM_UNIT_DIAGRAM_ISREFERUNIT" val="0"/>
+  <p:tag name="KSO_WM_UNIT_ID" val="_1**"/>
+  <p:tag name="KSO_WM_UNIT_LAYERLEVEL" val="1"/>
+  <p:tag name="KSO_WM_TAG_VERSION" val="1.0"/>
+  <p:tag name="KSO_WM_BEAUTIFY_FLAG" val="#wm#"/>
+  <p:tag name="KSO_WM_SLIDE_BACKGROUND_MASK_FLAG" val="1"/>
+</p:tagLst>
+</file>
+
+<file path=ppt/tags/tag260.xml><?xml version="1.0" encoding="utf-8"?>
 <p:tagLst xmlns:a="http://schemas.openxmlformats.org/drawingml/2006/main" xmlns:r="http://schemas.openxmlformats.org/officeDocument/2006/relationships" xmlns:p="http://schemas.openxmlformats.org/presentationml/2006/main">
   <p:tag name="KSO_WM_UNIT_PRESET_TEXT" val="单击此处添加文本具体内容，简明扼要的阐述您的观点。"/>
   <p:tag name="KSO_WM_UNIT_NOCLEAR" val="0"/>
@@ -29677,7 +29881,14 @@
 </p:tagLst>
 </file>
 
-<file path=ppt/tags/tag246.xml><?xml version="1.0" encoding="utf-8"?>
+<file path=ppt/tags/tag261.xml><?xml version="1.0" encoding="utf-8"?>
+<p:tagLst xmlns:a="http://schemas.openxmlformats.org/drawingml/2006/main" xmlns:r="http://schemas.openxmlformats.org/officeDocument/2006/relationships" xmlns:p="http://schemas.openxmlformats.org/presentationml/2006/main">
+  <p:tag name="TABLE_ENDDRAG_ORIGIN_RECT" val="218*50"/>
+  <p:tag name="TABLE_ENDDRAG_RECT" val="535*444*218*50"/>
+</p:tagLst>
+</file>
+
+<file path=ppt/tags/tag262.xml><?xml version="1.0" encoding="utf-8"?>
 <p:tagLst xmlns:a="http://schemas.openxmlformats.org/drawingml/2006/main" xmlns:r="http://schemas.openxmlformats.org/officeDocument/2006/relationships" xmlns:p="http://schemas.openxmlformats.org/presentationml/2006/main">
   <p:tag name="KSO_WM_SLIDE_ID" val="custom20202582_13"/>
   <p:tag name="KSO_WM_TEMPLATE_SUBCATEGORY" val="0"/>
@@ -29698,7 +29909,7 @@
 </p:tagLst>
 </file>
 
-<file path=ppt/tags/tag247.xml><?xml version="1.0" encoding="utf-8"?>
+<file path=ppt/tags/tag263.xml><?xml version="1.0" encoding="utf-8"?>
 <p:tagLst xmlns:a="http://schemas.openxmlformats.org/drawingml/2006/main" xmlns:r="http://schemas.openxmlformats.org/officeDocument/2006/relationships" xmlns:p="http://schemas.openxmlformats.org/presentationml/2006/main">
   <p:tag name="KSO_WM_UNIT_ISCONTENTSTITLE" val="0"/>
   <p:tag name="KSO_WM_UNIT_PRESET_TEXT" val="单击此处添加标题"/>
@@ -29720,7 +29931,7 @@
 </p:tagLst>
 </file>
 
-<file path=ppt/tags/tag248.xml><?xml version="1.0" encoding="utf-8"?>
+<file path=ppt/tags/tag264.xml><?xml version="1.0" encoding="utf-8"?>
 <p:tagLst xmlns:a="http://schemas.openxmlformats.org/drawingml/2006/main" xmlns:r="http://schemas.openxmlformats.org/officeDocument/2006/relationships" xmlns:p="http://schemas.openxmlformats.org/presentationml/2006/main">
   <p:tag name="KSO_WM_UNIT_PRESET_TEXT" val="单击此处添加文本具体内容，简明扼要的阐述您的观点。"/>
   <p:tag name="KSO_WM_UNIT_NOCLEAR" val="0"/>
@@ -29741,27 +29952,35 @@
 </p:tagLst>
 </file>
 
-<file path=ppt/tags/tag249.xml><?xml version="1.0" encoding="utf-8"?>
+<file path=ppt/tags/tag265.xml><?xml version="1.0" encoding="utf-8"?>
 <p:tagLst xmlns:a="http://schemas.openxmlformats.org/drawingml/2006/main" xmlns:r="http://schemas.openxmlformats.org/officeDocument/2006/relationships" xmlns:p="http://schemas.openxmlformats.org/presentationml/2006/main">
-  <p:tag name="KSO_WM_UNIT_TABLE_BEAUTIFY" val="smartTable{989ffd8e-4447-43c2-8fe8-fbb180264c20}"/>
+  <p:tag name="TABLE_ENDDRAG_ORIGIN_RECT" val="208*50"/>
+  <p:tag name="TABLE_ENDDRAG_RECT" val="633*452*208*50"/>
 </p:tagLst>
 </file>
 
-<file path=ppt/tags/tag25.xml><?xml version="1.0" encoding="utf-8"?>
+<file path=ppt/tags/tag266.xml><?xml version="1.0" encoding="utf-8"?>
 <p:tagLst xmlns:a="http://schemas.openxmlformats.org/drawingml/2006/main" xmlns:r="http://schemas.openxmlformats.org/officeDocument/2006/relationships" xmlns:p="http://schemas.openxmlformats.org/presentationml/2006/main">
+  <p:tag name="KSO_WM_UNIT_PRESET_TEXT" val="单击此处添加文本具体内容，简明扼要的阐述您的观点。"/>
+  <p:tag name="KSO_WM_UNIT_NOCLEAR" val="0"/>
+  <p:tag name="KSO_WM_UNIT_VALUE" val="50"/>
   <p:tag name="KSO_WM_UNIT_HIGHLIGHT" val="0"/>
   <p:tag name="KSO_WM_UNIT_COMPATIBLE" val="0"/>
   <p:tag name="KSO_WM_UNIT_DIAGRAM_ISNUMVISUAL" val="0"/>
   <p:tag name="KSO_WM_UNIT_DIAGRAM_ISREFERUNIT" val="0"/>
-  <p:tag name="KSO_WM_UNIT_ID" val="_1**"/>
+  <p:tag name="KSO_WM_UNIT_TYPE" val="f"/>
+  <p:tag name="KSO_WM_UNIT_INDEX" val="2"/>
+  <p:tag name="KSO_WM_UNIT_ID" val="custom20202582_13*f*2"/>
+  <p:tag name="KSO_WM_TEMPLATE_CATEGORY" val="custom"/>
+  <p:tag name="KSO_WM_TEMPLATE_INDEX" val="20202582"/>
   <p:tag name="KSO_WM_UNIT_LAYERLEVEL" val="1"/>
   <p:tag name="KSO_WM_TAG_VERSION" val="1.0"/>
   <p:tag name="KSO_WM_BEAUTIFY_FLAG" val="#wm#"/>
-  <p:tag name="KSO_WM_SLIDE_BACKGROUND_MASK_FLAG" val="1"/>
+  <p:tag name="KSO_WM_UNIT_SUBTYPE" val="a"/>
 </p:tagLst>
 </file>
 
-<file path=ppt/tags/tag250.xml><?xml version="1.0" encoding="utf-8"?>
+<file path=ppt/tags/tag267.xml><?xml version="1.0" encoding="utf-8"?>
 <p:tagLst xmlns:a="http://schemas.openxmlformats.org/drawingml/2006/main" xmlns:r="http://schemas.openxmlformats.org/officeDocument/2006/relationships" xmlns:p="http://schemas.openxmlformats.org/presentationml/2006/main">
   <p:tag name="KSO_WM_SLIDE_ID" val="custom20202582_13"/>
   <p:tag name="KSO_WM_TEMPLATE_SUBCATEGORY" val="0"/>
@@ -29782,7 +30001,7 @@
 </p:tagLst>
 </file>
 
-<file path=ppt/tags/tag251.xml><?xml version="1.0" encoding="utf-8"?>
+<file path=ppt/tags/tag268.xml><?xml version="1.0" encoding="utf-8"?>
 <p:tagLst xmlns:a="http://schemas.openxmlformats.org/drawingml/2006/main" xmlns:r="http://schemas.openxmlformats.org/officeDocument/2006/relationships" xmlns:p="http://schemas.openxmlformats.org/presentationml/2006/main">
   <p:tag name="KSO_WM_UNIT_ISCONTENTSTITLE" val="0"/>
   <p:tag name="KSO_WM_UNIT_PRESET_TEXT" val="单击此处添加标题"/>
@@ -29804,7 +30023,7 @@
 </p:tagLst>
 </file>
 
-<file path=ppt/tags/tag252.xml><?xml version="1.0" encoding="utf-8"?>
+<file path=ppt/tags/tag269.xml><?xml version="1.0" encoding="utf-8"?>
 <p:tagLst xmlns:a="http://schemas.openxmlformats.org/drawingml/2006/main" xmlns:r="http://schemas.openxmlformats.org/officeDocument/2006/relationships" xmlns:p="http://schemas.openxmlformats.org/presentationml/2006/main">
   <p:tag name="KSO_WM_UNIT_PRESET_TEXT" val="单击此处添加文本具体内容，简明扼要的阐述您的观点。"/>
   <p:tag name="KSO_WM_UNIT_NOCLEAR" val="0"/>
@@ -29825,83 +30044,27 @@
 </p:tagLst>
 </file>
 
-<file path=ppt/tags/tag253.xml><?xml version="1.0" encoding="utf-8"?>
+<file path=ppt/tags/tag27.xml><?xml version="1.0" encoding="utf-8"?>
 <p:tagLst xmlns:a="http://schemas.openxmlformats.org/drawingml/2006/main" xmlns:r="http://schemas.openxmlformats.org/officeDocument/2006/relationships" xmlns:p="http://schemas.openxmlformats.org/presentationml/2006/main">
-  <p:tag name="KSO_WM_UNIT_TABLE_BEAUTIFY" val="smartTable{989ffd8e-4447-43c2-8fe8-fbb180264c20}"/>
-</p:tagLst>
-</file>
-
-<file path=ppt/tags/tag254.xml><?xml version="1.0" encoding="utf-8"?>
-<p:tagLst xmlns:a="http://schemas.openxmlformats.org/drawingml/2006/main" xmlns:r="http://schemas.openxmlformats.org/officeDocument/2006/relationships" xmlns:p="http://schemas.openxmlformats.org/presentationml/2006/main">
-  <p:tag name="KSO_WM_SLIDE_ID" val="custom20202582_13"/>
-  <p:tag name="KSO_WM_TEMPLATE_SUBCATEGORY" val="0"/>
-  <p:tag name="KSO_WM_TEMPLATE_MASTER_TYPE" val="1"/>
-  <p:tag name="KSO_WM_TEMPLATE_COLOR_TYPE" val="1"/>
-  <p:tag name="KSO_WM_SLIDE_TYPE" val="text"/>
-  <p:tag name="KSO_WM_SLIDE_SUBTYPE" val="picTxt"/>
-  <p:tag name="KSO_WM_SLIDE_ITEM_CNT" val="0"/>
-  <p:tag name="KSO_WM_SLIDE_INDEX" val="13"/>
-  <p:tag name="KSO_WM_SLIDE_SIZE" val="869*422"/>
-  <p:tag name="KSO_WM_SLIDE_POSITION" val="45*18"/>
-  <p:tag name="KSO_WM_TAG_VERSION" val="1.0"/>
-  <p:tag name="KSO_WM_BEAUTIFY_FLAG" val="#wm#"/>
-  <p:tag name="KSO_WM_TEMPLATE_CATEGORY" val="custom"/>
-  <p:tag name="KSO_WM_TEMPLATE_INDEX" val="20202582"/>
-  <p:tag name="KSO_WM_SLIDE_LAYOUT" val="a_d_f"/>
-  <p:tag name="KSO_WM_SLIDE_LAYOUT_CNT" val="1_2_2"/>
-</p:tagLst>
-</file>
-
-<file path=ppt/tags/tag255.xml><?xml version="1.0" encoding="utf-8"?>
-<p:tagLst xmlns:a="http://schemas.openxmlformats.org/drawingml/2006/main" xmlns:r="http://schemas.openxmlformats.org/officeDocument/2006/relationships" xmlns:p="http://schemas.openxmlformats.org/presentationml/2006/main">
-  <p:tag name="KSO_WM_UNIT_ISCONTENTSTITLE" val="0"/>
-  <p:tag name="KSO_WM_UNIT_PRESET_TEXT" val="单击此处添加标题"/>
-  <p:tag name="KSO_WM_UNIT_NOCLEAR" val="0"/>
-  <p:tag name="KSO_WM_UNIT_VALUE" val="42"/>
   <p:tag name="KSO_WM_UNIT_HIGHLIGHT" val="0"/>
   <p:tag name="KSO_WM_UNIT_COMPATIBLE" val="0"/>
   <p:tag name="KSO_WM_UNIT_DIAGRAM_ISNUMVISUAL" val="0"/>
   <p:tag name="KSO_WM_UNIT_DIAGRAM_ISREFERUNIT" val="0"/>
-  <p:tag name="KSO_WM_UNIT_TYPE" val="a"/>
-  <p:tag name="KSO_WM_UNIT_INDEX" val="1"/>
-  <p:tag name="KSO_WM_UNIT_ID" val="custom20202582_13*a*1"/>
-  <p:tag name="KSO_WM_TEMPLATE_CATEGORY" val="custom"/>
-  <p:tag name="KSO_WM_TEMPLATE_INDEX" val="20202582"/>
+  <p:tag name="KSO_WM_UNIT_ID" val="_2**"/>
   <p:tag name="KSO_WM_UNIT_LAYERLEVEL" val="1"/>
   <p:tag name="KSO_WM_TAG_VERSION" val="1.0"/>
   <p:tag name="KSO_WM_BEAUTIFY_FLAG" val="#wm#"/>
-  <p:tag name="KSO_WM_UNIT_ISNUMDGMTITLE" val="0"/>
 </p:tagLst>
 </file>
 
-<file path=ppt/tags/tag256.xml><?xml version="1.0" encoding="utf-8"?>
+<file path=ppt/tags/tag270.xml><?xml version="1.0" encoding="utf-8"?>
 <p:tagLst xmlns:a="http://schemas.openxmlformats.org/drawingml/2006/main" xmlns:r="http://schemas.openxmlformats.org/officeDocument/2006/relationships" xmlns:p="http://schemas.openxmlformats.org/presentationml/2006/main">
-  <p:tag name="KSO_WM_UNIT_PRESET_TEXT" val="单击此处添加文本具体内容，简明扼要的阐述您的观点。"/>
-  <p:tag name="KSO_WM_UNIT_NOCLEAR" val="0"/>
-  <p:tag name="KSO_WM_UNIT_VALUE" val="50"/>
-  <p:tag name="KSO_WM_UNIT_HIGHLIGHT" val="0"/>
-  <p:tag name="KSO_WM_UNIT_COMPATIBLE" val="0"/>
-  <p:tag name="KSO_WM_UNIT_DIAGRAM_ISNUMVISUAL" val="0"/>
-  <p:tag name="KSO_WM_UNIT_DIAGRAM_ISREFERUNIT" val="0"/>
-  <p:tag name="KSO_WM_UNIT_TYPE" val="f"/>
-  <p:tag name="KSO_WM_UNIT_INDEX" val="2"/>
-  <p:tag name="KSO_WM_UNIT_ID" val="custom20202582_13*f*2"/>
-  <p:tag name="KSO_WM_TEMPLATE_CATEGORY" val="custom"/>
-  <p:tag name="KSO_WM_TEMPLATE_INDEX" val="20202582"/>
-  <p:tag name="KSO_WM_UNIT_LAYERLEVEL" val="1"/>
-  <p:tag name="KSO_WM_TAG_VERSION" val="1.0"/>
-  <p:tag name="KSO_WM_BEAUTIFY_FLAG" val="#wm#"/>
-  <p:tag name="KSO_WM_UNIT_SUBTYPE" val="a"/>
+  <p:tag name="TABLE_ENDDRAG_ORIGIN_RECT" val="208*50"/>
+  <p:tag name="TABLE_ENDDRAG_RECT" val="633*452*208*50"/>
 </p:tagLst>
 </file>
 
-<file path=ppt/tags/tag257.xml><?xml version="1.0" encoding="utf-8"?>
-<p:tagLst xmlns:a="http://schemas.openxmlformats.org/drawingml/2006/main" xmlns:r="http://schemas.openxmlformats.org/officeDocument/2006/relationships" xmlns:p="http://schemas.openxmlformats.org/presentationml/2006/main">
-  <p:tag name="KSO_WM_UNIT_TABLE_BEAUTIFY" val="smartTable{989ffd8e-4447-43c2-8fe8-fbb180264c20}"/>
-</p:tagLst>
-</file>
-
-<file path=ppt/tags/tag258.xml><?xml version="1.0" encoding="utf-8"?>
+<file path=ppt/tags/tag271.xml><?xml version="1.0" encoding="utf-8"?>
 <p:tagLst xmlns:a="http://schemas.openxmlformats.org/drawingml/2006/main" xmlns:r="http://schemas.openxmlformats.org/officeDocument/2006/relationships" xmlns:p="http://schemas.openxmlformats.org/presentationml/2006/main">
   <p:tag name="KSO_WM_SLIDE_ID" val="custom20202582_7"/>
   <p:tag name="KSO_WM_TEMPLATE_SUBCATEGORY" val="0"/>
@@ -29920,7 +30083,7 @@
 </p:tagLst>
 </file>
 
-<file path=ppt/tags/tag259.xml><?xml version="1.0" encoding="utf-8"?>
+<file path=ppt/tags/tag272.xml><?xml version="1.0" encoding="utf-8"?>
 <p:tagLst xmlns:a="http://schemas.openxmlformats.org/drawingml/2006/main" xmlns:r="http://schemas.openxmlformats.org/officeDocument/2006/relationships" xmlns:p="http://schemas.openxmlformats.org/presentationml/2006/main">
   <p:tag name="KSO_WM_UNIT_ISCONTENTSTITLE" val="0"/>
   <p:tag name="KSO_WM_UNIT_PRESET_TEXT" val="单击此处添加标题"/>
@@ -29942,21 +30105,7 @@
 </p:tagLst>
 </file>
 
-<file path=ppt/tags/tag26.xml><?xml version="1.0" encoding="utf-8"?>
-<p:tagLst xmlns:a="http://schemas.openxmlformats.org/drawingml/2006/main" xmlns:r="http://schemas.openxmlformats.org/officeDocument/2006/relationships" xmlns:p="http://schemas.openxmlformats.org/presentationml/2006/main">
-  <p:tag name="KSO_WM_UNIT_HIGHLIGHT" val="0"/>
-  <p:tag name="KSO_WM_UNIT_COMPATIBLE" val="0"/>
-  <p:tag name="KSO_WM_UNIT_DIAGRAM_ISNUMVISUAL" val="0"/>
-  <p:tag name="KSO_WM_UNIT_DIAGRAM_ISREFERUNIT" val="0"/>
-  <p:tag name="KSO_WM_UNIT_ID" val="_1**"/>
-  <p:tag name="KSO_WM_UNIT_LAYERLEVEL" val="1"/>
-  <p:tag name="KSO_WM_TAG_VERSION" val="1.0"/>
-  <p:tag name="KSO_WM_BEAUTIFY_FLAG" val="#wm#"/>
-  <p:tag name="KSO_WM_SLIDE_BACKGROUND_MASK_FLAG" val="1"/>
-</p:tagLst>
-</file>
-
-<file path=ppt/tags/tag260.xml><?xml version="1.0" encoding="utf-8"?>
+<file path=ppt/tags/tag273.xml><?xml version="1.0" encoding="utf-8"?>
 <p:tagLst xmlns:a="http://schemas.openxmlformats.org/drawingml/2006/main" xmlns:r="http://schemas.openxmlformats.org/officeDocument/2006/relationships" xmlns:p="http://schemas.openxmlformats.org/presentationml/2006/main">
   <p:tag name="KSO_WM_UNIT_ISCONTENTSTITLE" val="0"/>
   <p:tag name="KSO_WM_UNIT_PRESET_TEXT" val="Contents"/>
@@ -29982,7 +30131,7 @@
 </p:tagLst>
 </file>
 
-<file path=ppt/tags/tag261.xml><?xml version="1.0" encoding="utf-8"?>
+<file path=ppt/tags/tag274.xml><?xml version="1.0" encoding="utf-8"?>
 <p:tagLst xmlns:a="http://schemas.openxmlformats.org/drawingml/2006/main" xmlns:r="http://schemas.openxmlformats.org/officeDocument/2006/relationships" xmlns:p="http://schemas.openxmlformats.org/presentationml/2006/main">
   <p:tag name="KSO_WM_SLIDE_ID" val="custom20202582_13"/>
   <p:tag name="KSO_WM_TEMPLATE_SUBCATEGORY" val="0"/>
@@ -30003,7 +30152,7 @@
 </p:tagLst>
 </file>
 
-<file path=ppt/tags/tag262.xml><?xml version="1.0" encoding="utf-8"?>
+<file path=ppt/tags/tag275.xml><?xml version="1.0" encoding="utf-8"?>
 <p:tagLst xmlns:a="http://schemas.openxmlformats.org/drawingml/2006/main" xmlns:r="http://schemas.openxmlformats.org/officeDocument/2006/relationships" xmlns:p="http://schemas.openxmlformats.org/presentationml/2006/main">
   <p:tag name="KSO_WM_UNIT_ISCONTENTSTITLE" val="0"/>
   <p:tag name="KSO_WM_UNIT_PRESET_TEXT" val="单击此处添加标题"/>
@@ -30025,7 +30174,7 @@
 </p:tagLst>
 </file>
 
-<file path=ppt/tags/tag263.xml><?xml version="1.0" encoding="utf-8"?>
+<file path=ppt/tags/tag276.xml><?xml version="1.0" encoding="utf-8"?>
 <p:tagLst xmlns:a="http://schemas.openxmlformats.org/drawingml/2006/main" xmlns:r="http://schemas.openxmlformats.org/officeDocument/2006/relationships" xmlns:p="http://schemas.openxmlformats.org/presentationml/2006/main">
   <p:tag name="KSO_WM_UNIT_PRESET_TEXT" val="单击此处添加文本具体内容，简明扼要的阐述您的观点。"/>
   <p:tag name="KSO_WM_UNIT_NOCLEAR" val="0"/>
@@ -30046,14 +30195,7 @@
 </p:tagLst>
 </file>
 
-<file path=ppt/tags/tag264.xml><?xml version="1.0" encoding="utf-8"?>
-<p:tagLst xmlns:a="http://schemas.openxmlformats.org/drawingml/2006/main" xmlns:r="http://schemas.openxmlformats.org/officeDocument/2006/relationships" xmlns:p="http://schemas.openxmlformats.org/presentationml/2006/main">
-  <p:tag name="TABLE_ENDDRAG_ORIGIN_RECT" val="218*50"/>
-  <p:tag name="TABLE_ENDDRAG_RECT" val="535*444*218*50"/>
-</p:tagLst>
-</file>
-
-<file path=ppt/tags/tag265.xml><?xml version="1.0" encoding="utf-8"?>
+<file path=ppt/tags/tag277.xml><?xml version="1.0" encoding="utf-8"?>
 <p:tagLst xmlns:a="http://schemas.openxmlformats.org/drawingml/2006/main" xmlns:r="http://schemas.openxmlformats.org/officeDocument/2006/relationships" xmlns:p="http://schemas.openxmlformats.org/presentationml/2006/main">
   <p:tag name="KSO_WM_SLIDE_ID" val="custom20202582_13"/>
   <p:tag name="KSO_WM_TEMPLATE_SUBCATEGORY" val="0"/>
@@ -30074,7 +30216,7 @@
 </p:tagLst>
 </file>
 
-<file path=ppt/tags/tag266.xml><?xml version="1.0" encoding="utf-8"?>
+<file path=ppt/tags/tag278.xml><?xml version="1.0" encoding="utf-8"?>
 <p:tagLst xmlns:a="http://schemas.openxmlformats.org/drawingml/2006/main" xmlns:r="http://schemas.openxmlformats.org/officeDocument/2006/relationships" xmlns:p="http://schemas.openxmlformats.org/presentationml/2006/main">
   <p:tag name="KSO_WM_UNIT_ISCONTENTSTITLE" val="0"/>
   <p:tag name="KSO_WM_UNIT_PRESET_TEXT" val="单击此处添加标题"/>
@@ -30096,7 +30238,7 @@
 </p:tagLst>
 </file>
 
-<file path=ppt/tags/tag267.xml><?xml version="1.0" encoding="utf-8"?>
+<file path=ppt/tags/tag279.xml><?xml version="1.0" encoding="utf-8"?>
 <p:tagLst xmlns:a="http://schemas.openxmlformats.org/drawingml/2006/main" xmlns:r="http://schemas.openxmlformats.org/officeDocument/2006/relationships" xmlns:p="http://schemas.openxmlformats.org/presentationml/2006/main">
   <p:tag name="KSO_WM_UNIT_PRESET_TEXT" val="单击此处添加文本具体内容，简明扼要的阐述您的观点。"/>
   <p:tag name="KSO_WM_UNIT_NOCLEAR" val="0"/>
@@ -30117,35 +30259,7 @@
 </p:tagLst>
 </file>
 
-<file path=ppt/tags/tag268.xml><?xml version="1.0" encoding="utf-8"?>
-<p:tagLst xmlns:a="http://schemas.openxmlformats.org/drawingml/2006/main" xmlns:r="http://schemas.openxmlformats.org/officeDocument/2006/relationships" xmlns:p="http://schemas.openxmlformats.org/presentationml/2006/main">
-  <p:tag name="TABLE_ENDDRAG_ORIGIN_RECT" val="208*50"/>
-  <p:tag name="TABLE_ENDDRAG_RECT" val="633*452*208*50"/>
-</p:tagLst>
-</file>
-
-<file path=ppt/tags/tag269.xml><?xml version="1.0" encoding="utf-8"?>
-<p:tagLst xmlns:a="http://schemas.openxmlformats.org/drawingml/2006/main" xmlns:r="http://schemas.openxmlformats.org/officeDocument/2006/relationships" xmlns:p="http://schemas.openxmlformats.org/presentationml/2006/main">
-  <p:tag name="KSO_WM_UNIT_PRESET_TEXT" val="单击此处添加文本具体内容，简明扼要的阐述您的观点。"/>
-  <p:tag name="KSO_WM_UNIT_NOCLEAR" val="0"/>
-  <p:tag name="KSO_WM_UNIT_VALUE" val="50"/>
-  <p:tag name="KSO_WM_UNIT_HIGHLIGHT" val="0"/>
-  <p:tag name="KSO_WM_UNIT_COMPATIBLE" val="0"/>
-  <p:tag name="KSO_WM_UNIT_DIAGRAM_ISNUMVISUAL" val="0"/>
-  <p:tag name="KSO_WM_UNIT_DIAGRAM_ISREFERUNIT" val="0"/>
-  <p:tag name="KSO_WM_UNIT_TYPE" val="f"/>
-  <p:tag name="KSO_WM_UNIT_INDEX" val="2"/>
-  <p:tag name="KSO_WM_UNIT_ID" val="custom20202582_13*f*2"/>
-  <p:tag name="KSO_WM_TEMPLATE_CATEGORY" val="custom"/>
-  <p:tag name="KSO_WM_TEMPLATE_INDEX" val="20202582"/>
-  <p:tag name="KSO_WM_UNIT_LAYERLEVEL" val="1"/>
-  <p:tag name="KSO_WM_TAG_VERSION" val="1.0"/>
-  <p:tag name="KSO_WM_BEAUTIFY_FLAG" val="#wm#"/>
-  <p:tag name="KSO_WM_UNIT_SUBTYPE" val="a"/>
-</p:tagLst>
-</file>
-
-<file path=ppt/tags/tag27.xml><?xml version="1.0" encoding="utf-8"?>
+<file path=ppt/tags/tag28.xml><?xml version="1.0" encoding="utf-8"?>
 <p:tagLst xmlns:a="http://schemas.openxmlformats.org/drawingml/2006/main" xmlns:r="http://schemas.openxmlformats.org/officeDocument/2006/relationships" xmlns:p="http://schemas.openxmlformats.org/presentationml/2006/main">
   <p:tag name="KSO_WM_UNIT_HIGHLIGHT" val="0"/>
   <p:tag name="KSO_WM_UNIT_COMPATIBLE" val="0"/>
@@ -30158,7 +30272,7 @@
 </p:tagLst>
 </file>
 
-<file path=ppt/tags/tag270.xml><?xml version="1.0" encoding="utf-8"?>
+<file path=ppt/tags/tag280.xml><?xml version="1.0" encoding="utf-8"?>
 <p:tagLst xmlns:a="http://schemas.openxmlformats.org/drawingml/2006/main" xmlns:r="http://schemas.openxmlformats.org/officeDocument/2006/relationships" xmlns:p="http://schemas.openxmlformats.org/presentationml/2006/main">
   <p:tag name="KSO_WM_SLIDE_ID" val="custom20202582_13"/>
   <p:tag name="KSO_WM_TEMPLATE_SUBCATEGORY" val="0"/>
@@ -30179,7 +30293,7 @@
 </p:tagLst>
 </file>
 
-<file path=ppt/tags/tag271.xml><?xml version="1.0" encoding="utf-8"?>
+<file path=ppt/tags/tag281.xml><?xml version="1.0" encoding="utf-8"?>
 <p:tagLst xmlns:a="http://schemas.openxmlformats.org/drawingml/2006/main" xmlns:r="http://schemas.openxmlformats.org/officeDocument/2006/relationships" xmlns:p="http://schemas.openxmlformats.org/presentationml/2006/main">
   <p:tag name="KSO_WM_UNIT_ISCONTENTSTITLE" val="0"/>
   <p:tag name="KSO_WM_UNIT_PRESET_TEXT" val="单击此处添加标题"/>
@@ -30201,35 +30315,14 @@
 </p:tagLst>
 </file>
 
-<file path=ppt/tags/tag272.xml><?xml version="1.0" encoding="utf-8"?>
+<file path=ppt/tags/tag282.xml><?xml version="1.0" encoding="utf-8"?>
 <p:tagLst xmlns:a="http://schemas.openxmlformats.org/drawingml/2006/main" xmlns:r="http://schemas.openxmlformats.org/officeDocument/2006/relationships" xmlns:p="http://schemas.openxmlformats.org/presentationml/2006/main">
-  <p:tag name="KSO_WM_UNIT_PRESET_TEXT" val="单击此处添加文本具体内容，简明扼要的阐述您的观点。"/>
-  <p:tag name="KSO_WM_UNIT_NOCLEAR" val="0"/>
-  <p:tag name="KSO_WM_UNIT_VALUE" val="50"/>
-  <p:tag name="KSO_WM_UNIT_HIGHLIGHT" val="0"/>
-  <p:tag name="KSO_WM_UNIT_COMPATIBLE" val="0"/>
-  <p:tag name="KSO_WM_UNIT_DIAGRAM_ISNUMVISUAL" val="0"/>
-  <p:tag name="KSO_WM_UNIT_DIAGRAM_ISREFERUNIT" val="0"/>
-  <p:tag name="KSO_WM_UNIT_TYPE" val="f"/>
-  <p:tag name="KSO_WM_UNIT_INDEX" val="2"/>
-  <p:tag name="KSO_WM_UNIT_ID" val="custom20202582_13*f*2"/>
-  <p:tag name="KSO_WM_TEMPLATE_CATEGORY" val="custom"/>
-  <p:tag name="KSO_WM_TEMPLATE_INDEX" val="20202582"/>
-  <p:tag name="KSO_WM_UNIT_LAYERLEVEL" val="1"/>
-  <p:tag name="KSO_WM_TAG_VERSION" val="1.0"/>
-  <p:tag name="KSO_WM_BEAUTIFY_FLAG" val="#wm#"/>
-  <p:tag name="KSO_WM_UNIT_SUBTYPE" val="a"/>
+  <p:tag name="TABLE_ENDDRAG_ORIGIN_RECT" val="280*50"/>
+  <p:tag name="TABLE_ENDDRAG_RECT" val="611*325*280*50"/>
 </p:tagLst>
 </file>
 
-<file path=ppt/tags/tag273.xml><?xml version="1.0" encoding="utf-8"?>
-<p:tagLst xmlns:a="http://schemas.openxmlformats.org/drawingml/2006/main" xmlns:r="http://schemas.openxmlformats.org/officeDocument/2006/relationships" xmlns:p="http://schemas.openxmlformats.org/presentationml/2006/main">
-  <p:tag name="TABLE_ENDDRAG_ORIGIN_RECT" val="208*50"/>
-  <p:tag name="TABLE_ENDDRAG_RECT" val="633*452*208*50"/>
-</p:tagLst>
-</file>
-
-<file path=ppt/tags/tag274.xml><?xml version="1.0" encoding="utf-8"?>
+<file path=ppt/tags/tag283.xml><?xml version="1.0" encoding="utf-8"?>
 <p:tagLst xmlns:a="http://schemas.openxmlformats.org/drawingml/2006/main" xmlns:r="http://schemas.openxmlformats.org/officeDocument/2006/relationships" xmlns:p="http://schemas.openxmlformats.org/presentationml/2006/main">
   <p:tag name="KSO_WM_SLIDE_ID" val="custom20202582_7"/>
   <p:tag name="KSO_WM_TEMPLATE_SUBCATEGORY" val="0"/>
@@ -30248,7 +30341,7 @@
 </p:tagLst>
 </file>
 
-<file path=ppt/tags/tag275.xml><?xml version="1.0" encoding="utf-8"?>
+<file path=ppt/tags/tag284.xml><?xml version="1.0" encoding="utf-8"?>
 <p:tagLst xmlns:a="http://schemas.openxmlformats.org/drawingml/2006/main" xmlns:r="http://schemas.openxmlformats.org/officeDocument/2006/relationships" xmlns:p="http://schemas.openxmlformats.org/presentationml/2006/main">
   <p:tag name="KSO_WM_UNIT_ISCONTENTSTITLE" val="0"/>
   <p:tag name="KSO_WM_UNIT_PRESET_TEXT" val="单击此处添加标题"/>
@@ -30270,7 +30363,7 @@
 </p:tagLst>
 </file>
 
-<file path=ppt/tags/tag276.xml><?xml version="1.0" encoding="utf-8"?>
+<file path=ppt/tags/tag285.xml><?xml version="1.0" encoding="utf-8"?>
 <p:tagLst xmlns:a="http://schemas.openxmlformats.org/drawingml/2006/main" xmlns:r="http://schemas.openxmlformats.org/officeDocument/2006/relationships" xmlns:p="http://schemas.openxmlformats.org/presentationml/2006/main">
   <p:tag name="KSO_WM_UNIT_ISCONTENTSTITLE" val="0"/>
   <p:tag name="KSO_WM_UNIT_PRESET_TEXT" val="Contents"/>
@@ -30296,7 +30389,7 @@
 </p:tagLst>
 </file>
 
-<file path=ppt/tags/tag277.xml><?xml version="1.0" encoding="utf-8"?>
+<file path=ppt/tags/tag286.xml><?xml version="1.0" encoding="utf-8"?>
 <p:tagLst xmlns:a="http://schemas.openxmlformats.org/drawingml/2006/main" xmlns:r="http://schemas.openxmlformats.org/officeDocument/2006/relationships" xmlns:p="http://schemas.openxmlformats.org/presentationml/2006/main">
   <p:tag name="KSO_WM_SLIDE_ID" val="custom20202582_13"/>
   <p:tag name="KSO_WM_TEMPLATE_SUBCATEGORY" val="0"/>
@@ -30317,7 +30410,7 @@
 </p:tagLst>
 </file>
 
-<file path=ppt/tags/tag278.xml><?xml version="1.0" encoding="utf-8"?>
+<file path=ppt/tags/tag287.xml><?xml version="1.0" encoding="utf-8"?>
 <p:tagLst xmlns:a="http://schemas.openxmlformats.org/drawingml/2006/main" xmlns:r="http://schemas.openxmlformats.org/officeDocument/2006/relationships" xmlns:p="http://schemas.openxmlformats.org/presentationml/2006/main">
   <p:tag name="KSO_WM_UNIT_ISCONTENTSTITLE" val="0"/>
   <p:tag name="KSO_WM_UNIT_PRESET_TEXT" val="单击此处添加标题"/>
@@ -30339,7 +30432,14 @@
 </p:tagLst>
 </file>
 
-<file path=ppt/tags/tag279.xml><?xml version="1.0" encoding="utf-8"?>
+<file path=ppt/tags/tag288.xml><?xml version="1.0" encoding="utf-8"?>
+<p:tagLst xmlns:a="http://schemas.openxmlformats.org/drawingml/2006/main" xmlns:r="http://schemas.openxmlformats.org/officeDocument/2006/relationships" xmlns:p="http://schemas.openxmlformats.org/presentationml/2006/main">
+  <p:tag name="TABLE_ENDDRAG_ORIGIN_RECT" val="351*115"/>
+  <p:tag name="TABLE_ENDDRAG_RECT" val="526*259*351*115"/>
+</p:tagLst>
+</file>
+
+<file path=ppt/tags/tag289.xml><?xml version="1.0" encoding="utf-8"?>
 <p:tagLst xmlns:a="http://schemas.openxmlformats.org/drawingml/2006/main" xmlns:r="http://schemas.openxmlformats.org/officeDocument/2006/relationships" xmlns:p="http://schemas.openxmlformats.org/presentationml/2006/main">
   <p:tag name="KSO_WM_UNIT_PRESET_TEXT" val="单击此处添加文本具体内容，简明扼要的阐述您的观点。"/>
   <p:tag name="KSO_WM_UNIT_NOCLEAR" val="0"/>
@@ -30360,7 +30460,7 @@
 </p:tagLst>
 </file>
 
-<file path=ppt/tags/tag28.xml><?xml version="1.0" encoding="utf-8"?>
+<file path=ppt/tags/tag29.xml><?xml version="1.0" encoding="utf-8"?>
 <p:tagLst xmlns:a="http://schemas.openxmlformats.org/drawingml/2006/main" xmlns:r="http://schemas.openxmlformats.org/officeDocument/2006/relationships" xmlns:p="http://schemas.openxmlformats.org/presentationml/2006/main">
   <p:tag name="KSO_WM_UNIT_HIGHLIGHT" val="0"/>
   <p:tag name="KSO_WM_UNIT_COMPATIBLE" val="0"/>
@@ -30373,7 +30473,21 @@
 </p:tagLst>
 </file>
 
-<file path=ppt/tags/tag280.xml><?xml version="1.0" encoding="utf-8"?>
+<file path=ppt/tags/tag290.xml><?xml version="1.0" encoding="utf-8"?>
+<p:tagLst xmlns:a="http://schemas.openxmlformats.org/drawingml/2006/main" xmlns:r="http://schemas.openxmlformats.org/officeDocument/2006/relationships" xmlns:p="http://schemas.openxmlformats.org/presentationml/2006/main">
+  <p:tag name="TABLE_ENDDRAG_ORIGIN_RECT" val="351*115"/>
+  <p:tag name="TABLE_ENDDRAG_RECT" val="526*259*351*115"/>
+</p:tagLst>
+</file>
+
+<file path=ppt/tags/tag291.xml><?xml version="1.0" encoding="utf-8"?>
+<p:tagLst xmlns:a="http://schemas.openxmlformats.org/drawingml/2006/main" xmlns:r="http://schemas.openxmlformats.org/officeDocument/2006/relationships" xmlns:p="http://schemas.openxmlformats.org/presentationml/2006/main">
+  <p:tag name="TABLE_ENDDRAG_ORIGIN_RECT" val="351*115"/>
+  <p:tag name="TABLE_ENDDRAG_RECT" val="526*259*351*115"/>
+</p:tagLst>
+</file>
+
+<file path=ppt/tags/tag292.xml><?xml version="1.0" encoding="utf-8"?>
 <p:tagLst xmlns:a="http://schemas.openxmlformats.org/drawingml/2006/main" xmlns:r="http://schemas.openxmlformats.org/officeDocument/2006/relationships" xmlns:p="http://schemas.openxmlformats.org/presentationml/2006/main">
   <p:tag name="KSO_WM_SLIDE_ID" val="custom20202582_13"/>
   <p:tag name="KSO_WM_TEMPLATE_SUBCATEGORY" val="0"/>
@@ -30394,7 +30508,28 @@
 </p:tagLst>
 </file>
 
-<file path=ppt/tags/tag281.xml><?xml version="1.0" encoding="utf-8"?>
+<file path=ppt/tags/tag2920.xml><?xml version="1.0" encoding="utf-8"?>
+<p:tagLst xmlns:p="http://schemas.openxmlformats.org/presentationml/2006/main">
+  <p:tag name="KSO_WM_UNIT_PRESET_TEXT" val="单击此处添加文本具体内容，简明扼要的阐述您的观点。"/>
+  <p:tag name="KSO_WM_UNIT_NOCLEAR" val="0"/>
+  <p:tag name="KSO_WM_UNIT_VALUE" val="50"/>
+  <p:tag name="KSO_WM_UNIT_HIGHLIGHT" val="0"/>
+  <p:tag name="KSO_WM_UNIT_COMPATIBLE" val="0"/>
+  <p:tag name="KSO_WM_UNIT_DIAGRAM_ISNUMVISUAL" val="0"/>
+  <p:tag name="KSO_WM_UNIT_DIAGRAM_ISREFERUNIT" val="0"/>
+  <p:tag name="KSO_WM_UNIT_TYPE" val="f"/>
+  <p:tag name="KSO_WM_UNIT_INDEX" val="2"/>
+  <p:tag name="KSO_WM_UNIT_ID" val="custom20202582_13*f*2"/>
+  <p:tag name="KSO_WM_TEMPLATE_CATEGORY" val="custom"/>
+  <p:tag name="KSO_WM_TEMPLATE_INDEX" val="20202582"/>
+  <p:tag name="KSO_WM_UNIT_LAYERLEVEL" val="1"/>
+  <p:tag name="KSO_WM_TAG_VERSION" val="1.0"/>
+  <p:tag name="KSO_WM_BEAUTIFY_FLAG" val="#wm#"/>
+  <p:tag name="KSO_WM_UNIT_SUBTYPE" val="a"/>
+</p:tagLst>
+</file>
+
+<file path=ppt/tags/tag293.xml><?xml version="1.0" encoding="utf-8"?>
 <p:tagLst xmlns:a="http://schemas.openxmlformats.org/drawingml/2006/main" xmlns:r="http://schemas.openxmlformats.org/officeDocument/2006/relationships" xmlns:p="http://schemas.openxmlformats.org/presentationml/2006/main">
   <p:tag name="KSO_WM_UNIT_ISCONTENTSTITLE" val="0"/>
   <p:tag name="KSO_WM_UNIT_PRESET_TEXT" val="单击此处添加标题"/>
@@ -30416,7 +30551,7 @@
 </p:tagLst>
 </file>
 
-<file path=ppt/tags/tag282.xml><?xml version="1.0" encoding="utf-8"?>
+<file path=ppt/tags/tag294.xml><?xml version="1.0" encoding="utf-8"?>
 <p:tagLst xmlns:a="http://schemas.openxmlformats.org/drawingml/2006/main" xmlns:r="http://schemas.openxmlformats.org/officeDocument/2006/relationships" xmlns:p="http://schemas.openxmlformats.org/presentationml/2006/main">
   <p:tag name="KSO_WM_UNIT_PRESET_TEXT" val="单击此处添加文本具体内容，简明扼要的阐述您的观点。"/>
   <p:tag name="KSO_WM_UNIT_NOCLEAR" val="0"/>
@@ -30437,7 +30572,42 @@
 </p:tagLst>
 </file>
 
-<file path=ppt/tags/tag283.xml><?xml version="1.0" encoding="utf-8"?>
+<file path=ppt/tags/tag295.xml><?xml version="1.0" encoding="utf-8"?>
+<p:tagLst xmlns:a="http://schemas.openxmlformats.org/drawingml/2006/main" xmlns:r="http://schemas.openxmlformats.org/officeDocument/2006/relationships" xmlns:p="http://schemas.openxmlformats.org/presentationml/2006/main">
+  <p:tag name="TABLE_ENDDRAG_ORIGIN_RECT" val="219*136"/>
+  <p:tag name="TABLE_ENDDRAG_RECT" val="53*306*219*136"/>
+</p:tagLst>
+</file>
+
+<file path=ppt/tags/tag296.xml><?xml version="1.0" encoding="utf-8"?>
+<p:tagLst xmlns:a="http://schemas.openxmlformats.org/drawingml/2006/main" xmlns:r="http://schemas.openxmlformats.org/officeDocument/2006/relationships" xmlns:p="http://schemas.openxmlformats.org/presentationml/2006/main">
+  <p:tag name="TABLE_ENDDRAG_ORIGIN_RECT" val="219*136"/>
+  <p:tag name="TABLE_ENDDRAG_RECT" val="53*306*219*136"/>
+</p:tagLst>
+</file>
+
+<file path=ppt/tags/tag297.xml><?xml version="1.0" encoding="utf-8"?>
+<p:tagLst xmlns:a="http://schemas.openxmlformats.org/drawingml/2006/main" xmlns:r="http://schemas.openxmlformats.org/officeDocument/2006/relationships" xmlns:p="http://schemas.openxmlformats.org/presentationml/2006/main">
+  <p:tag name="KSO_WM_UNIT_PRESET_TEXT" val="单击此处添加文本具体内容，简明扼要的阐述您的观点。"/>
+  <p:tag name="KSO_WM_UNIT_NOCLEAR" val="0"/>
+  <p:tag name="KSO_WM_UNIT_VALUE" val="50"/>
+  <p:tag name="KSO_WM_UNIT_HIGHLIGHT" val="0"/>
+  <p:tag name="KSO_WM_UNIT_COMPATIBLE" val="0"/>
+  <p:tag name="KSO_WM_UNIT_DIAGRAM_ISNUMVISUAL" val="0"/>
+  <p:tag name="KSO_WM_UNIT_DIAGRAM_ISREFERUNIT" val="0"/>
+  <p:tag name="KSO_WM_UNIT_TYPE" val="f"/>
+  <p:tag name="KSO_WM_UNIT_INDEX" val="2"/>
+  <p:tag name="KSO_WM_UNIT_ID" val="custom20202582_13*f*2"/>
+  <p:tag name="KSO_WM_TEMPLATE_CATEGORY" val="custom"/>
+  <p:tag name="KSO_WM_TEMPLATE_INDEX" val="20202582"/>
+  <p:tag name="KSO_WM_UNIT_LAYERLEVEL" val="1"/>
+  <p:tag name="KSO_WM_TAG_VERSION" val="1.0"/>
+  <p:tag name="KSO_WM_BEAUTIFY_FLAG" val="#wm#"/>
+  <p:tag name="KSO_WM_UNIT_SUBTYPE" val="a"/>
+</p:tagLst>
+</file>
+
+<file path=ppt/tags/tag298.xml><?xml version="1.0" encoding="utf-8"?>
 <p:tagLst xmlns:a="http://schemas.openxmlformats.org/drawingml/2006/main" xmlns:r="http://schemas.openxmlformats.org/officeDocument/2006/relationships" xmlns:p="http://schemas.openxmlformats.org/presentationml/2006/main">
   <p:tag name="KSO_WM_SLIDE_ID" val="custom20202582_13"/>
   <p:tag name="KSO_WM_TEMPLATE_SUBCATEGORY" val="0"/>
@@ -30458,7 +30628,7 @@
 </p:tagLst>
 </file>
 
-<file path=ppt/tags/tag284.xml><?xml version="1.0" encoding="utf-8"?>
+<file path=ppt/tags/tag299.xml><?xml version="1.0" encoding="utf-8"?>
 <p:tagLst xmlns:a="http://schemas.openxmlformats.org/drawingml/2006/main" xmlns:r="http://schemas.openxmlformats.org/officeDocument/2006/relationships" xmlns:p="http://schemas.openxmlformats.org/presentationml/2006/main">
   <p:tag name="KSO_WM_UNIT_ISCONTENTSTITLE" val="0"/>
   <p:tag name="KSO_WM_UNIT_PRESET_TEXT" val="单击此处添加标题"/>
@@ -30480,102 +30650,22 @@
 </p:tagLst>
 </file>
 
-<file path=ppt/tags/tag285.xml><?xml version="1.0" encoding="utf-8"?>
+<file path=ppt/tags/tag3.xml><?xml version="1.0" encoding="utf-8"?>
 <p:tagLst xmlns:a="http://schemas.openxmlformats.org/drawingml/2006/main" xmlns:r="http://schemas.openxmlformats.org/officeDocument/2006/relationships" xmlns:p="http://schemas.openxmlformats.org/presentationml/2006/main">
-  <p:tag name="TABLE_ENDDRAG_ORIGIN_RECT" val="280*50"/>
-  <p:tag name="TABLE_ENDDRAG_RECT" val="611*325*280*50"/>
-</p:tagLst>
-</file>
-
-<file path=ppt/tags/tag286.xml><?xml version="1.0" encoding="utf-8"?>
-<p:tagLst xmlns:a="http://schemas.openxmlformats.org/drawingml/2006/main" xmlns:r="http://schemas.openxmlformats.org/officeDocument/2006/relationships" xmlns:p="http://schemas.openxmlformats.org/presentationml/2006/main">
-  <p:tag name="KSO_WM_SLIDE_ID" val="custom20202582_7"/>
-  <p:tag name="KSO_WM_TEMPLATE_SUBCATEGORY" val="0"/>
-  <p:tag name="KSO_WM_TEMPLATE_MASTER_TYPE" val="1"/>
-  <p:tag name="KSO_WM_TEMPLATE_COLOR_TYPE" val="1"/>
-  <p:tag name="KSO_WM_SLIDE_TYPE" val="sectionTitle"/>
-  <p:tag name="KSO_WM_SLIDE_SUBTYPE" val="pureTxt"/>
-  <p:tag name="KSO_WM_SLIDE_ITEM_CNT" val="0"/>
-  <p:tag name="KSO_WM_SLIDE_INDEX" val="7"/>
+  <p:tag name="KSO_WM_UNIT_HIGHLIGHT" val="0"/>
+  <p:tag name="KSO_WM_UNIT_COMPATIBLE" val="0"/>
+  <p:tag name="KSO_WM_UNIT_DIAGRAM_ISNUMVISUAL" val="0"/>
+  <p:tag name="KSO_WM_UNIT_DIAGRAM_ISREFERUNIT" val="0"/>
+  <p:tag name="KSO_WM_UNIT_ID" val="_0**"/>
+  <p:tag name="KSO_WM_UNIT_LAYERLEVEL" val="1"/>
   <p:tag name="KSO_WM_TAG_VERSION" val="1.0"/>
   <p:tag name="KSO_WM_BEAUTIFY_FLAG" val="#wm#"/>
   <p:tag name="KSO_WM_TEMPLATE_CATEGORY" val="custom"/>
   <p:tag name="KSO_WM_TEMPLATE_INDEX" val="20202582"/>
-  <p:tag name="KSO_WM_SLIDE_LAYOUT" val="a_b_e_j"/>
-  <p:tag name="KSO_WM_SLIDE_LAYOUT_CNT" val="1_1_1_1"/>
 </p:tagLst>
 </file>
 
-<file path=ppt/tags/tag287.xml><?xml version="1.0" encoding="utf-8"?>
-<p:tagLst xmlns:a="http://schemas.openxmlformats.org/drawingml/2006/main" xmlns:r="http://schemas.openxmlformats.org/officeDocument/2006/relationships" xmlns:p="http://schemas.openxmlformats.org/presentationml/2006/main">
-  <p:tag name="KSO_WM_UNIT_ISCONTENTSTITLE" val="0"/>
-  <p:tag name="KSO_WM_UNIT_PRESET_TEXT" val="单击此处添加标题"/>
-  <p:tag name="KSO_WM_UNIT_NOCLEAR" val="0"/>
-  <p:tag name="KSO_WM_UNIT_VALUE" val="9"/>
-  <p:tag name="KSO_WM_UNIT_HIGHLIGHT" val="0"/>
-  <p:tag name="KSO_WM_UNIT_COMPATIBLE" val="0"/>
-  <p:tag name="KSO_WM_UNIT_DIAGRAM_ISNUMVISUAL" val="0"/>
-  <p:tag name="KSO_WM_UNIT_DIAGRAM_ISREFERUNIT" val="0"/>
-  <p:tag name="KSO_WM_UNIT_TYPE" val="a"/>
-  <p:tag name="KSO_WM_UNIT_INDEX" val="1"/>
-  <p:tag name="KSO_WM_UNIT_ID" val="custom20202582_7*a*1"/>
-  <p:tag name="KSO_WM_TEMPLATE_CATEGORY" val="custom"/>
-  <p:tag name="KSO_WM_TEMPLATE_INDEX" val="20202582"/>
-  <p:tag name="KSO_WM_UNIT_LAYERLEVEL" val="1"/>
-  <p:tag name="KSO_WM_TAG_VERSION" val="1.0"/>
-  <p:tag name="KSO_WM_BEAUTIFY_FLAG" val="#wm#"/>
-  <p:tag name="KSO_WM_UNIT_ISNUMDGMTITLE" val="0"/>
-</p:tagLst>
-</file>
-
-<file path=ppt/tags/tag288.xml><?xml version="1.0" encoding="utf-8"?>
-<p:tagLst xmlns:a="http://schemas.openxmlformats.org/drawingml/2006/main" xmlns:r="http://schemas.openxmlformats.org/officeDocument/2006/relationships" xmlns:p="http://schemas.openxmlformats.org/presentationml/2006/main">
-  <p:tag name="KSO_WM_UNIT_ISCONTENTSTITLE" val="0"/>
-  <p:tag name="KSO_WM_UNIT_PRESET_TEXT" val="Contents"/>
-  <p:tag name="KSO_WM_UNIT_NOCLEAR" val="0"/>
-  <p:tag name="KSO_WM_UNIT_VALUE" val="7"/>
-  <p:tag name="KSO_WM_UNIT_HIGHLIGHT" val="0"/>
-  <p:tag name="KSO_WM_UNIT_COMPATIBLE" val="0"/>
-  <p:tag name="KSO_WM_UNIT_DIAGRAM_ISNUMVISUAL" val="0"/>
-  <p:tag name="KSO_WM_UNIT_DIAGRAM_ISREFERUNIT" val="0"/>
-  <p:tag name="KSO_WM_DIAGRAM_GROUP_CODE" val="l1-1"/>
-  <p:tag name="KSO_WM_UNIT_TYPE" val="b"/>
-  <p:tag name="KSO_WM_UNIT_INDEX" val="1"/>
-  <p:tag name="KSO_WM_UNIT_ID" val="custom20202582_3*b*1"/>
-  <p:tag name="KSO_WM_TEMPLATE_CATEGORY" val="custom"/>
-  <p:tag name="KSO_WM_TEMPLATE_INDEX" val="20202582"/>
-  <p:tag name="KSO_WM_UNIT_LAYERLEVEL" val="1"/>
-  <p:tag name="KSO_WM_TAG_VERSION" val="1.0"/>
-  <p:tag name="KSO_WM_BEAUTIFY_FLAG" val="#wm#"/>
-  <p:tag name="KSO_WM_UNIT_ISNUMDGMTITLE" val="0"/>
-  <p:tag name="KSO_WM_UNIT_TEXT_FILL_FORE_SCHEMECOLOR_INDEX" val="13"/>
-  <p:tag name="KSO_WM_UNIT_TEXT_FILL_TYPE" val="1"/>
-  <p:tag name="KSO_WM_UNIT_USESOURCEFORMAT_APPLY" val="1"/>
-</p:tagLst>
-</file>
-
-<file path=ppt/tags/tag289.xml><?xml version="1.0" encoding="utf-8"?>
-<p:tagLst xmlns:a="http://schemas.openxmlformats.org/drawingml/2006/main" xmlns:r="http://schemas.openxmlformats.org/officeDocument/2006/relationships" xmlns:p="http://schemas.openxmlformats.org/presentationml/2006/main">
-  <p:tag name="KSO_WM_SLIDE_ID" val="custom20202582_13"/>
-  <p:tag name="KSO_WM_TEMPLATE_SUBCATEGORY" val="0"/>
-  <p:tag name="KSO_WM_TEMPLATE_MASTER_TYPE" val="1"/>
-  <p:tag name="KSO_WM_TEMPLATE_COLOR_TYPE" val="1"/>
-  <p:tag name="KSO_WM_SLIDE_TYPE" val="text"/>
-  <p:tag name="KSO_WM_SLIDE_SUBTYPE" val="picTxt"/>
-  <p:tag name="KSO_WM_SLIDE_ITEM_CNT" val="0"/>
-  <p:tag name="KSO_WM_SLIDE_INDEX" val="13"/>
-  <p:tag name="KSO_WM_SLIDE_SIZE" val="869*422"/>
-  <p:tag name="KSO_WM_SLIDE_POSITION" val="45*18"/>
-  <p:tag name="KSO_WM_TAG_VERSION" val="1.0"/>
-  <p:tag name="KSO_WM_BEAUTIFY_FLAG" val="#wm#"/>
-  <p:tag name="KSO_WM_TEMPLATE_CATEGORY" val="custom"/>
-  <p:tag name="KSO_WM_TEMPLATE_INDEX" val="20202582"/>
-  <p:tag name="KSO_WM_SLIDE_LAYOUT" val="a_d_f"/>
-  <p:tag name="KSO_WM_SLIDE_LAYOUT_CNT" val="1_2_2"/>
-</p:tagLst>
-</file>
-
-<file path=ppt/tags/tag29.xml><?xml version="1.0" encoding="utf-8"?>
+<file path=ppt/tags/tag30.xml><?xml version="1.0" encoding="utf-8"?>
 <p:tagLst xmlns:a="http://schemas.openxmlformats.org/drawingml/2006/main" xmlns:r="http://schemas.openxmlformats.org/officeDocument/2006/relationships" xmlns:p="http://schemas.openxmlformats.org/presentationml/2006/main">
   <p:tag name="KSO_WM_UNIT_HIGHLIGHT" val="0"/>
   <p:tag name="KSO_WM_UNIT_COMPATIBLE" val="0"/>
@@ -30588,36 +30678,14 @@
 </p:tagLst>
 </file>
 
-<file path=ppt/tags/tag290.xml><?xml version="1.0" encoding="utf-8"?>
+<file path=ppt/tags/tag301.xml><?xml version="1.0" encoding="utf-8"?>
 <p:tagLst xmlns:a="http://schemas.openxmlformats.org/drawingml/2006/main" xmlns:r="http://schemas.openxmlformats.org/officeDocument/2006/relationships" xmlns:p="http://schemas.openxmlformats.org/presentationml/2006/main">
-  <p:tag name="KSO_WM_UNIT_ISCONTENTSTITLE" val="0"/>
-  <p:tag name="KSO_WM_UNIT_PRESET_TEXT" val="单击此处添加标题"/>
-  <p:tag name="KSO_WM_UNIT_NOCLEAR" val="0"/>
-  <p:tag name="KSO_WM_UNIT_VALUE" val="42"/>
-  <p:tag name="KSO_WM_UNIT_HIGHLIGHT" val="0"/>
-  <p:tag name="KSO_WM_UNIT_COMPATIBLE" val="0"/>
-  <p:tag name="KSO_WM_UNIT_DIAGRAM_ISNUMVISUAL" val="0"/>
-  <p:tag name="KSO_WM_UNIT_DIAGRAM_ISREFERUNIT" val="0"/>
-  <p:tag name="KSO_WM_UNIT_TYPE" val="a"/>
-  <p:tag name="KSO_WM_UNIT_INDEX" val="1"/>
-  <p:tag name="KSO_WM_UNIT_ID" val="custom20202582_13*a*1"/>
-  <p:tag name="KSO_WM_TEMPLATE_CATEGORY" val="custom"/>
-  <p:tag name="KSO_WM_TEMPLATE_INDEX" val="20202582"/>
-  <p:tag name="KSO_WM_UNIT_LAYERLEVEL" val="1"/>
-  <p:tag name="KSO_WM_TAG_VERSION" val="1.0"/>
-  <p:tag name="KSO_WM_BEAUTIFY_FLAG" val="#wm#"/>
-  <p:tag name="KSO_WM_UNIT_ISNUMDGMTITLE" val="0"/>
+  <p:tag name="TABLE_ENDDRAG_ORIGIN_RECT" val="195*115"/>
+  <p:tag name="TABLE_ENDDRAG_RECT" val="612*107*195*115"/>
 </p:tagLst>
 </file>
 
-<file path=ppt/tags/tag291.xml><?xml version="1.0" encoding="utf-8"?>
-<p:tagLst xmlns:a="http://schemas.openxmlformats.org/drawingml/2006/main" xmlns:r="http://schemas.openxmlformats.org/officeDocument/2006/relationships" xmlns:p="http://schemas.openxmlformats.org/presentationml/2006/main">
-  <p:tag name="TABLE_ENDDRAG_ORIGIN_RECT" val="351*115"/>
-  <p:tag name="TABLE_ENDDRAG_RECT" val="526*259*351*115"/>
-</p:tagLst>
-</file>
-
-<file path=ppt/tags/tag292.xml><?xml version="1.0" encoding="utf-8"?>
+<file path=ppt/tags/tag302.xml><?xml version="1.0" encoding="utf-8"?>
 <p:tagLst xmlns:a="http://schemas.openxmlformats.org/drawingml/2006/main" xmlns:r="http://schemas.openxmlformats.org/officeDocument/2006/relationships" xmlns:p="http://schemas.openxmlformats.org/presentationml/2006/main">
   <p:tag name="KSO_WM_UNIT_PRESET_TEXT" val="单击此处添加文本具体内容，简明扼要的阐述您的观点。"/>
   <p:tag name="KSO_WM_UNIT_NOCLEAR" val="0"/>
@@ -30638,211 +30706,6 @@
 </p:tagLst>
 </file>
 
-<file path=ppt/tags/tag2920.xml><?xml version="1.0" encoding="utf-8"?>
-<p:tagLst xmlns:p="http://schemas.openxmlformats.org/presentationml/2006/main">
-  <p:tag name="KSO_WM_UNIT_PRESET_TEXT" val="单击此处添加文本具体内容，简明扼要的阐述您的观点。"/>
-  <p:tag name="KSO_WM_UNIT_NOCLEAR" val="0"/>
-  <p:tag name="KSO_WM_UNIT_VALUE" val="50"/>
-  <p:tag name="KSO_WM_UNIT_HIGHLIGHT" val="0"/>
-  <p:tag name="KSO_WM_UNIT_COMPATIBLE" val="0"/>
-  <p:tag name="KSO_WM_UNIT_DIAGRAM_ISNUMVISUAL" val="0"/>
-  <p:tag name="KSO_WM_UNIT_DIAGRAM_ISREFERUNIT" val="0"/>
-  <p:tag name="KSO_WM_UNIT_TYPE" val="f"/>
-  <p:tag name="KSO_WM_UNIT_INDEX" val="2"/>
-  <p:tag name="KSO_WM_UNIT_ID" val="custom20202582_13*f*2"/>
-  <p:tag name="KSO_WM_TEMPLATE_CATEGORY" val="custom"/>
-  <p:tag name="KSO_WM_TEMPLATE_INDEX" val="20202582"/>
-  <p:tag name="KSO_WM_UNIT_LAYERLEVEL" val="1"/>
-  <p:tag name="KSO_WM_TAG_VERSION" val="1.0"/>
-  <p:tag name="KSO_WM_BEAUTIFY_FLAG" val="#wm#"/>
-  <p:tag name="KSO_WM_UNIT_SUBTYPE" val="a"/>
-</p:tagLst>
-</file>
-
-<file path=ppt/tags/tag293.xml><?xml version="1.0" encoding="utf-8"?>
-<p:tagLst xmlns:a="http://schemas.openxmlformats.org/drawingml/2006/main" xmlns:r="http://schemas.openxmlformats.org/officeDocument/2006/relationships" xmlns:p="http://schemas.openxmlformats.org/presentationml/2006/main">
-  <p:tag name="TABLE_ENDDRAG_ORIGIN_RECT" val="351*115"/>
-  <p:tag name="TABLE_ENDDRAG_RECT" val="526*259*351*115"/>
-</p:tagLst>
-</file>
-
-<file path=ppt/tags/tag294.xml><?xml version="1.0" encoding="utf-8"?>
-<p:tagLst xmlns:a="http://schemas.openxmlformats.org/drawingml/2006/main" xmlns:r="http://schemas.openxmlformats.org/officeDocument/2006/relationships" xmlns:p="http://schemas.openxmlformats.org/presentationml/2006/main">
-  <p:tag name="TABLE_ENDDRAG_ORIGIN_RECT" val="351*115"/>
-  <p:tag name="TABLE_ENDDRAG_RECT" val="526*259*351*115"/>
-</p:tagLst>
-</file>
-
-<file path=ppt/tags/tag295.xml><?xml version="1.0" encoding="utf-8"?>
-<p:tagLst xmlns:a="http://schemas.openxmlformats.org/drawingml/2006/main" xmlns:r="http://schemas.openxmlformats.org/officeDocument/2006/relationships" xmlns:p="http://schemas.openxmlformats.org/presentationml/2006/main">
-  <p:tag name="KSO_WM_SLIDE_ID" val="custom20202582_13"/>
-  <p:tag name="KSO_WM_TEMPLATE_SUBCATEGORY" val="0"/>
-  <p:tag name="KSO_WM_TEMPLATE_MASTER_TYPE" val="1"/>
-  <p:tag name="KSO_WM_TEMPLATE_COLOR_TYPE" val="1"/>
-  <p:tag name="KSO_WM_SLIDE_TYPE" val="text"/>
-  <p:tag name="KSO_WM_SLIDE_SUBTYPE" val="picTxt"/>
-  <p:tag name="KSO_WM_SLIDE_ITEM_CNT" val="0"/>
-  <p:tag name="KSO_WM_SLIDE_INDEX" val="13"/>
-  <p:tag name="KSO_WM_SLIDE_SIZE" val="869*422"/>
-  <p:tag name="KSO_WM_SLIDE_POSITION" val="45*18"/>
-  <p:tag name="KSO_WM_TAG_VERSION" val="1.0"/>
-  <p:tag name="KSO_WM_BEAUTIFY_FLAG" val="#wm#"/>
-  <p:tag name="KSO_WM_TEMPLATE_CATEGORY" val="custom"/>
-  <p:tag name="KSO_WM_TEMPLATE_INDEX" val="20202582"/>
-  <p:tag name="KSO_WM_SLIDE_LAYOUT" val="a_d_f"/>
-  <p:tag name="KSO_WM_SLIDE_LAYOUT_CNT" val="1_2_2"/>
-</p:tagLst>
-</file>
-
-<file path=ppt/tags/tag296.xml><?xml version="1.0" encoding="utf-8"?>
-<p:tagLst xmlns:a="http://schemas.openxmlformats.org/drawingml/2006/main" xmlns:r="http://schemas.openxmlformats.org/officeDocument/2006/relationships" xmlns:p="http://schemas.openxmlformats.org/presentationml/2006/main">
-  <p:tag name="KSO_WM_UNIT_ISCONTENTSTITLE" val="0"/>
-  <p:tag name="KSO_WM_UNIT_PRESET_TEXT" val="单击此处添加标题"/>
-  <p:tag name="KSO_WM_UNIT_NOCLEAR" val="0"/>
-  <p:tag name="KSO_WM_UNIT_VALUE" val="42"/>
-  <p:tag name="KSO_WM_UNIT_HIGHLIGHT" val="0"/>
-  <p:tag name="KSO_WM_UNIT_COMPATIBLE" val="0"/>
-  <p:tag name="KSO_WM_UNIT_DIAGRAM_ISNUMVISUAL" val="0"/>
-  <p:tag name="KSO_WM_UNIT_DIAGRAM_ISREFERUNIT" val="0"/>
-  <p:tag name="KSO_WM_UNIT_TYPE" val="a"/>
-  <p:tag name="KSO_WM_UNIT_INDEX" val="1"/>
-  <p:tag name="KSO_WM_UNIT_ID" val="custom20202582_13*a*1"/>
-  <p:tag name="KSO_WM_TEMPLATE_CATEGORY" val="custom"/>
-  <p:tag name="KSO_WM_TEMPLATE_INDEX" val="20202582"/>
-  <p:tag name="KSO_WM_UNIT_LAYERLEVEL" val="1"/>
-  <p:tag name="KSO_WM_TAG_VERSION" val="1.0"/>
-  <p:tag name="KSO_WM_BEAUTIFY_FLAG" val="#wm#"/>
-  <p:tag name="KSO_WM_UNIT_ISNUMDGMTITLE" val="0"/>
-</p:tagLst>
-</file>
-
-<file path=ppt/tags/tag297.xml><?xml version="1.0" encoding="utf-8"?>
-<p:tagLst xmlns:a="http://schemas.openxmlformats.org/drawingml/2006/main" xmlns:r="http://schemas.openxmlformats.org/officeDocument/2006/relationships" xmlns:p="http://schemas.openxmlformats.org/presentationml/2006/main">
-  <p:tag name="KSO_WM_UNIT_PRESET_TEXT" val="单击此处添加文本具体内容，简明扼要的阐述您的观点。"/>
-  <p:tag name="KSO_WM_UNIT_NOCLEAR" val="0"/>
-  <p:tag name="KSO_WM_UNIT_VALUE" val="50"/>
-  <p:tag name="KSO_WM_UNIT_HIGHLIGHT" val="0"/>
-  <p:tag name="KSO_WM_UNIT_COMPATIBLE" val="0"/>
-  <p:tag name="KSO_WM_UNIT_DIAGRAM_ISNUMVISUAL" val="0"/>
-  <p:tag name="KSO_WM_UNIT_DIAGRAM_ISREFERUNIT" val="0"/>
-  <p:tag name="KSO_WM_UNIT_TYPE" val="f"/>
-  <p:tag name="KSO_WM_UNIT_INDEX" val="2"/>
-  <p:tag name="KSO_WM_UNIT_ID" val="custom20202582_13*f*2"/>
-  <p:tag name="KSO_WM_TEMPLATE_CATEGORY" val="custom"/>
-  <p:tag name="KSO_WM_TEMPLATE_INDEX" val="20202582"/>
-  <p:tag name="KSO_WM_UNIT_LAYERLEVEL" val="1"/>
-  <p:tag name="KSO_WM_TAG_VERSION" val="1.0"/>
-  <p:tag name="KSO_WM_BEAUTIFY_FLAG" val="#wm#"/>
-  <p:tag name="KSO_WM_UNIT_SUBTYPE" val="a"/>
-</p:tagLst>
-</file>
-
-<file path=ppt/tags/tag298.xml><?xml version="1.0" encoding="utf-8"?>
-<p:tagLst xmlns:a="http://schemas.openxmlformats.org/drawingml/2006/main" xmlns:r="http://schemas.openxmlformats.org/officeDocument/2006/relationships" xmlns:p="http://schemas.openxmlformats.org/presentationml/2006/main">
-  <p:tag name="TABLE_ENDDRAG_ORIGIN_RECT" val="219*136"/>
-  <p:tag name="TABLE_ENDDRAG_RECT" val="53*306*219*136"/>
-</p:tagLst>
-</file>
-
-<file path=ppt/tags/tag299.xml><?xml version="1.0" encoding="utf-8"?>
-<p:tagLst xmlns:a="http://schemas.openxmlformats.org/drawingml/2006/main" xmlns:r="http://schemas.openxmlformats.org/officeDocument/2006/relationships" xmlns:p="http://schemas.openxmlformats.org/presentationml/2006/main">
-  <p:tag name="TABLE_ENDDRAG_ORIGIN_RECT" val="219*136"/>
-  <p:tag name="TABLE_ENDDRAG_RECT" val="53*306*219*136"/>
-</p:tagLst>
-</file>
-
-<file path=ppt/tags/tag3.xml><?xml version="1.0" encoding="utf-8"?>
-<p:tagLst xmlns:a="http://schemas.openxmlformats.org/drawingml/2006/main" xmlns:r="http://schemas.openxmlformats.org/officeDocument/2006/relationships" xmlns:p="http://schemas.openxmlformats.org/presentationml/2006/main">
-  <p:tag name="KSO_WM_UNIT_HIGHLIGHT" val="0"/>
-  <p:tag name="KSO_WM_UNIT_COMPATIBLE" val="0"/>
-  <p:tag name="KSO_WM_UNIT_DIAGRAM_ISNUMVISUAL" val="0"/>
-  <p:tag name="KSO_WM_UNIT_DIAGRAM_ISREFERUNIT" val="0"/>
-  <p:tag name="KSO_WM_UNIT_ID" val="_0**"/>
-  <p:tag name="KSO_WM_UNIT_LAYERLEVEL" val="1"/>
-  <p:tag name="KSO_WM_TAG_VERSION" val="1.0"/>
-  <p:tag name="KSO_WM_BEAUTIFY_FLAG" val="#wm#"/>
-  <p:tag name="KSO_WM_TEMPLATE_CATEGORY" val="custom"/>
-  <p:tag name="KSO_WM_TEMPLATE_INDEX" val="20202582"/>
-</p:tagLst>
-</file>
-
-<file path=ppt/tags/tag30.xml><?xml version="1.0" encoding="utf-8"?>
-<p:tagLst xmlns:a="http://schemas.openxmlformats.org/drawingml/2006/main" xmlns:r="http://schemas.openxmlformats.org/officeDocument/2006/relationships" xmlns:p="http://schemas.openxmlformats.org/presentationml/2006/main">
-  <p:tag name="KSO_WM_UNIT_HIGHLIGHT" val="0"/>
-  <p:tag name="KSO_WM_UNIT_COMPATIBLE" val="0"/>
-  <p:tag name="KSO_WM_UNIT_DIAGRAM_ISNUMVISUAL" val="0"/>
-  <p:tag name="KSO_WM_UNIT_DIAGRAM_ISREFERUNIT" val="0"/>
-  <p:tag name="KSO_WM_UNIT_ID" val="_2**"/>
-  <p:tag name="KSO_WM_UNIT_LAYERLEVEL" val="1"/>
-  <p:tag name="KSO_WM_TAG_VERSION" val="1.0"/>
-  <p:tag name="KSO_WM_BEAUTIFY_FLAG" val="#wm#"/>
-</p:tagLst>
-</file>
-
-<file path=ppt/tags/tag300.xml><?xml version="1.0" encoding="utf-8"?>
-<p:tagLst xmlns:a="http://schemas.openxmlformats.org/drawingml/2006/main" xmlns:r="http://schemas.openxmlformats.org/officeDocument/2006/relationships" xmlns:p="http://schemas.openxmlformats.org/presentationml/2006/main">
-  <p:tag name="KSO_WM_UNIT_PRESET_TEXT" val="单击此处添加文本具体内容，简明扼要的阐述您的观点。"/>
-  <p:tag name="KSO_WM_UNIT_NOCLEAR" val="0"/>
-  <p:tag name="KSO_WM_UNIT_VALUE" val="50"/>
-  <p:tag name="KSO_WM_UNIT_HIGHLIGHT" val="0"/>
-  <p:tag name="KSO_WM_UNIT_COMPATIBLE" val="0"/>
-  <p:tag name="KSO_WM_UNIT_DIAGRAM_ISNUMVISUAL" val="0"/>
-  <p:tag name="KSO_WM_UNIT_DIAGRAM_ISREFERUNIT" val="0"/>
-  <p:tag name="KSO_WM_UNIT_TYPE" val="f"/>
-  <p:tag name="KSO_WM_UNIT_INDEX" val="2"/>
-  <p:tag name="KSO_WM_UNIT_ID" val="custom20202582_13*f*2"/>
-  <p:tag name="KSO_WM_TEMPLATE_CATEGORY" val="custom"/>
-  <p:tag name="KSO_WM_TEMPLATE_INDEX" val="20202582"/>
-  <p:tag name="KSO_WM_UNIT_LAYERLEVEL" val="1"/>
-  <p:tag name="KSO_WM_TAG_VERSION" val="1.0"/>
-  <p:tag name="KSO_WM_BEAUTIFY_FLAG" val="#wm#"/>
-  <p:tag name="KSO_WM_UNIT_SUBTYPE" val="a"/>
-</p:tagLst>
-</file>
-
-<file path=ppt/tags/tag301.xml><?xml version="1.0" encoding="utf-8"?>
-<p:tagLst xmlns:a="http://schemas.openxmlformats.org/drawingml/2006/main" xmlns:r="http://schemas.openxmlformats.org/officeDocument/2006/relationships" xmlns:p="http://schemas.openxmlformats.org/presentationml/2006/main">
-  <p:tag name="KSO_WM_SLIDE_ID" val="custom20202582_13"/>
-  <p:tag name="KSO_WM_TEMPLATE_SUBCATEGORY" val="0"/>
-  <p:tag name="KSO_WM_TEMPLATE_MASTER_TYPE" val="1"/>
-  <p:tag name="KSO_WM_TEMPLATE_COLOR_TYPE" val="1"/>
-  <p:tag name="KSO_WM_SLIDE_TYPE" val="text"/>
-  <p:tag name="KSO_WM_SLIDE_SUBTYPE" val="picTxt"/>
-  <p:tag name="KSO_WM_SLIDE_ITEM_CNT" val="0"/>
-  <p:tag name="KSO_WM_SLIDE_INDEX" val="13"/>
-  <p:tag name="KSO_WM_SLIDE_SIZE" val="869*422"/>
-  <p:tag name="KSO_WM_SLIDE_POSITION" val="45*18"/>
-  <p:tag name="KSO_WM_TAG_VERSION" val="1.0"/>
-  <p:tag name="KSO_WM_BEAUTIFY_FLAG" val="#wm#"/>
-  <p:tag name="KSO_WM_TEMPLATE_CATEGORY" val="custom"/>
-  <p:tag name="KSO_WM_TEMPLATE_INDEX" val="20202582"/>
-  <p:tag name="KSO_WM_SLIDE_LAYOUT" val="a_d_f"/>
-  <p:tag name="KSO_WM_SLIDE_LAYOUT_CNT" val="1_2_2"/>
-</p:tagLst>
-</file>
-
-<file path=ppt/tags/tag302.xml><?xml version="1.0" encoding="utf-8"?>
-<p:tagLst xmlns:a="http://schemas.openxmlformats.org/drawingml/2006/main" xmlns:r="http://schemas.openxmlformats.org/officeDocument/2006/relationships" xmlns:p="http://schemas.openxmlformats.org/presentationml/2006/main">
-  <p:tag name="KSO_WM_UNIT_ISCONTENTSTITLE" val="0"/>
-  <p:tag name="KSO_WM_UNIT_PRESET_TEXT" val="单击此处添加标题"/>
-  <p:tag name="KSO_WM_UNIT_NOCLEAR" val="0"/>
-  <p:tag name="KSO_WM_UNIT_VALUE" val="42"/>
-  <p:tag name="KSO_WM_UNIT_HIGHLIGHT" val="0"/>
-  <p:tag name="KSO_WM_UNIT_COMPATIBLE" val="0"/>
-  <p:tag name="KSO_WM_UNIT_DIAGRAM_ISNUMVISUAL" val="0"/>
-  <p:tag name="KSO_WM_UNIT_DIAGRAM_ISREFERUNIT" val="0"/>
-  <p:tag name="KSO_WM_UNIT_TYPE" val="a"/>
-  <p:tag name="KSO_WM_UNIT_INDEX" val="1"/>
-  <p:tag name="KSO_WM_UNIT_ID" val="custom20202582_13*a*1"/>
-  <p:tag name="KSO_WM_TEMPLATE_CATEGORY" val="custom"/>
-  <p:tag name="KSO_WM_TEMPLATE_INDEX" val="20202582"/>
-  <p:tag name="KSO_WM_UNIT_LAYERLEVEL" val="1"/>
-  <p:tag name="KSO_WM_TAG_VERSION" val="1.0"/>
-  <p:tag name="KSO_WM_BEAUTIFY_FLAG" val="#wm#"/>
-  <p:tag name="KSO_WM_UNIT_ISNUMDGMTITLE" val="0"/>
-</p:tagLst>
-</file>
-
 <file path=ppt/tags/tag303.xml><?xml version="1.0" encoding="utf-8"?>
 <p:tagLst xmlns:a="http://schemas.openxmlformats.org/drawingml/2006/main" xmlns:r="http://schemas.openxmlformats.org/officeDocument/2006/relationships" xmlns:p="http://schemas.openxmlformats.org/presentationml/2006/main">
   <p:tag name="TABLE_ENDDRAG_ORIGIN_RECT" val="195*115"/>
@@ -30852,40 +30715,12 @@
 
 <file path=ppt/tags/tag304.xml><?xml version="1.0" encoding="utf-8"?>
 <p:tagLst xmlns:a="http://schemas.openxmlformats.org/drawingml/2006/main" xmlns:r="http://schemas.openxmlformats.org/officeDocument/2006/relationships" xmlns:p="http://schemas.openxmlformats.org/presentationml/2006/main">
-  <p:tag name="KSO_WM_UNIT_PRESET_TEXT" val="单击此处添加文本具体内容，简明扼要的阐述您的观点。"/>
-  <p:tag name="KSO_WM_UNIT_NOCLEAR" val="0"/>
-  <p:tag name="KSO_WM_UNIT_VALUE" val="50"/>
-  <p:tag name="KSO_WM_UNIT_HIGHLIGHT" val="0"/>
-  <p:tag name="KSO_WM_UNIT_COMPATIBLE" val="0"/>
-  <p:tag name="KSO_WM_UNIT_DIAGRAM_ISNUMVISUAL" val="0"/>
-  <p:tag name="KSO_WM_UNIT_DIAGRAM_ISREFERUNIT" val="0"/>
-  <p:tag name="KSO_WM_UNIT_TYPE" val="f"/>
-  <p:tag name="KSO_WM_UNIT_INDEX" val="2"/>
-  <p:tag name="KSO_WM_UNIT_ID" val="custom20202582_13*f*2"/>
-  <p:tag name="KSO_WM_TEMPLATE_CATEGORY" val="custom"/>
-  <p:tag name="KSO_WM_TEMPLATE_INDEX" val="20202582"/>
-  <p:tag name="KSO_WM_UNIT_LAYERLEVEL" val="1"/>
-  <p:tag name="KSO_WM_TAG_VERSION" val="1.0"/>
-  <p:tag name="KSO_WM_BEAUTIFY_FLAG" val="#wm#"/>
-  <p:tag name="KSO_WM_UNIT_SUBTYPE" val="a"/>
-</p:tagLst>
-</file>
-
-<file path=ppt/tags/tag305.xml><?xml version="1.0" encoding="utf-8"?>
-<p:tagLst xmlns:a="http://schemas.openxmlformats.org/drawingml/2006/main" xmlns:r="http://schemas.openxmlformats.org/officeDocument/2006/relationships" xmlns:p="http://schemas.openxmlformats.org/presentationml/2006/main">
   <p:tag name="TABLE_ENDDRAG_ORIGIN_RECT" val="195*115"/>
   <p:tag name="TABLE_ENDDRAG_RECT" val="612*107*195*115"/>
 </p:tagLst>
 </file>
 
-<file path=ppt/tags/tag306.xml><?xml version="1.0" encoding="utf-8"?>
-<p:tagLst xmlns:a="http://schemas.openxmlformats.org/drawingml/2006/main" xmlns:r="http://schemas.openxmlformats.org/officeDocument/2006/relationships" xmlns:p="http://schemas.openxmlformats.org/presentationml/2006/main">
-  <p:tag name="TABLE_ENDDRAG_ORIGIN_RECT" val="195*115"/>
-  <p:tag name="TABLE_ENDDRAG_RECT" val="612*107*195*115"/>
-</p:tagLst>
-</file>
-
-<file path=ppt/tags/tag307.xml><?xml version="1.0" encoding="utf-8"?>
+<file path=ppt/tags/tag305.xml><?xml version="1.0" encoding="utf-8"?>
 <p:tagLst xmlns:a="http://schemas.openxmlformats.org/drawingml/2006/main" xmlns:r="http://schemas.openxmlformats.org/officeDocument/2006/relationships" xmlns:p="http://schemas.openxmlformats.org/presentationml/2006/main">
   <p:tag name="TABLE_ENDDRAG_ORIGIN_RECT" val="195*115"/>
   <p:tag name="TABLE_ENDDRAG_RECT" val="612*107*195*115"/>

--- a/slides/Chapter2.pptx
+++ b/slides/Chapter2.pptx
@@ -5,7 +5,7 @@
     <p:sldMasterId id="2147483660" r:id="rId1"/>
   </p:sldMasterIdLst>
   <p:notesMasterIdLst>
-    <p:notesMasterId r:id="rId21"/>
+    <p:notesMasterId r:id="rId22"/>
   </p:notesMasterIdLst>
   <p:sldIdLst>
     <p:sldId id="259" r:id="rId2"/>
@@ -19,19 +19,20 @@
     <p:sldId id="303" r:id="rId10"/>
     <p:sldId id="306" r:id="rId11"/>
     <p:sldId id="307" r:id="rId12"/>
-    <p:sldId id="308" r:id="rId13"/>
-    <p:sldId id="309" r:id="rId14"/>
-    <p:sldId id="311" r:id="rId15"/>
-    <p:sldId id="312" r:id="rId16"/>
-    <p:sldId id="313" r:id="rId17"/>
-    <p:sldId id="315" r:id="rId18"/>
-    <p:sldId id="319" r:id="rId19"/>
-    <p:sldId id="316" r:id="rId20"/>
+    <p:sldId id="313" r:id="rId13"/>
+    <p:sldId id="315" r:id="rId14"/>
+    <p:sldId id="319" r:id="rId15"/>
+    <p:sldId id="308" r:id="rId16"/>
+    <p:sldId id="309" r:id="rId17"/>
+    <p:sldId id="311" r:id="rId18"/>
+    <p:sldId id="312" r:id="rId19"/>
+    <p:sldId id="320" r:id="rId20"/>
+    <p:sldId id="316" r:id="rId21"/>
   </p:sldIdLst>
   <p:sldSz cx="12192000" cy="6858000"/>
   <p:notesSz cx="6858000" cy="9144000"/>
   <p:custDataLst>
-    <p:tags r:id="rId22"/>
+    <p:tags r:id="rId23"/>
   </p:custDataLst>
   <p:defaultTextStyle>
     <a:defPPr>
@@ -224,7 +225,7 @@
           <a:p>
             <a:fld id="{D2A48B96-639E-45A3-A0BA-2464DFDB1FAA}" type="datetimeFigureOut">
               <a:rPr lang="zh-CN" altLang="en-US" smtClean="0"/>
-              <a:t>2023/1/12</a:t>
+              <a:t>2023/1/18</a:t>
             </a:fld>
             <a:endParaRPr lang="zh-CN" altLang="en-US"/>
           </a:p>
@@ -614,6 +615,11 @@
         </p:txBody>
       </p:sp>
     </p:spTree>
+    <p:extLst>
+      <p:ext uri="{BB962C8B-B14F-4D97-AF65-F5344CB8AC3E}">
+        <p14:creationId xmlns:p14="http://schemas.microsoft.com/office/powerpoint/2010/main" val="3149255513"/>
+      </p:ext>
+    </p:extLst>
   </p:cSld>
   <p:clrMapOvr>
     <a:masterClrMapping/>
@@ -693,6 +699,11 @@
         </p:txBody>
       </p:sp>
     </p:spTree>
+    <p:extLst>
+      <p:ext uri="{BB962C8B-B14F-4D97-AF65-F5344CB8AC3E}">
+        <p14:creationId xmlns:p14="http://schemas.microsoft.com/office/powerpoint/2010/main" val="3027504455"/>
+      </p:ext>
+    </p:extLst>
   </p:cSld>
   <p:clrMapOvr>
     <a:masterClrMapping/>
@@ -765,7 +776,7 @@
           <a:p>
             <a:fld id="{7421D011-EC35-498F-ADE3-3197FF1A64D5}" type="slidenum">
               <a:rPr lang="zh-CN" altLang="en-US" smtClean="0"/>
-              <a:t>15</a:t>
+              <a:t>16</a:t>
             </a:fld>
             <a:endParaRPr lang="zh-CN" altLang="en-US"/>
           </a:p>
@@ -930,11 +941,6 @@
         </p:txBody>
       </p:sp>
     </p:spTree>
-    <p:extLst>
-      <p:ext uri="{BB962C8B-B14F-4D97-AF65-F5344CB8AC3E}">
-        <p14:creationId xmlns:p14="http://schemas.microsoft.com/office/powerpoint/2010/main" val="60811693"/>
-      </p:ext>
-    </p:extLst>
   </p:cSld>
   <p:clrMapOvr>
     <a:masterClrMapping/>
@@ -1007,7 +1013,7 @@
           <a:p>
             <a:fld id="{7421D011-EC35-498F-ADE3-3197FF1A64D5}" type="slidenum">
               <a:rPr lang="zh-CN" altLang="en-US" smtClean="0"/>
-              <a:t>19</a:t>
+              <a:t>20</a:t>
             </a:fld>
             <a:endParaRPr lang="zh-CN" altLang="en-US"/>
           </a:p>
@@ -2271,7 +2277,7 @@
           <a:p>
             <a:fld id="{760FBDFE-C587-4B4C-A407-44438C67B59E}" type="datetimeFigureOut">
               <a:rPr lang="zh-CN" altLang="en-US" smtClean="0"/>
-              <a:t>2023/1/12</a:t>
+              <a:t>2023/1/18</a:t>
             </a:fld>
             <a:endParaRPr lang="zh-CN" altLang="en-US"/>
           </a:p>
@@ -3034,7 +3040,7 @@
           <a:p>
             <a:fld id="{760FBDFE-C587-4B4C-A407-44438C67B59E}" type="datetimeFigureOut">
               <a:rPr lang="zh-CN" altLang="en-US" smtClean="0"/>
-              <a:t>2023/1/12</a:t>
+              <a:t>2023/1/18</a:t>
             </a:fld>
             <a:endParaRPr lang="zh-CN" altLang="en-US"/>
           </a:p>
@@ -3801,7 +3807,7 @@
           <a:p>
             <a:fld id="{760FBDFE-C587-4B4C-A407-44438C67B59E}" type="datetimeFigureOut">
               <a:rPr lang="zh-CN" altLang="en-US" smtClean="0"/>
-              <a:t>2023/1/12</a:t>
+              <a:t>2023/1/18</a:t>
             </a:fld>
             <a:endParaRPr lang="zh-CN" altLang="en-US"/>
           </a:p>
@@ -4267,7 +4273,7 @@
           <a:p>
             <a:fld id="{760FBDFE-C587-4B4C-A407-44438C67B59E}" type="datetimeFigureOut">
               <a:rPr lang="zh-CN" altLang="en-US" smtClean="0"/>
-              <a:t>2023/1/12</a:t>
+              <a:t>2023/1/18</a:t>
             </a:fld>
             <a:endParaRPr lang="zh-CN" altLang="en-US"/>
           </a:p>
@@ -4957,7 +4963,7 @@
           <a:p>
             <a:fld id="{760FBDFE-C587-4B4C-A407-44438C67B59E}" type="datetimeFigureOut">
               <a:rPr lang="zh-CN" altLang="en-US" smtClean="0"/>
-              <a:t>2023/1/12</a:t>
+              <a:t>2023/1/18</a:t>
             </a:fld>
             <a:endParaRPr lang="zh-CN" altLang="en-US"/>
           </a:p>
@@ -5431,7 +5437,7 @@
           <a:p>
             <a:fld id="{760FBDFE-C587-4B4C-A407-44438C67B59E}" type="datetimeFigureOut">
               <a:rPr lang="zh-CN" altLang="en-US" smtClean="0"/>
-              <a:t>2023/1/12</a:t>
+              <a:t>2023/1/18</a:t>
             </a:fld>
             <a:endParaRPr lang="zh-CN" altLang="en-US" dirty="0"/>
           </a:p>
@@ -6157,7 +6163,7 @@
           <a:p>
             <a:fld id="{760FBDFE-C587-4B4C-A407-44438C67B59E}" type="datetimeFigureOut">
               <a:rPr lang="zh-CN" altLang="en-US" smtClean="0"/>
-              <a:t>2023/1/12</a:t>
+              <a:t>2023/1/18</a:t>
             </a:fld>
             <a:endParaRPr lang="zh-CN" altLang="en-US"/>
           </a:p>
@@ -6797,7 +6803,7 @@
           <a:p>
             <a:fld id="{760FBDFE-C587-4B4C-A407-44438C67B59E}" type="datetimeFigureOut">
               <a:rPr lang="zh-CN" altLang="en-US" smtClean="0"/>
-              <a:t>2023/1/12</a:t>
+              <a:t>2023/1/18</a:t>
             </a:fld>
             <a:endParaRPr lang="zh-CN" altLang="en-US"/>
           </a:p>
@@ -7224,7 +7230,7 @@
           <a:p>
             <a:fld id="{760FBDFE-C587-4B4C-A407-44438C67B59E}" type="datetimeFigureOut">
               <a:rPr lang="zh-CN" altLang="en-US" smtClean="0"/>
-              <a:t>2023/1/12</a:t>
+              <a:t>2023/1/18</a:t>
             </a:fld>
             <a:endParaRPr lang="zh-CN" altLang="en-US"/>
           </a:p>
@@ -8424,7 +8430,7 @@
           <a:p>
             <a:fld id="{760FBDFE-C587-4B4C-A407-44438C67B59E}" type="datetimeFigureOut">
               <a:rPr lang="zh-CN" altLang="en-US" smtClean="0"/>
-              <a:t>2023/1/12</a:t>
+              <a:t>2023/1/18</a:t>
             </a:fld>
             <a:endParaRPr lang="zh-CN" altLang="en-US"/>
           </a:p>
@@ -9112,7 +9118,7 @@
           <a:p>
             <a:fld id="{760FBDFE-C587-4B4C-A407-44438C67B59E}" type="datetimeFigureOut">
               <a:rPr lang="zh-CN" altLang="en-US" smtClean="0"/>
-              <a:t>2023/1/12</a:t>
+              <a:t>2023/1/18</a:t>
             </a:fld>
             <a:endParaRPr lang="zh-CN" altLang="en-US"/>
           </a:p>
@@ -9920,7 +9926,7 @@
           <a:p>
             <a:fld id="{760FBDFE-C587-4B4C-A407-44438C67B59E}" type="datetimeFigureOut">
               <a:rPr lang="zh-CN" altLang="en-US" smtClean="0"/>
-              <a:t>2023/1/12</a:t>
+              <a:t>2023/1/18</a:t>
             </a:fld>
             <a:endParaRPr lang="zh-CN" altLang="en-US"/>
           </a:p>
@@ -10657,7 +10663,7 @@
           <a:p>
             <a:fld id="{760FBDFE-C587-4B4C-A407-44438C67B59E}" type="datetimeFigureOut">
               <a:rPr lang="zh-CN" altLang="en-US" smtClean="0"/>
-              <a:t>2023/1/12</a:t>
+              <a:t>2023/1/18</a:t>
             </a:fld>
             <a:endParaRPr lang="zh-CN" altLang="en-US"/>
           </a:p>
@@ -11638,7 +11644,7 @@
           <a:p>
             <a:fld id="{760FBDFE-C587-4B4C-A407-44438C67B59E}" type="datetimeFigureOut">
               <a:rPr lang="zh-CN" altLang="en-US" smtClean="0"/>
-              <a:t>2023/1/12</a:t>
+              <a:t>2023/1/18</a:t>
             </a:fld>
             <a:endParaRPr lang="zh-CN" altLang="en-US"/>
           </a:p>
@@ -12261,7 +12267,7 @@
           <a:p>
             <a:fld id="{760FBDFE-C587-4B4C-A407-44438C67B59E}" type="datetimeFigureOut">
               <a:rPr lang="zh-CN" altLang="en-US" smtClean="0"/>
-              <a:t>2023/1/12</a:t>
+              <a:t>2023/1/18</a:t>
             </a:fld>
             <a:endParaRPr lang="zh-CN" altLang="en-US"/>
           </a:p>
@@ -12368,7 +12374,7 @@
           <a:p>
             <a:fld id="{760FBDFE-C587-4B4C-A407-44438C67B59E}" type="datetimeFigureOut">
               <a:rPr lang="zh-CN" altLang="en-US" smtClean="0"/>
-              <a:t>2023/1/12</a:t>
+              <a:t>2023/1/18</a:t>
             </a:fld>
             <a:endParaRPr lang="zh-CN" altLang="en-US"/>
           </a:p>
@@ -12994,7 +13000,7 @@
           <a:p>
             <a:fld id="{9EFD9D74-47D9-4702-A33C-335B63B48DBF}" type="datetimeFigureOut">
               <a:rPr lang="zh-CN" altLang="en-US" smtClean="0"/>
-              <a:t>2023/1/12</a:t>
+              <a:t>2023/1/18</a:t>
             </a:fld>
             <a:endParaRPr lang="zh-CN" altLang="en-US" dirty="0"/>
           </a:p>
@@ -13708,7 +13714,7 @@
           <a:p>
             <a:fld id="{760FBDFE-C587-4B4C-A407-44438C67B59E}" type="datetimeFigureOut">
               <a:rPr lang="zh-CN" altLang="en-US" smtClean="0"/>
-              <a:t>2023/1/12</a:t>
+              <a:t>2023/1/18</a:t>
             </a:fld>
             <a:endParaRPr lang="zh-CN" altLang="en-US"/>
           </a:p>
@@ -13960,7 +13966,7 @@
           <a:p>
             <a:fld id="{760FBDFE-C587-4B4C-A407-44438C67B59E}" type="datetimeFigureOut">
               <a:rPr lang="zh-CN" altLang="en-US" smtClean="0"/>
-              <a:t>2023/1/12</a:t>
+              <a:t>2023/1/18</a:t>
             </a:fld>
             <a:endParaRPr lang="zh-CN" altLang="en-US"/>
           </a:p>
@@ -17762,17 +17768,19 @@
         <p:spPr>
           <a:xfrm>
             <a:off x="4186555" y="2959735"/>
-            <a:ext cx="3817620" cy="939165"/>
+            <a:ext cx="3827145" cy="939165"/>
           </a:xfrm>
         </p:spPr>
         <p:txBody>
-          <a:bodyPr/>
+          <a:bodyPr>
+            <a:normAutofit/>
+          </a:bodyPr>
           <a:lstStyle/>
           <a:p>
             <a:pPr algn="ctr"/>
             <a:r>
               <a:rPr lang="en-US" altLang="zh-CN" dirty="0"/>
-              <a:t>switch</a:t>
+              <a:t>Practice</a:t>
             </a:r>
           </a:p>
         </p:txBody>
@@ -17821,6 +17829,11 @@
     <p:custDataLst>
       <p:tags r:id="rId1"/>
     </p:custDataLst>
+    <p:extLst>
+      <p:ext uri="{BB962C8B-B14F-4D97-AF65-F5344CB8AC3E}">
+        <p14:creationId xmlns:p14="http://schemas.microsoft.com/office/powerpoint/2010/main" val="2801580881"/>
+      </p:ext>
+    </p:extLst>
   </p:cSld>
   <p:clrMapOvr>
     <a:masterClrMapping/>
@@ -17866,3397 +17879,6 @@
           <a:lstStyle/>
           <a:p>
             <a:r>
-              <a:rPr lang="en-US"/>
-              <a:t>switch</a:t>
-            </a:r>
-          </a:p>
-        </p:txBody>
-      </p:sp>
-      <p:sp>
-        <p:nvSpPr>
-          <p:cNvPr id="6" name="文本占位符 5"/>
-          <p:cNvSpPr>
-            <a:spLocks noGrp="1"/>
-          </p:cNvSpPr>
-          <p:nvPr>
-            <p:ph type="body" sz="quarter" idx="15"/>
-            <p:custDataLst>
-              <p:tags r:id="rId3"/>
-            </p:custDataLst>
-          </p:nvPr>
-        </p:nvSpPr>
-        <p:spPr>
-          <a:xfrm>
-            <a:off x="579600" y="1421167"/>
-            <a:ext cx="5516400" cy="1411680"/>
-          </a:xfrm>
-        </p:spPr>
-        <p:txBody>
-          <a:bodyPr>
-            <a:noAutofit/>
-          </a:bodyPr>
-          <a:lstStyle/>
-          <a:p>
-            <a:r>
-              <a:rPr>
-                <a:latin typeface="+mn-lt"/>
-                <a:cs typeface="+mn-lt"/>
-              </a:rPr>
-              <a:t>switch结构用于根据一个</a:t>
-            </a:r>
-            <a:r>
-              <a:rPr>
-                <a:solidFill>
-                  <a:srgbClr val="FF0000"/>
-                </a:solidFill>
-                <a:latin typeface="+mn-lt"/>
-                <a:cs typeface="+mn-lt"/>
-              </a:rPr>
-              <a:t>整数值</a:t>
-            </a:r>
-            <a:r>
-              <a:rPr>
-                <a:latin typeface="+mn-lt"/>
-                <a:cs typeface="+mn-lt"/>
-              </a:rPr>
-              <a:t>，选择对应的case执行。需要注意的是，当对应的case中的代码被执行完后，并不会像if语句一样跳出switch结构，而是会继续向后执行，直到遇到</a:t>
-            </a:r>
-            <a:r>
-              <a:rPr>
-                <a:solidFill>
-                  <a:srgbClr val="FF0000"/>
-                </a:solidFill>
-                <a:latin typeface="+mn-lt"/>
-                <a:cs typeface="+mn-lt"/>
-              </a:rPr>
-              <a:t>break</a:t>
-            </a:r>
-            <a:r>
-              <a:rPr>
-                <a:latin typeface="+mn-lt"/>
-                <a:cs typeface="+mn-lt"/>
-              </a:rPr>
-              <a:t>。</a:t>
-            </a:r>
-          </a:p>
-        </p:txBody>
-      </p:sp>
-      <p:sp>
-        <p:nvSpPr>
-          <p:cNvPr id="2" name="文本框 1"/>
-          <p:cNvSpPr txBox="1"/>
-          <p:nvPr/>
-        </p:nvSpPr>
-        <p:spPr>
-          <a:xfrm>
-            <a:off x="6788785" y="1052830"/>
-            <a:ext cx="4105910" cy="5354320"/>
-          </a:xfrm>
-          <a:prstGeom prst="rect">
-            <a:avLst/>
-          </a:prstGeom>
-          <a:noFill/>
-          <a:ln w="9525">
-            <a:noFill/>
-          </a:ln>
-        </p:spPr>
-        <p:txBody>
-          <a:bodyPr wrap="square">
-            <a:spAutoFit/>
-          </a:bodyPr>
-          <a:lstStyle/>
-          <a:p>
-            <a:pPr indent="0"/>
-            <a:r>
-              <a:rPr lang="en-US" b="1">
-                <a:solidFill>
-                  <a:srgbClr val="0000FF"/>
-                </a:solidFill>
-                <a:highlight>
-                  <a:srgbClr val="FFFFFF"/>
-                </a:highlight>
-                <a:latin typeface="Consolas" panose="020B0609020204030204" charset="0"/>
-                <a:ea typeface="宋体" panose="02010600030101010101" pitchFamily="2" charset="-122"/>
-              </a:rPr>
-              <a:t>switch</a:t>
-            </a:r>
-            <a:r>
-              <a:rPr lang="en-US" b="1">
-                <a:solidFill>
-                  <a:srgbClr val="000080"/>
-                </a:solidFill>
-                <a:highlight>
-                  <a:srgbClr val="FFFFFF"/>
-                </a:highlight>
-                <a:latin typeface="Consolas" panose="020B0609020204030204" charset="0"/>
-                <a:ea typeface="宋体" panose="02010600030101010101" pitchFamily="2" charset="-122"/>
-              </a:rPr>
-              <a:t>(</a:t>
-            </a:r>
-            <a:r>
-              <a:rPr lang="en-US" b="0">
-                <a:solidFill>
-                  <a:srgbClr val="000000"/>
-                </a:solidFill>
-                <a:highlight>
-                  <a:srgbClr val="FFFFFF"/>
-                </a:highlight>
-                <a:latin typeface="Consolas" panose="020B0609020204030204" charset="0"/>
-                <a:ea typeface="宋体" panose="02010600030101010101" pitchFamily="2" charset="-122"/>
-              </a:rPr>
-              <a:t>month</a:t>
-            </a:r>
-            <a:r>
-              <a:rPr lang="en-US" b="1">
-                <a:solidFill>
-                  <a:srgbClr val="000080"/>
-                </a:solidFill>
-                <a:highlight>
-                  <a:srgbClr val="FFFFFF"/>
-                </a:highlight>
-                <a:latin typeface="Consolas" panose="020B0609020204030204" charset="0"/>
-                <a:ea typeface="宋体" panose="02010600030101010101" pitchFamily="2" charset="-122"/>
-              </a:rPr>
-              <a:t>)</a:t>
-            </a:r>
-          </a:p>
-          <a:p>
-            <a:pPr indent="0"/>
-            <a:r>
-              <a:rPr lang="en-US" b="1">
-                <a:solidFill>
-                  <a:srgbClr val="000080"/>
-                </a:solidFill>
-                <a:highlight>
-                  <a:srgbClr val="FFFFFF"/>
-                </a:highlight>
-                <a:latin typeface="Consolas" panose="020B0609020204030204" charset="0"/>
-                <a:ea typeface="宋体" panose="02010600030101010101" pitchFamily="2" charset="-122"/>
-              </a:rPr>
-              <a:t>{</a:t>
-            </a:r>
-            <a:endParaRPr lang="en-US" b="1">
-              <a:solidFill>
-                <a:srgbClr val="0000FF"/>
-              </a:solidFill>
-              <a:highlight>
-                <a:srgbClr val="FFFFFF"/>
-              </a:highlight>
-              <a:latin typeface="Consolas" panose="020B0609020204030204" charset="0"/>
-              <a:ea typeface="宋体" panose="02010600030101010101" pitchFamily="2" charset="-122"/>
-            </a:endParaRPr>
-          </a:p>
-          <a:p>
-            <a:pPr indent="0"/>
-            <a:r>
-              <a:rPr lang="en-US" b="1">
-                <a:solidFill>
-                  <a:srgbClr val="0000FF"/>
-                </a:solidFill>
-                <a:highlight>
-                  <a:srgbClr val="FFFFFF"/>
-                </a:highlight>
-                <a:latin typeface="Consolas" panose="020B0609020204030204" charset="0"/>
-                <a:ea typeface="宋体" panose="02010600030101010101" pitchFamily="2" charset="-122"/>
-              </a:rPr>
-              <a:t>case</a:t>
-            </a:r>
-            <a:r>
-              <a:rPr lang="en-US" b="0">
-                <a:solidFill>
-                  <a:srgbClr val="000000"/>
-                </a:solidFill>
-                <a:highlight>
-                  <a:srgbClr val="FFFFFF"/>
-                </a:highlight>
-                <a:latin typeface="Consolas" panose="020B0609020204030204" charset="0"/>
-                <a:ea typeface="宋体" panose="02010600030101010101" pitchFamily="2" charset="-122"/>
-              </a:rPr>
-              <a:t> </a:t>
-            </a:r>
-            <a:r>
-              <a:rPr lang="en-US" b="0">
-                <a:solidFill>
-                  <a:srgbClr val="FF8000"/>
-                </a:solidFill>
-                <a:highlight>
-                  <a:srgbClr val="FFFFFF"/>
-                </a:highlight>
-                <a:latin typeface="Consolas" panose="020B0609020204030204" charset="0"/>
-                <a:ea typeface="宋体" panose="02010600030101010101" pitchFamily="2" charset="-122"/>
-              </a:rPr>
-              <a:t>1</a:t>
-            </a:r>
-            <a:r>
-              <a:rPr lang="en-US" b="1">
-                <a:solidFill>
-                  <a:srgbClr val="000080"/>
-                </a:solidFill>
-                <a:highlight>
-                  <a:srgbClr val="FFFFFF"/>
-                </a:highlight>
-                <a:latin typeface="Consolas" panose="020B0609020204030204" charset="0"/>
-                <a:ea typeface="宋体" panose="02010600030101010101" pitchFamily="2" charset="-122"/>
-              </a:rPr>
-              <a:t>:</a:t>
-            </a:r>
-            <a:endParaRPr lang="en-US" b="0">
-              <a:solidFill>
-                <a:srgbClr val="000000"/>
-              </a:solidFill>
-              <a:highlight>
-                <a:srgbClr val="FFFFFF"/>
-              </a:highlight>
-              <a:latin typeface="Consolas" panose="020B0609020204030204" charset="0"/>
-              <a:ea typeface="宋体" panose="02010600030101010101" pitchFamily="2" charset="-122"/>
-            </a:endParaRPr>
-          </a:p>
-          <a:p>
-            <a:pPr indent="0"/>
-            <a:r>
-              <a:rPr lang="en-US" b="0">
-                <a:solidFill>
-                  <a:srgbClr val="000000"/>
-                </a:solidFill>
-                <a:highlight>
-                  <a:srgbClr val="FFFFFF"/>
-                </a:highlight>
-                <a:latin typeface="Consolas" panose="020B0609020204030204" charset="0"/>
-                <a:ea typeface="宋体" panose="02010600030101010101" pitchFamily="2" charset="-122"/>
-              </a:rPr>
-              <a:t>	printf</a:t>
-            </a:r>
-            <a:r>
-              <a:rPr lang="en-US" b="1">
-                <a:solidFill>
-                  <a:srgbClr val="000080"/>
-                </a:solidFill>
-                <a:highlight>
-                  <a:srgbClr val="FFFFFF"/>
-                </a:highlight>
-                <a:latin typeface="Consolas" panose="020B0609020204030204" charset="0"/>
-                <a:ea typeface="宋体" panose="02010600030101010101" pitchFamily="2" charset="-122"/>
-              </a:rPr>
-              <a:t>(</a:t>
-            </a:r>
-            <a:r>
-              <a:rPr lang="en-US" b="0">
-                <a:solidFill>
-                  <a:srgbClr val="808080"/>
-                </a:solidFill>
-                <a:highlight>
-                  <a:srgbClr val="FFFFFF"/>
-                </a:highlight>
-                <a:latin typeface="Consolas" panose="020B0609020204030204" charset="0"/>
-                <a:ea typeface="宋体" panose="02010600030101010101" pitchFamily="2" charset="-122"/>
-              </a:rPr>
-              <a:t>"Jan.\n"</a:t>
-            </a:r>
-            <a:r>
-              <a:rPr lang="en-US" b="1">
-                <a:solidFill>
-                  <a:srgbClr val="000080"/>
-                </a:solidFill>
-                <a:highlight>
-                  <a:srgbClr val="FFFFFF"/>
-                </a:highlight>
-                <a:latin typeface="Consolas" panose="020B0609020204030204" charset="0"/>
-                <a:ea typeface="宋体" panose="02010600030101010101" pitchFamily="2" charset="-122"/>
-              </a:rPr>
-              <a:t>);</a:t>
-            </a:r>
-            <a:endParaRPr lang="en-US" b="0">
-              <a:solidFill>
-                <a:srgbClr val="000000"/>
-              </a:solidFill>
-              <a:highlight>
-                <a:srgbClr val="FFFFFF"/>
-              </a:highlight>
-              <a:latin typeface="Consolas" panose="020B0609020204030204" charset="0"/>
-              <a:ea typeface="宋体" panose="02010600030101010101" pitchFamily="2" charset="-122"/>
-            </a:endParaRPr>
-          </a:p>
-          <a:p>
-            <a:pPr indent="0"/>
-            <a:r>
-              <a:rPr lang="en-US" b="0">
-                <a:solidFill>
-                  <a:srgbClr val="000000"/>
-                </a:solidFill>
-                <a:highlight>
-                  <a:srgbClr val="FFFFFF"/>
-                </a:highlight>
-                <a:latin typeface="Consolas" panose="020B0609020204030204" charset="0"/>
-                <a:ea typeface="宋体" panose="02010600030101010101" pitchFamily="2" charset="-122"/>
-              </a:rPr>
-              <a:t>	</a:t>
-            </a:r>
-            <a:r>
-              <a:rPr lang="en-US" b="1">
-                <a:solidFill>
-                  <a:srgbClr val="0000FF"/>
-                </a:solidFill>
-                <a:highlight>
-                  <a:srgbClr val="FFFFFF"/>
-                </a:highlight>
-                <a:latin typeface="Consolas" panose="020B0609020204030204" charset="0"/>
-                <a:ea typeface="宋体" panose="02010600030101010101" pitchFamily="2" charset="-122"/>
-              </a:rPr>
-              <a:t>break</a:t>
-            </a:r>
-            <a:r>
-              <a:rPr lang="en-US" b="1">
-                <a:solidFill>
-                  <a:srgbClr val="000080"/>
-                </a:solidFill>
-                <a:highlight>
-                  <a:srgbClr val="FFFFFF"/>
-                </a:highlight>
-                <a:latin typeface="Consolas" panose="020B0609020204030204" charset="0"/>
-                <a:ea typeface="宋体" panose="02010600030101010101" pitchFamily="2" charset="-122"/>
-              </a:rPr>
-              <a:t>;</a:t>
-            </a:r>
-            <a:endParaRPr lang="en-US" b="1">
-              <a:solidFill>
-                <a:srgbClr val="0000FF"/>
-              </a:solidFill>
-              <a:highlight>
-                <a:srgbClr val="FFFFFF"/>
-              </a:highlight>
-              <a:latin typeface="Consolas" panose="020B0609020204030204" charset="0"/>
-              <a:ea typeface="宋体" panose="02010600030101010101" pitchFamily="2" charset="-122"/>
-            </a:endParaRPr>
-          </a:p>
-          <a:p>
-            <a:pPr indent="0"/>
-            <a:r>
-              <a:rPr lang="en-US" b="1">
-                <a:solidFill>
-                  <a:srgbClr val="0000FF"/>
-                </a:solidFill>
-                <a:highlight>
-                  <a:srgbClr val="FFFFFF"/>
-                </a:highlight>
-                <a:latin typeface="Consolas" panose="020B0609020204030204" charset="0"/>
-                <a:ea typeface="宋体" panose="02010600030101010101" pitchFamily="2" charset="-122"/>
-              </a:rPr>
-              <a:t>case</a:t>
-            </a:r>
-            <a:r>
-              <a:rPr lang="en-US" b="0">
-                <a:solidFill>
-                  <a:srgbClr val="000000"/>
-                </a:solidFill>
-                <a:highlight>
-                  <a:srgbClr val="FFFFFF"/>
-                </a:highlight>
-                <a:latin typeface="Consolas" panose="020B0609020204030204" charset="0"/>
-                <a:ea typeface="宋体" panose="02010600030101010101" pitchFamily="2" charset="-122"/>
-              </a:rPr>
-              <a:t> </a:t>
-            </a:r>
-            <a:r>
-              <a:rPr lang="en-US" b="0">
-                <a:solidFill>
-                  <a:srgbClr val="FF8000"/>
-                </a:solidFill>
-                <a:highlight>
-                  <a:srgbClr val="FFFFFF"/>
-                </a:highlight>
-                <a:latin typeface="Consolas" panose="020B0609020204030204" charset="0"/>
-                <a:ea typeface="宋体" panose="02010600030101010101" pitchFamily="2" charset="-122"/>
-              </a:rPr>
-              <a:t>2</a:t>
-            </a:r>
-            <a:r>
-              <a:rPr lang="en-US" b="1">
-                <a:solidFill>
-                  <a:srgbClr val="000080"/>
-                </a:solidFill>
-                <a:highlight>
-                  <a:srgbClr val="FFFFFF"/>
-                </a:highlight>
-                <a:latin typeface="Consolas" panose="020B0609020204030204" charset="0"/>
-                <a:ea typeface="宋体" panose="02010600030101010101" pitchFamily="2" charset="-122"/>
-              </a:rPr>
-              <a:t>:</a:t>
-            </a:r>
-            <a:endParaRPr lang="en-US" b="0">
-              <a:solidFill>
-                <a:srgbClr val="000000"/>
-              </a:solidFill>
-              <a:highlight>
-                <a:srgbClr val="FFFFFF"/>
-              </a:highlight>
-              <a:latin typeface="Consolas" panose="020B0609020204030204" charset="0"/>
-              <a:ea typeface="宋体" panose="02010600030101010101" pitchFamily="2" charset="-122"/>
-            </a:endParaRPr>
-          </a:p>
-          <a:p>
-            <a:pPr indent="0"/>
-            <a:r>
-              <a:rPr lang="en-US" b="0">
-                <a:solidFill>
-                  <a:srgbClr val="000000"/>
-                </a:solidFill>
-                <a:highlight>
-                  <a:srgbClr val="FFFFFF"/>
-                </a:highlight>
-                <a:latin typeface="Consolas" panose="020B0609020204030204" charset="0"/>
-                <a:ea typeface="宋体" panose="02010600030101010101" pitchFamily="2" charset="-122"/>
-              </a:rPr>
-              <a:t>	printf</a:t>
-            </a:r>
-            <a:r>
-              <a:rPr lang="en-US" b="1">
-                <a:solidFill>
-                  <a:srgbClr val="000080"/>
-                </a:solidFill>
-                <a:highlight>
-                  <a:srgbClr val="FFFFFF"/>
-                </a:highlight>
-                <a:latin typeface="Consolas" panose="020B0609020204030204" charset="0"/>
-                <a:ea typeface="宋体" panose="02010600030101010101" pitchFamily="2" charset="-122"/>
-              </a:rPr>
-              <a:t>(</a:t>
-            </a:r>
-            <a:r>
-              <a:rPr lang="en-US" b="0">
-                <a:solidFill>
-                  <a:srgbClr val="808080"/>
-                </a:solidFill>
-                <a:highlight>
-                  <a:srgbClr val="FFFFFF"/>
-                </a:highlight>
-                <a:latin typeface="Consolas" panose="020B0609020204030204" charset="0"/>
-                <a:ea typeface="宋体" panose="02010600030101010101" pitchFamily="2" charset="-122"/>
-              </a:rPr>
-              <a:t>"Feb.\n"</a:t>
-            </a:r>
-            <a:r>
-              <a:rPr lang="en-US" b="1">
-                <a:solidFill>
-                  <a:srgbClr val="000080"/>
-                </a:solidFill>
-                <a:highlight>
-                  <a:srgbClr val="FFFFFF"/>
-                </a:highlight>
-                <a:latin typeface="Consolas" panose="020B0609020204030204" charset="0"/>
-                <a:ea typeface="宋体" panose="02010600030101010101" pitchFamily="2" charset="-122"/>
-              </a:rPr>
-              <a:t>);</a:t>
-            </a:r>
-            <a:endParaRPr lang="en-US" b="0">
-              <a:solidFill>
-                <a:srgbClr val="000000"/>
-              </a:solidFill>
-              <a:highlight>
-                <a:srgbClr val="FFFFFF"/>
-              </a:highlight>
-              <a:latin typeface="Consolas" panose="020B0609020204030204" charset="0"/>
-              <a:ea typeface="宋体" panose="02010600030101010101" pitchFamily="2" charset="-122"/>
-            </a:endParaRPr>
-          </a:p>
-          <a:p>
-            <a:pPr indent="0"/>
-            <a:r>
-              <a:rPr lang="en-US" b="0">
-                <a:solidFill>
-                  <a:srgbClr val="000000"/>
-                </a:solidFill>
-                <a:highlight>
-                  <a:srgbClr val="FFFFFF"/>
-                </a:highlight>
-                <a:latin typeface="Consolas" panose="020B0609020204030204" charset="0"/>
-                <a:ea typeface="宋体" panose="02010600030101010101" pitchFamily="2" charset="-122"/>
-              </a:rPr>
-              <a:t>	</a:t>
-            </a:r>
-            <a:r>
-              <a:rPr lang="en-US" b="1">
-                <a:solidFill>
-                  <a:srgbClr val="0000FF"/>
-                </a:solidFill>
-                <a:highlight>
-                  <a:srgbClr val="FFFFFF"/>
-                </a:highlight>
-                <a:latin typeface="Consolas" panose="020B0609020204030204" charset="0"/>
-                <a:ea typeface="宋体" panose="02010600030101010101" pitchFamily="2" charset="-122"/>
-              </a:rPr>
-              <a:t>break</a:t>
-            </a:r>
-            <a:r>
-              <a:rPr lang="en-US" b="1">
-                <a:solidFill>
-                  <a:srgbClr val="000080"/>
-                </a:solidFill>
-                <a:highlight>
-                  <a:srgbClr val="FFFFFF"/>
-                </a:highlight>
-                <a:latin typeface="Consolas" panose="020B0609020204030204" charset="0"/>
-                <a:ea typeface="宋体" panose="02010600030101010101" pitchFamily="2" charset="-122"/>
-              </a:rPr>
-              <a:t>;</a:t>
-            </a:r>
-            <a:endParaRPr lang="en-US" b="1">
-              <a:solidFill>
-                <a:srgbClr val="0000FF"/>
-              </a:solidFill>
-              <a:highlight>
-                <a:srgbClr val="FFFFFF"/>
-              </a:highlight>
-              <a:latin typeface="Consolas" panose="020B0609020204030204" charset="0"/>
-              <a:ea typeface="宋体" panose="02010600030101010101" pitchFamily="2" charset="-122"/>
-            </a:endParaRPr>
-          </a:p>
-          <a:p>
-            <a:pPr indent="0"/>
-            <a:r>
-              <a:rPr lang="en-US" b="1">
-                <a:solidFill>
-                  <a:srgbClr val="0000FF"/>
-                </a:solidFill>
-                <a:highlight>
-                  <a:srgbClr val="FFFFFF"/>
-                </a:highlight>
-                <a:latin typeface="Consolas" panose="020B0609020204030204" charset="0"/>
-                <a:ea typeface="宋体" panose="02010600030101010101" pitchFamily="2" charset="-122"/>
-              </a:rPr>
-              <a:t>case</a:t>
-            </a:r>
-            <a:r>
-              <a:rPr lang="en-US" b="0">
-                <a:solidFill>
-                  <a:srgbClr val="000000"/>
-                </a:solidFill>
-                <a:highlight>
-                  <a:srgbClr val="FFFFFF"/>
-                </a:highlight>
-                <a:latin typeface="Consolas" panose="020B0609020204030204" charset="0"/>
-                <a:ea typeface="宋体" panose="02010600030101010101" pitchFamily="2" charset="-122"/>
-              </a:rPr>
-              <a:t> </a:t>
-            </a:r>
-            <a:r>
-              <a:rPr lang="en-US" b="0">
-                <a:solidFill>
-                  <a:srgbClr val="FF8000"/>
-                </a:solidFill>
-                <a:highlight>
-                  <a:srgbClr val="FFFFFF"/>
-                </a:highlight>
-                <a:latin typeface="Consolas" panose="020B0609020204030204" charset="0"/>
-                <a:ea typeface="宋体" panose="02010600030101010101" pitchFamily="2" charset="-122"/>
-              </a:rPr>
-              <a:t>3</a:t>
-            </a:r>
-            <a:r>
-              <a:rPr lang="en-US" b="1">
-                <a:solidFill>
-                  <a:srgbClr val="000080"/>
-                </a:solidFill>
-                <a:highlight>
-                  <a:srgbClr val="FFFFFF"/>
-                </a:highlight>
-                <a:latin typeface="Consolas" panose="020B0609020204030204" charset="0"/>
-                <a:ea typeface="宋体" panose="02010600030101010101" pitchFamily="2" charset="-122"/>
-              </a:rPr>
-              <a:t>:</a:t>
-            </a:r>
-            <a:endParaRPr lang="en-US" b="0">
-              <a:solidFill>
-                <a:srgbClr val="000000"/>
-              </a:solidFill>
-              <a:highlight>
-                <a:srgbClr val="FFFFFF"/>
-              </a:highlight>
-              <a:latin typeface="Consolas" panose="020B0609020204030204" charset="0"/>
-              <a:ea typeface="宋体" panose="02010600030101010101" pitchFamily="2" charset="-122"/>
-            </a:endParaRPr>
-          </a:p>
-          <a:p>
-            <a:pPr indent="0"/>
-            <a:r>
-              <a:rPr lang="en-US" b="0">
-                <a:solidFill>
-                  <a:srgbClr val="000000"/>
-                </a:solidFill>
-                <a:highlight>
-                  <a:srgbClr val="FFFFFF"/>
-                </a:highlight>
-                <a:latin typeface="Consolas" panose="020B0609020204030204" charset="0"/>
-                <a:ea typeface="宋体" panose="02010600030101010101" pitchFamily="2" charset="-122"/>
-              </a:rPr>
-              <a:t>	printf</a:t>
-            </a:r>
-            <a:r>
-              <a:rPr lang="en-US" b="1">
-                <a:solidFill>
-                  <a:srgbClr val="000080"/>
-                </a:solidFill>
-                <a:highlight>
-                  <a:srgbClr val="FFFFFF"/>
-                </a:highlight>
-                <a:latin typeface="Consolas" panose="020B0609020204030204" charset="0"/>
-                <a:ea typeface="宋体" panose="02010600030101010101" pitchFamily="2" charset="-122"/>
-              </a:rPr>
-              <a:t>(</a:t>
-            </a:r>
-            <a:r>
-              <a:rPr lang="en-US" b="0">
-                <a:solidFill>
-                  <a:srgbClr val="808080"/>
-                </a:solidFill>
-                <a:highlight>
-                  <a:srgbClr val="FFFFFF"/>
-                </a:highlight>
-                <a:latin typeface="Consolas" panose="020B0609020204030204" charset="0"/>
-                <a:ea typeface="宋体" panose="02010600030101010101" pitchFamily="2" charset="-122"/>
-              </a:rPr>
-              <a:t>"Mar.\n"</a:t>
-            </a:r>
-            <a:r>
-              <a:rPr lang="en-US" b="1">
-                <a:solidFill>
-                  <a:srgbClr val="000080"/>
-                </a:solidFill>
-                <a:highlight>
-                  <a:srgbClr val="FFFFFF"/>
-                </a:highlight>
-                <a:latin typeface="Consolas" panose="020B0609020204030204" charset="0"/>
-                <a:ea typeface="宋体" panose="02010600030101010101" pitchFamily="2" charset="-122"/>
-              </a:rPr>
-              <a:t>);</a:t>
-            </a:r>
-            <a:endParaRPr lang="en-US" b="0">
-              <a:solidFill>
-                <a:srgbClr val="000000"/>
-              </a:solidFill>
-              <a:highlight>
-                <a:srgbClr val="FFFFFF"/>
-              </a:highlight>
-              <a:latin typeface="Consolas" panose="020B0609020204030204" charset="0"/>
-              <a:ea typeface="宋体" panose="02010600030101010101" pitchFamily="2" charset="-122"/>
-            </a:endParaRPr>
-          </a:p>
-          <a:p>
-            <a:pPr indent="0"/>
-            <a:r>
-              <a:rPr lang="en-US" b="0">
-                <a:solidFill>
-                  <a:srgbClr val="000000"/>
-                </a:solidFill>
-                <a:highlight>
-                  <a:srgbClr val="FFFFFF"/>
-                </a:highlight>
-                <a:latin typeface="Consolas" panose="020B0609020204030204" charset="0"/>
-                <a:ea typeface="宋体" panose="02010600030101010101" pitchFamily="2" charset="-122"/>
-              </a:rPr>
-              <a:t>	</a:t>
-            </a:r>
-            <a:r>
-              <a:rPr lang="en-US" b="1">
-                <a:solidFill>
-                  <a:srgbClr val="0000FF"/>
-                </a:solidFill>
-                <a:highlight>
-                  <a:srgbClr val="FFFFFF"/>
-                </a:highlight>
-                <a:latin typeface="Consolas" panose="020B0609020204030204" charset="0"/>
-                <a:ea typeface="宋体" panose="02010600030101010101" pitchFamily="2" charset="-122"/>
-              </a:rPr>
-              <a:t>break</a:t>
-            </a:r>
-            <a:r>
-              <a:rPr lang="en-US" b="1">
-                <a:solidFill>
-                  <a:srgbClr val="000080"/>
-                </a:solidFill>
-                <a:highlight>
-                  <a:srgbClr val="FFFFFF"/>
-                </a:highlight>
-                <a:latin typeface="Consolas" panose="020B0609020204030204" charset="0"/>
-                <a:ea typeface="宋体" panose="02010600030101010101" pitchFamily="2" charset="-122"/>
-              </a:rPr>
-              <a:t>;</a:t>
-            </a:r>
-            <a:endParaRPr lang="en-US" b="0">
-              <a:solidFill>
-                <a:srgbClr val="008000"/>
-              </a:solidFill>
-              <a:highlight>
-                <a:srgbClr val="FFFFFF"/>
-              </a:highlight>
-              <a:latin typeface="Consolas" panose="020B0609020204030204" charset="0"/>
-              <a:ea typeface="宋体" panose="02010600030101010101" pitchFamily="2" charset="-122"/>
-            </a:endParaRPr>
-          </a:p>
-          <a:p>
-            <a:pPr indent="0"/>
-            <a:r>
-              <a:rPr lang="en-US" b="0">
-                <a:solidFill>
-                  <a:srgbClr val="008000"/>
-                </a:solidFill>
-                <a:highlight>
-                  <a:srgbClr val="FFFFFF"/>
-                </a:highlight>
-                <a:latin typeface="Consolas" panose="020B0609020204030204" charset="0"/>
-                <a:ea typeface="宋体" panose="02010600030101010101" pitchFamily="2" charset="-122"/>
-              </a:rPr>
-              <a:t>// ...</a:t>
-            </a:r>
-            <a:endParaRPr lang="en-US" b="1">
-              <a:solidFill>
-                <a:srgbClr val="0000FF"/>
-              </a:solidFill>
-              <a:highlight>
-                <a:srgbClr val="FFFFFF"/>
-              </a:highlight>
-              <a:latin typeface="Consolas" panose="020B0609020204030204" charset="0"/>
-              <a:ea typeface="宋体" panose="02010600030101010101" pitchFamily="2" charset="-122"/>
-            </a:endParaRPr>
-          </a:p>
-          <a:p>
-            <a:pPr indent="0"/>
-            <a:r>
-              <a:rPr lang="en-US" b="1">
-                <a:solidFill>
-                  <a:srgbClr val="0000FF"/>
-                </a:solidFill>
-                <a:highlight>
-                  <a:srgbClr val="FFFFFF"/>
-                </a:highlight>
-                <a:latin typeface="Consolas" panose="020B0609020204030204" charset="0"/>
-                <a:ea typeface="宋体" panose="02010600030101010101" pitchFamily="2" charset="-122"/>
-              </a:rPr>
-              <a:t>case</a:t>
-            </a:r>
-            <a:r>
-              <a:rPr lang="en-US" b="0">
-                <a:solidFill>
-                  <a:srgbClr val="000000"/>
-                </a:solidFill>
-                <a:highlight>
-                  <a:srgbClr val="FFFFFF"/>
-                </a:highlight>
-                <a:latin typeface="Consolas" panose="020B0609020204030204" charset="0"/>
-                <a:ea typeface="宋体" panose="02010600030101010101" pitchFamily="2" charset="-122"/>
-              </a:rPr>
-              <a:t> </a:t>
-            </a:r>
-            <a:r>
-              <a:rPr lang="en-US" b="0">
-                <a:solidFill>
-                  <a:srgbClr val="FF8000"/>
-                </a:solidFill>
-                <a:highlight>
-                  <a:srgbClr val="FFFFFF"/>
-                </a:highlight>
-                <a:latin typeface="Consolas" panose="020B0609020204030204" charset="0"/>
-                <a:ea typeface="宋体" panose="02010600030101010101" pitchFamily="2" charset="-122"/>
-              </a:rPr>
-              <a:t>12</a:t>
-            </a:r>
-            <a:r>
-              <a:rPr lang="en-US" b="1">
-                <a:solidFill>
-                  <a:srgbClr val="000080"/>
-                </a:solidFill>
-                <a:highlight>
-                  <a:srgbClr val="FFFFFF"/>
-                </a:highlight>
-                <a:latin typeface="Consolas" panose="020B0609020204030204" charset="0"/>
-                <a:ea typeface="宋体" panose="02010600030101010101" pitchFamily="2" charset="-122"/>
-              </a:rPr>
-              <a:t>:</a:t>
-            </a:r>
-            <a:endParaRPr lang="en-US" b="0">
-              <a:solidFill>
-                <a:srgbClr val="000000"/>
-              </a:solidFill>
-              <a:highlight>
-                <a:srgbClr val="FFFFFF"/>
-              </a:highlight>
-              <a:latin typeface="Consolas" panose="020B0609020204030204" charset="0"/>
-              <a:ea typeface="宋体" panose="02010600030101010101" pitchFamily="2" charset="-122"/>
-            </a:endParaRPr>
-          </a:p>
-          <a:p>
-            <a:pPr indent="0"/>
-            <a:r>
-              <a:rPr lang="en-US" b="0">
-                <a:solidFill>
-                  <a:srgbClr val="000000"/>
-                </a:solidFill>
-                <a:highlight>
-                  <a:srgbClr val="FFFFFF"/>
-                </a:highlight>
-                <a:latin typeface="Consolas" panose="020B0609020204030204" charset="0"/>
-                <a:ea typeface="宋体" panose="02010600030101010101" pitchFamily="2" charset="-122"/>
-              </a:rPr>
-              <a:t>	printf</a:t>
-            </a:r>
-            <a:r>
-              <a:rPr lang="en-US" b="1">
-                <a:solidFill>
-                  <a:srgbClr val="000080"/>
-                </a:solidFill>
-                <a:highlight>
-                  <a:srgbClr val="FFFFFF"/>
-                </a:highlight>
-                <a:latin typeface="Consolas" panose="020B0609020204030204" charset="0"/>
-                <a:ea typeface="宋体" panose="02010600030101010101" pitchFamily="2" charset="-122"/>
-              </a:rPr>
-              <a:t>(</a:t>
-            </a:r>
-            <a:r>
-              <a:rPr lang="en-US" b="0">
-                <a:solidFill>
-                  <a:srgbClr val="808080"/>
-                </a:solidFill>
-                <a:highlight>
-                  <a:srgbClr val="FFFFFF"/>
-                </a:highlight>
-                <a:latin typeface="Consolas" panose="020B0609020204030204" charset="0"/>
-                <a:ea typeface="宋体" panose="02010600030101010101" pitchFamily="2" charset="-122"/>
-              </a:rPr>
-              <a:t>"Dec.\n"</a:t>
-            </a:r>
-            <a:r>
-              <a:rPr lang="en-US" b="1">
-                <a:solidFill>
-                  <a:srgbClr val="000080"/>
-                </a:solidFill>
-                <a:highlight>
-                  <a:srgbClr val="FFFFFF"/>
-                </a:highlight>
-                <a:latin typeface="Consolas" panose="020B0609020204030204" charset="0"/>
-                <a:ea typeface="宋体" panose="02010600030101010101" pitchFamily="2" charset="-122"/>
-              </a:rPr>
-              <a:t>);</a:t>
-            </a:r>
-            <a:endParaRPr lang="en-US" b="0">
-              <a:solidFill>
-                <a:srgbClr val="000000"/>
-              </a:solidFill>
-              <a:highlight>
-                <a:srgbClr val="FFFFFF"/>
-              </a:highlight>
-              <a:latin typeface="Consolas" panose="020B0609020204030204" charset="0"/>
-              <a:ea typeface="宋体" panose="02010600030101010101" pitchFamily="2" charset="-122"/>
-            </a:endParaRPr>
-          </a:p>
-          <a:p>
-            <a:pPr indent="0"/>
-            <a:r>
-              <a:rPr lang="en-US" b="0">
-                <a:solidFill>
-                  <a:srgbClr val="000000"/>
-                </a:solidFill>
-                <a:highlight>
-                  <a:srgbClr val="FFFFFF"/>
-                </a:highlight>
-                <a:latin typeface="Consolas" panose="020B0609020204030204" charset="0"/>
-                <a:ea typeface="宋体" panose="02010600030101010101" pitchFamily="2" charset="-122"/>
-              </a:rPr>
-              <a:t>	</a:t>
-            </a:r>
-            <a:r>
-              <a:rPr lang="en-US" b="1">
-                <a:solidFill>
-                  <a:srgbClr val="0000FF"/>
-                </a:solidFill>
-                <a:highlight>
-                  <a:srgbClr val="FFFFFF"/>
-                </a:highlight>
-                <a:latin typeface="Consolas" panose="020B0609020204030204" charset="0"/>
-                <a:ea typeface="宋体" panose="02010600030101010101" pitchFamily="2" charset="-122"/>
-              </a:rPr>
-              <a:t>break</a:t>
-            </a:r>
-            <a:r>
-              <a:rPr lang="en-US" b="1">
-                <a:solidFill>
-                  <a:srgbClr val="000080"/>
-                </a:solidFill>
-                <a:highlight>
-                  <a:srgbClr val="FFFFFF"/>
-                </a:highlight>
-                <a:latin typeface="Consolas" panose="020B0609020204030204" charset="0"/>
-                <a:ea typeface="宋体" panose="02010600030101010101" pitchFamily="2" charset="-122"/>
-              </a:rPr>
-              <a:t>;</a:t>
-            </a:r>
-            <a:endParaRPr lang="en-US" b="1">
-              <a:solidFill>
-                <a:srgbClr val="0000FF"/>
-              </a:solidFill>
-              <a:highlight>
-                <a:srgbClr val="FFFFFF"/>
-              </a:highlight>
-              <a:latin typeface="Consolas" panose="020B0609020204030204" charset="0"/>
-              <a:ea typeface="宋体" panose="02010600030101010101" pitchFamily="2" charset="-122"/>
-            </a:endParaRPr>
-          </a:p>
-          <a:p>
-            <a:pPr indent="0"/>
-            <a:r>
-              <a:rPr lang="en-US" b="1">
-                <a:solidFill>
-                  <a:srgbClr val="0000FF"/>
-                </a:solidFill>
-                <a:highlight>
-                  <a:srgbClr val="FFFFFF"/>
-                </a:highlight>
-                <a:latin typeface="Consolas" panose="020B0609020204030204" charset="0"/>
-                <a:ea typeface="宋体" panose="02010600030101010101" pitchFamily="2" charset="-122"/>
-              </a:rPr>
-              <a:t>default</a:t>
-            </a:r>
-            <a:r>
-              <a:rPr lang="en-US" b="1">
-                <a:solidFill>
-                  <a:srgbClr val="000080"/>
-                </a:solidFill>
-                <a:highlight>
-                  <a:srgbClr val="FFFFFF"/>
-                </a:highlight>
-                <a:latin typeface="Consolas" panose="020B0609020204030204" charset="0"/>
-                <a:ea typeface="宋体" panose="02010600030101010101" pitchFamily="2" charset="-122"/>
-              </a:rPr>
-              <a:t>:</a:t>
-            </a:r>
-            <a:endParaRPr lang="en-US" b="0">
-              <a:solidFill>
-                <a:srgbClr val="000000"/>
-              </a:solidFill>
-              <a:highlight>
-                <a:srgbClr val="FFFFFF"/>
-              </a:highlight>
-              <a:latin typeface="Consolas" panose="020B0609020204030204" charset="0"/>
-              <a:ea typeface="宋体" panose="02010600030101010101" pitchFamily="2" charset="-122"/>
-            </a:endParaRPr>
-          </a:p>
-          <a:p>
-            <a:pPr indent="0"/>
-            <a:r>
-              <a:rPr lang="en-US" b="0">
-                <a:solidFill>
-                  <a:srgbClr val="000000"/>
-                </a:solidFill>
-                <a:highlight>
-                  <a:srgbClr val="FFFFFF"/>
-                </a:highlight>
-                <a:latin typeface="Consolas" panose="020B0609020204030204" charset="0"/>
-                <a:ea typeface="宋体" panose="02010600030101010101" pitchFamily="2" charset="-122"/>
-              </a:rPr>
-              <a:t>	printf</a:t>
-            </a:r>
-            <a:r>
-              <a:rPr lang="en-US" b="1">
-                <a:solidFill>
-                  <a:srgbClr val="000080"/>
-                </a:solidFill>
-                <a:highlight>
-                  <a:srgbClr val="FFFFFF"/>
-                </a:highlight>
-                <a:latin typeface="Consolas" panose="020B0609020204030204" charset="0"/>
-                <a:ea typeface="宋体" panose="02010600030101010101" pitchFamily="2" charset="-122"/>
-              </a:rPr>
-              <a:t>(</a:t>
-            </a:r>
-            <a:r>
-              <a:rPr lang="en-US" b="0">
-                <a:solidFill>
-                  <a:srgbClr val="808080"/>
-                </a:solidFill>
-                <a:highlight>
-                  <a:srgbClr val="FFFFFF"/>
-                </a:highlight>
-                <a:latin typeface="Consolas" panose="020B0609020204030204" charset="0"/>
-                <a:ea typeface="宋体" panose="02010600030101010101" pitchFamily="2" charset="-122"/>
-              </a:rPr>
-              <a:t>"Invalid\n"</a:t>
-            </a:r>
-            <a:r>
-              <a:rPr lang="en-US" b="1">
-                <a:solidFill>
-                  <a:srgbClr val="000080"/>
-                </a:solidFill>
-                <a:highlight>
-                  <a:srgbClr val="FFFFFF"/>
-                </a:highlight>
-                <a:latin typeface="Consolas" panose="020B0609020204030204" charset="0"/>
-                <a:ea typeface="宋体" panose="02010600030101010101" pitchFamily="2" charset="-122"/>
-              </a:rPr>
-              <a:t>);</a:t>
-            </a:r>
-            <a:endParaRPr lang="en-US" b="0">
-              <a:solidFill>
-                <a:srgbClr val="000000"/>
-              </a:solidFill>
-              <a:highlight>
-                <a:srgbClr val="FFFFFF"/>
-              </a:highlight>
-              <a:latin typeface="Consolas" panose="020B0609020204030204" charset="0"/>
-              <a:ea typeface="宋体" panose="02010600030101010101" pitchFamily="2" charset="-122"/>
-            </a:endParaRPr>
-          </a:p>
-          <a:p>
-            <a:pPr indent="0"/>
-            <a:r>
-              <a:rPr lang="en-US" b="0">
-                <a:solidFill>
-                  <a:srgbClr val="000000"/>
-                </a:solidFill>
-                <a:highlight>
-                  <a:srgbClr val="FFFFFF"/>
-                </a:highlight>
-                <a:latin typeface="Consolas" panose="020B0609020204030204" charset="0"/>
-                <a:ea typeface="宋体" panose="02010600030101010101" pitchFamily="2" charset="-122"/>
-              </a:rPr>
-              <a:t>	</a:t>
-            </a:r>
-            <a:r>
-              <a:rPr lang="en-US" b="1">
-                <a:solidFill>
-                  <a:srgbClr val="0000FF"/>
-                </a:solidFill>
-                <a:highlight>
-                  <a:srgbClr val="FFFFFF"/>
-                </a:highlight>
-                <a:latin typeface="Consolas" panose="020B0609020204030204" charset="0"/>
-                <a:ea typeface="宋体" panose="02010600030101010101" pitchFamily="2" charset="-122"/>
-              </a:rPr>
-              <a:t>break</a:t>
-            </a:r>
-            <a:r>
-              <a:rPr lang="en-US" b="1">
-                <a:solidFill>
-                  <a:srgbClr val="000080"/>
-                </a:solidFill>
-                <a:highlight>
-                  <a:srgbClr val="FFFFFF"/>
-                </a:highlight>
-                <a:latin typeface="Consolas" panose="020B0609020204030204" charset="0"/>
-                <a:ea typeface="宋体" panose="02010600030101010101" pitchFamily="2" charset="-122"/>
-              </a:rPr>
-              <a:t>;</a:t>
-            </a:r>
-          </a:p>
-          <a:p>
-            <a:pPr indent="0"/>
-            <a:r>
-              <a:rPr lang="en-US" b="1">
-                <a:solidFill>
-                  <a:srgbClr val="000080"/>
-                </a:solidFill>
-                <a:highlight>
-                  <a:srgbClr val="FFFFFF"/>
-                </a:highlight>
-                <a:latin typeface="Consolas" panose="020B0609020204030204" charset="0"/>
-                <a:ea typeface="宋体" panose="02010600030101010101" pitchFamily="2" charset="-122"/>
-              </a:rPr>
-              <a:t>}</a:t>
-            </a:r>
-            <a:endParaRPr lang="en-US" altLang="en-US" b="1">
-              <a:solidFill>
-                <a:srgbClr val="000080"/>
-              </a:solidFill>
-              <a:highlight>
-                <a:srgbClr val="FFFFFF"/>
-              </a:highlight>
-              <a:latin typeface="Consolas" panose="020B0609020204030204" charset="0"/>
-              <a:ea typeface="宋体" panose="02010600030101010101" pitchFamily="2" charset="-122"/>
-            </a:endParaRPr>
-          </a:p>
-        </p:txBody>
-      </p:sp>
-    </p:spTree>
-    <p:custDataLst>
-      <p:tags r:id="rId1"/>
-    </p:custDataLst>
-  </p:cSld>
-  <p:clrMapOvr>
-    <a:masterClrMapping/>
-  </p:clrMapOvr>
-</p:sld>
-</file>
-
-<file path=ppt/slides/slide14.xml><?xml version="1.0" encoding="utf-8"?>
-<p:sld xmlns:a="http://schemas.openxmlformats.org/drawingml/2006/main" xmlns:r="http://schemas.openxmlformats.org/officeDocument/2006/relationships" xmlns:p="http://schemas.openxmlformats.org/presentationml/2006/main">
-  <p:cSld>
-    <p:spTree>
-      <p:nvGrpSpPr>
-        <p:cNvPr id="1" name=""/>
-        <p:cNvGrpSpPr/>
-        <p:nvPr/>
-      </p:nvGrpSpPr>
-      <p:grpSpPr>
-        <a:xfrm>
-          <a:off x="0" y="0"/>
-          <a:ext cx="0" cy="0"/>
-          <a:chOff x="0" y="0"/>
-          <a:chExt cx="0" cy="0"/>
-        </a:xfrm>
-      </p:grpSpPr>
-      <p:sp>
-        <p:nvSpPr>
-          <p:cNvPr id="5" name="标题 4"/>
-          <p:cNvSpPr>
-            <a:spLocks noGrp="1"/>
-          </p:cNvSpPr>
-          <p:nvPr>
-            <p:ph type="title"/>
-            <p:custDataLst>
-              <p:tags r:id="rId2"/>
-            </p:custDataLst>
-          </p:nvPr>
-        </p:nvSpPr>
-        <p:spPr/>
-        <p:txBody>
-          <a:bodyPr>
-            <a:normAutofit fontScale="90000"/>
-          </a:bodyPr>
-          <a:lstStyle/>
-          <a:p>
-            <a:r>
-              <a:rPr lang="en-US"/>
-              <a:t>Demo</a:t>
-            </a:r>
-            <a:r>
-              <a:rPr lang="zh-CN" altLang="en-US"/>
-              <a:t>：计算器</a:t>
-            </a:r>
-          </a:p>
-        </p:txBody>
-      </p:sp>
-      <p:sp>
-        <p:nvSpPr>
-          <p:cNvPr id="6" name="文本占位符 5"/>
-          <p:cNvSpPr>
-            <a:spLocks noGrp="1"/>
-          </p:cNvSpPr>
-          <p:nvPr>
-            <p:ph type="body" sz="quarter" idx="15"/>
-            <p:custDataLst>
-              <p:tags r:id="rId3"/>
-            </p:custDataLst>
-          </p:nvPr>
-        </p:nvSpPr>
-        <p:spPr>
-          <a:xfrm>
-            <a:off x="681355" y="1296035"/>
-            <a:ext cx="5545455" cy="541655"/>
-          </a:xfrm>
-        </p:spPr>
-        <p:txBody>
-          <a:bodyPr>
-            <a:noAutofit/>
-          </a:bodyPr>
-          <a:lstStyle/>
-          <a:p>
-            <a:r>
-              <a:rPr lang="zh-CN">
-                <a:latin typeface="+mn-lt"/>
-                <a:cs typeface="+mn-lt"/>
-              </a:rPr>
-              <a:t>输入一个加、减、乘、除的表达式，计算表达式的值。</a:t>
-            </a:r>
-          </a:p>
-        </p:txBody>
-      </p:sp>
-      <p:sp>
-        <p:nvSpPr>
-          <p:cNvPr id="100" name="文本框 99"/>
-          <p:cNvSpPr txBox="1"/>
-          <p:nvPr/>
-        </p:nvSpPr>
-        <p:spPr>
-          <a:xfrm>
-            <a:off x="681355" y="2343150"/>
-            <a:ext cx="5735955" cy="1476375"/>
-          </a:xfrm>
-          <a:prstGeom prst="rect">
-            <a:avLst/>
-          </a:prstGeom>
-          <a:noFill/>
-          <a:ln w="9525">
-            <a:noFill/>
-          </a:ln>
-        </p:spPr>
-        <p:txBody>
-          <a:bodyPr wrap="square">
-            <a:spAutoFit/>
-          </a:bodyPr>
-          <a:lstStyle/>
-          <a:p>
-            <a:pPr indent="0"/>
-            <a:r>
-              <a:rPr lang="en-US" b="0">
-                <a:solidFill>
-                  <a:srgbClr val="8000FF"/>
-                </a:solidFill>
-                <a:highlight>
-                  <a:srgbClr val="FFFFFF"/>
-                </a:highlight>
-                <a:latin typeface="Consolas" panose="020B0609020204030204" charset="0"/>
-                <a:ea typeface="宋体" panose="02010600030101010101" pitchFamily="2" charset="-122"/>
-              </a:rPr>
-              <a:t>int</a:t>
-            </a:r>
-            <a:r>
-              <a:rPr lang="en-US" b="0">
-                <a:solidFill>
-                  <a:srgbClr val="000000"/>
-                </a:solidFill>
-                <a:highlight>
-                  <a:srgbClr val="FFFFFF"/>
-                </a:highlight>
-                <a:latin typeface="Consolas" panose="020B0609020204030204" charset="0"/>
-                <a:ea typeface="宋体" panose="02010600030101010101" pitchFamily="2" charset="-122"/>
-              </a:rPr>
-              <a:t> num1</a:t>
-            </a:r>
-            <a:r>
-              <a:rPr lang="en-US" b="1">
-                <a:solidFill>
-                  <a:srgbClr val="000080"/>
-                </a:solidFill>
-                <a:highlight>
-                  <a:srgbClr val="FFFFFF"/>
-                </a:highlight>
-                <a:latin typeface="Consolas" panose="020B0609020204030204" charset="0"/>
-                <a:ea typeface="宋体" panose="02010600030101010101" pitchFamily="2" charset="-122"/>
-              </a:rPr>
-              <a:t>,</a:t>
-            </a:r>
-            <a:r>
-              <a:rPr lang="en-US" b="0">
-                <a:solidFill>
-                  <a:srgbClr val="000000"/>
-                </a:solidFill>
-                <a:highlight>
-                  <a:srgbClr val="FFFFFF"/>
-                </a:highlight>
-                <a:latin typeface="Consolas" panose="020B0609020204030204" charset="0"/>
-                <a:ea typeface="宋体" panose="02010600030101010101" pitchFamily="2" charset="-122"/>
-              </a:rPr>
-              <a:t> num2</a:t>
-            </a:r>
-            <a:r>
-              <a:rPr lang="en-US" b="1">
-                <a:solidFill>
-                  <a:srgbClr val="000080"/>
-                </a:solidFill>
-                <a:highlight>
-                  <a:srgbClr val="FFFFFF"/>
-                </a:highlight>
-                <a:latin typeface="Consolas" panose="020B0609020204030204" charset="0"/>
-                <a:ea typeface="宋体" panose="02010600030101010101" pitchFamily="2" charset="-122"/>
-              </a:rPr>
-              <a:t>;</a:t>
-            </a:r>
-            <a:endParaRPr lang="en-US" b="0">
-              <a:solidFill>
-                <a:srgbClr val="8000FF"/>
-              </a:solidFill>
-              <a:highlight>
-                <a:srgbClr val="FFFFFF"/>
-              </a:highlight>
-              <a:latin typeface="Consolas" panose="020B0609020204030204" charset="0"/>
-              <a:ea typeface="宋体" panose="02010600030101010101" pitchFamily="2" charset="-122"/>
-            </a:endParaRPr>
-          </a:p>
-          <a:p>
-            <a:pPr indent="0"/>
-            <a:r>
-              <a:rPr lang="en-US" b="0">
-                <a:solidFill>
-                  <a:srgbClr val="8000FF"/>
-                </a:solidFill>
-                <a:highlight>
-                  <a:srgbClr val="FFFFFF"/>
-                </a:highlight>
-                <a:latin typeface="Consolas" panose="020B0609020204030204" charset="0"/>
-                <a:ea typeface="宋体" panose="02010600030101010101" pitchFamily="2" charset="-122"/>
-              </a:rPr>
-              <a:t>char</a:t>
-            </a:r>
-            <a:r>
-              <a:rPr lang="en-US" b="0">
-                <a:solidFill>
-                  <a:srgbClr val="000000"/>
-                </a:solidFill>
-                <a:highlight>
-                  <a:srgbClr val="FFFFFF"/>
-                </a:highlight>
-                <a:latin typeface="Consolas" panose="020B0609020204030204" charset="0"/>
-                <a:ea typeface="宋体" panose="02010600030101010101" pitchFamily="2" charset="-122"/>
-              </a:rPr>
-              <a:t> operator</a:t>
-            </a:r>
-            <a:r>
-              <a:rPr lang="en-US" b="1">
-                <a:solidFill>
-                  <a:srgbClr val="000080"/>
-                </a:solidFill>
-                <a:highlight>
-                  <a:srgbClr val="FFFFFF"/>
-                </a:highlight>
-                <a:latin typeface="Consolas" panose="020B0609020204030204" charset="0"/>
-                <a:ea typeface="宋体" panose="02010600030101010101" pitchFamily="2" charset="-122"/>
-              </a:rPr>
-              <a:t>;</a:t>
-            </a:r>
-            <a:endParaRPr lang="en-US" b="0">
-              <a:solidFill>
-                <a:srgbClr val="000000"/>
-              </a:solidFill>
-              <a:highlight>
-                <a:srgbClr val="FFFFFF"/>
-              </a:highlight>
-              <a:latin typeface="Consolas" panose="020B0609020204030204" charset="0"/>
-              <a:ea typeface="宋体" panose="02010600030101010101" pitchFamily="2" charset="-122"/>
-            </a:endParaRPr>
-          </a:p>
-          <a:p>
-            <a:pPr indent="0"/>
-            <a:r>
-              <a:rPr lang="en-US" b="0">
-                <a:solidFill>
-                  <a:srgbClr val="000000"/>
-                </a:solidFill>
-                <a:highlight>
-                  <a:srgbClr val="FFFFFF"/>
-                </a:highlight>
-                <a:latin typeface="Consolas" panose="020B0609020204030204" charset="0"/>
-                <a:ea typeface="宋体" panose="02010600030101010101" pitchFamily="2" charset="-122"/>
-              </a:rPr>
-              <a:t> </a:t>
-            </a:r>
-          </a:p>
-          <a:p>
-            <a:pPr indent="0"/>
-            <a:r>
-              <a:rPr lang="en-US" b="0">
-                <a:solidFill>
-                  <a:srgbClr val="000000"/>
-                </a:solidFill>
-                <a:highlight>
-                  <a:srgbClr val="FFFFFF"/>
-                </a:highlight>
-                <a:latin typeface="Consolas" panose="020B0609020204030204" charset="0"/>
-                <a:ea typeface="宋体" panose="02010600030101010101" pitchFamily="2" charset="-122"/>
-              </a:rPr>
-              <a:t>printf</a:t>
-            </a:r>
-            <a:r>
-              <a:rPr lang="en-US" b="1">
-                <a:solidFill>
-                  <a:srgbClr val="000080"/>
-                </a:solidFill>
-                <a:highlight>
-                  <a:srgbClr val="FFFFFF"/>
-                </a:highlight>
-                <a:latin typeface="Consolas" panose="020B0609020204030204" charset="0"/>
-                <a:ea typeface="宋体" panose="02010600030101010101" pitchFamily="2" charset="-122"/>
-              </a:rPr>
-              <a:t>(</a:t>
-            </a:r>
-            <a:r>
-              <a:rPr lang="en-US" b="0">
-                <a:solidFill>
-                  <a:srgbClr val="808080"/>
-                </a:solidFill>
-                <a:highlight>
-                  <a:srgbClr val="FFFFFF"/>
-                </a:highlight>
-                <a:latin typeface="Consolas" panose="020B0609020204030204" charset="0"/>
-                <a:ea typeface="宋体" panose="02010600030101010101" pitchFamily="2" charset="-122"/>
-              </a:rPr>
-              <a:t>"Enter an expression: "</a:t>
-            </a:r>
-            <a:r>
-              <a:rPr lang="en-US" b="1">
-                <a:solidFill>
-                  <a:srgbClr val="000080"/>
-                </a:solidFill>
-                <a:highlight>
-                  <a:srgbClr val="FFFFFF"/>
-                </a:highlight>
-                <a:latin typeface="Consolas" panose="020B0609020204030204" charset="0"/>
-                <a:ea typeface="宋体" panose="02010600030101010101" pitchFamily="2" charset="-122"/>
-              </a:rPr>
-              <a:t>);</a:t>
-            </a:r>
-            <a:endParaRPr lang="en-US" b="0">
-              <a:solidFill>
-                <a:srgbClr val="000000"/>
-              </a:solidFill>
-              <a:highlight>
-                <a:srgbClr val="FFFFFF"/>
-              </a:highlight>
-              <a:latin typeface="Consolas" panose="020B0609020204030204" charset="0"/>
-              <a:ea typeface="宋体" panose="02010600030101010101" pitchFamily="2" charset="-122"/>
-            </a:endParaRPr>
-          </a:p>
-          <a:p>
-            <a:pPr indent="0"/>
-            <a:r>
-              <a:rPr lang="en-US" b="0">
-                <a:solidFill>
-                  <a:srgbClr val="000000"/>
-                </a:solidFill>
-                <a:highlight>
-                  <a:srgbClr val="FFFFFF"/>
-                </a:highlight>
-                <a:latin typeface="Consolas" panose="020B0609020204030204" charset="0"/>
-                <a:ea typeface="宋体" panose="02010600030101010101" pitchFamily="2" charset="-122"/>
-              </a:rPr>
-              <a:t>scanf</a:t>
-            </a:r>
-            <a:r>
-              <a:rPr lang="en-US" b="1">
-                <a:solidFill>
-                  <a:srgbClr val="000080"/>
-                </a:solidFill>
-                <a:highlight>
-                  <a:srgbClr val="FFFFFF"/>
-                </a:highlight>
-                <a:latin typeface="Consolas" panose="020B0609020204030204" charset="0"/>
-                <a:ea typeface="宋体" panose="02010600030101010101" pitchFamily="2" charset="-122"/>
-              </a:rPr>
-              <a:t>(</a:t>
-            </a:r>
-            <a:r>
-              <a:rPr lang="en-US" b="0">
-                <a:solidFill>
-                  <a:srgbClr val="808080"/>
-                </a:solidFill>
-                <a:highlight>
-                  <a:srgbClr val="FFFFFF"/>
-                </a:highlight>
-                <a:latin typeface="Consolas" panose="020B0609020204030204" charset="0"/>
-                <a:ea typeface="宋体" panose="02010600030101010101" pitchFamily="2" charset="-122"/>
-              </a:rPr>
-              <a:t>"%d %c %d"</a:t>
-            </a:r>
-            <a:r>
-              <a:rPr lang="en-US" b="1">
-                <a:solidFill>
-                  <a:srgbClr val="000080"/>
-                </a:solidFill>
-                <a:highlight>
-                  <a:srgbClr val="FFFFFF"/>
-                </a:highlight>
-                <a:latin typeface="Consolas" panose="020B0609020204030204" charset="0"/>
-                <a:ea typeface="宋体" panose="02010600030101010101" pitchFamily="2" charset="-122"/>
-              </a:rPr>
-              <a:t>,</a:t>
-            </a:r>
-            <a:r>
-              <a:rPr lang="en-US" b="0">
-                <a:solidFill>
-                  <a:srgbClr val="000000"/>
-                </a:solidFill>
-                <a:highlight>
-                  <a:srgbClr val="FFFFFF"/>
-                </a:highlight>
-                <a:latin typeface="Consolas" panose="020B0609020204030204" charset="0"/>
-                <a:ea typeface="宋体" panose="02010600030101010101" pitchFamily="2" charset="-122"/>
-              </a:rPr>
-              <a:t> </a:t>
-            </a:r>
-            <a:r>
-              <a:rPr lang="en-US" b="1">
-                <a:solidFill>
-                  <a:srgbClr val="000080"/>
-                </a:solidFill>
-                <a:highlight>
-                  <a:srgbClr val="FFFFFF"/>
-                </a:highlight>
-                <a:latin typeface="Consolas" panose="020B0609020204030204" charset="0"/>
-                <a:ea typeface="宋体" panose="02010600030101010101" pitchFamily="2" charset="-122"/>
-              </a:rPr>
-              <a:t>&amp;</a:t>
-            </a:r>
-            <a:r>
-              <a:rPr lang="en-US" b="0">
-                <a:solidFill>
-                  <a:srgbClr val="000000"/>
-                </a:solidFill>
-                <a:highlight>
-                  <a:srgbClr val="FFFFFF"/>
-                </a:highlight>
-                <a:latin typeface="Consolas" panose="020B0609020204030204" charset="0"/>
-                <a:ea typeface="宋体" panose="02010600030101010101" pitchFamily="2" charset="-122"/>
-              </a:rPr>
-              <a:t>num1</a:t>
-            </a:r>
-            <a:r>
-              <a:rPr lang="en-US" b="1">
-                <a:solidFill>
-                  <a:srgbClr val="000080"/>
-                </a:solidFill>
-                <a:highlight>
-                  <a:srgbClr val="FFFFFF"/>
-                </a:highlight>
-                <a:latin typeface="Consolas" panose="020B0609020204030204" charset="0"/>
-                <a:ea typeface="宋体" panose="02010600030101010101" pitchFamily="2" charset="-122"/>
-              </a:rPr>
-              <a:t>,</a:t>
-            </a:r>
-            <a:r>
-              <a:rPr lang="en-US" b="0">
-                <a:solidFill>
-                  <a:srgbClr val="000000"/>
-                </a:solidFill>
-                <a:highlight>
-                  <a:srgbClr val="FFFFFF"/>
-                </a:highlight>
-                <a:latin typeface="Consolas" panose="020B0609020204030204" charset="0"/>
-                <a:ea typeface="宋体" panose="02010600030101010101" pitchFamily="2" charset="-122"/>
-              </a:rPr>
-              <a:t> </a:t>
-            </a:r>
-            <a:r>
-              <a:rPr lang="en-US" b="1">
-                <a:solidFill>
-                  <a:srgbClr val="000080"/>
-                </a:solidFill>
-                <a:highlight>
-                  <a:srgbClr val="FFFFFF"/>
-                </a:highlight>
-                <a:latin typeface="Consolas" panose="020B0609020204030204" charset="0"/>
-                <a:ea typeface="宋体" panose="02010600030101010101" pitchFamily="2" charset="-122"/>
-              </a:rPr>
-              <a:t>&amp;</a:t>
-            </a:r>
-            <a:r>
-              <a:rPr lang="en-US" b="0">
-                <a:solidFill>
-                  <a:srgbClr val="000000"/>
-                </a:solidFill>
-                <a:highlight>
-                  <a:srgbClr val="FFFFFF"/>
-                </a:highlight>
-                <a:latin typeface="Consolas" panose="020B0609020204030204" charset="0"/>
-                <a:ea typeface="宋体" panose="02010600030101010101" pitchFamily="2" charset="-122"/>
-              </a:rPr>
-              <a:t>operator</a:t>
-            </a:r>
-            <a:r>
-              <a:rPr lang="en-US" b="1">
-                <a:solidFill>
-                  <a:srgbClr val="000080"/>
-                </a:solidFill>
-                <a:highlight>
-                  <a:srgbClr val="FFFFFF"/>
-                </a:highlight>
-                <a:latin typeface="Consolas" panose="020B0609020204030204" charset="0"/>
-                <a:ea typeface="宋体" panose="02010600030101010101" pitchFamily="2" charset="-122"/>
-              </a:rPr>
-              <a:t>,</a:t>
-            </a:r>
-            <a:r>
-              <a:rPr lang="en-US" b="0">
-                <a:solidFill>
-                  <a:srgbClr val="000000"/>
-                </a:solidFill>
-                <a:highlight>
-                  <a:srgbClr val="FFFFFF"/>
-                </a:highlight>
-                <a:latin typeface="Consolas" panose="020B0609020204030204" charset="0"/>
-                <a:ea typeface="宋体" panose="02010600030101010101" pitchFamily="2" charset="-122"/>
-              </a:rPr>
-              <a:t> </a:t>
-            </a:r>
-            <a:r>
-              <a:rPr lang="en-US" b="1">
-                <a:solidFill>
-                  <a:srgbClr val="000080"/>
-                </a:solidFill>
-                <a:highlight>
-                  <a:srgbClr val="FFFFFF"/>
-                </a:highlight>
-                <a:latin typeface="Consolas" panose="020B0609020204030204" charset="0"/>
-                <a:ea typeface="宋体" panose="02010600030101010101" pitchFamily="2" charset="-122"/>
-              </a:rPr>
-              <a:t>&amp;</a:t>
-            </a:r>
-            <a:r>
-              <a:rPr lang="en-US" b="0">
-                <a:solidFill>
-                  <a:srgbClr val="000000"/>
-                </a:solidFill>
-                <a:highlight>
-                  <a:srgbClr val="FFFFFF"/>
-                </a:highlight>
-                <a:latin typeface="Consolas" panose="020B0609020204030204" charset="0"/>
-                <a:ea typeface="宋体" panose="02010600030101010101" pitchFamily="2" charset="-122"/>
-              </a:rPr>
-              <a:t> num2</a:t>
-            </a:r>
-            <a:r>
-              <a:rPr lang="en-US" b="1">
-                <a:solidFill>
-                  <a:srgbClr val="000080"/>
-                </a:solidFill>
-                <a:highlight>
-                  <a:srgbClr val="FFFFFF"/>
-                </a:highlight>
-                <a:latin typeface="Consolas" panose="020B0609020204030204" charset="0"/>
-                <a:ea typeface="宋体" panose="02010600030101010101" pitchFamily="2" charset="-122"/>
-              </a:rPr>
-              <a:t>);</a:t>
-            </a:r>
-            <a:endParaRPr lang="en-US" altLang="en-US" b="1">
-              <a:solidFill>
-                <a:srgbClr val="000080"/>
-              </a:solidFill>
-              <a:highlight>
-                <a:srgbClr val="FFFFFF"/>
-              </a:highlight>
-              <a:latin typeface="Consolas" panose="020B0609020204030204" charset="0"/>
-              <a:ea typeface="宋体" panose="02010600030101010101" pitchFamily="2" charset="-122"/>
-            </a:endParaRPr>
-          </a:p>
-        </p:txBody>
-      </p:sp>
-    </p:spTree>
-    <p:custDataLst>
-      <p:tags r:id="rId1"/>
-    </p:custDataLst>
-  </p:cSld>
-  <p:clrMapOvr>
-    <a:masterClrMapping/>
-  </p:clrMapOvr>
-</p:sld>
-</file>
-
-<file path=ppt/slides/slide15.xml><?xml version="1.0" encoding="utf-8"?>
-<p:sld xmlns:a="http://schemas.openxmlformats.org/drawingml/2006/main" xmlns:r="http://schemas.openxmlformats.org/officeDocument/2006/relationships" xmlns:p="http://schemas.openxmlformats.org/presentationml/2006/main">
-  <p:cSld>
-    <p:spTree>
-      <p:nvGrpSpPr>
-        <p:cNvPr id="1" name=""/>
-        <p:cNvGrpSpPr/>
-        <p:nvPr/>
-      </p:nvGrpSpPr>
-      <p:grpSpPr>
-        <a:xfrm>
-          <a:off x="0" y="0"/>
-          <a:ext cx="0" cy="0"/>
-          <a:chOff x="0" y="0"/>
-          <a:chExt cx="0" cy="0"/>
-        </a:xfrm>
-      </p:grpSpPr>
-      <p:sp>
-        <p:nvSpPr>
-          <p:cNvPr id="5" name="标题 4"/>
-          <p:cNvSpPr>
-            <a:spLocks noGrp="1"/>
-          </p:cNvSpPr>
-          <p:nvPr>
-            <p:ph type="title"/>
-            <p:custDataLst>
-              <p:tags r:id="rId2"/>
-            </p:custDataLst>
-          </p:nvPr>
-        </p:nvSpPr>
-        <p:spPr/>
-        <p:txBody>
-          <a:bodyPr>
-            <a:normAutofit fontScale="90000"/>
-          </a:bodyPr>
-          <a:lstStyle/>
-          <a:p>
-            <a:r>
-              <a:rPr lang="en-US"/>
-              <a:t>Demo</a:t>
-            </a:r>
-            <a:r>
-              <a:rPr lang="zh-CN" altLang="en-US"/>
-              <a:t>：计算器</a:t>
-            </a:r>
-          </a:p>
-        </p:txBody>
-      </p:sp>
-      <p:sp>
-        <p:nvSpPr>
-          <p:cNvPr id="2" name="文本框 1"/>
-          <p:cNvSpPr txBox="1"/>
-          <p:nvPr/>
-        </p:nvSpPr>
-        <p:spPr>
-          <a:xfrm>
-            <a:off x="687070" y="1153795"/>
-            <a:ext cx="7510780" cy="5077460"/>
-          </a:xfrm>
-          <a:prstGeom prst="rect">
-            <a:avLst/>
-          </a:prstGeom>
-          <a:noFill/>
-          <a:ln w="9525">
-            <a:noFill/>
-          </a:ln>
-        </p:spPr>
-        <p:txBody>
-          <a:bodyPr wrap="square">
-            <a:spAutoFit/>
-          </a:bodyPr>
-          <a:lstStyle/>
-          <a:p>
-            <a:pPr indent="0"/>
-            <a:r>
-              <a:rPr lang="en-US" b="1">
-                <a:solidFill>
-                  <a:srgbClr val="0000FF"/>
-                </a:solidFill>
-                <a:highlight>
-                  <a:srgbClr val="FFFFFF"/>
-                </a:highlight>
-                <a:latin typeface="Consolas" panose="020B0609020204030204" charset="0"/>
-                <a:ea typeface="宋体" panose="02010600030101010101" pitchFamily="2" charset="-122"/>
-              </a:rPr>
-              <a:t>switch</a:t>
-            </a:r>
-            <a:r>
-              <a:rPr lang="en-US" b="0">
-                <a:solidFill>
-                  <a:srgbClr val="000000"/>
-                </a:solidFill>
-                <a:highlight>
-                  <a:srgbClr val="FFFFFF"/>
-                </a:highlight>
-                <a:latin typeface="Consolas" panose="020B0609020204030204" charset="0"/>
-                <a:ea typeface="宋体" panose="02010600030101010101" pitchFamily="2" charset="-122"/>
-              </a:rPr>
-              <a:t> </a:t>
-            </a:r>
-            <a:r>
-              <a:rPr lang="en-US" b="1">
-                <a:solidFill>
-                  <a:srgbClr val="000080"/>
-                </a:solidFill>
-                <a:highlight>
-                  <a:srgbClr val="FFFFFF"/>
-                </a:highlight>
-                <a:latin typeface="Consolas" panose="020B0609020204030204" charset="0"/>
-                <a:ea typeface="宋体" panose="02010600030101010101" pitchFamily="2" charset="-122"/>
-              </a:rPr>
-              <a:t>(</a:t>
-            </a:r>
-            <a:r>
-              <a:rPr lang="en-US" b="0">
-                <a:solidFill>
-                  <a:srgbClr val="000000"/>
-                </a:solidFill>
-                <a:highlight>
-                  <a:srgbClr val="FFFFFF"/>
-                </a:highlight>
-                <a:latin typeface="Consolas" panose="020B0609020204030204" charset="0"/>
-                <a:ea typeface="宋体" panose="02010600030101010101" pitchFamily="2" charset="-122"/>
-              </a:rPr>
-              <a:t>operator</a:t>
-            </a:r>
-            <a:r>
-              <a:rPr lang="en-US" b="1">
-                <a:solidFill>
-                  <a:srgbClr val="000080"/>
-                </a:solidFill>
-                <a:highlight>
-                  <a:srgbClr val="FFFFFF"/>
-                </a:highlight>
-                <a:latin typeface="Consolas" panose="020B0609020204030204" charset="0"/>
-                <a:ea typeface="宋体" panose="02010600030101010101" pitchFamily="2" charset="-122"/>
-              </a:rPr>
-              <a:t>)</a:t>
-            </a:r>
-          </a:p>
-          <a:p>
-            <a:pPr indent="0"/>
-            <a:r>
-              <a:rPr lang="en-US" b="1">
-                <a:solidFill>
-                  <a:srgbClr val="000080"/>
-                </a:solidFill>
-                <a:highlight>
-                  <a:srgbClr val="FFFFFF"/>
-                </a:highlight>
-                <a:latin typeface="Consolas" panose="020B0609020204030204" charset="0"/>
-                <a:ea typeface="宋体" panose="02010600030101010101" pitchFamily="2" charset="-122"/>
-              </a:rPr>
-              <a:t>{</a:t>
-            </a:r>
-            <a:endParaRPr lang="en-US" b="1">
-              <a:solidFill>
-                <a:srgbClr val="0000FF"/>
-              </a:solidFill>
-              <a:highlight>
-                <a:srgbClr val="FFFFFF"/>
-              </a:highlight>
-              <a:latin typeface="Consolas" panose="020B0609020204030204" charset="0"/>
-              <a:ea typeface="宋体" panose="02010600030101010101" pitchFamily="2" charset="-122"/>
-            </a:endParaRPr>
-          </a:p>
-          <a:p>
-            <a:pPr indent="0"/>
-            <a:r>
-              <a:rPr lang="en-US" b="1">
-                <a:solidFill>
-                  <a:srgbClr val="0000FF"/>
-                </a:solidFill>
-                <a:highlight>
-                  <a:srgbClr val="FFFFFF"/>
-                </a:highlight>
-                <a:latin typeface="Consolas" panose="020B0609020204030204" charset="0"/>
-                <a:ea typeface="宋体" panose="02010600030101010101" pitchFamily="2" charset="-122"/>
-              </a:rPr>
-              <a:t>case</a:t>
-            </a:r>
-            <a:r>
-              <a:rPr lang="en-US" b="0">
-                <a:solidFill>
-                  <a:srgbClr val="000000"/>
-                </a:solidFill>
-                <a:highlight>
-                  <a:srgbClr val="FFFFFF"/>
-                </a:highlight>
-                <a:latin typeface="Consolas" panose="020B0609020204030204" charset="0"/>
-                <a:ea typeface="宋体" panose="02010600030101010101" pitchFamily="2" charset="-122"/>
-              </a:rPr>
-              <a:t> </a:t>
-            </a:r>
-            <a:r>
-              <a:rPr lang="en-US" b="0">
-                <a:solidFill>
-                  <a:srgbClr val="808080"/>
-                </a:solidFill>
-                <a:highlight>
-                  <a:srgbClr val="FFFFFF"/>
-                </a:highlight>
-                <a:latin typeface="Consolas" panose="020B0609020204030204" charset="0"/>
-                <a:ea typeface="宋体" panose="02010600030101010101" pitchFamily="2" charset="-122"/>
-              </a:rPr>
-              <a:t>'+'</a:t>
-            </a:r>
-            <a:r>
-              <a:rPr lang="en-US" b="1">
-                <a:solidFill>
-                  <a:srgbClr val="000080"/>
-                </a:solidFill>
-                <a:highlight>
-                  <a:srgbClr val="FFFFFF"/>
-                </a:highlight>
-                <a:latin typeface="Consolas" panose="020B0609020204030204" charset="0"/>
-                <a:ea typeface="宋体" panose="02010600030101010101" pitchFamily="2" charset="-122"/>
-              </a:rPr>
-              <a:t>:</a:t>
-            </a:r>
-            <a:endParaRPr lang="en-US" b="0">
-              <a:solidFill>
-                <a:srgbClr val="000000"/>
-              </a:solidFill>
-              <a:highlight>
-                <a:srgbClr val="FFFFFF"/>
-              </a:highlight>
-              <a:latin typeface="Consolas" panose="020B0609020204030204" charset="0"/>
-              <a:ea typeface="宋体" panose="02010600030101010101" pitchFamily="2" charset="-122"/>
-            </a:endParaRPr>
-          </a:p>
-          <a:p>
-            <a:pPr indent="0"/>
-            <a:r>
-              <a:rPr lang="en-US" b="0">
-                <a:solidFill>
-                  <a:srgbClr val="000000"/>
-                </a:solidFill>
-                <a:highlight>
-                  <a:srgbClr val="FFFFFF"/>
-                </a:highlight>
-                <a:latin typeface="Consolas" panose="020B0609020204030204" charset="0"/>
-                <a:ea typeface="宋体" panose="02010600030101010101" pitchFamily="2" charset="-122"/>
-              </a:rPr>
-              <a:t>	printf</a:t>
-            </a:r>
-            <a:r>
-              <a:rPr lang="en-US" b="1">
-                <a:solidFill>
-                  <a:srgbClr val="000080"/>
-                </a:solidFill>
-                <a:highlight>
-                  <a:srgbClr val="FFFFFF"/>
-                </a:highlight>
-                <a:latin typeface="Consolas" panose="020B0609020204030204" charset="0"/>
-                <a:ea typeface="宋体" panose="02010600030101010101" pitchFamily="2" charset="-122"/>
-              </a:rPr>
-              <a:t>(</a:t>
-            </a:r>
-            <a:r>
-              <a:rPr lang="en-US" b="0">
-                <a:solidFill>
-                  <a:srgbClr val="808080"/>
-                </a:solidFill>
-                <a:highlight>
-                  <a:srgbClr val="FFFFFF"/>
-                </a:highlight>
-                <a:latin typeface="Consolas" panose="020B0609020204030204" charset="0"/>
-                <a:ea typeface="宋体" panose="02010600030101010101" pitchFamily="2" charset="-122"/>
-              </a:rPr>
-              <a:t>"%d + %d = %d\n"</a:t>
-            </a:r>
-            <a:r>
-              <a:rPr lang="en-US" b="1">
-                <a:solidFill>
-                  <a:srgbClr val="000080"/>
-                </a:solidFill>
-                <a:highlight>
-                  <a:srgbClr val="FFFFFF"/>
-                </a:highlight>
-                <a:latin typeface="Consolas" panose="020B0609020204030204" charset="0"/>
-                <a:ea typeface="宋体" panose="02010600030101010101" pitchFamily="2" charset="-122"/>
-              </a:rPr>
-              <a:t>,</a:t>
-            </a:r>
-            <a:r>
-              <a:rPr lang="en-US" b="0">
-                <a:solidFill>
-                  <a:srgbClr val="000000"/>
-                </a:solidFill>
-                <a:highlight>
-                  <a:srgbClr val="FFFFFF"/>
-                </a:highlight>
-                <a:latin typeface="Consolas" panose="020B0609020204030204" charset="0"/>
-                <a:ea typeface="宋体" panose="02010600030101010101" pitchFamily="2" charset="-122"/>
-              </a:rPr>
-              <a:t> num1</a:t>
-            </a:r>
-            <a:r>
-              <a:rPr lang="en-US" b="1">
-                <a:solidFill>
-                  <a:srgbClr val="000080"/>
-                </a:solidFill>
-                <a:highlight>
-                  <a:srgbClr val="FFFFFF"/>
-                </a:highlight>
-                <a:latin typeface="Consolas" panose="020B0609020204030204" charset="0"/>
-                <a:ea typeface="宋体" panose="02010600030101010101" pitchFamily="2" charset="-122"/>
-              </a:rPr>
-              <a:t>,</a:t>
-            </a:r>
-            <a:r>
-              <a:rPr lang="en-US" b="0">
-                <a:solidFill>
-                  <a:srgbClr val="000000"/>
-                </a:solidFill>
-                <a:highlight>
-                  <a:srgbClr val="FFFFFF"/>
-                </a:highlight>
-                <a:latin typeface="Consolas" panose="020B0609020204030204" charset="0"/>
-                <a:ea typeface="宋体" panose="02010600030101010101" pitchFamily="2" charset="-122"/>
-              </a:rPr>
-              <a:t> num2</a:t>
-            </a:r>
-            <a:r>
-              <a:rPr lang="en-US" b="1">
-                <a:solidFill>
-                  <a:srgbClr val="000080"/>
-                </a:solidFill>
-                <a:highlight>
-                  <a:srgbClr val="FFFFFF"/>
-                </a:highlight>
-                <a:latin typeface="Consolas" panose="020B0609020204030204" charset="0"/>
-                <a:ea typeface="宋体" panose="02010600030101010101" pitchFamily="2" charset="-122"/>
-              </a:rPr>
-              <a:t>,</a:t>
-            </a:r>
-            <a:r>
-              <a:rPr lang="en-US" b="0">
-                <a:solidFill>
-                  <a:srgbClr val="000000"/>
-                </a:solidFill>
-                <a:highlight>
-                  <a:srgbClr val="FFFFFF"/>
-                </a:highlight>
-                <a:latin typeface="Consolas" panose="020B0609020204030204" charset="0"/>
-                <a:ea typeface="宋体" panose="02010600030101010101" pitchFamily="2" charset="-122"/>
-              </a:rPr>
-              <a:t> num1 </a:t>
-            </a:r>
-            <a:r>
-              <a:rPr lang="en-US" b="1">
-                <a:solidFill>
-                  <a:srgbClr val="000080"/>
-                </a:solidFill>
-                <a:highlight>
-                  <a:srgbClr val="FFFFFF"/>
-                </a:highlight>
-                <a:latin typeface="Consolas" panose="020B0609020204030204" charset="0"/>
-                <a:ea typeface="宋体" panose="02010600030101010101" pitchFamily="2" charset="-122"/>
-              </a:rPr>
-              <a:t>+</a:t>
-            </a:r>
-            <a:r>
-              <a:rPr lang="en-US" b="0">
-                <a:solidFill>
-                  <a:srgbClr val="000000"/>
-                </a:solidFill>
-                <a:highlight>
-                  <a:srgbClr val="FFFFFF"/>
-                </a:highlight>
-                <a:latin typeface="Consolas" panose="020B0609020204030204" charset="0"/>
-                <a:ea typeface="宋体" panose="02010600030101010101" pitchFamily="2" charset="-122"/>
-              </a:rPr>
-              <a:t> num2</a:t>
-            </a:r>
-            <a:r>
-              <a:rPr lang="en-US" b="1">
-                <a:solidFill>
-                  <a:srgbClr val="000080"/>
-                </a:solidFill>
-                <a:highlight>
-                  <a:srgbClr val="FFFFFF"/>
-                </a:highlight>
-                <a:latin typeface="Consolas" panose="020B0609020204030204" charset="0"/>
-                <a:ea typeface="宋体" panose="02010600030101010101" pitchFamily="2" charset="-122"/>
-              </a:rPr>
-              <a:t>);</a:t>
-            </a:r>
-            <a:endParaRPr lang="en-US" b="0">
-              <a:solidFill>
-                <a:srgbClr val="000000"/>
-              </a:solidFill>
-              <a:highlight>
-                <a:srgbClr val="FFFFFF"/>
-              </a:highlight>
-              <a:latin typeface="Consolas" panose="020B0609020204030204" charset="0"/>
-              <a:ea typeface="宋体" panose="02010600030101010101" pitchFamily="2" charset="-122"/>
-            </a:endParaRPr>
-          </a:p>
-          <a:p>
-            <a:pPr indent="0"/>
-            <a:r>
-              <a:rPr lang="en-US" b="0">
-                <a:solidFill>
-                  <a:srgbClr val="000000"/>
-                </a:solidFill>
-                <a:highlight>
-                  <a:srgbClr val="FFFFFF"/>
-                </a:highlight>
-                <a:latin typeface="Consolas" panose="020B0609020204030204" charset="0"/>
-                <a:ea typeface="宋体" panose="02010600030101010101" pitchFamily="2" charset="-122"/>
-              </a:rPr>
-              <a:t>	</a:t>
-            </a:r>
-            <a:r>
-              <a:rPr lang="en-US" b="1">
-                <a:solidFill>
-                  <a:srgbClr val="0000FF"/>
-                </a:solidFill>
-                <a:highlight>
-                  <a:srgbClr val="FFFFFF"/>
-                </a:highlight>
-                <a:latin typeface="Consolas" panose="020B0609020204030204" charset="0"/>
-                <a:ea typeface="宋体" panose="02010600030101010101" pitchFamily="2" charset="-122"/>
-              </a:rPr>
-              <a:t>break</a:t>
-            </a:r>
-            <a:r>
-              <a:rPr lang="en-US" b="1">
-                <a:solidFill>
-                  <a:srgbClr val="000080"/>
-                </a:solidFill>
-                <a:highlight>
-                  <a:srgbClr val="FFFFFF"/>
-                </a:highlight>
-                <a:latin typeface="Consolas" panose="020B0609020204030204" charset="0"/>
-                <a:ea typeface="宋体" panose="02010600030101010101" pitchFamily="2" charset="-122"/>
-              </a:rPr>
-              <a:t>;</a:t>
-            </a:r>
-            <a:endParaRPr lang="en-US" b="1">
-              <a:solidFill>
-                <a:srgbClr val="0000FF"/>
-              </a:solidFill>
-              <a:highlight>
-                <a:srgbClr val="FFFFFF"/>
-              </a:highlight>
-              <a:latin typeface="Consolas" panose="020B0609020204030204" charset="0"/>
-              <a:ea typeface="宋体" panose="02010600030101010101" pitchFamily="2" charset="-122"/>
-            </a:endParaRPr>
-          </a:p>
-          <a:p>
-            <a:pPr indent="0"/>
-            <a:r>
-              <a:rPr lang="en-US" b="1">
-                <a:solidFill>
-                  <a:srgbClr val="0000FF"/>
-                </a:solidFill>
-                <a:highlight>
-                  <a:srgbClr val="FFFFFF"/>
-                </a:highlight>
-                <a:latin typeface="Consolas" panose="020B0609020204030204" charset="0"/>
-                <a:ea typeface="宋体" panose="02010600030101010101" pitchFamily="2" charset="-122"/>
-              </a:rPr>
-              <a:t>case</a:t>
-            </a:r>
-            <a:r>
-              <a:rPr lang="en-US" b="0">
-                <a:solidFill>
-                  <a:srgbClr val="000000"/>
-                </a:solidFill>
-                <a:highlight>
-                  <a:srgbClr val="FFFFFF"/>
-                </a:highlight>
-                <a:latin typeface="Consolas" panose="020B0609020204030204" charset="0"/>
-                <a:ea typeface="宋体" panose="02010600030101010101" pitchFamily="2" charset="-122"/>
-              </a:rPr>
-              <a:t> </a:t>
-            </a:r>
-            <a:r>
-              <a:rPr lang="en-US" b="0">
-                <a:solidFill>
-                  <a:srgbClr val="808080"/>
-                </a:solidFill>
-                <a:highlight>
-                  <a:srgbClr val="FFFFFF"/>
-                </a:highlight>
-                <a:latin typeface="Consolas" panose="020B0609020204030204" charset="0"/>
-                <a:ea typeface="宋体" panose="02010600030101010101" pitchFamily="2" charset="-122"/>
-              </a:rPr>
-              <a:t>'-'</a:t>
-            </a:r>
-            <a:r>
-              <a:rPr lang="en-US" b="1">
-                <a:solidFill>
-                  <a:srgbClr val="000080"/>
-                </a:solidFill>
-                <a:highlight>
-                  <a:srgbClr val="FFFFFF"/>
-                </a:highlight>
-                <a:latin typeface="Consolas" panose="020B0609020204030204" charset="0"/>
-                <a:ea typeface="宋体" panose="02010600030101010101" pitchFamily="2" charset="-122"/>
-              </a:rPr>
-              <a:t>:</a:t>
-            </a:r>
-            <a:endParaRPr lang="en-US" b="0">
-              <a:solidFill>
-                <a:srgbClr val="000000"/>
-              </a:solidFill>
-              <a:highlight>
-                <a:srgbClr val="FFFFFF"/>
-              </a:highlight>
-              <a:latin typeface="Consolas" panose="020B0609020204030204" charset="0"/>
-              <a:ea typeface="宋体" panose="02010600030101010101" pitchFamily="2" charset="-122"/>
-            </a:endParaRPr>
-          </a:p>
-          <a:p>
-            <a:pPr indent="0"/>
-            <a:r>
-              <a:rPr lang="en-US" b="0">
-                <a:solidFill>
-                  <a:srgbClr val="000000"/>
-                </a:solidFill>
-                <a:highlight>
-                  <a:srgbClr val="FFFFFF"/>
-                </a:highlight>
-                <a:latin typeface="Consolas" panose="020B0609020204030204" charset="0"/>
-                <a:ea typeface="宋体" panose="02010600030101010101" pitchFamily="2" charset="-122"/>
-              </a:rPr>
-              <a:t>	printf</a:t>
-            </a:r>
-            <a:r>
-              <a:rPr lang="en-US" b="1">
-                <a:solidFill>
-                  <a:srgbClr val="000080"/>
-                </a:solidFill>
-                <a:highlight>
-                  <a:srgbClr val="FFFFFF"/>
-                </a:highlight>
-                <a:latin typeface="Consolas" panose="020B0609020204030204" charset="0"/>
-                <a:ea typeface="宋体" panose="02010600030101010101" pitchFamily="2" charset="-122"/>
-              </a:rPr>
-              <a:t>(</a:t>
-            </a:r>
-            <a:r>
-              <a:rPr lang="en-US" b="0">
-                <a:solidFill>
-                  <a:srgbClr val="808080"/>
-                </a:solidFill>
-                <a:highlight>
-                  <a:srgbClr val="FFFFFF"/>
-                </a:highlight>
-                <a:latin typeface="Consolas" panose="020B0609020204030204" charset="0"/>
-                <a:ea typeface="宋体" panose="02010600030101010101" pitchFamily="2" charset="-122"/>
-              </a:rPr>
-              <a:t>"%d - %d = %d\n"</a:t>
-            </a:r>
-            <a:r>
-              <a:rPr lang="en-US" b="1">
-                <a:solidFill>
-                  <a:srgbClr val="000080"/>
-                </a:solidFill>
-                <a:highlight>
-                  <a:srgbClr val="FFFFFF"/>
-                </a:highlight>
-                <a:latin typeface="Consolas" panose="020B0609020204030204" charset="0"/>
-                <a:ea typeface="宋体" panose="02010600030101010101" pitchFamily="2" charset="-122"/>
-              </a:rPr>
-              <a:t>,</a:t>
-            </a:r>
-            <a:r>
-              <a:rPr lang="en-US" b="0">
-                <a:solidFill>
-                  <a:srgbClr val="000000"/>
-                </a:solidFill>
-                <a:highlight>
-                  <a:srgbClr val="FFFFFF"/>
-                </a:highlight>
-                <a:latin typeface="Consolas" panose="020B0609020204030204" charset="0"/>
-                <a:ea typeface="宋体" panose="02010600030101010101" pitchFamily="2" charset="-122"/>
-              </a:rPr>
-              <a:t> num1</a:t>
-            </a:r>
-            <a:r>
-              <a:rPr lang="en-US" b="1">
-                <a:solidFill>
-                  <a:srgbClr val="000080"/>
-                </a:solidFill>
-                <a:highlight>
-                  <a:srgbClr val="FFFFFF"/>
-                </a:highlight>
-                <a:latin typeface="Consolas" panose="020B0609020204030204" charset="0"/>
-                <a:ea typeface="宋体" panose="02010600030101010101" pitchFamily="2" charset="-122"/>
-              </a:rPr>
-              <a:t>,</a:t>
-            </a:r>
-            <a:r>
-              <a:rPr lang="en-US" b="0">
-                <a:solidFill>
-                  <a:srgbClr val="000000"/>
-                </a:solidFill>
-                <a:highlight>
-                  <a:srgbClr val="FFFFFF"/>
-                </a:highlight>
-                <a:latin typeface="Consolas" panose="020B0609020204030204" charset="0"/>
-                <a:ea typeface="宋体" panose="02010600030101010101" pitchFamily="2" charset="-122"/>
-              </a:rPr>
-              <a:t> num2</a:t>
-            </a:r>
-            <a:r>
-              <a:rPr lang="en-US" b="1">
-                <a:solidFill>
-                  <a:srgbClr val="000080"/>
-                </a:solidFill>
-                <a:highlight>
-                  <a:srgbClr val="FFFFFF"/>
-                </a:highlight>
-                <a:latin typeface="Consolas" panose="020B0609020204030204" charset="0"/>
-                <a:ea typeface="宋体" panose="02010600030101010101" pitchFamily="2" charset="-122"/>
-              </a:rPr>
-              <a:t>,</a:t>
-            </a:r>
-            <a:r>
-              <a:rPr lang="en-US" b="0">
-                <a:solidFill>
-                  <a:srgbClr val="000000"/>
-                </a:solidFill>
-                <a:highlight>
-                  <a:srgbClr val="FFFFFF"/>
-                </a:highlight>
-                <a:latin typeface="Consolas" panose="020B0609020204030204" charset="0"/>
-                <a:ea typeface="宋体" panose="02010600030101010101" pitchFamily="2" charset="-122"/>
-              </a:rPr>
-              <a:t> num1 </a:t>
-            </a:r>
-            <a:r>
-              <a:rPr lang="en-US" b="1">
-                <a:solidFill>
-                  <a:srgbClr val="000080"/>
-                </a:solidFill>
-                <a:highlight>
-                  <a:srgbClr val="FFFFFF"/>
-                </a:highlight>
-                <a:latin typeface="Consolas" panose="020B0609020204030204" charset="0"/>
-                <a:ea typeface="宋体" panose="02010600030101010101" pitchFamily="2" charset="-122"/>
-              </a:rPr>
-              <a:t>-</a:t>
-            </a:r>
-            <a:r>
-              <a:rPr lang="en-US" b="0">
-                <a:solidFill>
-                  <a:srgbClr val="000000"/>
-                </a:solidFill>
-                <a:highlight>
-                  <a:srgbClr val="FFFFFF"/>
-                </a:highlight>
-                <a:latin typeface="Consolas" panose="020B0609020204030204" charset="0"/>
-                <a:ea typeface="宋体" panose="02010600030101010101" pitchFamily="2" charset="-122"/>
-              </a:rPr>
-              <a:t> num2</a:t>
-            </a:r>
-            <a:r>
-              <a:rPr lang="en-US" b="1">
-                <a:solidFill>
-                  <a:srgbClr val="000080"/>
-                </a:solidFill>
-                <a:highlight>
-                  <a:srgbClr val="FFFFFF"/>
-                </a:highlight>
-                <a:latin typeface="Consolas" panose="020B0609020204030204" charset="0"/>
-                <a:ea typeface="宋体" panose="02010600030101010101" pitchFamily="2" charset="-122"/>
-              </a:rPr>
-              <a:t>);</a:t>
-            </a:r>
-            <a:endParaRPr lang="en-US" b="0">
-              <a:solidFill>
-                <a:srgbClr val="000000"/>
-              </a:solidFill>
-              <a:highlight>
-                <a:srgbClr val="FFFFFF"/>
-              </a:highlight>
-              <a:latin typeface="Consolas" panose="020B0609020204030204" charset="0"/>
-              <a:ea typeface="宋体" panose="02010600030101010101" pitchFamily="2" charset="-122"/>
-            </a:endParaRPr>
-          </a:p>
-          <a:p>
-            <a:pPr indent="0"/>
-            <a:r>
-              <a:rPr lang="en-US" b="0">
-                <a:solidFill>
-                  <a:srgbClr val="000000"/>
-                </a:solidFill>
-                <a:highlight>
-                  <a:srgbClr val="FFFFFF"/>
-                </a:highlight>
-                <a:latin typeface="Consolas" panose="020B0609020204030204" charset="0"/>
-                <a:ea typeface="宋体" panose="02010600030101010101" pitchFamily="2" charset="-122"/>
-              </a:rPr>
-              <a:t>	</a:t>
-            </a:r>
-            <a:r>
-              <a:rPr lang="en-US" b="1">
-                <a:solidFill>
-                  <a:srgbClr val="0000FF"/>
-                </a:solidFill>
-                <a:highlight>
-                  <a:srgbClr val="FFFFFF"/>
-                </a:highlight>
-                <a:latin typeface="Consolas" panose="020B0609020204030204" charset="0"/>
-                <a:ea typeface="宋体" panose="02010600030101010101" pitchFamily="2" charset="-122"/>
-              </a:rPr>
-              <a:t>break</a:t>
-            </a:r>
-            <a:r>
-              <a:rPr lang="en-US" b="1">
-                <a:solidFill>
-                  <a:srgbClr val="000080"/>
-                </a:solidFill>
-                <a:highlight>
-                  <a:srgbClr val="FFFFFF"/>
-                </a:highlight>
-                <a:latin typeface="Consolas" panose="020B0609020204030204" charset="0"/>
-                <a:ea typeface="宋体" panose="02010600030101010101" pitchFamily="2" charset="-122"/>
-              </a:rPr>
-              <a:t>;</a:t>
-            </a:r>
-            <a:endParaRPr lang="en-US" b="1">
-              <a:solidFill>
-                <a:srgbClr val="0000FF"/>
-              </a:solidFill>
-              <a:highlight>
-                <a:srgbClr val="FFFFFF"/>
-              </a:highlight>
-              <a:latin typeface="Consolas" panose="020B0609020204030204" charset="0"/>
-              <a:ea typeface="宋体" panose="02010600030101010101" pitchFamily="2" charset="-122"/>
-            </a:endParaRPr>
-          </a:p>
-          <a:p>
-            <a:pPr indent="0"/>
-            <a:r>
-              <a:rPr lang="en-US" b="1">
-                <a:solidFill>
-                  <a:srgbClr val="0000FF"/>
-                </a:solidFill>
-                <a:highlight>
-                  <a:srgbClr val="FFFFFF"/>
-                </a:highlight>
-                <a:latin typeface="Consolas" panose="020B0609020204030204" charset="0"/>
-                <a:ea typeface="宋体" panose="02010600030101010101" pitchFamily="2" charset="-122"/>
-              </a:rPr>
-              <a:t>case</a:t>
-            </a:r>
-            <a:r>
-              <a:rPr lang="en-US" b="0">
-                <a:solidFill>
-                  <a:srgbClr val="000000"/>
-                </a:solidFill>
-                <a:highlight>
-                  <a:srgbClr val="FFFFFF"/>
-                </a:highlight>
-                <a:latin typeface="Consolas" panose="020B0609020204030204" charset="0"/>
-                <a:ea typeface="宋体" panose="02010600030101010101" pitchFamily="2" charset="-122"/>
-              </a:rPr>
-              <a:t> </a:t>
-            </a:r>
-            <a:r>
-              <a:rPr lang="en-US" b="0">
-                <a:solidFill>
-                  <a:srgbClr val="808080"/>
-                </a:solidFill>
-                <a:highlight>
-                  <a:srgbClr val="FFFFFF"/>
-                </a:highlight>
-                <a:latin typeface="Consolas" panose="020B0609020204030204" charset="0"/>
-                <a:ea typeface="宋体" panose="02010600030101010101" pitchFamily="2" charset="-122"/>
-              </a:rPr>
-              <a:t>'*'</a:t>
-            </a:r>
-            <a:r>
-              <a:rPr lang="en-US" b="1">
-                <a:solidFill>
-                  <a:srgbClr val="000080"/>
-                </a:solidFill>
-                <a:highlight>
-                  <a:srgbClr val="FFFFFF"/>
-                </a:highlight>
-                <a:latin typeface="Consolas" panose="020B0609020204030204" charset="0"/>
-                <a:ea typeface="宋体" panose="02010600030101010101" pitchFamily="2" charset="-122"/>
-              </a:rPr>
-              <a:t>:</a:t>
-            </a:r>
-            <a:endParaRPr lang="en-US" b="0">
-              <a:solidFill>
-                <a:srgbClr val="000000"/>
-              </a:solidFill>
-              <a:highlight>
-                <a:srgbClr val="FFFFFF"/>
-              </a:highlight>
-              <a:latin typeface="Consolas" panose="020B0609020204030204" charset="0"/>
-              <a:ea typeface="宋体" panose="02010600030101010101" pitchFamily="2" charset="-122"/>
-            </a:endParaRPr>
-          </a:p>
-          <a:p>
-            <a:pPr indent="0"/>
-            <a:r>
-              <a:rPr lang="en-US" b="0">
-                <a:solidFill>
-                  <a:srgbClr val="000000"/>
-                </a:solidFill>
-                <a:highlight>
-                  <a:srgbClr val="FFFFFF"/>
-                </a:highlight>
-                <a:latin typeface="Consolas" panose="020B0609020204030204" charset="0"/>
-                <a:ea typeface="宋体" panose="02010600030101010101" pitchFamily="2" charset="-122"/>
-              </a:rPr>
-              <a:t>	printf</a:t>
-            </a:r>
-            <a:r>
-              <a:rPr lang="en-US" b="1">
-                <a:solidFill>
-                  <a:srgbClr val="000080"/>
-                </a:solidFill>
-                <a:highlight>
-                  <a:srgbClr val="FFFFFF"/>
-                </a:highlight>
-                <a:latin typeface="Consolas" panose="020B0609020204030204" charset="0"/>
-                <a:ea typeface="宋体" panose="02010600030101010101" pitchFamily="2" charset="-122"/>
-              </a:rPr>
-              <a:t>(</a:t>
-            </a:r>
-            <a:r>
-              <a:rPr lang="en-US" b="0">
-                <a:solidFill>
-                  <a:srgbClr val="808080"/>
-                </a:solidFill>
-                <a:highlight>
-                  <a:srgbClr val="FFFFFF"/>
-                </a:highlight>
-                <a:latin typeface="Consolas" panose="020B0609020204030204" charset="0"/>
-                <a:ea typeface="宋体" panose="02010600030101010101" pitchFamily="2" charset="-122"/>
-              </a:rPr>
-              <a:t>"%d * %d = %d\n"</a:t>
-            </a:r>
-            <a:r>
-              <a:rPr lang="en-US" b="1">
-                <a:solidFill>
-                  <a:srgbClr val="000080"/>
-                </a:solidFill>
-                <a:highlight>
-                  <a:srgbClr val="FFFFFF"/>
-                </a:highlight>
-                <a:latin typeface="Consolas" panose="020B0609020204030204" charset="0"/>
-                <a:ea typeface="宋体" panose="02010600030101010101" pitchFamily="2" charset="-122"/>
-              </a:rPr>
-              <a:t>,</a:t>
-            </a:r>
-            <a:r>
-              <a:rPr lang="en-US" b="0">
-                <a:solidFill>
-                  <a:srgbClr val="000000"/>
-                </a:solidFill>
-                <a:highlight>
-                  <a:srgbClr val="FFFFFF"/>
-                </a:highlight>
-                <a:latin typeface="Consolas" panose="020B0609020204030204" charset="0"/>
-                <a:ea typeface="宋体" panose="02010600030101010101" pitchFamily="2" charset="-122"/>
-              </a:rPr>
-              <a:t> num1</a:t>
-            </a:r>
-            <a:r>
-              <a:rPr lang="en-US" b="1">
-                <a:solidFill>
-                  <a:srgbClr val="000080"/>
-                </a:solidFill>
-                <a:highlight>
-                  <a:srgbClr val="FFFFFF"/>
-                </a:highlight>
-                <a:latin typeface="Consolas" panose="020B0609020204030204" charset="0"/>
-                <a:ea typeface="宋体" panose="02010600030101010101" pitchFamily="2" charset="-122"/>
-              </a:rPr>
-              <a:t>,</a:t>
-            </a:r>
-            <a:r>
-              <a:rPr lang="en-US" b="0">
-                <a:solidFill>
-                  <a:srgbClr val="000000"/>
-                </a:solidFill>
-                <a:highlight>
-                  <a:srgbClr val="FFFFFF"/>
-                </a:highlight>
-                <a:latin typeface="Consolas" panose="020B0609020204030204" charset="0"/>
-                <a:ea typeface="宋体" panose="02010600030101010101" pitchFamily="2" charset="-122"/>
-              </a:rPr>
-              <a:t> num2</a:t>
-            </a:r>
-            <a:r>
-              <a:rPr lang="en-US" b="1">
-                <a:solidFill>
-                  <a:srgbClr val="000080"/>
-                </a:solidFill>
-                <a:highlight>
-                  <a:srgbClr val="FFFFFF"/>
-                </a:highlight>
-                <a:latin typeface="Consolas" panose="020B0609020204030204" charset="0"/>
-                <a:ea typeface="宋体" panose="02010600030101010101" pitchFamily="2" charset="-122"/>
-              </a:rPr>
-              <a:t>,</a:t>
-            </a:r>
-            <a:r>
-              <a:rPr lang="en-US" b="0">
-                <a:solidFill>
-                  <a:srgbClr val="000000"/>
-                </a:solidFill>
-                <a:highlight>
-                  <a:srgbClr val="FFFFFF"/>
-                </a:highlight>
-                <a:latin typeface="Consolas" panose="020B0609020204030204" charset="0"/>
-                <a:ea typeface="宋体" panose="02010600030101010101" pitchFamily="2" charset="-122"/>
-              </a:rPr>
-              <a:t> num1 </a:t>
-            </a:r>
-            <a:r>
-              <a:rPr lang="en-US" b="1">
-                <a:solidFill>
-                  <a:srgbClr val="000080"/>
-                </a:solidFill>
-                <a:highlight>
-                  <a:srgbClr val="FFFFFF"/>
-                </a:highlight>
-                <a:latin typeface="Consolas" panose="020B0609020204030204" charset="0"/>
-                <a:ea typeface="宋体" panose="02010600030101010101" pitchFamily="2" charset="-122"/>
-              </a:rPr>
-              <a:t>*</a:t>
-            </a:r>
-            <a:r>
-              <a:rPr lang="en-US" b="0">
-                <a:solidFill>
-                  <a:srgbClr val="000000"/>
-                </a:solidFill>
-                <a:highlight>
-                  <a:srgbClr val="FFFFFF"/>
-                </a:highlight>
-                <a:latin typeface="Consolas" panose="020B0609020204030204" charset="0"/>
-                <a:ea typeface="宋体" panose="02010600030101010101" pitchFamily="2" charset="-122"/>
-              </a:rPr>
-              <a:t> num2</a:t>
-            </a:r>
-            <a:r>
-              <a:rPr lang="en-US" b="1">
-                <a:solidFill>
-                  <a:srgbClr val="000080"/>
-                </a:solidFill>
-                <a:highlight>
-                  <a:srgbClr val="FFFFFF"/>
-                </a:highlight>
-                <a:latin typeface="Consolas" panose="020B0609020204030204" charset="0"/>
-                <a:ea typeface="宋体" panose="02010600030101010101" pitchFamily="2" charset="-122"/>
-              </a:rPr>
-              <a:t>);</a:t>
-            </a:r>
-            <a:endParaRPr lang="en-US" b="0">
-              <a:solidFill>
-                <a:srgbClr val="000000"/>
-              </a:solidFill>
-              <a:highlight>
-                <a:srgbClr val="FFFFFF"/>
-              </a:highlight>
-              <a:latin typeface="Consolas" panose="020B0609020204030204" charset="0"/>
-              <a:ea typeface="宋体" panose="02010600030101010101" pitchFamily="2" charset="-122"/>
-            </a:endParaRPr>
-          </a:p>
-          <a:p>
-            <a:pPr indent="0"/>
-            <a:r>
-              <a:rPr lang="en-US" b="0">
-                <a:solidFill>
-                  <a:srgbClr val="000000"/>
-                </a:solidFill>
-                <a:highlight>
-                  <a:srgbClr val="FFFFFF"/>
-                </a:highlight>
-                <a:latin typeface="Consolas" panose="020B0609020204030204" charset="0"/>
-                <a:ea typeface="宋体" panose="02010600030101010101" pitchFamily="2" charset="-122"/>
-              </a:rPr>
-              <a:t>	</a:t>
-            </a:r>
-            <a:r>
-              <a:rPr lang="en-US" b="1">
-                <a:solidFill>
-                  <a:srgbClr val="0000FF"/>
-                </a:solidFill>
-                <a:highlight>
-                  <a:srgbClr val="FFFFFF"/>
-                </a:highlight>
-                <a:latin typeface="Consolas" panose="020B0609020204030204" charset="0"/>
-                <a:ea typeface="宋体" panose="02010600030101010101" pitchFamily="2" charset="-122"/>
-              </a:rPr>
-              <a:t>break</a:t>
-            </a:r>
-            <a:r>
-              <a:rPr lang="en-US" b="1">
-                <a:solidFill>
-                  <a:srgbClr val="000080"/>
-                </a:solidFill>
-                <a:highlight>
-                  <a:srgbClr val="FFFFFF"/>
-                </a:highlight>
-                <a:latin typeface="Consolas" panose="020B0609020204030204" charset="0"/>
-                <a:ea typeface="宋体" panose="02010600030101010101" pitchFamily="2" charset="-122"/>
-              </a:rPr>
-              <a:t>;</a:t>
-            </a:r>
-            <a:endParaRPr lang="en-US" b="1">
-              <a:solidFill>
-                <a:srgbClr val="0000FF"/>
-              </a:solidFill>
-              <a:highlight>
-                <a:srgbClr val="FFFFFF"/>
-              </a:highlight>
-              <a:latin typeface="Consolas" panose="020B0609020204030204" charset="0"/>
-              <a:ea typeface="宋体" panose="02010600030101010101" pitchFamily="2" charset="-122"/>
-            </a:endParaRPr>
-          </a:p>
-          <a:p>
-            <a:pPr indent="0"/>
-            <a:r>
-              <a:rPr lang="en-US" b="1">
-                <a:solidFill>
-                  <a:srgbClr val="0000FF"/>
-                </a:solidFill>
-                <a:highlight>
-                  <a:srgbClr val="FFFFFF"/>
-                </a:highlight>
-                <a:latin typeface="Consolas" panose="020B0609020204030204" charset="0"/>
-                <a:ea typeface="宋体" panose="02010600030101010101" pitchFamily="2" charset="-122"/>
-              </a:rPr>
-              <a:t>case</a:t>
-            </a:r>
-            <a:r>
-              <a:rPr lang="en-US" b="0">
-                <a:solidFill>
-                  <a:srgbClr val="000000"/>
-                </a:solidFill>
-                <a:highlight>
-                  <a:srgbClr val="FFFFFF"/>
-                </a:highlight>
-                <a:latin typeface="Consolas" panose="020B0609020204030204" charset="0"/>
-                <a:ea typeface="宋体" panose="02010600030101010101" pitchFamily="2" charset="-122"/>
-              </a:rPr>
-              <a:t> </a:t>
-            </a:r>
-            <a:r>
-              <a:rPr lang="en-US" b="0">
-                <a:solidFill>
-                  <a:srgbClr val="808080"/>
-                </a:solidFill>
-                <a:highlight>
-                  <a:srgbClr val="FFFFFF"/>
-                </a:highlight>
-                <a:latin typeface="Consolas" panose="020B0609020204030204" charset="0"/>
-                <a:ea typeface="宋体" panose="02010600030101010101" pitchFamily="2" charset="-122"/>
-              </a:rPr>
-              <a:t>'/'</a:t>
-            </a:r>
-            <a:r>
-              <a:rPr lang="en-US" b="1">
-                <a:solidFill>
-                  <a:srgbClr val="000080"/>
-                </a:solidFill>
-                <a:highlight>
-                  <a:srgbClr val="FFFFFF"/>
-                </a:highlight>
-                <a:latin typeface="Consolas" panose="020B0609020204030204" charset="0"/>
-                <a:ea typeface="宋体" panose="02010600030101010101" pitchFamily="2" charset="-122"/>
-              </a:rPr>
-              <a:t>:</a:t>
-            </a:r>
-            <a:endParaRPr lang="en-US" b="0">
-              <a:solidFill>
-                <a:srgbClr val="000000"/>
-              </a:solidFill>
-              <a:highlight>
-                <a:srgbClr val="FFFFFF"/>
-              </a:highlight>
-              <a:latin typeface="Consolas" panose="020B0609020204030204" charset="0"/>
-              <a:ea typeface="宋体" panose="02010600030101010101" pitchFamily="2" charset="-122"/>
-            </a:endParaRPr>
-          </a:p>
-          <a:p>
-            <a:pPr indent="0"/>
-            <a:r>
-              <a:rPr lang="en-US" b="0">
-                <a:solidFill>
-                  <a:srgbClr val="000000"/>
-                </a:solidFill>
-                <a:highlight>
-                  <a:srgbClr val="FFFFFF"/>
-                </a:highlight>
-                <a:latin typeface="Consolas" panose="020B0609020204030204" charset="0"/>
-                <a:ea typeface="宋体" panose="02010600030101010101" pitchFamily="2" charset="-122"/>
-              </a:rPr>
-              <a:t>	printf</a:t>
-            </a:r>
-            <a:r>
-              <a:rPr lang="en-US" b="1">
-                <a:solidFill>
-                  <a:srgbClr val="000080"/>
-                </a:solidFill>
-                <a:highlight>
-                  <a:srgbClr val="FFFFFF"/>
-                </a:highlight>
-                <a:latin typeface="Consolas" panose="020B0609020204030204" charset="0"/>
-                <a:ea typeface="宋体" panose="02010600030101010101" pitchFamily="2" charset="-122"/>
-              </a:rPr>
-              <a:t>(</a:t>
-            </a:r>
-            <a:r>
-              <a:rPr lang="en-US" b="0">
-                <a:solidFill>
-                  <a:srgbClr val="808080"/>
-                </a:solidFill>
-                <a:highlight>
-                  <a:srgbClr val="FFFFFF"/>
-                </a:highlight>
-                <a:latin typeface="Consolas" panose="020B0609020204030204" charset="0"/>
-                <a:ea typeface="宋体" panose="02010600030101010101" pitchFamily="2" charset="-122"/>
-              </a:rPr>
-              <a:t>"%d / %d = %d\n"</a:t>
-            </a:r>
-            <a:r>
-              <a:rPr lang="en-US" b="1">
-                <a:solidFill>
-                  <a:srgbClr val="000080"/>
-                </a:solidFill>
-                <a:highlight>
-                  <a:srgbClr val="FFFFFF"/>
-                </a:highlight>
-                <a:latin typeface="Consolas" panose="020B0609020204030204" charset="0"/>
-                <a:ea typeface="宋体" panose="02010600030101010101" pitchFamily="2" charset="-122"/>
-              </a:rPr>
-              <a:t>,</a:t>
-            </a:r>
-            <a:r>
-              <a:rPr lang="en-US" b="0">
-                <a:solidFill>
-                  <a:srgbClr val="000000"/>
-                </a:solidFill>
-                <a:highlight>
-                  <a:srgbClr val="FFFFFF"/>
-                </a:highlight>
-                <a:latin typeface="Consolas" panose="020B0609020204030204" charset="0"/>
-                <a:ea typeface="宋体" panose="02010600030101010101" pitchFamily="2" charset="-122"/>
-              </a:rPr>
-              <a:t> num1</a:t>
-            </a:r>
-            <a:r>
-              <a:rPr lang="en-US" b="1">
-                <a:solidFill>
-                  <a:srgbClr val="000080"/>
-                </a:solidFill>
-                <a:highlight>
-                  <a:srgbClr val="FFFFFF"/>
-                </a:highlight>
-                <a:latin typeface="Consolas" panose="020B0609020204030204" charset="0"/>
-                <a:ea typeface="宋体" panose="02010600030101010101" pitchFamily="2" charset="-122"/>
-              </a:rPr>
-              <a:t>,</a:t>
-            </a:r>
-            <a:r>
-              <a:rPr lang="en-US" b="0">
-                <a:solidFill>
-                  <a:srgbClr val="000000"/>
-                </a:solidFill>
-                <a:highlight>
-                  <a:srgbClr val="FFFFFF"/>
-                </a:highlight>
-                <a:latin typeface="Consolas" panose="020B0609020204030204" charset="0"/>
-                <a:ea typeface="宋体" panose="02010600030101010101" pitchFamily="2" charset="-122"/>
-              </a:rPr>
-              <a:t> num2</a:t>
-            </a:r>
-            <a:r>
-              <a:rPr lang="en-US" b="1">
-                <a:solidFill>
-                  <a:srgbClr val="000080"/>
-                </a:solidFill>
-                <a:highlight>
-                  <a:srgbClr val="FFFFFF"/>
-                </a:highlight>
-                <a:latin typeface="Consolas" panose="020B0609020204030204" charset="0"/>
-                <a:ea typeface="宋体" panose="02010600030101010101" pitchFamily="2" charset="-122"/>
-              </a:rPr>
-              <a:t>,</a:t>
-            </a:r>
-            <a:r>
-              <a:rPr lang="en-US" b="0">
-                <a:solidFill>
-                  <a:srgbClr val="000000"/>
-                </a:solidFill>
-                <a:highlight>
-                  <a:srgbClr val="FFFFFF"/>
-                </a:highlight>
-                <a:latin typeface="Consolas" panose="020B0609020204030204" charset="0"/>
-                <a:ea typeface="宋体" panose="02010600030101010101" pitchFamily="2" charset="-122"/>
-              </a:rPr>
-              <a:t> num1 </a:t>
-            </a:r>
-            <a:r>
-              <a:rPr lang="en-US" b="1">
-                <a:solidFill>
-                  <a:srgbClr val="000080"/>
-                </a:solidFill>
-                <a:highlight>
-                  <a:srgbClr val="FFFFFF"/>
-                </a:highlight>
-                <a:latin typeface="Consolas" panose="020B0609020204030204" charset="0"/>
-                <a:ea typeface="宋体" panose="02010600030101010101" pitchFamily="2" charset="-122"/>
-              </a:rPr>
-              <a:t>/</a:t>
-            </a:r>
-            <a:r>
-              <a:rPr lang="en-US" b="0">
-                <a:solidFill>
-                  <a:srgbClr val="000000"/>
-                </a:solidFill>
-                <a:highlight>
-                  <a:srgbClr val="FFFFFF"/>
-                </a:highlight>
-                <a:latin typeface="Consolas" panose="020B0609020204030204" charset="0"/>
-                <a:ea typeface="宋体" panose="02010600030101010101" pitchFamily="2" charset="-122"/>
-              </a:rPr>
-              <a:t> num2</a:t>
-            </a:r>
-            <a:r>
-              <a:rPr lang="en-US" b="1">
-                <a:solidFill>
-                  <a:srgbClr val="000080"/>
-                </a:solidFill>
-                <a:highlight>
-                  <a:srgbClr val="FFFFFF"/>
-                </a:highlight>
-                <a:latin typeface="Consolas" panose="020B0609020204030204" charset="0"/>
-                <a:ea typeface="宋体" panose="02010600030101010101" pitchFamily="2" charset="-122"/>
-              </a:rPr>
-              <a:t>);</a:t>
-            </a:r>
-            <a:endParaRPr lang="en-US" b="0">
-              <a:solidFill>
-                <a:srgbClr val="000000"/>
-              </a:solidFill>
-              <a:highlight>
-                <a:srgbClr val="FFFFFF"/>
-              </a:highlight>
-              <a:latin typeface="Consolas" panose="020B0609020204030204" charset="0"/>
-              <a:ea typeface="宋体" panose="02010600030101010101" pitchFamily="2" charset="-122"/>
-            </a:endParaRPr>
-          </a:p>
-          <a:p>
-            <a:pPr indent="0"/>
-            <a:r>
-              <a:rPr lang="en-US" b="0">
-                <a:solidFill>
-                  <a:srgbClr val="000000"/>
-                </a:solidFill>
-                <a:highlight>
-                  <a:srgbClr val="FFFFFF"/>
-                </a:highlight>
-                <a:latin typeface="Consolas" panose="020B0609020204030204" charset="0"/>
-                <a:ea typeface="宋体" panose="02010600030101010101" pitchFamily="2" charset="-122"/>
-              </a:rPr>
-              <a:t>	</a:t>
-            </a:r>
-            <a:r>
-              <a:rPr lang="en-US" b="1">
-                <a:solidFill>
-                  <a:srgbClr val="0000FF"/>
-                </a:solidFill>
-                <a:highlight>
-                  <a:srgbClr val="FFFFFF"/>
-                </a:highlight>
-                <a:latin typeface="Consolas" panose="020B0609020204030204" charset="0"/>
-                <a:ea typeface="宋体" panose="02010600030101010101" pitchFamily="2" charset="-122"/>
-              </a:rPr>
-              <a:t>break</a:t>
-            </a:r>
-            <a:r>
-              <a:rPr lang="en-US" b="1">
-                <a:solidFill>
-                  <a:srgbClr val="000080"/>
-                </a:solidFill>
-                <a:highlight>
-                  <a:srgbClr val="FFFFFF"/>
-                </a:highlight>
-                <a:latin typeface="Consolas" panose="020B0609020204030204" charset="0"/>
-                <a:ea typeface="宋体" panose="02010600030101010101" pitchFamily="2" charset="-122"/>
-              </a:rPr>
-              <a:t>;</a:t>
-            </a:r>
-            <a:endParaRPr lang="en-US" b="1">
-              <a:solidFill>
-                <a:srgbClr val="0000FF"/>
-              </a:solidFill>
-              <a:highlight>
-                <a:srgbClr val="FFFFFF"/>
-              </a:highlight>
-              <a:latin typeface="Consolas" panose="020B0609020204030204" charset="0"/>
-              <a:ea typeface="宋体" panose="02010600030101010101" pitchFamily="2" charset="-122"/>
-            </a:endParaRPr>
-          </a:p>
-          <a:p>
-            <a:pPr indent="0"/>
-            <a:r>
-              <a:rPr lang="en-US" b="1">
-                <a:solidFill>
-                  <a:srgbClr val="0000FF"/>
-                </a:solidFill>
-                <a:highlight>
-                  <a:srgbClr val="FFFFFF"/>
-                </a:highlight>
-                <a:latin typeface="Consolas" panose="020B0609020204030204" charset="0"/>
-                <a:ea typeface="宋体" panose="02010600030101010101" pitchFamily="2" charset="-122"/>
-              </a:rPr>
-              <a:t>default</a:t>
-            </a:r>
-            <a:r>
-              <a:rPr lang="en-US" b="1">
-                <a:solidFill>
-                  <a:srgbClr val="000080"/>
-                </a:solidFill>
-                <a:highlight>
-                  <a:srgbClr val="FFFFFF"/>
-                </a:highlight>
-                <a:latin typeface="Consolas" panose="020B0609020204030204" charset="0"/>
-                <a:ea typeface="宋体" panose="02010600030101010101" pitchFamily="2" charset="-122"/>
-              </a:rPr>
-              <a:t>:</a:t>
-            </a:r>
-            <a:endParaRPr lang="en-US" b="0">
-              <a:solidFill>
-                <a:srgbClr val="000000"/>
-              </a:solidFill>
-              <a:highlight>
-                <a:srgbClr val="FFFFFF"/>
-              </a:highlight>
-              <a:latin typeface="Consolas" panose="020B0609020204030204" charset="0"/>
-              <a:ea typeface="宋体" panose="02010600030101010101" pitchFamily="2" charset="-122"/>
-            </a:endParaRPr>
-          </a:p>
-          <a:p>
-            <a:pPr indent="0"/>
-            <a:r>
-              <a:rPr lang="en-US" b="0">
-                <a:solidFill>
-                  <a:srgbClr val="000000"/>
-                </a:solidFill>
-                <a:highlight>
-                  <a:srgbClr val="FFFFFF"/>
-                </a:highlight>
-                <a:latin typeface="Consolas" panose="020B0609020204030204" charset="0"/>
-                <a:ea typeface="宋体" panose="02010600030101010101" pitchFamily="2" charset="-122"/>
-              </a:rPr>
-              <a:t>	printf</a:t>
-            </a:r>
-            <a:r>
-              <a:rPr lang="en-US" b="1">
-                <a:solidFill>
-                  <a:srgbClr val="000080"/>
-                </a:solidFill>
-                <a:highlight>
-                  <a:srgbClr val="FFFFFF"/>
-                </a:highlight>
-                <a:latin typeface="Consolas" panose="020B0609020204030204" charset="0"/>
-                <a:ea typeface="宋体" panose="02010600030101010101" pitchFamily="2" charset="-122"/>
-              </a:rPr>
-              <a:t>(</a:t>
-            </a:r>
-            <a:r>
-              <a:rPr lang="en-US" b="0">
-                <a:solidFill>
-                  <a:srgbClr val="808080"/>
-                </a:solidFill>
-                <a:highlight>
-                  <a:srgbClr val="FFFFFF"/>
-                </a:highlight>
-                <a:latin typeface="Consolas" panose="020B0609020204030204" charset="0"/>
-                <a:ea typeface="宋体" panose="02010600030101010101" pitchFamily="2" charset="-122"/>
-              </a:rPr>
-              <a:t>"Error! Operator is not supported\n"</a:t>
-            </a:r>
-            <a:r>
-              <a:rPr lang="en-US" b="1">
-                <a:solidFill>
-                  <a:srgbClr val="000080"/>
-                </a:solidFill>
-                <a:highlight>
-                  <a:srgbClr val="FFFFFF"/>
-                </a:highlight>
-                <a:latin typeface="Consolas" panose="020B0609020204030204" charset="0"/>
-                <a:ea typeface="宋体" panose="02010600030101010101" pitchFamily="2" charset="-122"/>
-              </a:rPr>
-              <a:t>);</a:t>
-            </a:r>
-            <a:endParaRPr lang="en-US" b="0">
-              <a:solidFill>
-                <a:srgbClr val="000000"/>
-              </a:solidFill>
-              <a:highlight>
-                <a:srgbClr val="FFFFFF"/>
-              </a:highlight>
-              <a:latin typeface="Consolas" panose="020B0609020204030204" charset="0"/>
-              <a:ea typeface="宋体" panose="02010600030101010101" pitchFamily="2" charset="-122"/>
-            </a:endParaRPr>
-          </a:p>
-          <a:p>
-            <a:pPr indent="0"/>
-            <a:r>
-              <a:rPr lang="en-US" b="0">
-                <a:solidFill>
-                  <a:srgbClr val="000000"/>
-                </a:solidFill>
-                <a:highlight>
-                  <a:srgbClr val="FFFFFF"/>
-                </a:highlight>
-                <a:latin typeface="Consolas" panose="020B0609020204030204" charset="0"/>
-                <a:ea typeface="宋体" panose="02010600030101010101" pitchFamily="2" charset="-122"/>
-              </a:rPr>
-              <a:t>	</a:t>
-            </a:r>
-            <a:r>
-              <a:rPr lang="en-US" b="1">
-                <a:solidFill>
-                  <a:srgbClr val="0000FF"/>
-                </a:solidFill>
-                <a:highlight>
-                  <a:srgbClr val="FFFFFF"/>
-                </a:highlight>
-                <a:latin typeface="Consolas" panose="020B0609020204030204" charset="0"/>
-                <a:ea typeface="宋体" panose="02010600030101010101" pitchFamily="2" charset="-122"/>
-              </a:rPr>
-              <a:t>break</a:t>
-            </a:r>
-            <a:r>
-              <a:rPr lang="en-US" b="1">
-                <a:solidFill>
-                  <a:srgbClr val="000080"/>
-                </a:solidFill>
-                <a:highlight>
-                  <a:srgbClr val="FFFFFF"/>
-                </a:highlight>
-                <a:latin typeface="Consolas" panose="020B0609020204030204" charset="0"/>
-                <a:ea typeface="宋体" panose="02010600030101010101" pitchFamily="2" charset="-122"/>
-              </a:rPr>
-              <a:t>;</a:t>
-            </a:r>
-          </a:p>
-          <a:p>
-            <a:pPr indent="0"/>
-            <a:r>
-              <a:rPr lang="en-US" b="1">
-                <a:solidFill>
-                  <a:srgbClr val="000080"/>
-                </a:solidFill>
-                <a:highlight>
-                  <a:srgbClr val="FFFFFF"/>
-                </a:highlight>
-                <a:latin typeface="Consolas" panose="020B0609020204030204" charset="0"/>
-                <a:ea typeface="宋体" panose="02010600030101010101" pitchFamily="2" charset="-122"/>
-              </a:rPr>
-              <a:t>}</a:t>
-            </a:r>
-            <a:endParaRPr lang="en-US" altLang="en-US" b="1">
-              <a:solidFill>
-                <a:srgbClr val="000080"/>
-              </a:solidFill>
-              <a:highlight>
-                <a:srgbClr val="FFFFFF"/>
-              </a:highlight>
-              <a:latin typeface="Consolas" panose="020B0609020204030204" charset="0"/>
-              <a:ea typeface="宋体" panose="02010600030101010101" pitchFamily="2" charset="-122"/>
-            </a:endParaRPr>
-          </a:p>
-        </p:txBody>
-      </p:sp>
-      <p:graphicFrame>
-        <p:nvGraphicFramePr>
-          <p:cNvPr id="8" name="表格 7"/>
-          <p:cNvGraphicFramePr/>
-          <p:nvPr>
-            <p:custDataLst>
-              <p:tags r:id="rId3"/>
-            </p:custDataLst>
-          </p:nvPr>
-        </p:nvGraphicFramePr>
-        <p:xfrm>
-          <a:off x="8051800" y="5769610"/>
-          <a:ext cx="3565525" cy="640080"/>
-        </p:xfrm>
-        <a:graphic>
-          <a:graphicData uri="http://schemas.openxmlformats.org/drawingml/2006/table">
-            <a:tbl>
-              <a:tblPr firstRow="1" bandRow="1">
-                <a:tableStyleId>{5C22544A-7EE6-4342-B048-85BDC9FD1C3A}</a:tableStyleId>
-              </a:tblPr>
-              <a:tblGrid>
-                <a:gridCol w="3565525">
-                  <a:extLst>
-                    <a:ext uri="{9D8B030D-6E8A-4147-A177-3AD203B41FA5}">
-                      <a16:colId xmlns:a16="http://schemas.microsoft.com/office/drawing/2014/main" val="20000"/>
-                    </a:ext>
-                  </a:extLst>
-                </a:gridCol>
-              </a:tblGrid>
-              <a:tr h="640080">
-                <a:tc>
-                  <a:txBody>
-                    <a:bodyPr/>
-                    <a:lstStyle/>
-                    <a:p>
-                      <a:pPr>
-                        <a:buNone/>
-                      </a:pPr>
-                      <a:r>
-                        <a:rPr lang="zh-CN" altLang="en-US" sz="1800" b="0">
-                          <a:solidFill>
-                            <a:schemeClr val="tx1"/>
-                          </a:solidFill>
-                          <a:latin typeface="Consolas" panose="020B0609020204030204" charset="0"/>
-                          <a:cs typeface="Consolas" panose="020B0609020204030204" charset="0"/>
-                          <a:sym typeface="+mn-ea"/>
-                        </a:rPr>
-                        <a:t>Enter an expression: 5 * 8</a:t>
-                      </a:r>
-                    </a:p>
-                    <a:p>
-                      <a:pPr>
-                        <a:buNone/>
-                      </a:pPr>
-                      <a:r>
-                        <a:rPr lang="zh-CN" altLang="en-US" sz="1800" b="0">
-                          <a:solidFill>
-                            <a:schemeClr val="tx1"/>
-                          </a:solidFill>
-                          <a:latin typeface="Consolas" panose="020B0609020204030204" charset="0"/>
-                          <a:cs typeface="Consolas" panose="020B0609020204030204" charset="0"/>
-                          <a:sym typeface="+mn-ea"/>
-                        </a:rPr>
-                        <a:t>5 * 8 = 40</a:t>
-                      </a:r>
-                    </a:p>
-                  </a:txBody>
-                  <a:tcPr>
-                    <a:solidFill>
-                      <a:schemeClr val="accent6">
-                        <a:lumMod val="20000"/>
-                        <a:lumOff val="80000"/>
-                      </a:schemeClr>
-                    </a:solidFill>
-                  </a:tcPr>
-                </a:tc>
-                <a:extLst>
-                  <a:ext uri="{0D108BD9-81ED-4DB2-BD59-A6C34878D82A}">
-                    <a16:rowId xmlns:a16="http://schemas.microsoft.com/office/drawing/2014/main" val="10000"/>
-                  </a:ext>
-                </a:extLst>
-              </a:tr>
-            </a:tbl>
-          </a:graphicData>
-        </a:graphic>
-      </p:graphicFrame>
-    </p:spTree>
-    <p:custDataLst>
-      <p:tags r:id="rId1"/>
-    </p:custDataLst>
-  </p:cSld>
-  <p:clrMapOvr>
-    <a:masterClrMapping/>
-  </p:clrMapOvr>
-</p:sld>
-</file>
-
-<file path=ppt/slides/slide16.xml><?xml version="1.0" encoding="utf-8"?>
-<p:sld xmlns:a="http://schemas.openxmlformats.org/drawingml/2006/main" xmlns:r="http://schemas.openxmlformats.org/officeDocument/2006/relationships" xmlns:p="http://schemas.openxmlformats.org/presentationml/2006/main">
-  <p:cSld>
-    <p:spTree>
-      <p:nvGrpSpPr>
-        <p:cNvPr id="1" name=""/>
-        <p:cNvGrpSpPr/>
-        <p:nvPr/>
-      </p:nvGrpSpPr>
-      <p:grpSpPr>
-        <a:xfrm>
-          <a:off x="0" y="0"/>
-          <a:ext cx="0" cy="0"/>
-          <a:chOff x="0" y="0"/>
-          <a:chExt cx="0" cy="0"/>
-        </a:xfrm>
-      </p:grpSpPr>
-      <p:sp>
-        <p:nvSpPr>
-          <p:cNvPr id="10" name="标题 9"/>
-          <p:cNvSpPr>
-            <a:spLocks noGrp="1"/>
-          </p:cNvSpPr>
-          <p:nvPr>
-            <p:ph type="title"/>
-            <p:custDataLst>
-              <p:tags r:id="rId2"/>
-            </p:custDataLst>
-          </p:nvPr>
-        </p:nvSpPr>
-        <p:spPr>
-          <a:xfrm>
-            <a:off x="4186555" y="2959735"/>
-            <a:ext cx="3827145" cy="939165"/>
-          </a:xfrm>
-        </p:spPr>
-        <p:txBody>
-          <a:bodyPr>
-            <a:normAutofit/>
-          </a:bodyPr>
-          <a:lstStyle/>
-          <a:p>
-            <a:pPr algn="ctr"/>
-            <a:r>
-              <a:rPr lang="en-US" altLang="zh-CN" dirty="0"/>
-              <a:t>Practice</a:t>
-            </a:r>
-          </a:p>
-        </p:txBody>
-      </p:sp>
-      <p:sp>
-        <p:nvSpPr>
-          <p:cNvPr id="2" name="文本框 1"/>
-          <p:cNvSpPr txBox="1"/>
-          <p:nvPr>
-            <p:custDataLst>
-              <p:tags r:id="rId3"/>
-            </p:custDataLst>
-          </p:nvPr>
-        </p:nvSpPr>
-        <p:spPr>
-          <a:xfrm>
-            <a:off x="5622290" y="386715"/>
-            <a:ext cx="946150" cy="561975"/>
-          </a:xfrm>
-          <a:prstGeom prst="rect">
-            <a:avLst/>
-          </a:prstGeom>
-          <a:noFill/>
-        </p:spPr>
-        <p:txBody>
-          <a:bodyPr wrap="square" lIns="90000" tIns="46800" rIns="90000" bIns="46800" rtlCol="0">
-            <a:noAutofit/>
-          </a:bodyPr>
-          <a:lstStyle/>
-          <a:p>
-            <a:pPr algn="dist"/>
-            <a:r>
-              <a:rPr lang="en-US" altLang="zh-CN" sz="3000">
-                <a:solidFill>
-                  <a:schemeClr val="bg1"/>
-                </a:solidFill>
-                <a:latin typeface="Arial" panose="020B0604020202020204" pitchFamily="34" charset="0"/>
-                <a:ea typeface="微软雅黑" panose="020B0503020204020204" charset="-122"/>
-              </a:rPr>
-              <a:t>C</a:t>
-            </a:r>
-          </a:p>
-        </p:txBody>
-      </p:sp>
-    </p:spTree>
-    <p:custDataLst>
-      <p:tags r:id="rId1"/>
-    </p:custDataLst>
-  </p:cSld>
-  <p:clrMapOvr>
-    <a:masterClrMapping/>
-  </p:clrMapOvr>
-</p:sld>
-</file>
-
-<file path=ppt/slides/slide17.xml><?xml version="1.0" encoding="utf-8"?>
-<p:sld xmlns:a="http://schemas.openxmlformats.org/drawingml/2006/main" xmlns:r="http://schemas.openxmlformats.org/officeDocument/2006/relationships" xmlns:p="http://schemas.openxmlformats.org/presentationml/2006/main">
-  <p:cSld>
-    <p:spTree>
-      <p:nvGrpSpPr>
-        <p:cNvPr id="1" name=""/>
-        <p:cNvGrpSpPr/>
-        <p:nvPr/>
-      </p:nvGrpSpPr>
-      <p:grpSpPr>
-        <a:xfrm>
-          <a:off x="0" y="0"/>
-          <a:ext cx="0" cy="0"/>
-          <a:chOff x="0" y="0"/>
-          <a:chExt cx="0" cy="0"/>
-        </a:xfrm>
-      </p:grpSpPr>
-      <p:sp>
-        <p:nvSpPr>
-          <p:cNvPr id="5" name="标题 4"/>
-          <p:cNvSpPr>
-            <a:spLocks noGrp="1"/>
-          </p:cNvSpPr>
-          <p:nvPr>
-            <p:ph type="title"/>
-            <p:custDataLst>
-              <p:tags r:id="rId2"/>
-            </p:custDataLst>
-          </p:nvPr>
-        </p:nvSpPr>
-        <p:spPr/>
-        <p:txBody>
-          <a:bodyPr>
-            <a:normAutofit fontScale="90000"/>
-          </a:bodyPr>
-          <a:lstStyle/>
-          <a:p>
-            <a:r>
               <a:rPr lang="zh-CN" altLang="en-US"/>
               <a:t>分段函数</a:t>
             </a:r>
@@ -21271,11 +17893,6 @@
             <p:custDataLst>
               <p:tags r:id="rId3"/>
             </p:custDataLst>
-            <p:extLst>
-              <p:ext uri="{D42A27DB-BD31-4B8C-83A1-F6EECF244321}">
-                <p14:modId xmlns:p14="http://schemas.microsoft.com/office/powerpoint/2010/main" val="990851348"/>
-              </p:ext>
-            </p:extLst>
           </p:nvPr>
         </p:nvGraphicFramePr>
         <p:xfrm>
@@ -21734,11 +18351,6 @@
             <p:custDataLst>
               <p:tags r:id="rId5"/>
             </p:custDataLst>
-            <p:extLst>
-              <p:ext uri="{D42A27DB-BD31-4B8C-83A1-F6EECF244321}">
-                <p14:modId xmlns:p14="http://schemas.microsoft.com/office/powerpoint/2010/main" val="3866436957"/>
-              </p:ext>
-            </p:extLst>
           </p:nvPr>
         </p:nvGraphicFramePr>
         <p:xfrm>
@@ -21865,11 +18477,6 @@
             <p:custDataLst>
               <p:tags r:id="rId6"/>
             </p:custDataLst>
-            <p:extLst>
-              <p:ext uri="{D42A27DB-BD31-4B8C-83A1-F6EECF244321}">
-                <p14:modId xmlns:p14="http://schemas.microsoft.com/office/powerpoint/2010/main" val="373013400"/>
-              </p:ext>
-            </p:extLst>
           </p:nvPr>
         </p:nvGraphicFramePr>
         <p:xfrm>
@@ -21992,6 +18599,11 @@
     <p:custDataLst>
       <p:tags r:id="rId1"/>
     </p:custDataLst>
+    <p:extLst>
+      <p:ext uri="{BB962C8B-B14F-4D97-AF65-F5344CB8AC3E}">
+        <p14:creationId xmlns:p14="http://schemas.microsoft.com/office/powerpoint/2010/main" val="3855858948"/>
+      </p:ext>
+    </p:extLst>
   </p:cSld>
   <p:clrMapOvr>
     <a:masterClrMapping/>
@@ -21999,7 +18611,7 @@
 </p:sld>
 </file>
 
-<file path=ppt/slides/slide18.xml><?xml version="1.0" encoding="utf-8"?>
+<file path=ppt/slides/slide14.xml><?xml version="1.0" encoding="utf-8"?>
 <p:sld xmlns:a="http://schemas.openxmlformats.org/drawingml/2006/main" xmlns:r="http://schemas.openxmlformats.org/officeDocument/2006/relationships" xmlns:p="http://schemas.openxmlformats.org/presentationml/2006/main">
   <p:cSld>
     <p:spTree>
@@ -22930,7 +19542,7 @@
     </p:custDataLst>
     <p:extLst>
       <p:ext uri="{BB962C8B-B14F-4D97-AF65-F5344CB8AC3E}">
-        <p14:creationId xmlns:p14="http://schemas.microsoft.com/office/powerpoint/2010/main" val="696214136"/>
+        <p14:creationId xmlns:p14="http://schemas.microsoft.com/office/powerpoint/2010/main" val="4164016169"/>
       </p:ext>
     </p:extLst>
   </p:cSld>
@@ -22940,7 +19552,3601 @@
 </p:sld>
 </file>
 
+<file path=ppt/slides/slide15.xml><?xml version="1.0" encoding="utf-8"?>
+<p:sld xmlns:a="http://schemas.openxmlformats.org/drawingml/2006/main" xmlns:r="http://schemas.openxmlformats.org/officeDocument/2006/relationships" xmlns:p="http://schemas.openxmlformats.org/presentationml/2006/main">
+  <p:cSld>
+    <p:spTree>
+      <p:nvGrpSpPr>
+        <p:cNvPr id="1" name=""/>
+        <p:cNvGrpSpPr/>
+        <p:nvPr/>
+      </p:nvGrpSpPr>
+      <p:grpSpPr>
+        <a:xfrm>
+          <a:off x="0" y="0"/>
+          <a:ext cx="0" cy="0"/>
+          <a:chOff x="0" y="0"/>
+          <a:chExt cx="0" cy="0"/>
+        </a:xfrm>
+      </p:grpSpPr>
+      <p:sp>
+        <p:nvSpPr>
+          <p:cNvPr id="10" name="标题 9"/>
+          <p:cNvSpPr>
+            <a:spLocks noGrp="1"/>
+          </p:cNvSpPr>
+          <p:nvPr>
+            <p:ph type="title"/>
+            <p:custDataLst>
+              <p:tags r:id="rId2"/>
+            </p:custDataLst>
+          </p:nvPr>
+        </p:nvSpPr>
+        <p:spPr>
+          <a:xfrm>
+            <a:off x="4186555" y="2959735"/>
+            <a:ext cx="3817620" cy="939165"/>
+          </a:xfrm>
+        </p:spPr>
+        <p:txBody>
+          <a:bodyPr/>
+          <a:lstStyle/>
+          <a:p>
+            <a:pPr algn="ctr"/>
+            <a:r>
+              <a:rPr lang="en-US" altLang="zh-CN" dirty="0"/>
+              <a:t>switch</a:t>
+            </a:r>
+          </a:p>
+        </p:txBody>
+      </p:sp>
+      <p:sp>
+        <p:nvSpPr>
+          <p:cNvPr id="2" name="文本框 1"/>
+          <p:cNvSpPr txBox="1"/>
+          <p:nvPr>
+            <p:custDataLst>
+              <p:tags r:id="rId3"/>
+            </p:custDataLst>
+          </p:nvPr>
+        </p:nvSpPr>
+        <p:spPr>
+          <a:xfrm>
+            <a:off x="5622290" y="386715"/>
+            <a:ext cx="946150" cy="561975"/>
+          </a:xfrm>
+          <a:prstGeom prst="rect">
+            <a:avLst/>
+          </a:prstGeom>
+          <a:noFill/>
+        </p:spPr>
+        <p:txBody>
+          <a:bodyPr wrap="square" lIns="90000" tIns="46800" rIns="90000" bIns="46800" rtlCol="0">
+            <a:noAutofit/>
+          </a:bodyPr>
+          <a:lstStyle/>
+          <a:p>
+            <a:pPr algn="dist"/>
+            <a:r>
+              <a:rPr lang="en-US" altLang="zh-CN" sz="3000">
+                <a:solidFill>
+                  <a:schemeClr val="bg1"/>
+                </a:solidFill>
+                <a:latin typeface="Arial" panose="020B0604020202020204" pitchFamily="34" charset="0"/>
+                <a:ea typeface="微软雅黑" panose="020B0503020204020204" charset="-122"/>
+              </a:rPr>
+              <a:t>C</a:t>
+            </a:r>
+          </a:p>
+        </p:txBody>
+      </p:sp>
+    </p:spTree>
+    <p:custDataLst>
+      <p:tags r:id="rId1"/>
+    </p:custDataLst>
+  </p:cSld>
+  <p:clrMapOvr>
+    <a:masterClrMapping/>
+  </p:clrMapOvr>
+</p:sld>
+</file>
+
+<file path=ppt/slides/slide16.xml><?xml version="1.0" encoding="utf-8"?>
+<p:sld xmlns:a="http://schemas.openxmlformats.org/drawingml/2006/main" xmlns:r="http://schemas.openxmlformats.org/officeDocument/2006/relationships" xmlns:p="http://schemas.openxmlformats.org/presentationml/2006/main">
+  <p:cSld>
+    <p:spTree>
+      <p:nvGrpSpPr>
+        <p:cNvPr id="1" name=""/>
+        <p:cNvGrpSpPr/>
+        <p:nvPr/>
+      </p:nvGrpSpPr>
+      <p:grpSpPr>
+        <a:xfrm>
+          <a:off x="0" y="0"/>
+          <a:ext cx="0" cy="0"/>
+          <a:chOff x="0" y="0"/>
+          <a:chExt cx="0" cy="0"/>
+        </a:xfrm>
+      </p:grpSpPr>
+      <p:sp>
+        <p:nvSpPr>
+          <p:cNvPr id="5" name="标题 4"/>
+          <p:cNvSpPr>
+            <a:spLocks noGrp="1"/>
+          </p:cNvSpPr>
+          <p:nvPr>
+            <p:ph type="title"/>
+            <p:custDataLst>
+              <p:tags r:id="rId2"/>
+            </p:custDataLst>
+          </p:nvPr>
+        </p:nvSpPr>
+        <p:spPr/>
+        <p:txBody>
+          <a:bodyPr>
+            <a:normAutofit fontScale="90000"/>
+          </a:bodyPr>
+          <a:lstStyle/>
+          <a:p>
+            <a:r>
+              <a:rPr lang="en-US"/>
+              <a:t>switch</a:t>
+            </a:r>
+          </a:p>
+        </p:txBody>
+      </p:sp>
+      <p:sp>
+        <p:nvSpPr>
+          <p:cNvPr id="6" name="文本占位符 5"/>
+          <p:cNvSpPr>
+            <a:spLocks noGrp="1"/>
+          </p:cNvSpPr>
+          <p:nvPr>
+            <p:ph type="body" sz="quarter" idx="15"/>
+            <p:custDataLst>
+              <p:tags r:id="rId3"/>
+            </p:custDataLst>
+          </p:nvPr>
+        </p:nvSpPr>
+        <p:spPr>
+          <a:xfrm>
+            <a:off x="579600" y="1421167"/>
+            <a:ext cx="5516400" cy="1411680"/>
+          </a:xfrm>
+        </p:spPr>
+        <p:txBody>
+          <a:bodyPr>
+            <a:noAutofit/>
+          </a:bodyPr>
+          <a:lstStyle/>
+          <a:p>
+            <a:r>
+              <a:rPr>
+                <a:latin typeface="+mn-lt"/>
+                <a:cs typeface="+mn-lt"/>
+              </a:rPr>
+              <a:t>switch结构用于根据一个</a:t>
+            </a:r>
+            <a:r>
+              <a:rPr>
+                <a:solidFill>
+                  <a:srgbClr val="FF0000"/>
+                </a:solidFill>
+                <a:latin typeface="+mn-lt"/>
+                <a:cs typeface="+mn-lt"/>
+              </a:rPr>
+              <a:t>整数值</a:t>
+            </a:r>
+            <a:r>
+              <a:rPr>
+                <a:latin typeface="+mn-lt"/>
+                <a:cs typeface="+mn-lt"/>
+              </a:rPr>
+              <a:t>，选择对应的case执行。需要注意的是，当对应的case中的代码被执行完后，并不会像if语句一样跳出switch结构，而是会继续向后执行，直到遇到</a:t>
+            </a:r>
+            <a:r>
+              <a:rPr>
+                <a:solidFill>
+                  <a:srgbClr val="FF0000"/>
+                </a:solidFill>
+                <a:latin typeface="+mn-lt"/>
+                <a:cs typeface="+mn-lt"/>
+              </a:rPr>
+              <a:t>break</a:t>
+            </a:r>
+            <a:r>
+              <a:rPr>
+                <a:latin typeface="+mn-lt"/>
+                <a:cs typeface="+mn-lt"/>
+              </a:rPr>
+              <a:t>。</a:t>
+            </a:r>
+          </a:p>
+        </p:txBody>
+      </p:sp>
+      <p:sp>
+        <p:nvSpPr>
+          <p:cNvPr id="2" name="文本框 1"/>
+          <p:cNvSpPr txBox="1"/>
+          <p:nvPr/>
+        </p:nvSpPr>
+        <p:spPr>
+          <a:xfrm>
+            <a:off x="6788785" y="1052830"/>
+            <a:ext cx="4105910" cy="5354320"/>
+          </a:xfrm>
+          <a:prstGeom prst="rect">
+            <a:avLst/>
+          </a:prstGeom>
+          <a:noFill/>
+          <a:ln w="9525">
+            <a:noFill/>
+          </a:ln>
+        </p:spPr>
+        <p:txBody>
+          <a:bodyPr wrap="square">
+            <a:spAutoFit/>
+          </a:bodyPr>
+          <a:lstStyle/>
+          <a:p>
+            <a:pPr indent="0"/>
+            <a:r>
+              <a:rPr lang="en-US" b="1">
+                <a:solidFill>
+                  <a:srgbClr val="0000FF"/>
+                </a:solidFill>
+                <a:highlight>
+                  <a:srgbClr val="FFFFFF"/>
+                </a:highlight>
+                <a:latin typeface="Consolas" panose="020B0609020204030204" charset="0"/>
+                <a:ea typeface="宋体" panose="02010600030101010101" pitchFamily="2" charset="-122"/>
+              </a:rPr>
+              <a:t>switch</a:t>
+            </a:r>
+            <a:r>
+              <a:rPr lang="en-US" b="1">
+                <a:solidFill>
+                  <a:srgbClr val="000080"/>
+                </a:solidFill>
+                <a:highlight>
+                  <a:srgbClr val="FFFFFF"/>
+                </a:highlight>
+                <a:latin typeface="Consolas" panose="020B0609020204030204" charset="0"/>
+                <a:ea typeface="宋体" panose="02010600030101010101" pitchFamily="2" charset="-122"/>
+              </a:rPr>
+              <a:t>(</a:t>
+            </a:r>
+            <a:r>
+              <a:rPr lang="en-US" b="0">
+                <a:solidFill>
+                  <a:srgbClr val="000000"/>
+                </a:solidFill>
+                <a:highlight>
+                  <a:srgbClr val="FFFFFF"/>
+                </a:highlight>
+                <a:latin typeface="Consolas" panose="020B0609020204030204" charset="0"/>
+                <a:ea typeface="宋体" panose="02010600030101010101" pitchFamily="2" charset="-122"/>
+              </a:rPr>
+              <a:t>month</a:t>
+            </a:r>
+            <a:r>
+              <a:rPr lang="en-US" b="1">
+                <a:solidFill>
+                  <a:srgbClr val="000080"/>
+                </a:solidFill>
+                <a:highlight>
+                  <a:srgbClr val="FFFFFF"/>
+                </a:highlight>
+                <a:latin typeface="Consolas" panose="020B0609020204030204" charset="0"/>
+                <a:ea typeface="宋体" panose="02010600030101010101" pitchFamily="2" charset="-122"/>
+              </a:rPr>
+              <a:t>)</a:t>
+            </a:r>
+          </a:p>
+          <a:p>
+            <a:pPr indent="0"/>
+            <a:r>
+              <a:rPr lang="en-US" b="1">
+                <a:solidFill>
+                  <a:srgbClr val="000080"/>
+                </a:solidFill>
+                <a:highlight>
+                  <a:srgbClr val="FFFFFF"/>
+                </a:highlight>
+                <a:latin typeface="Consolas" panose="020B0609020204030204" charset="0"/>
+                <a:ea typeface="宋体" panose="02010600030101010101" pitchFamily="2" charset="-122"/>
+              </a:rPr>
+              <a:t>{</a:t>
+            </a:r>
+            <a:endParaRPr lang="en-US" b="1">
+              <a:solidFill>
+                <a:srgbClr val="0000FF"/>
+              </a:solidFill>
+              <a:highlight>
+                <a:srgbClr val="FFFFFF"/>
+              </a:highlight>
+              <a:latin typeface="Consolas" panose="020B0609020204030204" charset="0"/>
+              <a:ea typeface="宋体" panose="02010600030101010101" pitchFamily="2" charset="-122"/>
+            </a:endParaRPr>
+          </a:p>
+          <a:p>
+            <a:pPr indent="0"/>
+            <a:r>
+              <a:rPr lang="en-US" b="1">
+                <a:solidFill>
+                  <a:srgbClr val="0000FF"/>
+                </a:solidFill>
+                <a:highlight>
+                  <a:srgbClr val="FFFFFF"/>
+                </a:highlight>
+                <a:latin typeface="Consolas" panose="020B0609020204030204" charset="0"/>
+                <a:ea typeface="宋体" panose="02010600030101010101" pitchFamily="2" charset="-122"/>
+              </a:rPr>
+              <a:t>case</a:t>
+            </a:r>
+            <a:r>
+              <a:rPr lang="en-US" b="0">
+                <a:solidFill>
+                  <a:srgbClr val="000000"/>
+                </a:solidFill>
+                <a:highlight>
+                  <a:srgbClr val="FFFFFF"/>
+                </a:highlight>
+                <a:latin typeface="Consolas" panose="020B0609020204030204" charset="0"/>
+                <a:ea typeface="宋体" panose="02010600030101010101" pitchFamily="2" charset="-122"/>
+              </a:rPr>
+              <a:t> </a:t>
+            </a:r>
+            <a:r>
+              <a:rPr lang="en-US" b="0">
+                <a:solidFill>
+                  <a:srgbClr val="FF8000"/>
+                </a:solidFill>
+                <a:highlight>
+                  <a:srgbClr val="FFFFFF"/>
+                </a:highlight>
+                <a:latin typeface="Consolas" panose="020B0609020204030204" charset="0"/>
+                <a:ea typeface="宋体" panose="02010600030101010101" pitchFamily="2" charset="-122"/>
+              </a:rPr>
+              <a:t>1</a:t>
+            </a:r>
+            <a:r>
+              <a:rPr lang="en-US" b="1">
+                <a:solidFill>
+                  <a:srgbClr val="000080"/>
+                </a:solidFill>
+                <a:highlight>
+                  <a:srgbClr val="FFFFFF"/>
+                </a:highlight>
+                <a:latin typeface="Consolas" panose="020B0609020204030204" charset="0"/>
+                <a:ea typeface="宋体" panose="02010600030101010101" pitchFamily="2" charset="-122"/>
+              </a:rPr>
+              <a:t>:</a:t>
+            </a:r>
+            <a:endParaRPr lang="en-US" b="0">
+              <a:solidFill>
+                <a:srgbClr val="000000"/>
+              </a:solidFill>
+              <a:highlight>
+                <a:srgbClr val="FFFFFF"/>
+              </a:highlight>
+              <a:latin typeface="Consolas" panose="020B0609020204030204" charset="0"/>
+              <a:ea typeface="宋体" panose="02010600030101010101" pitchFamily="2" charset="-122"/>
+            </a:endParaRPr>
+          </a:p>
+          <a:p>
+            <a:pPr indent="0"/>
+            <a:r>
+              <a:rPr lang="en-US" b="0">
+                <a:solidFill>
+                  <a:srgbClr val="000000"/>
+                </a:solidFill>
+                <a:highlight>
+                  <a:srgbClr val="FFFFFF"/>
+                </a:highlight>
+                <a:latin typeface="Consolas" panose="020B0609020204030204" charset="0"/>
+                <a:ea typeface="宋体" panose="02010600030101010101" pitchFamily="2" charset="-122"/>
+              </a:rPr>
+              <a:t>	printf</a:t>
+            </a:r>
+            <a:r>
+              <a:rPr lang="en-US" b="1">
+                <a:solidFill>
+                  <a:srgbClr val="000080"/>
+                </a:solidFill>
+                <a:highlight>
+                  <a:srgbClr val="FFFFFF"/>
+                </a:highlight>
+                <a:latin typeface="Consolas" panose="020B0609020204030204" charset="0"/>
+                <a:ea typeface="宋体" panose="02010600030101010101" pitchFamily="2" charset="-122"/>
+              </a:rPr>
+              <a:t>(</a:t>
+            </a:r>
+            <a:r>
+              <a:rPr lang="en-US" b="0">
+                <a:solidFill>
+                  <a:srgbClr val="808080"/>
+                </a:solidFill>
+                <a:highlight>
+                  <a:srgbClr val="FFFFFF"/>
+                </a:highlight>
+                <a:latin typeface="Consolas" panose="020B0609020204030204" charset="0"/>
+                <a:ea typeface="宋体" panose="02010600030101010101" pitchFamily="2" charset="-122"/>
+              </a:rPr>
+              <a:t>"Jan.\n"</a:t>
+            </a:r>
+            <a:r>
+              <a:rPr lang="en-US" b="1">
+                <a:solidFill>
+                  <a:srgbClr val="000080"/>
+                </a:solidFill>
+                <a:highlight>
+                  <a:srgbClr val="FFFFFF"/>
+                </a:highlight>
+                <a:latin typeface="Consolas" panose="020B0609020204030204" charset="0"/>
+                <a:ea typeface="宋体" panose="02010600030101010101" pitchFamily="2" charset="-122"/>
+              </a:rPr>
+              <a:t>);</a:t>
+            </a:r>
+            <a:endParaRPr lang="en-US" b="0">
+              <a:solidFill>
+                <a:srgbClr val="000000"/>
+              </a:solidFill>
+              <a:highlight>
+                <a:srgbClr val="FFFFFF"/>
+              </a:highlight>
+              <a:latin typeface="Consolas" panose="020B0609020204030204" charset="0"/>
+              <a:ea typeface="宋体" panose="02010600030101010101" pitchFamily="2" charset="-122"/>
+            </a:endParaRPr>
+          </a:p>
+          <a:p>
+            <a:pPr indent="0"/>
+            <a:r>
+              <a:rPr lang="en-US" b="0">
+                <a:solidFill>
+                  <a:srgbClr val="000000"/>
+                </a:solidFill>
+                <a:highlight>
+                  <a:srgbClr val="FFFFFF"/>
+                </a:highlight>
+                <a:latin typeface="Consolas" panose="020B0609020204030204" charset="0"/>
+                <a:ea typeface="宋体" panose="02010600030101010101" pitchFamily="2" charset="-122"/>
+              </a:rPr>
+              <a:t>	</a:t>
+            </a:r>
+            <a:r>
+              <a:rPr lang="en-US" b="1">
+                <a:solidFill>
+                  <a:srgbClr val="0000FF"/>
+                </a:solidFill>
+                <a:highlight>
+                  <a:srgbClr val="FFFFFF"/>
+                </a:highlight>
+                <a:latin typeface="Consolas" panose="020B0609020204030204" charset="0"/>
+                <a:ea typeface="宋体" panose="02010600030101010101" pitchFamily="2" charset="-122"/>
+              </a:rPr>
+              <a:t>break</a:t>
+            </a:r>
+            <a:r>
+              <a:rPr lang="en-US" b="1">
+                <a:solidFill>
+                  <a:srgbClr val="000080"/>
+                </a:solidFill>
+                <a:highlight>
+                  <a:srgbClr val="FFFFFF"/>
+                </a:highlight>
+                <a:latin typeface="Consolas" panose="020B0609020204030204" charset="0"/>
+                <a:ea typeface="宋体" panose="02010600030101010101" pitchFamily="2" charset="-122"/>
+              </a:rPr>
+              <a:t>;</a:t>
+            </a:r>
+            <a:endParaRPr lang="en-US" b="1">
+              <a:solidFill>
+                <a:srgbClr val="0000FF"/>
+              </a:solidFill>
+              <a:highlight>
+                <a:srgbClr val="FFFFFF"/>
+              </a:highlight>
+              <a:latin typeface="Consolas" panose="020B0609020204030204" charset="0"/>
+              <a:ea typeface="宋体" panose="02010600030101010101" pitchFamily="2" charset="-122"/>
+            </a:endParaRPr>
+          </a:p>
+          <a:p>
+            <a:pPr indent="0"/>
+            <a:r>
+              <a:rPr lang="en-US" b="1">
+                <a:solidFill>
+                  <a:srgbClr val="0000FF"/>
+                </a:solidFill>
+                <a:highlight>
+                  <a:srgbClr val="FFFFFF"/>
+                </a:highlight>
+                <a:latin typeface="Consolas" panose="020B0609020204030204" charset="0"/>
+                <a:ea typeface="宋体" panose="02010600030101010101" pitchFamily="2" charset="-122"/>
+              </a:rPr>
+              <a:t>case</a:t>
+            </a:r>
+            <a:r>
+              <a:rPr lang="en-US" b="0">
+                <a:solidFill>
+                  <a:srgbClr val="000000"/>
+                </a:solidFill>
+                <a:highlight>
+                  <a:srgbClr val="FFFFFF"/>
+                </a:highlight>
+                <a:latin typeface="Consolas" panose="020B0609020204030204" charset="0"/>
+                <a:ea typeface="宋体" panose="02010600030101010101" pitchFamily="2" charset="-122"/>
+              </a:rPr>
+              <a:t> </a:t>
+            </a:r>
+            <a:r>
+              <a:rPr lang="en-US" b="0">
+                <a:solidFill>
+                  <a:srgbClr val="FF8000"/>
+                </a:solidFill>
+                <a:highlight>
+                  <a:srgbClr val="FFFFFF"/>
+                </a:highlight>
+                <a:latin typeface="Consolas" panose="020B0609020204030204" charset="0"/>
+                <a:ea typeface="宋体" panose="02010600030101010101" pitchFamily="2" charset="-122"/>
+              </a:rPr>
+              <a:t>2</a:t>
+            </a:r>
+            <a:r>
+              <a:rPr lang="en-US" b="1">
+                <a:solidFill>
+                  <a:srgbClr val="000080"/>
+                </a:solidFill>
+                <a:highlight>
+                  <a:srgbClr val="FFFFFF"/>
+                </a:highlight>
+                <a:latin typeface="Consolas" panose="020B0609020204030204" charset="0"/>
+                <a:ea typeface="宋体" panose="02010600030101010101" pitchFamily="2" charset="-122"/>
+              </a:rPr>
+              <a:t>:</a:t>
+            </a:r>
+            <a:endParaRPr lang="en-US" b="0">
+              <a:solidFill>
+                <a:srgbClr val="000000"/>
+              </a:solidFill>
+              <a:highlight>
+                <a:srgbClr val="FFFFFF"/>
+              </a:highlight>
+              <a:latin typeface="Consolas" panose="020B0609020204030204" charset="0"/>
+              <a:ea typeface="宋体" panose="02010600030101010101" pitchFamily="2" charset="-122"/>
+            </a:endParaRPr>
+          </a:p>
+          <a:p>
+            <a:pPr indent="0"/>
+            <a:r>
+              <a:rPr lang="en-US" b="0">
+                <a:solidFill>
+                  <a:srgbClr val="000000"/>
+                </a:solidFill>
+                <a:highlight>
+                  <a:srgbClr val="FFFFFF"/>
+                </a:highlight>
+                <a:latin typeface="Consolas" panose="020B0609020204030204" charset="0"/>
+                <a:ea typeface="宋体" panose="02010600030101010101" pitchFamily="2" charset="-122"/>
+              </a:rPr>
+              <a:t>	printf</a:t>
+            </a:r>
+            <a:r>
+              <a:rPr lang="en-US" b="1">
+                <a:solidFill>
+                  <a:srgbClr val="000080"/>
+                </a:solidFill>
+                <a:highlight>
+                  <a:srgbClr val="FFFFFF"/>
+                </a:highlight>
+                <a:latin typeface="Consolas" panose="020B0609020204030204" charset="0"/>
+                <a:ea typeface="宋体" panose="02010600030101010101" pitchFamily="2" charset="-122"/>
+              </a:rPr>
+              <a:t>(</a:t>
+            </a:r>
+            <a:r>
+              <a:rPr lang="en-US" b="0">
+                <a:solidFill>
+                  <a:srgbClr val="808080"/>
+                </a:solidFill>
+                <a:highlight>
+                  <a:srgbClr val="FFFFFF"/>
+                </a:highlight>
+                <a:latin typeface="Consolas" panose="020B0609020204030204" charset="0"/>
+                <a:ea typeface="宋体" panose="02010600030101010101" pitchFamily="2" charset="-122"/>
+              </a:rPr>
+              <a:t>"Feb.\n"</a:t>
+            </a:r>
+            <a:r>
+              <a:rPr lang="en-US" b="1">
+                <a:solidFill>
+                  <a:srgbClr val="000080"/>
+                </a:solidFill>
+                <a:highlight>
+                  <a:srgbClr val="FFFFFF"/>
+                </a:highlight>
+                <a:latin typeface="Consolas" panose="020B0609020204030204" charset="0"/>
+                <a:ea typeface="宋体" panose="02010600030101010101" pitchFamily="2" charset="-122"/>
+              </a:rPr>
+              <a:t>);</a:t>
+            </a:r>
+            <a:endParaRPr lang="en-US" b="0">
+              <a:solidFill>
+                <a:srgbClr val="000000"/>
+              </a:solidFill>
+              <a:highlight>
+                <a:srgbClr val="FFFFFF"/>
+              </a:highlight>
+              <a:latin typeface="Consolas" panose="020B0609020204030204" charset="0"/>
+              <a:ea typeface="宋体" panose="02010600030101010101" pitchFamily="2" charset="-122"/>
+            </a:endParaRPr>
+          </a:p>
+          <a:p>
+            <a:pPr indent="0"/>
+            <a:r>
+              <a:rPr lang="en-US" b="0">
+                <a:solidFill>
+                  <a:srgbClr val="000000"/>
+                </a:solidFill>
+                <a:highlight>
+                  <a:srgbClr val="FFFFFF"/>
+                </a:highlight>
+                <a:latin typeface="Consolas" panose="020B0609020204030204" charset="0"/>
+                <a:ea typeface="宋体" panose="02010600030101010101" pitchFamily="2" charset="-122"/>
+              </a:rPr>
+              <a:t>	</a:t>
+            </a:r>
+            <a:r>
+              <a:rPr lang="en-US" b="1">
+                <a:solidFill>
+                  <a:srgbClr val="0000FF"/>
+                </a:solidFill>
+                <a:highlight>
+                  <a:srgbClr val="FFFFFF"/>
+                </a:highlight>
+                <a:latin typeface="Consolas" panose="020B0609020204030204" charset="0"/>
+                <a:ea typeface="宋体" panose="02010600030101010101" pitchFamily="2" charset="-122"/>
+              </a:rPr>
+              <a:t>break</a:t>
+            </a:r>
+            <a:r>
+              <a:rPr lang="en-US" b="1">
+                <a:solidFill>
+                  <a:srgbClr val="000080"/>
+                </a:solidFill>
+                <a:highlight>
+                  <a:srgbClr val="FFFFFF"/>
+                </a:highlight>
+                <a:latin typeface="Consolas" panose="020B0609020204030204" charset="0"/>
+                <a:ea typeface="宋体" panose="02010600030101010101" pitchFamily="2" charset="-122"/>
+              </a:rPr>
+              <a:t>;</a:t>
+            </a:r>
+            <a:endParaRPr lang="en-US" b="1">
+              <a:solidFill>
+                <a:srgbClr val="0000FF"/>
+              </a:solidFill>
+              <a:highlight>
+                <a:srgbClr val="FFFFFF"/>
+              </a:highlight>
+              <a:latin typeface="Consolas" panose="020B0609020204030204" charset="0"/>
+              <a:ea typeface="宋体" panose="02010600030101010101" pitchFamily="2" charset="-122"/>
+            </a:endParaRPr>
+          </a:p>
+          <a:p>
+            <a:pPr indent="0"/>
+            <a:r>
+              <a:rPr lang="en-US" b="1">
+                <a:solidFill>
+                  <a:srgbClr val="0000FF"/>
+                </a:solidFill>
+                <a:highlight>
+                  <a:srgbClr val="FFFFFF"/>
+                </a:highlight>
+                <a:latin typeface="Consolas" panose="020B0609020204030204" charset="0"/>
+                <a:ea typeface="宋体" panose="02010600030101010101" pitchFamily="2" charset="-122"/>
+              </a:rPr>
+              <a:t>case</a:t>
+            </a:r>
+            <a:r>
+              <a:rPr lang="en-US" b="0">
+                <a:solidFill>
+                  <a:srgbClr val="000000"/>
+                </a:solidFill>
+                <a:highlight>
+                  <a:srgbClr val="FFFFFF"/>
+                </a:highlight>
+                <a:latin typeface="Consolas" panose="020B0609020204030204" charset="0"/>
+                <a:ea typeface="宋体" panose="02010600030101010101" pitchFamily="2" charset="-122"/>
+              </a:rPr>
+              <a:t> </a:t>
+            </a:r>
+            <a:r>
+              <a:rPr lang="en-US" b="0">
+                <a:solidFill>
+                  <a:srgbClr val="FF8000"/>
+                </a:solidFill>
+                <a:highlight>
+                  <a:srgbClr val="FFFFFF"/>
+                </a:highlight>
+                <a:latin typeface="Consolas" panose="020B0609020204030204" charset="0"/>
+                <a:ea typeface="宋体" panose="02010600030101010101" pitchFamily="2" charset="-122"/>
+              </a:rPr>
+              <a:t>3</a:t>
+            </a:r>
+            <a:r>
+              <a:rPr lang="en-US" b="1">
+                <a:solidFill>
+                  <a:srgbClr val="000080"/>
+                </a:solidFill>
+                <a:highlight>
+                  <a:srgbClr val="FFFFFF"/>
+                </a:highlight>
+                <a:latin typeface="Consolas" panose="020B0609020204030204" charset="0"/>
+                <a:ea typeface="宋体" panose="02010600030101010101" pitchFamily="2" charset="-122"/>
+              </a:rPr>
+              <a:t>:</a:t>
+            </a:r>
+            <a:endParaRPr lang="en-US" b="0">
+              <a:solidFill>
+                <a:srgbClr val="000000"/>
+              </a:solidFill>
+              <a:highlight>
+                <a:srgbClr val="FFFFFF"/>
+              </a:highlight>
+              <a:latin typeface="Consolas" panose="020B0609020204030204" charset="0"/>
+              <a:ea typeface="宋体" panose="02010600030101010101" pitchFamily="2" charset="-122"/>
+            </a:endParaRPr>
+          </a:p>
+          <a:p>
+            <a:pPr indent="0"/>
+            <a:r>
+              <a:rPr lang="en-US" b="0">
+                <a:solidFill>
+                  <a:srgbClr val="000000"/>
+                </a:solidFill>
+                <a:highlight>
+                  <a:srgbClr val="FFFFFF"/>
+                </a:highlight>
+                <a:latin typeface="Consolas" panose="020B0609020204030204" charset="0"/>
+                <a:ea typeface="宋体" panose="02010600030101010101" pitchFamily="2" charset="-122"/>
+              </a:rPr>
+              <a:t>	printf</a:t>
+            </a:r>
+            <a:r>
+              <a:rPr lang="en-US" b="1">
+                <a:solidFill>
+                  <a:srgbClr val="000080"/>
+                </a:solidFill>
+                <a:highlight>
+                  <a:srgbClr val="FFFFFF"/>
+                </a:highlight>
+                <a:latin typeface="Consolas" panose="020B0609020204030204" charset="0"/>
+                <a:ea typeface="宋体" panose="02010600030101010101" pitchFamily="2" charset="-122"/>
+              </a:rPr>
+              <a:t>(</a:t>
+            </a:r>
+            <a:r>
+              <a:rPr lang="en-US" b="0">
+                <a:solidFill>
+                  <a:srgbClr val="808080"/>
+                </a:solidFill>
+                <a:highlight>
+                  <a:srgbClr val="FFFFFF"/>
+                </a:highlight>
+                <a:latin typeface="Consolas" panose="020B0609020204030204" charset="0"/>
+                <a:ea typeface="宋体" panose="02010600030101010101" pitchFamily="2" charset="-122"/>
+              </a:rPr>
+              <a:t>"Mar.\n"</a:t>
+            </a:r>
+            <a:r>
+              <a:rPr lang="en-US" b="1">
+                <a:solidFill>
+                  <a:srgbClr val="000080"/>
+                </a:solidFill>
+                <a:highlight>
+                  <a:srgbClr val="FFFFFF"/>
+                </a:highlight>
+                <a:latin typeface="Consolas" panose="020B0609020204030204" charset="0"/>
+                <a:ea typeface="宋体" panose="02010600030101010101" pitchFamily="2" charset="-122"/>
+              </a:rPr>
+              <a:t>);</a:t>
+            </a:r>
+            <a:endParaRPr lang="en-US" b="0">
+              <a:solidFill>
+                <a:srgbClr val="000000"/>
+              </a:solidFill>
+              <a:highlight>
+                <a:srgbClr val="FFFFFF"/>
+              </a:highlight>
+              <a:latin typeface="Consolas" panose="020B0609020204030204" charset="0"/>
+              <a:ea typeface="宋体" panose="02010600030101010101" pitchFamily="2" charset="-122"/>
+            </a:endParaRPr>
+          </a:p>
+          <a:p>
+            <a:pPr indent="0"/>
+            <a:r>
+              <a:rPr lang="en-US" b="0">
+                <a:solidFill>
+                  <a:srgbClr val="000000"/>
+                </a:solidFill>
+                <a:highlight>
+                  <a:srgbClr val="FFFFFF"/>
+                </a:highlight>
+                <a:latin typeface="Consolas" panose="020B0609020204030204" charset="0"/>
+                <a:ea typeface="宋体" panose="02010600030101010101" pitchFamily="2" charset="-122"/>
+              </a:rPr>
+              <a:t>	</a:t>
+            </a:r>
+            <a:r>
+              <a:rPr lang="en-US" b="1">
+                <a:solidFill>
+                  <a:srgbClr val="0000FF"/>
+                </a:solidFill>
+                <a:highlight>
+                  <a:srgbClr val="FFFFFF"/>
+                </a:highlight>
+                <a:latin typeface="Consolas" panose="020B0609020204030204" charset="0"/>
+                <a:ea typeface="宋体" panose="02010600030101010101" pitchFamily="2" charset="-122"/>
+              </a:rPr>
+              <a:t>break</a:t>
+            </a:r>
+            <a:r>
+              <a:rPr lang="en-US" b="1">
+                <a:solidFill>
+                  <a:srgbClr val="000080"/>
+                </a:solidFill>
+                <a:highlight>
+                  <a:srgbClr val="FFFFFF"/>
+                </a:highlight>
+                <a:latin typeface="Consolas" panose="020B0609020204030204" charset="0"/>
+                <a:ea typeface="宋体" panose="02010600030101010101" pitchFamily="2" charset="-122"/>
+              </a:rPr>
+              <a:t>;</a:t>
+            </a:r>
+            <a:endParaRPr lang="en-US" b="0">
+              <a:solidFill>
+                <a:srgbClr val="008000"/>
+              </a:solidFill>
+              <a:highlight>
+                <a:srgbClr val="FFFFFF"/>
+              </a:highlight>
+              <a:latin typeface="Consolas" panose="020B0609020204030204" charset="0"/>
+              <a:ea typeface="宋体" panose="02010600030101010101" pitchFamily="2" charset="-122"/>
+            </a:endParaRPr>
+          </a:p>
+          <a:p>
+            <a:pPr indent="0"/>
+            <a:r>
+              <a:rPr lang="en-US" b="0">
+                <a:solidFill>
+                  <a:srgbClr val="008000"/>
+                </a:solidFill>
+                <a:highlight>
+                  <a:srgbClr val="FFFFFF"/>
+                </a:highlight>
+                <a:latin typeface="Consolas" panose="020B0609020204030204" charset="0"/>
+                <a:ea typeface="宋体" panose="02010600030101010101" pitchFamily="2" charset="-122"/>
+              </a:rPr>
+              <a:t>// ...</a:t>
+            </a:r>
+            <a:endParaRPr lang="en-US" b="1">
+              <a:solidFill>
+                <a:srgbClr val="0000FF"/>
+              </a:solidFill>
+              <a:highlight>
+                <a:srgbClr val="FFFFFF"/>
+              </a:highlight>
+              <a:latin typeface="Consolas" panose="020B0609020204030204" charset="0"/>
+              <a:ea typeface="宋体" panose="02010600030101010101" pitchFamily="2" charset="-122"/>
+            </a:endParaRPr>
+          </a:p>
+          <a:p>
+            <a:pPr indent="0"/>
+            <a:r>
+              <a:rPr lang="en-US" b="1">
+                <a:solidFill>
+                  <a:srgbClr val="0000FF"/>
+                </a:solidFill>
+                <a:highlight>
+                  <a:srgbClr val="FFFFFF"/>
+                </a:highlight>
+                <a:latin typeface="Consolas" panose="020B0609020204030204" charset="0"/>
+                <a:ea typeface="宋体" panose="02010600030101010101" pitchFamily="2" charset="-122"/>
+              </a:rPr>
+              <a:t>case</a:t>
+            </a:r>
+            <a:r>
+              <a:rPr lang="en-US" b="0">
+                <a:solidFill>
+                  <a:srgbClr val="000000"/>
+                </a:solidFill>
+                <a:highlight>
+                  <a:srgbClr val="FFFFFF"/>
+                </a:highlight>
+                <a:latin typeface="Consolas" panose="020B0609020204030204" charset="0"/>
+                <a:ea typeface="宋体" panose="02010600030101010101" pitchFamily="2" charset="-122"/>
+              </a:rPr>
+              <a:t> </a:t>
+            </a:r>
+            <a:r>
+              <a:rPr lang="en-US" b="0">
+                <a:solidFill>
+                  <a:srgbClr val="FF8000"/>
+                </a:solidFill>
+                <a:highlight>
+                  <a:srgbClr val="FFFFFF"/>
+                </a:highlight>
+                <a:latin typeface="Consolas" panose="020B0609020204030204" charset="0"/>
+                <a:ea typeface="宋体" panose="02010600030101010101" pitchFamily="2" charset="-122"/>
+              </a:rPr>
+              <a:t>12</a:t>
+            </a:r>
+            <a:r>
+              <a:rPr lang="en-US" b="1">
+                <a:solidFill>
+                  <a:srgbClr val="000080"/>
+                </a:solidFill>
+                <a:highlight>
+                  <a:srgbClr val="FFFFFF"/>
+                </a:highlight>
+                <a:latin typeface="Consolas" panose="020B0609020204030204" charset="0"/>
+                <a:ea typeface="宋体" panose="02010600030101010101" pitchFamily="2" charset="-122"/>
+              </a:rPr>
+              <a:t>:</a:t>
+            </a:r>
+            <a:endParaRPr lang="en-US" b="0">
+              <a:solidFill>
+                <a:srgbClr val="000000"/>
+              </a:solidFill>
+              <a:highlight>
+                <a:srgbClr val="FFFFFF"/>
+              </a:highlight>
+              <a:latin typeface="Consolas" panose="020B0609020204030204" charset="0"/>
+              <a:ea typeface="宋体" panose="02010600030101010101" pitchFamily="2" charset="-122"/>
+            </a:endParaRPr>
+          </a:p>
+          <a:p>
+            <a:pPr indent="0"/>
+            <a:r>
+              <a:rPr lang="en-US" b="0">
+                <a:solidFill>
+                  <a:srgbClr val="000000"/>
+                </a:solidFill>
+                <a:highlight>
+                  <a:srgbClr val="FFFFFF"/>
+                </a:highlight>
+                <a:latin typeface="Consolas" panose="020B0609020204030204" charset="0"/>
+                <a:ea typeface="宋体" panose="02010600030101010101" pitchFamily="2" charset="-122"/>
+              </a:rPr>
+              <a:t>	printf</a:t>
+            </a:r>
+            <a:r>
+              <a:rPr lang="en-US" b="1">
+                <a:solidFill>
+                  <a:srgbClr val="000080"/>
+                </a:solidFill>
+                <a:highlight>
+                  <a:srgbClr val="FFFFFF"/>
+                </a:highlight>
+                <a:latin typeface="Consolas" panose="020B0609020204030204" charset="0"/>
+                <a:ea typeface="宋体" panose="02010600030101010101" pitchFamily="2" charset="-122"/>
+              </a:rPr>
+              <a:t>(</a:t>
+            </a:r>
+            <a:r>
+              <a:rPr lang="en-US" b="0">
+                <a:solidFill>
+                  <a:srgbClr val="808080"/>
+                </a:solidFill>
+                <a:highlight>
+                  <a:srgbClr val="FFFFFF"/>
+                </a:highlight>
+                <a:latin typeface="Consolas" panose="020B0609020204030204" charset="0"/>
+                <a:ea typeface="宋体" panose="02010600030101010101" pitchFamily="2" charset="-122"/>
+              </a:rPr>
+              <a:t>"Dec.\n"</a:t>
+            </a:r>
+            <a:r>
+              <a:rPr lang="en-US" b="1">
+                <a:solidFill>
+                  <a:srgbClr val="000080"/>
+                </a:solidFill>
+                <a:highlight>
+                  <a:srgbClr val="FFFFFF"/>
+                </a:highlight>
+                <a:latin typeface="Consolas" panose="020B0609020204030204" charset="0"/>
+                <a:ea typeface="宋体" panose="02010600030101010101" pitchFamily="2" charset="-122"/>
+              </a:rPr>
+              <a:t>);</a:t>
+            </a:r>
+            <a:endParaRPr lang="en-US" b="0">
+              <a:solidFill>
+                <a:srgbClr val="000000"/>
+              </a:solidFill>
+              <a:highlight>
+                <a:srgbClr val="FFFFFF"/>
+              </a:highlight>
+              <a:latin typeface="Consolas" panose="020B0609020204030204" charset="0"/>
+              <a:ea typeface="宋体" panose="02010600030101010101" pitchFamily="2" charset="-122"/>
+            </a:endParaRPr>
+          </a:p>
+          <a:p>
+            <a:pPr indent="0"/>
+            <a:r>
+              <a:rPr lang="en-US" b="0">
+                <a:solidFill>
+                  <a:srgbClr val="000000"/>
+                </a:solidFill>
+                <a:highlight>
+                  <a:srgbClr val="FFFFFF"/>
+                </a:highlight>
+                <a:latin typeface="Consolas" panose="020B0609020204030204" charset="0"/>
+                <a:ea typeface="宋体" panose="02010600030101010101" pitchFamily="2" charset="-122"/>
+              </a:rPr>
+              <a:t>	</a:t>
+            </a:r>
+            <a:r>
+              <a:rPr lang="en-US" b="1">
+                <a:solidFill>
+                  <a:srgbClr val="0000FF"/>
+                </a:solidFill>
+                <a:highlight>
+                  <a:srgbClr val="FFFFFF"/>
+                </a:highlight>
+                <a:latin typeface="Consolas" panose="020B0609020204030204" charset="0"/>
+                <a:ea typeface="宋体" panose="02010600030101010101" pitchFamily="2" charset="-122"/>
+              </a:rPr>
+              <a:t>break</a:t>
+            </a:r>
+            <a:r>
+              <a:rPr lang="en-US" b="1">
+                <a:solidFill>
+                  <a:srgbClr val="000080"/>
+                </a:solidFill>
+                <a:highlight>
+                  <a:srgbClr val="FFFFFF"/>
+                </a:highlight>
+                <a:latin typeface="Consolas" panose="020B0609020204030204" charset="0"/>
+                <a:ea typeface="宋体" panose="02010600030101010101" pitchFamily="2" charset="-122"/>
+              </a:rPr>
+              <a:t>;</a:t>
+            </a:r>
+            <a:endParaRPr lang="en-US" b="1">
+              <a:solidFill>
+                <a:srgbClr val="0000FF"/>
+              </a:solidFill>
+              <a:highlight>
+                <a:srgbClr val="FFFFFF"/>
+              </a:highlight>
+              <a:latin typeface="Consolas" panose="020B0609020204030204" charset="0"/>
+              <a:ea typeface="宋体" panose="02010600030101010101" pitchFamily="2" charset="-122"/>
+            </a:endParaRPr>
+          </a:p>
+          <a:p>
+            <a:pPr indent="0"/>
+            <a:r>
+              <a:rPr lang="en-US" b="1">
+                <a:solidFill>
+                  <a:srgbClr val="0000FF"/>
+                </a:solidFill>
+                <a:highlight>
+                  <a:srgbClr val="FFFFFF"/>
+                </a:highlight>
+                <a:latin typeface="Consolas" panose="020B0609020204030204" charset="0"/>
+                <a:ea typeface="宋体" panose="02010600030101010101" pitchFamily="2" charset="-122"/>
+              </a:rPr>
+              <a:t>default</a:t>
+            </a:r>
+            <a:r>
+              <a:rPr lang="en-US" b="1">
+                <a:solidFill>
+                  <a:srgbClr val="000080"/>
+                </a:solidFill>
+                <a:highlight>
+                  <a:srgbClr val="FFFFFF"/>
+                </a:highlight>
+                <a:latin typeface="Consolas" panose="020B0609020204030204" charset="0"/>
+                <a:ea typeface="宋体" panose="02010600030101010101" pitchFamily="2" charset="-122"/>
+              </a:rPr>
+              <a:t>:</a:t>
+            </a:r>
+            <a:endParaRPr lang="en-US" b="0">
+              <a:solidFill>
+                <a:srgbClr val="000000"/>
+              </a:solidFill>
+              <a:highlight>
+                <a:srgbClr val="FFFFFF"/>
+              </a:highlight>
+              <a:latin typeface="Consolas" panose="020B0609020204030204" charset="0"/>
+              <a:ea typeface="宋体" panose="02010600030101010101" pitchFamily="2" charset="-122"/>
+            </a:endParaRPr>
+          </a:p>
+          <a:p>
+            <a:pPr indent="0"/>
+            <a:r>
+              <a:rPr lang="en-US" b="0">
+                <a:solidFill>
+                  <a:srgbClr val="000000"/>
+                </a:solidFill>
+                <a:highlight>
+                  <a:srgbClr val="FFFFFF"/>
+                </a:highlight>
+                <a:latin typeface="Consolas" panose="020B0609020204030204" charset="0"/>
+                <a:ea typeface="宋体" panose="02010600030101010101" pitchFamily="2" charset="-122"/>
+              </a:rPr>
+              <a:t>	printf</a:t>
+            </a:r>
+            <a:r>
+              <a:rPr lang="en-US" b="1">
+                <a:solidFill>
+                  <a:srgbClr val="000080"/>
+                </a:solidFill>
+                <a:highlight>
+                  <a:srgbClr val="FFFFFF"/>
+                </a:highlight>
+                <a:latin typeface="Consolas" panose="020B0609020204030204" charset="0"/>
+                <a:ea typeface="宋体" panose="02010600030101010101" pitchFamily="2" charset="-122"/>
+              </a:rPr>
+              <a:t>(</a:t>
+            </a:r>
+            <a:r>
+              <a:rPr lang="en-US" b="0">
+                <a:solidFill>
+                  <a:srgbClr val="808080"/>
+                </a:solidFill>
+                <a:highlight>
+                  <a:srgbClr val="FFFFFF"/>
+                </a:highlight>
+                <a:latin typeface="Consolas" panose="020B0609020204030204" charset="0"/>
+                <a:ea typeface="宋体" panose="02010600030101010101" pitchFamily="2" charset="-122"/>
+              </a:rPr>
+              <a:t>"Invalid\n"</a:t>
+            </a:r>
+            <a:r>
+              <a:rPr lang="en-US" b="1">
+                <a:solidFill>
+                  <a:srgbClr val="000080"/>
+                </a:solidFill>
+                <a:highlight>
+                  <a:srgbClr val="FFFFFF"/>
+                </a:highlight>
+                <a:latin typeface="Consolas" panose="020B0609020204030204" charset="0"/>
+                <a:ea typeface="宋体" panose="02010600030101010101" pitchFamily="2" charset="-122"/>
+              </a:rPr>
+              <a:t>);</a:t>
+            </a:r>
+            <a:endParaRPr lang="en-US" b="0">
+              <a:solidFill>
+                <a:srgbClr val="000000"/>
+              </a:solidFill>
+              <a:highlight>
+                <a:srgbClr val="FFFFFF"/>
+              </a:highlight>
+              <a:latin typeface="Consolas" panose="020B0609020204030204" charset="0"/>
+              <a:ea typeface="宋体" panose="02010600030101010101" pitchFamily="2" charset="-122"/>
+            </a:endParaRPr>
+          </a:p>
+          <a:p>
+            <a:pPr indent="0"/>
+            <a:r>
+              <a:rPr lang="en-US" b="0">
+                <a:solidFill>
+                  <a:srgbClr val="000000"/>
+                </a:solidFill>
+                <a:highlight>
+                  <a:srgbClr val="FFFFFF"/>
+                </a:highlight>
+                <a:latin typeface="Consolas" panose="020B0609020204030204" charset="0"/>
+                <a:ea typeface="宋体" panose="02010600030101010101" pitchFamily="2" charset="-122"/>
+              </a:rPr>
+              <a:t>	</a:t>
+            </a:r>
+            <a:r>
+              <a:rPr lang="en-US" b="1">
+                <a:solidFill>
+                  <a:srgbClr val="0000FF"/>
+                </a:solidFill>
+                <a:highlight>
+                  <a:srgbClr val="FFFFFF"/>
+                </a:highlight>
+                <a:latin typeface="Consolas" panose="020B0609020204030204" charset="0"/>
+                <a:ea typeface="宋体" panose="02010600030101010101" pitchFamily="2" charset="-122"/>
+              </a:rPr>
+              <a:t>break</a:t>
+            </a:r>
+            <a:r>
+              <a:rPr lang="en-US" b="1">
+                <a:solidFill>
+                  <a:srgbClr val="000080"/>
+                </a:solidFill>
+                <a:highlight>
+                  <a:srgbClr val="FFFFFF"/>
+                </a:highlight>
+                <a:latin typeface="Consolas" panose="020B0609020204030204" charset="0"/>
+                <a:ea typeface="宋体" panose="02010600030101010101" pitchFamily="2" charset="-122"/>
+              </a:rPr>
+              <a:t>;</a:t>
+            </a:r>
+          </a:p>
+          <a:p>
+            <a:pPr indent="0"/>
+            <a:r>
+              <a:rPr lang="en-US" b="1">
+                <a:solidFill>
+                  <a:srgbClr val="000080"/>
+                </a:solidFill>
+                <a:highlight>
+                  <a:srgbClr val="FFFFFF"/>
+                </a:highlight>
+                <a:latin typeface="Consolas" panose="020B0609020204030204" charset="0"/>
+                <a:ea typeface="宋体" panose="02010600030101010101" pitchFamily="2" charset="-122"/>
+              </a:rPr>
+              <a:t>}</a:t>
+            </a:r>
+            <a:endParaRPr lang="en-US" altLang="en-US" b="1">
+              <a:solidFill>
+                <a:srgbClr val="000080"/>
+              </a:solidFill>
+              <a:highlight>
+                <a:srgbClr val="FFFFFF"/>
+              </a:highlight>
+              <a:latin typeface="Consolas" panose="020B0609020204030204" charset="0"/>
+              <a:ea typeface="宋体" panose="02010600030101010101" pitchFamily="2" charset="-122"/>
+            </a:endParaRPr>
+          </a:p>
+        </p:txBody>
+      </p:sp>
+    </p:spTree>
+    <p:custDataLst>
+      <p:tags r:id="rId1"/>
+    </p:custDataLst>
+  </p:cSld>
+  <p:clrMapOvr>
+    <a:masterClrMapping/>
+  </p:clrMapOvr>
+</p:sld>
+</file>
+
+<file path=ppt/slides/slide17.xml><?xml version="1.0" encoding="utf-8"?>
+<p:sld xmlns:a="http://schemas.openxmlformats.org/drawingml/2006/main" xmlns:r="http://schemas.openxmlformats.org/officeDocument/2006/relationships" xmlns:p="http://schemas.openxmlformats.org/presentationml/2006/main">
+  <p:cSld>
+    <p:spTree>
+      <p:nvGrpSpPr>
+        <p:cNvPr id="1" name=""/>
+        <p:cNvGrpSpPr/>
+        <p:nvPr/>
+      </p:nvGrpSpPr>
+      <p:grpSpPr>
+        <a:xfrm>
+          <a:off x="0" y="0"/>
+          <a:ext cx="0" cy="0"/>
+          <a:chOff x="0" y="0"/>
+          <a:chExt cx="0" cy="0"/>
+        </a:xfrm>
+      </p:grpSpPr>
+      <p:sp>
+        <p:nvSpPr>
+          <p:cNvPr id="5" name="标题 4"/>
+          <p:cNvSpPr>
+            <a:spLocks noGrp="1"/>
+          </p:cNvSpPr>
+          <p:nvPr>
+            <p:ph type="title"/>
+            <p:custDataLst>
+              <p:tags r:id="rId2"/>
+            </p:custDataLst>
+          </p:nvPr>
+        </p:nvSpPr>
+        <p:spPr/>
+        <p:txBody>
+          <a:bodyPr>
+            <a:normAutofit fontScale="90000"/>
+          </a:bodyPr>
+          <a:lstStyle/>
+          <a:p>
+            <a:r>
+              <a:rPr lang="en-US"/>
+              <a:t>Demo</a:t>
+            </a:r>
+            <a:r>
+              <a:rPr lang="zh-CN" altLang="en-US"/>
+              <a:t>：计算器</a:t>
+            </a:r>
+          </a:p>
+        </p:txBody>
+      </p:sp>
+      <p:sp>
+        <p:nvSpPr>
+          <p:cNvPr id="6" name="文本占位符 5"/>
+          <p:cNvSpPr>
+            <a:spLocks noGrp="1"/>
+          </p:cNvSpPr>
+          <p:nvPr>
+            <p:ph type="body" sz="quarter" idx="15"/>
+            <p:custDataLst>
+              <p:tags r:id="rId3"/>
+            </p:custDataLst>
+          </p:nvPr>
+        </p:nvSpPr>
+        <p:spPr>
+          <a:xfrm>
+            <a:off x="681355" y="1296035"/>
+            <a:ext cx="5545455" cy="541655"/>
+          </a:xfrm>
+        </p:spPr>
+        <p:txBody>
+          <a:bodyPr>
+            <a:noAutofit/>
+          </a:bodyPr>
+          <a:lstStyle/>
+          <a:p>
+            <a:r>
+              <a:rPr lang="zh-CN">
+                <a:latin typeface="+mn-lt"/>
+                <a:cs typeface="+mn-lt"/>
+              </a:rPr>
+              <a:t>输入一个加、减、乘、除的表达式，计算表达式的值。</a:t>
+            </a:r>
+          </a:p>
+        </p:txBody>
+      </p:sp>
+      <p:sp>
+        <p:nvSpPr>
+          <p:cNvPr id="100" name="文本框 99"/>
+          <p:cNvSpPr txBox="1"/>
+          <p:nvPr/>
+        </p:nvSpPr>
+        <p:spPr>
+          <a:xfrm>
+            <a:off x="681355" y="2343150"/>
+            <a:ext cx="5735955" cy="1476375"/>
+          </a:xfrm>
+          <a:prstGeom prst="rect">
+            <a:avLst/>
+          </a:prstGeom>
+          <a:noFill/>
+          <a:ln w="9525">
+            <a:noFill/>
+          </a:ln>
+        </p:spPr>
+        <p:txBody>
+          <a:bodyPr wrap="square">
+            <a:spAutoFit/>
+          </a:bodyPr>
+          <a:lstStyle/>
+          <a:p>
+            <a:pPr indent="0"/>
+            <a:r>
+              <a:rPr lang="en-US" b="0">
+                <a:solidFill>
+                  <a:srgbClr val="8000FF"/>
+                </a:solidFill>
+                <a:highlight>
+                  <a:srgbClr val="FFFFFF"/>
+                </a:highlight>
+                <a:latin typeface="Consolas" panose="020B0609020204030204" charset="0"/>
+                <a:ea typeface="宋体" panose="02010600030101010101" pitchFamily="2" charset="-122"/>
+              </a:rPr>
+              <a:t>int</a:t>
+            </a:r>
+            <a:r>
+              <a:rPr lang="en-US" b="0">
+                <a:solidFill>
+                  <a:srgbClr val="000000"/>
+                </a:solidFill>
+                <a:highlight>
+                  <a:srgbClr val="FFFFFF"/>
+                </a:highlight>
+                <a:latin typeface="Consolas" panose="020B0609020204030204" charset="0"/>
+                <a:ea typeface="宋体" panose="02010600030101010101" pitchFamily="2" charset="-122"/>
+              </a:rPr>
+              <a:t> num1</a:t>
+            </a:r>
+            <a:r>
+              <a:rPr lang="en-US" b="1">
+                <a:solidFill>
+                  <a:srgbClr val="000080"/>
+                </a:solidFill>
+                <a:highlight>
+                  <a:srgbClr val="FFFFFF"/>
+                </a:highlight>
+                <a:latin typeface="Consolas" panose="020B0609020204030204" charset="0"/>
+                <a:ea typeface="宋体" panose="02010600030101010101" pitchFamily="2" charset="-122"/>
+              </a:rPr>
+              <a:t>,</a:t>
+            </a:r>
+            <a:r>
+              <a:rPr lang="en-US" b="0">
+                <a:solidFill>
+                  <a:srgbClr val="000000"/>
+                </a:solidFill>
+                <a:highlight>
+                  <a:srgbClr val="FFFFFF"/>
+                </a:highlight>
+                <a:latin typeface="Consolas" panose="020B0609020204030204" charset="0"/>
+                <a:ea typeface="宋体" panose="02010600030101010101" pitchFamily="2" charset="-122"/>
+              </a:rPr>
+              <a:t> num2</a:t>
+            </a:r>
+            <a:r>
+              <a:rPr lang="en-US" b="1">
+                <a:solidFill>
+                  <a:srgbClr val="000080"/>
+                </a:solidFill>
+                <a:highlight>
+                  <a:srgbClr val="FFFFFF"/>
+                </a:highlight>
+                <a:latin typeface="Consolas" panose="020B0609020204030204" charset="0"/>
+                <a:ea typeface="宋体" panose="02010600030101010101" pitchFamily="2" charset="-122"/>
+              </a:rPr>
+              <a:t>;</a:t>
+            </a:r>
+            <a:endParaRPr lang="en-US" b="0">
+              <a:solidFill>
+                <a:srgbClr val="8000FF"/>
+              </a:solidFill>
+              <a:highlight>
+                <a:srgbClr val="FFFFFF"/>
+              </a:highlight>
+              <a:latin typeface="Consolas" panose="020B0609020204030204" charset="0"/>
+              <a:ea typeface="宋体" panose="02010600030101010101" pitchFamily="2" charset="-122"/>
+            </a:endParaRPr>
+          </a:p>
+          <a:p>
+            <a:pPr indent="0"/>
+            <a:r>
+              <a:rPr lang="en-US" b="0">
+                <a:solidFill>
+                  <a:srgbClr val="8000FF"/>
+                </a:solidFill>
+                <a:highlight>
+                  <a:srgbClr val="FFFFFF"/>
+                </a:highlight>
+                <a:latin typeface="Consolas" panose="020B0609020204030204" charset="0"/>
+                <a:ea typeface="宋体" panose="02010600030101010101" pitchFamily="2" charset="-122"/>
+              </a:rPr>
+              <a:t>char</a:t>
+            </a:r>
+            <a:r>
+              <a:rPr lang="en-US" b="0">
+                <a:solidFill>
+                  <a:srgbClr val="000000"/>
+                </a:solidFill>
+                <a:highlight>
+                  <a:srgbClr val="FFFFFF"/>
+                </a:highlight>
+                <a:latin typeface="Consolas" panose="020B0609020204030204" charset="0"/>
+                <a:ea typeface="宋体" panose="02010600030101010101" pitchFamily="2" charset="-122"/>
+              </a:rPr>
+              <a:t> operator</a:t>
+            </a:r>
+            <a:r>
+              <a:rPr lang="en-US" b="1">
+                <a:solidFill>
+                  <a:srgbClr val="000080"/>
+                </a:solidFill>
+                <a:highlight>
+                  <a:srgbClr val="FFFFFF"/>
+                </a:highlight>
+                <a:latin typeface="Consolas" panose="020B0609020204030204" charset="0"/>
+                <a:ea typeface="宋体" panose="02010600030101010101" pitchFamily="2" charset="-122"/>
+              </a:rPr>
+              <a:t>;</a:t>
+            </a:r>
+            <a:endParaRPr lang="en-US" b="0">
+              <a:solidFill>
+                <a:srgbClr val="000000"/>
+              </a:solidFill>
+              <a:highlight>
+                <a:srgbClr val="FFFFFF"/>
+              </a:highlight>
+              <a:latin typeface="Consolas" panose="020B0609020204030204" charset="0"/>
+              <a:ea typeface="宋体" panose="02010600030101010101" pitchFamily="2" charset="-122"/>
+            </a:endParaRPr>
+          </a:p>
+          <a:p>
+            <a:pPr indent="0"/>
+            <a:r>
+              <a:rPr lang="en-US" b="0">
+                <a:solidFill>
+                  <a:srgbClr val="000000"/>
+                </a:solidFill>
+                <a:highlight>
+                  <a:srgbClr val="FFFFFF"/>
+                </a:highlight>
+                <a:latin typeface="Consolas" panose="020B0609020204030204" charset="0"/>
+                <a:ea typeface="宋体" panose="02010600030101010101" pitchFamily="2" charset="-122"/>
+              </a:rPr>
+              <a:t> </a:t>
+            </a:r>
+          </a:p>
+          <a:p>
+            <a:pPr indent="0"/>
+            <a:r>
+              <a:rPr lang="en-US" b="0">
+                <a:solidFill>
+                  <a:srgbClr val="000000"/>
+                </a:solidFill>
+                <a:highlight>
+                  <a:srgbClr val="FFFFFF"/>
+                </a:highlight>
+                <a:latin typeface="Consolas" panose="020B0609020204030204" charset="0"/>
+                <a:ea typeface="宋体" panose="02010600030101010101" pitchFamily="2" charset="-122"/>
+              </a:rPr>
+              <a:t>printf</a:t>
+            </a:r>
+            <a:r>
+              <a:rPr lang="en-US" b="1">
+                <a:solidFill>
+                  <a:srgbClr val="000080"/>
+                </a:solidFill>
+                <a:highlight>
+                  <a:srgbClr val="FFFFFF"/>
+                </a:highlight>
+                <a:latin typeface="Consolas" panose="020B0609020204030204" charset="0"/>
+                <a:ea typeface="宋体" panose="02010600030101010101" pitchFamily="2" charset="-122"/>
+              </a:rPr>
+              <a:t>(</a:t>
+            </a:r>
+            <a:r>
+              <a:rPr lang="en-US" b="0">
+                <a:solidFill>
+                  <a:srgbClr val="808080"/>
+                </a:solidFill>
+                <a:highlight>
+                  <a:srgbClr val="FFFFFF"/>
+                </a:highlight>
+                <a:latin typeface="Consolas" panose="020B0609020204030204" charset="0"/>
+                <a:ea typeface="宋体" panose="02010600030101010101" pitchFamily="2" charset="-122"/>
+              </a:rPr>
+              <a:t>"Enter an expression: "</a:t>
+            </a:r>
+            <a:r>
+              <a:rPr lang="en-US" b="1">
+                <a:solidFill>
+                  <a:srgbClr val="000080"/>
+                </a:solidFill>
+                <a:highlight>
+                  <a:srgbClr val="FFFFFF"/>
+                </a:highlight>
+                <a:latin typeface="Consolas" panose="020B0609020204030204" charset="0"/>
+                <a:ea typeface="宋体" panose="02010600030101010101" pitchFamily="2" charset="-122"/>
+              </a:rPr>
+              <a:t>);</a:t>
+            </a:r>
+            <a:endParaRPr lang="en-US" b="0">
+              <a:solidFill>
+                <a:srgbClr val="000000"/>
+              </a:solidFill>
+              <a:highlight>
+                <a:srgbClr val="FFFFFF"/>
+              </a:highlight>
+              <a:latin typeface="Consolas" panose="020B0609020204030204" charset="0"/>
+              <a:ea typeface="宋体" panose="02010600030101010101" pitchFamily="2" charset="-122"/>
+            </a:endParaRPr>
+          </a:p>
+          <a:p>
+            <a:pPr indent="0"/>
+            <a:r>
+              <a:rPr lang="en-US" b="0">
+                <a:solidFill>
+                  <a:srgbClr val="000000"/>
+                </a:solidFill>
+                <a:highlight>
+                  <a:srgbClr val="FFFFFF"/>
+                </a:highlight>
+                <a:latin typeface="Consolas" panose="020B0609020204030204" charset="0"/>
+                <a:ea typeface="宋体" panose="02010600030101010101" pitchFamily="2" charset="-122"/>
+              </a:rPr>
+              <a:t>scanf</a:t>
+            </a:r>
+            <a:r>
+              <a:rPr lang="en-US" b="1">
+                <a:solidFill>
+                  <a:srgbClr val="000080"/>
+                </a:solidFill>
+                <a:highlight>
+                  <a:srgbClr val="FFFFFF"/>
+                </a:highlight>
+                <a:latin typeface="Consolas" panose="020B0609020204030204" charset="0"/>
+                <a:ea typeface="宋体" panose="02010600030101010101" pitchFamily="2" charset="-122"/>
+              </a:rPr>
+              <a:t>(</a:t>
+            </a:r>
+            <a:r>
+              <a:rPr lang="en-US" b="0">
+                <a:solidFill>
+                  <a:srgbClr val="808080"/>
+                </a:solidFill>
+                <a:highlight>
+                  <a:srgbClr val="FFFFFF"/>
+                </a:highlight>
+                <a:latin typeface="Consolas" panose="020B0609020204030204" charset="0"/>
+                <a:ea typeface="宋体" panose="02010600030101010101" pitchFamily="2" charset="-122"/>
+              </a:rPr>
+              <a:t>"%d %c %d"</a:t>
+            </a:r>
+            <a:r>
+              <a:rPr lang="en-US" b="1">
+                <a:solidFill>
+                  <a:srgbClr val="000080"/>
+                </a:solidFill>
+                <a:highlight>
+                  <a:srgbClr val="FFFFFF"/>
+                </a:highlight>
+                <a:latin typeface="Consolas" panose="020B0609020204030204" charset="0"/>
+                <a:ea typeface="宋体" panose="02010600030101010101" pitchFamily="2" charset="-122"/>
+              </a:rPr>
+              <a:t>,</a:t>
+            </a:r>
+            <a:r>
+              <a:rPr lang="en-US" b="0">
+                <a:solidFill>
+                  <a:srgbClr val="000000"/>
+                </a:solidFill>
+                <a:highlight>
+                  <a:srgbClr val="FFFFFF"/>
+                </a:highlight>
+                <a:latin typeface="Consolas" panose="020B0609020204030204" charset="0"/>
+                <a:ea typeface="宋体" panose="02010600030101010101" pitchFamily="2" charset="-122"/>
+              </a:rPr>
+              <a:t> </a:t>
+            </a:r>
+            <a:r>
+              <a:rPr lang="en-US" b="1">
+                <a:solidFill>
+                  <a:srgbClr val="000080"/>
+                </a:solidFill>
+                <a:highlight>
+                  <a:srgbClr val="FFFFFF"/>
+                </a:highlight>
+                <a:latin typeface="Consolas" panose="020B0609020204030204" charset="0"/>
+                <a:ea typeface="宋体" panose="02010600030101010101" pitchFamily="2" charset="-122"/>
+              </a:rPr>
+              <a:t>&amp;</a:t>
+            </a:r>
+            <a:r>
+              <a:rPr lang="en-US" b="0">
+                <a:solidFill>
+                  <a:srgbClr val="000000"/>
+                </a:solidFill>
+                <a:highlight>
+                  <a:srgbClr val="FFFFFF"/>
+                </a:highlight>
+                <a:latin typeface="Consolas" panose="020B0609020204030204" charset="0"/>
+                <a:ea typeface="宋体" panose="02010600030101010101" pitchFamily="2" charset="-122"/>
+              </a:rPr>
+              <a:t>num1</a:t>
+            </a:r>
+            <a:r>
+              <a:rPr lang="en-US" b="1">
+                <a:solidFill>
+                  <a:srgbClr val="000080"/>
+                </a:solidFill>
+                <a:highlight>
+                  <a:srgbClr val="FFFFFF"/>
+                </a:highlight>
+                <a:latin typeface="Consolas" panose="020B0609020204030204" charset="0"/>
+                <a:ea typeface="宋体" panose="02010600030101010101" pitchFamily="2" charset="-122"/>
+              </a:rPr>
+              <a:t>,</a:t>
+            </a:r>
+            <a:r>
+              <a:rPr lang="en-US" b="0">
+                <a:solidFill>
+                  <a:srgbClr val="000000"/>
+                </a:solidFill>
+                <a:highlight>
+                  <a:srgbClr val="FFFFFF"/>
+                </a:highlight>
+                <a:latin typeface="Consolas" panose="020B0609020204030204" charset="0"/>
+                <a:ea typeface="宋体" panose="02010600030101010101" pitchFamily="2" charset="-122"/>
+              </a:rPr>
+              <a:t> </a:t>
+            </a:r>
+            <a:r>
+              <a:rPr lang="en-US" b="1">
+                <a:solidFill>
+                  <a:srgbClr val="000080"/>
+                </a:solidFill>
+                <a:highlight>
+                  <a:srgbClr val="FFFFFF"/>
+                </a:highlight>
+                <a:latin typeface="Consolas" panose="020B0609020204030204" charset="0"/>
+                <a:ea typeface="宋体" panose="02010600030101010101" pitchFamily="2" charset="-122"/>
+              </a:rPr>
+              <a:t>&amp;</a:t>
+            </a:r>
+            <a:r>
+              <a:rPr lang="en-US" b="0">
+                <a:solidFill>
+                  <a:srgbClr val="000000"/>
+                </a:solidFill>
+                <a:highlight>
+                  <a:srgbClr val="FFFFFF"/>
+                </a:highlight>
+                <a:latin typeface="Consolas" panose="020B0609020204030204" charset="0"/>
+                <a:ea typeface="宋体" panose="02010600030101010101" pitchFamily="2" charset="-122"/>
+              </a:rPr>
+              <a:t>operator</a:t>
+            </a:r>
+            <a:r>
+              <a:rPr lang="en-US" b="1">
+                <a:solidFill>
+                  <a:srgbClr val="000080"/>
+                </a:solidFill>
+                <a:highlight>
+                  <a:srgbClr val="FFFFFF"/>
+                </a:highlight>
+                <a:latin typeface="Consolas" panose="020B0609020204030204" charset="0"/>
+                <a:ea typeface="宋体" panose="02010600030101010101" pitchFamily="2" charset="-122"/>
+              </a:rPr>
+              <a:t>,</a:t>
+            </a:r>
+            <a:r>
+              <a:rPr lang="en-US" b="0">
+                <a:solidFill>
+                  <a:srgbClr val="000000"/>
+                </a:solidFill>
+                <a:highlight>
+                  <a:srgbClr val="FFFFFF"/>
+                </a:highlight>
+                <a:latin typeface="Consolas" panose="020B0609020204030204" charset="0"/>
+                <a:ea typeface="宋体" panose="02010600030101010101" pitchFamily="2" charset="-122"/>
+              </a:rPr>
+              <a:t> </a:t>
+            </a:r>
+            <a:r>
+              <a:rPr lang="en-US" b="1">
+                <a:solidFill>
+                  <a:srgbClr val="000080"/>
+                </a:solidFill>
+                <a:highlight>
+                  <a:srgbClr val="FFFFFF"/>
+                </a:highlight>
+                <a:latin typeface="Consolas" panose="020B0609020204030204" charset="0"/>
+                <a:ea typeface="宋体" panose="02010600030101010101" pitchFamily="2" charset="-122"/>
+              </a:rPr>
+              <a:t>&amp;</a:t>
+            </a:r>
+            <a:r>
+              <a:rPr lang="en-US" b="0">
+                <a:solidFill>
+                  <a:srgbClr val="000000"/>
+                </a:solidFill>
+                <a:highlight>
+                  <a:srgbClr val="FFFFFF"/>
+                </a:highlight>
+                <a:latin typeface="Consolas" panose="020B0609020204030204" charset="0"/>
+                <a:ea typeface="宋体" panose="02010600030101010101" pitchFamily="2" charset="-122"/>
+              </a:rPr>
+              <a:t> num2</a:t>
+            </a:r>
+            <a:r>
+              <a:rPr lang="en-US" b="1">
+                <a:solidFill>
+                  <a:srgbClr val="000080"/>
+                </a:solidFill>
+                <a:highlight>
+                  <a:srgbClr val="FFFFFF"/>
+                </a:highlight>
+                <a:latin typeface="Consolas" panose="020B0609020204030204" charset="0"/>
+                <a:ea typeface="宋体" panose="02010600030101010101" pitchFamily="2" charset="-122"/>
+              </a:rPr>
+              <a:t>);</a:t>
+            </a:r>
+            <a:endParaRPr lang="en-US" altLang="en-US" b="1">
+              <a:solidFill>
+                <a:srgbClr val="000080"/>
+              </a:solidFill>
+              <a:highlight>
+                <a:srgbClr val="FFFFFF"/>
+              </a:highlight>
+              <a:latin typeface="Consolas" panose="020B0609020204030204" charset="0"/>
+              <a:ea typeface="宋体" panose="02010600030101010101" pitchFamily="2" charset="-122"/>
+            </a:endParaRPr>
+          </a:p>
+        </p:txBody>
+      </p:sp>
+    </p:spTree>
+    <p:custDataLst>
+      <p:tags r:id="rId1"/>
+    </p:custDataLst>
+  </p:cSld>
+  <p:clrMapOvr>
+    <a:masterClrMapping/>
+  </p:clrMapOvr>
+</p:sld>
+</file>
+
+<file path=ppt/slides/slide18.xml><?xml version="1.0" encoding="utf-8"?>
+<p:sld xmlns:a="http://schemas.openxmlformats.org/drawingml/2006/main" xmlns:r="http://schemas.openxmlformats.org/officeDocument/2006/relationships" xmlns:p="http://schemas.openxmlformats.org/presentationml/2006/main">
+  <p:cSld>
+    <p:spTree>
+      <p:nvGrpSpPr>
+        <p:cNvPr id="1" name=""/>
+        <p:cNvGrpSpPr/>
+        <p:nvPr/>
+      </p:nvGrpSpPr>
+      <p:grpSpPr>
+        <a:xfrm>
+          <a:off x="0" y="0"/>
+          <a:ext cx="0" cy="0"/>
+          <a:chOff x="0" y="0"/>
+          <a:chExt cx="0" cy="0"/>
+        </a:xfrm>
+      </p:grpSpPr>
+      <p:sp>
+        <p:nvSpPr>
+          <p:cNvPr id="5" name="标题 4"/>
+          <p:cNvSpPr>
+            <a:spLocks noGrp="1"/>
+          </p:cNvSpPr>
+          <p:nvPr>
+            <p:ph type="title"/>
+            <p:custDataLst>
+              <p:tags r:id="rId2"/>
+            </p:custDataLst>
+          </p:nvPr>
+        </p:nvSpPr>
+        <p:spPr/>
+        <p:txBody>
+          <a:bodyPr>
+            <a:normAutofit fontScale="90000"/>
+          </a:bodyPr>
+          <a:lstStyle/>
+          <a:p>
+            <a:r>
+              <a:rPr lang="en-US"/>
+              <a:t>Demo</a:t>
+            </a:r>
+            <a:r>
+              <a:rPr lang="zh-CN" altLang="en-US"/>
+              <a:t>：计算器</a:t>
+            </a:r>
+          </a:p>
+        </p:txBody>
+      </p:sp>
+      <p:sp>
+        <p:nvSpPr>
+          <p:cNvPr id="2" name="文本框 1"/>
+          <p:cNvSpPr txBox="1"/>
+          <p:nvPr/>
+        </p:nvSpPr>
+        <p:spPr>
+          <a:xfrm>
+            <a:off x="687070" y="1153795"/>
+            <a:ext cx="7510780" cy="5077460"/>
+          </a:xfrm>
+          <a:prstGeom prst="rect">
+            <a:avLst/>
+          </a:prstGeom>
+          <a:noFill/>
+          <a:ln w="9525">
+            <a:noFill/>
+          </a:ln>
+        </p:spPr>
+        <p:txBody>
+          <a:bodyPr wrap="square">
+            <a:spAutoFit/>
+          </a:bodyPr>
+          <a:lstStyle/>
+          <a:p>
+            <a:pPr indent="0"/>
+            <a:r>
+              <a:rPr lang="en-US" b="1">
+                <a:solidFill>
+                  <a:srgbClr val="0000FF"/>
+                </a:solidFill>
+                <a:highlight>
+                  <a:srgbClr val="FFFFFF"/>
+                </a:highlight>
+                <a:latin typeface="Consolas" panose="020B0609020204030204" charset="0"/>
+                <a:ea typeface="宋体" panose="02010600030101010101" pitchFamily="2" charset="-122"/>
+              </a:rPr>
+              <a:t>switch</a:t>
+            </a:r>
+            <a:r>
+              <a:rPr lang="en-US" b="0">
+                <a:solidFill>
+                  <a:srgbClr val="000000"/>
+                </a:solidFill>
+                <a:highlight>
+                  <a:srgbClr val="FFFFFF"/>
+                </a:highlight>
+                <a:latin typeface="Consolas" panose="020B0609020204030204" charset="0"/>
+                <a:ea typeface="宋体" panose="02010600030101010101" pitchFamily="2" charset="-122"/>
+              </a:rPr>
+              <a:t> </a:t>
+            </a:r>
+            <a:r>
+              <a:rPr lang="en-US" b="1">
+                <a:solidFill>
+                  <a:srgbClr val="000080"/>
+                </a:solidFill>
+                <a:highlight>
+                  <a:srgbClr val="FFFFFF"/>
+                </a:highlight>
+                <a:latin typeface="Consolas" panose="020B0609020204030204" charset="0"/>
+                <a:ea typeface="宋体" panose="02010600030101010101" pitchFamily="2" charset="-122"/>
+              </a:rPr>
+              <a:t>(</a:t>
+            </a:r>
+            <a:r>
+              <a:rPr lang="en-US" b="0">
+                <a:solidFill>
+                  <a:srgbClr val="000000"/>
+                </a:solidFill>
+                <a:highlight>
+                  <a:srgbClr val="FFFFFF"/>
+                </a:highlight>
+                <a:latin typeface="Consolas" panose="020B0609020204030204" charset="0"/>
+                <a:ea typeface="宋体" panose="02010600030101010101" pitchFamily="2" charset="-122"/>
+              </a:rPr>
+              <a:t>operator</a:t>
+            </a:r>
+            <a:r>
+              <a:rPr lang="en-US" b="1">
+                <a:solidFill>
+                  <a:srgbClr val="000080"/>
+                </a:solidFill>
+                <a:highlight>
+                  <a:srgbClr val="FFFFFF"/>
+                </a:highlight>
+                <a:latin typeface="Consolas" panose="020B0609020204030204" charset="0"/>
+                <a:ea typeface="宋体" panose="02010600030101010101" pitchFamily="2" charset="-122"/>
+              </a:rPr>
+              <a:t>)</a:t>
+            </a:r>
+          </a:p>
+          <a:p>
+            <a:pPr indent="0"/>
+            <a:r>
+              <a:rPr lang="en-US" b="1">
+                <a:solidFill>
+                  <a:srgbClr val="000080"/>
+                </a:solidFill>
+                <a:highlight>
+                  <a:srgbClr val="FFFFFF"/>
+                </a:highlight>
+                <a:latin typeface="Consolas" panose="020B0609020204030204" charset="0"/>
+                <a:ea typeface="宋体" panose="02010600030101010101" pitchFamily="2" charset="-122"/>
+              </a:rPr>
+              <a:t>{</a:t>
+            </a:r>
+            <a:endParaRPr lang="en-US" b="1">
+              <a:solidFill>
+                <a:srgbClr val="0000FF"/>
+              </a:solidFill>
+              <a:highlight>
+                <a:srgbClr val="FFFFFF"/>
+              </a:highlight>
+              <a:latin typeface="Consolas" panose="020B0609020204030204" charset="0"/>
+              <a:ea typeface="宋体" panose="02010600030101010101" pitchFamily="2" charset="-122"/>
+            </a:endParaRPr>
+          </a:p>
+          <a:p>
+            <a:pPr indent="0"/>
+            <a:r>
+              <a:rPr lang="en-US" b="1">
+                <a:solidFill>
+                  <a:srgbClr val="0000FF"/>
+                </a:solidFill>
+                <a:highlight>
+                  <a:srgbClr val="FFFFFF"/>
+                </a:highlight>
+                <a:latin typeface="Consolas" panose="020B0609020204030204" charset="0"/>
+                <a:ea typeface="宋体" panose="02010600030101010101" pitchFamily="2" charset="-122"/>
+              </a:rPr>
+              <a:t>case</a:t>
+            </a:r>
+            <a:r>
+              <a:rPr lang="en-US" b="0">
+                <a:solidFill>
+                  <a:srgbClr val="000000"/>
+                </a:solidFill>
+                <a:highlight>
+                  <a:srgbClr val="FFFFFF"/>
+                </a:highlight>
+                <a:latin typeface="Consolas" panose="020B0609020204030204" charset="0"/>
+                <a:ea typeface="宋体" panose="02010600030101010101" pitchFamily="2" charset="-122"/>
+              </a:rPr>
+              <a:t> </a:t>
+            </a:r>
+            <a:r>
+              <a:rPr lang="en-US" b="0">
+                <a:solidFill>
+                  <a:srgbClr val="808080"/>
+                </a:solidFill>
+                <a:highlight>
+                  <a:srgbClr val="FFFFFF"/>
+                </a:highlight>
+                <a:latin typeface="Consolas" panose="020B0609020204030204" charset="0"/>
+                <a:ea typeface="宋体" panose="02010600030101010101" pitchFamily="2" charset="-122"/>
+              </a:rPr>
+              <a:t>'+'</a:t>
+            </a:r>
+            <a:r>
+              <a:rPr lang="en-US" b="1">
+                <a:solidFill>
+                  <a:srgbClr val="000080"/>
+                </a:solidFill>
+                <a:highlight>
+                  <a:srgbClr val="FFFFFF"/>
+                </a:highlight>
+                <a:latin typeface="Consolas" panose="020B0609020204030204" charset="0"/>
+                <a:ea typeface="宋体" panose="02010600030101010101" pitchFamily="2" charset="-122"/>
+              </a:rPr>
+              <a:t>:</a:t>
+            </a:r>
+            <a:endParaRPr lang="en-US" b="0">
+              <a:solidFill>
+                <a:srgbClr val="000000"/>
+              </a:solidFill>
+              <a:highlight>
+                <a:srgbClr val="FFFFFF"/>
+              </a:highlight>
+              <a:latin typeface="Consolas" panose="020B0609020204030204" charset="0"/>
+              <a:ea typeface="宋体" panose="02010600030101010101" pitchFamily="2" charset="-122"/>
+            </a:endParaRPr>
+          </a:p>
+          <a:p>
+            <a:pPr indent="0"/>
+            <a:r>
+              <a:rPr lang="en-US" b="0">
+                <a:solidFill>
+                  <a:srgbClr val="000000"/>
+                </a:solidFill>
+                <a:highlight>
+                  <a:srgbClr val="FFFFFF"/>
+                </a:highlight>
+                <a:latin typeface="Consolas" panose="020B0609020204030204" charset="0"/>
+                <a:ea typeface="宋体" panose="02010600030101010101" pitchFamily="2" charset="-122"/>
+              </a:rPr>
+              <a:t>	printf</a:t>
+            </a:r>
+            <a:r>
+              <a:rPr lang="en-US" b="1">
+                <a:solidFill>
+                  <a:srgbClr val="000080"/>
+                </a:solidFill>
+                <a:highlight>
+                  <a:srgbClr val="FFFFFF"/>
+                </a:highlight>
+                <a:latin typeface="Consolas" panose="020B0609020204030204" charset="0"/>
+                <a:ea typeface="宋体" panose="02010600030101010101" pitchFamily="2" charset="-122"/>
+              </a:rPr>
+              <a:t>(</a:t>
+            </a:r>
+            <a:r>
+              <a:rPr lang="en-US" b="0">
+                <a:solidFill>
+                  <a:srgbClr val="808080"/>
+                </a:solidFill>
+                <a:highlight>
+                  <a:srgbClr val="FFFFFF"/>
+                </a:highlight>
+                <a:latin typeface="Consolas" panose="020B0609020204030204" charset="0"/>
+                <a:ea typeface="宋体" panose="02010600030101010101" pitchFamily="2" charset="-122"/>
+              </a:rPr>
+              <a:t>"%d + %d = %d\n"</a:t>
+            </a:r>
+            <a:r>
+              <a:rPr lang="en-US" b="1">
+                <a:solidFill>
+                  <a:srgbClr val="000080"/>
+                </a:solidFill>
+                <a:highlight>
+                  <a:srgbClr val="FFFFFF"/>
+                </a:highlight>
+                <a:latin typeface="Consolas" panose="020B0609020204030204" charset="0"/>
+                <a:ea typeface="宋体" panose="02010600030101010101" pitchFamily="2" charset="-122"/>
+              </a:rPr>
+              <a:t>,</a:t>
+            </a:r>
+            <a:r>
+              <a:rPr lang="en-US" b="0">
+                <a:solidFill>
+                  <a:srgbClr val="000000"/>
+                </a:solidFill>
+                <a:highlight>
+                  <a:srgbClr val="FFFFFF"/>
+                </a:highlight>
+                <a:latin typeface="Consolas" panose="020B0609020204030204" charset="0"/>
+                <a:ea typeface="宋体" panose="02010600030101010101" pitchFamily="2" charset="-122"/>
+              </a:rPr>
+              <a:t> num1</a:t>
+            </a:r>
+            <a:r>
+              <a:rPr lang="en-US" b="1">
+                <a:solidFill>
+                  <a:srgbClr val="000080"/>
+                </a:solidFill>
+                <a:highlight>
+                  <a:srgbClr val="FFFFFF"/>
+                </a:highlight>
+                <a:latin typeface="Consolas" panose="020B0609020204030204" charset="0"/>
+                <a:ea typeface="宋体" panose="02010600030101010101" pitchFamily="2" charset="-122"/>
+              </a:rPr>
+              <a:t>,</a:t>
+            </a:r>
+            <a:r>
+              <a:rPr lang="en-US" b="0">
+                <a:solidFill>
+                  <a:srgbClr val="000000"/>
+                </a:solidFill>
+                <a:highlight>
+                  <a:srgbClr val="FFFFFF"/>
+                </a:highlight>
+                <a:latin typeface="Consolas" panose="020B0609020204030204" charset="0"/>
+                <a:ea typeface="宋体" panose="02010600030101010101" pitchFamily="2" charset="-122"/>
+              </a:rPr>
+              <a:t> num2</a:t>
+            </a:r>
+            <a:r>
+              <a:rPr lang="en-US" b="1">
+                <a:solidFill>
+                  <a:srgbClr val="000080"/>
+                </a:solidFill>
+                <a:highlight>
+                  <a:srgbClr val="FFFFFF"/>
+                </a:highlight>
+                <a:latin typeface="Consolas" panose="020B0609020204030204" charset="0"/>
+                <a:ea typeface="宋体" panose="02010600030101010101" pitchFamily="2" charset="-122"/>
+              </a:rPr>
+              <a:t>,</a:t>
+            </a:r>
+            <a:r>
+              <a:rPr lang="en-US" b="0">
+                <a:solidFill>
+                  <a:srgbClr val="000000"/>
+                </a:solidFill>
+                <a:highlight>
+                  <a:srgbClr val="FFFFFF"/>
+                </a:highlight>
+                <a:latin typeface="Consolas" panose="020B0609020204030204" charset="0"/>
+                <a:ea typeface="宋体" panose="02010600030101010101" pitchFamily="2" charset="-122"/>
+              </a:rPr>
+              <a:t> num1 </a:t>
+            </a:r>
+            <a:r>
+              <a:rPr lang="en-US" b="1">
+                <a:solidFill>
+                  <a:srgbClr val="000080"/>
+                </a:solidFill>
+                <a:highlight>
+                  <a:srgbClr val="FFFFFF"/>
+                </a:highlight>
+                <a:latin typeface="Consolas" panose="020B0609020204030204" charset="0"/>
+                <a:ea typeface="宋体" panose="02010600030101010101" pitchFamily="2" charset="-122"/>
+              </a:rPr>
+              <a:t>+</a:t>
+            </a:r>
+            <a:r>
+              <a:rPr lang="en-US" b="0">
+                <a:solidFill>
+                  <a:srgbClr val="000000"/>
+                </a:solidFill>
+                <a:highlight>
+                  <a:srgbClr val="FFFFFF"/>
+                </a:highlight>
+                <a:latin typeface="Consolas" panose="020B0609020204030204" charset="0"/>
+                <a:ea typeface="宋体" panose="02010600030101010101" pitchFamily="2" charset="-122"/>
+              </a:rPr>
+              <a:t> num2</a:t>
+            </a:r>
+            <a:r>
+              <a:rPr lang="en-US" b="1">
+                <a:solidFill>
+                  <a:srgbClr val="000080"/>
+                </a:solidFill>
+                <a:highlight>
+                  <a:srgbClr val="FFFFFF"/>
+                </a:highlight>
+                <a:latin typeface="Consolas" panose="020B0609020204030204" charset="0"/>
+                <a:ea typeface="宋体" panose="02010600030101010101" pitchFamily="2" charset="-122"/>
+              </a:rPr>
+              <a:t>);</a:t>
+            </a:r>
+            <a:endParaRPr lang="en-US" b="0">
+              <a:solidFill>
+                <a:srgbClr val="000000"/>
+              </a:solidFill>
+              <a:highlight>
+                <a:srgbClr val="FFFFFF"/>
+              </a:highlight>
+              <a:latin typeface="Consolas" panose="020B0609020204030204" charset="0"/>
+              <a:ea typeface="宋体" panose="02010600030101010101" pitchFamily="2" charset="-122"/>
+            </a:endParaRPr>
+          </a:p>
+          <a:p>
+            <a:pPr indent="0"/>
+            <a:r>
+              <a:rPr lang="en-US" b="0">
+                <a:solidFill>
+                  <a:srgbClr val="000000"/>
+                </a:solidFill>
+                <a:highlight>
+                  <a:srgbClr val="FFFFFF"/>
+                </a:highlight>
+                <a:latin typeface="Consolas" panose="020B0609020204030204" charset="0"/>
+                <a:ea typeface="宋体" panose="02010600030101010101" pitchFamily="2" charset="-122"/>
+              </a:rPr>
+              <a:t>	</a:t>
+            </a:r>
+            <a:r>
+              <a:rPr lang="en-US" b="1">
+                <a:solidFill>
+                  <a:srgbClr val="0000FF"/>
+                </a:solidFill>
+                <a:highlight>
+                  <a:srgbClr val="FFFFFF"/>
+                </a:highlight>
+                <a:latin typeface="Consolas" panose="020B0609020204030204" charset="0"/>
+                <a:ea typeface="宋体" panose="02010600030101010101" pitchFamily="2" charset="-122"/>
+              </a:rPr>
+              <a:t>break</a:t>
+            </a:r>
+            <a:r>
+              <a:rPr lang="en-US" b="1">
+                <a:solidFill>
+                  <a:srgbClr val="000080"/>
+                </a:solidFill>
+                <a:highlight>
+                  <a:srgbClr val="FFFFFF"/>
+                </a:highlight>
+                <a:latin typeface="Consolas" panose="020B0609020204030204" charset="0"/>
+                <a:ea typeface="宋体" panose="02010600030101010101" pitchFamily="2" charset="-122"/>
+              </a:rPr>
+              <a:t>;</a:t>
+            </a:r>
+            <a:endParaRPr lang="en-US" b="1">
+              <a:solidFill>
+                <a:srgbClr val="0000FF"/>
+              </a:solidFill>
+              <a:highlight>
+                <a:srgbClr val="FFFFFF"/>
+              </a:highlight>
+              <a:latin typeface="Consolas" panose="020B0609020204030204" charset="0"/>
+              <a:ea typeface="宋体" panose="02010600030101010101" pitchFamily="2" charset="-122"/>
+            </a:endParaRPr>
+          </a:p>
+          <a:p>
+            <a:pPr indent="0"/>
+            <a:r>
+              <a:rPr lang="en-US" b="1">
+                <a:solidFill>
+                  <a:srgbClr val="0000FF"/>
+                </a:solidFill>
+                <a:highlight>
+                  <a:srgbClr val="FFFFFF"/>
+                </a:highlight>
+                <a:latin typeface="Consolas" panose="020B0609020204030204" charset="0"/>
+                <a:ea typeface="宋体" panose="02010600030101010101" pitchFamily="2" charset="-122"/>
+              </a:rPr>
+              <a:t>case</a:t>
+            </a:r>
+            <a:r>
+              <a:rPr lang="en-US" b="0">
+                <a:solidFill>
+                  <a:srgbClr val="000000"/>
+                </a:solidFill>
+                <a:highlight>
+                  <a:srgbClr val="FFFFFF"/>
+                </a:highlight>
+                <a:latin typeface="Consolas" panose="020B0609020204030204" charset="0"/>
+                <a:ea typeface="宋体" panose="02010600030101010101" pitchFamily="2" charset="-122"/>
+              </a:rPr>
+              <a:t> </a:t>
+            </a:r>
+            <a:r>
+              <a:rPr lang="en-US" b="0">
+                <a:solidFill>
+                  <a:srgbClr val="808080"/>
+                </a:solidFill>
+                <a:highlight>
+                  <a:srgbClr val="FFFFFF"/>
+                </a:highlight>
+                <a:latin typeface="Consolas" panose="020B0609020204030204" charset="0"/>
+                <a:ea typeface="宋体" panose="02010600030101010101" pitchFamily="2" charset="-122"/>
+              </a:rPr>
+              <a:t>'-'</a:t>
+            </a:r>
+            <a:r>
+              <a:rPr lang="en-US" b="1">
+                <a:solidFill>
+                  <a:srgbClr val="000080"/>
+                </a:solidFill>
+                <a:highlight>
+                  <a:srgbClr val="FFFFFF"/>
+                </a:highlight>
+                <a:latin typeface="Consolas" panose="020B0609020204030204" charset="0"/>
+                <a:ea typeface="宋体" panose="02010600030101010101" pitchFamily="2" charset="-122"/>
+              </a:rPr>
+              <a:t>:</a:t>
+            </a:r>
+            <a:endParaRPr lang="en-US" b="0">
+              <a:solidFill>
+                <a:srgbClr val="000000"/>
+              </a:solidFill>
+              <a:highlight>
+                <a:srgbClr val="FFFFFF"/>
+              </a:highlight>
+              <a:latin typeface="Consolas" panose="020B0609020204030204" charset="0"/>
+              <a:ea typeface="宋体" panose="02010600030101010101" pitchFamily="2" charset="-122"/>
+            </a:endParaRPr>
+          </a:p>
+          <a:p>
+            <a:pPr indent="0"/>
+            <a:r>
+              <a:rPr lang="en-US" b="0">
+                <a:solidFill>
+                  <a:srgbClr val="000000"/>
+                </a:solidFill>
+                <a:highlight>
+                  <a:srgbClr val="FFFFFF"/>
+                </a:highlight>
+                <a:latin typeface="Consolas" panose="020B0609020204030204" charset="0"/>
+                <a:ea typeface="宋体" panose="02010600030101010101" pitchFamily="2" charset="-122"/>
+              </a:rPr>
+              <a:t>	printf</a:t>
+            </a:r>
+            <a:r>
+              <a:rPr lang="en-US" b="1">
+                <a:solidFill>
+                  <a:srgbClr val="000080"/>
+                </a:solidFill>
+                <a:highlight>
+                  <a:srgbClr val="FFFFFF"/>
+                </a:highlight>
+                <a:latin typeface="Consolas" panose="020B0609020204030204" charset="0"/>
+                <a:ea typeface="宋体" panose="02010600030101010101" pitchFamily="2" charset="-122"/>
+              </a:rPr>
+              <a:t>(</a:t>
+            </a:r>
+            <a:r>
+              <a:rPr lang="en-US" b="0">
+                <a:solidFill>
+                  <a:srgbClr val="808080"/>
+                </a:solidFill>
+                <a:highlight>
+                  <a:srgbClr val="FFFFFF"/>
+                </a:highlight>
+                <a:latin typeface="Consolas" panose="020B0609020204030204" charset="0"/>
+                <a:ea typeface="宋体" panose="02010600030101010101" pitchFamily="2" charset="-122"/>
+              </a:rPr>
+              <a:t>"%d - %d = %d\n"</a:t>
+            </a:r>
+            <a:r>
+              <a:rPr lang="en-US" b="1">
+                <a:solidFill>
+                  <a:srgbClr val="000080"/>
+                </a:solidFill>
+                <a:highlight>
+                  <a:srgbClr val="FFFFFF"/>
+                </a:highlight>
+                <a:latin typeface="Consolas" panose="020B0609020204030204" charset="0"/>
+                <a:ea typeface="宋体" panose="02010600030101010101" pitchFamily="2" charset="-122"/>
+              </a:rPr>
+              <a:t>,</a:t>
+            </a:r>
+            <a:r>
+              <a:rPr lang="en-US" b="0">
+                <a:solidFill>
+                  <a:srgbClr val="000000"/>
+                </a:solidFill>
+                <a:highlight>
+                  <a:srgbClr val="FFFFFF"/>
+                </a:highlight>
+                <a:latin typeface="Consolas" panose="020B0609020204030204" charset="0"/>
+                <a:ea typeface="宋体" panose="02010600030101010101" pitchFamily="2" charset="-122"/>
+              </a:rPr>
+              <a:t> num1</a:t>
+            </a:r>
+            <a:r>
+              <a:rPr lang="en-US" b="1">
+                <a:solidFill>
+                  <a:srgbClr val="000080"/>
+                </a:solidFill>
+                <a:highlight>
+                  <a:srgbClr val="FFFFFF"/>
+                </a:highlight>
+                <a:latin typeface="Consolas" panose="020B0609020204030204" charset="0"/>
+                <a:ea typeface="宋体" panose="02010600030101010101" pitchFamily="2" charset="-122"/>
+              </a:rPr>
+              <a:t>,</a:t>
+            </a:r>
+            <a:r>
+              <a:rPr lang="en-US" b="0">
+                <a:solidFill>
+                  <a:srgbClr val="000000"/>
+                </a:solidFill>
+                <a:highlight>
+                  <a:srgbClr val="FFFFFF"/>
+                </a:highlight>
+                <a:latin typeface="Consolas" panose="020B0609020204030204" charset="0"/>
+                <a:ea typeface="宋体" panose="02010600030101010101" pitchFamily="2" charset="-122"/>
+              </a:rPr>
+              <a:t> num2</a:t>
+            </a:r>
+            <a:r>
+              <a:rPr lang="en-US" b="1">
+                <a:solidFill>
+                  <a:srgbClr val="000080"/>
+                </a:solidFill>
+                <a:highlight>
+                  <a:srgbClr val="FFFFFF"/>
+                </a:highlight>
+                <a:latin typeface="Consolas" panose="020B0609020204030204" charset="0"/>
+                <a:ea typeface="宋体" panose="02010600030101010101" pitchFamily="2" charset="-122"/>
+              </a:rPr>
+              <a:t>,</a:t>
+            </a:r>
+            <a:r>
+              <a:rPr lang="en-US" b="0">
+                <a:solidFill>
+                  <a:srgbClr val="000000"/>
+                </a:solidFill>
+                <a:highlight>
+                  <a:srgbClr val="FFFFFF"/>
+                </a:highlight>
+                <a:latin typeface="Consolas" panose="020B0609020204030204" charset="0"/>
+                <a:ea typeface="宋体" panose="02010600030101010101" pitchFamily="2" charset="-122"/>
+              </a:rPr>
+              <a:t> num1 </a:t>
+            </a:r>
+            <a:r>
+              <a:rPr lang="en-US" b="1">
+                <a:solidFill>
+                  <a:srgbClr val="000080"/>
+                </a:solidFill>
+                <a:highlight>
+                  <a:srgbClr val="FFFFFF"/>
+                </a:highlight>
+                <a:latin typeface="Consolas" panose="020B0609020204030204" charset="0"/>
+                <a:ea typeface="宋体" panose="02010600030101010101" pitchFamily="2" charset="-122"/>
+              </a:rPr>
+              <a:t>-</a:t>
+            </a:r>
+            <a:r>
+              <a:rPr lang="en-US" b="0">
+                <a:solidFill>
+                  <a:srgbClr val="000000"/>
+                </a:solidFill>
+                <a:highlight>
+                  <a:srgbClr val="FFFFFF"/>
+                </a:highlight>
+                <a:latin typeface="Consolas" panose="020B0609020204030204" charset="0"/>
+                <a:ea typeface="宋体" panose="02010600030101010101" pitchFamily="2" charset="-122"/>
+              </a:rPr>
+              <a:t> num2</a:t>
+            </a:r>
+            <a:r>
+              <a:rPr lang="en-US" b="1">
+                <a:solidFill>
+                  <a:srgbClr val="000080"/>
+                </a:solidFill>
+                <a:highlight>
+                  <a:srgbClr val="FFFFFF"/>
+                </a:highlight>
+                <a:latin typeface="Consolas" panose="020B0609020204030204" charset="0"/>
+                <a:ea typeface="宋体" panose="02010600030101010101" pitchFamily="2" charset="-122"/>
+              </a:rPr>
+              <a:t>);</a:t>
+            </a:r>
+            <a:endParaRPr lang="en-US" b="0">
+              <a:solidFill>
+                <a:srgbClr val="000000"/>
+              </a:solidFill>
+              <a:highlight>
+                <a:srgbClr val="FFFFFF"/>
+              </a:highlight>
+              <a:latin typeface="Consolas" panose="020B0609020204030204" charset="0"/>
+              <a:ea typeface="宋体" panose="02010600030101010101" pitchFamily="2" charset="-122"/>
+            </a:endParaRPr>
+          </a:p>
+          <a:p>
+            <a:pPr indent="0"/>
+            <a:r>
+              <a:rPr lang="en-US" b="0">
+                <a:solidFill>
+                  <a:srgbClr val="000000"/>
+                </a:solidFill>
+                <a:highlight>
+                  <a:srgbClr val="FFFFFF"/>
+                </a:highlight>
+                <a:latin typeface="Consolas" panose="020B0609020204030204" charset="0"/>
+                <a:ea typeface="宋体" panose="02010600030101010101" pitchFamily="2" charset="-122"/>
+              </a:rPr>
+              <a:t>	</a:t>
+            </a:r>
+            <a:r>
+              <a:rPr lang="en-US" b="1">
+                <a:solidFill>
+                  <a:srgbClr val="0000FF"/>
+                </a:solidFill>
+                <a:highlight>
+                  <a:srgbClr val="FFFFFF"/>
+                </a:highlight>
+                <a:latin typeface="Consolas" panose="020B0609020204030204" charset="0"/>
+                <a:ea typeface="宋体" panose="02010600030101010101" pitchFamily="2" charset="-122"/>
+              </a:rPr>
+              <a:t>break</a:t>
+            </a:r>
+            <a:r>
+              <a:rPr lang="en-US" b="1">
+                <a:solidFill>
+                  <a:srgbClr val="000080"/>
+                </a:solidFill>
+                <a:highlight>
+                  <a:srgbClr val="FFFFFF"/>
+                </a:highlight>
+                <a:latin typeface="Consolas" panose="020B0609020204030204" charset="0"/>
+                <a:ea typeface="宋体" panose="02010600030101010101" pitchFamily="2" charset="-122"/>
+              </a:rPr>
+              <a:t>;</a:t>
+            </a:r>
+            <a:endParaRPr lang="en-US" b="1">
+              <a:solidFill>
+                <a:srgbClr val="0000FF"/>
+              </a:solidFill>
+              <a:highlight>
+                <a:srgbClr val="FFFFFF"/>
+              </a:highlight>
+              <a:latin typeface="Consolas" panose="020B0609020204030204" charset="0"/>
+              <a:ea typeface="宋体" panose="02010600030101010101" pitchFamily="2" charset="-122"/>
+            </a:endParaRPr>
+          </a:p>
+          <a:p>
+            <a:pPr indent="0"/>
+            <a:r>
+              <a:rPr lang="en-US" b="1">
+                <a:solidFill>
+                  <a:srgbClr val="0000FF"/>
+                </a:solidFill>
+                <a:highlight>
+                  <a:srgbClr val="FFFFFF"/>
+                </a:highlight>
+                <a:latin typeface="Consolas" panose="020B0609020204030204" charset="0"/>
+                <a:ea typeface="宋体" panose="02010600030101010101" pitchFamily="2" charset="-122"/>
+              </a:rPr>
+              <a:t>case</a:t>
+            </a:r>
+            <a:r>
+              <a:rPr lang="en-US" b="0">
+                <a:solidFill>
+                  <a:srgbClr val="000000"/>
+                </a:solidFill>
+                <a:highlight>
+                  <a:srgbClr val="FFFFFF"/>
+                </a:highlight>
+                <a:latin typeface="Consolas" panose="020B0609020204030204" charset="0"/>
+                <a:ea typeface="宋体" panose="02010600030101010101" pitchFamily="2" charset="-122"/>
+              </a:rPr>
+              <a:t> </a:t>
+            </a:r>
+            <a:r>
+              <a:rPr lang="en-US" b="0">
+                <a:solidFill>
+                  <a:srgbClr val="808080"/>
+                </a:solidFill>
+                <a:highlight>
+                  <a:srgbClr val="FFFFFF"/>
+                </a:highlight>
+                <a:latin typeface="Consolas" panose="020B0609020204030204" charset="0"/>
+                <a:ea typeface="宋体" panose="02010600030101010101" pitchFamily="2" charset="-122"/>
+              </a:rPr>
+              <a:t>'*'</a:t>
+            </a:r>
+            <a:r>
+              <a:rPr lang="en-US" b="1">
+                <a:solidFill>
+                  <a:srgbClr val="000080"/>
+                </a:solidFill>
+                <a:highlight>
+                  <a:srgbClr val="FFFFFF"/>
+                </a:highlight>
+                <a:latin typeface="Consolas" panose="020B0609020204030204" charset="0"/>
+                <a:ea typeface="宋体" panose="02010600030101010101" pitchFamily="2" charset="-122"/>
+              </a:rPr>
+              <a:t>:</a:t>
+            </a:r>
+            <a:endParaRPr lang="en-US" b="0">
+              <a:solidFill>
+                <a:srgbClr val="000000"/>
+              </a:solidFill>
+              <a:highlight>
+                <a:srgbClr val="FFFFFF"/>
+              </a:highlight>
+              <a:latin typeface="Consolas" panose="020B0609020204030204" charset="0"/>
+              <a:ea typeface="宋体" panose="02010600030101010101" pitchFamily="2" charset="-122"/>
+            </a:endParaRPr>
+          </a:p>
+          <a:p>
+            <a:pPr indent="0"/>
+            <a:r>
+              <a:rPr lang="en-US" b="0">
+                <a:solidFill>
+                  <a:srgbClr val="000000"/>
+                </a:solidFill>
+                <a:highlight>
+                  <a:srgbClr val="FFFFFF"/>
+                </a:highlight>
+                <a:latin typeface="Consolas" panose="020B0609020204030204" charset="0"/>
+                <a:ea typeface="宋体" panose="02010600030101010101" pitchFamily="2" charset="-122"/>
+              </a:rPr>
+              <a:t>	printf</a:t>
+            </a:r>
+            <a:r>
+              <a:rPr lang="en-US" b="1">
+                <a:solidFill>
+                  <a:srgbClr val="000080"/>
+                </a:solidFill>
+                <a:highlight>
+                  <a:srgbClr val="FFFFFF"/>
+                </a:highlight>
+                <a:latin typeface="Consolas" panose="020B0609020204030204" charset="0"/>
+                <a:ea typeface="宋体" panose="02010600030101010101" pitchFamily="2" charset="-122"/>
+              </a:rPr>
+              <a:t>(</a:t>
+            </a:r>
+            <a:r>
+              <a:rPr lang="en-US" b="0">
+                <a:solidFill>
+                  <a:srgbClr val="808080"/>
+                </a:solidFill>
+                <a:highlight>
+                  <a:srgbClr val="FFFFFF"/>
+                </a:highlight>
+                <a:latin typeface="Consolas" panose="020B0609020204030204" charset="0"/>
+                <a:ea typeface="宋体" panose="02010600030101010101" pitchFamily="2" charset="-122"/>
+              </a:rPr>
+              <a:t>"%d * %d = %d\n"</a:t>
+            </a:r>
+            <a:r>
+              <a:rPr lang="en-US" b="1">
+                <a:solidFill>
+                  <a:srgbClr val="000080"/>
+                </a:solidFill>
+                <a:highlight>
+                  <a:srgbClr val="FFFFFF"/>
+                </a:highlight>
+                <a:latin typeface="Consolas" panose="020B0609020204030204" charset="0"/>
+                <a:ea typeface="宋体" panose="02010600030101010101" pitchFamily="2" charset="-122"/>
+              </a:rPr>
+              <a:t>,</a:t>
+            </a:r>
+            <a:r>
+              <a:rPr lang="en-US" b="0">
+                <a:solidFill>
+                  <a:srgbClr val="000000"/>
+                </a:solidFill>
+                <a:highlight>
+                  <a:srgbClr val="FFFFFF"/>
+                </a:highlight>
+                <a:latin typeface="Consolas" panose="020B0609020204030204" charset="0"/>
+                <a:ea typeface="宋体" panose="02010600030101010101" pitchFamily="2" charset="-122"/>
+              </a:rPr>
+              <a:t> num1</a:t>
+            </a:r>
+            <a:r>
+              <a:rPr lang="en-US" b="1">
+                <a:solidFill>
+                  <a:srgbClr val="000080"/>
+                </a:solidFill>
+                <a:highlight>
+                  <a:srgbClr val="FFFFFF"/>
+                </a:highlight>
+                <a:latin typeface="Consolas" panose="020B0609020204030204" charset="0"/>
+                <a:ea typeface="宋体" panose="02010600030101010101" pitchFamily="2" charset="-122"/>
+              </a:rPr>
+              <a:t>,</a:t>
+            </a:r>
+            <a:r>
+              <a:rPr lang="en-US" b="0">
+                <a:solidFill>
+                  <a:srgbClr val="000000"/>
+                </a:solidFill>
+                <a:highlight>
+                  <a:srgbClr val="FFFFFF"/>
+                </a:highlight>
+                <a:latin typeface="Consolas" panose="020B0609020204030204" charset="0"/>
+                <a:ea typeface="宋体" panose="02010600030101010101" pitchFamily="2" charset="-122"/>
+              </a:rPr>
+              <a:t> num2</a:t>
+            </a:r>
+            <a:r>
+              <a:rPr lang="en-US" b="1">
+                <a:solidFill>
+                  <a:srgbClr val="000080"/>
+                </a:solidFill>
+                <a:highlight>
+                  <a:srgbClr val="FFFFFF"/>
+                </a:highlight>
+                <a:latin typeface="Consolas" panose="020B0609020204030204" charset="0"/>
+                <a:ea typeface="宋体" panose="02010600030101010101" pitchFamily="2" charset="-122"/>
+              </a:rPr>
+              <a:t>,</a:t>
+            </a:r>
+            <a:r>
+              <a:rPr lang="en-US" b="0">
+                <a:solidFill>
+                  <a:srgbClr val="000000"/>
+                </a:solidFill>
+                <a:highlight>
+                  <a:srgbClr val="FFFFFF"/>
+                </a:highlight>
+                <a:latin typeface="Consolas" panose="020B0609020204030204" charset="0"/>
+                <a:ea typeface="宋体" panose="02010600030101010101" pitchFamily="2" charset="-122"/>
+              </a:rPr>
+              <a:t> num1 </a:t>
+            </a:r>
+            <a:r>
+              <a:rPr lang="en-US" b="1">
+                <a:solidFill>
+                  <a:srgbClr val="000080"/>
+                </a:solidFill>
+                <a:highlight>
+                  <a:srgbClr val="FFFFFF"/>
+                </a:highlight>
+                <a:latin typeface="Consolas" panose="020B0609020204030204" charset="0"/>
+                <a:ea typeface="宋体" panose="02010600030101010101" pitchFamily="2" charset="-122"/>
+              </a:rPr>
+              <a:t>*</a:t>
+            </a:r>
+            <a:r>
+              <a:rPr lang="en-US" b="0">
+                <a:solidFill>
+                  <a:srgbClr val="000000"/>
+                </a:solidFill>
+                <a:highlight>
+                  <a:srgbClr val="FFFFFF"/>
+                </a:highlight>
+                <a:latin typeface="Consolas" panose="020B0609020204030204" charset="0"/>
+                <a:ea typeface="宋体" panose="02010600030101010101" pitchFamily="2" charset="-122"/>
+              </a:rPr>
+              <a:t> num2</a:t>
+            </a:r>
+            <a:r>
+              <a:rPr lang="en-US" b="1">
+                <a:solidFill>
+                  <a:srgbClr val="000080"/>
+                </a:solidFill>
+                <a:highlight>
+                  <a:srgbClr val="FFFFFF"/>
+                </a:highlight>
+                <a:latin typeface="Consolas" panose="020B0609020204030204" charset="0"/>
+                <a:ea typeface="宋体" panose="02010600030101010101" pitchFamily="2" charset="-122"/>
+              </a:rPr>
+              <a:t>);</a:t>
+            </a:r>
+            <a:endParaRPr lang="en-US" b="0">
+              <a:solidFill>
+                <a:srgbClr val="000000"/>
+              </a:solidFill>
+              <a:highlight>
+                <a:srgbClr val="FFFFFF"/>
+              </a:highlight>
+              <a:latin typeface="Consolas" panose="020B0609020204030204" charset="0"/>
+              <a:ea typeface="宋体" panose="02010600030101010101" pitchFamily="2" charset="-122"/>
+            </a:endParaRPr>
+          </a:p>
+          <a:p>
+            <a:pPr indent="0"/>
+            <a:r>
+              <a:rPr lang="en-US" b="0">
+                <a:solidFill>
+                  <a:srgbClr val="000000"/>
+                </a:solidFill>
+                <a:highlight>
+                  <a:srgbClr val="FFFFFF"/>
+                </a:highlight>
+                <a:latin typeface="Consolas" panose="020B0609020204030204" charset="0"/>
+                <a:ea typeface="宋体" panose="02010600030101010101" pitchFamily="2" charset="-122"/>
+              </a:rPr>
+              <a:t>	</a:t>
+            </a:r>
+            <a:r>
+              <a:rPr lang="en-US" b="1">
+                <a:solidFill>
+                  <a:srgbClr val="0000FF"/>
+                </a:solidFill>
+                <a:highlight>
+                  <a:srgbClr val="FFFFFF"/>
+                </a:highlight>
+                <a:latin typeface="Consolas" panose="020B0609020204030204" charset="0"/>
+                <a:ea typeface="宋体" panose="02010600030101010101" pitchFamily="2" charset="-122"/>
+              </a:rPr>
+              <a:t>break</a:t>
+            </a:r>
+            <a:r>
+              <a:rPr lang="en-US" b="1">
+                <a:solidFill>
+                  <a:srgbClr val="000080"/>
+                </a:solidFill>
+                <a:highlight>
+                  <a:srgbClr val="FFFFFF"/>
+                </a:highlight>
+                <a:latin typeface="Consolas" panose="020B0609020204030204" charset="0"/>
+                <a:ea typeface="宋体" panose="02010600030101010101" pitchFamily="2" charset="-122"/>
+              </a:rPr>
+              <a:t>;</a:t>
+            </a:r>
+            <a:endParaRPr lang="en-US" b="1">
+              <a:solidFill>
+                <a:srgbClr val="0000FF"/>
+              </a:solidFill>
+              <a:highlight>
+                <a:srgbClr val="FFFFFF"/>
+              </a:highlight>
+              <a:latin typeface="Consolas" panose="020B0609020204030204" charset="0"/>
+              <a:ea typeface="宋体" panose="02010600030101010101" pitchFamily="2" charset="-122"/>
+            </a:endParaRPr>
+          </a:p>
+          <a:p>
+            <a:pPr indent="0"/>
+            <a:r>
+              <a:rPr lang="en-US" b="1">
+                <a:solidFill>
+                  <a:srgbClr val="0000FF"/>
+                </a:solidFill>
+                <a:highlight>
+                  <a:srgbClr val="FFFFFF"/>
+                </a:highlight>
+                <a:latin typeface="Consolas" panose="020B0609020204030204" charset="0"/>
+                <a:ea typeface="宋体" panose="02010600030101010101" pitchFamily="2" charset="-122"/>
+              </a:rPr>
+              <a:t>case</a:t>
+            </a:r>
+            <a:r>
+              <a:rPr lang="en-US" b="0">
+                <a:solidFill>
+                  <a:srgbClr val="000000"/>
+                </a:solidFill>
+                <a:highlight>
+                  <a:srgbClr val="FFFFFF"/>
+                </a:highlight>
+                <a:latin typeface="Consolas" panose="020B0609020204030204" charset="0"/>
+                <a:ea typeface="宋体" panose="02010600030101010101" pitchFamily="2" charset="-122"/>
+              </a:rPr>
+              <a:t> </a:t>
+            </a:r>
+            <a:r>
+              <a:rPr lang="en-US" b="0">
+                <a:solidFill>
+                  <a:srgbClr val="808080"/>
+                </a:solidFill>
+                <a:highlight>
+                  <a:srgbClr val="FFFFFF"/>
+                </a:highlight>
+                <a:latin typeface="Consolas" panose="020B0609020204030204" charset="0"/>
+                <a:ea typeface="宋体" panose="02010600030101010101" pitchFamily="2" charset="-122"/>
+              </a:rPr>
+              <a:t>'/'</a:t>
+            </a:r>
+            <a:r>
+              <a:rPr lang="en-US" b="1">
+                <a:solidFill>
+                  <a:srgbClr val="000080"/>
+                </a:solidFill>
+                <a:highlight>
+                  <a:srgbClr val="FFFFFF"/>
+                </a:highlight>
+                <a:latin typeface="Consolas" panose="020B0609020204030204" charset="0"/>
+                <a:ea typeface="宋体" panose="02010600030101010101" pitchFamily="2" charset="-122"/>
+              </a:rPr>
+              <a:t>:</a:t>
+            </a:r>
+            <a:endParaRPr lang="en-US" b="0">
+              <a:solidFill>
+                <a:srgbClr val="000000"/>
+              </a:solidFill>
+              <a:highlight>
+                <a:srgbClr val="FFFFFF"/>
+              </a:highlight>
+              <a:latin typeface="Consolas" panose="020B0609020204030204" charset="0"/>
+              <a:ea typeface="宋体" panose="02010600030101010101" pitchFamily="2" charset="-122"/>
+            </a:endParaRPr>
+          </a:p>
+          <a:p>
+            <a:pPr indent="0"/>
+            <a:r>
+              <a:rPr lang="en-US" b="0">
+                <a:solidFill>
+                  <a:srgbClr val="000000"/>
+                </a:solidFill>
+                <a:highlight>
+                  <a:srgbClr val="FFFFFF"/>
+                </a:highlight>
+                <a:latin typeface="Consolas" panose="020B0609020204030204" charset="0"/>
+                <a:ea typeface="宋体" panose="02010600030101010101" pitchFamily="2" charset="-122"/>
+              </a:rPr>
+              <a:t>	printf</a:t>
+            </a:r>
+            <a:r>
+              <a:rPr lang="en-US" b="1">
+                <a:solidFill>
+                  <a:srgbClr val="000080"/>
+                </a:solidFill>
+                <a:highlight>
+                  <a:srgbClr val="FFFFFF"/>
+                </a:highlight>
+                <a:latin typeface="Consolas" panose="020B0609020204030204" charset="0"/>
+                <a:ea typeface="宋体" panose="02010600030101010101" pitchFamily="2" charset="-122"/>
+              </a:rPr>
+              <a:t>(</a:t>
+            </a:r>
+            <a:r>
+              <a:rPr lang="en-US" b="0">
+                <a:solidFill>
+                  <a:srgbClr val="808080"/>
+                </a:solidFill>
+                <a:highlight>
+                  <a:srgbClr val="FFFFFF"/>
+                </a:highlight>
+                <a:latin typeface="Consolas" panose="020B0609020204030204" charset="0"/>
+                <a:ea typeface="宋体" panose="02010600030101010101" pitchFamily="2" charset="-122"/>
+              </a:rPr>
+              <a:t>"%d / %d = %d\n"</a:t>
+            </a:r>
+            <a:r>
+              <a:rPr lang="en-US" b="1">
+                <a:solidFill>
+                  <a:srgbClr val="000080"/>
+                </a:solidFill>
+                <a:highlight>
+                  <a:srgbClr val="FFFFFF"/>
+                </a:highlight>
+                <a:latin typeface="Consolas" panose="020B0609020204030204" charset="0"/>
+                <a:ea typeface="宋体" panose="02010600030101010101" pitchFamily="2" charset="-122"/>
+              </a:rPr>
+              <a:t>,</a:t>
+            </a:r>
+            <a:r>
+              <a:rPr lang="en-US" b="0">
+                <a:solidFill>
+                  <a:srgbClr val="000000"/>
+                </a:solidFill>
+                <a:highlight>
+                  <a:srgbClr val="FFFFFF"/>
+                </a:highlight>
+                <a:latin typeface="Consolas" panose="020B0609020204030204" charset="0"/>
+                <a:ea typeface="宋体" panose="02010600030101010101" pitchFamily="2" charset="-122"/>
+              </a:rPr>
+              <a:t> num1</a:t>
+            </a:r>
+            <a:r>
+              <a:rPr lang="en-US" b="1">
+                <a:solidFill>
+                  <a:srgbClr val="000080"/>
+                </a:solidFill>
+                <a:highlight>
+                  <a:srgbClr val="FFFFFF"/>
+                </a:highlight>
+                <a:latin typeface="Consolas" panose="020B0609020204030204" charset="0"/>
+                <a:ea typeface="宋体" panose="02010600030101010101" pitchFamily="2" charset="-122"/>
+              </a:rPr>
+              <a:t>,</a:t>
+            </a:r>
+            <a:r>
+              <a:rPr lang="en-US" b="0">
+                <a:solidFill>
+                  <a:srgbClr val="000000"/>
+                </a:solidFill>
+                <a:highlight>
+                  <a:srgbClr val="FFFFFF"/>
+                </a:highlight>
+                <a:latin typeface="Consolas" panose="020B0609020204030204" charset="0"/>
+                <a:ea typeface="宋体" panose="02010600030101010101" pitchFamily="2" charset="-122"/>
+              </a:rPr>
+              <a:t> num2</a:t>
+            </a:r>
+            <a:r>
+              <a:rPr lang="en-US" b="1">
+                <a:solidFill>
+                  <a:srgbClr val="000080"/>
+                </a:solidFill>
+                <a:highlight>
+                  <a:srgbClr val="FFFFFF"/>
+                </a:highlight>
+                <a:latin typeface="Consolas" panose="020B0609020204030204" charset="0"/>
+                <a:ea typeface="宋体" panose="02010600030101010101" pitchFamily="2" charset="-122"/>
+              </a:rPr>
+              <a:t>,</a:t>
+            </a:r>
+            <a:r>
+              <a:rPr lang="en-US" b="0">
+                <a:solidFill>
+                  <a:srgbClr val="000000"/>
+                </a:solidFill>
+                <a:highlight>
+                  <a:srgbClr val="FFFFFF"/>
+                </a:highlight>
+                <a:latin typeface="Consolas" panose="020B0609020204030204" charset="0"/>
+                <a:ea typeface="宋体" panose="02010600030101010101" pitchFamily="2" charset="-122"/>
+              </a:rPr>
+              <a:t> num1 </a:t>
+            </a:r>
+            <a:r>
+              <a:rPr lang="en-US" b="1">
+                <a:solidFill>
+                  <a:srgbClr val="000080"/>
+                </a:solidFill>
+                <a:highlight>
+                  <a:srgbClr val="FFFFFF"/>
+                </a:highlight>
+                <a:latin typeface="Consolas" panose="020B0609020204030204" charset="0"/>
+                <a:ea typeface="宋体" panose="02010600030101010101" pitchFamily="2" charset="-122"/>
+              </a:rPr>
+              <a:t>/</a:t>
+            </a:r>
+            <a:r>
+              <a:rPr lang="en-US" b="0">
+                <a:solidFill>
+                  <a:srgbClr val="000000"/>
+                </a:solidFill>
+                <a:highlight>
+                  <a:srgbClr val="FFFFFF"/>
+                </a:highlight>
+                <a:latin typeface="Consolas" panose="020B0609020204030204" charset="0"/>
+                <a:ea typeface="宋体" panose="02010600030101010101" pitchFamily="2" charset="-122"/>
+              </a:rPr>
+              <a:t> num2</a:t>
+            </a:r>
+            <a:r>
+              <a:rPr lang="en-US" b="1">
+                <a:solidFill>
+                  <a:srgbClr val="000080"/>
+                </a:solidFill>
+                <a:highlight>
+                  <a:srgbClr val="FFFFFF"/>
+                </a:highlight>
+                <a:latin typeface="Consolas" panose="020B0609020204030204" charset="0"/>
+                <a:ea typeface="宋体" panose="02010600030101010101" pitchFamily="2" charset="-122"/>
+              </a:rPr>
+              <a:t>);</a:t>
+            </a:r>
+            <a:endParaRPr lang="en-US" b="0">
+              <a:solidFill>
+                <a:srgbClr val="000000"/>
+              </a:solidFill>
+              <a:highlight>
+                <a:srgbClr val="FFFFFF"/>
+              </a:highlight>
+              <a:latin typeface="Consolas" panose="020B0609020204030204" charset="0"/>
+              <a:ea typeface="宋体" panose="02010600030101010101" pitchFamily="2" charset="-122"/>
+            </a:endParaRPr>
+          </a:p>
+          <a:p>
+            <a:pPr indent="0"/>
+            <a:r>
+              <a:rPr lang="en-US" b="0">
+                <a:solidFill>
+                  <a:srgbClr val="000000"/>
+                </a:solidFill>
+                <a:highlight>
+                  <a:srgbClr val="FFFFFF"/>
+                </a:highlight>
+                <a:latin typeface="Consolas" panose="020B0609020204030204" charset="0"/>
+                <a:ea typeface="宋体" panose="02010600030101010101" pitchFamily="2" charset="-122"/>
+              </a:rPr>
+              <a:t>	</a:t>
+            </a:r>
+            <a:r>
+              <a:rPr lang="en-US" b="1">
+                <a:solidFill>
+                  <a:srgbClr val="0000FF"/>
+                </a:solidFill>
+                <a:highlight>
+                  <a:srgbClr val="FFFFFF"/>
+                </a:highlight>
+                <a:latin typeface="Consolas" panose="020B0609020204030204" charset="0"/>
+                <a:ea typeface="宋体" panose="02010600030101010101" pitchFamily="2" charset="-122"/>
+              </a:rPr>
+              <a:t>break</a:t>
+            </a:r>
+            <a:r>
+              <a:rPr lang="en-US" b="1">
+                <a:solidFill>
+                  <a:srgbClr val="000080"/>
+                </a:solidFill>
+                <a:highlight>
+                  <a:srgbClr val="FFFFFF"/>
+                </a:highlight>
+                <a:latin typeface="Consolas" panose="020B0609020204030204" charset="0"/>
+                <a:ea typeface="宋体" panose="02010600030101010101" pitchFamily="2" charset="-122"/>
+              </a:rPr>
+              <a:t>;</a:t>
+            </a:r>
+            <a:endParaRPr lang="en-US" b="1">
+              <a:solidFill>
+                <a:srgbClr val="0000FF"/>
+              </a:solidFill>
+              <a:highlight>
+                <a:srgbClr val="FFFFFF"/>
+              </a:highlight>
+              <a:latin typeface="Consolas" panose="020B0609020204030204" charset="0"/>
+              <a:ea typeface="宋体" panose="02010600030101010101" pitchFamily="2" charset="-122"/>
+            </a:endParaRPr>
+          </a:p>
+          <a:p>
+            <a:pPr indent="0"/>
+            <a:r>
+              <a:rPr lang="en-US" b="1">
+                <a:solidFill>
+                  <a:srgbClr val="0000FF"/>
+                </a:solidFill>
+                <a:highlight>
+                  <a:srgbClr val="FFFFFF"/>
+                </a:highlight>
+                <a:latin typeface="Consolas" panose="020B0609020204030204" charset="0"/>
+                <a:ea typeface="宋体" panose="02010600030101010101" pitchFamily="2" charset="-122"/>
+              </a:rPr>
+              <a:t>default</a:t>
+            </a:r>
+            <a:r>
+              <a:rPr lang="en-US" b="1">
+                <a:solidFill>
+                  <a:srgbClr val="000080"/>
+                </a:solidFill>
+                <a:highlight>
+                  <a:srgbClr val="FFFFFF"/>
+                </a:highlight>
+                <a:latin typeface="Consolas" panose="020B0609020204030204" charset="0"/>
+                <a:ea typeface="宋体" panose="02010600030101010101" pitchFamily="2" charset="-122"/>
+              </a:rPr>
+              <a:t>:</a:t>
+            </a:r>
+            <a:endParaRPr lang="en-US" b="0">
+              <a:solidFill>
+                <a:srgbClr val="000000"/>
+              </a:solidFill>
+              <a:highlight>
+                <a:srgbClr val="FFFFFF"/>
+              </a:highlight>
+              <a:latin typeface="Consolas" panose="020B0609020204030204" charset="0"/>
+              <a:ea typeface="宋体" panose="02010600030101010101" pitchFamily="2" charset="-122"/>
+            </a:endParaRPr>
+          </a:p>
+          <a:p>
+            <a:pPr indent="0"/>
+            <a:r>
+              <a:rPr lang="en-US" b="0">
+                <a:solidFill>
+                  <a:srgbClr val="000000"/>
+                </a:solidFill>
+                <a:highlight>
+                  <a:srgbClr val="FFFFFF"/>
+                </a:highlight>
+                <a:latin typeface="Consolas" panose="020B0609020204030204" charset="0"/>
+                <a:ea typeface="宋体" panose="02010600030101010101" pitchFamily="2" charset="-122"/>
+              </a:rPr>
+              <a:t>	printf</a:t>
+            </a:r>
+            <a:r>
+              <a:rPr lang="en-US" b="1">
+                <a:solidFill>
+                  <a:srgbClr val="000080"/>
+                </a:solidFill>
+                <a:highlight>
+                  <a:srgbClr val="FFFFFF"/>
+                </a:highlight>
+                <a:latin typeface="Consolas" panose="020B0609020204030204" charset="0"/>
+                <a:ea typeface="宋体" panose="02010600030101010101" pitchFamily="2" charset="-122"/>
+              </a:rPr>
+              <a:t>(</a:t>
+            </a:r>
+            <a:r>
+              <a:rPr lang="en-US" b="0">
+                <a:solidFill>
+                  <a:srgbClr val="808080"/>
+                </a:solidFill>
+                <a:highlight>
+                  <a:srgbClr val="FFFFFF"/>
+                </a:highlight>
+                <a:latin typeface="Consolas" panose="020B0609020204030204" charset="0"/>
+                <a:ea typeface="宋体" panose="02010600030101010101" pitchFamily="2" charset="-122"/>
+              </a:rPr>
+              <a:t>"Error! Operator is not supported\n"</a:t>
+            </a:r>
+            <a:r>
+              <a:rPr lang="en-US" b="1">
+                <a:solidFill>
+                  <a:srgbClr val="000080"/>
+                </a:solidFill>
+                <a:highlight>
+                  <a:srgbClr val="FFFFFF"/>
+                </a:highlight>
+                <a:latin typeface="Consolas" panose="020B0609020204030204" charset="0"/>
+                <a:ea typeface="宋体" panose="02010600030101010101" pitchFamily="2" charset="-122"/>
+              </a:rPr>
+              <a:t>);</a:t>
+            </a:r>
+            <a:endParaRPr lang="en-US" b="0">
+              <a:solidFill>
+                <a:srgbClr val="000000"/>
+              </a:solidFill>
+              <a:highlight>
+                <a:srgbClr val="FFFFFF"/>
+              </a:highlight>
+              <a:latin typeface="Consolas" panose="020B0609020204030204" charset="0"/>
+              <a:ea typeface="宋体" panose="02010600030101010101" pitchFamily="2" charset="-122"/>
+            </a:endParaRPr>
+          </a:p>
+          <a:p>
+            <a:pPr indent="0"/>
+            <a:r>
+              <a:rPr lang="en-US" b="0">
+                <a:solidFill>
+                  <a:srgbClr val="000000"/>
+                </a:solidFill>
+                <a:highlight>
+                  <a:srgbClr val="FFFFFF"/>
+                </a:highlight>
+                <a:latin typeface="Consolas" panose="020B0609020204030204" charset="0"/>
+                <a:ea typeface="宋体" panose="02010600030101010101" pitchFamily="2" charset="-122"/>
+              </a:rPr>
+              <a:t>	</a:t>
+            </a:r>
+            <a:r>
+              <a:rPr lang="en-US" b="1">
+                <a:solidFill>
+                  <a:srgbClr val="0000FF"/>
+                </a:solidFill>
+                <a:highlight>
+                  <a:srgbClr val="FFFFFF"/>
+                </a:highlight>
+                <a:latin typeface="Consolas" panose="020B0609020204030204" charset="0"/>
+                <a:ea typeface="宋体" panose="02010600030101010101" pitchFamily="2" charset="-122"/>
+              </a:rPr>
+              <a:t>break</a:t>
+            </a:r>
+            <a:r>
+              <a:rPr lang="en-US" b="1">
+                <a:solidFill>
+                  <a:srgbClr val="000080"/>
+                </a:solidFill>
+                <a:highlight>
+                  <a:srgbClr val="FFFFFF"/>
+                </a:highlight>
+                <a:latin typeface="Consolas" panose="020B0609020204030204" charset="0"/>
+                <a:ea typeface="宋体" panose="02010600030101010101" pitchFamily="2" charset="-122"/>
+              </a:rPr>
+              <a:t>;</a:t>
+            </a:r>
+          </a:p>
+          <a:p>
+            <a:pPr indent="0"/>
+            <a:r>
+              <a:rPr lang="en-US" b="1">
+                <a:solidFill>
+                  <a:srgbClr val="000080"/>
+                </a:solidFill>
+                <a:highlight>
+                  <a:srgbClr val="FFFFFF"/>
+                </a:highlight>
+                <a:latin typeface="Consolas" panose="020B0609020204030204" charset="0"/>
+                <a:ea typeface="宋体" panose="02010600030101010101" pitchFamily="2" charset="-122"/>
+              </a:rPr>
+              <a:t>}</a:t>
+            </a:r>
+            <a:endParaRPr lang="en-US" altLang="en-US" b="1">
+              <a:solidFill>
+                <a:srgbClr val="000080"/>
+              </a:solidFill>
+              <a:highlight>
+                <a:srgbClr val="FFFFFF"/>
+              </a:highlight>
+              <a:latin typeface="Consolas" panose="020B0609020204030204" charset="0"/>
+              <a:ea typeface="宋体" panose="02010600030101010101" pitchFamily="2" charset="-122"/>
+            </a:endParaRPr>
+          </a:p>
+        </p:txBody>
+      </p:sp>
+      <p:graphicFrame>
+        <p:nvGraphicFramePr>
+          <p:cNvPr id="8" name="表格 7"/>
+          <p:cNvGraphicFramePr/>
+          <p:nvPr>
+            <p:custDataLst>
+              <p:tags r:id="rId3"/>
+            </p:custDataLst>
+          </p:nvPr>
+        </p:nvGraphicFramePr>
+        <p:xfrm>
+          <a:off x="8051800" y="5769610"/>
+          <a:ext cx="3565525" cy="640080"/>
+        </p:xfrm>
+        <a:graphic>
+          <a:graphicData uri="http://schemas.openxmlformats.org/drawingml/2006/table">
+            <a:tbl>
+              <a:tblPr firstRow="1" bandRow="1">
+                <a:tableStyleId>{5C22544A-7EE6-4342-B048-85BDC9FD1C3A}</a:tableStyleId>
+              </a:tblPr>
+              <a:tblGrid>
+                <a:gridCol w="3565525">
+                  <a:extLst>
+                    <a:ext uri="{9D8B030D-6E8A-4147-A177-3AD203B41FA5}">
+                      <a16:colId xmlns:a16="http://schemas.microsoft.com/office/drawing/2014/main" val="20000"/>
+                    </a:ext>
+                  </a:extLst>
+                </a:gridCol>
+              </a:tblGrid>
+              <a:tr h="640080">
+                <a:tc>
+                  <a:txBody>
+                    <a:bodyPr/>
+                    <a:lstStyle/>
+                    <a:p>
+                      <a:pPr>
+                        <a:buNone/>
+                      </a:pPr>
+                      <a:r>
+                        <a:rPr lang="zh-CN" altLang="en-US" sz="1800" b="0">
+                          <a:solidFill>
+                            <a:schemeClr val="tx1"/>
+                          </a:solidFill>
+                          <a:latin typeface="Consolas" panose="020B0609020204030204" charset="0"/>
+                          <a:cs typeface="Consolas" panose="020B0609020204030204" charset="0"/>
+                          <a:sym typeface="+mn-ea"/>
+                        </a:rPr>
+                        <a:t>Enter an expression: 5 * 8</a:t>
+                      </a:r>
+                    </a:p>
+                    <a:p>
+                      <a:pPr>
+                        <a:buNone/>
+                      </a:pPr>
+                      <a:r>
+                        <a:rPr lang="zh-CN" altLang="en-US" sz="1800" b="0">
+                          <a:solidFill>
+                            <a:schemeClr val="tx1"/>
+                          </a:solidFill>
+                          <a:latin typeface="Consolas" panose="020B0609020204030204" charset="0"/>
+                          <a:cs typeface="Consolas" panose="020B0609020204030204" charset="0"/>
+                          <a:sym typeface="+mn-ea"/>
+                        </a:rPr>
+                        <a:t>5 * 8 = 40</a:t>
+                      </a:r>
+                    </a:p>
+                  </a:txBody>
+                  <a:tcPr>
+                    <a:solidFill>
+                      <a:schemeClr val="accent6">
+                        <a:lumMod val="20000"/>
+                        <a:lumOff val="80000"/>
+                      </a:schemeClr>
+                    </a:solidFill>
+                  </a:tcPr>
+                </a:tc>
+                <a:extLst>
+                  <a:ext uri="{0D108BD9-81ED-4DB2-BD59-A6C34878D82A}">
+                    <a16:rowId xmlns:a16="http://schemas.microsoft.com/office/drawing/2014/main" val="10000"/>
+                  </a:ext>
+                </a:extLst>
+              </a:tr>
+            </a:tbl>
+          </a:graphicData>
+        </a:graphic>
+      </p:graphicFrame>
+    </p:spTree>
+    <p:custDataLst>
+      <p:tags r:id="rId1"/>
+    </p:custDataLst>
+  </p:cSld>
+  <p:clrMapOvr>
+    <a:masterClrMapping/>
+  </p:clrMapOvr>
+</p:sld>
+</file>
+
 <file path=ppt/slides/slide19.xml><?xml version="1.0" encoding="utf-8"?>
+<p:sld xmlns:a="http://schemas.openxmlformats.org/drawingml/2006/main" xmlns:r="http://schemas.openxmlformats.org/officeDocument/2006/relationships" xmlns:p="http://schemas.openxmlformats.org/presentationml/2006/main">
+  <p:cSld>
+    <p:spTree>
+      <p:nvGrpSpPr>
+        <p:cNvPr id="1" name=""/>
+        <p:cNvGrpSpPr/>
+        <p:nvPr/>
+      </p:nvGrpSpPr>
+      <p:grpSpPr>
+        <a:xfrm>
+          <a:off x="0" y="0"/>
+          <a:ext cx="0" cy="0"/>
+          <a:chOff x="0" y="0"/>
+          <a:chExt cx="0" cy="0"/>
+        </a:xfrm>
+      </p:grpSpPr>
+      <p:sp>
+        <p:nvSpPr>
+          <p:cNvPr id="10" name="标题 9"/>
+          <p:cNvSpPr>
+            <a:spLocks noGrp="1"/>
+          </p:cNvSpPr>
+          <p:nvPr>
+            <p:ph type="title"/>
+            <p:custDataLst>
+              <p:tags r:id="rId2"/>
+            </p:custDataLst>
+          </p:nvPr>
+        </p:nvSpPr>
+        <p:spPr>
+          <a:xfrm>
+            <a:off x="4186555" y="2959735"/>
+            <a:ext cx="3827145" cy="939165"/>
+          </a:xfrm>
+        </p:spPr>
+        <p:txBody>
+          <a:bodyPr>
+            <a:normAutofit/>
+          </a:bodyPr>
+          <a:lstStyle/>
+          <a:p>
+            <a:pPr algn="ctr"/>
+            <a:r>
+              <a:rPr lang="en-US" altLang="zh-CN" dirty="0"/>
+              <a:t>Practice</a:t>
+            </a:r>
+          </a:p>
+        </p:txBody>
+      </p:sp>
+      <p:sp>
+        <p:nvSpPr>
+          <p:cNvPr id="2" name="文本框 1"/>
+          <p:cNvSpPr txBox="1"/>
+          <p:nvPr>
+            <p:custDataLst>
+              <p:tags r:id="rId3"/>
+            </p:custDataLst>
+          </p:nvPr>
+        </p:nvSpPr>
+        <p:spPr>
+          <a:xfrm>
+            <a:off x="5622290" y="386715"/>
+            <a:ext cx="946150" cy="561975"/>
+          </a:xfrm>
+          <a:prstGeom prst="rect">
+            <a:avLst/>
+          </a:prstGeom>
+          <a:noFill/>
+        </p:spPr>
+        <p:txBody>
+          <a:bodyPr wrap="square" lIns="90000" tIns="46800" rIns="90000" bIns="46800" rtlCol="0">
+            <a:noAutofit/>
+          </a:bodyPr>
+          <a:lstStyle/>
+          <a:p>
+            <a:pPr algn="dist"/>
+            <a:r>
+              <a:rPr lang="en-US" altLang="zh-CN" sz="3000">
+                <a:solidFill>
+                  <a:schemeClr val="bg1"/>
+                </a:solidFill>
+                <a:latin typeface="Arial" panose="020B0604020202020204" pitchFamily="34" charset="0"/>
+                <a:ea typeface="微软雅黑" panose="020B0503020204020204" charset="-122"/>
+              </a:rPr>
+              <a:t>C</a:t>
+            </a:r>
+          </a:p>
+        </p:txBody>
+      </p:sp>
+    </p:spTree>
+    <p:custDataLst>
+      <p:tags r:id="rId1"/>
+    </p:custDataLst>
+    <p:extLst>
+      <p:ext uri="{BB962C8B-B14F-4D97-AF65-F5344CB8AC3E}">
+        <p14:creationId xmlns:p14="http://schemas.microsoft.com/office/powerpoint/2010/main" val="505268492"/>
+      </p:ext>
+    </p:extLst>
+  </p:cSld>
+  <p:clrMapOvr>
+    <a:masterClrMapping/>
+  </p:clrMapOvr>
+</p:sld>
+</file>
+
+<file path=ppt/slides/slide2.xml><?xml version="1.0" encoding="utf-8"?>
+<p:sld xmlns:a="http://schemas.openxmlformats.org/drawingml/2006/main" xmlns:r="http://schemas.openxmlformats.org/officeDocument/2006/relationships" xmlns:p="http://schemas.openxmlformats.org/presentationml/2006/main">
+  <p:cSld>
+    <p:spTree>
+      <p:nvGrpSpPr>
+        <p:cNvPr id="1" name=""/>
+        <p:cNvGrpSpPr/>
+        <p:nvPr/>
+      </p:nvGrpSpPr>
+      <p:grpSpPr>
+        <a:xfrm>
+          <a:off x="0" y="0"/>
+          <a:ext cx="0" cy="0"/>
+          <a:chOff x="0" y="0"/>
+          <a:chExt cx="0" cy="0"/>
+        </a:xfrm>
+      </p:grpSpPr>
+      <p:sp>
+        <p:nvSpPr>
+          <p:cNvPr id="10" name="标题 9"/>
+          <p:cNvSpPr>
+            <a:spLocks noGrp="1"/>
+          </p:cNvSpPr>
+          <p:nvPr>
+            <p:ph type="title"/>
+            <p:custDataLst>
+              <p:tags r:id="rId2"/>
+            </p:custDataLst>
+          </p:nvPr>
+        </p:nvSpPr>
+        <p:spPr>
+          <a:xfrm>
+            <a:off x="4186555" y="2959735"/>
+            <a:ext cx="3817620" cy="939165"/>
+          </a:xfrm>
+        </p:spPr>
+        <p:txBody>
+          <a:bodyPr/>
+          <a:lstStyle/>
+          <a:p>
+            <a:pPr algn="ctr"/>
+            <a:r>
+              <a:rPr lang="zh-CN" altLang="en-US" dirty="0"/>
+              <a:t>逻辑运算符</a:t>
+            </a:r>
+          </a:p>
+        </p:txBody>
+      </p:sp>
+      <p:sp>
+        <p:nvSpPr>
+          <p:cNvPr id="2" name="文本框 1"/>
+          <p:cNvSpPr txBox="1"/>
+          <p:nvPr>
+            <p:custDataLst>
+              <p:tags r:id="rId3"/>
+            </p:custDataLst>
+          </p:nvPr>
+        </p:nvSpPr>
+        <p:spPr>
+          <a:xfrm>
+            <a:off x="5622290" y="386715"/>
+            <a:ext cx="946150" cy="561975"/>
+          </a:xfrm>
+          <a:prstGeom prst="rect">
+            <a:avLst/>
+          </a:prstGeom>
+          <a:noFill/>
+        </p:spPr>
+        <p:txBody>
+          <a:bodyPr wrap="square" lIns="90000" tIns="46800" rIns="90000" bIns="46800" rtlCol="0">
+            <a:noAutofit/>
+          </a:bodyPr>
+          <a:lstStyle/>
+          <a:p>
+            <a:pPr algn="dist"/>
+            <a:r>
+              <a:rPr lang="en-US" altLang="zh-CN" sz="3000">
+                <a:solidFill>
+                  <a:schemeClr val="bg1"/>
+                </a:solidFill>
+                <a:latin typeface="Arial" panose="020B0604020202020204" pitchFamily="34" charset="0"/>
+                <a:ea typeface="微软雅黑" panose="020B0503020204020204" charset="-122"/>
+              </a:rPr>
+              <a:t>C</a:t>
+            </a:r>
+          </a:p>
+        </p:txBody>
+      </p:sp>
+    </p:spTree>
+    <p:custDataLst>
+      <p:tags r:id="rId1"/>
+    </p:custDataLst>
+  </p:cSld>
+  <p:clrMapOvr>
+    <a:masterClrMapping/>
+  </p:clrMapOvr>
+</p:sld>
+</file>
+
+<file path=ppt/slides/slide20.xml><?xml version="1.0" encoding="utf-8"?>
 <p:sld xmlns:a="http://schemas.openxmlformats.org/drawingml/2006/main" xmlns:r="http://schemas.openxmlformats.org/officeDocument/2006/relationships" xmlns:p="http://schemas.openxmlformats.org/presentationml/2006/main">
   <p:cSld>
     <p:spTree>
@@ -23547,105 +23753,6 @@
           </a:graphicData>
         </a:graphic>
       </p:graphicFrame>
-    </p:spTree>
-    <p:custDataLst>
-      <p:tags r:id="rId1"/>
-    </p:custDataLst>
-  </p:cSld>
-  <p:clrMapOvr>
-    <a:masterClrMapping/>
-  </p:clrMapOvr>
-</p:sld>
-</file>
-
-<file path=ppt/slides/slide2.xml><?xml version="1.0" encoding="utf-8"?>
-<p:sld xmlns:a="http://schemas.openxmlformats.org/drawingml/2006/main" xmlns:r="http://schemas.openxmlformats.org/officeDocument/2006/relationships" xmlns:p="http://schemas.openxmlformats.org/presentationml/2006/main">
-  <p:cSld>
-    <p:spTree>
-      <p:nvGrpSpPr>
-        <p:cNvPr id="1" name=""/>
-        <p:cNvGrpSpPr/>
-        <p:nvPr/>
-      </p:nvGrpSpPr>
-      <p:grpSpPr>
-        <a:xfrm>
-          <a:off x="0" y="0"/>
-          <a:ext cx="0" cy="0"/>
-          <a:chOff x="0" y="0"/>
-          <a:chExt cx="0" cy="0"/>
-        </a:xfrm>
-      </p:grpSpPr>
-      <p:sp>
-        <p:nvSpPr>
-          <p:cNvPr id="10" name="标题 9"/>
-          <p:cNvSpPr>
-            <a:spLocks noGrp="1"/>
-          </p:cNvSpPr>
-          <p:nvPr>
-            <p:ph type="title"/>
-            <p:custDataLst>
-              <p:tags r:id="rId2"/>
-            </p:custDataLst>
-          </p:nvPr>
-        </p:nvSpPr>
-        <p:spPr>
-          <a:xfrm>
-            <a:off x="4186555" y="2959735"/>
-            <a:ext cx="3817620" cy="939165"/>
-          </a:xfrm>
-        </p:spPr>
-        <p:txBody>
-          <a:bodyPr/>
-          <a:lstStyle/>
-          <a:p>
-            <a:pPr algn="ctr"/>
-            <a:r>
-              <a:rPr lang="zh-CN" altLang="en-US" dirty="0"/>
-              <a:t>逻辑运算符</a:t>
-            </a:r>
-          </a:p>
-        </p:txBody>
-      </p:sp>
-      <p:sp>
-        <p:nvSpPr>
-          <p:cNvPr id="2" name="文本框 1"/>
-          <p:cNvSpPr txBox="1"/>
-          <p:nvPr>
-            <p:custDataLst>
-              <p:tags r:id="rId3"/>
-            </p:custDataLst>
-          </p:nvPr>
-        </p:nvSpPr>
-        <p:spPr>
-          <a:xfrm>
-            <a:off x="5622290" y="386715"/>
-            <a:ext cx="946150" cy="561975"/>
-          </a:xfrm>
-          <a:prstGeom prst="rect">
-            <a:avLst/>
-          </a:prstGeom>
-          <a:noFill/>
-        </p:spPr>
-        <p:txBody>
-          <a:bodyPr wrap="square" lIns="90000" tIns="46800" rIns="90000" bIns="46800" rtlCol="0">
-            <a:noAutofit/>
-          </a:bodyPr>
-          <a:lstStyle/>
-          <a:p>
-            <a:pPr algn="dist"/>
-            <a:r>
-              <a:rPr lang="en-US" altLang="zh-CN" sz="3000">
-                <a:solidFill>
-                  <a:schemeClr val="bg1"/>
-                </a:solidFill>
-                <a:latin typeface="Arial" panose="020B0604020202020204" pitchFamily="34" charset="0"/>
-                <a:ea typeface="微软雅黑" panose="020B0503020204020204" charset="-122"/>
-              </a:rPr>
-              <a:t>C</a:t>
-            </a:r>
-          </a:p>
-        </p:txBody>
-      </p:sp>
     </p:spTree>
     <p:custDataLst>
       <p:tags r:id="rId1"/>
@@ -30176,6 +30283,13 @@
 
 <file path=ppt/tags/tag276.xml><?xml version="1.0" encoding="utf-8"?>
 <p:tagLst xmlns:a="http://schemas.openxmlformats.org/drawingml/2006/main" xmlns:r="http://schemas.openxmlformats.org/officeDocument/2006/relationships" xmlns:p="http://schemas.openxmlformats.org/presentationml/2006/main">
+  <p:tag name="TABLE_ENDDRAG_ORIGIN_RECT" val="351*115"/>
+  <p:tag name="TABLE_ENDDRAG_RECT" val="526*259*351*115"/>
+</p:tagLst>
+</file>
+
+<file path=ppt/tags/tag277.xml><?xml version="1.0" encoding="utf-8"?>
+<p:tagLst xmlns:a="http://schemas.openxmlformats.org/drawingml/2006/main" xmlns:r="http://schemas.openxmlformats.org/officeDocument/2006/relationships" xmlns:p="http://schemas.openxmlformats.org/presentationml/2006/main">
   <p:tag name="KSO_WM_UNIT_PRESET_TEXT" val="单击此处添加文本具体内容，简明扼要的阐述您的观点。"/>
   <p:tag name="KSO_WM_UNIT_NOCLEAR" val="0"/>
   <p:tag name="KSO_WM_UNIT_VALUE" val="50"/>
@@ -30195,67 +30309,17 @@
 </p:tagLst>
 </file>
 
-<file path=ppt/tags/tag277.xml><?xml version="1.0" encoding="utf-8"?>
-<p:tagLst xmlns:a="http://schemas.openxmlformats.org/drawingml/2006/main" xmlns:r="http://schemas.openxmlformats.org/officeDocument/2006/relationships" xmlns:p="http://schemas.openxmlformats.org/presentationml/2006/main">
-  <p:tag name="KSO_WM_SLIDE_ID" val="custom20202582_13"/>
-  <p:tag name="KSO_WM_TEMPLATE_SUBCATEGORY" val="0"/>
-  <p:tag name="KSO_WM_TEMPLATE_MASTER_TYPE" val="1"/>
-  <p:tag name="KSO_WM_TEMPLATE_COLOR_TYPE" val="1"/>
-  <p:tag name="KSO_WM_SLIDE_TYPE" val="text"/>
-  <p:tag name="KSO_WM_SLIDE_SUBTYPE" val="picTxt"/>
-  <p:tag name="KSO_WM_SLIDE_ITEM_CNT" val="0"/>
-  <p:tag name="KSO_WM_SLIDE_INDEX" val="13"/>
-  <p:tag name="KSO_WM_SLIDE_SIZE" val="869*422"/>
-  <p:tag name="KSO_WM_SLIDE_POSITION" val="45*18"/>
-  <p:tag name="KSO_WM_TAG_VERSION" val="1.0"/>
-  <p:tag name="KSO_WM_BEAUTIFY_FLAG" val="#wm#"/>
-  <p:tag name="KSO_WM_TEMPLATE_CATEGORY" val="custom"/>
-  <p:tag name="KSO_WM_TEMPLATE_INDEX" val="20202582"/>
-  <p:tag name="KSO_WM_SLIDE_LAYOUT" val="a_d_f"/>
-  <p:tag name="KSO_WM_SLIDE_LAYOUT_CNT" val="1_2_2"/>
-</p:tagLst>
-</file>
-
 <file path=ppt/tags/tag278.xml><?xml version="1.0" encoding="utf-8"?>
 <p:tagLst xmlns:a="http://schemas.openxmlformats.org/drawingml/2006/main" xmlns:r="http://schemas.openxmlformats.org/officeDocument/2006/relationships" xmlns:p="http://schemas.openxmlformats.org/presentationml/2006/main">
-  <p:tag name="KSO_WM_UNIT_ISCONTENTSTITLE" val="0"/>
-  <p:tag name="KSO_WM_UNIT_PRESET_TEXT" val="单击此处添加标题"/>
-  <p:tag name="KSO_WM_UNIT_NOCLEAR" val="0"/>
-  <p:tag name="KSO_WM_UNIT_VALUE" val="42"/>
-  <p:tag name="KSO_WM_UNIT_HIGHLIGHT" val="0"/>
-  <p:tag name="KSO_WM_UNIT_COMPATIBLE" val="0"/>
-  <p:tag name="KSO_WM_UNIT_DIAGRAM_ISNUMVISUAL" val="0"/>
-  <p:tag name="KSO_WM_UNIT_DIAGRAM_ISREFERUNIT" val="0"/>
-  <p:tag name="KSO_WM_UNIT_TYPE" val="a"/>
-  <p:tag name="KSO_WM_UNIT_INDEX" val="1"/>
-  <p:tag name="KSO_WM_UNIT_ID" val="custom20202582_13*a*1"/>
-  <p:tag name="KSO_WM_TEMPLATE_CATEGORY" val="custom"/>
-  <p:tag name="KSO_WM_TEMPLATE_INDEX" val="20202582"/>
-  <p:tag name="KSO_WM_UNIT_LAYERLEVEL" val="1"/>
-  <p:tag name="KSO_WM_TAG_VERSION" val="1.0"/>
-  <p:tag name="KSO_WM_BEAUTIFY_FLAG" val="#wm#"/>
-  <p:tag name="KSO_WM_UNIT_ISNUMDGMTITLE" val="0"/>
+  <p:tag name="TABLE_ENDDRAG_ORIGIN_RECT" val="351*115"/>
+  <p:tag name="TABLE_ENDDRAG_RECT" val="526*259*351*115"/>
 </p:tagLst>
 </file>
 
 <file path=ppt/tags/tag279.xml><?xml version="1.0" encoding="utf-8"?>
 <p:tagLst xmlns:a="http://schemas.openxmlformats.org/drawingml/2006/main" xmlns:r="http://schemas.openxmlformats.org/officeDocument/2006/relationships" xmlns:p="http://schemas.openxmlformats.org/presentationml/2006/main">
-  <p:tag name="KSO_WM_UNIT_PRESET_TEXT" val="单击此处添加文本具体内容，简明扼要的阐述您的观点。"/>
-  <p:tag name="KSO_WM_UNIT_NOCLEAR" val="0"/>
-  <p:tag name="KSO_WM_UNIT_VALUE" val="50"/>
-  <p:tag name="KSO_WM_UNIT_HIGHLIGHT" val="0"/>
-  <p:tag name="KSO_WM_UNIT_COMPATIBLE" val="0"/>
-  <p:tag name="KSO_WM_UNIT_DIAGRAM_ISNUMVISUAL" val="0"/>
-  <p:tag name="KSO_WM_UNIT_DIAGRAM_ISREFERUNIT" val="0"/>
-  <p:tag name="KSO_WM_UNIT_TYPE" val="f"/>
-  <p:tag name="KSO_WM_UNIT_INDEX" val="2"/>
-  <p:tag name="KSO_WM_UNIT_ID" val="custom20202582_13*f*2"/>
-  <p:tag name="KSO_WM_TEMPLATE_CATEGORY" val="custom"/>
-  <p:tag name="KSO_WM_TEMPLATE_INDEX" val="20202582"/>
-  <p:tag name="KSO_WM_UNIT_LAYERLEVEL" val="1"/>
-  <p:tag name="KSO_WM_TAG_VERSION" val="1.0"/>
-  <p:tag name="KSO_WM_BEAUTIFY_FLAG" val="#wm#"/>
-  <p:tag name="KSO_WM_UNIT_SUBTYPE" val="a"/>
+  <p:tag name="TABLE_ENDDRAG_ORIGIN_RECT" val="351*115"/>
+  <p:tag name="TABLE_ENDDRAG_RECT" val="526*259*351*115"/>
 </p:tagLst>
 </file>
 
@@ -30317,12 +30381,61 @@
 
 <file path=ppt/tags/tag282.xml><?xml version="1.0" encoding="utf-8"?>
 <p:tagLst xmlns:a="http://schemas.openxmlformats.org/drawingml/2006/main" xmlns:r="http://schemas.openxmlformats.org/officeDocument/2006/relationships" xmlns:p="http://schemas.openxmlformats.org/presentationml/2006/main">
-  <p:tag name="TABLE_ENDDRAG_ORIGIN_RECT" val="280*50"/>
-  <p:tag name="TABLE_ENDDRAG_RECT" val="611*325*280*50"/>
+  <p:tag name="KSO_WM_UNIT_PRESET_TEXT" val="单击此处添加文本具体内容，简明扼要的阐述您的观点。"/>
+  <p:tag name="KSO_WM_UNIT_NOCLEAR" val="0"/>
+  <p:tag name="KSO_WM_UNIT_VALUE" val="50"/>
+  <p:tag name="KSO_WM_UNIT_HIGHLIGHT" val="0"/>
+  <p:tag name="KSO_WM_UNIT_COMPATIBLE" val="0"/>
+  <p:tag name="KSO_WM_UNIT_DIAGRAM_ISNUMVISUAL" val="0"/>
+  <p:tag name="KSO_WM_UNIT_DIAGRAM_ISREFERUNIT" val="0"/>
+  <p:tag name="KSO_WM_UNIT_TYPE" val="f"/>
+  <p:tag name="KSO_WM_UNIT_INDEX" val="2"/>
+  <p:tag name="KSO_WM_UNIT_ID" val="custom20202582_13*f*2"/>
+  <p:tag name="KSO_WM_TEMPLATE_CATEGORY" val="custom"/>
+  <p:tag name="KSO_WM_TEMPLATE_INDEX" val="20202582"/>
+  <p:tag name="KSO_WM_UNIT_LAYERLEVEL" val="1"/>
+  <p:tag name="KSO_WM_TAG_VERSION" val="1.0"/>
+  <p:tag name="KSO_WM_BEAUTIFY_FLAG" val="#wm#"/>
+  <p:tag name="KSO_WM_UNIT_SUBTYPE" val="a"/>
 </p:tagLst>
 </file>
 
 <file path=ppt/tags/tag283.xml><?xml version="1.0" encoding="utf-8"?>
+<p:tagLst xmlns:a="http://schemas.openxmlformats.org/drawingml/2006/main" xmlns:r="http://schemas.openxmlformats.org/officeDocument/2006/relationships" xmlns:p="http://schemas.openxmlformats.org/presentationml/2006/main">
+  <p:tag name="TABLE_ENDDRAG_ORIGIN_RECT" val="219*136"/>
+  <p:tag name="TABLE_ENDDRAG_RECT" val="53*306*219*136"/>
+</p:tagLst>
+</file>
+
+<file path=ppt/tags/tag284.xml><?xml version="1.0" encoding="utf-8"?>
+<p:tagLst xmlns:a="http://schemas.openxmlformats.org/drawingml/2006/main" xmlns:r="http://schemas.openxmlformats.org/officeDocument/2006/relationships" xmlns:p="http://schemas.openxmlformats.org/presentationml/2006/main">
+  <p:tag name="TABLE_ENDDRAG_ORIGIN_RECT" val="219*136"/>
+  <p:tag name="TABLE_ENDDRAG_RECT" val="53*306*219*136"/>
+</p:tagLst>
+</file>
+
+<file path=ppt/tags/tag285.xml><?xml version="1.0" encoding="utf-8"?>
+<p:tagLst xmlns:a="http://schemas.openxmlformats.org/drawingml/2006/main" xmlns:r="http://schemas.openxmlformats.org/officeDocument/2006/relationships" xmlns:p="http://schemas.openxmlformats.org/presentationml/2006/main">
+  <p:tag name="KSO_WM_UNIT_PRESET_TEXT" val="单击此处添加文本具体内容，简明扼要的阐述您的观点。"/>
+  <p:tag name="KSO_WM_UNIT_NOCLEAR" val="0"/>
+  <p:tag name="KSO_WM_UNIT_VALUE" val="50"/>
+  <p:tag name="KSO_WM_UNIT_HIGHLIGHT" val="0"/>
+  <p:tag name="KSO_WM_UNIT_COMPATIBLE" val="0"/>
+  <p:tag name="KSO_WM_UNIT_DIAGRAM_ISNUMVISUAL" val="0"/>
+  <p:tag name="KSO_WM_UNIT_DIAGRAM_ISREFERUNIT" val="0"/>
+  <p:tag name="KSO_WM_UNIT_TYPE" val="f"/>
+  <p:tag name="KSO_WM_UNIT_INDEX" val="2"/>
+  <p:tag name="KSO_WM_UNIT_ID" val="custom20202582_13*f*2"/>
+  <p:tag name="KSO_WM_TEMPLATE_CATEGORY" val="custom"/>
+  <p:tag name="KSO_WM_TEMPLATE_INDEX" val="20202582"/>
+  <p:tag name="KSO_WM_UNIT_LAYERLEVEL" val="1"/>
+  <p:tag name="KSO_WM_TAG_VERSION" val="1.0"/>
+  <p:tag name="KSO_WM_BEAUTIFY_FLAG" val="#wm#"/>
+  <p:tag name="KSO_WM_UNIT_SUBTYPE" val="a"/>
+</p:tagLst>
+</file>
+
+<file path=ppt/tags/tag286.xml><?xml version="1.0" encoding="utf-8"?>
 <p:tagLst xmlns:a="http://schemas.openxmlformats.org/drawingml/2006/main" xmlns:r="http://schemas.openxmlformats.org/officeDocument/2006/relationships" xmlns:p="http://schemas.openxmlformats.org/presentationml/2006/main">
   <p:tag name="KSO_WM_SLIDE_ID" val="custom20202582_7"/>
   <p:tag name="KSO_WM_TEMPLATE_SUBCATEGORY" val="0"/>
@@ -30341,7 +30454,7 @@
 </p:tagLst>
 </file>
 
-<file path=ppt/tags/tag284.xml><?xml version="1.0" encoding="utf-8"?>
+<file path=ppt/tags/tag287.xml><?xml version="1.0" encoding="utf-8"?>
 <p:tagLst xmlns:a="http://schemas.openxmlformats.org/drawingml/2006/main" xmlns:r="http://schemas.openxmlformats.org/officeDocument/2006/relationships" xmlns:p="http://schemas.openxmlformats.org/presentationml/2006/main">
   <p:tag name="KSO_WM_UNIT_ISCONTENTSTITLE" val="0"/>
   <p:tag name="KSO_WM_UNIT_PRESET_TEXT" val="单击此处添加标题"/>
@@ -30363,7 +30476,7 @@
 </p:tagLst>
 </file>
 
-<file path=ppt/tags/tag285.xml><?xml version="1.0" encoding="utf-8"?>
+<file path=ppt/tags/tag288.xml><?xml version="1.0" encoding="utf-8"?>
 <p:tagLst xmlns:a="http://schemas.openxmlformats.org/drawingml/2006/main" xmlns:r="http://schemas.openxmlformats.org/officeDocument/2006/relationships" xmlns:p="http://schemas.openxmlformats.org/presentationml/2006/main">
   <p:tag name="KSO_WM_UNIT_ISCONTENTSTITLE" val="0"/>
   <p:tag name="KSO_WM_UNIT_PRESET_TEXT" val="Contents"/>
@@ -30389,7 +30502,7 @@
 </p:tagLst>
 </file>
 
-<file path=ppt/tags/tag286.xml><?xml version="1.0" encoding="utf-8"?>
+<file path=ppt/tags/tag289.xml><?xml version="1.0" encoding="utf-8"?>
 <p:tagLst xmlns:a="http://schemas.openxmlformats.org/drawingml/2006/main" xmlns:r="http://schemas.openxmlformats.org/officeDocument/2006/relationships" xmlns:p="http://schemas.openxmlformats.org/presentationml/2006/main">
   <p:tag name="KSO_WM_SLIDE_ID" val="custom20202582_13"/>
   <p:tag name="KSO_WM_TEMPLATE_SUBCATEGORY" val="0"/>
@@ -30410,7 +30523,20 @@
 </p:tagLst>
 </file>
 
-<file path=ppt/tags/tag287.xml><?xml version="1.0" encoding="utf-8"?>
+<file path=ppt/tags/tag29.xml><?xml version="1.0" encoding="utf-8"?>
+<p:tagLst xmlns:a="http://schemas.openxmlformats.org/drawingml/2006/main" xmlns:r="http://schemas.openxmlformats.org/officeDocument/2006/relationships" xmlns:p="http://schemas.openxmlformats.org/presentationml/2006/main">
+  <p:tag name="KSO_WM_UNIT_HIGHLIGHT" val="0"/>
+  <p:tag name="KSO_WM_UNIT_COMPATIBLE" val="0"/>
+  <p:tag name="KSO_WM_UNIT_DIAGRAM_ISNUMVISUAL" val="0"/>
+  <p:tag name="KSO_WM_UNIT_DIAGRAM_ISREFERUNIT" val="0"/>
+  <p:tag name="KSO_WM_UNIT_ID" val="_2**"/>
+  <p:tag name="KSO_WM_UNIT_LAYERLEVEL" val="1"/>
+  <p:tag name="KSO_WM_TAG_VERSION" val="1.0"/>
+  <p:tag name="KSO_WM_BEAUTIFY_FLAG" val="#wm#"/>
+</p:tagLst>
+</file>
+
+<file path=ppt/tags/tag290.xml><?xml version="1.0" encoding="utf-8"?>
 <p:tagLst xmlns:a="http://schemas.openxmlformats.org/drawingml/2006/main" xmlns:r="http://schemas.openxmlformats.org/officeDocument/2006/relationships" xmlns:p="http://schemas.openxmlformats.org/presentationml/2006/main">
   <p:tag name="KSO_WM_UNIT_ISCONTENTSTITLE" val="0"/>
   <p:tag name="KSO_WM_UNIT_PRESET_TEXT" val="单击此处添加标题"/>
@@ -30432,14 +30558,7 @@
 </p:tagLst>
 </file>
 
-<file path=ppt/tags/tag288.xml><?xml version="1.0" encoding="utf-8"?>
-<p:tagLst xmlns:a="http://schemas.openxmlformats.org/drawingml/2006/main" xmlns:r="http://schemas.openxmlformats.org/officeDocument/2006/relationships" xmlns:p="http://schemas.openxmlformats.org/presentationml/2006/main">
-  <p:tag name="TABLE_ENDDRAG_ORIGIN_RECT" val="351*115"/>
-  <p:tag name="TABLE_ENDDRAG_RECT" val="526*259*351*115"/>
-</p:tagLst>
-</file>
-
-<file path=ppt/tags/tag289.xml><?xml version="1.0" encoding="utf-8"?>
+<file path=ppt/tags/tag291.xml><?xml version="1.0" encoding="utf-8"?>
 <p:tagLst xmlns:a="http://schemas.openxmlformats.org/drawingml/2006/main" xmlns:r="http://schemas.openxmlformats.org/officeDocument/2006/relationships" xmlns:p="http://schemas.openxmlformats.org/presentationml/2006/main">
   <p:tag name="KSO_WM_UNIT_PRESET_TEXT" val="单击此处添加文本具体内容，简明扼要的阐述您的观点。"/>
   <p:tag name="KSO_WM_UNIT_NOCLEAR" val="0"/>
@@ -30457,33 +30576,6 @@
   <p:tag name="KSO_WM_TAG_VERSION" val="1.0"/>
   <p:tag name="KSO_WM_BEAUTIFY_FLAG" val="#wm#"/>
   <p:tag name="KSO_WM_UNIT_SUBTYPE" val="a"/>
-</p:tagLst>
-</file>
-
-<file path=ppt/tags/tag29.xml><?xml version="1.0" encoding="utf-8"?>
-<p:tagLst xmlns:a="http://schemas.openxmlformats.org/drawingml/2006/main" xmlns:r="http://schemas.openxmlformats.org/officeDocument/2006/relationships" xmlns:p="http://schemas.openxmlformats.org/presentationml/2006/main">
-  <p:tag name="KSO_WM_UNIT_HIGHLIGHT" val="0"/>
-  <p:tag name="KSO_WM_UNIT_COMPATIBLE" val="0"/>
-  <p:tag name="KSO_WM_UNIT_DIAGRAM_ISNUMVISUAL" val="0"/>
-  <p:tag name="KSO_WM_UNIT_DIAGRAM_ISREFERUNIT" val="0"/>
-  <p:tag name="KSO_WM_UNIT_ID" val="_2**"/>
-  <p:tag name="KSO_WM_UNIT_LAYERLEVEL" val="1"/>
-  <p:tag name="KSO_WM_TAG_VERSION" val="1.0"/>
-  <p:tag name="KSO_WM_BEAUTIFY_FLAG" val="#wm#"/>
-</p:tagLst>
-</file>
-
-<file path=ppt/tags/tag290.xml><?xml version="1.0" encoding="utf-8"?>
-<p:tagLst xmlns:a="http://schemas.openxmlformats.org/drawingml/2006/main" xmlns:r="http://schemas.openxmlformats.org/officeDocument/2006/relationships" xmlns:p="http://schemas.openxmlformats.org/presentationml/2006/main">
-  <p:tag name="TABLE_ENDDRAG_ORIGIN_RECT" val="351*115"/>
-  <p:tag name="TABLE_ENDDRAG_RECT" val="526*259*351*115"/>
-</p:tagLst>
-</file>
-
-<file path=ppt/tags/tag291.xml><?xml version="1.0" encoding="utf-8"?>
-<p:tagLst xmlns:a="http://schemas.openxmlformats.org/drawingml/2006/main" xmlns:r="http://schemas.openxmlformats.org/officeDocument/2006/relationships" xmlns:p="http://schemas.openxmlformats.org/presentationml/2006/main">
-  <p:tag name="TABLE_ENDDRAG_ORIGIN_RECT" val="351*115"/>
-  <p:tag name="TABLE_ENDDRAG_RECT" val="526*259*351*115"/>
 </p:tagLst>
 </file>
 
@@ -30574,15 +30666,44 @@
 
 <file path=ppt/tags/tag295.xml><?xml version="1.0" encoding="utf-8"?>
 <p:tagLst xmlns:a="http://schemas.openxmlformats.org/drawingml/2006/main" xmlns:r="http://schemas.openxmlformats.org/officeDocument/2006/relationships" xmlns:p="http://schemas.openxmlformats.org/presentationml/2006/main">
-  <p:tag name="TABLE_ENDDRAG_ORIGIN_RECT" val="219*136"/>
-  <p:tag name="TABLE_ENDDRAG_RECT" val="53*306*219*136"/>
+  <p:tag name="KSO_WM_SLIDE_ID" val="custom20202582_13"/>
+  <p:tag name="KSO_WM_TEMPLATE_SUBCATEGORY" val="0"/>
+  <p:tag name="KSO_WM_TEMPLATE_MASTER_TYPE" val="1"/>
+  <p:tag name="KSO_WM_TEMPLATE_COLOR_TYPE" val="1"/>
+  <p:tag name="KSO_WM_SLIDE_TYPE" val="text"/>
+  <p:tag name="KSO_WM_SLIDE_SUBTYPE" val="picTxt"/>
+  <p:tag name="KSO_WM_SLIDE_ITEM_CNT" val="0"/>
+  <p:tag name="KSO_WM_SLIDE_INDEX" val="13"/>
+  <p:tag name="KSO_WM_SLIDE_SIZE" val="869*422"/>
+  <p:tag name="KSO_WM_SLIDE_POSITION" val="45*18"/>
+  <p:tag name="KSO_WM_TAG_VERSION" val="1.0"/>
+  <p:tag name="KSO_WM_BEAUTIFY_FLAG" val="#wm#"/>
+  <p:tag name="KSO_WM_TEMPLATE_CATEGORY" val="custom"/>
+  <p:tag name="KSO_WM_TEMPLATE_INDEX" val="20202582"/>
+  <p:tag name="KSO_WM_SLIDE_LAYOUT" val="a_d_f"/>
+  <p:tag name="KSO_WM_SLIDE_LAYOUT_CNT" val="1_2_2"/>
 </p:tagLst>
 </file>
 
 <file path=ppt/tags/tag296.xml><?xml version="1.0" encoding="utf-8"?>
 <p:tagLst xmlns:a="http://schemas.openxmlformats.org/drawingml/2006/main" xmlns:r="http://schemas.openxmlformats.org/officeDocument/2006/relationships" xmlns:p="http://schemas.openxmlformats.org/presentationml/2006/main">
-  <p:tag name="TABLE_ENDDRAG_ORIGIN_RECT" val="219*136"/>
-  <p:tag name="TABLE_ENDDRAG_RECT" val="53*306*219*136"/>
+  <p:tag name="KSO_WM_UNIT_ISCONTENTSTITLE" val="0"/>
+  <p:tag name="KSO_WM_UNIT_PRESET_TEXT" val="单击此处添加标题"/>
+  <p:tag name="KSO_WM_UNIT_NOCLEAR" val="0"/>
+  <p:tag name="KSO_WM_UNIT_VALUE" val="42"/>
+  <p:tag name="KSO_WM_UNIT_HIGHLIGHT" val="0"/>
+  <p:tag name="KSO_WM_UNIT_COMPATIBLE" val="0"/>
+  <p:tag name="KSO_WM_UNIT_DIAGRAM_ISNUMVISUAL" val="0"/>
+  <p:tag name="KSO_WM_UNIT_DIAGRAM_ISREFERUNIT" val="0"/>
+  <p:tag name="KSO_WM_UNIT_TYPE" val="a"/>
+  <p:tag name="KSO_WM_UNIT_INDEX" val="1"/>
+  <p:tag name="KSO_WM_UNIT_ID" val="custom20202582_13*a*1"/>
+  <p:tag name="KSO_WM_TEMPLATE_CATEGORY" val="custom"/>
+  <p:tag name="KSO_WM_TEMPLATE_INDEX" val="20202582"/>
+  <p:tag name="KSO_WM_UNIT_LAYERLEVEL" val="1"/>
+  <p:tag name="KSO_WM_TAG_VERSION" val="1.0"/>
+  <p:tag name="KSO_WM_BEAUTIFY_FLAG" val="#wm#"/>
+  <p:tag name="KSO_WM_UNIT_ISNUMDGMTITLE" val="0"/>
 </p:tagLst>
 </file>
 
@@ -30609,6 +30730,108 @@
 
 <file path=ppt/tags/tag298.xml><?xml version="1.0" encoding="utf-8"?>
 <p:tagLst xmlns:a="http://schemas.openxmlformats.org/drawingml/2006/main" xmlns:r="http://schemas.openxmlformats.org/officeDocument/2006/relationships" xmlns:p="http://schemas.openxmlformats.org/presentationml/2006/main">
+  <p:tag name="TABLE_ENDDRAG_ORIGIN_RECT" val="280*50"/>
+  <p:tag name="TABLE_ENDDRAG_RECT" val="611*325*280*50"/>
+</p:tagLst>
+</file>
+
+<file path=ppt/tags/tag299.xml><?xml version="1.0" encoding="utf-8"?>
+<p:tagLst xmlns:a="http://schemas.openxmlformats.org/drawingml/2006/main" xmlns:r="http://schemas.openxmlformats.org/officeDocument/2006/relationships" xmlns:p="http://schemas.openxmlformats.org/presentationml/2006/main">
+  <p:tag name="KSO_WM_SLIDE_ID" val="custom20202582_7"/>
+  <p:tag name="KSO_WM_TEMPLATE_SUBCATEGORY" val="0"/>
+  <p:tag name="KSO_WM_TEMPLATE_MASTER_TYPE" val="1"/>
+  <p:tag name="KSO_WM_TEMPLATE_COLOR_TYPE" val="1"/>
+  <p:tag name="KSO_WM_SLIDE_TYPE" val="sectionTitle"/>
+  <p:tag name="KSO_WM_SLIDE_SUBTYPE" val="pureTxt"/>
+  <p:tag name="KSO_WM_SLIDE_ITEM_CNT" val="0"/>
+  <p:tag name="KSO_WM_SLIDE_INDEX" val="7"/>
+  <p:tag name="KSO_WM_TAG_VERSION" val="1.0"/>
+  <p:tag name="KSO_WM_BEAUTIFY_FLAG" val="#wm#"/>
+  <p:tag name="KSO_WM_TEMPLATE_CATEGORY" val="custom"/>
+  <p:tag name="KSO_WM_TEMPLATE_INDEX" val="20202582"/>
+  <p:tag name="KSO_WM_SLIDE_LAYOUT" val="a_b_e_j"/>
+  <p:tag name="KSO_WM_SLIDE_LAYOUT_CNT" val="1_1_1_1"/>
+</p:tagLst>
+</file>
+
+<file path=ppt/tags/tag3.xml><?xml version="1.0" encoding="utf-8"?>
+<p:tagLst xmlns:a="http://schemas.openxmlformats.org/drawingml/2006/main" xmlns:r="http://schemas.openxmlformats.org/officeDocument/2006/relationships" xmlns:p="http://schemas.openxmlformats.org/presentationml/2006/main">
+  <p:tag name="KSO_WM_UNIT_HIGHLIGHT" val="0"/>
+  <p:tag name="KSO_WM_UNIT_COMPATIBLE" val="0"/>
+  <p:tag name="KSO_WM_UNIT_DIAGRAM_ISNUMVISUAL" val="0"/>
+  <p:tag name="KSO_WM_UNIT_DIAGRAM_ISREFERUNIT" val="0"/>
+  <p:tag name="KSO_WM_UNIT_ID" val="_0**"/>
+  <p:tag name="KSO_WM_UNIT_LAYERLEVEL" val="1"/>
+  <p:tag name="KSO_WM_TAG_VERSION" val="1.0"/>
+  <p:tag name="KSO_WM_BEAUTIFY_FLAG" val="#wm#"/>
+  <p:tag name="KSO_WM_TEMPLATE_CATEGORY" val="custom"/>
+  <p:tag name="KSO_WM_TEMPLATE_INDEX" val="20202582"/>
+</p:tagLst>
+</file>
+
+<file path=ppt/tags/tag30.xml><?xml version="1.0" encoding="utf-8"?>
+<p:tagLst xmlns:a="http://schemas.openxmlformats.org/drawingml/2006/main" xmlns:r="http://schemas.openxmlformats.org/officeDocument/2006/relationships" xmlns:p="http://schemas.openxmlformats.org/presentationml/2006/main">
+  <p:tag name="KSO_WM_UNIT_HIGHLIGHT" val="0"/>
+  <p:tag name="KSO_WM_UNIT_COMPATIBLE" val="0"/>
+  <p:tag name="KSO_WM_UNIT_DIAGRAM_ISNUMVISUAL" val="0"/>
+  <p:tag name="KSO_WM_UNIT_DIAGRAM_ISREFERUNIT" val="0"/>
+  <p:tag name="KSO_WM_UNIT_ID" val="_2**"/>
+  <p:tag name="KSO_WM_UNIT_LAYERLEVEL" val="1"/>
+  <p:tag name="KSO_WM_TAG_VERSION" val="1.0"/>
+  <p:tag name="KSO_WM_BEAUTIFY_FLAG" val="#wm#"/>
+</p:tagLst>
+</file>
+
+<file path=ppt/tags/tag300.xml><?xml version="1.0" encoding="utf-8"?>
+<p:tagLst xmlns:a="http://schemas.openxmlformats.org/drawingml/2006/main" xmlns:r="http://schemas.openxmlformats.org/officeDocument/2006/relationships" xmlns:p="http://schemas.openxmlformats.org/presentationml/2006/main">
+  <p:tag name="KSO_WM_UNIT_ISCONTENTSTITLE" val="0"/>
+  <p:tag name="KSO_WM_UNIT_PRESET_TEXT" val="单击此处添加标题"/>
+  <p:tag name="KSO_WM_UNIT_NOCLEAR" val="0"/>
+  <p:tag name="KSO_WM_UNIT_VALUE" val="9"/>
+  <p:tag name="KSO_WM_UNIT_HIGHLIGHT" val="0"/>
+  <p:tag name="KSO_WM_UNIT_COMPATIBLE" val="0"/>
+  <p:tag name="KSO_WM_UNIT_DIAGRAM_ISNUMVISUAL" val="0"/>
+  <p:tag name="KSO_WM_UNIT_DIAGRAM_ISREFERUNIT" val="0"/>
+  <p:tag name="KSO_WM_UNIT_TYPE" val="a"/>
+  <p:tag name="KSO_WM_UNIT_INDEX" val="1"/>
+  <p:tag name="KSO_WM_UNIT_ID" val="custom20202582_7*a*1"/>
+  <p:tag name="KSO_WM_TEMPLATE_CATEGORY" val="custom"/>
+  <p:tag name="KSO_WM_TEMPLATE_INDEX" val="20202582"/>
+  <p:tag name="KSO_WM_UNIT_LAYERLEVEL" val="1"/>
+  <p:tag name="KSO_WM_TAG_VERSION" val="1.0"/>
+  <p:tag name="KSO_WM_BEAUTIFY_FLAG" val="#wm#"/>
+  <p:tag name="KSO_WM_UNIT_ISNUMDGMTITLE" val="0"/>
+</p:tagLst>
+</file>
+
+<file path=ppt/tags/tag301.xml><?xml version="1.0" encoding="utf-8"?>
+<p:tagLst xmlns:a="http://schemas.openxmlformats.org/drawingml/2006/main" xmlns:r="http://schemas.openxmlformats.org/officeDocument/2006/relationships" xmlns:p="http://schemas.openxmlformats.org/presentationml/2006/main">
+  <p:tag name="KSO_WM_UNIT_ISCONTENTSTITLE" val="0"/>
+  <p:tag name="KSO_WM_UNIT_PRESET_TEXT" val="Contents"/>
+  <p:tag name="KSO_WM_UNIT_NOCLEAR" val="0"/>
+  <p:tag name="KSO_WM_UNIT_VALUE" val="7"/>
+  <p:tag name="KSO_WM_UNIT_HIGHLIGHT" val="0"/>
+  <p:tag name="KSO_WM_UNIT_COMPATIBLE" val="0"/>
+  <p:tag name="KSO_WM_UNIT_DIAGRAM_ISNUMVISUAL" val="0"/>
+  <p:tag name="KSO_WM_UNIT_DIAGRAM_ISREFERUNIT" val="0"/>
+  <p:tag name="KSO_WM_DIAGRAM_GROUP_CODE" val="l1-1"/>
+  <p:tag name="KSO_WM_UNIT_TYPE" val="b"/>
+  <p:tag name="KSO_WM_UNIT_INDEX" val="1"/>
+  <p:tag name="KSO_WM_UNIT_ID" val="custom20202582_3*b*1"/>
+  <p:tag name="KSO_WM_TEMPLATE_CATEGORY" val="custom"/>
+  <p:tag name="KSO_WM_TEMPLATE_INDEX" val="20202582"/>
+  <p:tag name="KSO_WM_UNIT_LAYERLEVEL" val="1"/>
+  <p:tag name="KSO_WM_TAG_VERSION" val="1.0"/>
+  <p:tag name="KSO_WM_BEAUTIFY_FLAG" val="#wm#"/>
+  <p:tag name="KSO_WM_UNIT_ISNUMDGMTITLE" val="0"/>
+  <p:tag name="KSO_WM_UNIT_TEXT_FILL_FORE_SCHEMECOLOR_INDEX" val="13"/>
+  <p:tag name="KSO_WM_UNIT_TEXT_FILL_TYPE" val="1"/>
+  <p:tag name="KSO_WM_UNIT_USESOURCEFORMAT_APPLY" val="1"/>
+</p:tagLst>
+</file>
+
+<file path=ppt/tags/tag302.xml><?xml version="1.0" encoding="utf-8"?>
+<p:tagLst xmlns:a="http://schemas.openxmlformats.org/drawingml/2006/main" xmlns:r="http://schemas.openxmlformats.org/officeDocument/2006/relationships" xmlns:p="http://schemas.openxmlformats.org/presentationml/2006/main">
   <p:tag name="KSO_WM_SLIDE_ID" val="custom20202582_13"/>
   <p:tag name="KSO_WM_TEMPLATE_SUBCATEGORY" val="0"/>
   <p:tag name="KSO_WM_TEMPLATE_MASTER_TYPE" val="1"/>
@@ -30628,7 +30851,7 @@
 </p:tagLst>
 </file>
 
-<file path=ppt/tags/tag299.xml><?xml version="1.0" encoding="utf-8"?>
+<file path=ppt/tags/tag303.xml><?xml version="1.0" encoding="utf-8"?>
 <p:tagLst xmlns:a="http://schemas.openxmlformats.org/drawingml/2006/main" xmlns:r="http://schemas.openxmlformats.org/officeDocument/2006/relationships" xmlns:p="http://schemas.openxmlformats.org/presentationml/2006/main">
   <p:tag name="KSO_WM_UNIT_ISCONTENTSTITLE" val="0"/>
   <p:tag name="KSO_WM_UNIT_PRESET_TEXT" val="单击此处添加标题"/>
@@ -30650,42 +30873,14 @@
 </p:tagLst>
 </file>
 
-<file path=ppt/tags/tag3.xml><?xml version="1.0" encoding="utf-8"?>
-<p:tagLst xmlns:a="http://schemas.openxmlformats.org/drawingml/2006/main" xmlns:r="http://schemas.openxmlformats.org/officeDocument/2006/relationships" xmlns:p="http://schemas.openxmlformats.org/presentationml/2006/main">
-  <p:tag name="KSO_WM_UNIT_HIGHLIGHT" val="0"/>
-  <p:tag name="KSO_WM_UNIT_COMPATIBLE" val="0"/>
-  <p:tag name="KSO_WM_UNIT_DIAGRAM_ISNUMVISUAL" val="0"/>
-  <p:tag name="KSO_WM_UNIT_DIAGRAM_ISREFERUNIT" val="0"/>
-  <p:tag name="KSO_WM_UNIT_ID" val="_0**"/>
-  <p:tag name="KSO_WM_UNIT_LAYERLEVEL" val="1"/>
-  <p:tag name="KSO_WM_TAG_VERSION" val="1.0"/>
-  <p:tag name="KSO_WM_BEAUTIFY_FLAG" val="#wm#"/>
-  <p:tag name="KSO_WM_TEMPLATE_CATEGORY" val="custom"/>
-  <p:tag name="KSO_WM_TEMPLATE_INDEX" val="20202582"/>
-</p:tagLst>
-</file>
-
-<file path=ppt/tags/tag30.xml><?xml version="1.0" encoding="utf-8"?>
-<p:tagLst xmlns:a="http://schemas.openxmlformats.org/drawingml/2006/main" xmlns:r="http://schemas.openxmlformats.org/officeDocument/2006/relationships" xmlns:p="http://schemas.openxmlformats.org/presentationml/2006/main">
-  <p:tag name="KSO_WM_UNIT_HIGHLIGHT" val="0"/>
-  <p:tag name="KSO_WM_UNIT_COMPATIBLE" val="0"/>
-  <p:tag name="KSO_WM_UNIT_DIAGRAM_ISNUMVISUAL" val="0"/>
-  <p:tag name="KSO_WM_UNIT_DIAGRAM_ISREFERUNIT" val="0"/>
-  <p:tag name="KSO_WM_UNIT_ID" val="_2**"/>
-  <p:tag name="KSO_WM_UNIT_LAYERLEVEL" val="1"/>
-  <p:tag name="KSO_WM_TAG_VERSION" val="1.0"/>
-  <p:tag name="KSO_WM_BEAUTIFY_FLAG" val="#wm#"/>
-</p:tagLst>
-</file>
-
-<file path=ppt/tags/tag301.xml><?xml version="1.0" encoding="utf-8"?>
+<file path=ppt/tags/tag304.xml><?xml version="1.0" encoding="utf-8"?>
 <p:tagLst xmlns:a="http://schemas.openxmlformats.org/drawingml/2006/main" xmlns:r="http://schemas.openxmlformats.org/officeDocument/2006/relationships" xmlns:p="http://schemas.openxmlformats.org/presentationml/2006/main">
   <p:tag name="TABLE_ENDDRAG_ORIGIN_RECT" val="195*115"/>
   <p:tag name="TABLE_ENDDRAG_RECT" val="612*107*195*115"/>
 </p:tagLst>
 </file>
 
-<file path=ppt/tags/tag302.xml><?xml version="1.0" encoding="utf-8"?>
+<file path=ppt/tags/tag305.xml><?xml version="1.0" encoding="utf-8"?>
 <p:tagLst xmlns:a="http://schemas.openxmlformats.org/drawingml/2006/main" xmlns:r="http://schemas.openxmlformats.org/officeDocument/2006/relationships" xmlns:p="http://schemas.openxmlformats.org/presentationml/2006/main">
   <p:tag name="KSO_WM_UNIT_PRESET_TEXT" val="单击此处添加文本具体内容，简明扼要的阐述您的观点。"/>
   <p:tag name="KSO_WM_UNIT_NOCLEAR" val="0"/>
@@ -30706,21 +30901,21 @@
 </p:tagLst>
 </file>
 
-<file path=ppt/tags/tag303.xml><?xml version="1.0" encoding="utf-8"?>
+<file path=ppt/tags/tag306.xml><?xml version="1.0" encoding="utf-8"?>
 <p:tagLst xmlns:a="http://schemas.openxmlformats.org/drawingml/2006/main" xmlns:r="http://schemas.openxmlformats.org/officeDocument/2006/relationships" xmlns:p="http://schemas.openxmlformats.org/presentationml/2006/main">
   <p:tag name="TABLE_ENDDRAG_ORIGIN_RECT" val="195*115"/>
   <p:tag name="TABLE_ENDDRAG_RECT" val="612*107*195*115"/>
 </p:tagLst>
 </file>
 
-<file path=ppt/tags/tag304.xml><?xml version="1.0" encoding="utf-8"?>
+<file path=ppt/tags/tag307.xml><?xml version="1.0" encoding="utf-8"?>
 <p:tagLst xmlns:a="http://schemas.openxmlformats.org/drawingml/2006/main" xmlns:r="http://schemas.openxmlformats.org/officeDocument/2006/relationships" xmlns:p="http://schemas.openxmlformats.org/presentationml/2006/main">
   <p:tag name="TABLE_ENDDRAG_ORIGIN_RECT" val="195*115"/>
   <p:tag name="TABLE_ENDDRAG_RECT" val="612*107*195*115"/>
 </p:tagLst>
 </file>
 
-<file path=ppt/tags/tag305.xml><?xml version="1.0" encoding="utf-8"?>
+<file path=ppt/tags/tag308.xml><?xml version="1.0" encoding="utf-8"?>
 <p:tagLst xmlns:a="http://schemas.openxmlformats.org/drawingml/2006/main" xmlns:r="http://schemas.openxmlformats.org/officeDocument/2006/relationships" xmlns:p="http://schemas.openxmlformats.org/presentationml/2006/main">
   <p:tag name="TABLE_ENDDRAG_ORIGIN_RECT" val="195*115"/>
   <p:tag name="TABLE_ENDDRAG_RECT" val="612*107*195*115"/>

--- a/slides/Chapter2.pptx
+++ b/slides/Chapter2.pptx
@@ -225,7 +225,7 @@
           <a:p>
             <a:fld id="{D2A48B96-639E-45A3-A0BA-2464DFDB1FAA}" type="datetimeFigureOut">
               <a:rPr lang="zh-CN" altLang="en-US" smtClean="0"/>
-              <a:t>2023/1/18</a:t>
+              <a:t>2023/1/28</a:t>
             </a:fld>
             <a:endParaRPr lang="zh-CN" altLang="en-US"/>
           </a:p>
@@ -2277,7 +2277,7 @@
           <a:p>
             <a:fld id="{760FBDFE-C587-4B4C-A407-44438C67B59E}" type="datetimeFigureOut">
               <a:rPr lang="zh-CN" altLang="en-US" smtClean="0"/>
-              <a:t>2023/1/18</a:t>
+              <a:t>2023/1/28</a:t>
             </a:fld>
             <a:endParaRPr lang="zh-CN" altLang="en-US"/>
           </a:p>
@@ -3040,7 +3040,7 @@
           <a:p>
             <a:fld id="{760FBDFE-C587-4B4C-A407-44438C67B59E}" type="datetimeFigureOut">
               <a:rPr lang="zh-CN" altLang="en-US" smtClean="0"/>
-              <a:t>2023/1/18</a:t>
+              <a:t>2023/1/28</a:t>
             </a:fld>
             <a:endParaRPr lang="zh-CN" altLang="en-US"/>
           </a:p>
@@ -3807,7 +3807,7 @@
           <a:p>
             <a:fld id="{760FBDFE-C587-4B4C-A407-44438C67B59E}" type="datetimeFigureOut">
               <a:rPr lang="zh-CN" altLang="en-US" smtClean="0"/>
-              <a:t>2023/1/18</a:t>
+              <a:t>2023/1/28</a:t>
             </a:fld>
             <a:endParaRPr lang="zh-CN" altLang="en-US"/>
           </a:p>
@@ -4273,7 +4273,7 @@
           <a:p>
             <a:fld id="{760FBDFE-C587-4B4C-A407-44438C67B59E}" type="datetimeFigureOut">
               <a:rPr lang="zh-CN" altLang="en-US" smtClean="0"/>
-              <a:t>2023/1/18</a:t>
+              <a:t>2023/1/28</a:t>
             </a:fld>
             <a:endParaRPr lang="zh-CN" altLang="en-US"/>
           </a:p>
@@ -4963,7 +4963,7 @@
           <a:p>
             <a:fld id="{760FBDFE-C587-4B4C-A407-44438C67B59E}" type="datetimeFigureOut">
               <a:rPr lang="zh-CN" altLang="en-US" smtClean="0"/>
-              <a:t>2023/1/18</a:t>
+              <a:t>2023/1/28</a:t>
             </a:fld>
             <a:endParaRPr lang="zh-CN" altLang="en-US"/>
           </a:p>
@@ -5437,7 +5437,7 @@
           <a:p>
             <a:fld id="{760FBDFE-C587-4B4C-A407-44438C67B59E}" type="datetimeFigureOut">
               <a:rPr lang="zh-CN" altLang="en-US" smtClean="0"/>
-              <a:t>2023/1/18</a:t>
+              <a:t>2023/1/28</a:t>
             </a:fld>
             <a:endParaRPr lang="zh-CN" altLang="en-US" dirty="0"/>
           </a:p>
@@ -6163,7 +6163,7 @@
           <a:p>
             <a:fld id="{760FBDFE-C587-4B4C-A407-44438C67B59E}" type="datetimeFigureOut">
               <a:rPr lang="zh-CN" altLang="en-US" smtClean="0"/>
-              <a:t>2023/1/18</a:t>
+              <a:t>2023/1/28</a:t>
             </a:fld>
             <a:endParaRPr lang="zh-CN" altLang="en-US"/>
           </a:p>
@@ -6803,7 +6803,7 @@
           <a:p>
             <a:fld id="{760FBDFE-C587-4B4C-A407-44438C67B59E}" type="datetimeFigureOut">
               <a:rPr lang="zh-CN" altLang="en-US" smtClean="0"/>
-              <a:t>2023/1/18</a:t>
+              <a:t>2023/1/28</a:t>
             </a:fld>
             <a:endParaRPr lang="zh-CN" altLang="en-US"/>
           </a:p>
@@ -7230,7 +7230,7 @@
           <a:p>
             <a:fld id="{760FBDFE-C587-4B4C-A407-44438C67B59E}" type="datetimeFigureOut">
               <a:rPr lang="zh-CN" altLang="en-US" smtClean="0"/>
-              <a:t>2023/1/18</a:t>
+              <a:t>2023/1/28</a:t>
             </a:fld>
             <a:endParaRPr lang="zh-CN" altLang="en-US"/>
           </a:p>
@@ -8430,7 +8430,7 @@
           <a:p>
             <a:fld id="{760FBDFE-C587-4B4C-A407-44438C67B59E}" type="datetimeFigureOut">
               <a:rPr lang="zh-CN" altLang="en-US" smtClean="0"/>
-              <a:t>2023/1/18</a:t>
+              <a:t>2023/1/28</a:t>
             </a:fld>
             <a:endParaRPr lang="zh-CN" altLang="en-US"/>
           </a:p>
@@ -9118,7 +9118,7 @@
           <a:p>
             <a:fld id="{760FBDFE-C587-4B4C-A407-44438C67B59E}" type="datetimeFigureOut">
               <a:rPr lang="zh-CN" altLang="en-US" smtClean="0"/>
-              <a:t>2023/1/18</a:t>
+              <a:t>2023/1/28</a:t>
             </a:fld>
             <a:endParaRPr lang="zh-CN" altLang="en-US"/>
           </a:p>
@@ -9926,7 +9926,7 @@
           <a:p>
             <a:fld id="{760FBDFE-C587-4B4C-A407-44438C67B59E}" type="datetimeFigureOut">
               <a:rPr lang="zh-CN" altLang="en-US" smtClean="0"/>
-              <a:t>2023/1/18</a:t>
+              <a:t>2023/1/28</a:t>
             </a:fld>
             <a:endParaRPr lang="zh-CN" altLang="en-US"/>
           </a:p>
@@ -10663,7 +10663,7 @@
           <a:p>
             <a:fld id="{760FBDFE-C587-4B4C-A407-44438C67B59E}" type="datetimeFigureOut">
               <a:rPr lang="zh-CN" altLang="en-US" smtClean="0"/>
-              <a:t>2023/1/18</a:t>
+              <a:t>2023/1/28</a:t>
             </a:fld>
             <a:endParaRPr lang="zh-CN" altLang="en-US"/>
           </a:p>
@@ -11644,7 +11644,7 @@
           <a:p>
             <a:fld id="{760FBDFE-C587-4B4C-A407-44438C67B59E}" type="datetimeFigureOut">
               <a:rPr lang="zh-CN" altLang="en-US" smtClean="0"/>
-              <a:t>2023/1/18</a:t>
+              <a:t>2023/1/28</a:t>
             </a:fld>
             <a:endParaRPr lang="zh-CN" altLang="en-US"/>
           </a:p>
@@ -12267,7 +12267,7 @@
           <a:p>
             <a:fld id="{760FBDFE-C587-4B4C-A407-44438C67B59E}" type="datetimeFigureOut">
               <a:rPr lang="zh-CN" altLang="en-US" smtClean="0"/>
-              <a:t>2023/1/18</a:t>
+              <a:t>2023/1/28</a:t>
             </a:fld>
             <a:endParaRPr lang="zh-CN" altLang="en-US"/>
           </a:p>
@@ -12374,7 +12374,7 @@
           <a:p>
             <a:fld id="{760FBDFE-C587-4B4C-A407-44438C67B59E}" type="datetimeFigureOut">
               <a:rPr lang="zh-CN" altLang="en-US" smtClean="0"/>
-              <a:t>2023/1/18</a:t>
+              <a:t>2023/1/28</a:t>
             </a:fld>
             <a:endParaRPr lang="zh-CN" altLang="en-US"/>
           </a:p>
@@ -13000,7 +13000,7 @@
           <a:p>
             <a:fld id="{9EFD9D74-47D9-4702-A33C-335B63B48DBF}" type="datetimeFigureOut">
               <a:rPr lang="zh-CN" altLang="en-US" smtClean="0"/>
-              <a:t>2023/1/18</a:t>
+              <a:t>2023/1/28</a:t>
             </a:fld>
             <a:endParaRPr lang="zh-CN" altLang="en-US" dirty="0"/>
           </a:p>
@@ -13714,7 +13714,7 @@
           <a:p>
             <a:fld id="{760FBDFE-C587-4B4C-A407-44438C67B59E}" type="datetimeFigureOut">
               <a:rPr lang="zh-CN" altLang="en-US" smtClean="0"/>
-              <a:t>2023/1/18</a:t>
+              <a:t>2023/1/28</a:t>
             </a:fld>
             <a:endParaRPr lang="zh-CN" altLang="en-US"/>
           </a:p>
@@ -13966,7 +13966,7 @@
           <a:p>
             <a:fld id="{760FBDFE-C587-4B4C-A407-44438C67B59E}" type="datetimeFigureOut">
               <a:rPr lang="zh-CN" altLang="en-US" smtClean="0"/>
-              <a:t>2023/1/18</a:t>
+              <a:t>2023/1/28</a:t>
             </a:fld>
             <a:endParaRPr lang="zh-CN" altLang="en-US"/>
           </a:p>
@@ -19947,7 +19947,7 @@
                 <a:latin typeface="Consolas" panose="020B0609020204030204" charset="0"/>
                 <a:ea typeface="宋体" panose="02010600030101010101" pitchFamily="2" charset="-122"/>
               </a:rPr>
-              <a:t>	printf</a:t>
+              <a:t>    printf</a:t>
             </a:r>
             <a:r>
               <a:rPr lang="en-US" b="1">
@@ -20012,7 +20012,7 @@
                 <a:latin typeface="Consolas" panose="020B0609020204030204" charset="0"/>
                 <a:ea typeface="宋体" panose="02010600030101010101" pitchFamily="2" charset="-122"/>
               </a:rPr>
-              <a:t>	</a:t>
+              <a:t>    </a:t>
             </a:r>
             <a:r>
               <a:rPr lang="en-US" b="1">
@@ -20129,7 +20129,7 @@
                 <a:latin typeface="Consolas" panose="020B0609020204030204" charset="0"/>
                 <a:ea typeface="宋体" panose="02010600030101010101" pitchFamily="2" charset="-122"/>
               </a:rPr>
-              <a:t>	printf</a:t>
+              <a:t>    printf</a:t>
             </a:r>
             <a:r>
               <a:rPr lang="en-US" b="1">
@@ -20194,7 +20194,7 @@
                 <a:latin typeface="Consolas" panose="020B0609020204030204" charset="0"/>
                 <a:ea typeface="宋体" panose="02010600030101010101" pitchFamily="2" charset="-122"/>
               </a:rPr>
-              <a:t>	</a:t>
+              <a:t>    </a:t>
             </a:r>
             <a:r>
               <a:rPr lang="en-US" b="1">
@@ -20311,7 +20311,7 @@
                 <a:latin typeface="Consolas" panose="020B0609020204030204" charset="0"/>
                 <a:ea typeface="宋体" panose="02010600030101010101" pitchFamily="2" charset="-122"/>
               </a:rPr>
-              <a:t>	printf</a:t>
+              <a:t>    printf</a:t>
             </a:r>
             <a:r>
               <a:rPr lang="en-US" b="1">
@@ -20376,7 +20376,7 @@
                 <a:latin typeface="Consolas" panose="020B0609020204030204" charset="0"/>
                 <a:ea typeface="宋体" panose="02010600030101010101" pitchFamily="2" charset="-122"/>
               </a:rPr>
-              <a:t>	</a:t>
+              <a:t>    </a:t>
             </a:r>
             <a:r>
               <a:rPr lang="en-US" b="1">
@@ -20519,7 +20519,7 @@
                 <a:latin typeface="Consolas" panose="020B0609020204030204" charset="0"/>
                 <a:ea typeface="宋体" panose="02010600030101010101" pitchFamily="2" charset="-122"/>
               </a:rPr>
-              <a:t>	printf</a:t>
+              <a:t>    printf</a:t>
             </a:r>
             <a:r>
               <a:rPr lang="en-US" b="1">
@@ -20584,7 +20584,7 @@
                 <a:latin typeface="Consolas" panose="020B0609020204030204" charset="0"/>
                 <a:ea typeface="宋体" panose="02010600030101010101" pitchFamily="2" charset="-122"/>
               </a:rPr>
-              <a:t>	</a:t>
+              <a:t>    </a:t>
             </a:r>
             <a:r>
               <a:rPr lang="en-US" b="1">
@@ -20675,7 +20675,7 @@
                 <a:latin typeface="Consolas" panose="020B0609020204030204" charset="0"/>
                 <a:ea typeface="宋体" panose="02010600030101010101" pitchFamily="2" charset="-122"/>
               </a:rPr>
-              <a:t>	printf</a:t>
+              <a:t>    printf</a:t>
             </a:r>
             <a:r>
               <a:rPr lang="en-US" b="1">
@@ -20740,7 +20740,7 @@
                 <a:latin typeface="Consolas" panose="020B0609020204030204" charset="0"/>
                 <a:ea typeface="宋体" panose="02010600030101010101" pitchFamily="2" charset="-122"/>
               </a:rPr>
-              <a:t>	</a:t>
+              <a:t>    </a:t>
             </a:r>
             <a:r>
               <a:rPr lang="en-US" b="1">
